--- a/SSD_B_BestReviewer.pptx
+++ b/SSD_B_BestReviewer.pptx
@@ -13,7 +13,7 @@
     <p:sldId id="258" r:id="rId4"/>
     <p:sldId id="260" r:id="rId5"/>
     <p:sldId id="261" r:id="rId6"/>
-    <p:sldId id="262" r:id="rId7"/>
+    <p:sldId id="266" r:id="rId7"/>
     <p:sldId id="263" r:id="rId8"/>
     <p:sldId id="264" r:id="rId9"/>
     <p:sldId id="265" r:id="rId10"/>
@@ -251,8 +251,11 @@
     </a:lvl9pPr>
   </p:defaultTextStyle>
   <p:extLst>
+    <p:ext uri="{EFAFB233-063F-42B5-8137-9DF3F51BA10A}">
+      <p15:sldGuideLst xmlns:p15="http://schemas.microsoft.com/office/powerpoint/2012/main"/>
+    </p:ext>
     <p:ext uri="GoogleSlidesCustomDataVersion2">
-      <go:slidesCustomData xmlns:go="http://customooxmlschemas.google.com/" xmlns:ahyp="http://schemas.microsoft.com/office/drawing/2018/hyperlinkcolor" xmlns:p15="http://schemas.microsoft.com/office/powerpoint/2012/main" xmlns:p14="http://schemas.microsoft.com/office/powerpoint/2010/main" xmlns:com="http://schemas.openxmlformats.org/drawingml/2006/compatibility" xmlns:pvml="urn:schemas-microsoft-com:office:powerpoint" xmlns:v="urn:schemas-microsoft-com:vml" xmlns:o="urn:schemas-microsoft-com:office:office" xmlns:dgm="http://schemas.openxmlformats.org/drawingml/2006/diagram" xmlns:c="http://schemas.openxmlformats.org/drawingml/2006/chart" xmlns:mv="urn:schemas-microsoft-com:mac:vml" xmlns:mc="http://schemas.openxmlformats.org/markup-compatibility/2006" xmlns="" r:id="rId13" roundtripDataSignature="AMtx7mj5GdbxsaFl02bTEFBl/9s84/Z/Bw=="/>
+      <go:slidesCustomData xmlns="" xmlns:mc="http://schemas.openxmlformats.org/markup-compatibility/2006" xmlns:mv="urn:schemas-microsoft-com:mac:vml" xmlns:c="http://schemas.openxmlformats.org/drawingml/2006/chart" xmlns:dgm="http://schemas.openxmlformats.org/drawingml/2006/diagram" xmlns:o="urn:schemas-microsoft-com:office:office" xmlns:v="urn:schemas-microsoft-com:vml" xmlns:pvml="urn:schemas-microsoft-com:office:powerpoint" xmlns:com="http://schemas.openxmlformats.org/drawingml/2006/compatibility" xmlns:p14="http://schemas.microsoft.com/office/powerpoint/2010/main" xmlns:p15="http://schemas.microsoft.com/office/powerpoint/2012/main" xmlns:ahyp="http://schemas.microsoft.com/office/drawing/2018/hyperlinkcolor" xmlns:go="http://customooxmlschemas.google.com/" r:id="rId13" roundtripDataSignature="AMtx7mj5GdbxsaFl02bTEFBl/9s84/Z/Bw=="/>
     </p:ext>
   </p:extLst>
 </p:presentation>
@@ -9227,10 +9230,10 @@
         </p:nvGrpSpPr>
         <p:grpSpPr>
           <a:xfrm>
-            <a:off x="8975453" y="4079445"/>
-            <a:ext cx="2879382" cy="2399249"/>
+            <a:off x="8815652" y="4079445"/>
+            <a:ext cx="3244799" cy="2399249"/>
             <a:chOff x="2473853" y="3255827"/>
-            <a:chExt cx="2879382" cy="2399249"/>
+            <a:chExt cx="3244799" cy="2399249"/>
           </a:xfrm>
         </p:grpSpPr>
         <p:grpSp>
@@ -9248,9 +9251,9 @@
           <p:grpSpPr>
             <a:xfrm>
               <a:off x="2473853" y="3262484"/>
-              <a:ext cx="2852063" cy="2244454"/>
+              <a:ext cx="3244799" cy="2244454"/>
               <a:chOff x="8817860" y="4191606"/>
-              <a:chExt cx="2852063" cy="2244454"/>
+              <a:chExt cx="3244799" cy="2244454"/>
             </a:xfrm>
           </p:grpSpPr>
           <p:pic>
@@ -9297,7 +9300,7 @@
             <p:spPr>
               <a:xfrm>
                 <a:off x="8817860" y="4191606"/>
-                <a:ext cx="2852063" cy="246221"/>
+                <a:ext cx="3244799" cy="400110"/>
               </a:xfrm>
               <a:prstGeom prst="rect">
                 <a:avLst/>
@@ -9552,8 +9555,23 @@
                 </a:r>
                 <a:r>
                   <a:rPr lang="en-US" altLang="ko-KR" sz="1000" dirty="0"/>
-                  <a:t>PR # 11</a:t>
+                  <a:t>PR # 11 </a:t>
                 </a:r>
+                <a:r>
+                  <a:rPr lang="en-US" altLang="ko-KR" sz="1000" b="1" dirty="0">
+                    <a:solidFill>
+                      <a:srgbClr val="FF0000"/>
+                    </a:solidFill>
+                  </a:rPr>
+                  <a:t>(RED)</a:t>
+                </a:r>
+                <a:endParaRPr lang="ko-KR" altLang="en-US" sz="1000" b="1" dirty="0">
+                  <a:solidFill>
+                    <a:srgbClr val="FF0000"/>
+                  </a:solidFill>
+                </a:endParaRPr>
+              </a:p>
+              <a:p>
                 <a:endParaRPr lang="ko-KR" altLang="en-US" sz="1000" dirty="0"/>
               </a:p>
             </p:txBody>
@@ -9573,9 +9591,9 @@
             <p:grpSpPr>
               <a:xfrm>
                 <a:off x="8817864" y="4968544"/>
-                <a:ext cx="2412468" cy="1467516"/>
+                <a:ext cx="2915002" cy="1467516"/>
                 <a:chOff x="4162462" y="2275878"/>
-                <a:chExt cx="3089556" cy="1879391"/>
+                <a:chExt cx="3733132" cy="1879391"/>
               </a:xfrm>
             </p:grpSpPr>
             <p:pic>
@@ -9622,7 +9640,7 @@
               <p:spPr>
                 <a:xfrm>
                   <a:off x="4162462" y="2275878"/>
-                  <a:ext cx="2720509" cy="315326"/>
+                  <a:ext cx="3733132" cy="512405"/>
                 </a:xfrm>
                 <a:prstGeom prst="rect">
                   <a:avLst/>
@@ -9630,7 +9648,7 @@
                 <a:noFill/>
               </p:spPr>
               <p:txBody>
-                <a:bodyPr wrap="none" rtlCol="0">
+                <a:bodyPr wrap="square" rtlCol="0">
                   <a:spAutoFit/>
                 </a:bodyPr>
                 <a:lstStyle>
@@ -9875,6 +9893,22 @@
                     <a:rPr lang="ko-KR" altLang="en-US" sz="1000" dirty="0"/>
                     <a:t>에서 에러 발생 코드 작성</a:t>
                   </a:r>
+                  <a:r>
+                    <a:rPr lang="en-US" altLang="ko-KR" sz="1000" b="1" dirty="0">
+                      <a:solidFill>
+                        <a:srgbClr val="00B050"/>
+                      </a:solidFill>
+                    </a:rPr>
+                    <a:t>(GREEN)</a:t>
+                  </a:r>
+                  <a:endParaRPr lang="ko-KR" altLang="en-US" sz="1000" b="1" dirty="0">
+                    <a:solidFill>
+                      <a:srgbClr val="00B050"/>
+                    </a:solidFill>
+                  </a:endParaRPr>
+                </a:p>
+                <a:p>
+                  <a:endParaRPr lang="ko-KR" altLang="en-US" sz="1000" dirty="0"/>
                 </a:p>
               </p:txBody>
             </p:sp>
@@ -9894,8 +9928,8 @@
           </p:nvSpPr>
           <p:spPr>
             <a:xfrm>
-              <a:off x="2501171" y="3255827"/>
-              <a:ext cx="2852064" cy="2399249"/>
+              <a:off x="2501170" y="3255827"/>
+              <a:ext cx="3070293" cy="2399249"/>
             </a:xfrm>
             <a:prstGeom prst="roundRect">
               <a:avLst>
@@ -10021,7 +10055,7 @@
             <p:spPr>
               <a:xfrm>
                 <a:off x="680294" y="2607535"/>
-                <a:ext cx="2561775" cy="408522"/>
+                <a:ext cx="3934155" cy="408522"/>
               </a:xfrm>
               <a:prstGeom prst="rect">
                 <a:avLst/>
@@ -10268,9 +10302,21 @@
                 </a:r>
                 <a:r>
                   <a:rPr lang="en-US" altLang="ko-KR" sz="1000" dirty="0"/>
-                  <a:t>Refactoring PR # 44</a:t>
+                  <a:t>Refactoring PR # 44 </a:t>
                 </a:r>
-                <a:endParaRPr lang="ko-KR" altLang="en-US" sz="1000" dirty="0"/>
+                <a:r>
+                  <a:rPr lang="en-US" altLang="ko-KR" sz="1000" b="1" dirty="0">
+                    <a:solidFill>
+                      <a:srgbClr val="0070C0"/>
+                    </a:solidFill>
+                  </a:rPr>
+                  <a:t>(REFACTOR)</a:t>
+                </a:r>
+                <a:endParaRPr lang="ko-KR" altLang="en-US" sz="1000" b="1" dirty="0">
+                  <a:solidFill>
+                    <a:srgbClr val="0070C0"/>
+                  </a:solidFill>
+                </a:endParaRPr>
               </a:p>
             </p:txBody>
           </p:sp>
@@ -10387,7 +10433,7 @@
             <p:spPr>
               <a:xfrm>
                 <a:off x="8885921" y="2359103"/>
-                <a:ext cx="2497800" cy="246221"/>
+                <a:ext cx="2890535" cy="246221"/>
               </a:xfrm>
               <a:prstGeom prst="rect">
                 <a:avLst/>
@@ -10650,9 +10696,21 @@
                 </a:r>
                 <a:r>
                   <a:rPr lang="en-US" altLang="ko-KR" sz="1000" dirty="0"/>
-                  <a:t>PR # 16</a:t>
+                  <a:t>PR # 16 </a:t>
                 </a:r>
-                <a:endParaRPr lang="ko-KR" altLang="en-US" sz="1000" dirty="0"/>
+                <a:r>
+                  <a:rPr lang="en-US" altLang="ko-KR" sz="1000" b="1" dirty="0">
+                    <a:solidFill>
+                      <a:srgbClr val="FF0000"/>
+                    </a:solidFill>
+                  </a:rPr>
+                  <a:t>(RED)</a:t>
+                </a:r>
+                <a:endParaRPr lang="ko-KR" altLang="en-US" sz="1000" b="1" dirty="0">
+                  <a:solidFill>
+                    <a:srgbClr val="FF0000"/>
+                  </a:solidFill>
+                </a:endParaRPr>
               </a:p>
             </p:txBody>
           </p:sp>
@@ -10729,7 +10787,7 @@
             <p:spPr>
               <a:xfrm>
                 <a:off x="8944737" y="3423539"/>
-                <a:ext cx="1867819" cy="246221"/>
+                <a:ext cx="2409634" cy="246221"/>
               </a:xfrm>
               <a:prstGeom prst="rect">
                 <a:avLst/>
@@ -10982,6 +11040,19 @@
                   <a:rPr lang="ko-KR" altLang="en-US" sz="1000" dirty="0"/>
                   <a:t>정상 출력 코드 작성</a:t>
                 </a:r>
+                <a:r>
+                  <a:rPr lang="en-US" altLang="ko-KR" sz="1000" b="1" dirty="0">
+                    <a:solidFill>
+                      <a:srgbClr val="00B050"/>
+                    </a:solidFill>
+                  </a:rPr>
+                  <a:t>(GREEN)</a:t>
+                </a:r>
+                <a:endParaRPr lang="ko-KR" altLang="en-US" sz="1000" b="1" dirty="0">
+                  <a:solidFill>
+                    <a:srgbClr val="00B050"/>
+                  </a:solidFill>
+                </a:endParaRPr>
               </a:p>
             </p:txBody>
           </p:sp>
@@ -11301,7 +11372,7 @@
         <p:spPr>
           <a:xfrm flipV="1">
             <a:off x="8386548" y="5279070"/>
-            <a:ext cx="616223" cy="958600"/>
+            <a:ext cx="456421" cy="958600"/>
           </a:xfrm>
           <a:prstGeom prst="straightConnector1">
             <a:avLst/>
@@ -12001,10 +12072,10 @@
       </p:sp>
       <p:pic>
         <p:nvPicPr>
-          <p:cNvPr id="50" name="그림 49">
+          <p:cNvPr id="53" name="그림 52">
             <a:extLst>
               <a:ext uri="{FF2B5EF4-FFF2-40B4-BE49-F238E27FC236}">
-                <a16:creationId xmlns:a16="http://schemas.microsoft.com/office/drawing/2014/main" id="{B8D1F44F-96F4-4DBC-923D-7CBB60D48399}"/>
+                <a16:creationId xmlns:a16="http://schemas.microsoft.com/office/drawing/2014/main" id="{2BAFEA92-10BC-4B88-A403-F1149F38ABDF}"/>
               </a:ext>
             </a:extLst>
           </p:cNvPr>
@@ -12021,37 +12092,7 @@
         </p:blipFill>
         <p:spPr>
           <a:xfrm>
-            <a:off x="3237322" y="1945719"/>
-            <a:ext cx="2591190" cy="1924113"/>
-          </a:xfrm>
-          <a:prstGeom prst="rect">
-            <a:avLst/>
-          </a:prstGeom>
-        </p:spPr>
-      </p:pic>
-      <p:pic>
-        <p:nvPicPr>
-          <p:cNvPr id="53" name="그림 52">
-            <a:extLst>
-              <a:ext uri="{FF2B5EF4-FFF2-40B4-BE49-F238E27FC236}">
-                <a16:creationId xmlns:a16="http://schemas.microsoft.com/office/drawing/2014/main" id="{2BAFEA92-10BC-4B88-A403-F1149F38ABDF}"/>
-              </a:ext>
-            </a:extLst>
-          </p:cNvPr>
-          <p:cNvPicPr>
-            <a:picLocks noChangeAspect="1"/>
-          </p:cNvPicPr>
-          <p:nvPr/>
-        </p:nvPicPr>
-        <p:blipFill>
-          <a:blip r:embed="rId11"/>
-          <a:stretch>
-            <a:fillRect/>
-          </a:stretch>
-        </p:blipFill>
-        <p:spPr>
-          <a:xfrm>
-            <a:off x="3247616" y="4091733"/>
+            <a:off x="3247616" y="1758522"/>
             <a:ext cx="2601155" cy="2371955"/>
           </a:xfrm>
           <a:prstGeom prst="rect">
@@ -12059,290 +12100,6 @@
           </a:prstGeom>
         </p:spPr>
       </p:pic>
-      <p:sp>
-        <p:nvSpPr>
-          <p:cNvPr id="57" name="TextBox 12">
-            <a:extLst>
-              <a:ext uri="{FF2B5EF4-FFF2-40B4-BE49-F238E27FC236}">
-                <a16:creationId xmlns:a16="http://schemas.microsoft.com/office/drawing/2014/main" id="{8D00E6C5-8B5E-481F-ADFF-55961C12D7DA}"/>
-              </a:ext>
-            </a:extLst>
-          </p:cNvPr>
-          <p:cNvSpPr txBox="1"/>
-          <p:nvPr/>
-        </p:nvSpPr>
-        <p:spPr>
-          <a:xfrm>
-            <a:off x="3182386" y="1699723"/>
-            <a:ext cx="1723549" cy="246221"/>
-          </a:xfrm>
-          <a:prstGeom prst="rect">
-            <a:avLst/>
-          </a:prstGeom>
-          <a:noFill/>
-        </p:spPr>
-        <p:txBody>
-          <a:bodyPr wrap="none" rtlCol="0">
-            <a:spAutoFit/>
-          </a:bodyPr>
-          <a:lstStyle>
-            <a:defPPr marR="0" lvl="0" algn="l" rtl="0">
-              <a:lnSpc>
-                <a:spcPct val="100000"/>
-              </a:lnSpc>
-              <a:spcBef>
-                <a:spcPts val="0"/>
-              </a:spcBef>
-              <a:spcAft>
-                <a:spcPts val="0"/>
-              </a:spcAft>
-            </a:defPPr>
-            <a:lvl1pPr marR="0" lvl="0" algn="l" rtl="0">
-              <a:lnSpc>
-                <a:spcPct val="100000"/>
-              </a:lnSpc>
-              <a:spcBef>
-                <a:spcPts val="0"/>
-              </a:spcBef>
-              <a:spcAft>
-                <a:spcPts val="0"/>
-              </a:spcAft>
-              <a:buClr>
-                <a:srgbClr val="000000"/>
-              </a:buClr>
-              <a:buFont typeface="Arial"/>
-              <a:defRPr sz="1400" b="0" i="0" u="none" strike="noStrike" cap="none">
-                <a:solidFill>
-                  <a:srgbClr val="000000"/>
-                </a:solidFill>
-                <a:latin typeface="Arial"/>
-                <a:ea typeface="Arial"/>
-                <a:cs typeface="Arial"/>
-                <a:sym typeface="Arial"/>
-              </a:defRPr>
-            </a:lvl1pPr>
-            <a:lvl2pPr marR="0" lvl="1" algn="l" rtl="0">
-              <a:lnSpc>
-                <a:spcPct val="100000"/>
-              </a:lnSpc>
-              <a:spcBef>
-                <a:spcPts val="0"/>
-              </a:spcBef>
-              <a:spcAft>
-                <a:spcPts val="0"/>
-              </a:spcAft>
-              <a:buClr>
-                <a:srgbClr val="000000"/>
-              </a:buClr>
-              <a:buFont typeface="Arial"/>
-              <a:defRPr sz="1400" b="0" i="0" u="none" strike="noStrike" cap="none">
-                <a:solidFill>
-                  <a:srgbClr val="000000"/>
-                </a:solidFill>
-                <a:latin typeface="Arial"/>
-                <a:ea typeface="Arial"/>
-                <a:cs typeface="Arial"/>
-                <a:sym typeface="Arial"/>
-              </a:defRPr>
-            </a:lvl2pPr>
-            <a:lvl3pPr marR="0" lvl="2" algn="l" rtl="0">
-              <a:lnSpc>
-                <a:spcPct val="100000"/>
-              </a:lnSpc>
-              <a:spcBef>
-                <a:spcPts val="0"/>
-              </a:spcBef>
-              <a:spcAft>
-                <a:spcPts val="0"/>
-              </a:spcAft>
-              <a:buClr>
-                <a:srgbClr val="000000"/>
-              </a:buClr>
-              <a:buFont typeface="Arial"/>
-              <a:defRPr sz="1400" b="0" i="0" u="none" strike="noStrike" cap="none">
-                <a:solidFill>
-                  <a:srgbClr val="000000"/>
-                </a:solidFill>
-                <a:latin typeface="Arial"/>
-                <a:ea typeface="Arial"/>
-                <a:cs typeface="Arial"/>
-                <a:sym typeface="Arial"/>
-              </a:defRPr>
-            </a:lvl3pPr>
-            <a:lvl4pPr marR="0" lvl="3" algn="l" rtl="0">
-              <a:lnSpc>
-                <a:spcPct val="100000"/>
-              </a:lnSpc>
-              <a:spcBef>
-                <a:spcPts val="0"/>
-              </a:spcBef>
-              <a:spcAft>
-                <a:spcPts val="0"/>
-              </a:spcAft>
-              <a:buClr>
-                <a:srgbClr val="000000"/>
-              </a:buClr>
-              <a:buFont typeface="Arial"/>
-              <a:defRPr sz="1400" b="0" i="0" u="none" strike="noStrike" cap="none">
-                <a:solidFill>
-                  <a:srgbClr val="000000"/>
-                </a:solidFill>
-                <a:latin typeface="Arial"/>
-                <a:ea typeface="Arial"/>
-                <a:cs typeface="Arial"/>
-                <a:sym typeface="Arial"/>
-              </a:defRPr>
-            </a:lvl4pPr>
-            <a:lvl5pPr marR="0" lvl="4" algn="l" rtl="0">
-              <a:lnSpc>
-                <a:spcPct val="100000"/>
-              </a:lnSpc>
-              <a:spcBef>
-                <a:spcPts val="0"/>
-              </a:spcBef>
-              <a:spcAft>
-                <a:spcPts val="0"/>
-              </a:spcAft>
-              <a:buClr>
-                <a:srgbClr val="000000"/>
-              </a:buClr>
-              <a:buFont typeface="Arial"/>
-              <a:defRPr sz="1400" b="0" i="0" u="none" strike="noStrike" cap="none">
-                <a:solidFill>
-                  <a:srgbClr val="000000"/>
-                </a:solidFill>
-                <a:latin typeface="Arial"/>
-                <a:ea typeface="Arial"/>
-                <a:cs typeface="Arial"/>
-                <a:sym typeface="Arial"/>
-              </a:defRPr>
-            </a:lvl5pPr>
-            <a:lvl6pPr marR="0" lvl="5" algn="l" rtl="0">
-              <a:lnSpc>
-                <a:spcPct val="100000"/>
-              </a:lnSpc>
-              <a:spcBef>
-                <a:spcPts val="0"/>
-              </a:spcBef>
-              <a:spcAft>
-                <a:spcPts val="0"/>
-              </a:spcAft>
-              <a:buClr>
-                <a:srgbClr val="000000"/>
-              </a:buClr>
-              <a:buFont typeface="Arial"/>
-              <a:defRPr sz="1400" b="0" i="0" u="none" strike="noStrike" cap="none">
-                <a:solidFill>
-                  <a:srgbClr val="000000"/>
-                </a:solidFill>
-                <a:latin typeface="Arial"/>
-                <a:ea typeface="Arial"/>
-                <a:cs typeface="Arial"/>
-                <a:sym typeface="Arial"/>
-              </a:defRPr>
-            </a:lvl6pPr>
-            <a:lvl7pPr marR="0" lvl="6" algn="l" rtl="0">
-              <a:lnSpc>
-                <a:spcPct val="100000"/>
-              </a:lnSpc>
-              <a:spcBef>
-                <a:spcPts val="0"/>
-              </a:spcBef>
-              <a:spcAft>
-                <a:spcPts val="0"/>
-              </a:spcAft>
-              <a:buClr>
-                <a:srgbClr val="000000"/>
-              </a:buClr>
-              <a:buFont typeface="Arial"/>
-              <a:defRPr sz="1400" b="0" i="0" u="none" strike="noStrike" cap="none">
-                <a:solidFill>
-                  <a:srgbClr val="000000"/>
-                </a:solidFill>
-                <a:latin typeface="Arial"/>
-                <a:ea typeface="Arial"/>
-                <a:cs typeface="Arial"/>
-                <a:sym typeface="Arial"/>
-              </a:defRPr>
-            </a:lvl7pPr>
-            <a:lvl8pPr marR="0" lvl="7" algn="l" rtl="0">
-              <a:lnSpc>
-                <a:spcPct val="100000"/>
-              </a:lnSpc>
-              <a:spcBef>
-                <a:spcPts val="0"/>
-              </a:spcBef>
-              <a:spcAft>
-                <a:spcPts val="0"/>
-              </a:spcAft>
-              <a:buClr>
-                <a:srgbClr val="000000"/>
-              </a:buClr>
-              <a:buFont typeface="Arial"/>
-              <a:defRPr sz="1400" b="0" i="0" u="none" strike="noStrike" cap="none">
-                <a:solidFill>
-                  <a:srgbClr val="000000"/>
-                </a:solidFill>
-                <a:latin typeface="Arial"/>
-                <a:ea typeface="Arial"/>
-                <a:cs typeface="Arial"/>
-                <a:sym typeface="Arial"/>
-              </a:defRPr>
-            </a:lvl8pPr>
-            <a:lvl9pPr marR="0" lvl="8" algn="l" rtl="0">
-              <a:lnSpc>
-                <a:spcPct val="100000"/>
-              </a:lnSpc>
-              <a:spcBef>
-                <a:spcPts val="0"/>
-              </a:spcBef>
-              <a:spcAft>
-                <a:spcPts val="0"/>
-              </a:spcAft>
-              <a:buClr>
-                <a:srgbClr val="000000"/>
-              </a:buClr>
-              <a:buFont typeface="Arial"/>
-              <a:defRPr sz="1400" b="0" i="0" u="none" strike="noStrike" cap="none">
-                <a:solidFill>
-                  <a:srgbClr val="000000"/>
-                </a:solidFill>
-                <a:latin typeface="Arial"/>
-                <a:ea typeface="Arial"/>
-                <a:cs typeface="Arial"/>
-                <a:sym typeface="Arial"/>
-              </a:defRPr>
-            </a:lvl9pPr>
-          </a:lstStyle>
-          <a:p>
-            <a:r>
-              <a:rPr lang="ko-KR" altLang="en-US" sz="1000" dirty="0"/>
-              <a:t>▶</a:t>
-            </a:r>
-            <a:r>
-              <a:rPr lang="en-US" altLang="ko-KR" sz="1000" dirty="0"/>
-              <a:t>TC 1. Test</a:t>
-            </a:r>
-            <a:r>
-              <a:rPr lang="ko-KR" altLang="en-US" sz="1000" dirty="0"/>
-              <a:t> </a:t>
-            </a:r>
-            <a:r>
-              <a:rPr lang="en-US" altLang="ko-KR" sz="1000" dirty="0"/>
-              <a:t>Shell</a:t>
-            </a:r>
-            <a:r>
-              <a:rPr lang="ko-KR" altLang="en-US" sz="1000" dirty="0"/>
-              <a:t> </a:t>
-            </a:r>
-            <a:r>
-              <a:rPr lang="en-US" altLang="ko-KR" sz="1000" dirty="0"/>
-              <a:t>Parser</a:t>
-            </a:r>
-            <a:endParaRPr lang="ko-KR" altLang="en-US" sz="1000" dirty="0"/>
-          </a:p>
-        </p:txBody>
-      </p:sp>
       <p:sp>
         <p:nvSpPr>
           <p:cNvPr id="60" name="TextBox 14">
@@ -12357,8 +12114,8 @@
         </p:nvSpPr>
         <p:spPr>
           <a:xfrm>
-            <a:off x="3220297" y="3930094"/>
-            <a:ext cx="2124299" cy="246221"/>
+            <a:off x="3220297" y="1596883"/>
+            <a:ext cx="2404826" cy="246221"/>
           </a:xfrm>
           <a:prstGeom prst="rect">
             <a:avLst/>
@@ -12601,16 +12358,29 @@
           <a:p>
             <a:r>
               <a:rPr lang="ko-KR" altLang="en-US" sz="1000" dirty="0"/>
-              <a:t>▶</a:t>
+              <a:t>▶ </a:t>
             </a:r>
             <a:r>
               <a:rPr lang="en-US" altLang="ko-KR" sz="1000" dirty="0"/>
-              <a:t>Read </a:t>
+              <a:t>TC </a:t>
             </a:r>
             <a:r>
               <a:rPr lang="ko-KR" altLang="en-US" sz="1000" dirty="0"/>
-              <a:t>에서 에러 발생 코드 작성</a:t>
-            </a:r>
+              <a:t>통과를 위한 코드 작성</a:t>
+            </a:r>
+            <a:r>
+              <a:rPr lang="en-US" altLang="ko-KR" sz="1000" b="1" dirty="0">
+                <a:solidFill>
+                  <a:srgbClr val="00B050"/>
+                </a:solidFill>
+              </a:rPr>
+              <a:t>(GREEN)</a:t>
+            </a:r>
+            <a:endParaRPr lang="ko-KR" altLang="en-US" sz="1000" b="1" dirty="0">
+              <a:solidFill>
+                <a:srgbClr val="00B050"/>
+              </a:solidFill>
+            </a:endParaRPr>
           </a:p>
         </p:txBody>
       </p:sp>
@@ -12731,10 +12501,1083 @@
           </a:p>
         </p:txBody>
       </p:sp>
+      <p:pic>
+        <p:nvPicPr>
+          <p:cNvPr id="33" name="그림 32">
+            <a:extLst>
+              <a:ext uri="{FF2B5EF4-FFF2-40B4-BE49-F238E27FC236}">
+                <a16:creationId xmlns:a16="http://schemas.microsoft.com/office/drawing/2014/main" id="{1BE8733B-233D-4B5F-957F-D0B75E3FAA98}"/>
+              </a:ext>
+            </a:extLst>
+          </p:cNvPr>
+          <p:cNvPicPr>
+            <a:picLocks noChangeAspect="1"/>
+          </p:cNvPicPr>
+          <p:nvPr/>
+        </p:nvPicPr>
+        <p:blipFill>
+          <a:blip r:embed="rId11"/>
+          <a:stretch>
+            <a:fillRect/>
+          </a:stretch>
+        </p:blipFill>
+        <p:spPr>
+          <a:xfrm>
+            <a:off x="601677" y="1912941"/>
+            <a:ext cx="2131261" cy="1662470"/>
+          </a:xfrm>
+          <a:prstGeom prst="rect">
+            <a:avLst/>
+          </a:prstGeom>
+        </p:spPr>
+      </p:pic>
+      <p:sp>
+        <p:nvSpPr>
+          <p:cNvPr id="52" name="TextBox 12">
+            <a:extLst>
+              <a:ext uri="{FF2B5EF4-FFF2-40B4-BE49-F238E27FC236}">
+                <a16:creationId xmlns:a16="http://schemas.microsoft.com/office/drawing/2014/main" id="{C4ED901E-1CE1-44CB-A01C-0535B13C2922}"/>
+              </a:ext>
+            </a:extLst>
+          </p:cNvPr>
+          <p:cNvSpPr txBox="1"/>
+          <p:nvPr/>
+        </p:nvSpPr>
+        <p:spPr>
+          <a:xfrm>
+            <a:off x="536260" y="1649356"/>
+            <a:ext cx="2036135" cy="246221"/>
+          </a:xfrm>
+          <a:prstGeom prst="rect">
+            <a:avLst/>
+          </a:prstGeom>
+          <a:noFill/>
+        </p:spPr>
+        <p:txBody>
+          <a:bodyPr wrap="none" rtlCol="0">
+            <a:spAutoFit/>
+          </a:bodyPr>
+          <a:lstStyle>
+            <a:defPPr marR="0" lvl="0" algn="l" rtl="0">
+              <a:lnSpc>
+                <a:spcPct val="100000"/>
+              </a:lnSpc>
+              <a:spcBef>
+                <a:spcPts val="0"/>
+              </a:spcBef>
+              <a:spcAft>
+                <a:spcPts val="0"/>
+              </a:spcAft>
+            </a:defPPr>
+            <a:lvl1pPr marR="0" lvl="0" algn="l" rtl="0">
+              <a:lnSpc>
+                <a:spcPct val="100000"/>
+              </a:lnSpc>
+              <a:spcBef>
+                <a:spcPts val="0"/>
+              </a:spcBef>
+              <a:spcAft>
+                <a:spcPts val="0"/>
+              </a:spcAft>
+              <a:buClr>
+                <a:srgbClr val="000000"/>
+              </a:buClr>
+              <a:buFont typeface="Arial"/>
+              <a:defRPr sz="1400" b="0" i="0" u="none" strike="noStrike" cap="none">
+                <a:solidFill>
+                  <a:srgbClr val="000000"/>
+                </a:solidFill>
+                <a:latin typeface="Arial"/>
+                <a:ea typeface="Arial"/>
+                <a:cs typeface="Arial"/>
+                <a:sym typeface="Arial"/>
+              </a:defRPr>
+            </a:lvl1pPr>
+            <a:lvl2pPr marR="0" lvl="1" algn="l" rtl="0">
+              <a:lnSpc>
+                <a:spcPct val="100000"/>
+              </a:lnSpc>
+              <a:spcBef>
+                <a:spcPts val="0"/>
+              </a:spcBef>
+              <a:spcAft>
+                <a:spcPts val="0"/>
+              </a:spcAft>
+              <a:buClr>
+                <a:srgbClr val="000000"/>
+              </a:buClr>
+              <a:buFont typeface="Arial"/>
+              <a:defRPr sz="1400" b="0" i="0" u="none" strike="noStrike" cap="none">
+                <a:solidFill>
+                  <a:srgbClr val="000000"/>
+                </a:solidFill>
+                <a:latin typeface="Arial"/>
+                <a:ea typeface="Arial"/>
+                <a:cs typeface="Arial"/>
+                <a:sym typeface="Arial"/>
+              </a:defRPr>
+            </a:lvl2pPr>
+            <a:lvl3pPr marR="0" lvl="2" algn="l" rtl="0">
+              <a:lnSpc>
+                <a:spcPct val="100000"/>
+              </a:lnSpc>
+              <a:spcBef>
+                <a:spcPts val="0"/>
+              </a:spcBef>
+              <a:spcAft>
+                <a:spcPts val="0"/>
+              </a:spcAft>
+              <a:buClr>
+                <a:srgbClr val="000000"/>
+              </a:buClr>
+              <a:buFont typeface="Arial"/>
+              <a:defRPr sz="1400" b="0" i="0" u="none" strike="noStrike" cap="none">
+                <a:solidFill>
+                  <a:srgbClr val="000000"/>
+                </a:solidFill>
+                <a:latin typeface="Arial"/>
+                <a:ea typeface="Arial"/>
+                <a:cs typeface="Arial"/>
+                <a:sym typeface="Arial"/>
+              </a:defRPr>
+            </a:lvl3pPr>
+            <a:lvl4pPr marR="0" lvl="3" algn="l" rtl="0">
+              <a:lnSpc>
+                <a:spcPct val="100000"/>
+              </a:lnSpc>
+              <a:spcBef>
+                <a:spcPts val="0"/>
+              </a:spcBef>
+              <a:spcAft>
+                <a:spcPts val="0"/>
+              </a:spcAft>
+              <a:buClr>
+                <a:srgbClr val="000000"/>
+              </a:buClr>
+              <a:buFont typeface="Arial"/>
+              <a:defRPr sz="1400" b="0" i="0" u="none" strike="noStrike" cap="none">
+                <a:solidFill>
+                  <a:srgbClr val="000000"/>
+                </a:solidFill>
+                <a:latin typeface="Arial"/>
+                <a:ea typeface="Arial"/>
+                <a:cs typeface="Arial"/>
+                <a:sym typeface="Arial"/>
+              </a:defRPr>
+            </a:lvl4pPr>
+            <a:lvl5pPr marR="0" lvl="4" algn="l" rtl="0">
+              <a:lnSpc>
+                <a:spcPct val="100000"/>
+              </a:lnSpc>
+              <a:spcBef>
+                <a:spcPts val="0"/>
+              </a:spcBef>
+              <a:spcAft>
+                <a:spcPts val="0"/>
+              </a:spcAft>
+              <a:buClr>
+                <a:srgbClr val="000000"/>
+              </a:buClr>
+              <a:buFont typeface="Arial"/>
+              <a:defRPr sz="1400" b="0" i="0" u="none" strike="noStrike" cap="none">
+                <a:solidFill>
+                  <a:srgbClr val="000000"/>
+                </a:solidFill>
+                <a:latin typeface="Arial"/>
+                <a:ea typeface="Arial"/>
+                <a:cs typeface="Arial"/>
+                <a:sym typeface="Arial"/>
+              </a:defRPr>
+            </a:lvl5pPr>
+            <a:lvl6pPr marR="0" lvl="5" algn="l" rtl="0">
+              <a:lnSpc>
+                <a:spcPct val="100000"/>
+              </a:lnSpc>
+              <a:spcBef>
+                <a:spcPts val="0"/>
+              </a:spcBef>
+              <a:spcAft>
+                <a:spcPts val="0"/>
+              </a:spcAft>
+              <a:buClr>
+                <a:srgbClr val="000000"/>
+              </a:buClr>
+              <a:buFont typeface="Arial"/>
+              <a:defRPr sz="1400" b="0" i="0" u="none" strike="noStrike" cap="none">
+                <a:solidFill>
+                  <a:srgbClr val="000000"/>
+                </a:solidFill>
+                <a:latin typeface="Arial"/>
+                <a:ea typeface="Arial"/>
+                <a:cs typeface="Arial"/>
+                <a:sym typeface="Arial"/>
+              </a:defRPr>
+            </a:lvl6pPr>
+            <a:lvl7pPr marR="0" lvl="6" algn="l" rtl="0">
+              <a:lnSpc>
+                <a:spcPct val="100000"/>
+              </a:lnSpc>
+              <a:spcBef>
+                <a:spcPts val="0"/>
+              </a:spcBef>
+              <a:spcAft>
+                <a:spcPts val="0"/>
+              </a:spcAft>
+              <a:buClr>
+                <a:srgbClr val="000000"/>
+              </a:buClr>
+              <a:buFont typeface="Arial"/>
+              <a:defRPr sz="1400" b="0" i="0" u="none" strike="noStrike" cap="none">
+                <a:solidFill>
+                  <a:srgbClr val="000000"/>
+                </a:solidFill>
+                <a:latin typeface="Arial"/>
+                <a:ea typeface="Arial"/>
+                <a:cs typeface="Arial"/>
+                <a:sym typeface="Arial"/>
+              </a:defRPr>
+            </a:lvl7pPr>
+            <a:lvl8pPr marR="0" lvl="7" algn="l" rtl="0">
+              <a:lnSpc>
+                <a:spcPct val="100000"/>
+              </a:lnSpc>
+              <a:spcBef>
+                <a:spcPts val="0"/>
+              </a:spcBef>
+              <a:spcAft>
+                <a:spcPts val="0"/>
+              </a:spcAft>
+              <a:buClr>
+                <a:srgbClr val="000000"/>
+              </a:buClr>
+              <a:buFont typeface="Arial"/>
+              <a:defRPr sz="1400" b="0" i="0" u="none" strike="noStrike" cap="none">
+                <a:solidFill>
+                  <a:srgbClr val="000000"/>
+                </a:solidFill>
+                <a:latin typeface="Arial"/>
+                <a:ea typeface="Arial"/>
+                <a:cs typeface="Arial"/>
+                <a:sym typeface="Arial"/>
+              </a:defRPr>
+            </a:lvl8pPr>
+            <a:lvl9pPr marR="0" lvl="8" algn="l" rtl="0">
+              <a:lnSpc>
+                <a:spcPct val="100000"/>
+              </a:lnSpc>
+              <a:spcBef>
+                <a:spcPts val="0"/>
+              </a:spcBef>
+              <a:spcAft>
+                <a:spcPts val="0"/>
+              </a:spcAft>
+              <a:buClr>
+                <a:srgbClr val="000000"/>
+              </a:buClr>
+              <a:buFont typeface="Arial"/>
+              <a:defRPr sz="1400" b="0" i="0" u="none" strike="noStrike" cap="none">
+                <a:solidFill>
+                  <a:srgbClr val="000000"/>
+                </a:solidFill>
+                <a:latin typeface="Arial"/>
+                <a:ea typeface="Arial"/>
+                <a:cs typeface="Arial"/>
+                <a:sym typeface="Arial"/>
+              </a:defRPr>
+            </a:lvl9pPr>
+          </a:lstStyle>
+          <a:p>
+            <a:r>
+              <a:rPr lang="ko-KR" altLang="en-US" sz="1000" dirty="0"/>
+              <a:t>▶</a:t>
+            </a:r>
+            <a:r>
+              <a:rPr lang="en-US" altLang="ko-KR" sz="1000" dirty="0"/>
+              <a:t> </a:t>
+            </a:r>
+            <a:r>
+              <a:rPr lang="ko-KR" altLang="en-US" sz="1000" dirty="0"/>
+              <a:t>일반코드 구현</a:t>
+            </a:r>
+            <a:r>
+              <a:rPr lang="en-US" altLang="ko-KR" sz="1000" dirty="0"/>
+              <a:t> </a:t>
+            </a:r>
+            <a:r>
+              <a:rPr lang="en-US" altLang="ko-KR" sz="1000" b="1" dirty="0">
+                <a:solidFill>
+                  <a:srgbClr val="0070C0"/>
+                </a:solidFill>
+              </a:rPr>
+              <a:t>(REFACTOR)</a:t>
+            </a:r>
+            <a:endParaRPr lang="ko-KR" altLang="en-US" sz="1000" b="1" dirty="0">
+              <a:solidFill>
+                <a:srgbClr val="0070C0"/>
+              </a:solidFill>
+            </a:endParaRPr>
+          </a:p>
+        </p:txBody>
+      </p:sp>
+      <p:sp>
+        <p:nvSpPr>
+          <p:cNvPr id="55" name="사각형: 둥근 모서리 54">
+            <a:extLst>
+              <a:ext uri="{FF2B5EF4-FFF2-40B4-BE49-F238E27FC236}">
+                <a16:creationId xmlns:a16="http://schemas.microsoft.com/office/drawing/2014/main" id="{8B9DCB11-3288-48D6-A861-2BB5DC53C086}"/>
+              </a:ext>
+            </a:extLst>
+          </p:cNvPr>
+          <p:cNvSpPr/>
+          <p:nvPr/>
+        </p:nvSpPr>
+        <p:spPr>
+          <a:xfrm>
+            <a:off x="484399" y="5986768"/>
+            <a:ext cx="2669864" cy="349530"/>
+          </a:xfrm>
+          <a:prstGeom prst="roundRect">
+            <a:avLst/>
+          </a:prstGeom>
+          <a:noFill/>
+          <a:ln w="22225" cap="flat" cmpd="sng" algn="ctr">
+            <a:solidFill>
+              <a:schemeClr val="bg2">
+                <a:lumMod val="50000"/>
+                <a:lumOff val="50000"/>
+              </a:schemeClr>
+            </a:solidFill>
+            <a:prstDash val="dash"/>
+            <a:round/>
+            <a:headEnd type="none" w="med" len="med"/>
+            <a:tailEnd type="none" w="med" len="med"/>
+          </a:ln>
+        </p:spPr>
+        <p:style>
+          <a:lnRef idx="0">
+            <a:scrgbClr r="0" g="0" b="0"/>
+          </a:lnRef>
+          <a:fillRef idx="0">
+            <a:scrgbClr r="0" g="0" b="0"/>
+          </a:fillRef>
+          <a:effectRef idx="0">
+            <a:scrgbClr r="0" g="0" b="0"/>
+          </a:effectRef>
+          <a:fontRef idx="minor">
+            <a:schemeClr val="accent1"/>
+          </a:fontRef>
+        </p:style>
+        <p:txBody>
+          <a:bodyPr rtlCol="0" anchor="ctr"/>
+          <a:lstStyle/>
+          <a:p>
+            <a:pPr algn="ctr"/>
+            <a:endParaRPr lang="ko-KR" altLang="en-US">
+              <a:ln w="38100">
+                <a:solidFill>
+                  <a:schemeClr val="tx1"/>
+                </a:solidFill>
+              </a:ln>
+            </a:endParaRPr>
+          </a:p>
+        </p:txBody>
+      </p:sp>
+      <p:sp>
+        <p:nvSpPr>
+          <p:cNvPr id="56" name="사각형: 둥근 모서리 55">
+            <a:extLst>
+              <a:ext uri="{FF2B5EF4-FFF2-40B4-BE49-F238E27FC236}">
+                <a16:creationId xmlns:a16="http://schemas.microsoft.com/office/drawing/2014/main" id="{8D51E11A-4CCC-4FC3-81FB-9EBBF1E14429}"/>
+              </a:ext>
+            </a:extLst>
+          </p:cNvPr>
+          <p:cNvSpPr/>
+          <p:nvPr/>
+        </p:nvSpPr>
+        <p:spPr>
+          <a:xfrm>
+            <a:off x="475249" y="4965789"/>
+            <a:ext cx="2669864" cy="349530"/>
+          </a:xfrm>
+          <a:prstGeom prst="roundRect">
+            <a:avLst/>
+          </a:prstGeom>
+          <a:noFill/>
+          <a:ln w="22225" cap="flat" cmpd="sng" algn="ctr">
+            <a:solidFill>
+              <a:schemeClr val="bg2">
+                <a:lumMod val="50000"/>
+                <a:lumOff val="50000"/>
+              </a:schemeClr>
+            </a:solidFill>
+            <a:prstDash val="dash"/>
+            <a:round/>
+            <a:headEnd type="none" w="med" len="med"/>
+            <a:tailEnd type="none" w="med" len="med"/>
+          </a:ln>
+        </p:spPr>
+        <p:style>
+          <a:lnRef idx="0">
+            <a:scrgbClr r="0" g="0" b="0"/>
+          </a:lnRef>
+          <a:fillRef idx="0">
+            <a:scrgbClr r="0" g="0" b="0"/>
+          </a:fillRef>
+          <a:effectRef idx="0">
+            <a:scrgbClr r="0" g="0" b="0"/>
+          </a:effectRef>
+          <a:fontRef idx="minor">
+            <a:schemeClr val="accent1"/>
+          </a:fontRef>
+        </p:style>
+        <p:txBody>
+          <a:bodyPr rtlCol="0" anchor="ctr"/>
+          <a:lstStyle/>
+          <a:p>
+            <a:pPr algn="ctr"/>
+            <a:endParaRPr lang="ko-KR" altLang="en-US">
+              <a:ln w="38100">
+                <a:solidFill>
+                  <a:schemeClr val="tx1"/>
+                </a:solidFill>
+              </a:ln>
+            </a:endParaRPr>
+          </a:p>
+        </p:txBody>
+      </p:sp>
+      <p:sp>
+        <p:nvSpPr>
+          <p:cNvPr id="58" name="사각형: 둥근 모서리 57">
+            <a:extLst>
+              <a:ext uri="{FF2B5EF4-FFF2-40B4-BE49-F238E27FC236}">
+                <a16:creationId xmlns:a16="http://schemas.microsoft.com/office/drawing/2014/main" id="{51C8A0F5-8AF4-427D-BD84-0E5382EED9BA}"/>
+              </a:ext>
+            </a:extLst>
+          </p:cNvPr>
+          <p:cNvSpPr/>
+          <p:nvPr/>
+        </p:nvSpPr>
+        <p:spPr>
+          <a:xfrm>
+            <a:off x="492952" y="3915934"/>
+            <a:ext cx="2654290" cy="349530"/>
+          </a:xfrm>
+          <a:prstGeom prst="roundRect">
+            <a:avLst/>
+          </a:prstGeom>
+          <a:noFill/>
+          <a:ln w="22225" cap="flat" cmpd="sng" algn="ctr">
+            <a:solidFill>
+              <a:schemeClr val="bg2">
+                <a:lumMod val="50000"/>
+                <a:lumOff val="50000"/>
+              </a:schemeClr>
+            </a:solidFill>
+            <a:prstDash val="dash"/>
+            <a:round/>
+            <a:headEnd type="none" w="med" len="med"/>
+            <a:tailEnd type="none" w="med" len="med"/>
+          </a:ln>
+        </p:spPr>
+        <p:style>
+          <a:lnRef idx="0">
+            <a:scrgbClr r="0" g="0" b="0"/>
+          </a:lnRef>
+          <a:fillRef idx="0">
+            <a:scrgbClr r="0" g="0" b="0"/>
+          </a:fillRef>
+          <a:effectRef idx="0">
+            <a:scrgbClr r="0" g="0" b="0"/>
+          </a:effectRef>
+          <a:fontRef idx="minor">
+            <a:schemeClr val="accent1"/>
+          </a:fontRef>
+        </p:style>
+        <p:txBody>
+          <a:bodyPr rtlCol="0" anchor="ctr"/>
+          <a:lstStyle/>
+          <a:p>
+            <a:pPr algn="ctr"/>
+            <a:endParaRPr lang="ko-KR" altLang="en-US">
+              <a:ln w="38100">
+                <a:solidFill>
+                  <a:schemeClr val="tx1"/>
+                </a:solidFill>
+              </a:ln>
+            </a:endParaRPr>
+          </a:p>
+        </p:txBody>
+      </p:sp>
+      <p:pic>
+        <p:nvPicPr>
+          <p:cNvPr id="63" name="그림 62">
+            <a:extLst>
+              <a:ext uri="{FF2B5EF4-FFF2-40B4-BE49-F238E27FC236}">
+                <a16:creationId xmlns:a16="http://schemas.microsoft.com/office/drawing/2014/main" id="{A8304A3C-AA8D-4746-B5C1-2EA3542C7172}"/>
+              </a:ext>
+            </a:extLst>
+          </p:cNvPr>
+          <p:cNvPicPr>
+            <a:picLocks noChangeAspect="1"/>
+          </p:cNvPicPr>
+          <p:nvPr/>
+        </p:nvPicPr>
+        <p:blipFill>
+          <a:blip r:embed="rId12"/>
+          <a:stretch>
+            <a:fillRect/>
+          </a:stretch>
+        </p:blipFill>
+        <p:spPr>
+          <a:xfrm>
+            <a:off x="3254456" y="4467437"/>
+            <a:ext cx="2591190" cy="1924113"/>
+          </a:xfrm>
+          <a:prstGeom prst="rect">
+            <a:avLst/>
+          </a:prstGeom>
+        </p:spPr>
+      </p:pic>
+      <p:sp>
+        <p:nvSpPr>
+          <p:cNvPr id="64" name="TextBox 12">
+            <a:extLst>
+              <a:ext uri="{FF2B5EF4-FFF2-40B4-BE49-F238E27FC236}">
+                <a16:creationId xmlns:a16="http://schemas.microsoft.com/office/drawing/2014/main" id="{978833C3-755D-4378-8446-E4546849DB95}"/>
+              </a:ext>
+            </a:extLst>
+          </p:cNvPr>
+          <p:cNvSpPr txBox="1"/>
+          <p:nvPr/>
+        </p:nvSpPr>
+        <p:spPr>
+          <a:xfrm>
+            <a:off x="3199520" y="4221441"/>
+            <a:ext cx="2081019" cy="246221"/>
+          </a:xfrm>
+          <a:prstGeom prst="rect">
+            <a:avLst/>
+          </a:prstGeom>
+          <a:noFill/>
+        </p:spPr>
+        <p:txBody>
+          <a:bodyPr wrap="none" rtlCol="0">
+            <a:spAutoFit/>
+          </a:bodyPr>
+          <a:lstStyle>
+            <a:defPPr marR="0" lvl="0" algn="l" rtl="0">
+              <a:lnSpc>
+                <a:spcPct val="100000"/>
+              </a:lnSpc>
+              <a:spcBef>
+                <a:spcPts val="0"/>
+              </a:spcBef>
+              <a:spcAft>
+                <a:spcPts val="0"/>
+              </a:spcAft>
+            </a:defPPr>
+            <a:lvl1pPr marR="0" lvl="0" algn="l" rtl="0">
+              <a:lnSpc>
+                <a:spcPct val="100000"/>
+              </a:lnSpc>
+              <a:spcBef>
+                <a:spcPts val="0"/>
+              </a:spcBef>
+              <a:spcAft>
+                <a:spcPts val="0"/>
+              </a:spcAft>
+              <a:buClr>
+                <a:srgbClr val="000000"/>
+              </a:buClr>
+              <a:buFont typeface="Arial"/>
+              <a:defRPr sz="1400" b="0" i="0" u="none" strike="noStrike" cap="none">
+                <a:solidFill>
+                  <a:srgbClr val="000000"/>
+                </a:solidFill>
+                <a:latin typeface="Arial"/>
+                <a:ea typeface="Arial"/>
+                <a:cs typeface="Arial"/>
+                <a:sym typeface="Arial"/>
+              </a:defRPr>
+            </a:lvl1pPr>
+            <a:lvl2pPr marR="0" lvl="1" algn="l" rtl="0">
+              <a:lnSpc>
+                <a:spcPct val="100000"/>
+              </a:lnSpc>
+              <a:spcBef>
+                <a:spcPts val="0"/>
+              </a:spcBef>
+              <a:spcAft>
+                <a:spcPts val="0"/>
+              </a:spcAft>
+              <a:buClr>
+                <a:srgbClr val="000000"/>
+              </a:buClr>
+              <a:buFont typeface="Arial"/>
+              <a:defRPr sz="1400" b="0" i="0" u="none" strike="noStrike" cap="none">
+                <a:solidFill>
+                  <a:srgbClr val="000000"/>
+                </a:solidFill>
+                <a:latin typeface="Arial"/>
+                <a:ea typeface="Arial"/>
+                <a:cs typeface="Arial"/>
+                <a:sym typeface="Arial"/>
+              </a:defRPr>
+            </a:lvl2pPr>
+            <a:lvl3pPr marR="0" lvl="2" algn="l" rtl="0">
+              <a:lnSpc>
+                <a:spcPct val="100000"/>
+              </a:lnSpc>
+              <a:spcBef>
+                <a:spcPts val="0"/>
+              </a:spcBef>
+              <a:spcAft>
+                <a:spcPts val="0"/>
+              </a:spcAft>
+              <a:buClr>
+                <a:srgbClr val="000000"/>
+              </a:buClr>
+              <a:buFont typeface="Arial"/>
+              <a:defRPr sz="1400" b="0" i="0" u="none" strike="noStrike" cap="none">
+                <a:solidFill>
+                  <a:srgbClr val="000000"/>
+                </a:solidFill>
+                <a:latin typeface="Arial"/>
+                <a:ea typeface="Arial"/>
+                <a:cs typeface="Arial"/>
+                <a:sym typeface="Arial"/>
+              </a:defRPr>
+            </a:lvl3pPr>
+            <a:lvl4pPr marR="0" lvl="3" algn="l" rtl="0">
+              <a:lnSpc>
+                <a:spcPct val="100000"/>
+              </a:lnSpc>
+              <a:spcBef>
+                <a:spcPts val="0"/>
+              </a:spcBef>
+              <a:spcAft>
+                <a:spcPts val="0"/>
+              </a:spcAft>
+              <a:buClr>
+                <a:srgbClr val="000000"/>
+              </a:buClr>
+              <a:buFont typeface="Arial"/>
+              <a:defRPr sz="1400" b="0" i="0" u="none" strike="noStrike" cap="none">
+                <a:solidFill>
+                  <a:srgbClr val="000000"/>
+                </a:solidFill>
+                <a:latin typeface="Arial"/>
+                <a:ea typeface="Arial"/>
+                <a:cs typeface="Arial"/>
+                <a:sym typeface="Arial"/>
+              </a:defRPr>
+            </a:lvl4pPr>
+            <a:lvl5pPr marR="0" lvl="4" algn="l" rtl="0">
+              <a:lnSpc>
+                <a:spcPct val="100000"/>
+              </a:lnSpc>
+              <a:spcBef>
+                <a:spcPts val="0"/>
+              </a:spcBef>
+              <a:spcAft>
+                <a:spcPts val="0"/>
+              </a:spcAft>
+              <a:buClr>
+                <a:srgbClr val="000000"/>
+              </a:buClr>
+              <a:buFont typeface="Arial"/>
+              <a:defRPr sz="1400" b="0" i="0" u="none" strike="noStrike" cap="none">
+                <a:solidFill>
+                  <a:srgbClr val="000000"/>
+                </a:solidFill>
+                <a:latin typeface="Arial"/>
+                <a:ea typeface="Arial"/>
+                <a:cs typeface="Arial"/>
+                <a:sym typeface="Arial"/>
+              </a:defRPr>
+            </a:lvl5pPr>
+            <a:lvl6pPr marR="0" lvl="5" algn="l" rtl="0">
+              <a:lnSpc>
+                <a:spcPct val="100000"/>
+              </a:lnSpc>
+              <a:spcBef>
+                <a:spcPts val="0"/>
+              </a:spcBef>
+              <a:spcAft>
+                <a:spcPts val="0"/>
+              </a:spcAft>
+              <a:buClr>
+                <a:srgbClr val="000000"/>
+              </a:buClr>
+              <a:buFont typeface="Arial"/>
+              <a:defRPr sz="1400" b="0" i="0" u="none" strike="noStrike" cap="none">
+                <a:solidFill>
+                  <a:srgbClr val="000000"/>
+                </a:solidFill>
+                <a:latin typeface="Arial"/>
+                <a:ea typeface="Arial"/>
+                <a:cs typeface="Arial"/>
+                <a:sym typeface="Arial"/>
+              </a:defRPr>
+            </a:lvl6pPr>
+            <a:lvl7pPr marR="0" lvl="6" algn="l" rtl="0">
+              <a:lnSpc>
+                <a:spcPct val="100000"/>
+              </a:lnSpc>
+              <a:spcBef>
+                <a:spcPts val="0"/>
+              </a:spcBef>
+              <a:spcAft>
+                <a:spcPts val="0"/>
+              </a:spcAft>
+              <a:buClr>
+                <a:srgbClr val="000000"/>
+              </a:buClr>
+              <a:buFont typeface="Arial"/>
+              <a:defRPr sz="1400" b="0" i="0" u="none" strike="noStrike" cap="none">
+                <a:solidFill>
+                  <a:srgbClr val="000000"/>
+                </a:solidFill>
+                <a:latin typeface="Arial"/>
+                <a:ea typeface="Arial"/>
+                <a:cs typeface="Arial"/>
+                <a:sym typeface="Arial"/>
+              </a:defRPr>
+            </a:lvl7pPr>
+            <a:lvl8pPr marR="0" lvl="7" algn="l" rtl="0">
+              <a:lnSpc>
+                <a:spcPct val="100000"/>
+              </a:lnSpc>
+              <a:spcBef>
+                <a:spcPts val="0"/>
+              </a:spcBef>
+              <a:spcAft>
+                <a:spcPts val="0"/>
+              </a:spcAft>
+              <a:buClr>
+                <a:srgbClr val="000000"/>
+              </a:buClr>
+              <a:buFont typeface="Arial"/>
+              <a:defRPr sz="1400" b="0" i="0" u="none" strike="noStrike" cap="none">
+                <a:solidFill>
+                  <a:srgbClr val="000000"/>
+                </a:solidFill>
+                <a:latin typeface="Arial"/>
+                <a:ea typeface="Arial"/>
+                <a:cs typeface="Arial"/>
+                <a:sym typeface="Arial"/>
+              </a:defRPr>
+            </a:lvl8pPr>
+            <a:lvl9pPr marR="0" lvl="8" algn="l" rtl="0">
+              <a:lnSpc>
+                <a:spcPct val="100000"/>
+              </a:lnSpc>
+              <a:spcBef>
+                <a:spcPts val="0"/>
+              </a:spcBef>
+              <a:spcAft>
+                <a:spcPts val="0"/>
+              </a:spcAft>
+              <a:buClr>
+                <a:srgbClr val="000000"/>
+              </a:buClr>
+              <a:buFont typeface="Arial"/>
+              <a:defRPr sz="1400" b="0" i="0" u="none" strike="noStrike" cap="none">
+                <a:solidFill>
+                  <a:srgbClr val="000000"/>
+                </a:solidFill>
+                <a:latin typeface="Arial"/>
+                <a:ea typeface="Arial"/>
+                <a:cs typeface="Arial"/>
+                <a:sym typeface="Arial"/>
+              </a:defRPr>
+            </a:lvl9pPr>
+          </a:lstStyle>
+          <a:p>
+            <a:r>
+              <a:rPr lang="ko-KR" altLang="en-US" sz="1000" dirty="0"/>
+              <a:t>▶</a:t>
+            </a:r>
+            <a:r>
+              <a:rPr lang="en-US" altLang="ko-KR" sz="1000" dirty="0"/>
+              <a:t>TC 1. Test</a:t>
+            </a:r>
+            <a:r>
+              <a:rPr lang="ko-KR" altLang="en-US" sz="1000" dirty="0"/>
+              <a:t> </a:t>
+            </a:r>
+            <a:r>
+              <a:rPr lang="en-US" altLang="ko-KR" sz="1000" dirty="0"/>
+              <a:t>Shell</a:t>
+            </a:r>
+            <a:r>
+              <a:rPr lang="ko-KR" altLang="en-US" sz="1000" dirty="0"/>
+              <a:t> </a:t>
+            </a:r>
+            <a:r>
+              <a:rPr lang="en-US" altLang="ko-KR" sz="1000" dirty="0"/>
+              <a:t>Parser </a:t>
+            </a:r>
+            <a:r>
+              <a:rPr lang="en-US" altLang="ko-KR" sz="1000" b="1" dirty="0">
+                <a:solidFill>
+                  <a:srgbClr val="FF0000"/>
+                </a:solidFill>
+              </a:rPr>
+              <a:t>(RED)</a:t>
+            </a:r>
+            <a:endParaRPr lang="ko-KR" altLang="en-US" sz="1000" b="1" dirty="0">
+              <a:solidFill>
+                <a:srgbClr val="FF0000"/>
+              </a:solidFill>
+            </a:endParaRPr>
+          </a:p>
+        </p:txBody>
+      </p:sp>
+      <p:cxnSp>
+        <p:nvCxnSpPr>
+          <p:cNvPr id="65" name="직선 화살표 연결선 64">
+            <a:extLst>
+              <a:ext uri="{FF2B5EF4-FFF2-40B4-BE49-F238E27FC236}">
+                <a16:creationId xmlns:a16="http://schemas.microsoft.com/office/drawing/2014/main" id="{4CB8DDDE-A4D3-4D3B-B476-276E08DD24E4}"/>
+              </a:ext>
+            </a:extLst>
+          </p:cNvPr>
+          <p:cNvCxnSpPr>
+            <a:cxnSpLocks/>
+          </p:cNvCxnSpPr>
+          <p:nvPr/>
+        </p:nvCxnSpPr>
+        <p:spPr>
+          <a:xfrm flipV="1">
+            <a:off x="2079699" y="3449389"/>
+            <a:ext cx="48881" cy="479597"/>
+          </a:xfrm>
+          <a:prstGeom prst="straightConnector1">
+            <a:avLst/>
+          </a:prstGeom>
+          <a:ln w="57150">
+            <a:tailEnd type="triangle"/>
+          </a:ln>
+        </p:spPr>
+        <p:style>
+          <a:lnRef idx="1">
+            <a:schemeClr val="accent1"/>
+          </a:lnRef>
+          <a:fillRef idx="0">
+            <a:schemeClr val="accent1"/>
+          </a:fillRef>
+          <a:effectRef idx="0">
+            <a:schemeClr val="accent1"/>
+          </a:effectRef>
+          <a:fontRef idx="minor">
+            <a:schemeClr val="tx1"/>
+          </a:fontRef>
+        </p:style>
+      </p:cxnSp>
+      <p:sp>
+        <p:nvSpPr>
+          <p:cNvPr id="66" name="TextBox 65">
+            <a:extLst>
+              <a:ext uri="{FF2B5EF4-FFF2-40B4-BE49-F238E27FC236}">
+                <a16:creationId xmlns:a16="http://schemas.microsoft.com/office/drawing/2014/main" id="{E3D48409-B872-4FF0-89CA-36AD69DE99E2}"/>
+              </a:ext>
+            </a:extLst>
+          </p:cNvPr>
+          <p:cNvSpPr txBox="1"/>
+          <p:nvPr/>
+        </p:nvSpPr>
+        <p:spPr>
+          <a:xfrm>
+            <a:off x="1653193" y="3443201"/>
+            <a:ext cx="441146" cy="400110"/>
+          </a:xfrm>
+          <a:prstGeom prst="rect">
+            <a:avLst/>
+          </a:prstGeom>
+          <a:noFill/>
+        </p:spPr>
+        <p:txBody>
+          <a:bodyPr wrap="none" rtlCol="0">
+            <a:spAutoFit/>
+          </a:bodyPr>
+          <a:lstStyle/>
+          <a:p>
+            <a:r>
+              <a:rPr lang="ko-KR" altLang="en-US" sz="2000" b="1" dirty="0">
+                <a:solidFill>
+                  <a:srgbClr val="0070C0"/>
+                </a:solidFill>
+              </a:rPr>
+              <a:t>③</a:t>
+            </a:r>
+          </a:p>
+        </p:txBody>
+      </p:sp>
+      <p:cxnSp>
+        <p:nvCxnSpPr>
+          <p:cNvPr id="67" name="직선 화살표 연결선 66">
+            <a:extLst>
+              <a:ext uri="{FF2B5EF4-FFF2-40B4-BE49-F238E27FC236}">
+                <a16:creationId xmlns:a16="http://schemas.microsoft.com/office/drawing/2014/main" id="{7B77DBC8-E447-4A07-B908-E9D335E05B00}"/>
+              </a:ext>
+            </a:extLst>
+          </p:cNvPr>
+          <p:cNvCxnSpPr>
+            <a:cxnSpLocks/>
+          </p:cNvCxnSpPr>
+          <p:nvPr/>
+        </p:nvCxnSpPr>
+        <p:spPr>
+          <a:xfrm flipV="1">
+            <a:off x="2753083" y="2672734"/>
+            <a:ext cx="574338" cy="2259792"/>
+          </a:xfrm>
+          <a:prstGeom prst="straightConnector1">
+            <a:avLst/>
+          </a:prstGeom>
+          <a:ln w="57150">
+            <a:tailEnd type="triangle"/>
+          </a:ln>
+        </p:spPr>
+        <p:style>
+          <a:lnRef idx="1">
+            <a:schemeClr val="accent1"/>
+          </a:lnRef>
+          <a:fillRef idx="0">
+            <a:schemeClr val="accent1"/>
+          </a:fillRef>
+          <a:effectRef idx="0">
+            <a:schemeClr val="accent1"/>
+          </a:effectRef>
+          <a:fontRef idx="minor">
+            <a:schemeClr val="tx1"/>
+          </a:fontRef>
+        </p:style>
+      </p:cxnSp>
+      <p:sp>
+        <p:nvSpPr>
+          <p:cNvPr id="68" name="TextBox 67">
+            <a:extLst>
+              <a:ext uri="{FF2B5EF4-FFF2-40B4-BE49-F238E27FC236}">
+                <a16:creationId xmlns:a16="http://schemas.microsoft.com/office/drawing/2014/main" id="{47E4540E-3D6A-4DD9-A2D3-82C0ED207412}"/>
+              </a:ext>
+            </a:extLst>
+          </p:cNvPr>
+          <p:cNvSpPr txBox="1"/>
+          <p:nvPr/>
+        </p:nvSpPr>
+        <p:spPr>
+          <a:xfrm>
+            <a:off x="2618586" y="3285676"/>
+            <a:ext cx="441146" cy="400110"/>
+          </a:xfrm>
+          <a:prstGeom prst="rect">
+            <a:avLst/>
+          </a:prstGeom>
+          <a:noFill/>
+        </p:spPr>
+        <p:txBody>
+          <a:bodyPr wrap="none" rtlCol="0">
+            <a:spAutoFit/>
+          </a:bodyPr>
+          <a:lstStyle/>
+          <a:p>
+            <a:r>
+              <a:rPr lang="ko-KR" altLang="en-US" sz="2000" b="1" dirty="0">
+                <a:solidFill>
+                  <a:srgbClr val="0070C0"/>
+                </a:solidFill>
+              </a:rPr>
+              <a:t>②</a:t>
+            </a:r>
+          </a:p>
+        </p:txBody>
+      </p:sp>
+      <p:cxnSp>
+        <p:nvCxnSpPr>
+          <p:cNvPr id="69" name="직선 화살표 연결선 68">
+            <a:extLst>
+              <a:ext uri="{FF2B5EF4-FFF2-40B4-BE49-F238E27FC236}">
+                <a16:creationId xmlns:a16="http://schemas.microsoft.com/office/drawing/2014/main" id="{6F1F2C11-0B28-4EDB-97D9-77FB63471588}"/>
+              </a:ext>
+            </a:extLst>
+          </p:cNvPr>
+          <p:cNvCxnSpPr>
+            <a:cxnSpLocks/>
+          </p:cNvCxnSpPr>
+          <p:nvPr/>
+        </p:nvCxnSpPr>
+        <p:spPr>
+          <a:xfrm flipV="1">
+            <a:off x="2971640" y="5082015"/>
+            <a:ext cx="456421" cy="958600"/>
+          </a:xfrm>
+          <a:prstGeom prst="straightConnector1">
+            <a:avLst/>
+          </a:prstGeom>
+          <a:ln w="57150">
+            <a:tailEnd type="triangle"/>
+          </a:ln>
+        </p:spPr>
+        <p:style>
+          <a:lnRef idx="1">
+            <a:schemeClr val="accent1"/>
+          </a:lnRef>
+          <a:fillRef idx="0">
+            <a:schemeClr val="accent1"/>
+          </a:fillRef>
+          <a:effectRef idx="0">
+            <a:schemeClr val="accent1"/>
+          </a:effectRef>
+          <a:fontRef idx="minor">
+            <a:schemeClr val="tx1"/>
+          </a:fontRef>
+        </p:style>
+      </p:cxnSp>
+      <p:sp>
+        <p:nvSpPr>
+          <p:cNvPr id="70" name="TextBox 69">
+            <a:extLst>
+              <a:ext uri="{FF2B5EF4-FFF2-40B4-BE49-F238E27FC236}">
+                <a16:creationId xmlns:a16="http://schemas.microsoft.com/office/drawing/2014/main" id="{AABF3F0E-B7FF-4E55-ADE2-8C182F5EEAEB}"/>
+              </a:ext>
+            </a:extLst>
+          </p:cNvPr>
+          <p:cNvSpPr txBox="1"/>
+          <p:nvPr/>
+        </p:nvSpPr>
+        <p:spPr>
+          <a:xfrm>
+            <a:off x="2962933" y="5021590"/>
+            <a:ext cx="441146" cy="400110"/>
+          </a:xfrm>
+          <a:prstGeom prst="rect">
+            <a:avLst/>
+          </a:prstGeom>
+          <a:noFill/>
+        </p:spPr>
+        <p:txBody>
+          <a:bodyPr wrap="none" rtlCol="0">
+            <a:spAutoFit/>
+          </a:bodyPr>
+          <a:lstStyle/>
+          <a:p>
+            <a:r>
+              <a:rPr lang="ko-KR" altLang="en-US" sz="2000" b="1" dirty="0">
+                <a:solidFill>
+                  <a:srgbClr val="0070C0"/>
+                </a:solidFill>
+              </a:rPr>
+              <a:t>①</a:t>
+            </a:r>
+          </a:p>
+        </p:txBody>
+      </p:sp>
     </p:spTree>
     <p:extLst>
       <p:ext uri="{BB962C8B-B14F-4D97-AF65-F5344CB8AC3E}">
-        <p14:creationId xmlns:p14="http://schemas.microsoft.com/office/powerpoint/2010/main" val="519055228"/>
+        <p14:creationId xmlns:p14="http://schemas.microsoft.com/office/powerpoint/2010/main" val="3713004792"/>
       </p:ext>
     </p:extLst>
   </p:cSld>

--- a/SSD_B_BestReviewer.pptx
+++ b/SSD_B_BestReviewer.pptx
@@ -13727,7 +13727,7 @@
         <p:spPr>
           <a:xfrm>
             <a:off x="605980" y="1098330"/>
-            <a:ext cx="1366080" cy="400110"/>
+            <a:ext cx="4100803" cy="400110"/>
           </a:xfrm>
           <a:prstGeom prst="rect">
             <a:avLst/>
@@ -13744,7 +13744,15 @@
           <a:p>
             <a:r>
               <a:rPr lang="en-US" altLang="ko-KR" sz="2000" b="1" dirty="0"/>
-              <a:t>[Mock #1]</a:t>
+              <a:t>[Mock #1 – SSD</a:t>
+            </a:r>
+            <a:r>
+              <a:rPr lang="ko-KR" altLang="en-US" sz="2000" b="1" dirty="0"/>
+              <a:t> </a:t>
+            </a:r>
+            <a:r>
+              <a:rPr lang="en-US" altLang="ko-KR" sz="2000" b="1" dirty="0"/>
+              <a:t>Driver Mocking]</a:t>
             </a:r>
             <a:endParaRPr lang="ko-KR" altLang="en-US" sz="2000" b="1" dirty="0"/>
           </a:p>
@@ -13839,6 +13847,460 @@
               <a:t>[Mock #2]</a:t>
             </a:r>
             <a:endParaRPr lang="ko-KR" altLang="en-US" sz="2000" b="1" dirty="0"/>
+          </a:p>
+        </p:txBody>
+      </p:sp>
+      <p:sp>
+        <p:nvSpPr>
+          <p:cNvPr id="7" name="TextBox 12">
+            <a:extLst>
+              <a:ext uri="{FF2B5EF4-FFF2-40B4-BE49-F238E27FC236}">
+                <a16:creationId xmlns:a16="http://schemas.microsoft.com/office/drawing/2014/main" id="{4C7DB525-A997-4763-861C-5FD01054FACA}"/>
+              </a:ext>
+            </a:extLst>
+          </p:cNvPr>
+          <p:cNvSpPr txBox="1"/>
+          <p:nvPr/>
+        </p:nvSpPr>
+        <p:spPr>
+          <a:xfrm>
+            <a:off x="499448" y="1809427"/>
+            <a:ext cx="1332416" cy="338554"/>
+          </a:xfrm>
+          <a:prstGeom prst="rect">
+            <a:avLst/>
+          </a:prstGeom>
+          <a:noFill/>
+        </p:spPr>
+        <p:txBody>
+          <a:bodyPr wrap="none" rtlCol="0">
+            <a:spAutoFit/>
+          </a:bodyPr>
+          <a:lstStyle>
+            <a:defPPr marR="0" lvl="0" algn="l" rtl="0">
+              <a:lnSpc>
+                <a:spcPct val="100000"/>
+              </a:lnSpc>
+              <a:spcBef>
+                <a:spcPts val="0"/>
+              </a:spcBef>
+              <a:spcAft>
+                <a:spcPts val="0"/>
+              </a:spcAft>
+            </a:defPPr>
+            <a:lvl1pPr marR="0" lvl="0" algn="l" rtl="0">
+              <a:lnSpc>
+                <a:spcPct val="100000"/>
+              </a:lnSpc>
+              <a:spcBef>
+                <a:spcPts val="0"/>
+              </a:spcBef>
+              <a:spcAft>
+                <a:spcPts val="0"/>
+              </a:spcAft>
+              <a:buClr>
+                <a:srgbClr val="000000"/>
+              </a:buClr>
+              <a:buFont typeface="Arial"/>
+              <a:defRPr sz="1400" b="0" i="0" u="none" strike="noStrike" cap="none">
+                <a:solidFill>
+                  <a:srgbClr val="000000"/>
+                </a:solidFill>
+                <a:latin typeface="Arial"/>
+                <a:ea typeface="Arial"/>
+                <a:cs typeface="Arial"/>
+                <a:sym typeface="Arial"/>
+              </a:defRPr>
+            </a:lvl1pPr>
+            <a:lvl2pPr marR="0" lvl="1" algn="l" rtl="0">
+              <a:lnSpc>
+                <a:spcPct val="100000"/>
+              </a:lnSpc>
+              <a:spcBef>
+                <a:spcPts val="0"/>
+              </a:spcBef>
+              <a:spcAft>
+                <a:spcPts val="0"/>
+              </a:spcAft>
+              <a:buClr>
+                <a:srgbClr val="000000"/>
+              </a:buClr>
+              <a:buFont typeface="Arial"/>
+              <a:defRPr sz="1400" b="0" i="0" u="none" strike="noStrike" cap="none">
+                <a:solidFill>
+                  <a:srgbClr val="000000"/>
+                </a:solidFill>
+                <a:latin typeface="Arial"/>
+                <a:ea typeface="Arial"/>
+                <a:cs typeface="Arial"/>
+                <a:sym typeface="Arial"/>
+              </a:defRPr>
+            </a:lvl2pPr>
+            <a:lvl3pPr marR="0" lvl="2" algn="l" rtl="0">
+              <a:lnSpc>
+                <a:spcPct val="100000"/>
+              </a:lnSpc>
+              <a:spcBef>
+                <a:spcPts val="0"/>
+              </a:spcBef>
+              <a:spcAft>
+                <a:spcPts val="0"/>
+              </a:spcAft>
+              <a:buClr>
+                <a:srgbClr val="000000"/>
+              </a:buClr>
+              <a:buFont typeface="Arial"/>
+              <a:defRPr sz="1400" b="0" i="0" u="none" strike="noStrike" cap="none">
+                <a:solidFill>
+                  <a:srgbClr val="000000"/>
+                </a:solidFill>
+                <a:latin typeface="Arial"/>
+                <a:ea typeface="Arial"/>
+                <a:cs typeface="Arial"/>
+                <a:sym typeface="Arial"/>
+              </a:defRPr>
+            </a:lvl3pPr>
+            <a:lvl4pPr marR="0" lvl="3" algn="l" rtl="0">
+              <a:lnSpc>
+                <a:spcPct val="100000"/>
+              </a:lnSpc>
+              <a:spcBef>
+                <a:spcPts val="0"/>
+              </a:spcBef>
+              <a:spcAft>
+                <a:spcPts val="0"/>
+              </a:spcAft>
+              <a:buClr>
+                <a:srgbClr val="000000"/>
+              </a:buClr>
+              <a:buFont typeface="Arial"/>
+              <a:defRPr sz="1400" b="0" i="0" u="none" strike="noStrike" cap="none">
+                <a:solidFill>
+                  <a:srgbClr val="000000"/>
+                </a:solidFill>
+                <a:latin typeface="Arial"/>
+                <a:ea typeface="Arial"/>
+                <a:cs typeface="Arial"/>
+                <a:sym typeface="Arial"/>
+              </a:defRPr>
+            </a:lvl4pPr>
+            <a:lvl5pPr marR="0" lvl="4" algn="l" rtl="0">
+              <a:lnSpc>
+                <a:spcPct val="100000"/>
+              </a:lnSpc>
+              <a:spcBef>
+                <a:spcPts val="0"/>
+              </a:spcBef>
+              <a:spcAft>
+                <a:spcPts val="0"/>
+              </a:spcAft>
+              <a:buClr>
+                <a:srgbClr val="000000"/>
+              </a:buClr>
+              <a:buFont typeface="Arial"/>
+              <a:defRPr sz="1400" b="0" i="0" u="none" strike="noStrike" cap="none">
+                <a:solidFill>
+                  <a:srgbClr val="000000"/>
+                </a:solidFill>
+                <a:latin typeface="Arial"/>
+                <a:ea typeface="Arial"/>
+                <a:cs typeface="Arial"/>
+                <a:sym typeface="Arial"/>
+              </a:defRPr>
+            </a:lvl5pPr>
+            <a:lvl6pPr marR="0" lvl="5" algn="l" rtl="0">
+              <a:lnSpc>
+                <a:spcPct val="100000"/>
+              </a:lnSpc>
+              <a:spcBef>
+                <a:spcPts val="0"/>
+              </a:spcBef>
+              <a:spcAft>
+                <a:spcPts val="0"/>
+              </a:spcAft>
+              <a:buClr>
+                <a:srgbClr val="000000"/>
+              </a:buClr>
+              <a:buFont typeface="Arial"/>
+              <a:defRPr sz="1400" b="0" i="0" u="none" strike="noStrike" cap="none">
+                <a:solidFill>
+                  <a:srgbClr val="000000"/>
+                </a:solidFill>
+                <a:latin typeface="Arial"/>
+                <a:ea typeface="Arial"/>
+                <a:cs typeface="Arial"/>
+                <a:sym typeface="Arial"/>
+              </a:defRPr>
+            </a:lvl6pPr>
+            <a:lvl7pPr marR="0" lvl="6" algn="l" rtl="0">
+              <a:lnSpc>
+                <a:spcPct val="100000"/>
+              </a:lnSpc>
+              <a:spcBef>
+                <a:spcPts val="0"/>
+              </a:spcBef>
+              <a:spcAft>
+                <a:spcPts val="0"/>
+              </a:spcAft>
+              <a:buClr>
+                <a:srgbClr val="000000"/>
+              </a:buClr>
+              <a:buFont typeface="Arial"/>
+              <a:defRPr sz="1400" b="0" i="0" u="none" strike="noStrike" cap="none">
+                <a:solidFill>
+                  <a:srgbClr val="000000"/>
+                </a:solidFill>
+                <a:latin typeface="Arial"/>
+                <a:ea typeface="Arial"/>
+                <a:cs typeface="Arial"/>
+                <a:sym typeface="Arial"/>
+              </a:defRPr>
+            </a:lvl7pPr>
+            <a:lvl8pPr marR="0" lvl="7" algn="l" rtl="0">
+              <a:lnSpc>
+                <a:spcPct val="100000"/>
+              </a:lnSpc>
+              <a:spcBef>
+                <a:spcPts val="0"/>
+              </a:spcBef>
+              <a:spcAft>
+                <a:spcPts val="0"/>
+              </a:spcAft>
+              <a:buClr>
+                <a:srgbClr val="000000"/>
+              </a:buClr>
+              <a:buFont typeface="Arial"/>
+              <a:defRPr sz="1400" b="0" i="0" u="none" strike="noStrike" cap="none">
+                <a:solidFill>
+                  <a:srgbClr val="000000"/>
+                </a:solidFill>
+                <a:latin typeface="Arial"/>
+                <a:ea typeface="Arial"/>
+                <a:cs typeface="Arial"/>
+                <a:sym typeface="Arial"/>
+              </a:defRPr>
+            </a:lvl8pPr>
+            <a:lvl9pPr marR="0" lvl="8" algn="l" rtl="0">
+              <a:lnSpc>
+                <a:spcPct val="100000"/>
+              </a:lnSpc>
+              <a:spcBef>
+                <a:spcPts val="0"/>
+              </a:spcBef>
+              <a:spcAft>
+                <a:spcPts val="0"/>
+              </a:spcAft>
+              <a:buClr>
+                <a:srgbClr val="000000"/>
+              </a:buClr>
+              <a:buFont typeface="Arial"/>
+              <a:defRPr sz="1400" b="0" i="0" u="none" strike="noStrike" cap="none">
+                <a:solidFill>
+                  <a:srgbClr val="000000"/>
+                </a:solidFill>
+                <a:latin typeface="Arial"/>
+                <a:ea typeface="Arial"/>
+                <a:cs typeface="Arial"/>
+                <a:sym typeface="Arial"/>
+              </a:defRPr>
+            </a:lvl9pPr>
+          </a:lstStyle>
+          <a:p>
+            <a:r>
+              <a:rPr lang="ko-KR" altLang="en-US" sz="1600" dirty="0"/>
+              <a:t>▶</a:t>
+            </a:r>
+            <a:r>
+              <a:rPr lang="en-US" altLang="ko-KR" sz="1600" dirty="0"/>
+              <a:t> Stubbing</a:t>
+            </a:r>
+            <a:endParaRPr lang="ko-KR" altLang="en-US" sz="1600" b="1" dirty="0">
+              <a:solidFill>
+                <a:srgbClr val="0070C0"/>
+              </a:solidFill>
+            </a:endParaRPr>
+          </a:p>
+        </p:txBody>
+      </p:sp>
+      <p:pic>
+        <p:nvPicPr>
+          <p:cNvPr id="1026" name="Picture 2">
+            <a:extLst>
+              <a:ext uri="{FF2B5EF4-FFF2-40B4-BE49-F238E27FC236}">
+                <a16:creationId xmlns:a16="http://schemas.microsoft.com/office/drawing/2014/main" id="{FD08B28D-310B-434B-AE20-EA4327623FF4}"/>
+              </a:ext>
+            </a:extLst>
+          </p:cNvPr>
+          <p:cNvPicPr>
+            <a:picLocks noChangeAspect="1" noChangeArrowheads="1"/>
+          </p:cNvPicPr>
+          <p:nvPr/>
+        </p:nvPicPr>
+        <p:blipFill>
+          <a:blip r:embed="rId3">
+            <a:extLst>
+              <a:ext uri="{28A0092B-C50C-407E-A947-70E740481C1C}">
+                <a14:useLocalDpi xmlns:a14="http://schemas.microsoft.com/office/drawing/2010/main" val="0"/>
+              </a:ext>
+            </a:extLst>
+          </a:blip>
+          <a:srcRect/>
+          <a:stretch>
+            <a:fillRect/>
+          </a:stretch>
+        </p:blipFill>
+        <p:spPr bwMode="auto">
+          <a:xfrm>
+            <a:off x="661392" y="3686758"/>
+            <a:ext cx="5192284" cy="2468140"/>
+          </a:xfrm>
+          <a:prstGeom prst="rect">
+            <a:avLst/>
+          </a:prstGeom>
+          <a:noFill/>
+          <a:extLst>
+            <a:ext uri="{909E8E84-426E-40DD-AFC4-6F175D3DCCD1}">
+              <a14:hiddenFill xmlns:a14="http://schemas.microsoft.com/office/drawing/2010/main">
+                <a:solidFill>
+                  <a:srgbClr val="FFFFFF"/>
+                </a:solidFill>
+              </a14:hiddenFill>
+            </a:ext>
+          </a:extLst>
+        </p:spPr>
+      </p:pic>
+      <p:sp>
+        <p:nvSpPr>
+          <p:cNvPr id="9" name="TextBox 8">
+            <a:extLst>
+              <a:ext uri="{FF2B5EF4-FFF2-40B4-BE49-F238E27FC236}">
+                <a16:creationId xmlns:a16="http://schemas.microsoft.com/office/drawing/2014/main" id="{DADAFE62-F852-4F10-90A1-3CF4BBE5BD22}"/>
+              </a:ext>
+            </a:extLst>
+          </p:cNvPr>
+          <p:cNvSpPr txBox="1"/>
+          <p:nvPr/>
+        </p:nvSpPr>
+        <p:spPr>
+          <a:xfrm>
+            <a:off x="605980" y="2246883"/>
+            <a:ext cx="5112297" cy="1021562"/>
+          </a:xfrm>
+          <a:prstGeom prst="rect">
+            <a:avLst/>
+          </a:prstGeom>
+          <a:noFill/>
+        </p:spPr>
+        <p:txBody>
+          <a:bodyPr wrap="none" rtlCol="0">
+            <a:spAutoFit/>
+          </a:bodyPr>
+          <a:lstStyle/>
+          <a:p>
+            <a:pPr>
+              <a:lnSpc>
+                <a:spcPct val="150000"/>
+              </a:lnSpc>
+            </a:pPr>
+            <a:r>
+              <a:rPr lang="en-US" altLang="ko-KR" dirty="0"/>
+              <a:t>- </a:t>
+            </a:r>
+            <a:r>
+              <a:rPr lang="ko-KR" altLang="en-US" dirty="0"/>
+              <a:t>목적</a:t>
+            </a:r>
+            <a:r>
+              <a:rPr lang="en-US" altLang="ko-KR" dirty="0"/>
+              <a:t>: SSD </a:t>
+            </a:r>
+            <a:r>
+              <a:rPr lang="ko-KR" altLang="en-US" dirty="0"/>
+              <a:t>개발 완료 전 테스트 진행</a:t>
+            </a:r>
+            <a:endParaRPr lang="en-US" altLang="ko-KR" dirty="0"/>
+          </a:p>
+          <a:p>
+            <a:pPr>
+              <a:lnSpc>
+                <a:spcPct val="150000"/>
+              </a:lnSpc>
+            </a:pPr>
+            <a:r>
+              <a:rPr lang="en-US" altLang="ko-KR" dirty="0"/>
+              <a:t>- </a:t>
+            </a:r>
+            <a:r>
+              <a:rPr lang="ko-KR" altLang="en-US" dirty="0"/>
+              <a:t>방법</a:t>
+            </a:r>
+            <a:r>
+              <a:rPr lang="en-US" altLang="ko-KR" dirty="0"/>
+              <a:t>: </a:t>
+            </a:r>
+            <a:r>
+              <a:rPr lang="ko-KR" altLang="en-US" dirty="0"/>
+              <a:t>반환 값 지정</a:t>
+            </a:r>
+            <a:r>
+              <a:rPr lang="en-US" altLang="ko-KR" dirty="0"/>
+              <a:t>(</a:t>
+            </a:r>
+            <a:r>
+              <a:rPr lang="en-US" altLang="ko-KR" dirty="0" err="1"/>
+              <a:t>run_ssd_read</a:t>
+            </a:r>
+            <a:r>
+              <a:rPr lang="en-US" altLang="ko-KR" dirty="0"/>
+              <a:t> </a:t>
+            </a:r>
+            <a:r>
+              <a:rPr lang="ko-KR" altLang="en-US" dirty="0"/>
+              <a:t>함수의 </a:t>
+            </a:r>
+            <a:r>
+              <a:rPr lang="en-US" altLang="ko-KR" dirty="0"/>
+              <a:t>return </a:t>
+            </a:r>
+            <a:r>
+              <a:rPr lang="ko-KR" altLang="en-US" dirty="0"/>
+              <a:t>값</a:t>
+            </a:r>
+            <a:r>
+              <a:rPr lang="en-US" altLang="ko-KR" dirty="0"/>
+              <a:t>, </a:t>
+            </a:r>
+            <a:r>
+              <a:rPr lang="ko-KR" altLang="en-US" dirty="0"/>
+              <a:t>호출 여부</a:t>
+            </a:r>
+            <a:r>
+              <a:rPr lang="en-US" altLang="ko-KR" dirty="0"/>
+              <a:t>)</a:t>
+            </a:r>
+          </a:p>
+          <a:p>
+            <a:pPr>
+              <a:lnSpc>
+                <a:spcPct val="150000"/>
+              </a:lnSpc>
+            </a:pPr>
+            <a:r>
+              <a:rPr lang="en-US" altLang="ko-KR" dirty="0"/>
+              <a:t>- </a:t>
+            </a:r>
+            <a:r>
+              <a:rPr lang="ko-KR" altLang="en-US" dirty="0"/>
+              <a:t>검증</a:t>
+            </a:r>
+            <a:r>
+              <a:rPr lang="en-US" altLang="ko-KR" dirty="0"/>
+              <a:t>: assert</a:t>
+            </a:r>
+            <a:r>
+              <a:rPr lang="ko-KR" altLang="en-US" dirty="0"/>
+              <a:t> 문을 활용한 리턴 값 및 호출 확인</a:t>
+            </a:r>
           </a:p>
         </p:txBody>
       </p:sp>

--- a/SSD_B_BestReviewer.pptx
+++ b/SSD_B_BestReviewer.pptx
@@ -259,7 +259,7 @@
       <p15:sldGuideLst xmlns:p15="http://schemas.microsoft.com/office/powerpoint/2012/main"/>
     </p:ext>
     <p:ext uri="GoogleSlidesCustomDataVersion2">
-      <go:slidesCustomData xmlns="" xmlns:mc="http://schemas.openxmlformats.org/markup-compatibility/2006" xmlns:mv="urn:schemas-microsoft-com:mac:vml" xmlns:c="http://schemas.openxmlformats.org/drawingml/2006/chart" xmlns:dgm="http://schemas.openxmlformats.org/drawingml/2006/diagram" xmlns:o="urn:schemas-microsoft-com:office:office" xmlns:v="urn:schemas-microsoft-com:vml" xmlns:pvml="urn:schemas-microsoft-com:office:powerpoint" xmlns:com="http://schemas.openxmlformats.org/drawingml/2006/compatibility" xmlns:p14="http://schemas.microsoft.com/office/powerpoint/2010/main" xmlns:p15="http://schemas.microsoft.com/office/powerpoint/2012/main" xmlns:ahyp="http://schemas.microsoft.com/office/drawing/2018/hyperlinkcolor" xmlns:go="http://customooxmlschemas.google.com/" r:id="rId17" roundtripDataSignature="AMtx7mj5GdbxsaFl02bTEFBl/9s84/Z/Bw=="/>
+      <go:slidesCustomData xmlns:go="http://customooxmlschemas.google.com/" xmlns:ahyp="http://schemas.microsoft.com/office/drawing/2018/hyperlinkcolor" xmlns:p15="http://schemas.microsoft.com/office/powerpoint/2012/main" xmlns:p14="http://schemas.microsoft.com/office/powerpoint/2010/main" xmlns:com="http://schemas.openxmlformats.org/drawingml/2006/compatibility" xmlns:pvml="urn:schemas-microsoft-com:office:powerpoint" xmlns:v="urn:schemas-microsoft-com:vml" xmlns:o="urn:schemas-microsoft-com:office:office" xmlns:dgm="http://schemas.openxmlformats.org/drawingml/2006/diagram" xmlns:c="http://schemas.openxmlformats.org/drawingml/2006/chart" xmlns:mv="urn:schemas-microsoft-com:mac:vml" xmlns:mc="http://schemas.openxmlformats.org/markup-compatibility/2006" xmlns="" r:id="rId17" roundtripDataSignature="AMtx7mj5GdbxsaFl02bTEFBl/9s84/Z/Bw=="/>
     </p:ext>
   </p:extLst>
 </p:presentation>
@@ -5788,7 +5788,11 @@
             </a:r>
             <a:r>
               <a:rPr lang="en-US" altLang="ko-KR" dirty="0"/>
-              <a:t>– SSD</a:t>
+              <a:t>– SSD </a:t>
+            </a:r>
+            <a:r>
+              <a:rPr lang="ko-KR" altLang="en-US" dirty="0"/>
+              <a:t>프로젝트</a:t>
             </a:r>
             <a:endParaRPr dirty="0"/>
           </a:p>
@@ -6659,6 +6663,14 @@
             </a:pPr>
             <a:r>
               <a:rPr lang="en-US" dirty="0"/>
+              <a:t>TC</a:t>
+            </a:r>
+            <a:r>
+              <a:rPr lang="ko-KR" altLang="en-US" dirty="0"/>
+              <a:t> </a:t>
+            </a:r>
+            <a:r>
+              <a:rPr lang="en-US" dirty="0"/>
               <a:t>Coverage</a:t>
             </a:r>
             <a:endParaRPr dirty="0"/>
@@ -6680,7 +6692,7 @@
           <p:nvPr>
             <p:extLst>
               <p:ext uri="{D42A27DB-BD31-4B8C-83A1-F6EECF244321}">
-                <p14:modId xmlns:p14="http://schemas.microsoft.com/office/powerpoint/2010/main" val="1092385587"/>
+                <p14:modId xmlns:p14="http://schemas.microsoft.com/office/powerpoint/2010/main" val="3290773905"/>
               </p:ext>
             </p:extLst>
           </p:nvPr>
@@ -9523,7 +9535,7 @@
                         <a:rPr lang="en-US" sz="1100" dirty="0">
                           <a:effectLst/>
                         </a:rPr>
-                        <a:t>Flush</a:t>
+                        <a:t>Erase</a:t>
                       </a:r>
                     </a:p>
                   </a:txBody>
@@ -9647,11 +9659,38 @@
                     <a:p>
                       <a:pPr rtl="0" fontAlgn="b"/>
                       <a:r>
-                        <a:rPr lang="en-US" sz="1100">
-                          <a:effectLst/>
-                        </a:rPr>
-                        <a:t>test_shell_cmd_flush_success</a:t>
-                      </a:r>
+                        <a:rPr lang="en-US" altLang="ko-KR" sz="1100" dirty="0" err="1">
+                          <a:effectLst/>
+                        </a:rPr>
+                        <a:t>test_shell_erase</a:t>
+                      </a:r>
+                      <a:r>
+                        <a:rPr lang="en-US" altLang="ko-KR" sz="1100" dirty="0">
+                          <a:effectLst/>
+                        </a:rPr>
+                        <a:t> </a:t>
+                      </a:r>
+                      <a:r>
+                        <a:rPr lang="ko-KR" altLang="en-US" sz="1100" dirty="0">
+                          <a:effectLst/>
+                        </a:rPr>
+                        <a:t>외 </a:t>
+                      </a:r>
+                      <a:r>
+                        <a:rPr lang="en-US" altLang="ko-KR" sz="1100" dirty="0">
+                          <a:effectLst/>
+                        </a:rPr>
+                        <a:t>7</a:t>
+                      </a:r>
+                      <a:r>
+                        <a:rPr lang="ko-KR" altLang="en-US" sz="1100" dirty="0">
+                          <a:effectLst/>
+                        </a:rPr>
+                        <a:t>개</a:t>
+                      </a:r>
+                      <a:endParaRPr lang="en-US" sz="1100" dirty="0">
+                        <a:effectLst/>
+                      </a:endParaRPr>
                     </a:p>
                   </a:txBody>
                   <a:tcPr marL="17892" marR="17892" marT="11928" marB="11928" anchor="ctr">
@@ -9827,10 +9866,10 @@
                     <a:p>
                       <a:pPr rtl="0" fontAlgn="b"/>
                       <a:r>
-                        <a:rPr lang="en-US" sz="1100">
-                          <a:effectLst/>
-                        </a:rPr>
-                        <a:t>Erase</a:t>
+                        <a:rPr lang="en-US" sz="1100" dirty="0">
+                          <a:effectLst/>
+                        </a:rPr>
+                        <a:t>Flush</a:t>
                       </a:r>
                     </a:p>
                   </a:txBody>
@@ -9954,29 +9993,14 @@
                     <a:p>
                       <a:pPr rtl="0" fontAlgn="b"/>
                       <a:r>
-                        <a:rPr lang="en-US" sz="1100">
-                          <a:effectLst/>
-                        </a:rPr>
-                        <a:t>test_shell_erase </a:t>
-                      </a:r>
-                      <a:r>
-                        <a:rPr lang="ko-KR" altLang="en-US" sz="1100">
-                          <a:effectLst/>
-                        </a:rPr>
-                        <a:t>외 </a:t>
-                      </a:r>
-                      <a:r>
-                        <a:rPr lang="en-US" altLang="ko-KR" sz="1100">
-                          <a:effectLst/>
-                        </a:rPr>
-                        <a:t>7</a:t>
-                      </a:r>
-                      <a:r>
-                        <a:rPr lang="ko-KR" altLang="en-US" sz="1100">
-                          <a:effectLst/>
-                        </a:rPr>
-                        <a:t>개</a:t>
-                      </a:r>
+                        <a:rPr lang="en-US" altLang="ko-KR" sz="1100" dirty="0" err="1">
+                          <a:effectLst/>
+                        </a:rPr>
+                        <a:t>test_shell_cmd_flush_success</a:t>
+                      </a:r>
+                      <a:endParaRPr lang="ko-KR" altLang="en-US" sz="1100" dirty="0">
+                        <a:effectLst/>
+                      </a:endParaRPr>
                     </a:p>
                   </a:txBody>
                   <a:tcPr marL="17892" marR="17892" marT="11928" marB="11928" anchor="ctr">
@@ -13458,7 +13482,7 @@
           <p:nvPr>
             <p:extLst>
               <p:ext uri="{D42A27DB-BD31-4B8C-83A1-F6EECF244321}">
-                <p14:modId xmlns:p14="http://schemas.microsoft.com/office/powerpoint/2010/main" val="222046184"/>
+                <p14:modId xmlns:p14="http://schemas.microsoft.com/office/powerpoint/2010/main" val="709697396"/>
               </p:ext>
             </p:extLst>
           </p:nvPr>
@@ -13667,10 +13691,16 @@
                     <a:p>
                       <a:pPr rtl="0" fontAlgn="b"/>
                       <a:r>
+                        <a:rPr lang="ko-KR" altLang="en-US" sz="1300" b="1" dirty="0">
+                          <a:effectLst/>
+                        </a:rPr>
+                        <a:t>현업에서 즉시 활용 가능</a:t>
+                      </a:r>
+                      <a:r>
                         <a:rPr lang="ko-KR" altLang="en-US" sz="1300" dirty="0">
                           <a:effectLst/>
                         </a:rPr>
-                        <a:t>현업에서 즉시 활용 가능한 유용한 과정이라고 생각됩니다</a:t>
+                        <a:t>한 유용한 과정이라고 생각됩니다</a:t>
                       </a:r>
                       <a:r>
                         <a:rPr lang="en-US" altLang="ko-KR" sz="1300" dirty="0">
@@ -13813,94 +13843,106 @@
                     <a:p>
                       <a:pPr rtl="0" fontAlgn="b"/>
                       <a:r>
+                        <a:rPr lang="en-US" altLang="ko-KR" sz="1300" b="1" dirty="0">
+                          <a:effectLst/>
+                        </a:rPr>
+                        <a:t>"</a:t>
+                      </a:r>
+                      <a:r>
+                        <a:rPr lang="ko-KR" altLang="en-US" sz="1300" b="1" dirty="0">
+                          <a:effectLst/>
+                        </a:rPr>
+                        <a:t>같이</a:t>
+                      </a:r>
+                      <a:r>
+                        <a:rPr lang="en-US" altLang="ko-KR" sz="1300" b="1" dirty="0">
+                          <a:effectLst/>
+                        </a:rPr>
+                        <a:t>" </a:t>
+                      </a:r>
+                      <a:r>
+                        <a:rPr lang="ko-KR" altLang="en-US" sz="1300" b="1" dirty="0">
+                          <a:effectLst/>
+                        </a:rPr>
+                        <a:t>개발하는 프로젝트</a:t>
+                      </a:r>
+                      <a:r>
+                        <a:rPr lang="ko-KR" altLang="en-US" sz="1300" dirty="0">
+                          <a:effectLst/>
+                        </a:rPr>
+                        <a:t>를 풍부한 </a:t>
+                      </a:r>
+                      <a:r>
                         <a:rPr lang="en-US" altLang="ko-KR" sz="1300" dirty="0">
                           <a:effectLst/>
                         </a:rPr>
-                        <a:t>"</a:t>
+                        <a:t>SW </a:t>
                       </a:r>
                       <a:r>
                         <a:rPr lang="ko-KR" altLang="en-US" sz="1300" dirty="0">
                           <a:effectLst/>
                         </a:rPr>
-                        <a:t>같이</a:t>
+                        <a:t>개발 경험을 지닌 팀원분과 함께할 수 있어 좋았습니다</a:t>
                       </a:r>
                       <a:r>
                         <a:rPr lang="en-US" altLang="ko-KR" sz="1300" dirty="0">
                           <a:effectLst/>
                         </a:rPr>
-                        <a:t>" </a:t>
+                        <a:t>. </a:t>
+                      </a:r>
+                      <a:r>
+                        <a:rPr lang="ko-KR" altLang="en-US" sz="1300" dirty="0" err="1">
+                          <a:effectLst/>
+                        </a:rPr>
+                        <a:t>클린</a:t>
                       </a:r>
                       <a:r>
                         <a:rPr lang="ko-KR" altLang="en-US" sz="1300" dirty="0">
                           <a:effectLst/>
                         </a:rPr>
-                        <a:t>개발하는 프로젝트를 풍부한 </a:t>
+                        <a:t> 코드</a:t>
                       </a:r>
                       <a:r>
                         <a:rPr lang="en-US" altLang="ko-KR" sz="1300" dirty="0">
                           <a:effectLst/>
                         </a:rPr>
-                        <a:t>SW </a:t>
+                        <a:t>, TDD </a:t>
                       </a:r>
                       <a:r>
                         <a:rPr lang="ko-KR" altLang="en-US" sz="1300" dirty="0">
                           <a:effectLst/>
                         </a:rPr>
-                        <a:t>개발 경험을 지닌 팀원분과 함께할 수 있어 좋았습니다</a:t>
+                        <a:t>와 특히 </a:t>
                       </a:r>
                       <a:r>
                         <a:rPr lang="en-US" altLang="ko-KR" sz="1300" dirty="0">
                           <a:effectLst/>
                         </a:rPr>
+                        <a:t>git </a:t>
+                      </a:r>
+                      <a:r>
+                        <a:rPr lang="ko-KR" altLang="en-US" sz="1300" dirty="0">
+                          <a:effectLst/>
+                        </a:rPr>
+                        <a:t>활용법에 대해 많이 배우고 성장하였습니다</a:t>
+                      </a:r>
+                      <a:r>
+                        <a:rPr lang="en-US" altLang="ko-KR" sz="1300" dirty="0">
+                          <a:effectLst/>
+                        </a:rPr>
                         <a:t>. </a:t>
                       </a:r>
                       <a:r>
-                        <a:rPr lang="ko-KR" altLang="en-US" sz="1300" dirty="0" err="1">
-                          <a:effectLst/>
-                        </a:rPr>
-                        <a:t>클린</a:t>
+                        <a:rPr lang="ko-KR" altLang="en-US" sz="1300" b="1" dirty="0">
+                          <a:effectLst/>
+                        </a:rPr>
+                        <a:t>현업에 큰 도움</a:t>
                       </a:r>
                       <a:r>
                         <a:rPr lang="ko-KR" altLang="en-US" sz="1300" dirty="0">
                           <a:effectLst/>
                         </a:rPr>
-                        <a:t> 코드</a:t>
-                      </a:r>
-                      <a:r>
-                        <a:rPr lang="en-US" altLang="ko-KR" sz="1300" dirty="0">
-                          <a:effectLst/>
-                        </a:rPr>
-                        <a:t>, TDD </a:t>
-                      </a:r>
-                      <a:r>
-                        <a:rPr lang="ko-KR" altLang="en-US" sz="1300" dirty="0">
-                          <a:effectLst/>
-                        </a:rPr>
-                        <a:t>와 특히 </a:t>
-                      </a:r>
-                      <a:r>
-                        <a:rPr lang="en-US" altLang="ko-KR" sz="1300" dirty="0">
-                          <a:effectLst/>
-                        </a:rPr>
-                        <a:t>git </a:t>
-                      </a:r>
-                      <a:r>
-                        <a:rPr lang="ko-KR" altLang="en-US" sz="1300" dirty="0">
-                          <a:effectLst/>
-                        </a:rPr>
-                        <a:t>활용법에 대해 많이 배우고 성장하였습니다</a:t>
-                      </a:r>
-                      <a:r>
-                        <a:rPr lang="en-US" altLang="ko-KR" sz="1300" dirty="0">
-                          <a:effectLst/>
-                        </a:rPr>
-                        <a:t>. </a:t>
-                      </a:r>
-                      <a:r>
-                        <a:rPr lang="ko-KR" altLang="en-US" sz="1300" dirty="0">
-                          <a:effectLst/>
-                        </a:rPr>
-                        <a:t>현업에 큰 도움이 될 듯해요</a:t>
+                        <a:t>이 될 듯해요</a:t>
                       </a:r>
                       <a:r>
                         <a:rPr lang="en-US" altLang="ko-KR" sz="1300" dirty="0">
@@ -14019,7 +14061,19 @@
                         <a:rPr lang="ko-KR" altLang="en-US" sz="1300" dirty="0">
                           <a:effectLst/>
                         </a:rPr>
-                        <a:t>생각보다 과제가 난이도가 있어서 쉽지 않았지만 다같이 열심히 버그 잡고 리뷰하고 테스트 돌려서 잘 마무리할 수 있었던 것 같습니다</a:t>
+                        <a:t>생각보다 과제가 난이도가 있어서 쉽지 않았지만 </a:t>
+                      </a:r>
+                      <a:r>
+                        <a:rPr lang="ko-KR" altLang="en-US" sz="1300" b="1" dirty="0">
+                          <a:effectLst/>
+                        </a:rPr>
+                        <a:t>다같이 열심히 </a:t>
+                      </a:r>
+                      <a:r>
+                        <a:rPr lang="ko-KR" altLang="en-US" sz="1300" dirty="0">
+                          <a:effectLst/>
+                        </a:rPr>
+                        <a:t>버그 잡고 리뷰하고 테스트 돌려서 잘 마무리할 수 있었던 것 같습니다</a:t>
                       </a:r>
                       <a:r>
                         <a:rPr lang="en-US" altLang="ko-KR" sz="1300" dirty="0">
@@ -14138,7 +14192,19 @@
                         <a:rPr lang="ko-KR" altLang="en-US" sz="1300" dirty="0">
                           <a:effectLst/>
                         </a:rPr>
-                        <a:t>프로젝트 하나를 밀도 있게 진행하면서 많이 체화 할 수 있는 시간이었습니다</a:t>
+                        <a:t>프로젝트 하나를 밀도 있게 진행하면서 많이 </a:t>
+                      </a:r>
+                      <a:r>
+                        <a:rPr lang="ko-KR" altLang="en-US" sz="1300" b="1" dirty="0">
+                          <a:effectLst/>
+                        </a:rPr>
+                        <a:t>체화</a:t>
+                      </a:r>
+                      <a:r>
+                        <a:rPr lang="ko-KR" altLang="en-US" sz="1300" dirty="0">
+                          <a:effectLst/>
+                        </a:rPr>
+                        <a:t> 할 수 있는 시간이었습니다</a:t>
                       </a:r>
                       <a:r>
                         <a:rPr lang="en-US" altLang="ko-KR" sz="1300" dirty="0">
@@ -14302,10 +14368,16 @@
                         <a:t>. </a:t>
                       </a:r>
                       <a:r>
+                        <a:rPr lang="ko-KR" altLang="en-US" sz="1300" b="1" dirty="0">
+                          <a:effectLst/>
+                        </a:rPr>
+                        <a:t>현업에 큰 도움</a:t>
+                      </a:r>
+                      <a:r>
                         <a:rPr lang="ko-KR" altLang="en-US" sz="1300" dirty="0">
                           <a:effectLst/>
                         </a:rPr>
-                        <a:t>현업에 큰 도움이 될 수 있을 것 같습니다</a:t>
+                        <a:t>이 될 수 있을 것 같습니다</a:t>
                       </a:r>
                       <a:r>
                         <a:rPr lang="en-US" altLang="ko-KR" sz="1300" dirty="0">
@@ -14425,31 +14497,43 @@
                         <a:rPr lang="ko-KR" altLang="en-US" sz="1300" dirty="0">
                           <a:effectLst/>
                         </a:rPr>
-                        <a:t>현업을 하면서는 생각해보지 않았던 여러 디자인패턴</a:t>
-                      </a:r>
-                      <a:r>
-                        <a:rPr lang="en-US" altLang="ko-KR" sz="1300" dirty="0">
+                        <a:t>현업을 하면서는 생각해보지 않았던 여러 </a:t>
+                      </a:r>
+                      <a:r>
+                        <a:rPr lang="ko-KR" altLang="en-US" sz="1300" b="1" dirty="0">
+                          <a:effectLst/>
+                        </a:rPr>
+                        <a:t>디자인패턴</a:t>
+                      </a:r>
+                      <a:r>
+                        <a:rPr lang="en-US" altLang="ko-KR" sz="1300" b="1" dirty="0">
                           <a:effectLst/>
                         </a:rPr>
                         <a:t>, TDD</a:t>
                       </a:r>
                       <a:r>
+                        <a:rPr lang="ko-KR" altLang="en-US" sz="1300" b="1" dirty="0">
+                          <a:effectLst/>
+                        </a:rPr>
+                        <a:t>등의 개발방법</a:t>
+                      </a:r>
+                      <a:r>
+                        <a:rPr lang="en-US" altLang="ko-KR" sz="1300" b="1" dirty="0">
+                          <a:effectLst/>
+                        </a:rPr>
+                        <a:t>, clean code</a:t>
+                      </a:r>
+                      <a:r>
+                        <a:rPr lang="ko-KR" altLang="en-US" sz="1300" b="1" dirty="0">
+                          <a:effectLst/>
+                        </a:rPr>
+                        <a:t>가 무엇인지 등을 고민</a:t>
+                      </a:r>
+                      <a:r>
                         <a:rPr lang="ko-KR" altLang="en-US" sz="1300" dirty="0">
                           <a:effectLst/>
                         </a:rPr>
-                        <a:t>등의 개발방법</a:t>
-                      </a:r>
-                      <a:r>
-                        <a:rPr lang="en-US" altLang="ko-KR" sz="1300" dirty="0">
-                          <a:effectLst/>
-                        </a:rPr>
-                        <a:t>, clean code</a:t>
-                      </a:r>
-                      <a:r>
-                        <a:rPr lang="ko-KR" altLang="en-US" sz="1300" dirty="0">
-                          <a:effectLst/>
-                        </a:rPr>
-                        <a:t>가 무엇인지 등을 고민해 볼 수 있어 좋았습니다</a:t>
+                        <a:t>해 볼 수 있어 좋았습니다</a:t>
                       </a:r>
                       <a:r>
                         <a:rPr lang="en-US" altLang="ko-KR" sz="1300" dirty="0">
@@ -14631,7 +14715,19 @@
                         <a:rPr lang="ko-KR" altLang="en-US" sz="1300" dirty="0">
                           <a:effectLst/>
                         </a:rPr>
-                        <a:t>뿐만 아니라 팀원들과 함께 프로젝트를 진행하면서 오랜만에 개발의 즐거움을 느낄 수 있었습니다</a:t>
+                        <a:t>뿐만 아니라 팀원들과 함께 프로젝트를 진행하면서 오랜만에 </a:t>
+                      </a:r>
+                      <a:r>
+                        <a:rPr lang="ko-KR" altLang="en-US" sz="1300" b="1" dirty="0">
+                          <a:effectLst/>
+                        </a:rPr>
+                        <a:t>개발의 즐거움</a:t>
+                      </a:r>
+                      <a:r>
+                        <a:rPr lang="ko-KR" altLang="en-US" sz="1300" dirty="0">
+                          <a:effectLst/>
+                        </a:rPr>
+                        <a:t>을 느낄 수 있었습니다</a:t>
                       </a:r>
                       <a:r>
                         <a:rPr lang="en-US" altLang="ko-KR" sz="1300" dirty="0">
@@ -14805,8 +14901,8 @@
         </p:nvSpPr>
         <p:spPr>
           <a:xfrm>
-            <a:off x="1591322" y="1699883"/>
-            <a:ext cx="6094520" cy="3901837"/>
+            <a:off x="1511423" y="1593351"/>
+            <a:ext cx="6094520" cy="4455835"/>
           </a:xfrm>
           <a:prstGeom prst="rect">
             <a:avLst/>
@@ -14934,6 +15030,22 @@
               <a:t>Test Coverage</a:t>
             </a:r>
           </a:p>
+          <a:p>
+            <a:pPr marL="514350" lvl="3" indent="-514350">
+              <a:lnSpc>
+                <a:spcPct val="150000"/>
+              </a:lnSpc>
+              <a:buClr>
+                <a:schemeClr val="dk1"/>
+              </a:buClr>
+              <a:buSzPts val="3200"/>
+              <a:buAutoNum type="arabicPeriod"/>
+            </a:pPr>
+            <a:r>
+              <a:rPr lang="en-US" altLang="ko-KR" sz="2400" dirty="0"/>
+              <a:t>Retrospective</a:t>
+            </a:r>
+          </a:p>
         </p:txBody>
       </p:sp>
       <p:sp>
@@ -14986,6 +15098,42 @@
           </a:p>
         </p:txBody>
       </p:sp>
+      <p:cxnSp>
+        <p:nvCxnSpPr>
+          <p:cNvPr id="3" name="직선 연결선 2">
+            <a:extLst>
+              <a:ext uri="{FF2B5EF4-FFF2-40B4-BE49-F238E27FC236}">
+                <a16:creationId xmlns:a16="http://schemas.microsoft.com/office/drawing/2014/main" id="{D7344E65-5472-4ECD-BE67-FBE4857BA033}"/>
+              </a:ext>
+            </a:extLst>
+          </p:cNvPr>
+          <p:cNvCxnSpPr/>
+          <p:nvPr/>
+        </p:nvCxnSpPr>
+        <p:spPr>
+          <a:xfrm>
+            <a:off x="861134" y="1345056"/>
+            <a:ext cx="9667783" cy="0"/>
+          </a:xfrm>
+          <a:prstGeom prst="line">
+            <a:avLst/>
+          </a:prstGeom>
+        </p:spPr>
+        <p:style>
+          <a:lnRef idx="1">
+            <a:schemeClr val="accent1"/>
+          </a:lnRef>
+          <a:fillRef idx="0">
+            <a:schemeClr val="accent1"/>
+          </a:fillRef>
+          <a:effectRef idx="0">
+            <a:schemeClr val="accent1"/>
+          </a:effectRef>
+          <a:fontRef idx="minor">
+            <a:schemeClr val="tx1"/>
+          </a:fontRef>
+        </p:style>
+      </p:cxnSp>
     </p:spTree>
     <p:extLst>
       <p:ext uri="{BB962C8B-B14F-4D97-AF65-F5344CB8AC3E}">
@@ -15742,141 +15890,147 @@
               <a:t>Shell</a:t>
             </a:r>
             <a:br>
-              <a:rPr lang="en-US" altLang="ko-KR" b="1" dirty="0"/>
+              <a:rPr lang="en-US" altLang="ko-KR" sz="3200" b="1" dirty="0"/>
             </a:br>
-            <a:endParaRPr lang="en-US" altLang="ko-KR" b="1" dirty="0"/>
+            <a:endParaRPr lang="en-US" altLang="ko-KR" sz="3200" b="1" dirty="0"/>
           </a:p>
           <a:p>
             <a:pPr marL="571500" indent="-457200">
+              <a:lnSpc>
+                <a:spcPct val="100000"/>
+              </a:lnSpc>
               <a:buFont typeface="+mj-lt"/>
               <a:buAutoNum type="arabicPeriod"/>
             </a:pPr>
             <a:r>
-              <a:rPr lang="en-US" altLang="ko-KR" sz="1800" dirty="0"/>
+              <a:rPr lang="en-US" altLang="ko-KR" sz="1600" dirty="0"/>
               <a:t>Write</a:t>
             </a:r>
           </a:p>
           <a:p>
             <a:pPr marL="571500" indent="-457200">
+              <a:lnSpc>
+                <a:spcPct val="100000"/>
+              </a:lnSpc>
               <a:buFont typeface="+mj-lt"/>
               <a:buAutoNum type="arabicPeriod"/>
             </a:pPr>
             <a:r>
-              <a:rPr lang="en-US" altLang="ko-KR" sz="1800" dirty="0"/>
+              <a:rPr lang="en-US" altLang="ko-KR" sz="1600" dirty="0"/>
               <a:t>Read</a:t>
             </a:r>
           </a:p>
           <a:p>
             <a:pPr marL="571500" indent="-457200">
+              <a:lnSpc>
+                <a:spcPct val="100000"/>
+              </a:lnSpc>
               <a:buFont typeface="+mj-lt"/>
               <a:buAutoNum type="arabicPeriod"/>
             </a:pPr>
             <a:r>
-              <a:rPr lang="en-US" altLang="ko-KR" sz="1800" dirty="0"/>
+              <a:rPr lang="en-US" altLang="ko-KR" sz="1600" dirty="0">
+                <a:solidFill>
+                  <a:srgbClr val="0070C0"/>
+                </a:solidFill>
+              </a:rPr>
+              <a:t>Erase</a:t>
+            </a:r>
+          </a:p>
+          <a:p>
+            <a:pPr marL="571500" indent="-457200">
+              <a:lnSpc>
+                <a:spcPct val="100000"/>
+              </a:lnSpc>
+              <a:buFont typeface="+mj-lt"/>
+              <a:buAutoNum type="arabicPeriod"/>
+            </a:pPr>
+            <a:r>
+              <a:rPr lang="en-US" altLang="ko-KR" sz="1600" dirty="0">
+                <a:solidFill>
+                  <a:srgbClr val="0070C0"/>
+                </a:solidFill>
+              </a:rPr>
+              <a:t>Flush</a:t>
+            </a:r>
+          </a:p>
+          <a:p>
+            <a:pPr marL="571500" indent="-457200">
+              <a:lnSpc>
+                <a:spcPct val="100000"/>
+              </a:lnSpc>
+              <a:buFont typeface="+mj-lt"/>
+              <a:buAutoNum type="arabicPeriod"/>
+            </a:pPr>
+            <a:r>
+              <a:rPr lang="en-US" altLang="ko-KR" sz="1600" dirty="0"/>
               <a:t>Exit</a:t>
             </a:r>
           </a:p>
           <a:p>
             <a:pPr marL="571500" indent="-457200">
+              <a:lnSpc>
+                <a:spcPct val="100000"/>
+              </a:lnSpc>
               <a:buFont typeface="+mj-lt"/>
               <a:buAutoNum type="arabicPeriod"/>
             </a:pPr>
             <a:r>
-              <a:rPr lang="en-US" altLang="ko-KR" sz="1800" dirty="0"/>
+              <a:rPr lang="en-US" altLang="ko-KR" sz="1600" dirty="0"/>
               <a:t>Help</a:t>
             </a:r>
           </a:p>
           <a:p>
             <a:pPr marL="571500" indent="-457200">
+              <a:lnSpc>
+                <a:spcPct val="100000"/>
+              </a:lnSpc>
               <a:buFont typeface="+mj-lt"/>
               <a:buAutoNum type="arabicPeriod"/>
             </a:pPr>
             <a:r>
-              <a:rPr lang="en-US" altLang="ko-KR" sz="1800" dirty="0" err="1"/>
+              <a:rPr lang="en-US" altLang="ko-KR" sz="1600" dirty="0" err="1"/>
               <a:t>FullWrite</a:t>
             </a:r>
-            <a:endParaRPr lang="en-US" altLang="ko-KR" sz="1800" dirty="0"/>
+            <a:endParaRPr lang="en-US" altLang="ko-KR" sz="1600" dirty="0"/>
           </a:p>
           <a:p>
             <a:pPr marL="571500" indent="-457200">
+              <a:lnSpc>
+                <a:spcPct val="100000"/>
+              </a:lnSpc>
               <a:buFont typeface="+mj-lt"/>
               <a:buAutoNum type="arabicPeriod"/>
             </a:pPr>
             <a:r>
-              <a:rPr lang="en-US" altLang="ko-KR" sz="1800" dirty="0" err="1"/>
+              <a:rPr lang="en-US" altLang="ko-KR" sz="1600" dirty="0" err="1"/>
               <a:t>FullRead</a:t>
             </a:r>
-            <a:endParaRPr lang="en-US" altLang="ko-KR" sz="1800" dirty="0"/>
+            <a:endParaRPr lang="en-US" altLang="ko-KR" sz="1600" dirty="0"/>
           </a:p>
           <a:p>
             <a:pPr marL="571500" indent="-457200">
+              <a:lnSpc>
+                <a:spcPct val="100000"/>
+              </a:lnSpc>
               <a:buFont typeface="+mj-lt"/>
               <a:buAutoNum type="arabicPeriod"/>
             </a:pPr>
             <a:r>
-              <a:rPr lang="en-US" altLang="ko-KR" sz="1800" dirty="0"/>
-              <a:t>Test Script</a:t>
+              <a:rPr lang="en-US" altLang="ko-KR" sz="1600" dirty="0"/>
+              <a:t>Test Script 	</a:t>
             </a:r>
           </a:p>
           <a:p>
-            <a:pPr marL="1028700" lvl="1" indent="-457200">
+            <a:pPr marL="571500" indent="-457200">
+              <a:lnSpc>
+                <a:spcPct val="100000"/>
+              </a:lnSpc>
               <a:buFont typeface="+mj-lt"/>
               <a:buAutoNum type="arabicPeriod"/>
             </a:pPr>
             <a:r>
-              <a:rPr lang="en-US" altLang="ko-KR" sz="1800" dirty="0" err="1"/>
-              <a:t>FullWriteAndReadCompare</a:t>
-            </a:r>
-            <a:endParaRPr lang="en-US" altLang="ko-KR" sz="1800" dirty="0"/>
-          </a:p>
-          <a:p>
-            <a:pPr marL="1028700" lvl="1" indent="-457200">
-              <a:buFont typeface="+mj-lt"/>
-              <a:buAutoNum type="arabicPeriod"/>
-            </a:pPr>
-            <a:r>
-              <a:rPr lang="en-US" altLang="ko-KR" sz="1800" dirty="0" err="1"/>
-              <a:t>PartialLBAWrite</a:t>
-            </a:r>
-            <a:endParaRPr lang="en-US" altLang="ko-KR" sz="1800" dirty="0"/>
-          </a:p>
-          <a:p>
-            <a:pPr marL="1028700" lvl="1" indent="-457200">
-              <a:buFont typeface="+mj-lt"/>
-              <a:buAutoNum type="arabicPeriod"/>
-            </a:pPr>
-            <a:r>
-              <a:rPr lang="en-US" altLang="ko-KR" sz="1800" dirty="0" err="1"/>
-              <a:t>WriteReadAging</a:t>
-            </a:r>
-            <a:endParaRPr lang="en-US" altLang="ko-KR" sz="1800" dirty="0"/>
-          </a:p>
-          <a:p>
-            <a:pPr marL="1028700" lvl="1" indent="-457200">
-              <a:buFont typeface="+mj-lt"/>
-              <a:buAutoNum type="arabicPeriod"/>
-            </a:pPr>
-            <a:r>
-              <a:rPr lang="en-US" altLang="ko-KR" sz="1800" dirty="0" err="1">
-                <a:solidFill>
-                  <a:srgbClr val="0070C0"/>
-                </a:solidFill>
-              </a:rPr>
-              <a:t>EraseAndWriteAging</a:t>
-            </a:r>
-            <a:endParaRPr lang="en-US" altLang="ko-KR" sz="1800" dirty="0">
-              <a:solidFill>
-                <a:srgbClr val="0070C0"/>
-              </a:solidFill>
-            </a:endParaRPr>
-          </a:p>
-          <a:p>
-            <a:pPr marL="571500" indent="-457200">
-              <a:buFont typeface="+mj-lt"/>
-              <a:buAutoNum type="arabicPeriod"/>
-            </a:pPr>
-            <a:r>
-              <a:rPr lang="en-US" altLang="ko-KR" sz="1800" dirty="0">
+              <a:rPr lang="en-US" altLang="ko-KR" sz="1600" dirty="0">
                 <a:solidFill>
                   <a:srgbClr val="0070C0"/>
                 </a:solidFill>
@@ -15886,11 +16040,14 @@
           </a:p>
           <a:p>
             <a:pPr marL="571500" indent="-457200">
+              <a:lnSpc>
+                <a:spcPct val="100000"/>
+              </a:lnSpc>
               <a:buFont typeface="+mj-lt"/>
               <a:buAutoNum type="arabicPeriod"/>
             </a:pPr>
             <a:r>
-              <a:rPr lang="en-US" altLang="ko-KR" sz="1800" dirty="0">
+              <a:rPr lang="en-US" altLang="ko-KR" sz="1600" dirty="0">
                 <a:solidFill>
                   <a:srgbClr val="0070C0"/>
                 </a:solidFill>
@@ -15899,7 +16056,7 @@
             </a:r>
           </a:p>
           <a:p>
-            <a:endParaRPr lang="ko-KR" altLang="en-US" sz="3200" dirty="0"/>
+            <a:endParaRPr lang="ko-KR" altLang="en-US" sz="3600" dirty="0"/>
           </a:p>
         </p:txBody>
       </p:sp>
@@ -16293,7 +16450,7 @@
         <p:spPr>
           <a:xfrm>
             <a:off x="6289510" y="1728198"/>
-            <a:ext cx="3389069" cy="307777"/>
+            <a:ext cx="3607078" cy="307777"/>
           </a:xfrm>
           <a:prstGeom prst="rect">
             <a:avLst/>
@@ -16374,7 +16531,7 @@
                   </a:schemeClr>
                 </a:solidFill>
               </a:rPr>
-              <a:t>2</a:t>
+              <a:t>3(5)</a:t>
             </a:r>
             <a:r>
               <a:rPr lang="ko-KR" altLang="en-US" b="1" dirty="0">
@@ -16386,6 +16543,145 @@
               </a:rPr>
               <a:t>개</a:t>
             </a:r>
+          </a:p>
+        </p:txBody>
+      </p:sp>
+      <p:sp>
+        <p:nvSpPr>
+          <p:cNvPr id="14" name="TextBox 13">
+            <a:extLst>
+              <a:ext uri="{FF2B5EF4-FFF2-40B4-BE49-F238E27FC236}">
+                <a16:creationId xmlns:a16="http://schemas.microsoft.com/office/drawing/2014/main" id="{683A5234-5FE0-48DA-9D51-3EE7668FF876}"/>
+              </a:ext>
+            </a:extLst>
+          </p:cNvPr>
+          <p:cNvSpPr txBox="1"/>
+          <p:nvPr/>
+        </p:nvSpPr>
+        <p:spPr>
+          <a:xfrm>
+            <a:off x="8204961" y="5194984"/>
+            <a:ext cx="3389069" cy="954107"/>
+          </a:xfrm>
+          <a:prstGeom prst="rect">
+            <a:avLst/>
+          </a:prstGeom>
+          <a:noFill/>
+        </p:spPr>
+        <p:txBody>
+          <a:bodyPr wrap="square">
+            <a:spAutoFit/>
+          </a:bodyPr>
+          <a:lstStyle/>
+          <a:p>
+            <a:pPr marL="1028700" lvl="1" indent="-457200">
+              <a:lnSpc>
+                <a:spcPct val="100000"/>
+              </a:lnSpc>
+              <a:buFont typeface="+mj-lt"/>
+              <a:buAutoNum type="arabicPeriod"/>
+            </a:pPr>
+            <a:r>
+              <a:rPr lang="en-US" altLang="ko-KR" sz="1400" dirty="0" err="1"/>
+              <a:t>FullWriteAndReadCompare</a:t>
+            </a:r>
+            <a:endParaRPr lang="en-US" altLang="ko-KR" sz="1400" dirty="0"/>
+          </a:p>
+          <a:p>
+            <a:pPr marL="1028700" lvl="1" indent="-457200">
+              <a:lnSpc>
+                <a:spcPct val="100000"/>
+              </a:lnSpc>
+              <a:buFont typeface="+mj-lt"/>
+              <a:buAutoNum type="arabicPeriod"/>
+            </a:pPr>
+            <a:r>
+              <a:rPr lang="en-US" altLang="ko-KR" sz="1400" dirty="0" err="1"/>
+              <a:t>PartialLBAWrite</a:t>
+            </a:r>
+            <a:endParaRPr lang="en-US" altLang="ko-KR" sz="1400" dirty="0"/>
+          </a:p>
+          <a:p>
+            <a:pPr marL="1028700" lvl="1" indent="-457200">
+              <a:lnSpc>
+                <a:spcPct val="100000"/>
+              </a:lnSpc>
+              <a:buFont typeface="+mj-lt"/>
+              <a:buAutoNum type="arabicPeriod"/>
+            </a:pPr>
+            <a:r>
+              <a:rPr lang="en-US" altLang="ko-KR" sz="1400" dirty="0" err="1"/>
+              <a:t>WriteReadAging</a:t>
+            </a:r>
+            <a:endParaRPr lang="en-US" altLang="ko-KR" sz="1400" dirty="0"/>
+          </a:p>
+          <a:p>
+            <a:pPr marL="1028700" lvl="1" indent="-457200">
+              <a:lnSpc>
+                <a:spcPct val="100000"/>
+              </a:lnSpc>
+              <a:buFont typeface="+mj-lt"/>
+              <a:buAutoNum type="arabicPeriod"/>
+            </a:pPr>
+            <a:r>
+              <a:rPr lang="en-US" altLang="ko-KR" sz="1400" dirty="0" err="1">
+                <a:solidFill>
+                  <a:srgbClr val="0070C0"/>
+                </a:solidFill>
+              </a:rPr>
+              <a:t>EraseAndWriteAging</a:t>
+            </a:r>
+            <a:endParaRPr lang="en-US" altLang="ko-KR" sz="1400" dirty="0">
+              <a:solidFill>
+                <a:srgbClr val="0070C0"/>
+              </a:solidFill>
+            </a:endParaRPr>
+          </a:p>
+        </p:txBody>
+      </p:sp>
+      <p:sp>
+        <p:nvSpPr>
+          <p:cNvPr id="5" name="화살표: 오른쪽 4">
+            <a:extLst>
+              <a:ext uri="{FF2B5EF4-FFF2-40B4-BE49-F238E27FC236}">
+                <a16:creationId xmlns:a16="http://schemas.microsoft.com/office/drawing/2014/main" id="{0CACF4B1-9AA5-4C45-8559-B622C2678F57}"/>
+              </a:ext>
+            </a:extLst>
+          </p:cNvPr>
+          <p:cNvSpPr/>
+          <p:nvPr/>
+        </p:nvSpPr>
+        <p:spPr>
+          <a:xfrm>
+            <a:off x="8204961" y="5295034"/>
+            <a:ext cx="400396" cy="198327"/>
+          </a:xfrm>
+          <a:prstGeom prst="rightArrow">
+            <a:avLst/>
+          </a:prstGeom>
+        </p:spPr>
+        <p:style>
+          <a:lnRef idx="2">
+            <a:schemeClr val="accent1">
+              <a:shade val="50000"/>
+            </a:schemeClr>
+          </a:lnRef>
+          <a:fillRef idx="1">
+            <a:schemeClr val="accent1"/>
+          </a:fillRef>
+          <a:effectRef idx="0">
+            <a:schemeClr val="accent1"/>
+          </a:effectRef>
+          <a:fontRef idx="minor">
+            <a:schemeClr val="lt1"/>
+          </a:fontRef>
+        </p:style>
+        <p:txBody>
+          <a:bodyPr rtlCol="0" anchor="ctr"/>
+          <a:lstStyle/>
+          <a:p>
+            <a:pPr algn="ctr"/>
+            <a:endParaRPr lang="ko-KR" altLang="en-US"/>
           </a:p>
         </p:txBody>
       </p:sp>
@@ -17419,7 +17715,7 @@
         <p:spPr>
           <a:xfrm>
             <a:off x="6310861" y="4809193"/>
-            <a:ext cx="2576346" cy="1520673"/>
+            <a:ext cx="2818400" cy="1679370"/>
           </a:xfrm>
           <a:prstGeom prst="rect">
             <a:avLst/>
@@ -17440,22 +17736,22 @@
               <a:buChar char="•"/>
             </a:pPr>
             <a:r>
-              <a:rPr lang="en-US" altLang="ko-KR" sz="900" dirty="0"/>
+              <a:rPr lang="en-US" altLang="ko-KR" sz="1000" dirty="0"/>
               <a:t>Shell : </a:t>
             </a:r>
             <a:r>
-              <a:rPr lang="ko-KR" altLang="en-US" sz="900" dirty="0"/>
+              <a:rPr lang="ko-KR" altLang="en-US" sz="1000" dirty="0"/>
               <a:t>사용자 입력을 해석하여 </a:t>
             </a:r>
             <a:r>
-              <a:rPr lang="en-US" altLang="ko-KR" sz="900" dirty="0"/>
+              <a:rPr lang="en-US" altLang="ko-KR" sz="1000" dirty="0"/>
               <a:t>SSD</a:t>
             </a:r>
             <a:r>
-              <a:rPr lang="ko-KR" altLang="en-US" sz="900" dirty="0"/>
+              <a:rPr lang="ko-KR" altLang="en-US" sz="1000" dirty="0"/>
               <a:t>에 전달</a:t>
             </a:r>
-            <a:endParaRPr lang="en-US" altLang="ko-KR" sz="900" dirty="0"/>
+            <a:endParaRPr lang="en-US" altLang="ko-KR" sz="1000" dirty="0"/>
           </a:p>
           <a:p>
             <a:pPr marL="171450" indent="-171450">
@@ -17466,23 +17762,23 @@
               <a:buChar char="•"/>
             </a:pPr>
             <a:r>
-              <a:rPr lang="en-US" altLang="ko-KR" sz="900" dirty="0"/>
+              <a:rPr lang="en-US" altLang="ko-KR" sz="1000" dirty="0"/>
               <a:t>Console:</a:t>
             </a:r>
             <a:r>
-              <a:rPr lang="ko-KR" altLang="en-US" sz="900" dirty="0"/>
+              <a:rPr lang="ko-KR" altLang="en-US" sz="1000" dirty="0"/>
               <a:t> </a:t>
             </a:r>
             <a:r>
-              <a:rPr lang="en-US" altLang="ko-KR" sz="900" dirty="0"/>
+              <a:rPr lang="en-US" altLang="ko-KR" sz="1000" dirty="0"/>
               <a:t>User</a:t>
             </a:r>
             <a:r>
-              <a:rPr lang="ko-KR" altLang="en-US" sz="900" dirty="0"/>
+              <a:rPr lang="ko-KR" altLang="en-US" sz="1000" dirty="0"/>
               <a:t> </a:t>
             </a:r>
             <a:r>
-              <a:rPr lang="en-US" altLang="ko-KR" sz="900" dirty="0"/>
+              <a:rPr lang="en-US" altLang="ko-KR" sz="1000" dirty="0"/>
               <a:t>Interface</a:t>
             </a:r>
           </a:p>
@@ -17495,18 +17791,18 @@
               <a:buChar char="•"/>
             </a:pPr>
             <a:r>
-              <a:rPr lang="ko-KR" altLang="en-US" sz="900" dirty="0"/>
+              <a:rPr lang="ko-KR" altLang="en-US" sz="1000" dirty="0"/>
               <a:t>개발자</a:t>
             </a:r>
             <a:r>
-              <a:rPr lang="en-US" altLang="ko-KR" sz="900" dirty="0"/>
+              <a:rPr lang="en-US" altLang="ko-KR" sz="1000" dirty="0"/>
               <a:t>: </a:t>
             </a:r>
             <a:r>
-              <a:rPr lang="ko-KR" altLang="en-US" sz="900" dirty="0"/>
+              <a:rPr lang="ko-KR" altLang="en-US" sz="1000" dirty="0"/>
               <a:t>개발자 정보</a:t>
             </a:r>
-            <a:endParaRPr lang="en-US" altLang="ko-KR" sz="900" dirty="0"/>
+            <a:endParaRPr lang="en-US" altLang="ko-KR" sz="1000" dirty="0"/>
           </a:p>
           <a:p>
             <a:pPr marL="171450" indent="-171450">
@@ -17517,14 +17813,14 @@
               <a:buChar char="•"/>
             </a:pPr>
             <a:r>
-              <a:rPr lang="en-US" altLang="ko-KR" sz="900" dirty="0"/>
+              <a:rPr lang="en-US" altLang="ko-KR" sz="1000" dirty="0"/>
               <a:t>Script: </a:t>
             </a:r>
             <a:r>
-              <a:rPr lang="ko-KR" altLang="en-US" sz="900" dirty="0"/>
+              <a:rPr lang="ko-KR" altLang="en-US" sz="1000" dirty="0"/>
               <a:t>명령어 집합</a:t>
             </a:r>
-            <a:endParaRPr lang="en-US" altLang="ko-KR" sz="900" dirty="0"/>
+            <a:endParaRPr lang="en-US" altLang="ko-KR" sz="1000" dirty="0"/>
           </a:p>
           <a:p>
             <a:pPr marL="171450" indent="-171450">
@@ -17535,14 +17831,14 @@
               <a:buChar char="•"/>
             </a:pPr>
             <a:r>
-              <a:rPr lang="en-US" altLang="ko-KR" sz="900" dirty="0"/>
+              <a:rPr lang="en-US" altLang="ko-KR" sz="1000" dirty="0"/>
               <a:t>SSD: Data</a:t>
             </a:r>
             <a:r>
-              <a:rPr lang="ko-KR" altLang="en-US" sz="900" dirty="0"/>
+              <a:rPr lang="ko-KR" altLang="en-US" sz="1000" dirty="0"/>
               <a:t>를 읽거나 저장</a:t>
             </a:r>
-            <a:endParaRPr lang="en-US" altLang="ko-KR" sz="900" dirty="0"/>
+            <a:endParaRPr lang="en-US" altLang="ko-KR" sz="1000" dirty="0"/>
           </a:p>
           <a:p>
             <a:pPr marL="171450" indent="-171450">
@@ -17553,22 +17849,22 @@
               <a:buChar char="•"/>
             </a:pPr>
             <a:r>
-              <a:rPr lang="en-US" altLang="ko-KR" sz="900" dirty="0"/>
+              <a:rPr lang="en-US" altLang="ko-KR" sz="1000" dirty="0"/>
               <a:t>NAND: </a:t>
             </a:r>
             <a:r>
-              <a:rPr lang="ko-KR" altLang="en-US" sz="900" dirty="0"/>
+              <a:rPr lang="ko-KR" altLang="en-US" sz="1000" dirty="0"/>
               <a:t>실제 </a:t>
             </a:r>
             <a:r>
-              <a:rPr lang="en-US" altLang="ko-KR" sz="900" dirty="0"/>
+              <a:rPr lang="en-US" altLang="ko-KR" sz="1000" dirty="0"/>
               <a:t>Data </a:t>
             </a:r>
             <a:r>
-              <a:rPr lang="ko-KR" altLang="en-US" sz="900" dirty="0"/>
+              <a:rPr lang="ko-KR" altLang="en-US" sz="1000" dirty="0"/>
               <a:t>저장소</a:t>
             </a:r>
-            <a:endParaRPr lang="en-US" altLang="ko-KR" sz="900" dirty="0"/>
+            <a:endParaRPr lang="en-US" altLang="ko-KR" sz="1000" dirty="0"/>
           </a:p>
           <a:p>
             <a:pPr marL="171450" indent="-171450">
@@ -17579,11 +17875,11 @@
               <a:buChar char="•"/>
             </a:pPr>
             <a:r>
-              <a:rPr lang="en-US" altLang="ko-KR" sz="900" dirty="0"/>
+              <a:rPr lang="en-US" altLang="ko-KR" sz="1000" dirty="0"/>
               <a:t>Output: </a:t>
             </a:r>
             <a:r>
-              <a:rPr lang="ko-KR" altLang="en-US" sz="900" dirty="0"/>
+              <a:rPr lang="ko-KR" altLang="en-US" sz="1000" dirty="0"/>
               <a:t>처리된 결과를 저장하는 저장소</a:t>
             </a:r>
           </a:p>
@@ -23627,1904 +23923,6 @@
       </p:sp>
       <p:grpSp>
         <p:nvGrpSpPr>
-          <p:cNvPr id="21" name="그룹 20">
-            <a:extLst>
-              <a:ext uri="{FF2B5EF4-FFF2-40B4-BE49-F238E27FC236}">
-                <a16:creationId xmlns:a16="http://schemas.microsoft.com/office/drawing/2014/main" id="{AF6F3CB1-5235-45F7-9F71-80B5297B25B1}"/>
-              </a:ext>
-            </a:extLst>
-          </p:cNvPr>
-          <p:cNvGrpSpPr/>
-          <p:nvPr/>
-        </p:nvGrpSpPr>
-        <p:grpSpPr>
-          <a:xfrm>
-            <a:off x="8815652" y="4079445"/>
-            <a:ext cx="3244799" cy="2399249"/>
-            <a:chOff x="2473853" y="3255827"/>
-            <a:chExt cx="3244799" cy="2399249"/>
-          </a:xfrm>
-        </p:grpSpPr>
-        <p:grpSp>
-          <p:nvGrpSpPr>
-            <p:cNvPr id="12" name="그룹 11">
-              <a:extLst>
-                <a:ext uri="{FF2B5EF4-FFF2-40B4-BE49-F238E27FC236}">
-                  <a16:creationId xmlns:a16="http://schemas.microsoft.com/office/drawing/2014/main" id="{53D843EA-EB68-4E12-A101-C11A99759CB0}"/>
-                </a:ext>
-              </a:extLst>
-            </p:cNvPr>
-            <p:cNvGrpSpPr/>
-            <p:nvPr/>
-          </p:nvGrpSpPr>
-          <p:grpSpPr>
-            <a:xfrm>
-              <a:off x="2473853" y="3262484"/>
-              <a:ext cx="3244799" cy="2244454"/>
-              <a:chOff x="8817860" y="4191606"/>
-              <a:chExt cx="3244799" cy="2244454"/>
-            </a:xfrm>
-          </p:grpSpPr>
-          <p:pic>
-            <p:nvPicPr>
-              <p:cNvPr id="8" name="그림 7">
-                <a:extLst>
-                  <a:ext uri="{FF2B5EF4-FFF2-40B4-BE49-F238E27FC236}">
-                    <a16:creationId xmlns:a16="http://schemas.microsoft.com/office/drawing/2014/main" id="{5728558D-2500-4687-8C86-EE897BDF27D9}"/>
-                  </a:ext>
-                </a:extLst>
-              </p:cNvPr>
-              <p:cNvPicPr>
-                <a:picLocks noChangeAspect="1"/>
-              </p:cNvPicPr>
-              <p:nvPr/>
-            </p:nvPicPr>
-            <p:blipFill rotWithShape="1">
-              <a:blip r:embed="rId3"/>
-              <a:srcRect l="9743" t="43162" r="70541" b="47363"/>
-              <a:stretch/>
-            </p:blipFill>
-            <p:spPr>
-              <a:xfrm>
-                <a:off x="8992971" y="4455607"/>
-                <a:ext cx="2017670" cy="545412"/>
-              </a:xfrm>
-              <a:prstGeom prst="rect">
-                <a:avLst/>
-              </a:prstGeom>
-            </p:spPr>
-          </p:pic>
-          <p:sp>
-            <p:nvSpPr>
-              <p:cNvPr id="9" name="TextBox 12">
-                <a:extLst>
-                  <a:ext uri="{FF2B5EF4-FFF2-40B4-BE49-F238E27FC236}">
-                    <a16:creationId xmlns:a16="http://schemas.microsoft.com/office/drawing/2014/main" id="{E93CB178-1404-4D7A-8E45-FA26867A8A03}"/>
-                  </a:ext>
-                </a:extLst>
-              </p:cNvPr>
-              <p:cNvSpPr txBox="1"/>
-              <p:nvPr/>
-            </p:nvSpPr>
-            <p:spPr>
-              <a:xfrm>
-                <a:off x="8817860" y="4191606"/>
-                <a:ext cx="3244799" cy="400110"/>
-              </a:xfrm>
-              <a:prstGeom prst="rect">
-                <a:avLst/>
-              </a:prstGeom>
-              <a:noFill/>
-            </p:spPr>
-            <p:txBody>
-              <a:bodyPr wrap="none" rtlCol="0">
-                <a:spAutoFit/>
-              </a:bodyPr>
-              <a:lstStyle>
-                <a:defPPr marR="0" lvl="0" algn="l" rtl="0">
-                  <a:lnSpc>
-                    <a:spcPct val="100000"/>
-                  </a:lnSpc>
-                  <a:spcBef>
-                    <a:spcPts val="0"/>
-                  </a:spcBef>
-                  <a:spcAft>
-                    <a:spcPts val="0"/>
-                  </a:spcAft>
-                </a:defPPr>
-                <a:lvl1pPr marR="0" lvl="0" algn="l" rtl="0">
-                  <a:lnSpc>
-                    <a:spcPct val="100000"/>
-                  </a:lnSpc>
-                  <a:spcBef>
-                    <a:spcPts val="0"/>
-                  </a:spcBef>
-                  <a:spcAft>
-                    <a:spcPts val="0"/>
-                  </a:spcAft>
-                  <a:buClr>
-                    <a:srgbClr val="000000"/>
-                  </a:buClr>
-                  <a:buFont typeface="Arial"/>
-                  <a:defRPr sz="1400" b="0" i="0" u="none" strike="noStrike" cap="none">
-                    <a:solidFill>
-                      <a:srgbClr val="000000"/>
-                    </a:solidFill>
-                    <a:latin typeface="Arial"/>
-                    <a:ea typeface="Arial"/>
-                    <a:cs typeface="Arial"/>
-                    <a:sym typeface="Arial"/>
-                  </a:defRPr>
-                </a:lvl1pPr>
-                <a:lvl2pPr marR="0" lvl="1" algn="l" rtl="0">
-                  <a:lnSpc>
-                    <a:spcPct val="100000"/>
-                  </a:lnSpc>
-                  <a:spcBef>
-                    <a:spcPts val="0"/>
-                  </a:spcBef>
-                  <a:spcAft>
-                    <a:spcPts val="0"/>
-                  </a:spcAft>
-                  <a:buClr>
-                    <a:srgbClr val="000000"/>
-                  </a:buClr>
-                  <a:buFont typeface="Arial"/>
-                  <a:defRPr sz="1400" b="0" i="0" u="none" strike="noStrike" cap="none">
-                    <a:solidFill>
-                      <a:srgbClr val="000000"/>
-                    </a:solidFill>
-                    <a:latin typeface="Arial"/>
-                    <a:ea typeface="Arial"/>
-                    <a:cs typeface="Arial"/>
-                    <a:sym typeface="Arial"/>
-                  </a:defRPr>
-                </a:lvl2pPr>
-                <a:lvl3pPr marR="0" lvl="2" algn="l" rtl="0">
-                  <a:lnSpc>
-                    <a:spcPct val="100000"/>
-                  </a:lnSpc>
-                  <a:spcBef>
-                    <a:spcPts val="0"/>
-                  </a:spcBef>
-                  <a:spcAft>
-                    <a:spcPts val="0"/>
-                  </a:spcAft>
-                  <a:buClr>
-                    <a:srgbClr val="000000"/>
-                  </a:buClr>
-                  <a:buFont typeface="Arial"/>
-                  <a:defRPr sz="1400" b="0" i="0" u="none" strike="noStrike" cap="none">
-                    <a:solidFill>
-                      <a:srgbClr val="000000"/>
-                    </a:solidFill>
-                    <a:latin typeface="Arial"/>
-                    <a:ea typeface="Arial"/>
-                    <a:cs typeface="Arial"/>
-                    <a:sym typeface="Arial"/>
-                  </a:defRPr>
-                </a:lvl3pPr>
-                <a:lvl4pPr marR="0" lvl="3" algn="l" rtl="0">
-                  <a:lnSpc>
-                    <a:spcPct val="100000"/>
-                  </a:lnSpc>
-                  <a:spcBef>
-                    <a:spcPts val="0"/>
-                  </a:spcBef>
-                  <a:spcAft>
-                    <a:spcPts val="0"/>
-                  </a:spcAft>
-                  <a:buClr>
-                    <a:srgbClr val="000000"/>
-                  </a:buClr>
-                  <a:buFont typeface="Arial"/>
-                  <a:defRPr sz="1400" b="0" i="0" u="none" strike="noStrike" cap="none">
-                    <a:solidFill>
-                      <a:srgbClr val="000000"/>
-                    </a:solidFill>
-                    <a:latin typeface="Arial"/>
-                    <a:ea typeface="Arial"/>
-                    <a:cs typeface="Arial"/>
-                    <a:sym typeface="Arial"/>
-                  </a:defRPr>
-                </a:lvl4pPr>
-                <a:lvl5pPr marR="0" lvl="4" algn="l" rtl="0">
-                  <a:lnSpc>
-                    <a:spcPct val="100000"/>
-                  </a:lnSpc>
-                  <a:spcBef>
-                    <a:spcPts val="0"/>
-                  </a:spcBef>
-                  <a:spcAft>
-                    <a:spcPts val="0"/>
-                  </a:spcAft>
-                  <a:buClr>
-                    <a:srgbClr val="000000"/>
-                  </a:buClr>
-                  <a:buFont typeface="Arial"/>
-                  <a:defRPr sz="1400" b="0" i="0" u="none" strike="noStrike" cap="none">
-                    <a:solidFill>
-                      <a:srgbClr val="000000"/>
-                    </a:solidFill>
-                    <a:latin typeface="Arial"/>
-                    <a:ea typeface="Arial"/>
-                    <a:cs typeface="Arial"/>
-                    <a:sym typeface="Arial"/>
-                  </a:defRPr>
-                </a:lvl5pPr>
-                <a:lvl6pPr marR="0" lvl="5" algn="l" rtl="0">
-                  <a:lnSpc>
-                    <a:spcPct val="100000"/>
-                  </a:lnSpc>
-                  <a:spcBef>
-                    <a:spcPts val="0"/>
-                  </a:spcBef>
-                  <a:spcAft>
-                    <a:spcPts val="0"/>
-                  </a:spcAft>
-                  <a:buClr>
-                    <a:srgbClr val="000000"/>
-                  </a:buClr>
-                  <a:buFont typeface="Arial"/>
-                  <a:defRPr sz="1400" b="0" i="0" u="none" strike="noStrike" cap="none">
-                    <a:solidFill>
-                      <a:srgbClr val="000000"/>
-                    </a:solidFill>
-                    <a:latin typeface="Arial"/>
-                    <a:ea typeface="Arial"/>
-                    <a:cs typeface="Arial"/>
-                    <a:sym typeface="Arial"/>
-                  </a:defRPr>
-                </a:lvl6pPr>
-                <a:lvl7pPr marR="0" lvl="6" algn="l" rtl="0">
-                  <a:lnSpc>
-                    <a:spcPct val="100000"/>
-                  </a:lnSpc>
-                  <a:spcBef>
-                    <a:spcPts val="0"/>
-                  </a:spcBef>
-                  <a:spcAft>
-                    <a:spcPts val="0"/>
-                  </a:spcAft>
-                  <a:buClr>
-                    <a:srgbClr val="000000"/>
-                  </a:buClr>
-                  <a:buFont typeface="Arial"/>
-                  <a:defRPr sz="1400" b="0" i="0" u="none" strike="noStrike" cap="none">
-                    <a:solidFill>
-                      <a:srgbClr val="000000"/>
-                    </a:solidFill>
-                    <a:latin typeface="Arial"/>
-                    <a:ea typeface="Arial"/>
-                    <a:cs typeface="Arial"/>
-                    <a:sym typeface="Arial"/>
-                  </a:defRPr>
-                </a:lvl7pPr>
-                <a:lvl8pPr marR="0" lvl="7" algn="l" rtl="0">
-                  <a:lnSpc>
-                    <a:spcPct val="100000"/>
-                  </a:lnSpc>
-                  <a:spcBef>
-                    <a:spcPts val="0"/>
-                  </a:spcBef>
-                  <a:spcAft>
-                    <a:spcPts val="0"/>
-                  </a:spcAft>
-                  <a:buClr>
-                    <a:srgbClr val="000000"/>
-                  </a:buClr>
-                  <a:buFont typeface="Arial"/>
-                  <a:defRPr sz="1400" b="0" i="0" u="none" strike="noStrike" cap="none">
-                    <a:solidFill>
-                      <a:srgbClr val="000000"/>
-                    </a:solidFill>
-                    <a:latin typeface="Arial"/>
-                    <a:ea typeface="Arial"/>
-                    <a:cs typeface="Arial"/>
-                    <a:sym typeface="Arial"/>
-                  </a:defRPr>
-                </a:lvl8pPr>
-                <a:lvl9pPr marR="0" lvl="8" algn="l" rtl="0">
-                  <a:lnSpc>
-                    <a:spcPct val="100000"/>
-                  </a:lnSpc>
-                  <a:spcBef>
-                    <a:spcPts val="0"/>
-                  </a:spcBef>
-                  <a:spcAft>
-                    <a:spcPts val="0"/>
-                  </a:spcAft>
-                  <a:buClr>
-                    <a:srgbClr val="000000"/>
-                  </a:buClr>
-                  <a:buFont typeface="Arial"/>
-                  <a:defRPr sz="1400" b="0" i="0" u="none" strike="noStrike" cap="none">
-                    <a:solidFill>
-                      <a:srgbClr val="000000"/>
-                    </a:solidFill>
-                    <a:latin typeface="Arial"/>
-                    <a:ea typeface="Arial"/>
-                    <a:cs typeface="Arial"/>
-                    <a:sym typeface="Arial"/>
-                  </a:defRPr>
-                </a:lvl9pPr>
-              </a:lstStyle>
-              <a:p>
-                <a:r>
-                  <a:rPr lang="ko-KR" altLang="en-US" sz="1000" dirty="0"/>
-                  <a:t>▶</a:t>
-                </a:r>
-                <a:r>
-                  <a:rPr lang="en-US" altLang="ko-KR" sz="1000" dirty="0"/>
-                  <a:t>TC 1. Invalid LBA </a:t>
-                </a:r>
-                <a:r>
-                  <a:rPr lang="ko-KR" altLang="en-US" sz="1000" dirty="0"/>
-                  <a:t>에러 발생 테스트 </a:t>
-                </a:r>
-                <a:r>
-                  <a:rPr lang="en-US" altLang="ko-KR" sz="1000" dirty="0"/>
-                  <a:t>PR # 11 </a:t>
-                </a:r>
-                <a:r>
-                  <a:rPr lang="en-US" altLang="ko-KR" sz="1000" b="1" dirty="0">
-                    <a:solidFill>
-                      <a:srgbClr val="FF0000"/>
-                    </a:solidFill>
-                  </a:rPr>
-                  <a:t>(RED)</a:t>
-                </a:r>
-                <a:endParaRPr lang="ko-KR" altLang="en-US" sz="1000" b="1" dirty="0">
-                  <a:solidFill>
-                    <a:srgbClr val="FF0000"/>
-                  </a:solidFill>
-                </a:endParaRPr>
-              </a:p>
-              <a:p>
-                <a:endParaRPr lang="ko-KR" altLang="en-US" sz="1000" dirty="0"/>
-              </a:p>
-            </p:txBody>
-          </p:sp>
-          <p:grpSp>
-            <p:nvGrpSpPr>
-              <p:cNvPr id="4" name="그룹 3">
-                <a:extLst>
-                  <a:ext uri="{FF2B5EF4-FFF2-40B4-BE49-F238E27FC236}">
-                    <a16:creationId xmlns:a16="http://schemas.microsoft.com/office/drawing/2014/main" id="{1D32BE18-DB0A-405E-88D8-0223953210CF}"/>
-                  </a:ext>
-                </a:extLst>
-              </p:cNvPr>
-              <p:cNvGrpSpPr/>
-              <p:nvPr/>
-            </p:nvGrpSpPr>
-            <p:grpSpPr>
-              <a:xfrm>
-                <a:off x="8817864" y="4968544"/>
-                <a:ext cx="2915002" cy="1467516"/>
-                <a:chOff x="4162462" y="2275878"/>
-                <a:chExt cx="3733132" cy="1879391"/>
-              </a:xfrm>
-            </p:grpSpPr>
-            <p:pic>
-              <p:nvPicPr>
-                <p:cNvPr id="13" name="그림 12">
-                  <a:extLst>
-                    <a:ext uri="{FF2B5EF4-FFF2-40B4-BE49-F238E27FC236}">
-                      <a16:creationId xmlns:a16="http://schemas.microsoft.com/office/drawing/2014/main" id="{E73FF246-3A33-4377-BE9F-00DFA4CECD91}"/>
-                    </a:ext>
-                  </a:extLst>
-                </p:cNvPr>
-                <p:cNvPicPr>
-                  <a:picLocks noChangeAspect="1"/>
-                </p:cNvPicPr>
-                <p:nvPr/>
-              </p:nvPicPr>
-              <p:blipFill rotWithShape="1">
-                <a:blip r:embed="rId4"/>
-                <a:srcRect l="31701" t="44261" r="41701" b="28935"/>
-                <a:stretch/>
-              </p:blipFill>
-              <p:spPr>
-                <a:xfrm>
-                  <a:off x="4337148" y="2502943"/>
-                  <a:ext cx="2914870" cy="1652326"/>
-                </a:xfrm>
-                <a:prstGeom prst="rect">
-                  <a:avLst/>
-                </a:prstGeom>
-              </p:spPr>
-            </p:pic>
-            <p:sp>
-              <p:nvSpPr>
-                <p:cNvPr id="14" name="TextBox 14">
-                  <a:extLst>
-                    <a:ext uri="{FF2B5EF4-FFF2-40B4-BE49-F238E27FC236}">
-                      <a16:creationId xmlns:a16="http://schemas.microsoft.com/office/drawing/2014/main" id="{584DA1B1-3311-412E-AA04-6DA1E039BE6E}"/>
-                    </a:ext>
-                  </a:extLst>
-                </p:cNvPr>
-                <p:cNvSpPr txBox="1"/>
-                <p:nvPr/>
-              </p:nvSpPr>
-              <p:spPr>
-                <a:xfrm>
-                  <a:off x="4162462" y="2275878"/>
-                  <a:ext cx="3733132" cy="512405"/>
-                </a:xfrm>
-                <a:prstGeom prst="rect">
-                  <a:avLst/>
-                </a:prstGeom>
-                <a:noFill/>
-              </p:spPr>
-              <p:txBody>
-                <a:bodyPr wrap="square" rtlCol="0">
-                  <a:spAutoFit/>
-                </a:bodyPr>
-                <a:lstStyle>
-                  <a:defPPr marR="0" lvl="0" algn="l" rtl="0">
-                    <a:lnSpc>
-                      <a:spcPct val="100000"/>
-                    </a:lnSpc>
-                    <a:spcBef>
-                      <a:spcPts val="0"/>
-                    </a:spcBef>
-                    <a:spcAft>
-                      <a:spcPts val="0"/>
-                    </a:spcAft>
-                  </a:defPPr>
-                  <a:lvl1pPr marR="0" lvl="0" algn="l" rtl="0">
-                    <a:lnSpc>
-                      <a:spcPct val="100000"/>
-                    </a:lnSpc>
-                    <a:spcBef>
-                      <a:spcPts val="0"/>
-                    </a:spcBef>
-                    <a:spcAft>
-                      <a:spcPts val="0"/>
-                    </a:spcAft>
-                    <a:buClr>
-                      <a:srgbClr val="000000"/>
-                    </a:buClr>
-                    <a:buFont typeface="Arial"/>
-                    <a:defRPr sz="1400" b="0" i="0" u="none" strike="noStrike" cap="none">
-                      <a:solidFill>
-                        <a:srgbClr val="000000"/>
-                      </a:solidFill>
-                      <a:latin typeface="Arial"/>
-                      <a:ea typeface="Arial"/>
-                      <a:cs typeface="Arial"/>
-                      <a:sym typeface="Arial"/>
-                    </a:defRPr>
-                  </a:lvl1pPr>
-                  <a:lvl2pPr marR="0" lvl="1" algn="l" rtl="0">
-                    <a:lnSpc>
-                      <a:spcPct val="100000"/>
-                    </a:lnSpc>
-                    <a:spcBef>
-                      <a:spcPts val="0"/>
-                    </a:spcBef>
-                    <a:spcAft>
-                      <a:spcPts val="0"/>
-                    </a:spcAft>
-                    <a:buClr>
-                      <a:srgbClr val="000000"/>
-                    </a:buClr>
-                    <a:buFont typeface="Arial"/>
-                    <a:defRPr sz="1400" b="0" i="0" u="none" strike="noStrike" cap="none">
-                      <a:solidFill>
-                        <a:srgbClr val="000000"/>
-                      </a:solidFill>
-                      <a:latin typeface="Arial"/>
-                      <a:ea typeface="Arial"/>
-                      <a:cs typeface="Arial"/>
-                      <a:sym typeface="Arial"/>
-                    </a:defRPr>
-                  </a:lvl2pPr>
-                  <a:lvl3pPr marR="0" lvl="2" algn="l" rtl="0">
-                    <a:lnSpc>
-                      <a:spcPct val="100000"/>
-                    </a:lnSpc>
-                    <a:spcBef>
-                      <a:spcPts val="0"/>
-                    </a:spcBef>
-                    <a:spcAft>
-                      <a:spcPts val="0"/>
-                    </a:spcAft>
-                    <a:buClr>
-                      <a:srgbClr val="000000"/>
-                    </a:buClr>
-                    <a:buFont typeface="Arial"/>
-                    <a:defRPr sz="1400" b="0" i="0" u="none" strike="noStrike" cap="none">
-                      <a:solidFill>
-                        <a:srgbClr val="000000"/>
-                      </a:solidFill>
-                      <a:latin typeface="Arial"/>
-                      <a:ea typeface="Arial"/>
-                      <a:cs typeface="Arial"/>
-                      <a:sym typeface="Arial"/>
-                    </a:defRPr>
-                  </a:lvl3pPr>
-                  <a:lvl4pPr marR="0" lvl="3" algn="l" rtl="0">
-                    <a:lnSpc>
-                      <a:spcPct val="100000"/>
-                    </a:lnSpc>
-                    <a:spcBef>
-                      <a:spcPts val="0"/>
-                    </a:spcBef>
-                    <a:spcAft>
-                      <a:spcPts val="0"/>
-                    </a:spcAft>
-                    <a:buClr>
-                      <a:srgbClr val="000000"/>
-                    </a:buClr>
-                    <a:buFont typeface="Arial"/>
-                    <a:defRPr sz="1400" b="0" i="0" u="none" strike="noStrike" cap="none">
-                      <a:solidFill>
-                        <a:srgbClr val="000000"/>
-                      </a:solidFill>
-                      <a:latin typeface="Arial"/>
-                      <a:ea typeface="Arial"/>
-                      <a:cs typeface="Arial"/>
-                      <a:sym typeface="Arial"/>
-                    </a:defRPr>
-                  </a:lvl4pPr>
-                  <a:lvl5pPr marR="0" lvl="4" algn="l" rtl="0">
-                    <a:lnSpc>
-                      <a:spcPct val="100000"/>
-                    </a:lnSpc>
-                    <a:spcBef>
-                      <a:spcPts val="0"/>
-                    </a:spcBef>
-                    <a:spcAft>
-                      <a:spcPts val="0"/>
-                    </a:spcAft>
-                    <a:buClr>
-                      <a:srgbClr val="000000"/>
-                    </a:buClr>
-                    <a:buFont typeface="Arial"/>
-                    <a:defRPr sz="1400" b="0" i="0" u="none" strike="noStrike" cap="none">
-                      <a:solidFill>
-                        <a:srgbClr val="000000"/>
-                      </a:solidFill>
-                      <a:latin typeface="Arial"/>
-                      <a:ea typeface="Arial"/>
-                      <a:cs typeface="Arial"/>
-                      <a:sym typeface="Arial"/>
-                    </a:defRPr>
-                  </a:lvl5pPr>
-                  <a:lvl6pPr marR="0" lvl="5" algn="l" rtl="0">
-                    <a:lnSpc>
-                      <a:spcPct val="100000"/>
-                    </a:lnSpc>
-                    <a:spcBef>
-                      <a:spcPts val="0"/>
-                    </a:spcBef>
-                    <a:spcAft>
-                      <a:spcPts val="0"/>
-                    </a:spcAft>
-                    <a:buClr>
-                      <a:srgbClr val="000000"/>
-                    </a:buClr>
-                    <a:buFont typeface="Arial"/>
-                    <a:defRPr sz="1400" b="0" i="0" u="none" strike="noStrike" cap="none">
-                      <a:solidFill>
-                        <a:srgbClr val="000000"/>
-                      </a:solidFill>
-                      <a:latin typeface="Arial"/>
-                      <a:ea typeface="Arial"/>
-                      <a:cs typeface="Arial"/>
-                      <a:sym typeface="Arial"/>
-                    </a:defRPr>
-                  </a:lvl6pPr>
-                  <a:lvl7pPr marR="0" lvl="6" algn="l" rtl="0">
-                    <a:lnSpc>
-                      <a:spcPct val="100000"/>
-                    </a:lnSpc>
-                    <a:spcBef>
-                      <a:spcPts val="0"/>
-                    </a:spcBef>
-                    <a:spcAft>
-                      <a:spcPts val="0"/>
-                    </a:spcAft>
-                    <a:buClr>
-                      <a:srgbClr val="000000"/>
-                    </a:buClr>
-                    <a:buFont typeface="Arial"/>
-                    <a:defRPr sz="1400" b="0" i="0" u="none" strike="noStrike" cap="none">
-                      <a:solidFill>
-                        <a:srgbClr val="000000"/>
-                      </a:solidFill>
-                      <a:latin typeface="Arial"/>
-                      <a:ea typeface="Arial"/>
-                      <a:cs typeface="Arial"/>
-                      <a:sym typeface="Arial"/>
-                    </a:defRPr>
-                  </a:lvl7pPr>
-                  <a:lvl8pPr marR="0" lvl="7" algn="l" rtl="0">
-                    <a:lnSpc>
-                      <a:spcPct val="100000"/>
-                    </a:lnSpc>
-                    <a:spcBef>
-                      <a:spcPts val="0"/>
-                    </a:spcBef>
-                    <a:spcAft>
-                      <a:spcPts val="0"/>
-                    </a:spcAft>
-                    <a:buClr>
-                      <a:srgbClr val="000000"/>
-                    </a:buClr>
-                    <a:buFont typeface="Arial"/>
-                    <a:defRPr sz="1400" b="0" i="0" u="none" strike="noStrike" cap="none">
-                      <a:solidFill>
-                        <a:srgbClr val="000000"/>
-                      </a:solidFill>
-                      <a:latin typeface="Arial"/>
-                      <a:ea typeface="Arial"/>
-                      <a:cs typeface="Arial"/>
-                      <a:sym typeface="Arial"/>
-                    </a:defRPr>
-                  </a:lvl8pPr>
-                  <a:lvl9pPr marR="0" lvl="8" algn="l" rtl="0">
-                    <a:lnSpc>
-                      <a:spcPct val="100000"/>
-                    </a:lnSpc>
-                    <a:spcBef>
-                      <a:spcPts val="0"/>
-                    </a:spcBef>
-                    <a:spcAft>
-                      <a:spcPts val="0"/>
-                    </a:spcAft>
-                    <a:buClr>
-                      <a:srgbClr val="000000"/>
-                    </a:buClr>
-                    <a:buFont typeface="Arial"/>
-                    <a:defRPr sz="1400" b="0" i="0" u="none" strike="noStrike" cap="none">
-                      <a:solidFill>
-                        <a:srgbClr val="000000"/>
-                      </a:solidFill>
-                      <a:latin typeface="Arial"/>
-                      <a:ea typeface="Arial"/>
-                      <a:cs typeface="Arial"/>
-                      <a:sym typeface="Arial"/>
-                    </a:defRPr>
-                  </a:lvl9pPr>
-                </a:lstStyle>
-                <a:p>
-                  <a:r>
-                    <a:rPr lang="ko-KR" altLang="en-US" sz="1000" dirty="0"/>
-                    <a:t>▶</a:t>
-                  </a:r>
-                  <a:r>
-                    <a:rPr lang="en-US" altLang="ko-KR" sz="1000" dirty="0"/>
-                    <a:t>Read </a:t>
-                  </a:r>
-                  <a:r>
-                    <a:rPr lang="ko-KR" altLang="en-US" sz="1000" dirty="0"/>
-                    <a:t>에서 에러 발생 코드 작성</a:t>
-                  </a:r>
-                  <a:r>
-                    <a:rPr lang="en-US" altLang="ko-KR" sz="1000" b="1" dirty="0">
-                      <a:solidFill>
-                        <a:srgbClr val="00B050"/>
-                      </a:solidFill>
-                    </a:rPr>
-                    <a:t>(GREEN)</a:t>
-                  </a:r>
-                  <a:endParaRPr lang="ko-KR" altLang="en-US" sz="1000" b="1" dirty="0">
-                    <a:solidFill>
-                      <a:srgbClr val="00B050"/>
-                    </a:solidFill>
-                  </a:endParaRPr>
-                </a:p>
-                <a:p>
-                  <a:endParaRPr lang="ko-KR" altLang="en-US" sz="1000" dirty="0"/>
-                </a:p>
-              </p:txBody>
-            </p:sp>
-          </p:grpSp>
-        </p:grpSp>
-        <p:sp>
-          <p:nvSpPr>
-            <p:cNvPr id="15" name="사각형: 둥근 모서리 14">
-              <a:extLst>
-                <a:ext uri="{FF2B5EF4-FFF2-40B4-BE49-F238E27FC236}">
-                  <a16:creationId xmlns:a16="http://schemas.microsoft.com/office/drawing/2014/main" id="{AC396C53-E87A-4DE0-AE6E-7506FCDB42B0}"/>
-                </a:ext>
-              </a:extLst>
-            </p:cNvPr>
-            <p:cNvSpPr/>
-            <p:nvPr/>
-          </p:nvSpPr>
-          <p:spPr>
-            <a:xfrm>
-              <a:off x="2501170" y="3255827"/>
-              <a:ext cx="3070293" cy="2399249"/>
-            </a:xfrm>
-            <a:prstGeom prst="roundRect">
-              <a:avLst>
-                <a:gd name="adj" fmla="val 2400"/>
-              </a:avLst>
-            </a:prstGeom>
-            <a:noFill/>
-            <a:ln w="9525" cap="flat" cmpd="sng" algn="ctr">
-              <a:solidFill>
-                <a:schemeClr val="dk1"/>
-              </a:solidFill>
-              <a:prstDash val="solid"/>
-              <a:round/>
-              <a:headEnd type="none" w="med" len="med"/>
-              <a:tailEnd type="none" w="med" len="med"/>
-            </a:ln>
-          </p:spPr>
-          <p:style>
-            <a:lnRef idx="0">
-              <a:scrgbClr r="0" g="0" b="0"/>
-            </a:lnRef>
-            <a:fillRef idx="0">
-              <a:scrgbClr r="0" g="0" b="0"/>
-            </a:fillRef>
-            <a:effectRef idx="0">
-              <a:scrgbClr r="0" g="0" b="0"/>
-            </a:effectRef>
-            <a:fontRef idx="minor">
-              <a:schemeClr val="dk1"/>
-            </a:fontRef>
-          </p:style>
-          <p:txBody>
-            <a:bodyPr rtlCol="0" anchor="ctr"/>
-            <a:lstStyle/>
-            <a:p>
-              <a:pPr algn="ctr"/>
-              <a:endParaRPr lang="ko-KR" altLang="en-US"/>
-            </a:p>
-          </p:txBody>
-        </p:sp>
-      </p:grpSp>
-      <p:grpSp>
-        <p:nvGrpSpPr>
-          <p:cNvPr id="24" name="그룹 23">
-            <a:extLst>
-              <a:ext uri="{FF2B5EF4-FFF2-40B4-BE49-F238E27FC236}">
-                <a16:creationId xmlns:a16="http://schemas.microsoft.com/office/drawing/2014/main" id="{33A36045-DE63-49B4-BD13-267B4AD7D650}"/>
-              </a:ext>
-            </a:extLst>
-          </p:cNvPr>
-          <p:cNvGrpSpPr/>
-          <p:nvPr/>
-        </p:nvGrpSpPr>
-        <p:grpSpPr>
-          <a:xfrm>
-            <a:off x="6158422" y="1576263"/>
-            <a:ext cx="3174132" cy="1605226"/>
-            <a:chOff x="1545894" y="2134284"/>
-            <a:chExt cx="3174132" cy="1605226"/>
-          </a:xfrm>
-        </p:grpSpPr>
-        <p:grpSp>
-          <p:nvGrpSpPr>
-            <p:cNvPr id="5" name="그룹 4">
-              <a:extLst>
-                <a:ext uri="{FF2B5EF4-FFF2-40B4-BE49-F238E27FC236}">
-                  <a16:creationId xmlns:a16="http://schemas.microsoft.com/office/drawing/2014/main" id="{0C15A20D-2003-49A4-A3F6-33D9F5227E66}"/>
-                </a:ext>
-              </a:extLst>
-            </p:cNvPr>
-            <p:cNvGrpSpPr/>
-            <p:nvPr/>
-          </p:nvGrpSpPr>
-          <p:grpSpPr>
-            <a:xfrm>
-              <a:off x="1646268" y="2154904"/>
-              <a:ext cx="3048329" cy="1584606"/>
-              <a:chOff x="680292" y="2607535"/>
-              <a:chExt cx="5057689" cy="2629127"/>
-            </a:xfrm>
-          </p:grpSpPr>
-          <p:pic>
-            <p:nvPicPr>
-              <p:cNvPr id="18" name="그림 17">
-                <a:extLst>
-                  <a:ext uri="{FF2B5EF4-FFF2-40B4-BE49-F238E27FC236}">
-                    <a16:creationId xmlns:a16="http://schemas.microsoft.com/office/drawing/2014/main" id="{A9CD1D52-321E-45E1-974F-331372D3EE66}"/>
-                  </a:ext>
-                </a:extLst>
-              </p:cNvPr>
-              <p:cNvPicPr>
-                <a:picLocks noChangeAspect="1"/>
-              </p:cNvPicPr>
-              <p:nvPr/>
-            </p:nvPicPr>
-            <p:blipFill rotWithShape="1">
-              <a:blip r:embed="rId5"/>
-              <a:srcRect l="31779" t="37801" r="38067" b="37594"/>
-              <a:stretch/>
-            </p:blipFill>
-            <p:spPr>
-              <a:xfrm>
-                <a:off x="680292" y="2915311"/>
-                <a:ext cx="5057689" cy="2321351"/>
-              </a:xfrm>
-              <a:prstGeom prst="rect">
-                <a:avLst/>
-              </a:prstGeom>
-            </p:spPr>
-          </p:pic>
-          <p:sp>
-            <p:nvSpPr>
-              <p:cNvPr id="19" name="TextBox 16">
-                <a:extLst>
-                  <a:ext uri="{FF2B5EF4-FFF2-40B4-BE49-F238E27FC236}">
-                    <a16:creationId xmlns:a16="http://schemas.microsoft.com/office/drawing/2014/main" id="{D21D8E92-7EAB-4195-96C7-181F676D71F0}"/>
-                  </a:ext>
-                </a:extLst>
-              </p:cNvPr>
-              <p:cNvSpPr txBox="1"/>
-              <p:nvPr/>
-            </p:nvSpPr>
-            <p:spPr>
-              <a:xfrm>
-                <a:off x="680294" y="2607535"/>
-                <a:ext cx="3934155" cy="408522"/>
-              </a:xfrm>
-              <a:prstGeom prst="rect">
-                <a:avLst/>
-              </a:prstGeom>
-              <a:noFill/>
-            </p:spPr>
-            <p:txBody>
-              <a:bodyPr wrap="none" rtlCol="0">
-                <a:spAutoFit/>
-              </a:bodyPr>
-              <a:lstStyle>
-                <a:defPPr marR="0" lvl="0" algn="l" rtl="0">
-                  <a:lnSpc>
-                    <a:spcPct val="100000"/>
-                  </a:lnSpc>
-                  <a:spcBef>
-                    <a:spcPts val="0"/>
-                  </a:spcBef>
-                  <a:spcAft>
-                    <a:spcPts val="0"/>
-                  </a:spcAft>
-                </a:defPPr>
-                <a:lvl1pPr marR="0" lvl="0" algn="l" rtl="0">
-                  <a:lnSpc>
-                    <a:spcPct val="100000"/>
-                  </a:lnSpc>
-                  <a:spcBef>
-                    <a:spcPts val="0"/>
-                  </a:spcBef>
-                  <a:spcAft>
-                    <a:spcPts val="0"/>
-                  </a:spcAft>
-                  <a:buClr>
-                    <a:srgbClr val="000000"/>
-                  </a:buClr>
-                  <a:buFont typeface="Arial"/>
-                  <a:defRPr sz="1400" b="0" i="0" u="none" strike="noStrike" cap="none">
-                    <a:solidFill>
-                      <a:srgbClr val="000000"/>
-                    </a:solidFill>
-                    <a:latin typeface="Arial"/>
-                    <a:ea typeface="Arial"/>
-                    <a:cs typeface="Arial"/>
-                    <a:sym typeface="Arial"/>
-                  </a:defRPr>
-                </a:lvl1pPr>
-                <a:lvl2pPr marR="0" lvl="1" algn="l" rtl="0">
-                  <a:lnSpc>
-                    <a:spcPct val="100000"/>
-                  </a:lnSpc>
-                  <a:spcBef>
-                    <a:spcPts val="0"/>
-                  </a:spcBef>
-                  <a:spcAft>
-                    <a:spcPts val="0"/>
-                  </a:spcAft>
-                  <a:buClr>
-                    <a:srgbClr val="000000"/>
-                  </a:buClr>
-                  <a:buFont typeface="Arial"/>
-                  <a:defRPr sz="1400" b="0" i="0" u="none" strike="noStrike" cap="none">
-                    <a:solidFill>
-                      <a:srgbClr val="000000"/>
-                    </a:solidFill>
-                    <a:latin typeface="Arial"/>
-                    <a:ea typeface="Arial"/>
-                    <a:cs typeface="Arial"/>
-                    <a:sym typeface="Arial"/>
-                  </a:defRPr>
-                </a:lvl2pPr>
-                <a:lvl3pPr marR="0" lvl="2" algn="l" rtl="0">
-                  <a:lnSpc>
-                    <a:spcPct val="100000"/>
-                  </a:lnSpc>
-                  <a:spcBef>
-                    <a:spcPts val="0"/>
-                  </a:spcBef>
-                  <a:spcAft>
-                    <a:spcPts val="0"/>
-                  </a:spcAft>
-                  <a:buClr>
-                    <a:srgbClr val="000000"/>
-                  </a:buClr>
-                  <a:buFont typeface="Arial"/>
-                  <a:defRPr sz="1400" b="0" i="0" u="none" strike="noStrike" cap="none">
-                    <a:solidFill>
-                      <a:srgbClr val="000000"/>
-                    </a:solidFill>
-                    <a:latin typeface="Arial"/>
-                    <a:ea typeface="Arial"/>
-                    <a:cs typeface="Arial"/>
-                    <a:sym typeface="Arial"/>
-                  </a:defRPr>
-                </a:lvl3pPr>
-                <a:lvl4pPr marR="0" lvl="3" algn="l" rtl="0">
-                  <a:lnSpc>
-                    <a:spcPct val="100000"/>
-                  </a:lnSpc>
-                  <a:spcBef>
-                    <a:spcPts val="0"/>
-                  </a:spcBef>
-                  <a:spcAft>
-                    <a:spcPts val="0"/>
-                  </a:spcAft>
-                  <a:buClr>
-                    <a:srgbClr val="000000"/>
-                  </a:buClr>
-                  <a:buFont typeface="Arial"/>
-                  <a:defRPr sz="1400" b="0" i="0" u="none" strike="noStrike" cap="none">
-                    <a:solidFill>
-                      <a:srgbClr val="000000"/>
-                    </a:solidFill>
-                    <a:latin typeface="Arial"/>
-                    <a:ea typeface="Arial"/>
-                    <a:cs typeface="Arial"/>
-                    <a:sym typeface="Arial"/>
-                  </a:defRPr>
-                </a:lvl4pPr>
-                <a:lvl5pPr marR="0" lvl="4" algn="l" rtl="0">
-                  <a:lnSpc>
-                    <a:spcPct val="100000"/>
-                  </a:lnSpc>
-                  <a:spcBef>
-                    <a:spcPts val="0"/>
-                  </a:spcBef>
-                  <a:spcAft>
-                    <a:spcPts val="0"/>
-                  </a:spcAft>
-                  <a:buClr>
-                    <a:srgbClr val="000000"/>
-                  </a:buClr>
-                  <a:buFont typeface="Arial"/>
-                  <a:defRPr sz="1400" b="0" i="0" u="none" strike="noStrike" cap="none">
-                    <a:solidFill>
-                      <a:srgbClr val="000000"/>
-                    </a:solidFill>
-                    <a:latin typeface="Arial"/>
-                    <a:ea typeface="Arial"/>
-                    <a:cs typeface="Arial"/>
-                    <a:sym typeface="Arial"/>
-                  </a:defRPr>
-                </a:lvl5pPr>
-                <a:lvl6pPr marR="0" lvl="5" algn="l" rtl="0">
-                  <a:lnSpc>
-                    <a:spcPct val="100000"/>
-                  </a:lnSpc>
-                  <a:spcBef>
-                    <a:spcPts val="0"/>
-                  </a:spcBef>
-                  <a:spcAft>
-                    <a:spcPts val="0"/>
-                  </a:spcAft>
-                  <a:buClr>
-                    <a:srgbClr val="000000"/>
-                  </a:buClr>
-                  <a:buFont typeface="Arial"/>
-                  <a:defRPr sz="1400" b="0" i="0" u="none" strike="noStrike" cap="none">
-                    <a:solidFill>
-                      <a:srgbClr val="000000"/>
-                    </a:solidFill>
-                    <a:latin typeface="Arial"/>
-                    <a:ea typeface="Arial"/>
-                    <a:cs typeface="Arial"/>
-                    <a:sym typeface="Arial"/>
-                  </a:defRPr>
-                </a:lvl6pPr>
-                <a:lvl7pPr marR="0" lvl="6" algn="l" rtl="0">
-                  <a:lnSpc>
-                    <a:spcPct val="100000"/>
-                  </a:lnSpc>
-                  <a:spcBef>
-                    <a:spcPts val="0"/>
-                  </a:spcBef>
-                  <a:spcAft>
-                    <a:spcPts val="0"/>
-                  </a:spcAft>
-                  <a:buClr>
-                    <a:srgbClr val="000000"/>
-                  </a:buClr>
-                  <a:buFont typeface="Arial"/>
-                  <a:defRPr sz="1400" b="0" i="0" u="none" strike="noStrike" cap="none">
-                    <a:solidFill>
-                      <a:srgbClr val="000000"/>
-                    </a:solidFill>
-                    <a:latin typeface="Arial"/>
-                    <a:ea typeface="Arial"/>
-                    <a:cs typeface="Arial"/>
-                    <a:sym typeface="Arial"/>
-                  </a:defRPr>
-                </a:lvl7pPr>
-                <a:lvl8pPr marR="0" lvl="7" algn="l" rtl="0">
-                  <a:lnSpc>
-                    <a:spcPct val="100000"/>
-                  </a:lnSpc>
-                  <a:spcBef>
-                    <a:spcPts val="0"/>
-                  </a:spcBef>
-                  <a:spcAft>
-                    <a:spcPts val="0"/>
-                  </a:spcAft>
-                  <a:buClr>
-                    <a:srgbClr val="000000"/>
-                  </a:buClr>
-                  <a:buFont typeface="Arial"/>
-                  <a:defRPr sz="1400" b="0" i="0" u="none" strike="noStrike" cap="none">
-                    <a:solidFill>
-                      <a:srgbClr val="000000"/>
-                    </a:solidFill>
-                    <a:latin typeface="Arial"/>
-                    <a:ea typeface="Arial"/>
-                    <a:cs typeface="Arial"/>
-                    <a:sym typeface="Arial"/>
-                  </a:defRPr>
-                </a:lvl8pPr>
-                <a:lvl9pPr marR="0" lvl="8" algn="l" rtl="0">
-                  <a:lnSpc>
-                    <a:spcPct val="100000"/>
-                  </a:lnSpc>
-                  <a:spcBef>
-                    <a:spcPts val="0"/>
-                  </a:spcBef>
-                  <a:spcAft>
-                    <a:spcPts val="0"/>
-                  </a:spcAft>
-                  <a:buClr>
-                    <a:srgbClr val="000000"/>
-                  </a:buClr>
-                  <a:buFont typeface="Arial"/>
-                  <a:defRPr sz="1400" b="0" i="0" u="none" strike="noStrike" cap="none">
-                    <a:solidFill>
-                      <a:srgbClr val="000000"/>
-                    </a:solidFill>
-                    <a:latin typeface="Arial"/>
-                    <a:ea typeface="Arial"/>
-                    <a:cs typeface="Arial"/>
-                    <a:sym typeface="Arial"/>
-                  </a:defRPr>
-                </a:lvl9pPr>
-              </a:lstStyle>
-              <a:p>
-                <a:r>
-                  <a:rPr lang="ko-KR" altLang="en-US" sz="1000" dirty="0"/>
-                  <a:t>▶ </a:t>
-                </a:r>
-                <a:r>
-                  <a:rPr lang="en-US" altLang="ko-KR" sz="1000" dirty="0"/>
-                  <a:t>Refactoring PR # 44 </a:t>
-                </a:r>
-                <a:r>
-                  <a:rPr lang="en-US" altLang="ko-KR" sz="1000" b="1" dirty="0">
-                    <a:solidFill>
-                      <a:srgbClr val="0070C0"/>
-                    </a:solidFill>
-                  </a:rPr>
-                  <a:t>(REFACTOR)</a:t>
-                </a:r>
-                <a:endParaRPr lang="ko-KR" altLang="en-US" sz="1000" b="1" dirty="0">
-                  <a:solidFill>
-                    <a:srgbClr val="0070C0"/>
-                  </a:solidFill>
-                </a:endParaRPr>
-              </a:p>
-            </p:txBody>
-          </p:sp>
-        </p:grpSp>
-        <p:sp>
-          <p:nvSpPr>
-            <p:cNvPr id="28" name="사각형: 둥근 모서리 27">
-              <a:extLst>
-                <a:ext uri="{FF2B5EF4-FFF2-40B4-BE49-F238E27FC236}">
-                  <a16:creationId xmlns:a16="http://schemas.microsoft.com/office/drawing/2014/main" id="{46253290-0B62-4F2F-9431-0F6E8B9D5A2F}"/>
-                </a:ext>
-              </a:extLst>
-            </p:cNvPr>
-            <p:cNvSpPr/>
-            <p:nvPr/>
-          </p:nvSpPr>
-          <p:spPr>
-            <a:xfrm>
-              <a:off x="1545894" y="2134284"/>
-              <a:ext cx="3174132" cy="1605226"/>
-            </a:xfrm>
-            <a:prstGeom prst="roundRect">
-              <a:avLst>
-                <a:gd name="adj" fmla="val 2400"/>
-              </a:avLst>
-            </a:prstGeom>
-            <a:noFill/>
-            <a:ln w="9525" cap="flat" cmpd="sng" algn="ctr">
-              <a:solidFill>
-                <a:schemeClr val="dk1"/>
-              </a:solidFill>
-              <a:prstDash val="solid"/>
-              <a:round/>
-              <a:headEnd type="none" w="med" len="med"/>
-              <a:tailEnd type="none" w="med" len="med"/>
-            </a:ln>
-          </p:spPr>
-          <p:style>
-            <a:lnRef idx="0">
-              <a:scrgbClr r="0" g="0" b="0"/>
-            </a:lnRef>
-            <a:fillRef idx="0">
-              <a:scrgbClr r="0" g="0" b="0"/>
-            </a:fillRef>
-            <a:effectRef idx="0">
-              <a:scrgbClr r="0" g="0" b="0"/>
-            </a:effectRef>
-            <a:fontRef idx="minor">
-              <a:schemeClr val="dk1"/>
-            </a:fontRef>
-          </p:style>
-          <p:txBody>
-            <a:bodyPr rtlCol="0" anchor="ctr"/>
-            <a:lstStyle/>
-            <a:p>
-              <a:pPr algn="ctr"/>
-              <a:endParaRPr lang="ko-KR" altLang="en-US"/>
-            </a:p>
-          </p:txBody>
-        </p:sp>
-      </p:grpSp>
-      <p:grpSp>
-        <p:nvGrpSpPr>
-          <p:cNvPr id="22" name="그룹 21">
-            <a:extLst>
-              <a:ext uri="{FF2B5EF4-FFF2-40B4-BE49-F238E27FC236}">
-                <a16:creationId xmlns:a16="http://schemas.microsoft.com/office/drawing/2014/main" id="{6A488F72-156A-469D-8427-4EE766CF8115}"/>
-              </a:ext>
-            </a:extLst>
-          </p:cNvPr>
-          <p:cNvGrpSpPr/>
-          <p:nvPr/>
-        </p:nvGrpSpPr>
-        <p:grpSpPr>
-          <a:xfrm>
-            <a:off x="8798564" y="2213611"/>
-            <a:ext cx="3114699" cy="1787712"/>
-            <a:chOff x="2112620" y="2980732"/>
-            <a:chExt cx="3114699" cy="1787712"/>
-          </a:xfrm>
-        </p:grpSpPr>
-        <p:grpSp>
-          <p:nvGrpSpPr>
-            <p:cNvPr id="6" name="그룹 5">
-              <a:extLst>
-                <a:ext uri="{FF2B5EF4-FFF2-40B4-BE49-F238E27FC236}">
-                  <a16:creationId xmlns:a16="http://schemas.microsoft.com/office/drawing/2014/main" id="{9F74633E-4D27-4D56-8F7A-2E7786B9EBE9}"/>
-                </a:ext>
-              </a:extLst>
-            </p:cNvPr>
-            <p:cNvGrpSpPr/>
-            <p:nvPr/>
-          </p:nvGrpSpPr>
-          <p:grpSpPr>
-            <a:xfrm>
-              <a:off x="2154179" y="2992810"/>
-              <a:ext cx="3007638" cy="1775633"/>
-              <a:chOff x="8885921" y="2359103"/>
-              <a:chExt cx="3007638" cy="1775633"/>
-            </a:xfrm>
-          </p:grpSpPr>
-          <p:sp>
-            <p:nvSpPr>
-              <p:cNvPr id="10" name="TextBox 17">
-                <a:extLst>
-                  <a:ext uri="{FF2B5EF4-FFF2-40B4-BE49-F238E27FC236}">
-                    <a16:creationId xmlns:a16="http://schemas.microsoft.com/office/drawing/2014/main" id="{9A123351-579B-4DCF-A2D1-AAC0F89C8BE1}"/>
-                  </a:ext>
-                </a:extLst>
-              </p:cNvPr>
-              <p:cNvSpPr txBox="1"/>
-              <p:nvPr/>
-            </p:nvSpPr>
-            <p:spPr>
-              <a:xfrm>
-                <a:off x="8885921" y="2359103"/>
-                <a:ext cx="2890535" cy="246221"/>
-              </a:xfrm>
-              <a:prstGeom prst="rect">
-                <a:avLst/>
-              </a:prstGeom>
-              <a:noFill/>
-            </p:spPr>
-            <p:txBody>
-              <a:bodyPr wrap="none" rtlCol="0">
-                <a:spAutoFit/>
-              </a:bodyPr>
-              <a:lstStyle>
-                <a:defPPr marR="0" lvl="0" algn="l" rtl="0">
-                  <a:lnSpc>
-                    <a:spcPct val="100000"/>
-                  </a:lnSpc>
-                  <a:spcBef>
-                    <a:spcPts val="0"/>
-                  </a:spcBef>
-                  <a:spcAft>
-                    <a:spcPts val="0"/>
-                  </a:spcAft>
-                </a:defPPr>
-                <a:lvl1pPr marR="0" lvl="0" algn="l" rtl="0">
-                  <a:lnSpc>
-                    <a:spcPct val="100000"/>
-                  </a:lnSpc>
-                  <a:spcBef>
-                    <a:spcPts val="0"/>
-                  </a:spcBef>
-                  <a:spcAft>
-                    <a:spcPts val="0"/>
-                  </a:spcAft>
-                  <a:buClr>
-                    <a:srgbClr val="000000"/>
-                  </a:buClr>
-                  <a:buFont typeface="Arial"/>
-                  <a:defRPr sz="1400" b="0" i="0" u="none" strike="noStrike" cap="none">
-                    <a:solidFill>
-                      <a:srgbClr val="000000"/>
-                    </a:solidFill>
-                    <a:latin typeface="Arial"/>
-                    <a:ea typeface="Arial"/>
-                    <a:cs typeface="Arial"/>
-                    <a:sym typeface="Arial"/>
-                  </a:defRPr>
-                </a:lvl1pPr>
-                <a:lvl2pPr marR="0" lvl="1" algn="l" rtl="0">
-                  <a:lnSpc>
-                    <a:spcPct val="100000"/>
-                  </a:lnSpc>
-                  <a:spcBef>
-                    <a:spcPts val="0"/>
-                  </a:spcBef>
-                  <a:spcAft>
-                    <a:spcPts val="0"/>
-                  </a:spcAft>
-                  <a:buClr>
-                    <a:srgbClr val="000000"/>
-                  </a:buClr>
-                  <a:buFont typeface="Arial"/>
-                  <a:defRPr sz="1400" b="0" i="0" u="none" strike="noStrike" cap="none">
-                    <a:solidFill>
-                      <a:srgbClr val="000000"/>
-                    </a:solidFill>
-                    <a:latin typeface="Arial"/>
-                    <a:ea typeface="Arial"/>
-                    <a:cs typeface="Arial"/>
-                    <a:sym typeface="Arial"/>
-                  </a:defRPr>
-                </a:lvl2pPr>
-                <a:lvl3pPr marR="0" lvl="2" algn="l" rtl="0">
-                  <a:lnSpc>
-                    <a:spcPct val="100000"/>
-                  </a:lnSpc>
-                  <a:spcBef>
-                    <a:spcPts val="0"/>
-                  </a:spcBef>
-                  <a:spcAft>
-                    <a:spcPts val="0"/>
-                  </a:spcAft>
-                  <a:buClr>
-                    <a:srgbClr val="000000"/>
-                  </a:buClr>
-                  <a:buFont typeface="Arial"/>
-                  <a:defRPr sz="1400" b="0" i="0" u="none" strike="noStrike" cap="none">
-                    <a:solidFill>
-                      <a:srgbClr val="000000"/>
-                    </a:solidFill>
-                    <a:latin typeface="Arial"/>
-                    <a:ea typeface="Arial"/>
-                    <a:cs typeface="Arial"/>
-                    <a:sym typeface="Arial"/>
-                  </a:defRPr>
-                </a:lvl3pPr>
-                <a:lvl4pPr marR="0" lvl="3" algn="l" rtl="0">
-                  <a:lnSpc>
-                    <a:spcPct val="100000"/>
-                  </a:lnSpc>
-                  <a:spcBef>
-                    <a:spcPts val="0"/>
-                  </a:spcBef>
-                  <a:spcAft>
-                    <a:spcPts val="0"/>
-                  </a:spcAft>
-                  <a:buClr>
-                    <a:srgbClr val="000000"/>
-                  </a:buClr>
-                  <a:buFont typeface="Arial"/>
-                  <a:defRPr sz="1400" b="0" i="0" u="none" strike="noStrike" cap="none">
-                    <a:solidFill>
-                      <a:srgbClr val="000000"/>
-                    </a:solidFill>
-                    <a:latin typeface="Arial"/>
-                    <a:ea typeface="Arial"/>
-                    <a:cs typeface="Arial"/>
-                    <a:sym typeface="Arial"/>
-                  </a:defRPr>
-                </a:lvl4pPr>
-                <a:lvl5pPr marR="0" lvl="4" algn="l" rtl="0">
-                  <a:lnSpc>
-                    <a:spcPct val="100000"/>
-                  </a:lnSpc>
-                  <a:spcBef>
-                    <a:spcPts val="0"/>
-                  </a:spcBef>
-                  <a:spcAft>
-                    <a:spcPts val="0"/>
-                  </a:spcAft>
-                  <a:buClr>
-                    <a:srgbClr val="000000"/>
-                  </a:buClr>
-                  <a:buFont typeface="Arial"/>
-                  <a:defRPr sz="1400" b="0" i="0" u="none" strike="noStrike" cap="none">
-                    <a:solidFill>
-                      <a:srgbClr val="000000"/>
-                    </a:solidFill>
-                    <a:latin typeface="Arial"/>
-                    <a:ea typeface="Arial"/>
-                    <a:cs typeface="Arial"/>
-                    <a:sym typeface="Arial"/>
-                  </a:defRPr>
-                </a:lvl5pPr>
-                <a:lvl6pPr marR="0" lvl="5" algn="l" rtl="0">
-                  <a:lnSpc>
-                    <a:spcPct val="100000"/>
-                  </a:lnSpc>
-                  <a:spcBef>
-                    <a:spcPts val="0"/>
-                  </a:spcBef>
-                  <a:spcAft>
-                    <a:spcPts val="0"/>
-                  </a:spcAft>
-                  <a:buClr>
-                    <a:srgbClr val="000000"/>
-                  </a:buClr>
-                  <a:buFont typeface="Arial"/>
-                  <a:defRPr sz="1400" b="0" i="0" u="none" strike="noStrike" cap="none">
-                    <a:solidFill>
-                      <a:srgbClr val="000000"/>
-                    </a:solidFill>
-                    <a:latin typeface="Arial"/>
-                    <a:ea typeface="Arial"/>
-                    <a:cs typeface="Arial"/>
-                    <a:sym typeface="Arial"/>
-                  </a:defRPr>
-                </a:lvl6pPr>
-                <a:lvl7pPr marR="0" lvl="6" algn="l" rtl="0">
-                  <a:lnSpc>
-                    <a:spcPct val="100000"/>
-                  </a:lnSpc>
-                  <a:spcBef>
-                    <a:spcPts val="0"/>
-                  </a:spcBef>
-                  <a:spcAft>
-                    <a:spcPts val="0"/>
-                  </a:spcAft>
-                  <a:buClr>
-                    <a:srgbClr val="000000"/>
-                  </a:buClr>
-                  <a:buFont typeface="Arial"/>
-                  <a:defRPr sz="1400" b="0" i="0" u="none" strike="noStrike" cap="none">
-                    <a:solidFill>
-                      <a:srgbClr val="000000"/>
-                    </a:solidFill>
-                    <a:latin typeface="Arial"/>
-                    <a:ea typeface="Arial"/>
-                    <a:cs typeface="Arial"/>
-                    <a:sym typeface="Arial"/>
-                  </a:defRPr>
-                </a:lvl7pPr>
-                <a:lvl8pPr marR="0" lvl="7" algn="l" rtl="0">
-                  <a:lnSpc>
-                    <a:spcPct val="100000"/>
-                  </a:lnSpc>
-                  <a:spcBef>
-                    <a:spcPts val="0"/>
-                  </a:spcBef>
-                  <a:spcAft>
-                    <a:spcPts val="0"/>
-                  </a:spcAft>
-                  <a:buClr>
-                    <a:srgbClr val="000000"/>
-                  </a:buClr>
-                  <a:buFont typeface="Arial"/>
-                  <a:defRPr sz="1400" b="0" i="0" u="none" strike="noStrike" cap="none">
-                    <a:solidFill>
-                      <a:srgbClr val="000000"/>
-                    </a:solidFill>
-                    <a:latin typeface="Arial"/>
-                    <a:ea typeface="Arial"/>
-                    <a:cs typeface="Arial"/>
-                    <a:sym typeface="Arial"/>
-                  </a:defRPr>
-                </a:lvl8pPr>
-                <a:lvl9pPr marR="0" lvl="8" algn="l" rtl="0">
-                  <a:lnSpc>
-                    <a:spcPct val="100000"/>
-                  </a:lnSpc>
-                  <a:spcBef>
-                    <a:spcPts val="0"/>
-                  </a:spcBef>
-                  <a:spcAft>
-                    <a:spcPts val="0"/>
-                  </a:spcAft>
-                  <a:buClr>
-                    <a:srgbClr val="000000"/>
-                  </a:buClr>
-                  <a:buFont typeface="Arial"/>
-                  <a:defRPr sz="1400" b="0" i="0" u="none" strike="noStrike" cap="none">
-                    <a:solidFill>
-                      <a:srgbClr val="000000"/>
-                    </a:solidFill>
-                    <a:latin typeface="Arial"/>
-                    <a:ea typeface="Arial"/>
-                    <a:cs typeface="Arial"/>
-                    <a:sym typeface="Arial"/>
-                  </a:defRPr>
-                </a:lvl9pPr>
-              </a:lstStyle>
-              <a:p>
-                <a:r>
-                  <a:rPr lang="ko-KR" altLang="en-US" sz="1000" dirty="0"/>
-                  <a:t>▶ </a:t>
-                </a:r>
-                <a:r>
-                  <a:rPr lang="en-US" altLang="ko-KR" sz="1000" dirty="0"/>
-                  <a:t>TC 2. </a:t>
-                </a:r>
-                <a:r>
-                  <a:rPr lang="ko-KR" altLang="en-US" sz="1000" dirty="0"/>
-                  <a:t>정상 </a:t>
-                </a:r>
-                <a:r>
-                  <a:rPr lang="en-US" altLang="ko-KR" sz="1000" dirty="0"/>
-                  <a:t>read </a:t>
-                </a:r>
-                <a:r>
-                  <a:rPr lang="ko-KR" altLang="en-US" sz="1000" dirty="0"/>
-                  <a:t>출력 테스트 </a:t>
-                </a:r>
-                <a:r>
-                  <a:rPr lang="en-US" altLang="ko-KR" sz="1000" dirty="0"/>
-                  <a:t>PR # 16 </a:t>
-                </a:r>
-                <a:r>
-                  <a:rPr lang="en-US" altLang="ko-KR" sz="1000" b="1" dirty="0">
-                    <a:solidFill>
-                      <a:srgbClr val="FF0000"/>
-                    </a:solidFill>
-                  </a:rPr>
-                  <a:t>(RED)</a:t>
-                </a:r>
-                <a:endParaRPr lang="ko-KR" altLang="en-US" sz="1000" b="1" dirty="0">
-                  <a:solidFill>
-                    <a:srgbClr val="FF0000"/>
-                  </a:solidFill>
-                </a:endParaRPr>
-              </a:p>
-            </p:txBody>
-          </p:sp>
-          <p:pic>
-            <p:nvPicPr>
-              <p:cNvPr id="11" name="그림 10">
-                <a:extLst>
-                  <a:ext uri="{FF2B5EF4-FFF2-40B4-BE49-F238E27FC236}">
-                    <a16:creationId xmlns:a16="http://schemas.microsoft.com/office/drawing/2014/main" id="{98C1F951-08D1-4444-BAE5-DB1D88CBFC0F}"/>
-                  </a:ext>
-                </a:extLst>
-              </p:cNvPr>
-              <p:cNvPicPr>
-                <a:picLocks noChangeAspect="1"/>
-              </p:cNvPicPr>
-              <p:nvPr/>
-            </p:nvPicPr>
-            <p:blipFill rotWithShape="1">
-              <a:blip r:embed="rId6"/>
-              <a:srcRect l="27062" t="52192" r="50000" b="34708"/>
-              <a:stretch/>
-            </p:blipFill>
-            <p:spPr>
-              <a:xfrm>
-                <a:off x="8944737" y="2589935"/>
-                <a:ext cx="2460289" cy="790346"/>
-              </a:xfrm>
-              <a:prstGeom prst="rect">
-                <a:avLst/>
-              </a:prstGeom>
-            </p:spPr>
-          </p:pic>
-          <p:pic>
-            <p:nvPicPr>
-              <p:cNvPr id="16" name="그림 15">
-                <a:extLst>
-                  <a:ext uri="{FF2B5EF4-FFF2-40B4-BE49-F238E27FC236}">
-                    <a16:creationId xmlns:a16="http://schemas.microsoft.com/office/drawing/2014/main" id="{5F58019E-66CD-4B9E-A087-E54577E069FE}"/>
-                  </a:ext>
-                </a:extLst>
-              </p:cNvPr>
-              <p:cNvPicPr>
-                <a:picLocks noChangeAspect="1"/>
-              </p:cNvPicPr>
-              <p:nvPr/>
-            </p:nvPicPr>
-            <p:blipFill rotWithShape="1">
-              <a:blip r:embed="rId7"/>
-              <a:srcRect l="26723" t="42447" r="39227" b="46804"/>
-              <a:stretch/>
-            </p:blipFill>
-            <p:spPr>
-              <a:xfrm>
-                <a:off x="8944737" y="3611113"/>
-                <a:ext cx="2948822" cy="523623"/>
-              </a:xfrm>
-              <a:prstGeom prst="rect">
-                <a:avLst/>
-              </a:prstGeom>
-            </p:spPr>
-          </p:pic>
-          <p:sp>
-            <p:nvSpPr>
-              <p:cNvPr id="17" name="TextBox 22">
-                <a:extLst>
-                  <a:ext uri="{FF2B5EF4-FFF2-40B4-BE49-F238E27FC236}">
-                    <a16:creationId xmlns:a16="http://schemas.microsoft.com/office/drawing/2014/main" id="{83166035-328C-47D1-B3C6-4BBDD44A9EA2}"/>
-                  </a:ext>
-                </a:extLst>
-              </p:cNvPr>
-              <p:cNvSpPr txBox="1"/>
-              <p:nvPr/>
-            </p:nvSpPr>
-            <p:spPr>
-              <a:xfrm>
-                <a:off x="8944737" y="3423539"/>
-                <a:ext cx="2409634" cy="246221"/>
-              </a:xfrm>
-              <a:prstGeom prst="rect">
-                <a:avLst/>
-              </a:prstGeom>
-              <a:noFill/>
-            </p:spPr>
-            <p:txBody>
-              <a:bodyPr wrap="none" rtlCol="0">
-                <a:spAutoFit/>
-              </a:bodyPr>
-              <a:lstStyle>
-                <a:defPPr marR="0" lvl="0" algn="l" rtl="0">
-                  <a:lnSpc>
-                    <a:spcPct val="100000"/>
-                  </a:lnSpc>
-                  <a:spcBef>
-                    <a:spcPts val="0"/>
-                  </a:spcBef>
-                  <a:spcAft>
-                    <a:spcPts val="0"/>
-                  </a:spcAft>
-                </a:defPPr>
-                <a:lvl1pPr marR="0" lvl="0" algn="l" rtl="0">
-                  <a:lnSpc>
-                    <a:spcPct val="100000"/>
-                  </a:lnSpc>
-                  <a:spcBef>
-                    <a:spcPts val="0"/>
-                  </a:spcBef>
-                  <a:spcAft>
-                    <a:spcPts val="0"/>
-                  </a:spcAft>
-                  <a:buClr>
-                    <a:srgbClr val="000000"/>
-                  </a:buClr>
-                  <a:buFont typeface="Arial"/>
-                  <a:defRPr sz="1400" b="0" i="0" u="none" strike="noStrike" cap="none">
-                    <a:solidFill>
-                      <a:srgbClr val="000000"/>
-                    </a:solidFill>
-                    <a:latin typeface="Arial"/>
-                    <a:ea typeface="Arial"/>
-                    <a:cs typeface="Arial"/>
-                    <a:sym typeface="Arial"/>
-                  </a:defRPr>
-                </a:lvl1pPr>
-                <a:lvl2pPr marR="0" lvl="1" algn="l" rtl="0">
-                  <a:lnSpc>
-                    <a:spcPct val="100000"/>
-                  </a:lnSpc>
-                  <a:spcBef>
-                    <a:spcPts val="0"/>
-                  </a:spcBef>
-                  <a:spcAft>
-                    <a:spcPts val="0"/>
-                  </a:spcAft>
-                  <a:buClr>
-                    <a:srgbClr val="000000"/>
-                  </a:buClr>
-                  <a:buFont typeface="Arial"/>
-                  <a:defRPr sz="1400" b="0" i="0" u="none" strike="noStrike" cap="none">
-                    <a:solidFill>
-                      <a:srgbClr val="000000"/>
-                    </a:solidFill>
-                    <a:latin typeface="Arial"/>
-                    <a:ea typeface="Arial"/>
-                    <a:cs typeface="Arial"/>
-                    <a:sym typeface="Arial"/>
-                  </a:defRPr>
-                </a:lvl2pPr>
-                <a:lvl3pPr marR="0" lvl="2" algn="l" rtl="0">
-                  <a:lnSpc>
-                    <a:spcPct val="100000"/>
-                  </a:lnSpc>
-                  <a:spcBef>
-                    <a:spcPts val="0"/>
-                  </a:spcBef>
-                  <a:spcAft>
-                    <a:spcPts val="0"/>
-                  </a:spcAft>
-                  <a:buClr>
-                    <a:srgbClr val="000000"/>
-                  </a:buClr>
-                  <a:buFont typeface="Arial"/>
-                  <a:defRPr sz="1400" b="0" i="0" u="none" strike="noStrike" cap="none">
-                    <a:solidFill>
-                      <a:srgbClr val="000000"/>
-                    </a:solidFill>
-                    <a:latin typeface="Arial"/>
-                    <a:ea typeface="Arial"/>
-                    <a:cs typeface="Arial"/>
-                    <a:sym typeface="Arial"/>
-                  </a:defRPr>
-                </a:lvl3pPr>
-                <a:lvl4pPr marR="0" lvl="3" algn="l" rtl="0">
-                  <a:lnSpc>
-                    <a:spcPct val="100000"/>
-                  </a:lnSpc>
-                  <a:spcBef>
-                    <a:spcPts val="0"/>
-                  </a:spcBef>
-                  <a:spcAft>
-                    <a:spcPts val="0"/>
-                  </a:spcAft>
-                  <a:buClr>
-                    <a:srgbClr val="000000"/>
-                  </a:buClr>
-                  <a:buFont typeface="Arial"/>
-                  <a:defRPr sz="1400" b="0" i="0" u="none" strike="noStrike" cap="none">
-                    <a:solidFill>
-                      <a:srgbClr val="000000"/>
-                    </a:solidFill>
-                    <a:latin typeface="Arial"/>
-                    <a:ea typeface="Arial"/>
-                    <a:cs typeface="Arial"/>
-                    <a:sym typeface="Arial"/>
-                  </a:defRPr>
-                </a:lvl4pPr>
-                <a:lvl5pPr marR="0" lvl="4" algn="l" rtl="0">
-                  <a:lnSpc>
-                    <a:spcPct val="100000"/>
-                  </a:lnSpc>
-                  <a:spcBef>
-                    <a:spcPts val="0"/>
-                  </a:spcBef>
-                  <a:spcAft>
-                    <a:spcPts val="0"/>
-                  </a:spcAft>
-                  <a:buClr>
-                    <a:srgbClr val="000000"/>
-                  </a:buClr>
-                  <a:buFont typeface="Arial"/>
-                  <a:defRPr sz="1400" b="0" i="0" u="none" strike="noStrike" cap="none">
-                    <a:solidFill>
-                      <a:srgbClr val="000000"/>
-                    </a:solidFill>
-                    <a:latin typeface="Arial"/>
-                    <a:ea typeface="Arial"/>
-                    <a:cs typeface="Arial"/>
-                    <a:sym typeface="Arial"/>
-                  </a:defRPr>
-                </a:lvl5pPr>
-                <a:lvl6pPr marR="0" lvl="5" algn="l" rtl="0">
-                  <a:lnSpc>
-                    <a:spcPct val="100000"/>
-                  </a:lnSpc>
-                  <a:spcBef>
-                    <a:spcPts val="0"/>
-                  </a:spcBef>
-                  <a:spcAft>
-                    <a:spcPts val="0"/>
-                  </a:spcAft>
-                  <a:buClr>
-                    <a:srgbClr val="000000"/>
-                  </a:buClr>
-                  <a:buFont typeface="Arial"/>
-                  <a:defRPr sz="1400" b="0" i="0" u="none" strike="noStrike" cap="none">
-                    <a:solidFill>
-                      <a:srgbClr val="000000"/>
-                    </a:solidFill>
-                    <a:latin typeface="Arial"/>
-                    <a:ea typeface="Arial"/>
-                    <a:cs typeface="Arial"/>
-                    <a:sym typeface="Arial"/>
-                  </a:defRPr>
-                </a:lvl6pPr>
-                <a:lvl7pPr marR="0" lvl="6" algn="l" rtl="0">
-                  <a:lnSpc>
-                    <a:spcPct val="100000"/>
-                  </a:lnSpc>
-                  <a:spcBef>
-                    <a:spcPts val="0"/>
-                  </a:spcBef>
-                  <a:spcAft>
-                    <a:spcPts val="0"/>
-                  </a:spcAft>
-                  <a:buClr>
-                    <a:srgbClr val="000000"/>
-                  </a:buClr>
-                  <a:buFont typeface="Arial"/>
-                  <a:defRPr sz="1400" b="0" i="0" u="none" strike="noStrike" cap="none">
-                    <a:solidFill>
-                      <a:srgbClr val="000000"/>
-                    </a:solidFill>
-                    <a:latin typeface="Arial"/>
-                    <a:ea typeface="Arial"/>
-                    <a:cs typeface="Arial"/>
-                    <a:sym typeface="Arial"/>
-                  </a:defRPr>
-                </a:lvl7pPr>
-                <a:lvl8pPr marR="0" lvl="7" algn="l" rtl="0">
-                  <a:lnSpc>
-                    <a:spcPct val="100000"/>
-                  </a:lnSpc>
-                  <a:spcBef>
-                    <a:spcPts val="0"/>
-                  </a:spcBef>
-                  <a:spcAft>
-                    <a:spcPts val="0"/>
-                  </a:spcAft>
-                  <a:buClr>
-                    <a:srgbClr val="000000"/>
-                  </a:buClr>
-                  <a:buFont typeface="Arial"/>
-                  <a:defRPr sz="1400" b="0" i="0" u="none" strike="noStrike" cap="none">
-                    <a:solidFill>
-                      <a:srgbClr val="000000"/>
-                    </a:solidFill>
-                    <a:latin typeface="Arial"/>
-                    <a:ea typeface="Arial"/>
-                    <a:cs typeface="Arial"/>
-                    <a:sym typeface="Arial"/>
-                  </a:defRPr>
-                </a:lvl8pPr>
-                <a:lvl9pPr marR="0" lvl="8" algn="l" rtl="0">
-                  <a:lnSpc>
-                    <a:spcPct val="100000"/>
-                  </a:lnSpc>
-                  <a:spcBef>
-                    <a:spcPts val="0"/>
-                  </a:spcBef>
-                  <a:spcAft>
-                    <a:spcPts val="0"/>
-                  </a:spcAft>
-                  <a:buClr>
-                    <a:srgbClr val="000000"/>
-                  </a:buClr>
-                  <a:buFont typeface="Arial"/>
-                  <a:defRPr sz="1400" b="0" i="0" u="none" strike="noStrike" cap="none">
-                    <a:solidFill>
-                      <a:srgbClr val="000000"/>
-                    </a:solidFill>
-                    <a:latin typeface="Arial"/>
-                    <a:ea typeface="Arial"/>
-                    <a:cs typeface="Arial"/>
-                    <a:sym typeface="Arial"/>
-                  </a:defRPr>
-                </a:lvl9pPr>
-              </a:lstStyle>
-              <a:p>
-                <a:r>
-                  <a:rPr lang="ko-KR" altLang="en-US" sz="1000" dirty="0"/>
-                  <a:t>▶ </a:t>
-                </a:r>
-                <a:r>
-                  <a:rPr lang="en-US" altLang="ko-KR" sz="1000" dirty="0"/>
-                  <a:t>Read </a:t>
-                </a:r>
-                <a:r>
-                  <a:rPr lang="ko-KR" altLang="en-US" sz="1000" dirty="0"/>
-                  <a:t>정상 출력 코드 작성</a:t>
-                </a:r>
-                <a:r>
-                  <a:rPr lang="en-US" altLang="ko-KR" sz="1000" b="1" dirty="0">
-                    <a:solidFill>
-                      <a:srgbClr val="00B050"/>
-                    </a:solidFill>
-                  </a:rPr>
-                  <a:t>(GREEN)</a:t>
-                </a:r>
-                <a:endParaRPr lang="ko-KR" altLang="en-US" sz="1000" b="1" dirty="0">
-                  <a:solidFill>
-                    <a:srgbClr val="00B050"/>
-                  </a:solidFill>
-                </a:endParaRPr>
-              </a:p>
-            </p:txBody>
-          </p:sp>
-        </p:grpSp>
-        <p:sp>
-          <p:nvSpPr>
-            <p:cNvPr id="25" name="사각형: 둥근 모서리 24">
-              <a:extLst>
-                <a:ext uri="{FF2B5EF4-FFF2-40B4-BE49-F238E27FC236}">
-                  <a16:creationId xmlns:a16="http://schemas.microsoft.com/office/drawing/2014/main" id="{028A465E-6A86-43CB-9D72-93DC650929FD}"/>
-                </a:ext>
-              </a:extLst>
-            </p:cNvPr>
-            <p:cNvSpPr/>
-            <p:nvPr/>
-          </p:nvSpPr>
-          <p:spPr>
-            <a:xfrm>
-              <a:off x="2112620" y="2980732"/>
-              <a:ext cx="3114699" cy="1787712"/>
-            </a:xfrm>
-            <a:prstGeom prst="roundRect">
-              <a:avLst>
-                <a:gd name="adj" fmla="val 2400"/>
-              </a:avLst>
-            </a:prstGeom>
-            <a:noFill/>
-            <a:ln w="9525" cap="flat" cmpd="sng" algn="ctr">
-              <a:solidFill>
-                <a:schemeClr val="dk1"/>
-              </a:solidFill>
-              <a:prstDash val="solid"/>
-              <a:round/>
-              <a:headEnd type="none" w="med" len="med"/>
-              <a:tailEnd type="none" w="med" len="med"/>
-            </a:ln>
-          </p:spPr>
-          <p:style>
-            <a:lnRef idx="0">
-              <a:scrgbClr r="0" g="0" b="0"/>
-            </a:lnRef>
-            <a:fillRef idx="0">
-              <a:scrgbClr r="0" g="0" b="0"/>
-            </a:fillRef>
-            <a:effectRef idx="0">
-              <a:scrgbClr r="0" g="0" b="0"/>
-            </a:effectRef>
-            <a:fontRef idx="minor">
-              <a:schemeClr val="dk1"/>
-            </a:fontRef>
-          </p:style>
-          <p:txBody>
-            <a:bodyPr rtlCol="0" anchor="ctr"/>
-            <a:lstStyle/>
-            <a:p>
-              <a:pPr algn="ctr"/>
-              <a:endParaRPr lang="ko-KR" altLang="en-US"/>
-            </a:p>
-          </p:txBody>
-        </p:sp>
-      </p:grpSp>
-      <p:grpSp>
-        <p:nvGrpSpPr>
           <p:cNvPr id="40" name="그룹 39">
             <a:extLst>
               <a:ext uri="{FF2B5EF4-FFF2-40B4-BE49-F238E27FC236}">
@@ -25558,7 +23956,7 @@
             <p:nvPr/>
           </p:nvPicPr>
           <p:blipFill rotWithShape="1">
-            <a:blip r:embed="rId8"/>
+            <a:blip r:embed="rId3"/>
             <a:srcRect l="10206" t="26666" r="63969" b="14502"/>
             <a:stretch/>
           </p:blipFill>
@@ -25762,132 +24160,6 @@
           </p:txBody>
         </p:sp>
       </p:grpSp>
-      <p:cxnSp>
-        <p:nvCxnSpPr>
-          <p:cNvPr id="32" name="직선 화살표 연결선 31">
-            <a:extLst>
-              <a:ext uri="{FF2B5EF4-FFF2-40B4-BE49-F238E27FC236}">
-                <a16:creationId xmlns:a16="http://schemas.microsoft.com/office/drawing/2014/main" id="{CC72CEC9-8E36-4FFD-A815-1DA914FB6A5E}"/>
-              </a:ext>
-            </a:extLst>
-          </p:cNvPr>
-          <p:cNvCxnSpPr>
-            <a:cxnSpLocks/>
-            <a:stCxn id="26" idx="3"/>
-            <a:endCxn id="15" idx="1"/>
-          </p:cNvCxnSpPr>
-          <p:nvPr/>
-        </p:nvCxnSpPr>
-        <p:spPr>
-          <a:xfrm flipV="1">
-            <a:off x="8386548" y="5279070"/>
-            <a:ext cx="456421" cy="958600"/>
-          </a:xfrm>
-          <a:prstGeom prst="straightConnector1">
-            <a:avLst/>
-          </a:prstGeom>
-          <a:ln w="57150">
-            <a:tailEnd type="triangle"/>
-          </a:ln>
-        </p:spPr>
-        <p:style>
-          <a:lnRef idx="1">
-            <a:schemeClr val="accent1"/>
-          </a:lnRef>
-          <a:fillRef idx="0">
-            <a:schemeClr val="accent1"/>
-          </a:fillRef>
-          <a:effectRef idx="0">
-            <a:schemeClr val="accent1"/>
-          </a:effectRef>
-          <a:fontRef idx="minor">
-            <a:schemeClr val="tx1"/>
-          </a:fontRef>
-        </p:style>
-      </p:cxnSp>
-      <p:cxnSp>
-        <p:nvCxnSpPr>
-          <p:cNvPr id="35" name="직선 화살표 연결선 34">
-            <a:extLst>
-              <a:ext uri="{FF2B5EF4-FFF2-40B4-BE49-F238E27FC236}">
-                <a16:creationId xmlns:a16="http://schemas.microsoft.com/office/drawing/2014/main" id="{DFCB7813-539A-4B50-9D4A-D34C0CC79156}"/>
-              </a:ext>
-            </a:extLst>
-          </p:cNvPr>
-          <p:cNvCxnSpPr>
-            <a:cxnSpLocks/>
-          </p:cNvCxnSpPr>
-          <p:nvPr/>
-        </p:nvCxnSpPr>
-        <p:spPr>
-          <a:xfrm flipV="1">
-            <a:off x="8212338" y="3413235"/>
-            <a:ext cx="574338" cy="2259792"/>
-          </a:xfrm>
-          <a:prstGeom prst="straightConnector1">
-            <a:avLst/>
-          </a:prstGeom>
-          <a:ln w="57150">
-            <a:tailEnd type="triangle"/>
-          </a:ln>
-        </p:spPr>
-        <p:style>
-          <a:lnRef idx="1">
-            <a:schemeClr val="accent1"/>
-          </a:lnRef>
-          <a:fillRef idx="0">
-            <a:schemeClr val="accent1"/>
-          </a:fillRef>
-          <a:effectRef idx="0">
-            <a:schemeClr val="accent1"/>
-          </a:effectRef>
-          <a:fontRef idx="minor">
-            <a:schemeClr val="tx1"/>
-          </a:fontRef>
-        </p:style>
-      </p:cxnSp>
-      <p:cxnSp>
-        <p:nvCxnSpPr>
-          <p:cNvPr id="37" name="직선 화살표 연결선 36">
-            <a:extLst>
-              <a:ext uri="{FF2B5EF4-FFF2-40B4-BE49-F238E27FC236}">
-                <a16:creationId xmlns:a16="http://schemas.microsoft.com/office/drawing/2014/main" id="{0FF1571F-C279-4BA8-A2BE-21E6961D8080}"/>
-              </a:ext>
-            </a:extLst>
-          </p:cNvPr>
-          <p:cNvCxnSpPr>
-            <a:cxnSpLocks/>
-            <a:endCxn id="28" idx="2"/>
-          </p:cNvCxnSpPr>
-          <p:nvPr/>
-        </p:nvCxnSpPr>
-        <p:spPr>
-          <a:xfrm flipV="1">
-            <a:off x="7696607" y="3181489"/>
-            <a:ext cx="48881" cy="479597"/>
-          </a:xfrm>
-          <a:prstGeom prst="straightConnector1">
-            <a:avLst/>
-          </a:prstGeom>
-          <a:ln w="57150">
-            <a:tailEnd type="triangle"/>
-          </a:ln>
-        </p:spPr>
-        <p:style>
-          <a:lnRef idx="1">
-            <a:schemeClr val="accent1"/>
-          </a:lnRef>
-          <a:fillRef idx="0">
-            <a:schemeClr val="accent1"/>
-          </a:fillRef>
-          <a:effectRef idx="0">
-            <a:schemeClr val="accent1"/>
-          </a:effectRef>
-          <a:fontRef idx="minor">
-            <a:schemeClr val="tx1"/>
-          </a:fontRef>
-        </p:style>
-      </p:cxnSp>
       <p:sp>
         <p:nvSpPr>
           <p:cNvPr id="43" name="TextBox 16">
@@ -26175,7 +24447,7 @@
           <p:nvPr/>
         </p:nvPicPr>
         <p:blipFill>
-          <a:blip r:embed="rId9">
+          <a:blip r:embed="rId4">
             <a:extLst>
               <a:ext uri="{28A0092B-C50C-407E-A947-70E740481C1C}">
                 <a14:useLocalDpi xmlns:a14="http://schemas.microsoft.com/office/drawing/2010/main" val="0"/>
@@ -26479,638 +24751,6 @@
           </a:p>
         </p:txBody>
       </p:sp>
-      <p:pic>
-        <p:nvPicPr>
-          <p:cNvPr id="53" name="그림 52">
-            <a:extLst>
-              <a:ext uri="{FF2B5EF4-FFF2-40B4-BE49-F238E27FC236}">
-                <a16:creationId xmlns:a16="http://schemas.microsoft.com/office/drawing/2014/main" id="{2BAFEA92-10BC-4B88-A403-F1149F38ABDF}"/>
-              </a:ext>
-            </a:extLst>
-          </p:cNvPr>
-          <p:cNvPicPr>
-            <a:picLocks noChangeAspect="1"/>
-          </p:cNvPicPr>
-          <p:nvPr/>
-        </p:nvPicPr>
-        <p:blipFill>
-          <a:blip r:embed="rId10"/>
-          <a:stretch>
-            <a:fillRect/>
-          </a:stretch>
-        </p:blipFill>
-        <p:spPr>
-          <a:xfrm>
-            <a:off x="3247616" y="1758522"/>
-            <a:ext cx="2601155" cy="2371955"/>
-          </a:xfrm>
-          <a:prstGeom prst="rect">
-            <a:avLst/>
-          </a:prstGeom>
-        </p:spPr>
-      </p:pic>
-      <p:sp>
-        <p:nvSpPr>
-          <p:cNvPr id="60" name="TextBox 14">
-            <a:extLst>
-              <a:ext uri="{FF2B5EF4-FFF2-40B4-BE49-F238E27FC236}">
-                <a16:creationId xmlns:a16="http://schemas.microsoft.com/office/drawing/2014/main" id="{FA77B054-A092-47C2-A1B3-97FAEF3529C3}"/>
-              </a:ext>
-            </a:extLst>
-          </p:cNvPr>
-          <p:cNvSpPr txBox="1"/>
-          <p:nvPr/>
-        </p:nvSpPr>
-        <p:spPr>
-          <a:xfrm>
-            <a:off x="3220297" y="1596883"/>
-            <a:ext cx="2404826" cy="246221"/>
-          </a:xfrm>
-          <a:prstGeom prst="rect">
-            <a:avLst/>
-          </a:prstGeom>
-          <a:noFill/>
-        </p:spPr>
-        <p:txBody>
-          <a:bodyPr wrap="none" rtlCol="0">
-            <a:spAutoFit/>
-          </a:bodyPr>
-          <a:lstStyle>
-            <a:defPPr marR="0" lvl="0" algn="l" rtl="0">
-              <a:lnSpc>
-                <a:spcPct val="100000"/>
-              </a:lnSpc>
-              <a:spcBef>
-                <a:spcPts val="0"/>
-              </a:spcBef>
-              <a:spcAft>
-                <a:spcPts val="0"/>
-              </a:spcAft>
-            </a:defPPr>
-            <a:lvl1pPr marR="0" lvl="0" algn="l" rtl="0">
-              <a:lnSpc>
-                <a:spcPct val="100000"/>
-              </a:lnSpc>
-              <a:spcBef>
-                <a:spcPts val="0"/>
-              </a:spcBef>
-              <a:spcAft>
-                <a:spcPts val="0"/>
-              </a:spcAft>
-              <a:buClr>
-                <a:srgbClr val="000000"/>
-              </a:buClr>
-              <a:buFont typeface="Arial"/>
-              <a:defRPr sz="1400" b="0" i="0" u="none" strike="noStrike" cap="none">
-                <a:solidFill>
-                  <a:srgbClr val="000000"/>
-                </a:solidFill>
-                <a:latin typeface="Arial"/>
-                <a:ea typeface="Arial"/>
-                <a:cs typeface="Arial"/>
-                <a:sym typeface="Arial"/>
-              </a:defRPr>
-            </a:lvl1pPr>
-            <a:lvl2pPr marR="0" lvl="1" algn="l" rtl="0">
-              <a:lnSpc>
-                <a:spcPct val="100000"/>
-              </a:lnSpc>
-              <a:spcBef>
-                <a:spcPts val="0"/>
-              </a:spcBef>
-              <a:spcAft>
-                <a:spcPts val="0"/>
-              </a:spcAft>
-              <a:buClr>
-                <a:srgbClr val="000000"/>
-              </a:buClr>
-              <a:buFont typeface="Arial"/>
-              <a:defRPr sz="1400" b="0" i="0" u="none" strike="noStrike" cap="none">
-                <a:solidFill>
-                  <a:srgbClr val="000000"/>
-                </a:solidFill>
-                <a:latin typeface="Arial"/>
-                <a:ea typeface="Arial"/>
-                <a:cs typeface="Arial"/>
-                <a:sym typeface="Arial"/>
-              </a:defRPr>
-            </a:lvl2pPr>
-            <a:lvl3pPr marR="0" lvl="2" algn="l" rtl="0">
-              <a:lnSpc>
-                <a:spcPct val="100000"/>
-              </a:lnSpc>
-              <a:spcBef>
-                <a:spcPts val="0"/>
-              </a:spcBef>
-              <a:spcAft>
-                <a:spcPts val="0"/>
-              </a:spcAft>
-              <a:buClr>
-                <a:srgbClr val="000000"/>
-              </a:buClr>
-              <a:buFont typeface="Arial"/>
-              <a:defRPr sz="1400" b="0" i="0" u="none" strike="noStrike" cap="none">
-                <a:solidFill>
-                  <a:srgbClr val="000000"/>
-                </a:solidFill>
-                <a:latin typeface="Arial"/>
-                <a:ea typeface="Arial"/>
-                <a:cs typeface="Arial"/>
-                <a:sym typeface="Arial"/>
-              </a:defRPr>
-            </a:lvl3pPr>
-            <a:lvl4pPr marR="0" lvl="3" algn="l" rtl="0">
-              <a:lnSpc>
-                <a:spcPct val="100000"/>
-              </a:lnSpc>
-              <a:spcBef>
-                <a:spcPts val="0"/>
-              </a:spcBef>
-              <a:spcAft>
-                <a:spcPts val="0"/>
-              </a:spcAft>
-              <a:buClr>
-                <a:srgbClr val="000000"/>
-              </a:buClr>
-              <a:buFont typeface="Arial"/>
-              <a:defRPr sz="1400" b="0" i="0" u="none" strike="noStrike" cap="none">
-                <a:solidFill>
-                  <a:srgbClr val="000000"/>
-                </a:solidFill>
-                <a:latin typeface="Arial"/>
-                <a:ea typeface="Arial"/>
-                <a:cs typeface="Arial"/>
-                <a:sym typeface="Arial"/>
-              </a:defRPr>
-            </a:lvl4pPr>
-            <a:lvl5pPr marR="0" lvl="4" algn="l" rtl="0">
-              <a:lnSpc>
-                <a:spcPct val="100000"/>
-              </a:lnSpc>
-              <a:spcBef>
-                <a:spcPts val="0"/>
-              </a:spcBef>
-              <a:spcAft>
-                <a:spcPts val="0"/>
-              </a:spcAft>
-              <a:buClr>
-                <a:srgbClr val="000000"/>
-              </a:buClr>
-              <a:buFont typeface="Arial"/>
-              <a:defRPr sz="1400" b="0" i="0" u="none" strike="noStrike" cap="none">
-                <a:solidFill>
-                  <a:srgbClr val="000000"/>
-                </a:solidFill>
-                <a:latin typeface="Arial"/>
-                <a:ea typeface="Arial"/>
-                <a:cs typeface="Arial"/>
-                <a:sym typeface="Arial"/>
-              </a:defRPr>
-            </a:lvl5pPr>
-            <a:lvl6pPr marR="0" lvl="5" algn="l" rtl="0">
-              <a:lnSpc>
-                <a:spcPct val="100000"/>
-              </a:lnSpc>
-              <a:spcBef>
-                <a:spcPts val="0"/>
-              </a:spcBef>
-              <a:spcAft>
-                <a:spcPts val="0"/>
-              </a:spcAft>
-              <a:buClr>
-                <a:srgbClr val="000000"/>
-              </a:buClr>
-              <a:buFont typeface="Arial"/>
-              <a:defRPr sz="1400" b="0" i="0" u="none" strike="noStrike" cap="none">
-                <a:solidFill>
-                  <a:srgbClr val="000000"/>
-                </a:solidFill>
-                <a:latin typeface="Arial"/>
-                <a:ea typeface="Arial"/>
-                <a:cs typeface="Arial"/>
-                <a:sym typeface="Arial"/>
-              </a:defRPr>
-            </a:lvl6pPr>
-            <a:lvl7pPr marR="0" lvl="6" algn="l" rtl="0">
-              <a:lnSpc>
-                <a:spcPct val="100000"/>
-              </a:lnSpc>
-              <a:spcBef>
-                <a:spcPts val="0"/>
-              </a:spcBef>
-              <a:spcAft>
-                <a:spcPts val="0"/>
-              </a:spcAft>
-              <a:buClr>
-                <a:srgbClr val="000000"/>
-              </a:buClr>
-              <a:buFont typeface="Arial"/>
-              <a:defRPr sz="1400" b="0" i="0" u="none" strike="noStrike" cap="none">
-                <a:solidFill>
-                  <a:srgbClr val="000000"/>
-                </a:solidFill>
-                <a:latin typeface="Arial"/>
-                <a:ea typeface="Arial"/>
-                <a:cs typeface="Arial"/>
-                <a:sym typeface="Arial"/>
-              </a:defRPr>
-            </a:lvl7pPr>
-            <a:lvl8pPr marR="0" lvl="7" algn="l" rtl="0">
-              <a:lnSpc>
-                <a:spcPct val="100000"/>
-              </a:lnSpc>
-              <a:spcBef>
-                <a:spcPts val="0"/>
-              </a:spcBef>
-              <a:spcAft>
-                <a:spcPts val="0"/>
-              </a:spcAft>
-              <a:buClr>
-                <a:srgbClr val="000000"/>
-              </a:buClr>
-              <a:buFont typeface="Arial"/>
-              <a:defRPr sz="1400" b="0" i="0" u="none" strike="noStrike" cap="none">
-                <a:solidFill>
-                  <a:srgbClr val="000000"/>
-                </a:solidFill>
-                <a:latin typeface="Arial"/>
-                <a:ea typeface="Arial"/>
-                <a:cs typeface="Arial"/>
-                <a:sym typeface="Arial"/>
-              </a:defRPr>
-            </a:lvl8pPr>
-            <a:lvl9pPr marR="0" lvl="8" algn="l" rtl="0">
-              <a:lnSpc>
-                <a:spcPct val="100000"/>
-              </a:lnSpc>
-              <a:spcBef>
-                <a:spcPts val="0"/>
-              </a:spcBef>
-              <a:spcAft>
-                <a:spcPts val="0"/>
-              </a:spcAft>
-              <a:buClr>
-                <a:srgbClr val="000000"/>
-              </a:buClr>
-              <a:buFont typeface="Arial"/>
-              <a:defRPr sz="1400" b="0" i="0" u="none" strike="noStrike" cap="none">
-                <a:solidFill>
-                  <a:srgbClr val="000000"/>
-                </a:solidFill>
-                <a:latin typeface="Arial"/>
-                <a:ea typeface="Arial"/>
-                <a:cs typeface="Arial"/>
-                <a:sym typeface="Arial"/>
-              </a:defRPr>
-            </a:lvl9pPr>
-          </a:lstStyle>
-          <a:p>
-            <a:r>
-              <a:rPr lang="ko-KR" altLang="en-US" sz="1000" dirty="0"/>
-              <a:t>▶ </a:t>
-            </a:r>
-            <a:r>
-              <a:rPr lang="en-US" altLang="ko-KR" sz="1000" dirty="0"/>
-              <a:t>TC </a:t>
-            </a:r>
-            <a:r>
-              <a:rPr lang="ko-KR" altLang="en-US" sz="1000" dirty="0"/>
-              <a:t>통과를 위한 코드 작성</a:t>
-            </a:r>
-            <a:r>
-              <a:rPr lang="en-US" altLang="ko-KR" sz="1000" b="1" dirty="0">
-                <a:solidFill>
-                  <a:srgbClr val="00B050"/>
-                </a:solidFill>
-              </a:rPr>
-              <a:t>(GREEN)</a:t>
-            </a:r>
-            <a:endParaRPr lang="ko-KR" altLang="en-US" sz="1000" b="1" dirty="0">
-              <a:solidFill>
-                <a:srgbClr val="00B050"/>
-              </a:solidFill>
-            </a:endParaRPr>
-          </a:p>
-        </p:txBody>
-      </p:sp>
-      <p:pic>
-        <p:nvPicPr>
-          <p:cNvPr id="33" name="그림 32">
-            <a:extLst>
-              <a:ext uri="{FF2B5EF4-FFF2-40B4-BE49-F238E27FC236}">
-                <a16:creationId xmlns:a16="http://schemas.microsoft.com/office/drawing/2014/main" id="{1BE8733B-233D-4B5F-957F-D0B75E3FAA98}"/>
-              </a:ext>
-            </a:extLst>
-          </p:cNvPr>
-          <p:cNvPicPr>
-            <a:picLocks noChangeAspect="1"/>
-          </p:cNvPicPr>
-          <p:nvPr/>
-        </p:nvPicPr>
-        <p:blipFill>
-          <a:blip r:embed="rId11"/>
-          <a:stretch>
-            <a:fillRect/>
-          </a:stretch>
-        </p:blipFill>
-        <p:spPr>
-          <a:xfrm>
-            <a:off x="601677" y="1912941"/>
-            <a:ext cx="2131261" cy="1662470"/>
-          </a:xfrm>
-          <a:prstGeom prst="rect">
-            <a:avLst/>
-          </a:prstGeom>
-        </p:spPr>
-      </p:pic>
-      <p:sp>
-        <p:nvSpPr>
-          <p:cNvPr id="52" name="TextBox 12">
-            <a:extLst>
-              <a:ext uri="{FF2B5EF4-FFF2-40B4-BE49-F238E27FC236}">
-                <a16:creationId xmlns:a16="http://schemas.microsoft.com/office/drawing/2014/main" id="{C4ED901E-1CE1-44CB-A01C-0535B13C2922}"/>
-              </a:ext>
-            </a:extLst>
-          </p:cNvPr>
-          <p:cNvSpPr txBox="1"/>
-          <p:nvPr/>
-        </p:nvSpPr>
-        <p:spPr>
-          <a:xfrm>
-            <a:off x="536260" y="1649356"/>
-            <a:ext cx="2036135" cy="246221"/>
-          </a:xfrm>
-          <a:prstGeom prst="rect">
-            <a:avLst/>
-          </a:prstGeom>
-          <a:noFill/>
-        </p:spPr>
-        <p:txBody>
-          <a:bodyPr wrap="none" rtlCol="0">
-            <a:spAutoFit/>
-          </a:bodyPr>
-          <a:lstStyle>
-            <a:defPPr marR="0" lvl="0" algn="l" rtl="0">
-              <a:lnSpc>
-                <a:spcPct val="100000"/>
-              </a:lnSpc>
-              <a:spcBef>
-                <a:spcPts val="0"/>
-              </a:spcBef>
-              <a:spcAft>
-                <a:spcPts val="0"/>
-              </a:spcAft>
-            </a:defPPr>
-            <a:lvl1pPr marR="0" lvl="0" algn="l" rtl="0">
-              <a:lnSpc>
-                <a:spcPct val="100000"/>
-              </a:lnSpc>
-              <a:spcBef>
-                <a:spcPts val="0"/>
-              </a:spcBef>
-              <a:spcAft>
-                <a:spcPts val="0"/>
-              </a:spcAft>
-              <a:buClr>
-                <a:srgbClr val="000000"/>
-              </a:buClr>
-              <a:buFont typeface="Arial"/>
-              <a:defRPr sz="1400" b="0" i="0" u="none" strike="noStrike" cap="none">
-                <a:solidFill>
-                  <a:srgbClr val="000000"/>
-                </a:solidFill>
-                <a:latin typeface="Arial"/>
-                <a:ea typeface="Arial"/>
-                <a:cs typeface="Arial"/>
-                <a:sym typeface="Arial"/>
-              </a:defRPr>
-            </a:lvl1pPr>
-            <a:lvl2pPr marR="0" lvl="1" algn="l" rtl="0">
-              <a:lnSpc>
-                <a:spcPct val="100000"/>
-              </a:lnSpc>
-              <a:spcBef>
-                <a:spcPts val="0"/>
-              </a:spcBef>
-              <a:spcAft>
-                <a:spcPts val="0"/>
-              </a:spcAft>
-              <a:buClr>
-                <a:srgbClr val="000000"/>
-              </a:buClr>
-              <a:buFont typeface="Arial"/>
-              <a:defRPr sz="1400" b="0" i="0" u="none" strike="noStrike" cap="none">
-                <a:solidFill>
-                  <a:srgbClr val="000000"/>
-                </a:solidFill>
-                <a:latin typeface="Arial"/>
-                <a:ea typeface="Arial"/>
-                <a:cs typeface="Arial"/>
-                <a:sym typeface="Arial"/>
-              </a:defRPr>
-            </a:lvl2pPr>
-            <a:lvl3pPr marR="0" lvl="2" algn="l" rtl="0">
-              <a:lnSpc>
-                <a:spcPct val="100000"/>
-              </a:lnSpc>
-              <a:spcBef>
-                <a:spcPts val="0"/>
-              </a:spcBef>
-              <a:spcAft>
-                <a:spcPts val="0"/>
-              </a:spcAft>
-              <a:buClr>
-                <a:srgbClr val="000000"/>
-              </a:buClr>
-              <a:buFont typeface="Arial"/>
-              <a:defRPr sz="1400" b="0" i="0" u="none" strike="noStrike" cap="none">
-                <a:solidFill>
-                  <a:srgbClr val="000000"/>
-                </a:solidFill>
-                <a:latin typeface="Arial"/>
-                <a:ea typeface="Arial"/>
-                <a:cs typeface="Arial"/>
-                <a:sym typeface="Arial"/>
-              </a:defRPr>
-            </a:lvl3pPr>
-            <a:lvl4pPr marR="0" lvl="3" algn="l" rtl="0">
-              <a:lnSpc>
-                <a:spcPct val="100000"/>
-              </a:lnSpc>
-              <a:spcBef>
-                <a:spcPts val="0"/>
-              </a:spcBef>
-              <a:spcAft>
-                <a:spcPts val="0"/>
-              </a:spcAft>
-              <a:buClr>
-                <a:srgbClr val="000000"/>
-              </a:buClr>
-              <a:buFont typeface="Arial"/>
-              <a:defRPr sz="1400" b="0" i="0" u="none" strike="noStrike" cap="none">
-                <a:solidFill>
-                  <a:srgbClr val="000000"/>
-                </a:solidFill>
-                <a:latin typeface="Arial"/>
-                <a:ea typeface="Arial"/>
-                <a:cs typeface="Arial"/>
-                <a:sym typeface="Arial"/>
-              </a:defRPr>
-            </a:lvl4pPr>
-            <a:lvl5pPr marR="0" lvl="4" algn="l" rtl="0">
-              <a:lnSpc>
-                <a:spcPct val="100000"/>
-              </a:lnSpc>
-              <a:spcBef>
-                <a:spcPts val="0"/>
-              </a:spcBef>
-              <a:spcAft>
-                <a:spcPts val="0"/>
-              </a:spcAft>
-              <a:buClr>
-                <a:srgbClr val="000000"/>
-              </a:buClr>
-              <a:buFont typeface="Arial"/>
-              <a:defRPr sz="1400" b="0" i="0" u="none" strike="noStrike" cap="none">
-                <a:solidFill>
-                  <a:srgbClr val="000000"/>
-                </a:solidFill>
-                <a:latin typeface="Arial"/>
-                <a:ea typeface="Arial"/>
-                <a:cs typeface="Arial"/>
-                <a:sym typeface="Arial"/>
-              </a:defRPr>
-            </a:lvl5pPr>
-            <a:lvl6pPr marR="0" lvl="5" algn="l" rtl="0">
-              <a:lnSpc>
-                <a:spcPct val="100000"/>
-              </a:lnSpc>
-              <a:spcBef>
-                <a:spcPts val="0"/>
-              </a:spcBef>
-              <a:spcAft>
-                <a:spcPts val="0"/>
-              </a:spcAft>
-              <a:buClr>
-                <a:srgbClr val="000000"/>
-              </a:buClr>
-              <a:buFont typeface="Arial"/>
-              <a:defRPr sz="1400" b="0" i="0" u="none" strike="noStrike" cap="none">
-                <a:solidFill>
-                  <a:srgbClr val="000000"/>
-                </a:solidFill>
-                <a:latin typeface="Arial"/>
-                <a:ea typeface="Arial"/>
-                <a:cs typeface="Arial"/>
-                <a:sym typeface="Arial"/>
-              </a:defRPr>
-            </a:lvl6pPr>
-            <a:lvl7pPr marR="0" lvl="6" algn="l" rtl="0">
-              <a:lnSpc>
-                <a:spcPct val="100000"/>
-              </a:lnSpc>
-              <a:spcBef>
-                <a:spcPts val="0"/>
-              </a:spcBef>
-              <a:spcAft>
-                <a:spcPts val="0"/>
-              </a:spcAft>
-              <a:buClr>
-                <a:srgbClr val="000000"/>
-              </a:buClr>
-              <a:buFont typeface="Arial"/>
-              <a:defRPr sz="1400" b="0" i="0" u="none" strike="noStrike" cap="none">
-                <a:solidFill>
-                  <a:srgbClr val="000000"/>
-                </a:solidFill>
-                <a:latin typeface="Arial"/>
-                <a:ea typeface="Arial"/>
-                <a:cs typeface="Arial"/>
-                <a:sym typeface="Arial"/>
-              </a:defRPr>
-            </a:lvl7pPr>
-            <a:lvl8pPr marR="0" lvl="7" algn="l" rtl="0">
-              <a:lnSpc>
-                <a:spcPct val="100000"/>
-              </a:lnSpc>
-              <a:spcBef>
-                <a:spcPts val="0"/>
-              </a:spcBef>
-              <a:spcAft>
-                <a:spcPts val="0"/>
-              </a:spcAft>
-              <a:buClr>
-                <a:srgbClr val="000000"/>
-              </a:buClr>
-              <a:buFont typeface="Arial"/>
-              <a:defRPr sz="1400" b="0" i="0" u="none" strike="noStrike" cap="none">
-                <a:solidFill>
-                  <a:srgbClr val="000000"/>
-                </a:solidFill>
-                <a:latin typeface="Arial"/>
-                <a:ea typeface="Arial"/>
-                <a:cs typeface="Arial"/>
-                <a:sym typeface="Arial"/>
-              </a:defRPr>
-            </a:lvl8pPr>
-            <a:lvl9pPr marR="0" lvl="8" algn="l" rtl="0">
-              <a:lnSpc>
-                <a:spcPct val="100000"/>
-              </a:lnSpc>
-              <a:spcBef>
-                <a:spcPts val="0"/>
-              </a:spcBef>
-              <a:spcAft>
-                <a:spcPts val="0"/>
-              </a:spcAft>
-              <a:buClr>
-                <a:srgbClr val="000000"/>
-              </a:buClr>
-              <a:buFont typeface="Arial"/>
-              <a:defRPr sz="1400" b="0" i="0" u="none" strike="noStrike" cap="none">
-                <a:solidFill>
-                  <a:srgbClr val="000000"/>
-                </a:solidFill>
-                <a:latin typeface="Arial"/>
-                <a:ea typeface="Arial"/>
-                <a:cs typeface="Arial"/>
-                <a:sym typeface="Arial"/>
-              </a:defRPr>
-            </a:lvl9pPr>
-          </a:lstStyle>
-          <a:p>
-            <a:r>
-              <a:rPr lang="ko-KR" altLang="en-US" sz="1000" dirty="0"/>
-              <a:t>▶</a:t>
-            </a:r>
-            <a:r>
-              <a:rPr lang="en-US" altLang="ko-KR" sz="1000" dirty="0"/>
-              <a:t> </a:t>
-            </a:r>
-            <a:r>
-              <a:rPr lang="ko-KR" altLang="en-US" sz="1000" dirty="0"/>
-              <a:t>일반코드 구현</a:t>
-            </a:r>
-            <a:r>
-              <a:rPr lang="en-US" altLang="ko-KR" sz="1000" dirty="0"/>
-              <a:t> </a:t>
-            </a:r>
-            <a:r>
-              <a:rPr lang="en-US" altLang="ko-KR" sz="1000" b="1" dirty="0">
-                <a:solidFill>
-                  <a:srgbClr val="0070C0"/>
-                </a:solidFill>
-              </a:rPr>
-              <a:t>(REFACTOR)</a:t>
-            </a:r>
-            <a:endParaRPr lang="ko-KR" altLang="en-US" sz="1000" b="1" dirty="0">
-              <a:solidFill>
-                <a:srgbClr val="0070C0"/>
-              </a:solidFill>
-            </a:endParaRPr>
-          </a:p>
-        </p:txBody>
-      </p:sp>
       <p:sp>
         <p:nvSpPr>
           <p:cNvPr id="55" name="사각형: 둥근 모서리 54">
@@ -27300,783 +24940,3733 @@
           </a:p>
         </p:txBody>
       </p:sp>
-      <p:pic>
-        <p:nvPicPr>
-          <p:cNvPr id="63" name="그림 62">
+      <p:grpSp>
+        <p:nvGrpSpPr>
+          <p:cNvPr id="41" name="그룹 40">
             <a:extLst>
               <a:ext uri="{FF2B5EF4-FFF2-40B4-BE49-F238E27FC236}">
-                <a16:creationId xmlns:a16="http://schemas.microsoft.com/office/drawing/2014/main" id="{A8304A3C-AA8D-4746-B5C1-2EA3542C7172}"/>
+                <a16:creationId xmlns:a16="http://schemas.microsoft.com/office/drawing/2014/main" id="{3135CCB5-B43D-4792-B5AC-91F4E91761DE}"/>
               </a:ext>
             </a:extLst>
           </p:cNvPr>
-          <p:cNvPicPr>
-            <a:picLocks noChangeAspect="1"/>
-          </p:cNvPicPr>
+          <p:cNvGrpSpPr/>
           <p:nvPr/>
-        </p:nvPicPr>
-        <p:blipFill>
-          <a:blip r:embed="rId12"/>
-          <a:stretch>
-            <a:fillRect/>
-          </a:stretch>
-        </p:blipFill>
-        <p:spPr>
+        </p:nvGrpSpPr>
+        <p:grpSpPr>
           <a:xfrm>
-            <a:off x="3254456" y="4467437"/>
-            <a:ext cx="2591190" cy="1924113"/>
+            <a:off x="6158422" y="1576263"/>
+            <a:ext cx="3174132" cy="2335720"/>
+            <a:chOff x="6158422" y="1576263"/>
+            <a:chExt cx="3174132" cy="2335720"/>
           </a:xfrm>
-          <a:prstGeom prst="rect">
-            <a:avLst/>
-          </a:prstGeom>
-        </p:spPr>
-      </p:pic>
-      <p:sp>
-        <p:nvSpPr>
-          <p:cNvPr id="64" name="TextBox 12">
+        </p:grpSpPr>
+        <p:grpSp>
+          <p:nvGrpSpPr>
+            <p:cNvPr id="24" name="그룹 23">
+              <a:extLst>
+                <a:ext uri="{FF2B5EF4-FFF2-40B4-BE49-F238E27FC236}">
+                  <a16:creationId xmlns:a16="http://schemas.microsoft.com/office/drawing/2014/main" id="{33A36045-DE63-49B4-BD13-267B4AD7D650}"/>
+                </a:ext>
+              </a:extLst>
+            </p:cNvPr>
+            <p:cNvGrpSpPr/>
+            <p:nvPr/>
+          </p:nvGrpSpPr>
+          <p:grpSpPr>
+            <a:xfrm>
+              <a:off x="6158422" y="1576263"/>
+              <a:ext cx="3174132" cy="1605226"/>
+              <a:chOff x="1545894" y="2134284"/>
+              <a:chExt cx="3174132" cy="1605226"/>
+            </a:xfrm>
+          </p:grpSpPr>
+          <p:grpSp>
+            <p:nvGrpSpPr>
+              <p:cNvPr id="5" name="그룹 4">
+                <a:extLst>
+                  <a:ext uri="{FF2B5EF4-FFF2-40B4-BE49-F238E27FC236}">
+                    <a16:creationId xmlns:a16="http://schemas.microsoft.com/office/drawing/2014/main" id="{0C15A20D-2003-49A4-A3F6-33D9F5227E66}"/>
+                  </a:ext>
+                </a:extLst>
+              </p:cNvPr>
+              <p:cNvGrpSpPr/>
+              <p:nvPr/>
+            </p:nvGrpSpPr>
+            <p:grpSpPr>
+              <a:xfrm>
+                <a:off x="1646268" y="2154904"/>
+                <a:ext cx="3048329" cy="1584606"/>
+                <a:chOff x="680292" y="2607535"/>
+                <a:chExt cx="5057689" cy="2629127"/>
+              </a:xfrm>
+            </p:grpSpPr>
+            <p:pic>
+              <p:nvPicPr>
+                <p:cNvPr id="18" name="그림 17">
+                  <a:extLst>
+                    <a:ext uri="{FF2B5EF4-FFF2-40B4-BE49-F238E27FC236}">
+                      <a16:creationId xmlns:a16="http://schemas.microsoft.com/office/drawing/2014/main" id="{A9CD1D52-321E-45E1-974F-331372D3EE66}"/>
+                    </a:ext>
+                  </a:extLst>
+                </p:cNvPr>
+                <p:cNvPicPr>
+                  <a:picLocks noChangeAspect="1"/>
+                </p:cNvPicPr>
+                <p:nvPr/>
+              </p:nvPicPr>
+              <p:blipFill rotWithShape="1">
+                <a:blip r:embed="rId5"/>
+                <a:srcRect l="31779" t="37801" r="38067" b="37594"/>
+                <a:stretch/>
+              </p:blipFill>
+              <p:spPr>
+                <a:xfrm>
+                  <a:off x="680292" y="2915311"/>
+                  <a:ext cx="5057689" cy="2321351"/>
+                </a:xfrm>
+                <a:prstGeom prst="rect">
+                  <a:avLst/>
+                </a:prstGeom>
+              </p:spPr>
+            </p:pic>
+            <p:sp>
+              <p:nvSpPr>
+                <p:cNvPr id="19" name="TextBox 16">
+                  <a:extLst>
+                    <a:ext uri="{FF2B5EF4-FFF2-40B4-BE49-F238E27FC236}">
+                      <a16:creationId xmlns:a16="http://schemas.microsoft.com/office/drawing/2014/main" id="{D21D8E92-7EAB-4195-96C7-181F676D71F0}"/>
+                    </a:ext>
+                  </a:extLst>
+                </p:cNvPr>
+                <p:cNvSpPr txBox="1"/>
+                <p:nvPr/>
+              </p:nvSpPr>
+              <p:spPr>
+                <a:xfrm>
+                  <a:off x="680294" y="2607535"/>
+                  <a:ext cx="3934155" cy="408522"/>
+                </a:xfrm>
+                <a:prstGeom prst="rect">
+                  <a:avLst/>
+                </a:prstGeom>
+                <a:noFill/>
+              </p:spPr>
+              <p:txBody>
+                <a:bodyPr wrap="none" rtlCol="0">
+                  <a:spAutoFit/>
+                </a:bodyPr>
+                <a:lstStyle>
+                  <a:defPPr marR="0" lvl="0" algn="l" rtl="0">
+                    <a:lnSpc>
+                      <a:spcPct val="100000"/>
+                    </a:lnSpc>
+                    <a:spcBef>
+                      <a:spcPts val="0"/>
+                    </a:spcBef>
+                    <a:spcAft>
+                      <a:spcPts val="0"/>
+                    </a:spcAft>
+                  </a:defPPr>
+                  <a:lvl1pPr marR="0" lvl="0" algn="l" rtl="0">
+                    <a:lnSpc>
+                      <a:spcPct val="100000"/>
+                    </a:lnSpc>
+                    <a:spcBef>
+                      <a:spcPts val="0"/>
+                    </a:spcBef>
+                    <a:spcAft>
+                      <a:spcPts val="0"/>
+                    </a:spcAft>
+                    <a:buClr>
+                      <a:srgbClr val="000000"/>
+                    </a:buClr>
+                    <a:buFont typeface="Arial"/>
+                    <a:defRPr sz="1400" b="0" i="0" u="none" strike="noStrike" cap="none">
+                      <a:solidFill>
+                        <a:srgbClr val="000000"/>
+                      </a:solidFill>
+                      <a:latin typeface="Arial"/>
+                      <a:ea typeface="Arial"/>
+                      <a:cs typeface="Arial"/>
+                      <a:sym typeface="Arial"/>
+                    </a:defRPr>
+                  </a:lvl1pPr>
+                  <a:lvl2pPr marR="0" lvl="1" algn="l" rtl="0">
+                    <a:lnSpc>
+                      <a:spcPct val="100000"/>
+                    </a:lnSpc>
+                    <a:spcBef>
+                      <a:spcPts val="0"/>
+                    </a:spcBef>
+                    <a:spcAft>
+                      <a:spcPts val="0"/>
+                    </a:spcAft>
+                    <a:buClr>
+                      <a:srgbClr val="000000"/>
+                    </a:buClr>
+                    <a:buFont typeface="Arial"/>
+                    <a:defRPr sz="1400" b="0" i="0" u="none" strike="noStrike" cap="none">
+                      <a:solidFill>
+                        <a:srgbClr val="000000"/>
+                      </a:solidFill>
+                      <a:latin typeface="Arial"/>
+                      <a:ea typeface="Arial"/>
+                      <a:cs typeface="Arial"/>
+                      <a:sym typeface="Arial"/>
+                    </a:defRPr>
+                  </a:lvl2pPr>
+                  <a:lvl3pPr marR="0" lvl="2" algn="l" rtl="0">
+                    <a:lnSpc>
+                      <a:spcPct val="100000"/>
+                    </a:lnSpc>
+                    <a:spcBef>
+                      <a:spcPts val="0"/>
+                    </a:spcBef>
+                    <a:spcAft>
+                      <a:spcPts val="0"/>
+                    </a:spcAft>
+                    <a:buClr>
+                      <a:srgbClr val="000000"/>
+                    </a:buClr>
+                    <a:buFont typeface="Arial"/>
+                    <a:defRPr sz="1400" b="0" i="0" u="none" strike="noStrike" cap="none">
+                      <a:solidFill>
+                        <a:srgbClr val="000000"/>
+                      </a:solidFill>
+                      <a:latin typeface="Arial"/>
+                      <a:ea typeface="Arial"/>
+                      <a:cs typeface="Arial"/>
+                      <a:sym typeface="Arial"/>
+                    </a:defRPr>
+                  </a:lvl3pPr>
+                  <a:lvl4pPr marR="0" lvl="3" algn="l" rtl="0">
+                    <a:lnSpc>
+                      <a:spcPct val="100000"/>
+                    </a:lnSpc>
+                    <a:spcBef>
+                      <a:spcPts val="0"/>
+                    </a:spcBef>
+                    <a:spcAft>
+                      <a:spcPts val="0"/>
+                    </a:spcAft>
+                    <a:buClr>
+                      <a:srgbClr val="000000"/>
+                    </a:buClr>
+                    <a:buFont typeface="Arial"/>
+                    <a:defRPr sz="1400" b="0" i="0" u="none" strike="noStrike" cap="none">
+                      <a:solidFill>
+                        <a:srgbClr val="000000"/>
+                      </a:solidFill>
+                      <a:latin typeface="Arial"/>
+                      <a:ea typeface="Arial"/>
+                      <a:cs typeface="Arial"/>
+                      <a:sym typeface="Arial"/>
+                    </a:defRPr>
+                  </a:lvl4pPr>
+                  <a:lvl5pPr marR="0" lvl="4" algn="l" rtl="0">
+                    <a:lnSpc>
+                      <a:spcPct val="100000"/>
+                    </a:lnSpc>
+                    <a:spcBef>
+                      <a:spcPts val="0"/>
+                    </a:spcBef>
+                    <a:spcAft>
+                      <a:spcPts val="0"/>
+                    </a:spcAft>
+                    <a:buClr>
+                      <a:srgbClr val="000000"/>
+                    </a:buClr>
+                    <a:buFont typeface="Arial"/>
+                    <a:defRPr sz="1400" b="0" i="0" u="none" strike="noStrike" cap="none">
+                      <a:solidFill>
+                        <a:srgbClr val="000000"/>
+                      </a:solidFill>
+                      <a:latin typeface="Arial"/>
+                      <a:ea typeface="Arial"/>
+                      <a:cs typeface="Arial"/>
+                      <a:sym typeface="Arial"/>
+                    </a:defRPr>
+                  </a:lvl5pPr>
+                  <a:lvl6pPr marR="0" lvl="5" algn="l" rtl="0">
+                    <a:lnSpc>
+                      <a:spcPct val="100000"/>
+                    </a:lnSpc>
+                    <a:spcBef>
+                      <a:spcPts val="0"/>
+                    </a:spcBef>
+                    <a:spcAft>
+                      <a:spcPts val="0"/>
+                    </a:spcAft>
+                    <a:buClr>
+                      <a:srgbClr val="000000"/>
+                    </a:buClr>
+                    <a:buFont typeface="Arial"/>
+                    <a:defRPr sz="1400" b="0" i="0" u="none" strike="noStrike" cap="none">
+                      <a:solidFill>
+                        <a:srgbClr val="000000"/>
+                      </a:solidFill>
+                      <a:latin typeface="Arial"/>
+                      <a:ea typeface="Arial"/>
+                      <a:cs typeface="Arial"/>
+                      <a:sym typeface="Arial"/>
+                    </a:defRPr>
+                  </a:lvl6pPr>
+                  <a:lvl7pPr marR="0" lvl="6" algn="l" rtl="0">
+                    <a:lnSpc>
+                      <a:spcPct val="100000"/>
+                    </a:lnSpc>
+                    <a:spcBef>
+                      <a:spcPts val="0"/>
+                    </a:spcBef>
+                    <a:spcAft>
+                      <a:spcPts val="0"/>
+                    </a:spcAft>
+                    <a:buClr>
+                      <a:srgbClr val="000000"/>
+                    </a:buClr>
+                    <a:buFont typeface="Arial"/>
+                    <a:defRPr sz="1400" b="0" i="0" u="none" strike="noStrike" cap="none">
+                      <a:solidFill>
+                        <a:srgbClr val="000000"/>
+                      </a:solidFill>
+                      <a:latin typeface="Arial"/>
+                      <a:ea typeface="Arial"/>
+                      <a:cs typeface="Arial"/>
+                      <a:sym typeface="Arial"/>
+                    </a:defRPr>
+                  </a:lvl7pPr>
+                  <a:lvl8pPr marR="0" lvl="7" algn="l" rtl="0">
+                    <a:lnSpc>
+                      <a:spcPct val="100000"/>
+                    </a:lnSpc>
+                    <a:spcBef>
+                      <a:spcPts val="0"/>
+                    </a:spcBef>
+                    <a:spcAft>
+                      <a:spcPts val="0"/>
+                    </a:spcAft>
+                    <a:buClr>
+                      <a:srgbClr val="000000"/>
+                    </a:buClr>
+                    <a:buFont typeface="Arial"/>
+                    <a:defRPr sz="1400" b="0" i="0" u="none" strike="noStrike" cap="none">
+                      <a:solidFill>
+                        <a:srgbClr val="000000"/>
+                      </a:solidFill>
+                      <a:latin typeface="Arial"/>
+                      <a:ea typeface="Arial"/>
+                      <a:cs typeface="Arial"/>
+                      <a:sym typeface="Arial"/>
+                    </a:defRPr>
+                  </a:lvl8pPr>
+                  <a:lvl9pPr marR="0" lvl="8" algn="l" rtl="0">
+                    <a:lnSpc>
+                      <a:spcPct val="100000"/>
+                    </a:lnSpc>
+                    <a:spcBef>
+                      <a:spcPts val="0"/>
+                    </a:spcBef>
+                    <a:spcAft>
+                      <a:spcPts val="0"/>
+                    </a:spcAft>
+                    <a:buClr>
+                      <a:srgbClr val="000000"/>
+                    </a:buClr>
+                    <a:buFont typeface="Arial"/>
+                    <a:defRPr sz="1400" b="0" i="0" u="none" strike="noStrike" cap="none">
+                      <a:solidFill>
+                        <a:srgbClr val="000000"/>
+                      </a:solidFill>
+                      <a:latin typeface="Arial"/>
+                      <a:ea typeface="Arial"/>
+                      <a:cs typeface="Arial"/>
+                      <a:sym typeface="Arial"/>
+                    </a:defRPr>
+                  </a:lvl9pPr>
+                </a:lstStyle>
+                <a:p>
+                  <a:r>
+                    <a:rPr lang="ko-KR" altLang="en-US" sz="1000" dirty="0"/>
+                    <a:t>▶ </a:t>
+                  </a:r>
+                  <a:r>
+                    <a:rPr lang="en-US" altLang="ko-KR" sz="1000" dirty="0"/>
+                    <a:t>Refactoring PR # 44 </a:t>
+                  </a:r>
+                  <a:r>
+                    <a:rPr lang="en-US" altLang="ko-KR" sz="1000" b="1" dirty="0">
+                      <a:solidFill>
+                        <a:srgbClr val="0070C0"/>
+                      </a:solidFill>
+                    </a:rPr>
+                    <a:t>(REFACTOR)</a:t>
+                  </a:r>
+                  <a:endParaRPr lang="ko-KR" altLang="en-US" sz="1000" b="1" dirty="0">
+                    <a:solidFill>
+                      <a:srgbClr val="0070C0"/>
+                    </a:solidFill>
+                  </a:endParaRPr>
+                </a:p>
+              </p:txBody>
+            </p:sp>
+          </p:grpSp>
+          <p:sp>
+            <p:nvSpPr>
+              <p:cNvPr id="28" name="사각형: 둥근 모서리 27">
+                <a:extLst>
+                  <a:ext uri="{FF2B5EF4-FFF2-40B4-BE49-F238E27FC236}">
+                    <a16:creationId xmlns:a16="http://schemas.microsoft.com/office/drawing/2014/main" id="{46253290-0B62-4F2F-9431-0F6E8B9D5A2F}"/>
+                  </a:ext>
+                </a:extLst>
+              </p:cNvPr>
+              <p:cNvSpPr/>
+              <p:nvPr/>
+            </p:nvSpPr>
+            <p:spPr>
+              <a:xfrm>
+                <a:off x="1545894" y="2134284"/>
+                <a:ext cx="3174132" cy="1605226"/>
+              </a:xfrm>
+              <a:prstGeom prst="roundRect">
+                <a:avLst>
+                  <a:gd name="adj" fmla="val 2400"/>
+                </a:avLst>
+              </a:prstGeom>
+              <a:noFill/>
+              <a:ln w="9525" cap="flat" cmpd="sng" algn="ctr">
+                <a:solidFill>
+                  <a:schemeClr val="dk1"/>
+                </a:solidFill>
+                <a:prstDash val="solid"/>
+                <a:round/>
+                <a:headEnd type="none" w="med" len="med"/>
+                <a:tailEnd type="none" w="med" len="med"/>
+              </a:ln>
+            </p:spPr>
+            <p:style>
+              <a:lnRef idx="0">
+                <a:scrgbClr r="0" g="0" b="0"/>
+              </a:lnRef>
+              <a:fillRef idx="0">
+                <a:scrgbClr r="0" g="0" b="0"/>
+              </a:fillRef>
+              <a:effectRef idx="0">
+                <a:scrgbClr r="0" g="0" b="0"/>
+              </a:effectRef>
+              <a:fontRef idx="minor">
+                <a:schemeClr val="dk1"/>
+              </a:fontRef>
+            </p:style>
+            <p:txBody>
+              <a:bodyPr rtlCol="0" anchor="ctr"/>
+              <a:lstStyle/>
+              <a:p>
+                <a:pPr algn="ctr"/>
+                <a:endParaRPr lang="ko-KR" altLang="en-US"/>
+              </a:p>
+            </p:txBody>
+          </p:sp>
+        </p:grpSp>
+        <p:cxnSp>
+          <p:nvCxnSpPr>
+            <p:cNvPr id="37" name="직선 화살표 연결선 36">
+              <a:extLst>
+                <a:ext uri="{FF2B5EF4-FFF2-40B4-BE49-F238E27FC236}">
+                  <a16:creationId xmlns:a16="http://schemas.microsoft.com/office/drawing/2014/main" id="{0FF1571F-C279-4BA8-A2BE-21E6961D8080}"/>
+                </a:ext>
+              </a:extLst>
+            </p:cNvPr>
+            <p:cNvCxnSpPr>
+              <a:cxnSpLocks/>
+              <a:endCxn id="28" idx="2"/>
+            </p:cNvCxnSpPr>
+            <p:nvPr/>
+          </p:nvCxnSpPr>
+          <p:spPr>
+            <a:xfrm flipV="1">
+              <a:off x="7696607" y="3181489"/>
+              <a:ext cx="48881" cy="479597"/>
+            </a:xfrm>
+            <a:prstGeom prst="straightConnector1">
+              <a:avLst/>
+            </a:prstGeom>
+            <a:ln w="57150">
+              <a:tailEnd type="triangle"/>
+            </a:ln>
+          </p:spPr>
+          <p:style>
+            <a:lnRef idx="1">
+              <a:schemeClr val="accent1"/>
+            </a:lnRef>
+            <a:fillRef idx="0">
+              <a:schemeClr val="accent1"/>
+            </a:fillRef>
+            <a:effectRef idx="0">
+              <a:schemeClr val="accent1"/>
+            </a:effectRef>
+            <a:fontRef idx="minor">
+              <a:schemeClr val="tx1"/>
+            </a:fontRef>
+          </p:style>
+        </p:cxnSp>
+        <p:sp>
+          <p:nvSpPr>
+            <p:cNvPr id="57" name="TextBox 56">
+              <a:extLst>
+                <a:ext uri="{FF2B5EF4-FFF2-40B4-BE49-F238E27FC236}">
+                  <a16:creationId xmlns:a16="http://schemas.microsoft.com/office/drawing/2014/main" id="{737214D3-4DE1-4335-8A07-77F6D2837C48}"/>
+                </a:ext>
+              </a:extLst>
+            </p:cNvPr>
+            <p:cNvSpPr txBox="1"/>
+            <p:nvPr/>
+          </p:nvSpPr>
+          <p:spPr>
+            <a:xfrm rot="16765233">
+              <a:off x="6739003" y="2949059"/>
+              <a:ext cx="1587294" cy="338554"/>
+            </a:xfrm>
+            <a:prstGeom prst="rect">
+              <a:avLst/>
+            </a:prstGeom>
+            <a:noFill/>
+          </p:spPr>
+          <p:txBody>
+            <a:bodyPr wrap="none" rtlCol="0">
+              <a:spAutoFit/>
+            </a:bodyPr>
+            <a:lstStyle/>
+            <a:p>
+              <a:r>
+                <a:rPr lang="ko-KR" altLang="en-US" sz="1600" b="1" dirty="0">
+                  <a:solidFill>
+                    <a:srgbClr val="0070C0"/>
+                  </a:solidFill>
+                </a:rPr>
+                <a:t>③ </a:t>
+              </a:r>
+              <a:r>
+                <a:rPr lang="en-US" altLang="ko-KR" sz="1600" b="1" dirty="0">
+                  <a:solidFill>
+                    <a:srgbClr val="0070C0"/>
+                  </a:solidFill>
+                </a:rPr>
+                <a:t>Refactoring</a:t>
+              </a:r>
+              <a:endParaRPr lang="ko-KR" altLang="en-US" sz="1600" b="1" dirty="0">
+                <a:solidFill>
+                  <a:srgbClr val="0070C0"/>
+                </a:solidFill>
+              </a:endParaRPr>
+            </a:p>
+          </p:txBody>
+        </p:sp>
+      </p:grpSp>
+      <p:grpSp>
+        <p:nvGrpSpPr>
+          <p:cNvPr id="39" name="그룹 38">
             <a:extLst>
               <a:ext uri="{FF2B5EF4-FFF2-40B4-BE49-F238E27FC236}">
-                <a16:creationId xmlns:a16="http://schemas.microsoft.com/office/drawing/2014/main" id="{978833C3-755D-4378-8446-E4546849DB95}"/>
+                <a16:creationId xmlns:a16="http://schemas.microsoft.com/office/drawing/2014/main" id="{41E01745-1B89-438A-8931-DFD281E43DF1}"/>
               </a:ext>
             </a:extLst>
           </p:cNvPr>
-          <p:cNvSpPr txBox="1"/>
+          <p:cNvGrpSpPr/>
           <p:nvPr/>
-        </p:nvSpPr>
-        <p:spPr>
+        </p:nvGrpSpPr>
+        <p:grpSpPr>
           <a:xfrm>
-            <a:off x="3199520" y="4221441"/>
-            <a:ext cx="2081019" cy="246221"/>
+            <a:off x="8137659" y="2213611"/>
+            <a:ext cx="3775604" cy="3459416"/>
+            <a:chOff x="8137659" y="2213611"/>
+            <a:chExt cx="3775604" cy="3459416"/>
           </a:xfrm>
-          <a:prstGeom prst="rect">
-            <a:avLst/>
-          </a:prstGeom>
-          <a:noFill/>
-        </p:spPr>
-        <p:txBody>
-          <a:bodyPr wrap="none" rtlCol="0">
-            <a:spAutoFit/>
-          </a:bodyPr>
-          <a:lstStyle>
-            <a:defPPr marR="0" lvl="0" algn="l" rtl="0">
-              <a:lnSpc>
-                <a:spcPct val="100000"/>
-              </a:lnSpc>
-              <a:spcBef>
-                <a:spcPts val="0"/>
-              </a:spcBef>
-              <a:spcAft>
-                <a:spcPts val="0"/>
-              </a:spcAft>
-            </a:defPPr>
-            <a:lvl1pPr marR="0" lvl="0" algn="l" rtl="0">
-              <a:lnSpc>
-                <a:spcPct val="100000"/>
-              </a:lnSpc>
-              <a:spcBef>
-                <a:spcPts val="0"/>
-              </a:spcBef>
-              <a:spcAft>
-                <a:spcPts val="0"/>
-              </a:spcAft>
-              <a:buClr>
-                <a:srgbClr val="000000"/>
-              </a:buClr>
-              <a:buFont typeface="Arial"/>
-              <a:defRPr sz="1400" b="0" i="0" u="none" strike="noStrike" cap="none">
+        </p:grpSpPr>
+        <p:grpSp>
+          <p:nvGrpSpPr>
+            <p:cNvPr id="22" name="그룹 21">
+              <a:extLst>
+                <a:ext uri="{FF2B5EF4-FFF2-40B4-BE49-F238E27FC236}">
+                  <a16:creationId xmlns:a16="http://schemas.microsoft.com/office/drawing/2014/main" id="{6A488F72-156A-469D-8427-4EE766CF8115}"/>
+                </a:ext>
+              </a:extLst>
+            </p:cNvPr>
+            <p:cNvGrpSpPr/>
+            <p:nvPr/>
+          </p:nvGrpSpPr>
+          <p:grpSpPr>
+            <a:xfrm>
+              <a:off x="8798564" y="2213611"/>
+              <a:ext cx="3114699" cy="1787712"/>
+              <a:chOff x="2112620" y="2980732"/>
+              <a:chExt cx="3114699" cy="1787712"/>
+            </a:xfrm>
+          </p:grpSpPr>
+          <p:grpSp>
+            <p:nvGrpSpPr>
+              <p:cNvPr id="6" name="그룹 5">
+                <a:extLst>
+                  <a:ext uri="{FF2B5EF4-FFF2-40B4-BE49-F238E27FC236}">
+                    <a16:creationId xmlns:a16="http://schemas.microsoft.com/office/drawing/2014/main" id="{9F74633E-4D27-4D56-8F7A-2E7786B9EBE9}"/>
+                  </a:ext>
+                </a:extLst>
+              </p:cNvPr>
+              <p:cNvGrpSpPr/>
+              <p:nvPr/>
+            </p:nvGrpSpPr>
+            <p:grpSpPr>
+              <a:xfrm>
+                <a:off x="2154179" y="2992810"/>
+                <a:ext cx="3007638" cy="1775633"/>
+                <a:chOff x="8885921" y="2359103"/>
+                <a:chExt cx="3007638" cy="1775633"/>
+              </a:xfrm>
+            </p:grpSpPr>
+            <p:sp>
+              <p:nvSpPr>
+                <p:cNvPr id="10" name="TextBox 17">
+                  <a:extLst>
+                    <a:ext uri="{FF2B5EF4-FFF2-40B4-BE49-F238E27FC236}">
+                      <a16:creationId xmlns:a16="http://schemas.microsoft.com/office/drawing/2014/main" id="{9A123351-579B-4DCF-A2D1-AAC0F89C8BE1}"/>
+                    </a:ext>
+                  </a:extLst>
+                </p:cNvPr>
+                <p:cNvSpPr txBox="1"/>
+                <p:nvPr/>
+              </p:nvSpPr>
+              <p:spPr>
+                <a:xfrm>
+                  <a:off x="8885921" y="2359103"/>
+                  <a:ext cx="2890535" cy="246221"/>
+                </a:xfrm>
+                <a:prstGeom prst="rect">
+                  <a:avLst/>
+                </a:prstGeom>
+                <a:noFill/>
+              </p:spPr>
+              <p:txBody>
+                <a:bodyPr wrap="none" rtlCol="0">
+                  <a:spAutoFit/>
+                </a:bodyPr>
+                <a:lstStyle>
+                  <a:defPPr marR="0" lvl="0" algn="l" rtl="0">
+                    <a:lnSpc>
+                      <a:spcPct val="100000"/>
+                    </a:lnSpc>
+                    <a:spcBef>
+                      <a:spcPts val="0"/>
+                    </a:spcBef>
+                    <a:spcAft>
+                      <a:spcPts val="0"/>
+                    </a:spcAft>
+                  </a:defPPr>
+                  <a:lvl1pPr marR="0" lvl="0" algn="l" rtl="0">
+                    <a:lnSpc>
+                      <a:spcPct val="100000"/>
+                    </a:lnSpc>
+                    <a:spcBef>
+                      <a:spcPts val="0"/>
+                    </a:spcBef>
+                    <a:spcAft>
+                      <a:spcPts val="0"/>
+                    </a:spcAft>
+                    <a:buClr>
+                      <a:srgbClr val="000000"/>
+                    </a:buClr>
+                    <a:buFont typeface="Arial"/>
+                    <a:defRPr sz="1400" b="0" i="0" u="none" strike="noStrike" cap="none">
+                      <a:solidFill>
+                        <a:srgbClr val="000000"/>
+                      </a:solidFill>
+                      <a:latin typeface="Arial"/>
+                      <a:ea typeface="Arial"/>
+                      <a:cs typeface="Arial"/>
+                      <a:sym typeface="Arial"/>
+                    </a:defRPr>
+                  </a:lvl1pPr>
+                  <a:lvl2pPr marR="0" lvl="1" algn="l" rtl="0">
+                    <a:lnSpc>
+                      <a:spcPct val="100000"/>
+                    </a:lnSpc>
+                    <a:spcBef>
+                      <a:spcPts val="0"/>
+                    </a:spcBef>
+                    <a:spcAft>
+                      <a:spcPts val="0"/>
+                    </a:spcAft>
+                    <a:buClr>
+                      <a:srgbClr val="000000"/>
+                    </a:buClr>
+                    <a:buFont typeface="Arial"/>
+                    <a:defRPr sz="1400" b="0" i="0" u="none" strike="noStrike" cap="none">
+                      <a:solidFill>
+                        <a:srgbClr val="000000"/>
+                      </a:solidFill>
+                      <a:latin typeface="Arial"/>
+                      <a:ea typeface="Arial"/>
+                      <a:cs typeface="Arial"/>
+                      <a:sym typeface="Arial"/>
+                    </a:defRPr>
+                  </a:lvl2pPr>
+                  <a:lvl3pPr marR="0" lvl="2" algn="l" rtl="0">
+                    <a:lnSpc>
+                      <a:spcPct val="100000"/>
+                    </a:lnSpc>
+                    <a:spcBef>
+                      <a:spcPts val="0"/>
+                    </a:spcBef>
+                    <a:spcAft>
+                      <a:spcPts val="0"/>
+                    </a:spcAft>
+                    <a:buClr>
+                      <a:srgbClr val="000000"/>
+                    </a:buClr>
+                    <a:buFont typeface="Arial"/>
+                    <a:defRPr sz="1400" b="0" i="0" u="none" strike="noStrike" cap="none">
+                      <a:solidFill>
+                        <a:srgbClr val="000000"/>
+                      </a:solidFill>
+                      <a:latin typeface="Arial"/>
+                      <a:ea typeface="Arial"/>
+                      <a:cs typeface="Arial"/>
+                      <a:sym typeface="Arial"/>
+                    </a:defRPr>
+                  </a:lvl3pPr>
+                  <a:lvl4pPr marR="0" lvl="3" algn="l" rtl="0">
+                    <a:lnSpc>
+                      <a:spcPct val="100000"/>
+                    </a:lnSpc>
+                    <a:spcBef>
+                      <a:spcPts val="0"/>
+                    </a:spcBef>
+                    <a:spcAft>
+                      <a:spcPts val="0"/>
+                    </a:spcAft>
+                    <a:buClr>
+                      <a:srgbClr val="000000"/>
+                    </a:buClr>
+                    <a:buFont typeface="Arial"/>
+                    <a:defRPr sz="1400" b="0" i="0" u="none" strike="noStrike" cap="none">
+                      <a:solidFill>
+                        <a:srgbClr val="000000"/>
+                      </a:solidFill>
+                      <a:latin typeface="Arial"/>
+                      <a:ea typeface="Arial"/>
+                      <a:cs typeface="Arial"/>
+                      <a:sym typeface="Arial"/>
+                    </a:defRPr>
+                  </a:lvl4pPr>
+                  <a:lvl5pPr marR="0" lvl="4" algn="l" rtl="0">
+                    <a:lnSpc>
+                      <a:spcPct val="100000"/>
+                    </a:lnSpc>
+                    <a:spcBef>
+                      <a:spcPts val="0"/>
+                    </a:spcBef>
+                    <a:spcAft>
+                      <a:spcPts val="0"/>
+                    </a:spcAft>
+                    <a:buClr>
+                      <a:srgbClr val="000000"/>
+                    </a:buClr>
+                    <a:buFont typeface="Arial"/>
+                    <a:defRPr sz="1400" b="0" i="0" u="none" strike="noStrike" cap="none">
+                      <a:solidFill>
+                        <a:srgbClr val="000000"/>
+                      </a:solidFill>
+                      <a:latin typeface="Arial"/>
+                      <a:ea typeface="Arial"/>
+                      <a:cs typeface="Arial"/>
+                      <a:sym typeface="Arial"/>
+                    </a:defRPr>
+                  </a:lvl5pPr>
+                  <a:lvl6pPr marR="0" lvl="5" algn="l" rtl="0">
+                    <a:lnSpc>
+                      <a:spcPct val="100000"/>
+                    </a:lnSpc>
+                    <a:spcBef>
+                      <a:spcPts val="0"/>
+                    </a:spcBef>
+                    <a:spcAft>
+                      <a:spcPts val="0"/>
+                    </a:spcAft>
+                    <a:buClr>
+                      <a:srgbClr val="000000"/>
+                    </a:buClr>
+                    <a:buFont typeface="Arial"/>
+                    <a:defRPr sz="1400" b="0" i="0" u="none" strike="noStrike" cap="none">
+                      <a:solidFill>
+                        <a:srgbClr val="000000"/>
+                      </a:solidFill>
+                      <a:latin typeface="Arial"/>
+                      <a:ea typeface="Arial"/>
+                      <a:cs typeface="Arial"/>
+                      <a:sym typeface="Arial"/>
+                    </a:defRPr>
+                  </a:lvl6pPr>
+                  <a:lvl7pPr marR="0" lvl="6" algn="l" rtl="0">
+                    <a:lnSpc>
+                      <a:spcPct val="100000"/>
+                    </a:lnSpc>
+                    <a:spcBef>
+                      <a:spcPts val="0"/>
+                    </a:spcBef>
+                    <a:spcAft>
+                      <a:spcPts val="0"/>
+                    </a:spcAft>
+                    <a:buClr>
+                      <a:srgbClr val="000000"/>
+                    </a:buClr>
+                    <a:buFont typeface="Arial"/>
+                    <a:defRPr sz="1400" b="0" i="0" u="none" strike="noStrike" cap="none">
+                      <a:solidFill>
+                        <a:srgbClr val="000000"/>
+                      </a:solidFill>
+                      <a:latin typeface="Arial"/>
+                      <a:ea typeface="Arial"/>
+                      <a:cs typeface="Arial"/>
+                      <a:sym typeface="Arial"/>
+                    </a:defRPr>
+                  </a:lvl7pPr>
+                  <a:lvl8pPr marR="0" lvl="7" algn="l" rtl="0">
+                    <a:lnSpc>
+                      <a:spcPct val="100000"/>
+                    </a:lnSpc>
+                    <a:spcBef>
+                      <a:spcPts val="0"/>
+                    </a:spcBef>
+                    <a:spcAft>
+                      <a:spcPts val="0"/>
+                    </a:spcAft>
+                    <a:buClr>
+                      <a:srgbClr val="000000"/>
+                    </a:buClr>
+                    <a:buFont typeface="Arial"/>
+                    <a:defRPr sz="1400" b="0" i="0" u="none" strike="noStrike" cap="none">
+                      <a:solidFill>
+                        <a:srgbClr val="000000"/>
+                      </a:solidFill>
+                      <a:latin typeface="Arial"/>
+                      <a:ea typeface="Arial"/>
+                      <a:cs typeface="Arial"/>
+                      <a:sym typeface="Arial"/>
+                    </a:defRPr>
+                  </a:lvl8pPr>
+                  <a:lvl9pPr marR="0" lvl="8" algn="l" rtl="0">
+                    <a:lnSpc>
+                      <a:spcPct val="100000"/>
+                    </a:lnSpc>
+                    <a:spcBef>
+                      <a:spcPts val="0"/>
+                    </a:spcBef>
+                    <a:spcAft>
+                      <a:spcPts val="0"/>
+                    </a:spcAft>
+                    <a:buClr>
+                      <a:srgbClr val="000000"/>
+                    </a:buClr>
+                    <a:buFont typeface="Arial"/>
+                    <a:defRPr sz="1400" b="0" i="0" u="none" strike="noStrike" cap="none">
+                      <a:solidFill>
+                        <a:srgbClr val="000000"/>
+                      </a:solidFill>
+                      <a:latin typeface="Arial"/>
+                      <a:ea typeface="Arial"/>
+                      <a:cs typeface="Arial"/>
+                      <a:sym typeface="Arial"/>
+                    </a:defRPr>
+                  </a:lvl9pPr>
+                </a:lstStyle>
+                <a:p>
+                  <a:r>
+                    <a:rPr lang="ko-KR" altLang="en-US" sz="1000" dirty="0"/>
+                    <a:t>▶ </a:t>
+                  </a:r>
+                  <a:r>
+                    <a:rPr lang="en-US" altLang="ko-KR" sz="1000" dirty="0"/>
+                    <a:t>TC 2. </a:t>
+                  </a:r>
+                  <a:r>
+                    <a:rPr lang="ko-KR" altLang="en-US" sz="1000" dirty="0"/>
+                    <a:t>정상 </a:t>
+                  </a:r>
+                  <a:r>
+                    <a:rPr lang="en-US" altLang="ko-KR" sz="1000" dirty="0"/>
+                    <a:t>read </a:t>
+                  </a:r>
+                  <a:r>
+                    <a:rPr lang="ko-KR" altLang="en-US" sz="1000" dirty="0"/>
+                    <a:t>출력 테스트 </a:t>
+                  </a:r>
+                  <a:r>
+                    <a:rPr lang="en-US" altLang="ko-KR" sz="1000" dirty="0"/>
+                    <a:t>PR # 16 </a:t>
+                  </a:r>
+                  <a:r>
+                    <a:rPr lang="en-US" altLang="ko-KR" sz="1000" b="1" dirty="0">
+                      <a:solidFill>
+                        <a:srgbClr val="FF0000"/>
+                      </a:solidFill>
+                    </a:rPr>
+                    <a:t>(RED)</a:t>
+                  </a:r>
+                  <a:endParaRPr lang="ko-KR" altLang="en-US" sz="1000" b="1" dirty="0">
+                    <a:solidFill>
+                      <a:srgbClr val="FF0000"/>
+                    </a:solidFill>
+                  </a:endParaRPr>
+                </a:p>
+              </p:txBody>
+            </p:sp>
+            <p:pic>
+              <p:nvPicPr>
+                <p:cNvPr id="11" name="그림 10">
+                  <a:extLst>
+                    <a:ext uri="{FF2B5EF4-FFF2-40B4-BE49-F238E27FC236}">
+                      <a16:creationId xmlns:a16="http://schemas.microsoft.com/office/drawing/2014/main" id="{98C1F951-08D1-4444-BAE5-DB1D88CBFC0F}"/>
+                    </a:ext>
+                  </a:extLst>
+                </p:cNvPr>
+                <p:cNvPicPr>
+                  <a:picLocks noChangeAspect="1"/>
+                </p:cNvPicPr>
+                <p:nvPr/>
+              </p:nvPicPr>
+              <p:blipFill rotWithShape="1">
+                <a:blip r:embed="rId6"/>
+                <a:srcRect l="27062" t="52192" r="50000" b="34708"/>
+                <a:stretch/>
+              </p:blipFill>
+              <p:spPr>
+                <a:xfrm>
+                  <a:off x="8944737" y="2589935"/>
+                  <a:ext cx="2460289" cy="790346"/>
+                </a:xfrm>
+                <a:prstGeom prst="rect">
+                  <a:avLst/>
+                </a:prstGeom>
+              </p:spPr>
+            </p:pic>
+            <p:pic>
+              <p:nvPicPr>
+                <p:cNvPr id="16" name="그림 15">
+                  <a:extLst>
+                    <a:ext uri="{FF2B5EF4-FFF2-40B4-BE49-F238E27FC236}">
+                      <a16:creationId xmlns:a16="http://schemas.microsoft.com/office/drawing/2014/main" id="{5F58019E-66CD-4B9E-A087-E54577E069FE}"/>
+                    </a:ext>
+                  </a:extLst>
+                </p:cNvPr>
+                <p:cNvPicPr>
+                  <a:picLocks noChangeAspect="1"/>
+                </p:cNvPicPr>
+                <p:nvPr/>
+              </p:nvPicPr>
+              <p:blipFill rotWithShape="1">
+                <a:blip r:embed="rId7"/>
+                <a:srcRect l="26723" t="42447" r="39227" b="46804"/>
+                <a:stretch/>
+              </p:blipFill>
+              <p:spPr>
+                <a:xfrm>
+                  <a:off x="8944737" y="3611113"/>
+                  <a:ext cx="2948822" cy="523623"/>
+                </a:xfrm>
+                <a:prstGeom prst="rect">
+                  <a:avLst/>
+                </a:prstGeom>
+              </p:spPr>
+            </p:pic>
+            <p:sp>
+              <p:nvSpPr>
+                <p:cNvPr id="17" name="TextBox 22">
+                  <a:extLst>
+                    <a:ext uri="{FF2B5EF4-FFF2-40B4-BE49-F238E27FC236}">
+                      <a16:creationId xmlns:a16="http://schemas.microsoft.com/office/drawing/2014/main" id="{83166035-328C-47D1-B3C6-4BBDD44A9EA2}"/>
+                    </a:ext>
+                  </a:extLst>
+                </p:cNvPr>
+                <p:cNvSpPr txBox="1"/>
+                <p:nvPr/>
+              </p:nvSpPr>
+              <p:spPr>
+                <a:xfrm>
+                  <a:off x="8944737" y="3423539"/>
+                  <a:ext cx="2409634" cy="246221"/>
+                </a:xfrm>
+                <a:prstGeom prst="rect">
+                  <a:avLst/>
+                </a:prstGeom>
+                <a:noFill/>
+              </p:spPr>
+              <p:txBody>
+                <a:bodyPr wrap="none" rtlCol="0">
+                  <a:spAutoFit/>
+                </a:bodyPr>
+                <a:lstStyle>
+                  <a:defPPr marR="0" lvl="0" algn="l" rtl="0">
+                    <a:lnSpc>
+                      <a:spcPct val="100000"/>
+                    </a:lnSpc>
+                    <a:spcBef>
+                      <a:spcPts val="0"/>
+                    </a:spcBef>
+                    <a:spcAft>
+                      <a:spcPts val="0"/>
+                    </a:spcAft>
+                  </a:defPPr>
+                  <a:lvl1pPr marR="0" lvl="0" algn="l" rtl="0">
+                    <a:lnSpc>
+                      <a:spcPct val="100000"/>
+                    </a:lnSpc>
+                    <a:spcBef>
+                      <a:spcPts val="0"/>
+                    </a:spcBef>
+                    <a:spcAft>
+                      <a:spcPts val="0"/>
+                    </a:spcAft>
+                    <a:buClr>
+                      <a:srgbClr val="000000"/>
+                    </a:buClr>
+                    <a:buFont typeface="Arial"/>
+                    <a:defRPr sz="1400" b="0" i="0" u="none" strike="noStrike" cap="none">
+                      <a:solidFill>
+                        <a:srgbClr val="000000"/>
+                      </a:solidFill>
+                      <a:latin typeface="Arial"/>
+                      <a:ea typeface="Arial"/>
+                      <a:cs typeface="Arial"/>
+                      <a:sym typeface="Arial"/>
+                    </a:defRPr>
+                  </a:lvl1pPr>
+                  <a:lvl2pPr marR="0" lvl="1" algn="l" rtl="0">
+                    <a:lnSpc>
+                      <a:spcPct val="100000"/>
+                    </a:lnSpc>
+                    <a:spcBef>
+                      <a:spcPts val="0"/>
+                    </a:spcBef>
+                    <a:spcAft>
+                      <a:spcPts val="0"/>
+                    </a:spcAft>
+                    <a:buClr>
+                      <a:srgbClr val="000000"/>
+                    </a:buClr>
+                    <a:buFont typeface="Arial"/>
+                    <a:defRPr sz="1400" b="0" i="0" u="none" strike="noStrike" cap="none">
+                      <a:solidFill>
+                        <a:srgbClr val="000000"/>
+                      </a:solidFill>
+                      <a:latin typeface="Arial"/>
+                      <a:ea typeface="Arial"/>
+                      <a:cs typeface="Arial"/>
+                      <a:sym typeface="Arial"/>
+                    </a:defRPr>
+                  </a:lvl2pPr>
+                  <a:lvl3pPr marR="0" lvl="2" algn="l" rtl="0">
+                    <a:lnSpc>
+                      <a:spcPct val="100000"/>
+                    </a:lnSpc>
+                    <a:spcBef>
+                      <a:spcPts val="0"/>
+                    </a:spcBef>
+                    <a:spcAft>
+                      <a:spcPts val="0"/>
+                    </a:spcAft>
+                    <a:buClr>
+                      <a:srgbClr val="000000"/>
+                    </a:buClr>
+                    <a:buFont typeface="Arial"/>
+                    <a:defRPr sz="1400" b="0" i="0" u="none" strike="noStrike" cap="none">
+                      <a:solidFill>
+                        <a:srgbClr val="000000"/>
+                      </a:solidFill>
+                      <a:latin typeface="Arial"/>
+                      <a:ea typeface="Arial"/>
+                      <a:cs typeface="Arial"/>
+                      <a:sym typeface="Arial"/>
+                    </a:defRPr>
+                  </a:lvl3pPr>
+                  <a:lvl4pPr marR="0" lvl="3" algn="l" rtl="0">
+                    <a:lnSpc>
+                      <a:spcPct val="100000"/>
+                    </a:lnSpc>
+                    <a:spcBef>
+                      <a:spcPts val="0"/>
+                    </a:spcBef>
+                    <a:spcAft>
+                      <a:spcPts val="0"/>
+                    </a:spcAft>
+                    <a:buClr>
+                      <a:srgbClr val="000000"/>
+                    </a:buClr>
+                    <a:buFont typeface="Arial"/>
+                    <a:defRPr sz="1400" b="0" i="0" u="none" strike="noStrike" cap="none">
+                      <a:solidFill>
+                        <a:srgbClr val="000000"/>
+                      </a:solidFill>
+                      <a:latin typeface="Arial"/>
+                      <a:ea typeface="Arial"/>
+                      <a:cs typeface="Arial"/>
+                      <a:sym typeface="Arial"/>
+                    </a:defRPr>
+                  </a:lvl4pPr>
+                  <a:lvl5pPr marR="0" lvl="4" algn="l" rtl="0">
+                    <a:lnSpc>
+                      <a:spcPct val="100000"/>
+                    </a:lnSpc>
+                    <a:spcBef>
+                      <a:spcPts val="0"/>
+                    </a:spcBef>
+                    <a:spcAft>
+                      <a:spcPts val="0"/>
+                    </a:spcAft>
+                    <a:buClr>
+                      <a:srgbClr val="000000"/>
+                    </a:buClr>
+                    <a:buFont typeface="Arial"/>
+                    <a:defRPr sz="1400" b="0" i="0" u="none" strike="noStrike" cap="none">
+                      <a:solidFill>
+                        <a:srgbClr val="000000"/>
+                      </a:solidFill>
+                      <a:latin typeface="Arial"/>
+                      <a:ea typeface="Arial"/>
+                      <a:cs typeface="Arial"/>
+                      <a:sym typeface="Arial"/>
+                    </a:defRPr>
+                  </a:lvl5pPr>
+                  <a:lvl6pPr marR="0" lvl="5" algn="l" rtl="0">
+                    <a:lnSpc>
+                      <a:spcPct val="100000"/>
+                    </a:lnSpc>
+                    <a:spcBef>
+                      <a:spcPts val="0"/>
+                    </a:spcBef>
+                    <a:spcAft>
+                      <a:spcPts val="0"/>
+                    </a:spcAft>
+                    <a:buClr>
+                      <a:srgbClr val="000000"/>
+                    </a:buClr>
+                    <a:buFont typeface="Arial"/>
+                    <a:defRPr sz="1400" b="0" i="0" u="none" strike="noStrike" cap="none">
+                      <a:solidFill>
+                        <a:srgbClr val="000000"/>
+                      </a:solidFill>
+                      <a:latin typeface="Arial"/>
+                      <a:ea typeface="Arial"/>
+                      <a:cs typeface="Arial"/>
+                      <a:sym typeface="Arial"/>
+                    </a:defRPr>
+                  </a:lvl6pPr>
+                  <a:lvl7pPr marR="0" lvl="6" algn="l" rtl="0">
+                    <a:lnSpc>
+                      <a:spcPct val="100000"/>
+                    </a:lnSpc>
+                    <a:spcBef>
+                      <a:spcPts val="0"/>
+                    </a:spcBef>
+                    <a:spcAft>
+                      <a:spcPts val="0"/>
+                    </a:spcAft>
+                    <a:buClr>
+                      <a:srgbClr val="000000"/>
+                    </a:buClr>
+                    <a:buFont typeface="Arial"/>
+                    <a:defRPr sz="1400" b="0" i="0" u="none" strike="noStrike" cap="none">
+                      <a:solidFill>
+                        <a:srgbClr val="000000"/>
+                      </a:solidFill>
+                      <a:latin typeface="Arial"/>
+                      <a:ea typeface="Arial"/>
+                      <a:cs typeface="Arial"/>
+                      <a:sym typeface="Arial"/>
+                    </a:defRPr>
+                  </a:lvl7pPr>
+                  <a:lvl8pPr marR="0" lvl="7" algn="l" rtl="0">
+                    <a:lnSpc>
+                      <a:spcPct val="100000"/>
+                    </a:lnSpc>
+                    <a:spcBef>
+                      <a:spcPts val="0"/>
+                    </a:spcBef>
+                    <a:spcAft>
+                      <a:spcPts val="0"/>
+                    </a:spcAft>
+                    <a:buClr>
+                      <a:srgbClr val="000000"/>
+                    </a:buClr>
+                    <a:buFont typeface="Arial"/>
+                    <a:defRPr sz="1400" b="0" i="0" u="none" strike="noStrike" cap="none">
+                      <a:solidFill>
+                        <a:srgbClr val="000000"/>
+                      </a:solidFill>
+                      <a:latin typeface="Arial"/>
+                      <a:ea typeface="Arial"/>
+                      <a:cs typeface="Arial"/>
+                      <a:sym typeface="Arial"/>
+                    </a:defRPr>
+                  </a:lvl8pPr>
+                  <a:lvl9pPr marR="0" lvl="8" algn="l" rtl="0">
+                    <a:lnSpc>
+                      <a:spcPct val="100000"/>
+                    </a:lnSpc>
+                    <a:spcBef>
+                      <a:spcPts val="0"/>
+                    </a:spcBef>
+                    <a:spcAft>
+                      <a:spcPts val="0"/>
+                    </a:spcAft>
+                    <a:buClr>
+                      <a:srgbClr val="000000"/>
+                    </a:buClr>
+                    <a:buFont typeface="Arial"/>
+                    <a:defRPr sz="1400" b="0" i="0" u="none" strike="noStrike" cap="none">
+                      <a:solidFill>
+                        <a:srgbClr val="000000"/>
+                      </a:solidFill>
+                      <a:latin typeface="Arial"/>
+                      <a:ea typeface="Arial"/>
+                      <a:cs typeface="Arial"/>
+                      <a:sym typeface="Arial"/>
+                    </a:defRPr>
+                  </a:lvl9pPr>
+                </a:lstStyle>
+                <a:p>
+                  <a:r>
+                    <a:rPr lang="ko-KR" altLang="en-US" sz="1000" dirty="0"/>
+                    <a:t>▶ </a:t>
+                  </a:r>
+                  <a:r>
+                    <a:rPr lang="en-US" altLang="ko-KR" sz="1000" dirty="0"/>
+                    <a:t>Read </a:t>
+                  </a:r>
+                  <a:r>
+                    <a:rPr lang="ko-KR" altLang="en-US" sz="1000" dirty="0"/>
+                    <a:t>정상 출력 코드 작성</a:t>
+                  </a:r>
+                  <a:r>
+                    <a:rPr lang="en-US" altLang="ko-KR" sz="1000" b="1" dirty="0">
+                      <a:solidFill>
+                        <a:srgbClr val="00B050"/>
+                      </a:solidFill>
+                    </a:rPr>
+                    <a:t>(GREEN)</a:t>
+                  </a:r>
+                  <a:endParaRPr lang="ko-KR" altLang="en-US" sz="1000" b="1" dirty="0">
+                    <a:solidFill>
+                      <a:srgbClr val="00B050"/>
+                    </a:solidFill>
+                  </a:endParaRPr>
+                </a:p>
+              </p:txBody>
+            </p:sp>
+          </p:grpSp>
+          <p:sp>
+            <p:nvSpPr>
+              <p:cNvPr id="25" name="사각형: 둥근 모서리 24">
+                <a:extLst>
+                  <a:ext uri="{FF2B5EF4-FFF2-40B4-BE49-F238E27FC236}">
+                    <a16:creationId xmlns:a16="http://schemas.microsoft.com/office/drawing/2014/main" id="{028A465E-6A86-43CB-9D72-93DC650929FD}"/>
+                  </a:ext>
+                </a:extLst>
+              </p:cNvPr>
+              <p:cNvSpPr/>
+              <p:nvPr/>
+            </p:nvSpPr>
+            <p:spPr>
+              <a:xfrm>
+                <a:off x="2112620" y="2980732"/>
+                <a:ext cx="3114699" cy="1787712"/>
+              </a:xfrm>
+              <a:prstGeom prst="roundRect">
+                <a:avLst>
+                  <a:gd name="adj" fmla="val 2400"/>
+                </a:avLst>
+              </a:prstGeom>
+              <a:noFill/>
+              <a:ln w="9525" cap="flat" cmpd="sng" algn="ctr">
                 <a:solidFill>
-                  <a:srgbClr val="000000"/>
+                  <a:schemeClr val="dk1"/>
                 </a:solidFill>
-                <a:latin typeface="Arial"/>
-                <a:ea typeface="Arial"/>
-                <a:cs typeface="Arial"/>
-                <a:sym typeface="Arial"/>
-              </a:defRPr>
-            </a:lvl1pPr>
-            <a:lvl2pPr marR="0" lvl="1" algn="l" rtl="0">
-              <a:lnSpc>
-                <a:spcPct val="100000"/>
-              </a:lnSpc>
-              <a:spcBef>
-                <a:spcPts val="0"/>
-              </a:spcBef>
-              <a:spcAft>
-                <a:spcPts val="0"/>
-              </a:spcAft>
-              <a:buClr>
-                <a:srgbClr val="000000"/>
-              </a:buClr>
-              <a:buFont typeface="Arial"/>
-              <a:defRPr sz="1400" b="0" i="0" u="none" strike="noStrike" cap="none">
+                <a:prstDash val="solid"/>
+                <a:round/>
+                <a:headEnd type="none" w="med" len="med"/>
+                <a:tailEnd type="none" w="med" len="med"/>
+              </a:ln>
+            </p:spPr>
+            <p:style>
+              <a:lnRef idx="0">
+                <a:scrgbClr r="0" g="0" b="0"/>
+              </a:lnRef>
+              <a:fillRef idx="0">
+                <a:scrgbClr r="0" g="0" b="0"/>
+              </a:fillRef>
+              <a:effectRef idx="0">
+                <a:scrgbClr r="0" g="0" b="0"/>
+              </a:effectRef>
+              <a:fontRef idx="minor">
+                <a:schemeClr val="dk1"/>
+              </a:fontRef>
+            </p:style>
+            <p:txBody>
+              <a:bodyPr rtlCol="0" anchor="ctr"/>
+              <a:lstStyle/>
+              <a:p>
+                <a:pPr algn="ctr"/>
+                <a:endParaRPr lang="ko-KR" altLang="en-US"/>
+              </a:p>
+            </p:txBody>
+          </p:sp>
+        </p:grpSp>
+        <p:cxnSp>
+          <p:nvCxnSpPr>
+            <p:cNvPr id="35" name="직선 화살표 연결선 34">
+              <a:extLst>
+                <a:ext uri="{FF2B5EF4-FFF2-40B4-BE49-F238E27FC236}">
+                  <a16:creationId xmlns:a16="http://schemas.microsoft.com/office/drawing/2014/main" id="{DFCB7813-539A-4B50-9D4A-D34C0CC79156}"/>
+                </a:ext>
+              </a:extLst>
+            </p:cNvPr>
+            <p:cNvCxnSpPr>
+              <a:cxnSpLocks/>
+            </p:cNvCxnSpPr>
+            <p:nvPr/>
+          </p:nvCxnSpPr>
+          <p:spPr>
+            <a:xfrm flipV="1">
+              <a:off x="8212338" y="3413235"/>
+              <a:ext cx="574338" cy="2259792"/>
+            </a:xfrm>
+            <a:prstGeom prst="straightConnector1">
+              <a:avLst/>
+            </a:prstGeom>
+            <a:ln w="57150">
+              <a:tailEnd type="triangle"/>
+            </a:ln>
+          </p:spPr>
+          <p:style>
+            <a:lnRef idx="1">
+              <a:schemeClr val="accent1"/>
+            </a:lnRef>
+            <a:fillRef idx="0">
+              <a:schemeClr val="accent1"/>
+            </a:fillRef>
+            <a:effectRef idx="0">
+              <a:schemeClr val="accent1"/>
+            </a:effectRef>
+            <a:fontRef idx="minor">
+              <a:schemeClr val="tx1"/>
+            </a:fontRef>
+          </p:style>
+        </p:cxnSp>
+        <p:sp>
+          <p:nvSpPr>
+            <p:cNvPr id="71" name="TextBox 70">
+              <a:extLst>
+                <a:ext uri="{FF2B5EF4-FFF2-40B4-BE49-F238E27FC236}">
+                  <a16:creationId xmlns:a16="http://schemas.microsoft.com/office/drawing/2014/main" id="{165EEC72-3D86-494F-AB7F-19A90172624A}"/>
+                </a:ext>
+              </a:extLst>
+            </p:cNvPr>
+            <p:cNvSpPr txBox="1"/>
+            <p:nvPr/>
+          </p:nvSpPr>
+          <p:spPr>
+            <a:xfrm rot="17076418">
+              <a:off x="7604660" y="4248345"/>
+              <a:ext cx="1404552" cy="338554"/>
+            </a:xfrm>
+            <a:prstGeom prst="rect">
+              <a:avLst/>
+            </a:prstGeom>
+            <a:noFill/>
+          </p:spPr>
+          <p:txBody>
+            <a:bodyPr wrap="none" rtlCol="0">
+              <a:spAutoFit/>
+            </a:bodyPr>
+            <a:lstStyle/>
+            <a:p>
+              <a:r>
+                <a:rPr lang="ko-KR" altLang="en-US" sz="1600" b="1" dirty="0">
+                  <a:solidFill>
+                    <a:srgbClr val="00B050"/>
+                  </a:solidFill>
+                </a:rPr>
+                <a:t>② </a:t>
+              </a:r>
+              <a:r>
+                <a:rPr lang="en-US" altLang="ko-KR" sz="1600" b="1" dirty="0">
+                  <a:solidFill>
+                    <a:srgbClr val="00B050"/>
+                  </a:solidFill>
+                </a:rPr>
+                <a:t>Test Pass</a:t>
+              </a:r>
+              <a:endParaRPr lang="ko-KR" altLang="en-US" sz="2000" b="1" dirty="0">
                 <a:solidFill>
-                  <a:srgbClr val="000000"/>
+                  <a:srgbClr val="00B050"/>
                 </a:solidFill>
-                <a:latin typeface="Arial"/>
-                <a:ea typeface="Arial"/>
-                <a:cs typeface="Arial"/>
-                <a:sym typeface="Arial"/>
-              </a:defRPr>
-            </a:lvl2pPr>
-            <a:lvl3pPr marR="0" lvl="2" algn="l" rtl="0">
-              <a:lnSpc>
-                <a:spcPct val="100000"/>
-              </a:lnSpc>
-              <a:spcBef>
-                <a:spcPts val="0"/>
-              </a:spcBef>
-              <a:spcAft>
-                <a:spcPts val="0"/>
-              </a:spcAft>
-              <a:buClr>
-                <a:srgbClr val="000000"/>
-              </a:buClr>
-              <a:buFont typeface="Arial"/>
-              <a:defRPr sz="1400" b="0" i="0" u="none" strike="noStrike" cap="none">
+              </a:endParaRPr>
+            </a:p>
+          </p:txBody>
+        </p:sp>
+      </p:grpSp>
+      <p:grpSp>
+        <p:nvGrpSpPr>
+          <p:cNvPr id="38" name="그룹 37">
+            <a:extLst>
+              <a:ext uri="{FF2B5EF4-FFF2-40B4-BE49-F238E27FC236}">
+                <a16:creationId xmlns:a16="http://schemas.microsoft.com/office/drawing/2014/main" id="{073613A8-344A-40C6-9809-4615E948263E}"/>
+              </a:ext>
+            </a:extLst>
+          </p:cNvPr>
+          <p:cNvGrpSpPr/>
+          <p:nvPr/>
+        </p:nvGrpSpPr>
+        <p:grpSpPr>
+          <a:xfrm>
+            <a:off x="8258781" y="4079445"/>
+            <a:ext cx="3801670" cy="2399249"/>
+            <a:chOff x="8258781" y="4079445"/>
+            <a:chExt cx="3801670" cy="2399249"/>
+          </a:xfrm>
+        </p:grpSpPr>
+        <p:grpSp>
+          <p:nvGrpSpPr>
+            <p:cNvPr id="21" name="그룹 20">
+              <a:extLst>
+                <a:ext uri="{FF2B5EF4-FFF2-40B4-BE49-F238E27FC236}">
+                  <a16:creationId xmlns:a16="http://schemas.microsoft.com/office/drawing/2014/main" id="{AF6F3CB1-5235-45F7-9F71-80B5297B25B1}"/>
+                </a:ext>
+              </a:extLst>
+            </p:cNvPr>
+            <p:cNvGrpSpPr/>
+            <p:nvPr/>
+          </p:nvGrpSpPr>
+          <p:grpSpPr>
+            <a:xfrm>
+              <a:off x="8815652" y="4079445"/>
+              <a:ext cx="3244799" cy="2399249"/>
+              <a:chOff x="2473853" y="3255827"/>
+              <a:chExt cx="3244799" cy="2399249"/>
+            </a:xfrm>
+          </p:grpSpPr>
+          <p:grpSp>
+            <p:nvGrpSpPr>
+              <p:cNvPr id="12" name="그룹 11">
+                <a:extLst>
+                  <a:ext uri="{FF2B5EF4-FFF2-40B4-BE49-F238E27FC236}">
+                    <a16:creationId xmlns:a16="http://schemas.microsoft.com/office/drawing/2014/main" id="{53D843EA-EB68-4E12-A101-C11A99759CB0}"/>
+                  </a:ext>
+                </a:extLst>
+              </p:cNvPr>
+              <p:cNvGrpSpPr/>
+              <p:nvPr/>
+            </p:nvGrpSpPr>
+            <p:grpSpPr>
+              <a:xfrm>
+                <a:off x="2473853" y="3262484"/>
+                <a:ext cx="3244799" cy="2244454"/>
+                <a:chOff x="8817860" y="4191606"/>
+                <a:chExt cx="3244799" cy="2244454"/>
+              </a:xfrm>
+            </p:grpSpPr>
+            <p:pic>
+              <p:nvPicPr>
+                <p:cNvPr id="8" name="그림 7">
+                  <a:extLst>
+                    <a:ext uri="{FF2B5EF4-FFF2-40B4-BE49-F238E27FC236}">
+                      <a16:creationId xmlns:a16="http://schemas.microsoft.com/office/drawing/2014/main" id="{5728558D-2500-4687-8C86-EE897BDF27D9}"/>
+                    </a:ext>
+                  </a:extLst>
+                </p:cNvPr>
+                <p:cNvPicPr>
+                  <a:picLocks noChangeAspect="1"/>
+                </p:cNvPicPr>
+                <p:nvPr/>
+              </p:nvPicPr>
+              <p:blipFill rotWithShape="1">
+                <a:blip r:embed="rId8"/>
+                <a:srcRect l="9743" t="43162" r="70541" b="47363"/>
+                <a:stretch/>
+              </p:blipFill>
+              <p:spPr>
+                <a:xfrm>
+                  <a:off x="8992971" y="4455607"/>
+                  <a:ext cx="2017670" cy="545412"/>
+                </a:xfrm>
+                <a:prstGeom prst="rect">
+                  <a:avLst/>
+                </a:prstGeom>
+              </p:spPr>
+            </p:pic>
+            <p:sp>
+              <p:nvSpPr>
+                <p:cNvPr id="9" name="TextBox 12">
+                  <a:extLst>
+                    <a:ext uri="{FF2B5EF4-FFF2-40B4-BE49-F238E27FC236}">
+                      <a16:creationId xmlns:a16="http://schemas.microsoft.com/office/drawing/2014/main" id="{E93CB178-1404-4D7A-8E45-FA26867A8A03}"/>
+                    </a:ext>
+                  </a:extLst>
+                </p:cNvPr>
+                <p:cNvSpPr txBox="1"/>
+                <p:nvPr/>
+              </p:nvSpPr>
+              <p:spPr>
+                <a:xfrm>
+                  <a:off x="8817860" y="4191606"/>
+                  <a:ext cx="3244799" cy="400110"/>
+                </a:xfrm>
+                <a:prstGeom prst="rect">
+                  <a:avLst/>
+                </a:prstGeom>
+                <a:noFill/>
+              </p:spPr>
+              <p:txBody>
+                <a:bodyPr wrap="none" rtlCol="0">
+                  <a:spAutoFit/>
+                </a:bodyPr>
+                <a:lstStyle>
+                  <a:defPPr marR="0" lvl="0" algn="l" rtl="0">
+                    <a:lnSpc>
+                      <a:spcPct val="100000"/>
+                    </a:lnSpc>
+                    <a:spcBef>
+                      <a:spcPts val="0"/>
+                    </a:spcBef>
+                    <a:spcAft>
+                      <a:spcPts val="0"/>
+                    </a:spcAft>
+                  </a:defPPr>
+                  <a:lvl1pPr marR="0" lvl="0" algn="l" rtl="0">
+                    <a:lnSpc>
+                      <a:spcPct val="100000"/>
+                    </a:lnSpc>
+                    <a:spcBef>
+                      <a:spcPts val="0"/>
+                    </a:spcBef>
+                    <a:spcAft>
+                      <a:spcPts val="0"/>
+                    </a:spcAft>
+                    <a:buClr>
+                      <a:srgbClr val="000000"/>
+                    </a:buClr>
+                    <a:buFont typeface="Arial"/>
+                    <a:defRPr sz="1400" b="0" i="0" u="none" strike="noStrike" cap="none">
+                      <a:solidFill>
+                        <a:srgbClr val="000000"/>
+                      </a:solidFill>
+                      <a:latin typeface="Arial"/>
+                      <a:ea typeface="Arial"/>
+                      <a:cs typeface="Arial"/>
+                      <a:sym typeface="Arial"/>
+                    </a:defRPr>
+                  </a:lvl1pPr>
+                  <a:lvl2pPr marR="0" lvl="1" algn="l" rtl="0">
+                    <a:lnSpc>
+                      <a:spcPct val="100000"/>
+                    </a:lnSpc>
+                    <a:spcBef>
+                      <a:spcPts val="0"/>
+                    </a:spcBef>
+                    <a:spcAft>
+                      <a:spcPts val="0"/>
+                    </a:spcAft>
+                    <a:buClr>
+                      <a:srgbClr val="000000"/>
+                    </a:buClr>
+                    <a:buFont typeface="Arial"/>
+                    <a:defRPr sz="1400" b="0" i="0" u="none" strike="noStrike" cap="none">
+                      <a:solidFill>
+                        <a:srgbClr val="000000"/>
+                      </a:solidFill>
+                      <a:latin typeface="Arial"/>
+                      <a:ea typeface="Arial"/>
+                      <a:cs typeface="Arial"/>
+                      <a:sym typeface="Arial"/>
+                    </a:defRPr>
+                  </a:lvl2pPr>
+                  <a:lvl3pPr marR="0" lvl="2" algn="l" rtl="0">
+                    <a:lnSpc>
+                      <a:spcPct val="100000"/>
+                    </a:lnSpc>
+                    <a:spcBef>
+                      <a:spcPts val="0"/>
+                    </a:spcBef>
+                    <a:spcAft>
+                      <a:spcPts val="0"/>
+                    </a:spcAft>
+                    <a:buClr>
+                      <a:srgbClr val="000000"/>
+                    </a:buClr>
+                    <a:buFont typeface="Arial"/>
+                    <a:defRPr sz="1400" b="0" i="0" u="none" strike="noStrike" cap="none">
+                      <a:solidFill>
+                        <a:srgbClr val="000000"/>
+                      </a:solidFill>
+                      <a:latin typeface="Arial"/>
+                      <a:ea typeface="Arial"/>
+                      <a:cs typeface="Arial"/>
+                      <a:sym typeface="Arial"/>
+                    </a:defRPr>
+                  </a:lvl3pPr>
+                  <a:lvl4pPr marR="0" lvl="3" algn="l" rtl="0">
+                    <a:lnSpc>
+                      <a:spcPct val="100000"/>
+                    </a:lnSpc>
+                    <a:spcBef>
+                      <a:spcPts val="0"/>
+                    </a:spcBef>
+                    <a:spcAft>
+                      <a:spcPts val="0"/>
+                    </a:spcAft>
+                    <a:buClr>
+                      <a:srgbClr val="000000"/>
+                    </a:buClr>
+                    <a:buFont typeface="Arial"/>
+                    <a:defRPr sz="1400" b="0" i="0" u="none" strike="noStrike" cap="none">
+                      <a:solidFill>
+                        <a:srgbClr val="000000"/>
+                      </a:solidFill>
+                      <a:latin typeface="Arial"/>
+                      <a:ea typeface="Arial"/>
+                      <a:cs typeface="Arial"/>
+                      <a:sym typeface="Arial"/>
+                    </a:defRPr>
+                  </a:lvl4pPr>
+                  <a:lvl5pPr marR="0" lvl="4" algn="l" rtl="0">
+                    <a:lnSpc>
+                      <a:spcPct val="100000"/>
+                    </a:lnSpc>
+                    <a:spcBef>
+                      <a:spcPts val="0"/>
+                    </a:spcBef>
+                    <a:spcAft>
+                      <a:spcPts val="0"/>
+                    </a:spcAft>
+                    <a:buClr>
+                      <a:srgbClr val="000000"/>
+                    </a:buClr>
+                    <a:buFont typeface="Arial"/>
+                    <a:defRPr sz="1400" b="0" i="0" u="none" strike="noStrike" cap="none">
+                      <a:solidFill>
+                        <a:srgbClr val="000000"/>
+                      </a:solidFill>
+                      <a:latin typeface="Arial"/>
+                      <a:ea typeface="Arial"/>
+                      <a:cs typeface="Arial"/>
+                      <a:sym typeface="Arial"/>
+                    </a:defRPr>
+                  </a:lvl5pPr>
+                  <a:lvl6pPr marR="0" lvl="5" algn="l" rtl="0">
+                    <a:lnSpc>
+                      <a:spcPct val="100000"/>
+                    </a:lnSpc>
+                    <a:spcBef>
+                      <a:spcPts val="0"/>
+                    </a:spcBef>
+                    <a:spcAft>
+                      <a:spcPts val="0"/>
+                    </a:spcAft>
+                    <a:buClr>
+                      <a:srgbClr val="000000"/>
+                    </a:buClr>
+                    <a:buFont typeface="Arial"/>
+                    <a:defRPr sz="1400" b="0" i="0" u="none" strike="noStrike" cap="none">
+                      <a:solidFill>
+                        <a:srgbClr val="000000"/>
+                      </a:solidFill>
+                      <a:latin typeface="Arial"/>
+                      <a:ea typeface="Arial"/>
+                      <a:cs typeface="Arial"/>
+                      <a:sym typeface="Arial"/>
+                    </a:defRPr>
+                  </a:lvl6pPr>
+                  <a:lvl7pPr marR="0" lvl="6" algn="l" rtl="0">
+                    <a:lnSpc>
+                      <a:spcPct val="100000"/>
+                    </a:lnSpc>
+                    <a:spcBef>
+                      <a:spcPts val="0"/>
+                    </a:spcBef>
+                    <a:spcAft>
+                      <a:spcPts val="0"/>
+                    </a:spcAft>
+                    <a:buClr>
+                      <a:srgbClr val="000000"/>
+                    </a:buClr>
+                    <a:buFont typeface="Arial"/>
+                    <a:defRPr sz="1400" b="0" i="0" u="none" strike="noStrike" cap="none">
+                      <a:solidFill>
+                        <a:srgbClr val="000000"/>
+                      </a:solidFill>
+                      <a:latin typeface="Arial"/>
+                      <a:ea typeface="Arial"/>
+                      <a:cs typeface="Arial"/>
+                      <a:sym typeface="Arial"/>
+                    </a:defRPr>
+                  </a:lvl7pPr>
+                  <a:lvl8pPr marR="0" lvl="7" algn="l" rtl="0">
+                    <a:lnSpc>
+                      <a:spcPct val="100000"/>
+                    </a:lnSpc>
+                    <a:spcBef>
+                      <a:spcPts val="0"/>
+                    </a:spcBef>
+                    <a:spcAft>
+                      <a:spcPts val="0"/>
+                    </a:spcAft>
+                    <a:buClr>
+                      <a:srgbClr val="000000"/>
+                    </a:buClr>
+                    <a:buFont typeface="Arial"/>
+                    <a:defRPr sz="1400" b="0" i="0" u="none" strike="noStrike" cap="none">
+                      <a:solidFill>
+                        <a:srgbClr val="000000"/>
+                      </a:solidFill>
+                      <a:latin typeface="Arial"/>
+                      <a:ea typeface="Arial"/>
+                      <a:cs typeface="Arial"/>
+                      <a:sym typeface="Arial"/>
+                    </a:defRPr>
+                  </a:lvl8pPr>
+                  <a:lvl9pPr marR="0" lvl="8" algn="l" rtl="0">
+                    <a:lnSpc>
+                      <a:spcPct val="100000"/>
+                    </a:lnSpc>
+                    <a:spcBef>
+                      <a:spcPts val="0"/>
+                    </a:spcBef>
+                    <a:spcAft>
+                      <a:spcPts val="0"/>
+                    </a:spcAft>
+                    <a:buClr>
+                      <a:srgbClr val="000000"/>
+                    </a:buClr>
+                    <a:buFont typeface="Arial"/>
+                    <a:defRPr sz="1400" b="0" i="0" u="none" strike="noStrike" cap="none">
+                      <a:solidFill>
+                        <a:srgbClr val="000000"/>
+                      </a:solidFill>
+                      <a:latin typeface="Arial"/>
+                      <a:ea typeface="Arial"/>
+                      <a:cs typeface="Arial"/>
+                      <a:sym typeface="Arial"/>
+                    </a:defRPr>
+                  </a:lvl9pPr>
+                </a:lstStyle>
+                <a:p>
+                  <a:r>
+                    <a:rPr lang="ko-KR" altLang="en-US" sz="1000" dirty="0"/>
+                    <a:t>▶</a:t>
+                  </a:r>
+                  <a:r>
+                    <a:rPr lang="en-US" altLang="ko-KR" sz="1000" dirty="0"/>
+                    <a:t>TC 1. Invalid LBA </a:t>
+                  </a:r>
+                  <a:r>
+                    <a:rPr lang="ko-KR" altLang="en-US" sz="1000" dirty="0"/>
+                    <a:t>에러 발생 테스트 </a:t>
+                  </a:r>
+                  <a:r>
+                    <a:rPr lang="en-US" altLang="ko-KR" sz="1000" dirty="0"/>
+                    <a:t>PR # 11 </a:t>
+                  </a:r>
+                  <a:r>
+                    <a:rPr lang="en-US" altLang="ko-KR" sz="1000" b="1" dirty="0">
+                      <a:solidFill>
+                        <a:srgbClr val="FF0000"/>
+                      </a:solidFill>
+                    </a:rPr>
+                    <a:t>(RED)</a:t>
+                  </a:r>
+                  <a:endParaRPr lang="ko-KR" altLang="en-US" sz="1000" b="1" dirty="0">
+                    <a:solidFill>
+                      <a:srgbClr val="FF0000"/>
+                    </a:solidFill>
+                  </a:endParaRPr>
+                </a:p>
+                <a:p>
+                  <a:endParaRPr lang="ko-KR" altLang="en-US" sz="1000" dirty="0"/>
+                </a:p>
+              </p:txBody>
+            </p:sp>
+            <p:grpSp>
+              <p:nvGrpSpPr>
+                <p:cNvPr id="4" name="그룹 3">
+                  <a:extLst>
+                    <a:ext uri="{FF2B5EF4-FFF2-40B4-BE49-F238E27FC236}">
+                      <a16:creationId xmlns:a16="http://schemas.microsoft.com/office/drawing/2014/main" id="{1D32BE18-DB0A-405E-88D8-0223953210CF}"/>
+                    </a:ext>
+                  </a:extLst>
+                </p:cNvPr>
+                <p:cNvGrpSpPr/>
+                <p:nvPr/>
+              </p:nvGrpSpPr>
+              <p:grpSpPr>
+                <a:xfrm>
+                  <a:off x="8817864" y="4968544"/>
+                  <a:ext cx="2915002" cy="1467516"/>
+                  <a:chOff x="4162462" y="2275878"/>
+                  <a:chExt cx="3733132" cy="1879391"/>
+                </a:xfrm>
+              </p:grpSpPr>
+              <p:pic>
+                <p:nvPicPr>
+                  <p:cNvPr id="13" name="그림 12">
+                    <a:extLst>
+                      <a:ext uri="{FF2B5EF4-FFF2-40B4-BE49-F238E27FC236}">
+                        <a16:creationId xmlns:a16="http://schemas.microsoft.com/office/drawing/2014/main" id="{E73FF246-3A33-4377-BE9F-00DFA4CECD91}"/>
+                      </a:ext>
+                    </a:extLst>
+                  </p:cNvPr>
+                  <p:cNvPicPr>
+                    <a:picLocks noChangeAspect="1"/>
+                  </p:cNvPicPr>
+                  <p:nvPr/>
+                </p:nvPicPr>
+                <p:blipFill rotWithShape="1">
+                  <a:blip r:embed="rId9"/>
+                  <a:srcRect l="31701" t="44261" r="41701" b="28935"/>
+                  <a:stretch/>
+                </p:blipFill>
+                <p:spPr>
+                  <a:xfrm>
+                    <a:off x="4337148" y="2502943"/>
+                    <a:ext cx="2914870" cy="1652326"/>
+                  </a:xfrm>
+                  <a:prstGeom prst="rect">
+                    <a:avLst/>
+                  </a:prstGeom>
+                </p:spPr>
+              </p:pic>
+              <p:sp>
+                <p:nvSpPr>
+                  <p:cNvPr id="14" name="TextBox 14">
+                    <a:extLst>
+                      <a:ext uri="{FF2B5EF4-FFF2-40B4-BE49-F238E27FC236}">
+                        <a16:creationId xmlns:a16="http://schemas.microsoft.com/office/drawing/2014/main" id="{584DA1B1-3311-412E-AA04-6DA1E039BE6E}"/>
+                      </a:ext>
+                    </a:extLst>
+                  </p:cNvPr>
+                  <p:cNvSpPr txBox="1"/>
+                  <p:nvPr/>
+                </p:nvSpPr>
+                <p:spPr>
+                  <a:xfrm>
+                    <a:off x="4162462" y="2275878"/>
+                    <a:ext cx="3733132" cy="512405"/>
+                  </a:xfrm>
+                  <a:prstGeom prst="rect">
+                    <a:avLst/>
+                  </a:prstGeom>
+                  <a:noFill/>
+                </p:spPr>
+                <p:txBody>
+                  <a:bodyPr wrap="square" rtlCol="0">
+                    <a:spAutoFit/>
+                  </a:bodyPr>
+                  <a:lstStyle>
+                    <a:defPPr marR="0" lvl="0" algn="l" rtl="0">
+                      <a:lnSpc>
+                        <a:spcPct val="100000"/>
+                      </a:lnSpc>
+                      <a:spcBef>
+                        <a:spcPts val="0"/>
+                      </a:spcBef>
+                      <a:spcAft>
+                        <a:spcPts val="0"/>
+                      </a:spcAft>
+                    </a:defPPr>
+                    <a:lvl1pPr marR="0" lvl="0" algn="l" rtl="0">
+                      <a:lnSpc>
+                        <a:spcPct val="100000"/>
+                      </a:lnSpc>
+                      <a:spcBef>
+                        <a:spcPts val="0"/>
+                      </a:spcBef>
+                      <a:spcAft>
+                        <a:spcPts val="0"/>
+                      </a:spcAft>
+                      <a:buClr>
+                        <a:srgbClr val="000000"/>
+                      </a:buClr>
+                      <a:buFont typeface="Arial"/>
+                      <a:defRPr sz="1400" b="0" i="0" u="none" strike="noStrike" cap="none">
+                        <a:solidFill>
+                          <a:srgbClr val="000000"/>
+                        </a:solidFill>
+                        <a:latin typeface="Arial"/>
+                        <a:ea typeface="Arial"/>
+                        <a:cs typeface="Arial"/>
+                        <a:sym typeface="Arial"/>
+                      </a:defRPr>
+                    </a:lvl1pPr>
+                    <a:lvl2pPr marR="0" lvl="1" algn="l" rtl="0">
+                      <a:lnSpc>
+                        <a:spcPct val="100000"/>
+                      </a:lnSpc>
+                      <a:spcBef>
+                        <a:spcPts val="0"/>
+                      </a:spcBef>
+                      <a:spcAft>
+                        <a:spcPts val="0"/>
+                      </a:spcAft>
+                      <a:buClr>
+                        <a:srgbClr val="000000"/>
+                      </a:buClr>
+                      <a:buFont typeface="Arial"/>
+                      <a:defRPr sz="1400" b="0" i="0" u="none" strike="noStrike" cap="none">
+                        <a:solidFill>
+                          <a:srgbClr val="000000"/>
+                        </a:solidFill>
+                        <a:latin typeface="Arial"/>
+                        <a:ea typeface="Arial"/>
+                        <a:cs typeface="Arial"/>
+                        <a:sym typeface="Arial"/>
+                      </a:defRPr>
+                    </a:lvl2pPr>
+                    <a:lvl3pPr marR="0" lvl="2" algn="l" rtl="0">
+                      <a:lnSpc>
+                        <a:spcPct val="100000"/>
+                      </a:lnSpc>
+                      <a:spcBef>
+                        <a:spcPts val="0"/>
+                      </a:spcBef>
+                      <a:spcAft>
+                        <a:spcPts val="0"/>
+                      </a:spcAft>
+                      <a:buClr>
+                        <a:srgbClr val="000000"/>
+                      </a:buClr>
+                      <a:buFont typeface="Arial"/>
+                      <a:defRPr sz="1400" b="0" i="0" u="none" strike="noStrike" cap="none">
+                        <a:solidFill>
+                          <a:srgbClr val="000000"/>
+                        </a:solidFill>
+                        <a:latin typeface="Arial"/>
+                        <a:ea typeface="Arial"/>
+                        <a:cs typeface="Arial"/>
+                        <a:sym typeface="Arial"/>
+                      </a:defRPr>
+                    </a:lvl3pPr>
+                    <a:lvl4pPr marR="0" lvl="3" algn="l" rtl="0">
+                      <a:lnSpc>
+                        <a:spcPct val="100000"/>
+                      </a:lnSpc>
+                      <a:spcBef>
+                        <a:spcPts val="0"/>
+                      </a:spcBef>
+                      <a:spcAft>
+                        <a:spcPts val="0"/>
+                      </a:spcAft>
+                      <a:buClr>
+                        <a:srgbClr val="000000"/>
+                      </a:buClr>
+                      <a:buFont typeface="Arial"/>
+                      <a:defRPr sz="1400" b="0" i="0" u="none" strike="noStrike" cap="none">
+                        <a:solidFill>
+                          <a:srgbClr val="000000"/>
+                        </a:solidFill>
+                        <a:latin typeface="Arial"/>
+                        <a:ea typeface="Arial"/>
+                        <a:cs typeface="Arial"/>
+                        <a:sym typeface="Arial"/>
+                      </a:defRPr>
+                    </a:lvl4pPr>
+                    <a:lvl5pPr marR="0" lvl="4" algn="l" rtl="0">
+                      <a:lnSpc>
+                        <a:spcPct val="100000"/>
+                      </a:lnSpc>
+                      <a:spcBef>
+                        <a:spcPts val="0"/>
+                      </a:spcBef>
+                      <a:spcAft>
+                        <a:spcPts val="0"/>
+                      </a:spcAft>
+                      <a:buClr>
+                        <a:srgbClr val="000000"/>
+                      </a:buClr>
+                      <a:buFont typeface="Arial"/>
+                      <a:defRPr sz="1400" b="0" i="0" u="none" strike="noStrike" cap="none">
+                        <a:solidFill>
+                          <a:srgbClr val="000000"/>
+                        </a:solidFill>
+                        <a:latin typeface="Arial"/>
+                        <a:ea typeface="Arial"/>
+                        <a:cs typeface="Arial"/>
+                        <a:sym typeface="Arial"/>
+                      </a:defRPr>
+                    </a:lvl5pPr>
+                    <a:lvl6pPr marR="0" lvl="5" algn="l" rtl="0">
+                      <a:lnSpc>
+                        <a:spcPct val="100000"/>
+                      </a:lnSpc>
+                      <a:spcBef>
+                        <a:spcPts val="0"/>
+                      </a:spcBef>
+                      <a:spcAft>
+                        <a:spcPts val="0"/>
+                      </a:spcAft>
+                      <a:buClr>
+                        <a:srgbClr val="000000"/>
+                      </a:buClr>
+                      <a:buFont typeface="Arial"/>
+                      <a:defRPr sz="1400" b="0" i="0" u="none" strike="noStrike" cap="none">
+                        <a:solidFill>
+                          <a:srgbClr val="000000"/>
+                        </a:solidFill>
+                        <a:latin typeface="Arial"/>
+                        <a:ea typeface="Arial"/>
+                        <a:cs typeface="Arial"/>
+                        <a:sym typeface="Arial"/>
+                      </a:defRPr>
+                    </a:lvl6pPr>
+                    <a:lvl7pPr marR="0" lvl="6" algn="l" rtl="0">
+                      <a:lnSpc>
+                        <a:spcPct val="100000"/>
+                      </a:lnSpc>
+                      <a:spcBef>
+                        <a:spcPts val="0"/>
+                      </a:spcBef>
+                      <a:spcAft>
+                        <a:spcPts val="0"/>
+                      </a:spcAft>
+                      <a:buClr>
+                        <a:srgbClr val="000000"/>
+                      </a:buClr>
+                      <a:buFont typeface="Arial"/>
+                      <a:defRPr sz="1400" b="0" i="0" u="none" strike="noStrike" cap="none">
+                        <a:solidFill>
+                          <a:srgbClr val="000000"/>
+                        </a:solidFill>
+                        <a:latin typeface="Arial"/>
+                        <a:ea typeface="Arial"/>
+                        <a:cs typeface="Arial"/>
+                        <a:sym typeface="Arial"/>
+                      </a:defRPr>
+                    </a:lvl7pPr>
+                    <a:lvl8pPr marR="0" lvl="7" algn="l" rtl="0">
+                      <a:lnSpc>
+                        <a:spcPct val="100000"/>
+                      </a:lnSpc>
+                      <a:spcBef>
+                        <a:spcPts val="0"/>
+                      </a:spcBef>
+                      <a:spcAft>
+                        <a:spcPts val="0"/>
+                      </a:spcAft>
+                      <a:buClr>
+                        <a:srgbClr val="000000"/>
+                      </a:buClr>
+                      <a:buFont typeface="Arial"/>
+                      <a:defRPr sz="1400" b="0" i="0" u="none" strike="noStrike" cap="none">
+                        <a:solidFill>
+                          <a:srgbClr val="000000"/>
+                        </a:solidFill>
+                        <a:latin typeface="Arial"/>
+                        <a:ea typeface="Arial"/>
+                        <a:cs typeface="Arial"/>
+                        <a:sym typeface="Arial"/>
+                      </a:defRPr>
+                    </a:lvl8pPr>
+                    <a:lvl9pPr marR="0" lvl="8" algn="l" rtl="0">
+                      <a:lnSpc>
+                        <a:spcPct val="100000"/>
+                      </a:lnSpc>
+                      <a:spcBef>
+                        <a:spcPts val="0"/>
+                      </a:spcBef>
+                      <a:spcAft>
+                        <a:spcPts val="0"/>
+                      </a:spcAft>
+                      <a:buClr>
+                        <a:srgbClr val="000000"/>
+                      </a:buClr>
+                      <a:buFont typeface="Arial"/>
+                      <a:defRPr sz="1400" b="0" i="0" u="none" strike="noStrike" cap="none">
+                        <a:solidFill>
+                          <a:srgbClr val="000000"/>
+                        </a:solidFill>
+                        <a:latin typeface="Arial"/>
+                        <a:ea typeface="Arial"/>
+                        <a:cs typeface="Arial"/>
+                        <a:sym typeface="Arial"/>
+                      </a:defRPr>
+                    </a:lvl9pPr>
+                  </a:lstStyle>
+                  <a:p>
+                    <a:r>
+                      <a:rPr lang="ko-KR" altLang="en-US" sz="1000" dirty="0"/>
+                      <a:t>▶</a:t>
+                    </a:r>
+                    <a:r>
+                      <a:rPr lang="en-US" altLang="ko-KR" sz="1000" dirty="0"/>
+                      <a:t>Read </a:t>
+                    </a:r>
+                    <a:r>
+                      <a:rPr lang="ko-KR" altLang="en-US" sz="1000" dirty="0"/>
+                      <a:t>에서 에러 발생 코드 작성</a:t>
+                    </a:r>
+                    <a:r>
+                      <a:rPr lang="en-US" altLang="ko-KR" sz="1000" b="1" dirty="0">
+                        <a:solidFill>
+                          <a:srgbClr val="00B050"/>
+                        </a:solidFill>
+                      </a:rPr>
+                      <a:t>(GREEN)</a:t>
+                    </a:r>
+                    <a:endParaRPr lang="ko-KR" altLang="en-US" sz="1000" b="1" dirty="0">
+                      <a:solidFill>
+                        <a:srgbClr val="00B050"/>
+                      </a:solidFill>
+                    </a:endParaRPr>
+                  </a:p>
+                  <a:p>
+                    <a:endParaRPr lang="ko-KR" altLang="en-US" sz="1000" dirty="0"/>
+                  </a:p>
+                </p:txBody>
+              </p:sp>
+            </p:grpSp>
+          </p:grpSp>
+          <p:sp>
+            <p:nvSpPr>
+              <p:cNvPr id="15" name="사각형: 둥근 모서리 14">
+                <a:extLst>
+                  <a:ext uri="{FF2B5EF4-FFF2-40B4-BE49-F238E27FC236}">
+                    <a16:creationId xmlns:a16="http://schemas.microsoft.com/office/drawing/2014/main" id="{AC396C53-E87A-4DE0-AE6E-7506FCDB42B0}"/>
+                  </a:ext>
+                </a:extLst>
+              </p:cNvPr>
+              <p:cNvSpPr/>
+              <p:nvPr/>
+            </p:nvSpPr>
+            <p:spPr>
+              <a:xfrm>
+                <a:off x="2501170" y="3255827"/>
+                <a:ext cx="3070293" cy="2399249"/>
+              </a:xfrm>
+              <a:prstGeom prst="roundRect">
+                <a:avLst>
+                  <a:gd name="adj" fmla="val 2400"/>
+                </a:avLst>
+              </a:prstGeom>
+              <a:noFill/>
+              <a:ln w="9525" cap="flat" cmpd="sng" algn="ctr">
                 <a:solidFill>
-                  <a:srgbClr val="000000"/>
+                  <a:schemeClr val="dk1"/>
                 </a:solidFill>
-                <a:latin typeface="Arial"/>
-                <a:ea typeface="Arial"/>
-                <a:cs typeface="Arial"/>
-                <a:sym typeface="Arial"/>
-              </a:defRPr>
-            </a:lvl3pPr>
-            <a:lvl4pPr marR="0" lvl="3" algn="l" rtl="0">
-              <a:lnSpc>
-                <a:spcPct val="100000"/>
-              </a:lnSpc>
-              <a:spcBef>
-                <a:spcPts val="0"/>
-              </a:spcBef>
-              <a:spcAft>
-                <a:spcPts val="0"/>
-              </a:spcAft>
-              <a:buClr>
-                <a:srgbClr val="000000"/>
-              </a:buClr>
-              <a:buFont typeface="Arial"/>
-              <a:defRPr sz="1400" b="0" i="0" u="none" strike="noStrike" cap="none">
-                <a:solidFill>
-                  <a:srgbClr val="000000"/>
-                </a:solidFill>
-                <a:latin typeface="Arial"/>
-                <a:ea typeface="Arial"/>
-                <a:cs typeface="Arial"/>
-                <a:sym typeface="Arial"/>
-              </a:defRPr>
-            </a:lvl4pPr>
-            <a:lvl5pPr marR="0" lvl="4" algn="l" rtl="0">
-              <a:lnSpc>
-                <a:spcPct val="100000"/>
-              </a:lnSpc>
-              <a:spcBef>
-                <a:spcPts val="0"/>
-              </a:spcBef>
-              <a:spcAft>
-                <a:spcPts val="0"/>
-              </a:spcAft>
-              <a:buClr>
-                <a:srgbClr val="000000"/>
-              </a:buClr>
-              <a:buFont typeface="Arial"/>
-              <a:defRPr sz="1400" b="0" i="0" u="none" strike="noStrike" cap="none">
-                <a:solidFill>
-                  <a:srgbClr val="000000"/>
-                </a:solidFill>
-                <a:latin typeface="Arial"/>
-                <a:ea typeface="Arial"/>
-                <a:cs typeface="Arial"/>
-                <a:sym typeface="Arial"/>
-              </a:defRPr>
-            </a:lvl5pPr>
-            <a:lvl6pPr marR="0" lvl="5" algn="l" rtl="0">
-              <a:lnSpc>
-                <a:spcPct val="100000"/>
-              </a:lnSpc>
-              <a:spcBef>
-                <a:spcPts val="0"/>
-              </a:spcBef>
-              <a:spcAft>
-                <a:spcPts val="0"/>
-              </a:spcAft>
-              <a:buClr>
-                <a:srgbClr val="000000"/>
-              </a:buClr>
-              <a:buFont typeface="Arial"/>
-              <a:defRPr sz="1400" b="0" i="0" u="none" strike="noStrike" cap="none">
-                <a:solidFill>
-                  <a:srgbClr val="000000"/>
-                </a:solidFill>
-                <a:latin typeface="Arial"/>
-                <a:ea typeface="Arial"/>
-                <a:cs typeface="Arial"/>
-                <a:sym typeface="Arial"/>
-              </a:defRPr>
-            </a:lvl6pPr>
-            <a:lvl7pPr marR="0" lvl="6" algn="l" rtl="0">
-              <a:lnSpc>
-                <a:spcPct val="100000"/>
-              </a:lnSpc>
-              <a:spcBef>
-                <a:spcPts val="0"/>
-              </a:spcBef>
-              <a:spcAft>
-                <a:spcPts val="0"/>
-              </a:spcAft>
-              <a:buClr>
-                <a:srgbClr val="000000"/>
-              </a:buClr>
-              <a:buFont typeface="Arial"/>
-              <a:defRPr sz="1400" b="0" i="0" u="none" strike="noStrike" cap="none">
-                <a:solidFill>
-                  <a:srgbClr val="000000"/>
-                </a:solidFill>
-                <a:latin typeface="Arial"/>
-                <a:ea typeface="Arial"/>
-                <a:cs typeface="Arial"/>
-                <a:sym typeface="Arial"/>
-              </a:defRPr>
-            </a:lvl7pPr>
-            <a:lvl8pPr marR="0" lvl="7" algn="l" rtl="0">
-              <a:lnSpc>
-                <a:spcPct val="100000"/>
-              </a:lnSpc>
-              <a:spcBef>
-                <a:spcPts val="0"/>
-              </a:spcBef>
-              <a:spcAft>
-                <a:spcPts val="0"/>
-              </a:spcAft>
-              <a:buClr>
-                <a:srgbClr val="000000"/>
-              </a:buClr>
-              <a:buFont typeface="Arial"/>
-              <a:defRPr sz="1400" b="0" i="0" u="none" strike="noStrike" cap="none">
-                <a:solidFill>
-                  <a:srgbClr val="000000"/>
-                </a:solidFill>
-                <a:latin typeface="Arial"/>
-                <a:ea typeface="Arial"/>
-                <a:cs typeface="Arial"/>
-                <a:sym typeface="Arial"/>
-              </a:defRPr>
-            </a:lvl8pPr>
-            <a:lvl9pPr marR="0" lvl="8" algn="l" rtl="0">
-              <a:lnSpc>
-                <a:spcPct val="100000"/>
-              </a:lnSpc>
-              <a:spcBef>
-                <a:spcPts val="0"/>
-              </a:spcBef>
-              <a:spcAft>
-                <a:spcPts val="0"/>
-              </a:spcAft>
-              <a:buClr>
-                <a:srgbClr val="000000"/>
-              </a:buClr>
-              <a:buFont typeface="Arial"/>
-              <a:defRPr sz="1400" b="0" i="0" u="none" strike="noStrike" cap="none">
-                <a:solidFill>
-                  <a:srgbClr val="000000"/>
-                </a:solidFill>
-                <a:latin typeface="Arial"/>
-                <a:ea typeface="Arial"/>
-                <a:cs typeface="Arial"/>
-                <a:sym typeface="Arial"/>
-              </a:defRPr>
-            </a:lvl9pPr>
-          </a:lstStyle>
-          <a:p>
-            <a:r>
-              <a:rPr lang="ko-KR" altLang="en-US" sz="1000" dirty="0"/>
-              <a:t>▶</a:t>
-            </a:r>
-            <a:r>
-              <a:rPr lang="en-US" altLang="ko-KR" sz="1000" dirty="0"/>
-              <a:t>TC 1. Test</a:t>
-            </a:r>
-            <a:r>
-              <a:rPr lang="ko-KR" altLang="en-US" sz="1000" dirty="0"/>
-              <a:t> </a:t>
-            </a:r>
-            <a:r>
-              <a:rPr lang="en-US" altLang="ko-KR" sz="1000" dirty="0"/>
-              <a:t>Shell</a:t>
-            </a:r>
-            <a:r>
-              <a:rPr lang="ko-KR" altLang="en-US" sz="1000" dirty="0"/>
-              <a:t> </a:t>
-            </a:r>
-            <a:r>
-              <a:rPr lang="en-US" altLang="ko-KR" sz="1000" dirty="0"/>
-              <a:t>Parser </a:t>
-            </a:r>
-            <a:r>
-              <a:rPr lang="en-US" altLang="ko-KR" sz="1000" b="1" dirty="0">
+                <a:prstDash val="solid"/>
+                <a:round/>
+                <a:headEnd type="none" w="med" len="med"/>
+                <a:tailEnd type="none" w="med" len="med"/>
+              </a:ln>
+            </p:spPr>
+            <p:style>
+              <a:lnRef idx="0">
+                <a:scrgbClr r="0" g="0" b="0"/>
+              </a:lnRef>
+              <a:fillRef idx="0">
+                <a:scrgbClr r="0" g="0" b="0"/>
+              </a:fillRef>
+              <a:effectRef idx="0">
+                <a:scrgbClr r="0" g="0" b="0"/>
+              </a:effectRef>
+              <a:fontRef idx="minor">
+                <a:schemeClr val="dk1"/>
+              </a:fontRef>
+            </p:style>
+            <p:txBody>
+              <a:bodyPr rtlCol="0" anchor="ctr"/>
+              <a:lstStyle/>
+              <a:p>
+                <a:pPr algn="ctr"/>
+                <a:endParaRPr lang="ko-KR" altLang="en-US"/>
+              </a:p>
+            </p:txBody>
+          </p:sp>
+        </p:grpSp>
+        <p:cxnSp>
+          <p:nvCxnSpPr>
+            <p:cNvPr id="32" name="직선 화살표 연결선 31">
+              <a:extLst>
+                <a:ext uri="{FF2B5EF4-FFF2-40B4-BE49-F238E27FC236}">
+                  <a16:creationId xmlns:a16="http://schemas.microsoft.com/office/drawing/2014/main" id="{CC72CEC9-8E36-4FFD-A815-1DA914FB6A5E}"/>
+                </a:ext>
+              </a:extLst>
+            </p:cNvPr>
+            <p:cNvCxnSpPr>
+              <a:cxnSpLocks/>
+              <a:stCxn id="26" idx="3"/>
+              <a:endCxn id="15" idx="1"/>
+            </p:cNvCxnSpPr>
+            <p:nvPr/>
+          </p:nvCxnSpPr>
+          <p:spPr>
+            <a:xfrm flipV="1">
+              <a:off x="8386548" y="5279070"/>
+              <a:ext cx="456421" cy="958600"/>
+            </a:xfrm>
+            <a:prstGeom prst="straightConnector1">
+              <a:avLst/>
+            </a:prstGeom>
+            <a:ln w="57150">
+              <a:tailEnd type="triangle"/>
+            </a:ln>
+          </p:spPr>
+          <p:style>
+            <a:lnRef idx="1">
+              <a:schemeClr val="accent1"/>
+            </a:lnRef>
+            <a:fillRef idx="0">
+              <a:schemeClr val="accent1"/>
+            </a:fillRef>
+            <a:effectRef idx="0">
+              <a:schemeClr val="accent1"/>
+            </a:effectRef>
+            <a:fontRef idx="minor">
+              <a:schemeClr val="tx1"/>
+            </a:fontRef>
+          </p:style>
+        </p:cxnSp>
+        <p:sp>
+          <p:nvSpPr>
+            <p:cNvPr id="72" name="TextBox 71">
+              <a:extLst>
+                <a:ext uri="{FF2B5EF4-FFF2-40B4-BE49-F238E27FC236}">
+                  <a16:creationId xmlns:a16="http://schemas.microsoft.com/office/drawing/2014/main" id="{F3541F94-CD9A-415B-81A3-4833BC7A112C}"/>
+                </a:ext>
+              </a:extLst>
+            </p:cNvPr>
+            <p:cNvSpPr txBox="1"/>
+            <p:nvPr/>
+          </p:nvSpPr>
+          <p:spPr>
+            <a:xfrm rot="17759519">
+              <a:off x="7881915" y="5550046"/>
+              <a:ext cx="1061509" cy="307777"/>
+            </a:xfrm>
+            <a:prstGeom prst="rect">
+              <a:avLst/>
+            </a:prstGeom>
+            <a:noFill/>
+          </p:spPr>
+          <p:txBody>
+            <a:bodyPr wrap="none" rtlCol="0">
+              <a:spAutoFit/>
+            </a:bodyPr>
+            <a:lstStyle/>
+            <a:p>
+              <a:r>
+                <a:rPr lang="ko-KR" altLang="en-US" b="1" dirty="0">
+                  <a:solidFill>
+                    <a:srgbClr val="FF0000"/>
+                  </a:solidFill>
+                </a:rPr>
+                <a:t>① </a:t>
+              </a:r>
+              <a:r>
+                <a:rPr lang="en-US" altLang="ko-KR" b="1" dirty="0">
+                  <a:solidFill>
+                    <a:srgbClr val="FF0000"/>
+                  </a:solidFill>
+                </a:rPr>
+                <a:t>TC </a:t>
+              </a:r>
+              <a:r>
+                <a:rPr lang="ko-KR" altLang="en-US" b="1" dirty="0">
+                  <a:solidFill>
+                    <a:srgbClr val="FF0000"/>
+                  </a:solidFill>
+                </a:rPr>
+                <a:t>작성</a:t>
+              </a:r>
+              <a:endParaRPr lang="ko-KR" altLang="en-US" sz="2000" b="1" dirty="0">
                 <a:solidFill>
                   <a:srgbClr val="FF0000"/>
                 </a:solidFill>
-              </a:rPr>
-              <a:t>(RED)</a:t>
-            </a:r>
-            <a:endParaRPr lang="ko-KR" altLang="en-US" sz="1000" b="1" dirty="0">
-              <a:solidFill>
-                <a:srgbClr val="FF0000"/>
-              </a:solidFill>
-            </a:endParaRPr>
-          </a:p>
-        </p:txBody>
-      </p:sp>
-      <p:cxnSp>
-        <p:nvCxnSpPr>
-          <p:cNvPr id="65" name="직선 화살표 연결선 64">
+              </a:endParaRPr>
+            </a:p>
+          </p:txBody>
+        </p:sp>
+      </p:grpSp>
+      <p:grpSp>
+        <p:nvGrpSpPr>
+          <p:cNvPr id="36" name="그룹 35">
             <a:extLst>
               <a:ext uri="{FF2B5EF4-FFF2-40B4-BE49-F238E27FC236}">
-                <a16:creationId xmlns:a16="http://schemas.microsoft.com/office/drawing/2014/main" id="{4CB8DDDE-A4D3-4D3B-B476-276E08DD24E4}"/>
+                <a16:creationId xmlns:a16="http://schemas.microsoft.com/office/drawing/2014/main" id="{DB9A8718-5334-4E76-B70F-A0AF0429E6C5}"/>
               </a:ext>
             </a:extLst>
           </p:cNvPr>
-          <p:cNvCxnSpPr>
-            <a:cxnSpLocks/>
-          </p:cNvCxnSpPr>
+          <p:cNvGrpSpPr/>
           <p:nvPr/>
-        </p:nvCxnSpPr>
-        <p:spPr>
-          <a:xfrm flipV="1">
-            <a:off x="2079699" y="3449389"/>
-            <a:ext cx="48881" cy="479597"/>
+        </p:nvGrpSpPr>
+        <p:grpSpPr>
+          <a:xfrm>
+            <a:off x="475249" y="1611844"/>
+            <a:ext cx="2496391" cy="2530842"/>
+            <a:chOff x="475249" y="1611844"/>
+            <a:chExt cx="2496391" cy="2530842"/>
           </a:xfrm>
-          <a:prstGeom prst="straightConnector1">
-            <a:avLst/>
-          </a:prstGeom>
-          <a:ln w="57150">
-            <a:tailEnd type="triangle"/>
-          </a:ln>
-        </p:spPr>
-        <p:style>
-          <a:lnRef idx="1">
-            <a:schemeClr val="accent1"/>
-          </a:lnRef>
-          <a:fillRef idx="0">
-            <a:schemeClr val="accent1"/>
-          </a:fillRef>
-          <a:effectRef idx="0">
-            <a:schemeClr val="accent1"/>
-          </a:effectRef>
-          <a:fontRef idx="minor">
-            <a:schemeClr val="tx1"/>
-          </a:fontRef>
-        </p:style>
-      </p:cxnSp>
-      <p:sp>
-        <p:nvSpPr>
-          <p:cNvPr id="66" name="TextBox 65">
+        </p:grpSpPr>
+        <p:pic>
+          <p:nvPicPr>
+            <p:cNvPr id="33" name="그림 32">
+              <a:extLst>
+                <a:ext uri="{FF2B5EF4-FFF2-40B4-BE49-F238E27FC236}">
+                  <a16:creationId xmlns:a16="http://schemas.microsoft.com/office/drawing/2014/main" id="{1BE8733B-233D-4B5F-957F-D0B75E3FAA98}"/>
+                </a:ext>
+              </a:extLst>
+            </p:cNvPr>
+            <p:cNvPicPr>
+              <a:picLocks noChangeAspect="1"/>
+            </p:cNvPicPr>
+            <p:nvPr/>
+          </p:nvPicPr>
+          <p:blipFill>
+            <a:blip r:embed="rId10"/>
+            <a:stretch>
+              <a:fillRect/>
+            </a:stretch>
+          </p:blipFill>
+          <p:spPr>
+            <a:xfrm>
+              <a:off x="601677" y="1912941"/>
+              <a:ext cx="2131261" cy="1662470"/>
+            </a:xfrm>
+            <a:prstGeom prst="rect">
+              <a:avLst/>
+            </a:prstGeom>
+          </p:spPr>
+        </p:pic>
+        <p:sp>
+          <p:nvSpPr>
+            <p:cNvPr id="52" name="TextBox 12">
+              <a:extLst>
+                <a:ext uri="{FF2B5EF4-FFF2-40B4-BE49-F238E27FC236}">
+                  <a16:creationId xmlns:a16="http://schemas.microsoft.com/office/drawing/2014/main" id="{C4ED901E-1CE1-44CB-A01C-0535B13C2922}"/>
+                </a:ext>
+              </a:extLst>
+            </p:cNvPr>
+            <p:cNvSpPr txBox="1"/>
+            <p:nvPr/>
+          </p:nvSpPr>
+          <p:spPr>
+            <a:xfrm>
+              <a:off x="536260" y="1649356"/>
+              <a:ext cx="2036135" cy="246221"/>
+            </a:xfrm>
+            <a:prstGeom prst="rect">
+              <a:avLst/>
+            </a:prstGeom>
+            <a:noFill/>
+          </p:spPr>
+          <p:txBody>
+            <a:bodyPr wrap="none" rtlCol="0">
+              <a:spAutoFit/>
+            </a:bodyPr>
+            <a:lstStyle>
+              <a:defPPr marR="0" lvl="0" algn="l" rtl="0">
+                <a:lnSpc>
+                  <a:spcPct val="100000"/>
+                </a:lnSpc>
+                <a:spcBef>
+                  <a:spcPts val="0"/>
+                </a:spcBef>
+                <a:spcAft>
+                  <a:spcPts val="0"/>
+                </a:spcAft>
+              </a:defPPr>
+              <a:lvl1pPr marR="0" lvl="0" algn="l" rtl="0">
+                <a:lnSpc>
+                  <a:spcPct val="100000"/>
+                </a:lnSpc>
+                <a:spcBef>
+                  <a:spcPts val="0"/>
+                </a:spcBef>
+                <a:spcAft>
+                  <a:spcPts val="0"/>
+                </a:spcAft>
+                <a:buClr>
+                  <a:srgbClr val="000000"/>
+                </a:buClr>
+                <a:buFont typeface="Arial"/>
+                <a:defRPr sz="1400" b="0" i="0" u="none" strike="noStrike" cap="none">
+                  <a:solidFill>
+                    <a:srgbClr val="000000"/>
+                  </a:solidFill>
+                  <a:latin typeface="Arial"/>
+                  <a:ea typeface="Arial"/>
+                  <a:cs typeface="Arial"/>
+                  <a:sym typeface="Arial"/>
+                </a:defRPr>
+              </a:lvl1pPr>
+              <a:lvl2pPr marR="0" lvl="1" algn="l" rtl="0">
+                <a:lnSpc>
+                  <a:spcPct val="100000"/>
+                </a:lnSpc>
+                <a:spcBef>
+                  <a:spcPts val="0"/>
+                </a:spcBef>
+                <a:spcAft>
+                  <a:spcPts val="0"/>
+                </a:spcAft>
+                <a:buClr>
+                  <a:srgbClr val="000000"/>
+                </a:buClr>
+                <a:buFont typeface="Arial"/>
+                <a:defRPr sz="1400" b="0" i="0" u="none" strike="noStrike" cap="none">
+                  <a:solidFill>
+                    <a:srgbClr val="000000"/>
+                  </a:solidFill>
+                  <a:latin typeface="Arial"/>
+                  <a:ea typeface="Arial"/>
+                  <a:cs typeface="Arial"/>
+                  <a:sym typeface="Arial"/>
+                </a:defRPr>
+              </a:lvl2pPr>
+              <a:lvl3pPr marR="0" lvl="2" algn="l" rtl="0">
+                <a:lnSpc>
+                  <a:spcPct val="100000"/>
+                </a:lnSpc>
+                <a:spcBef>
+                  <a:spcPts val="0"/>
+                </a:spcBef>
+                <a:spcAft>
+                  <a:spcPts val="0"/>
+                </a:spcAft>
+                <a:buClr>
+                  <a:srgbClr val="000000"/>
+                </a:buClr>
+                <a:buFont typeface="Arial"/>
+                <a:defRPr sz="1400" b="0" i="0" u="none" strike="noStrike" cap="none">
+                  <a:solidFill>
+                    <a:srgbClr val="000000"/>
+                  </a:solidFill>
+                  <a:latin typeface="Arial"/>
+                  <a:ea typeface="Arial"/>
+                  <a:cs typeface="Arial"/>
+                  <a:sym typeface="Arial"/>
+                </a:defRPr>
+              </a:lvl3pPr>
+              <a:lvl4pPr marR="0" lvl="3" algn="l" rtl="0">
+                <a:lnSpc>
+                  <a:spcPct val="100000"/>
+                </a:lnSpc>
+                <a:spcBef>
+                  <a:spcPts val="0"/>
+                </a:spcBef>
+                <a:spcAft>
+                  <a:spcPts val="0"/>
+                </a:spcAft>
+                <a:buClr>
+                  <a:srgbClr val="000000"/>
+                </a:buClr>
+                <a:buFont typeface="Arial"/>
+                <a:defRPr sz="1400" b="0" i="0" u="none" strike="noStrike" cap="none">
+                  <a:solidFill>
+                    <a:srgbClr val="000000"/>
+                  </a:solidFill>
+                  <a:latin typeface="Arial"/>
+                  <a:ea typeface="Arial"/>
+                  <a:cs typeface="Arial"/>
+                  <a:sym typeface="Arial"/>
+                </a:defRPr>
+              </a:lvl4pPr>
+              <a:lvl5pPr marR="0" lvl="4" algn="l" rtl="0">
+                <a:lnSpc>
+                  <a:spcPct val="100000"/>
+                </a:lnSpc>
+                <a:spcBef>
+                  <a:spcPts val="0"/>
+                </a:spcBef>
+                <a:spcAft>
+                  <a:spcPts val="0"/>
+                </a:spcAft>
+                <a:buClr>
+                  <a:srgbClr val="000000"/>
+                </a:buClr>
+                <a:buFont typeface="Arial"/>
+                <a:defRPr sz="1400" b="0" i="0" u="none" strike="noStrike" cap="none">
+                  <a:solidFill>
+                    <a:srgbClr val="000000"/>
+                  </a:solidFill>
+                  <a:latin typeface="Arial"/>
+                  <a:ea typeface="Arial"/>
+                  <a:cs typeface="Arial"/>
+                  <a:sym typeface="Arial"/>
+                </a:defRPr>
+              </a:lvl5pPr>
+              <a:lvl6pPr marR="0" lvl="5" algn="l" rtl="0">
+                <a:lnSpc>
+                  <a:spcPct val="100000"/>
+                </a:lnSpc>
+                <a:spcBef>
+                  <a:spcPts val="0"/>
+                </a:spcBef>
+                <a:spcAft>
+                  <a:spcPts val="0"/>
+                </a:spcAft>
+                <a:buClr>
+                  <a:srgbClr val="000000"/>
+                </a:buClr>
+                <a:buFont typeface="Arial"/>
+                <a:defRPr sz="1400" b="0" i="0" u="none" strike="noStrike" cap="none">
+                  <a:solidFill>
+                    <a:srgbClr val="000000"/>
+                  </a:solidFill>
+                  <a:latin typeface="Arial"/>
+                  <a:ea typeface="Arial"/>
+                  <a:cs typeface="Arial"/>
+                  <a:sym typeface="Arial"/>
+                </a:defRPr>
+              </a:lvl6pPr>
+              <a:lvl7pPr marR="0" lvl="6" algn="l" rtl="0">
+                <a:lnSpc>
+                  <a:spcPct val="100000"/>
+                </a:lnSpc>
+                <a:spcBef>
+                  <a:spcPts val="0"/>
+                </a:spcBef>
+                <a:spcAft>
+                  <a:spcPts val="0"/>
+                </a:spcAft>
+                <a:buClr>
+                  <a:srgbClr val="000000"/>
+                </a:buClr>
+                <a:buFont typeface="Arial"/>
+                <a:defRPr sz="1400" b="0" i="0" u="none" strike="noStrike" cap="none">
+                  <a:solidFill>
+                    <a:srgbClr val="000000"/>
+                  </a:solidFill>
+                  <a:latin typeface="Arial"/>
+                  <a:ea typeface="Arial"/>
+                  <a:cs typeface="Arial"/>
+                  <a:sym typeface="Arial"/>
+                </a:defRPr>
+              </a:lvl7pPr>
+              <a:lvl8pPr marR="0" lvl="7" algn="l" rtl="0">
+                <a:lnSpc>
+                  <a:spcPct val="100000"/>
+                </a:lnSpc>
+                <a:spcBef>
+                  <a:spcPts val="0"/>
+                </a:spcBef>
+                <a:spcAft>
+                  <a:spcPts val="0"/>
+                </a:spcAft>
+                <a:buClr>
+                  <a:srgbClr val="000000"/>
+                </a:buClr>
+                <a:buFont typeface="Arial"/>
+                <a:defRPr sz="1400" b="0" i="0" u="none" strike="noStrike" cap="none">
+                  <a:solidFill>
+                    <a:srgbClr val="000000"/>
+                  </a:solidFill>
+                  <a:latin typeface="Arial"/>
+                  <a:ea typeface="Arial"/>
+                  <a:cs typeface="Arial"/>
+                  <a:sym typeface="Arial"/>
+                </a:defRPr>
+              </a:lvl8pPr>
+              <a:lvl9pPr marR="0" lvl="8" algn="l" rtl="0">
+                <a:lnSpc>
+                  <a:spcPct val="100000"/>
+                </a:lnSpc>
+                <a:spcBef>
+                  <a:spcPts val="0"/>
+                </a:spcBef>
+                <a:spcAft>
+                  <a:spcPts val="0"/>
+                </a:spcAft>
+                <a:buClr>
+                  <a:srgbClr val="000000"/>
+                </a:buClr>
+                <a:buFont typeface="Arial"/>
+                <a:defRPr sz="1400" b="0" i="0" u="none" strike="noStrike" cap="none">
+                  <a:solidFill>
+                    <a:srgbClr val="000000"/>
+                  </a:solidFill>
+                  <a:latin typeface="Arial"/>
+                  <a:ea typeface="Arial"/>
+                  <a:cs typeface="Arial"/>
+                  <a:sym typeface="Arial"/>
+                </a:defRPr>
+              </a:lvl9pPr>
+            </a:lstStyle>
+            <a:p>
+              <a:r>
+                <a:rPr lang="ko-KR" altLang="en-US" sz="1000" dirty="0"/>
+                <a:t>▶</a:t>
+              </a:r>
+              <a:r>
+                <a:rPr lang="en-US" altLang="ko-KR" sz="1000" dirty="0"/>
+                <a:t> </a:t>
+              </a:r>
+              <a:r>
+                <a:rPr lang="ko-KR" altLang="en-US" sz="1000" dirty="0"/>
+                <a:t>일반코드 구현</a:t>
+              </a:r>
+              <a:r>
+                <a:rPr lang="en-US" altLang="ko-KR" sz="1000" dirty="0"/>
+                <a:t> </a:t>
+              </a:r>
+              <a:r>
+                <a:rPr lang="en-US" altLang="ko-KR" sz="1000" b="1" dirty="0">
+                  <a:solidFill>
+                    <a:srgbClr val="0070C0"/>
+                  </a:solidFill>
+                </a:rPr>
+                <a:t>(REFACTOR)</a:t>
+              </a:r>
+              <a:endParaRPr lang="ko-KR" altLang="en-US" sz="1000" b="1" dirty="0">
+                <a:solidFill>
+                  <a:srgbClr val="0070C0"/>
+                </a:solidFill>
+              </a:endParaRPr>
+            </a:p>
+          </p:txBody>
+        </p:sp>
+        <p:cxnSp>
+          <p:nvCxnSpPr>
+            <p:cNvPr id="65" name="직선 화살표 연결선 64">
+              <a:extLst>
+                <a:ext uri="{FF2B5EF4-FFF2-40B4-BE49-F238E27FC236}">
+                  <a16:creationId xmlns:a16="http://schemas.microsoft.com/office/drawing/2014/main" id="{4CB8DDDE-A4D3-4D3B-B476-276E08DD24E4}"/>
+                </a:ext>
+              </a:extLst>
+            </p:cNvPr>
+            <p:cNvCxnSpPr>
+              <a:cxnSpLocks/>
+            </p:cNvCxnSpPr>
+            <p:nvPr/>
+          </p:nvCxnSpPr>
+          <p:spPr>
+            <a:xfrm flipV="1">
+              <a:off x="2079699" y="3449389"/>
+              <a:ext cx="48881" cy="479597"/>
+            </a:xfrm>
+            <a:prstGeom prst="straightConnector1">
+              <a:avLst/>
+            </a:prstGeom>
+            <a:ln w="57150">
+              <a:tailEnd type="triangle"/>
+            </a:ln>
+          </p:spPr>
+          <p:style>
+            <a:lnRef idx="1">
+              <a:schemeClr val="accent1"/>
+            </a:lnRef>
+            <a:fillRef idx="0">
+              <a:schemeClr val="accent1"/>
+            </a:fillRef>
+            <a:effectRef idx="0">
+              <a:schemeClr val="accent1"/>
+            </a:effectRef>
+            <a:fontRef idx="minor">
+              <a:schemeClr val="tx1"/>
+            </a:fontRef>
+          </p:style>
+        </p:cxnSp>
+        <p:sp>
+          <p:nvSpPr>
+            <p:cNvPr id="66" name="TextBox 65">
+              <a:extLst>
+                <a:ext uri="{FF2B5EF4-FFF2-40B4-BE49-F238E27FC236}">
+                  <a16:creationId xmlns:a16="http://schemas.microsoft.com/office/drawing/2014/main" id="{E3D48409-B872-4FF0-89CA-36AD69DE99E2}"/>
+                </a:ext>
+              </a:extLst>
+            </p:cNvPr>
+            <p:cNvSpPr txBox="1"/>
+            <p:nvPr/>
+          </p:nvSpPr>
+          <p:spPr>
+            <a:xfrm rot="16765233">
+              <a:off x="1160581" y="3179762"/>
+              <a:ext cx="1587294" cy="338554"/>
+            </a:xfrm>
+            <a:prstGeom prst="rect">
+              <a:avLst/>
+            </a:prstGeom>
+            <a:noFill/>
+          </p:spPr>
+          <p:txBody>
+            <a:bodyPr wrap="none" rtlCol="0">
+              <a:spAutoFit/>
+            </a:bodyPr>
+            <a:lstStyle/>
+            <a:p>
+              <a:r>
+                <a:rPr lang="ko-KR" altLang="en-US" sz="1600" b="1" dirty="0">
+                  <a:solidFill>
+                    <a:srgbClr val="0070C0"/>
+                  </a:solidFill>
+                </a:rPr>
+                <a:t>③ </a:t>
+              </a:r>
+              <a:r>
+                <a:rPr lang="en-US" altLang="ko-KR" sz="1600" b="1" dirty="0">
+                  <a:solidFill>
+                    <a:srgbClr val="0070C0"/>
+                  </a:solidFill>
+                </a:rPr>
+                <a:t>Refactoring</a:t>
+              </a:r>
+              <a:endParaRPr lang="ko-KR" altLang="en-US" sz="1600" b="1" dirty="0">
+                <a:solidFill>
+                  <a:srgbClr val="0070C0"/>
+                </a:solidFill>
+              </a:endParaRPr>
+            </a:p>
+          </p:txBody>
+        </p:sp>
+        <p:sp>
+          <p:nvSpPr>
+            <p:cNvPr id="3" name="사각형: 둥근 모서리 2">
+              <a:extLst>
+                <a:ext uri="{FF2B5EF4-FFF2-40B4-BE49-F238E27FC236}">
+                  <a16:creationId xmlns:a16="http://schemas.microsoft.com/office/drawing/2014/main" id="{5FDA2707-460C-45AF-8D98-B4CF5212DFBA}"/>
+                </a:ext>
+              </a:extLst>
+            </p:cNvPr>
+            <p:cNvSpPr/>
+            <p:nvPr/>
+          </p:nvSpPr>
+          <p:spPr>
+            <a:xfrm>
+              <a:off x="475249" y="1611844"/>
+              <a:ext cx="2496391" cy="2073386"/>
+            </a:xfrm>
+            <a:prstGeom prst="roundRect">
+              <a:avLst>
+                <a:gd name="adj" fmla="val 3507"/>
+              </a:avLst>
+            </a:prstGeom>
+            <a:noFill/>
+            <a:ln w="9525" cap="flat" cmpd="sng" algn="ctr">
+              <a:solidFill>
+                <a:schemeClr val="dk1"/>
+              </a:solidFill>
+              <a:prstDash val="solid"/>
+              <a:round/>
+              <a:headEnd type="none" w="med" len="med"/>
+              <a:tailEnd type="none" w="med" len="med"/>
+            </a:ln>
+          </p:spPr>
+          <p:style>
+            <a:lnRef idx="0">
+              <a:scrgbClr r="0" g="0" b="0"/>
+            </a:lnRef>
+            <a:fillRef idx="0">
+              <a:scrgbClr r="0" g="0" b="0"/>
+            </a:fillRef>
+            <a:effectRef idx="0">
+              <a:scrgbClr r="0" g="0" b="0"/>
+            </a:effectRef>
+            <a:fontRef idx="minor">
+              <a:schemeClr val="dk1"/>
+            </a:fontRef>
+          </p:style>
+          <p:txBody>
+            <a:bodyPr rtlCol="0" anchor="ctr"/>
+            <a:lstStyle/>
+            <a:p>
+              <a:pPr algn="ctr"/>
+              <a:endParaRPr lang="ko-KR" altLang="en-US"/>
+            </a:p>
+          </p:txBody>
+        </p:sp>
+      </p:grpSp>
+      <p:grpSp>
+        <p:nvGrpSpPr>
+          <p:cNvPr id="34" name="그룹 33">
             <a:extLst>
               <a:ext uri="{FF2B5EF4-FFF2-40B4-BE49-F238E27FC236}">
-                <a16:creationId xmlns:a16="http://schemas.microsoft.com/office/drawing/2014/main" id="{E3D48409-B872-4FF0-89CA-36AD69DE99E2}"/>
+                <a16:creationId xmlns:a16="http://schemas.microsoft.com/office/drawing/2014/main" id="{DF447D45-6F7E-4FC8-ACBA-672DCF4A6979}"/>
               </a:ext>
             </a:extLst>
           </p:cNvPr>
-          <p:cNvSpPr txBox="1"/>
+          <p:cNvGrpSpPr/>
           <p:nvPr/>
-        </p:nvSpPr>
-        <p:spPr>
-          <a:xfrm rot="16765233">
-            <a:off x="1160581" y="3179762"/>
-            <a:ext cx="1587294" cy="338554"/>
+        </p:nvGrpSpPr>
+        <p:grpSpPr>
+          <a:xfrm>
+            <a:off x="2753083" y="1551356"/>
+            <a:ext cx="3160312" cy="3381170"/>
+            <a:chOff x="2753083" y="1551356"/>
+            <a:chExt cx="3160312" cy="3381170"/>
           </a:xfrm>
-          <a:prstGeom prst="rect">
-            <a:avLst/>
-          </a:prstGeom>
-          <a:noFill/>
-        </p:spPr>
-        <p:txBody>
-          <a:bodyPr wrap="none" rtlCol="0">
-            <a:spAutoFit/>
-          </a:bodyPr>
-          <a:lstStyle/>
-          <a:p>
-            <a:r>
-              <a:rPr lang="ko-KR" altLang="en-US" sz="1600" b="1" dirty="0">
+        </p:grpSpPr>
+        <p:pic>
+          <p:nvPicPr>
+            <p:cNvPr id="53" name="그림 52">
+              <a:extLst>
+                <a:ext uri="{FF2B5EF4-FFF2-40B4-BE49-F238E27FC236}">
+                  <a16:creationId xmlns:a16="http://schemas.microsoft.com/office/drawing/2014/main" id="{2BAFEA92-10BC-4B88-A403-F1149F38ABDF}"/>
+                </a:ext>
+              </a:extLst>
+            </p:cNvPr>
+            <p:cNvPicPr>
+              <a:picLocks noChangeAspect="1"/>
+            </p:cNvPicPr>
+            <p:nvPr/>
+          </p:nvPicPr>
+          <p:blipFill>
+            <a:blip r:embed="rId11"/>
+            <a:stretch>
+              <a:fillRect/>
+            </a:stretch>
+          </p:blipFill>
+          <p:spPr>
+            <a:xfrm>
+              <a:off x="3247616" y="1758522"/>
+              <a:ext cx="2601155" cy="2371955"/>
+            </a:xfrm>
+            <a:prstGeom prst="rect">
+              <a:avLst/>
+            </a:prstGeom>
+          </p:spPr>
+        </p:pic>
+        <p:sp>
+          <p:nvSpPr>
+            <p:cNvPr id="60" name="TextBox 14">
+              <a:extLst>
+                <a:ext uri="{FF2B5EF4-FFF2-40B4-BE49-F238E27FC236}">
+                  <a16:creationId xmlns:a16="http://schemas.microsoft.com/office/drawing/2014/main" id="{FA77B054-A092-47C2-A1B3-97FAEF3529C3}"/>
+                </a:ext>
+              </a:extLst>
+            </p:cNvPr>
+            <p:cNvSpPr txBox="1"/>
+            <p:nvPr/>
+          </p:nvSpPr>
+          <p:spPr>
+            <a:xfrm>
+              <a:off x="3220297" y="1596883"/>
+              <a:ext cx="2404826" cy="246221"/>
+            </a:xfrm>
+            <a:prstGeom prst="rect">
+              <a:avLst/>
+            </a:prstGeom>
+            <a:noFill/>
+          </p:spPr>
+          <p:txBody>
+            <a:bodyPr wrap="none" rtlCol="0">
+              <a:spAutoFit/>
+            </a:bodyPr>
+            <a:lstStyle>
+              <a:defPPr marR="0" lvl="0" algn="l" rtl="0">
+                <a:lnSpc>
+                  <a:spcPct val="100000"/>
+                </a:lnSpc>
+                <a:spcBef>
+                  <a:spcPts val="0"/>
+                </a:spcBef>
+                <a:spcAft>
+                  <a:spcPts val="0"/>
+                </a:spcAft>
+              </a:defPPr>
+              <a:lvl1pPr marR="0" lvl="0" algn="l" rtl="0">
+                <a:lnSpc>
+                  <a:spcPct val="100000"/>
+                </a:lnSpc>
+                <a:spcBef>
+                  <a:spcPts val="0"/>
+                </a:spcBef>
+                <a:spcAft>
+                  <a:spcPts val="0"/>
+                </a:spcAft>
+                <a:buClr>
+                  <a:srgbClr val="000000"/>
+                </a:buClr>
+                <a:buFont typeface="Arial"/>
+                <a:defRPr sz="1400" b="0" i="0" u="none" strike="noStrike" cap="none">
+                  <a:solidFill>
+                    <a:srgbClr val="000000"/>
+                  </a:solidFill>
+                  <a:latin typeface="Arial"/>
+                  <a:ea typeface="Arial"/>
+                  <a:cs typeface="Arial"/>
+                  <a:sym typeface="Arial"/>
+                </a:defRPr>
+              </a:lvl1pPr>
+              <a:lvl2pPr marR="0" lvl="1" algn="l" rtl="0">
+                <a:lnSpc>
+                  <a:spcPct val="100000"/>
+                </a:lnSpc>
+                <a:spcBef>
+                  <a:spcPts val="0"/>
+                </a:spcBef>
+                <a:spcAft>
+                  <a:spcPts val="0"/>
+                </a:spcAft>
+                <a:buClr>
+                  <a:srgbClr val="000000"/>
+                </a:buClr>
+                <a:buFont typeface="Arial"/>
+                <a:defRPr sz="1400" b="0" i="0" u="none" strike="noStrike" cap="none">
+                  <a:solidFill>
+                    <a:srgbClr val="000000"/>
+                  </a:solidFill>
+                  <a:latin typeface="Arial"/>
+                  <a:ea typeface="Arial"/>
+                  <a:cs typeface="Arial"/>
+                  <a:sym typeface="Arial"/>
+                </a:defRPr>
+              </a:lvl2pPr>
+              <a:lvl3pPr marR="0" lvl="2" algn="l" rtl="0">
+                <a:lnSpc>
+                  <a:spcPct val="100000"/>
+                </a:lnSpc>
+                <a:spcBef>
+                  <a:spcPts val="0"/>
+                </a:spcBef>
+                <a:spcAft>
+                  <a:spcPts val="0"/>
+                </a:spcAft>
+                <a:buClr>
+                  <a:srgbClr val="000000"/>
+                </a:buClr>
+                <a:buFont typeface="Arial"/>
+                <a:defRPr sz="1400" b="0" i="0" u="none" strike="noStrike" cap="none">
+                  <a:solidFill>
+                    <a:srgbClr val="000000"/>
+                  </a:solidFill>
+                  <a:latin typeface="Arial"/>
+                  <a:ea typeface="Arial"/>
+                  <a:cs typeface="Arial"/>
+                  <a:sym typeface="Arial"/>
+                </a:defRPr>
+              </a:lvl3pPr>
+              <a:lvl4pPr marR="0" lvl="3" algn="l" rtl="0">
+                <a:lnSpc>
+                  <a:spcPct val="100000"/>
+                </a:lnSpc>
+                <a:spcBef>
+                  <a:spcPts val="0"/>
+                </a:spcBef>
+                <a:spcAft>
+                  <a:spcPts val="0"/>
+                </a:spcAft>
+                <a:buClr>
+                  <a:srgbClr val="000000"/>
+                </a:buClr>
+                <a:buFont typeface="Arial"/>
+                <a:defRPr sz="1400" b="0" i="0" u="none" strike="noStrike" cap="none">
+                  <a:solidFill>
+                    <a:srgbClr val="000000"/>
+                  </a:solidFill>
+                  <a:latin typeface="Arial"/>
+                  <a:ea typeface="Arial"/>
+                  <a:cs typeface="Arial"/>
+                  <a:sym typeface="Arial"/>
+                </a:defRPr>
+              </a:lvl4pPr>
+              <a:lvl5pPr marR="0" lvl="4" algn="l" rtl="0">
+                <a:lnSpc>
+                  <a:spcPct val="100000"/>
+                </a:lnSpc>
+                <a:spcBef>
+                  <a:spcPts val="0"/>
+                </a:spcBef>
+                <a:spcAft>
+                  <a:spcPts val="0"/>
+                </a:spcAft>
+                <a:buClr>
+                  <a:srgbClr val="000000"/>
+                </a:buClr>
+                <a:buFont typeface="Arial"/>
+                <a:defRPr sz="1400" b="0" i="0" u="none" strike="noStrike" cap="none">
+                  <a:solidFill>
+                    <a:srgbClr val="000000"/>
+                  </a:solidFill>
+                  <a:latin typeface="Arial"/>
+                  <a:ea typeface="Arial"/>
+                  <a:cs typeface="Arial"/>
+                  <a:sym typeface="Arial"/>
+                </a:defRPr>
+              </a:lvl5pPr>
+              <a:lvl6pPr marR="0" lvl="5" algn="l" rtl="0">
+                <a:lnSpc>
+                  <a:spcPct val="100000"/>
+                </a:lnSpc>
+                <a:spcBef>
+                  <a:spcPts val="0"/>
+                </a:spcBef>
+                <a:spcAft>
+                  <a:spcPts val="0"/>
+                </a:spcAft>
+                <a:buClr>
+                  <a:srgbClr val="000000"/>
+                </a:buClr>
+                <a:buFont typeface="Arial"/>
+                <a:defRPr sz="1400" b="0" i="0" u="none" strike="noStrike" cap="none">
+                  <a:solidFill>
+                    <a:srgbClr val="000000"/>
+                  </a:solidFill>
+                  <a:latin typeface="Arial"/>
+                  <a:ea typeface="Arial"/>
+                  <a:cs typeface="Arial"/>
+                  <a:sym typeface="Arial"/>
+                </a:defRPr>
+              </a:lvl6pPr>
+              <a:lvl7pPr marR="0" lvl="6" algn="l" rtl="0">
+                <a:lnSpc>
+                  <a:spcPct val="100000"/>
+                </a:lnSpc>
+                <a:spcBef>
+                  <a:spcPts val="0"/>
+                </a:spcBef>
+                <a:spcAft>
+                  <a:spcPts val="0"/>
+                </a:spcAft>
+                <a:buClr>
+                  <a:srgbClr val="000000"/>
+                </a:buClr>
+                <a:buFont typeface="Arial"/>
+                <a:defRPr sz="1400" b="0" i="0" u="none" strike="noStrike" cap="none">
+                  <a:solidFill>
+                    <a:srgbClr val="000000"/>
+                  </a:solidFill>
+                  <a:latin typeface="Arial"/>
+                  <a:ea typeface="Arial"/>
+                  <a:cs typeface="Arial"/>
+                  <a:sym typeface="Arial"/>
+                </a:defRPr>
+              </a:lvl7pPr>
+              <a:lvl8pPr marR="0" lvl="7" algn="l" rtl="0">
+                <a:lnSpc>
+                  <a:spcPct val="100000"/>
+                </a:lnSpc>
+                <a:spcBef>
+                  <a:spcPts val="0"/>
+                </a:spcBef>
+                <a:spcAft>
+                  <a:spcPts val="0"/>
+                </a:spcAft>
+                <a:buClr>
+                  <a:srgbClr val="000000"/>
+                </a:buClr>
+                <a:buFont typeface="Arial"/>
+                <a:defRPr sz="1400" b="0" i="0" u="none" strike="noStrike" cap="none">
+                  <a:solidFill>
+                    <a:srgbClr val="000000"/>
+                  </a:solidFill>
+                  <a:latin typeface="Arial"/>
+                  <a:ea typeface="Arial"/>
+                  <a:cs typeface="Arial"/>
+                  <a:sym typeface="Arial"/>
+                </a:defRPr>
+              </a:lvl8pPr>
+              <a:lvl9pPr marR="0" lvl="8" algn="l" rtl="0">
+                <a:lnSpc>
+                  <a:spcPct val="100000"/>
+                </a:lnSpc>
+                <a:spcBef>
+                  <a:spcPts val="0"/>
+                </a:spcBef>
+                <a:spcAft>
+                  <a:spcPts val="0"/>
+                </a:spcAft>
+                <a:buClr>
+                  <a:srgbClr val="000000"/>
+                </a:buClr>
+                <a:buFont typeface="Arial"/>
+                <a:defRPr sz="1400" b="0" i="0" u="none" strike="noStrike" cap="none">
+                  <a:solidFill>
+                    <a:srgbClr val="000000"/>
+                  </a:solidFill>
+                  <a:latin typeface="Arial"/>
+                  <a:ea typeface="Arial"/>
+                  <a:cs typeface="Arial"/>
+                  <a:sym typeface="Arial"/>
+                </a:defRPr>
+              </a:lvl9pPr>
+            </a:lstStyle>
+            <a:p>
+              <a:r>
+                <a:rPr lang="ko-KR" altLang="en-US" sz="1000" dirty="0"/>
+                <a:t>▶ </a:t>
+              </a:r>
+              <a:r>
+                <a:rPr lang="en-US" altLang="ko-KR" sz="1000" dirty="0"/>
+                <a:t>TC </a:t>
+              </a:r>
+              <a:r>
+                <a:rPr lang="ko-KR" altLang="en-US" sz="1000" dirty="0"/>
+                <a:t>통과를 위한 코드 작성</a:t>
+              </a:r>
+              <a:r>
+                <a:rPr lang="en-US" altLang="ko-KR" sz="1000" b="1" dirty="0">
+                  <a:solidFill>
+                    <a:srgbClr val="00B050"/>
+                  </a:solidFill>
+                </a:rPr>
+                <a:t>(GREEN)</a:t>
+              </a:r>
+              <a:endParaRPr lang="ko-KR" altLang="en-US" sz="1000" b="1" dirty="0">
                 <a:solidFill>
-                  <a:srgbClr val="0070C0"/>
+                  <a:srgbClr val="00B050"/>
                 </a:solidFill>
-              </a:rPr>
-              <a:t>③ </a:t>
-            </a:r>
-            <a:r>
-              <a:rPr lang="en-US" altLang="ko-KR" sz="1600" b="1" dirty="0">
+              </a:endParaRPr>
+            </a:p>
+          </p:txBody>
+        </p:sp>
+        <p:cxnSp>
+          <p:nvCxnSpPr>
+            <p:cNvPr id="67" name="직선 화살표 연결선 66">
+              <a:extLst>
+                <a:ext uri="{FF2B5EF4-FFF2-40B4-BE49-F238E27FC236}">
+                  <a16:creationId xmlns:a16="http://schemas.microsoft.com/office/drawing/2014/main" id="{7B77DBC8-E447-4A07-B908-E9D335E05B00}"/>
+                </a:ext>
+              </a:extLst>
+            </p:cNvPr>
+            <p:cNvCxnSpPr>
+              <a:cxnSpLocks/>
+            </p:cNvCxnSpPr>
+            <p:nvPr/>
+          </p:nvCxnSpPr>
+          <p:spPr>
+            <a:xfrm flipV="1">
+              <a:off x="2753083" y="2672734"/>
+              <a:ext cx="574338" cy="2259792"/>
+            </a:xfrm>
+            <a:prstGeom prst="straightConnector1">
+              <a:avLst/>
+            </a:prstGeom>
+            <a:ln w="57150">
+              <a:tailEnd type="triangle"/>
+            </a:ln>
+          </p:spPr>
+          <p:style>
+            <a:lnRef idx="1">
+              <a:schemeClr val="accent1"/>
+            </a:lnRef>
+            <a:fillRef idx="0">
+              <a:schemeClr val="accent1"/>
+            </a:fillRef>
+            <a:effectRef idx="0">
+              <a:schemeClr val="accent1"/>
+            </a:effectRef>
+            <a:fontRef idx="minor">
+              <a:schemeClr val="tx1"/>
+            </a:fontRef>
+          </p:style>
+        </p:cxnSp>
+        <p:sp>
+          <p:nvSpPr>
+            <p:cNvPr id="68" name="TextBox 67">
+              <a:extLst>
+                <a:ext uri="{FF2B5EF4-FFF2-40B4-BE49-F238E27FC236}">
+                  <a16:creationId xmlns:a16="http://schemas.microsoft.com/office/drawing/2014/main" id="{47E4540E-3D6A-4DD9-A2D3-82C0ED207412}"/>
+                </a:ext>
+              </a:extLst>
+            </p:cNvPr>
+            <p:cNvSpPr txBox="1"/>
+            <p:nvPr/>
+          </p:nvSpPr>
+          <p:spPr>
+            <a:xfrm rot="17076418">
+              <a:off x="2238542" y="3130053"/>
+              <a:ext cx="1404552" cy="338554"/>
+            </a:xfrm>
+            <a:prstGeom prst="rect">
+              <a:avLst/>
+            </a:prstGeom>
+            <a:noFill/>
+          </p:spPr>
+          <p:txBody>
+            <a:bodyPr wrap="none" rtlCol="0">
+              <a:spAutoFit/>
+            </a:bodyPr>
+            <a:lstStyle/>
+            <a:p>
+              <a:r>
+                <a:rPr lang="ko-KR" altLang="en-US" sz="1600" b="1" dirty="0">
+                  <a:solidFill>
+                    <a:srgbClr val="00B050"/>
+                  </a:solidFill>
+                </a:rPr>
+                <a:t>② </a:t>
+              </a:r>
+              <a:r>
+                <a:rPr lang="en-US" altLang="ko-KR" sz="1600" b="1" dirty="0">
+                  <a:solidFill>
+                    <a:srgbClr val="00B050"/>
+                  </a:solidFill>
+                </a:rPr>
+                <a:t>Test Pass</a:t>
+              </a:r>
+              <a:endParaRPr lang="ko-KR" altLang="en-US" sz="2000" b="1" dirty="0">
                 <a:solidFill>
-                  <a:srgbClr val="0070C0"/>
+                  <a:srgbClr val="00B050"/>
                 </a:solidFill>
-              </a:rPr>
-              <a:t>Refactoring</a:t>
-            </a:r>
-            <a:endParaRPr lang="ko-KR" altLang="en-US" sz="1600" b="1" dirty="0">
+              </a:endParaRPr>
+            </a:p>
+          </p:txBody>
+        </p:sp>
+        <p:sp>
+          <p:nvSpPr>
+            <p:cNvPr id="61" name="사각형: 둥근 모서리 60">
+              <a:extLst>
+                <a:ext uri="{FF2B5EF4-FFF2-40B4-BE49-F238E27FC236}">
+                  <a16:creationId xmlns:a16="http://schemas.microsoft.com/office/drawing/2014/main" id="{1A795B86-E285-436A-91FE-672F059AD6FF}"/>
+                </a:ext>
+              </a:extLst>
+            </p:cNvPr>
+            <p:cNvSpPr/>
+            <p:nvPr/>
+          </p:nvSpPr>
+          <p:spPr>
+            <a:xfrm>
+              <a:off x="3163555" y="1551356"/>
+              <a:ext cx="2749840" cy="2653064"/>
+            </a:xfrm>
+            <a:prstGeom prst="roundRect">
+              <a:avLst>
+                <a:gd name="adj" fmla="val 3507"/>
+              </a:avLst>
+            </a:prstGeom>
+            <a:noFill/>
+            <a:ln w="9525" cap="flat" cmpd="sng" algn="ctr">
               <a:solidFill>
-                <a:srgbClr val="0070C0"/>
+                <a:schemeClr val="dk1"/>
               </a:solidFill>
-            </a:endParaRPr>
-          </a:p>
-        </p:txBody>
-      </p:sp>
-      <p:cxnSp>
-        <p:nvCxnSpPr>
-          <p:cNvPr id="67" name="직선 화살표 연결선 66">
+              <a:prstDash val="solid"/>
+              <a:round/>
+              <a:headEnd type="none" w="med" len="med"/>
+              <a:tailEnd type="none" w="med" len="med"/>
+            </a:ln>
+          </p:spPr>
+          <p:style>
+            <a:lnRef idx="0">
+              <a:scrgbClr r="0" g="0" b="0"/>
+            </a:lnRef>
+            <a:fillRef idx="0">
+              <a:scrgbClr r="0" g="0" b="0"/>
+            </a:fillRef>
+            <a:effectRef idx="0">
+              <a:scrgbClr r="0" g="0" b="0"/>
+            </a:effectRef>
+            <a:fontRef idx="minor">
+              <a:schemeClr val="dk1"/>
+            </a:fontRef>
+          </p:style>
+          <p:txBody>
+            <a:bodyPr rtlCol="0" anchor="ctr"/>
+            <a:lstStyle/>
+            <a:p>
+              <a:pPr algn="ctr"/>
+              <a:endParaRPr lang="ko-KR" altLang="en-US"/>
+            </a:p>
+          </p:txBody>
+        </p:sp>
+      </p:grpSp>
+      <p:grpSp>
+        <p:nvGrpSpPr>
+          <p:cNvPr id="29" name="그룹 28">
             <a:extLst>
               <a:ext uri="{FF2B5EF4-FFF2-40B4-BE49-F238E27FC236}">
-                <a16:creationId xmlns:a16="http://schemas.microsoft.com/office/drawing/2014/main" id="{7B77DBC8-E447-4A07-B908-E9D335E05B00}"/>
+                <a16:creationId xmlns:a16="http://schemas.microsoft.com/office/drawing/2014/main" id="{CC71385D-ACEA-4B5E-AD48-55EF7097B4E1}"/>
               </a:ext>
             </a:extLst>
           </p:cNvPr>
-          <p:cNvCxnSpPr>
-            <a:cxnSpLocks/>
-          </p:cNvCxnSpPr>
+          <p:cNvGrpSpPr/>
           <p:nvPr/>
-        </p:nvCxnSpPr>
-        <p:spPr>
-          <a:xfrm flipV="1">
-            <a:off x="2753083" y="2672734"/>
-            <a:ext cx="574338" cy="2259792"/>
+        </p:nvGrpSpPr>
+        <p:grpSpPr>
+          <a:xfrm>
+            <a:off x="2886364" y="4221441"/>
+            <a:ext cx="3035902" cy="2257253"/>
+            <a:chOff x="2886364" y="4221441"/>
+            <a:chExt cx="3035902" cy="2257253"/>
           </a:xfrm>
-          <a:prstGeom prst="straightConnector1">
-            <a:avLst/>
-          </a:prstGeom>
-          <a:ln w="57150">
-            <a:tailEnd type="triangle"/>
-          </a:ln>
-        </p:spPr>
-        <p:style>
-          <a:lnRef idx="1">
-            <a:schemeClr val="accent1"/>
-          </a:lnRef>
-          <a:fillRef idx="0">
-            <a:schemeClr val="accent1"/>
-          </a:fillRef>
-          <a:effectRef idx="0">
-            <a:schemeClr val="accent1"/>
-          </a:effectRef>
-          <a:fontRef idx="minor">
-            <a:schemeClr val="tx1"/>
-          </a:fontRef>
-        </p:style>
-      </p:cxnSp>
-      <p:sp>
-        <p:nvSpPr>
-          <p:cNvPr id="68" name="TextBox 67">
-            <a:extLst>
-              <a:ext uri="{FF2B5EF4-FFF2-40B4-BE49-F238E27FC236}">
-                <a16:creationId xmlns:a16="http://schemas.microsoft.com/office/drawing/2014/main" id="{47E4540E-3D6A-4DD9-A2D3-82C0ED207412}"/>
-              </a:ext>
-            </a:extLst>
-          </p:cNvPr>
-          <p:cNvSpPr txBox="1"/>
-          <p:nvPr/>
-        </p:nvSpPr>
-        <p:spPr>
-          <a:xfrm rot="17076418">
-            <a:off x="2238542" y="3130053"/>
-            <a:ext cx="1404552" cy="338554"/>
-          </a:xfrm>
-          <a:prstGeom prst="rect">
-            <a:avLst/>
-          </a:prstGeom>
-          <a:noFill/>
-        </p:spPr>
-        <p:txBody>
-          <a:bodyPr wrap="none" rtlCol="0">
-            <a:spAutoFit/>
-          </a:bodyPr>
-          <a:lstStyle/>
-          <a:p>
-            <a:r>
-              <a:rPr lang="ko-KR" altLang="en-US" sz="1600" b="1" dirty="0">
-                <a:solidFill>
-                  <a:srgbClr val="00B050"/>
-                </a:solidFill>
-              </a:rPr>
-              <a:t>② </a:t>
-            </a:r>
-            <a:r>
-              <a:rPr lang="en-US" altLang="ko-KR" sz="1600" b="1" dirty="0">
-                <a:solidFill>
-                  <a:srgbClr val="00B050"/>
-                </a:solidFill>
-              </a:rPr>
-              <a:t>Test Pass</a:t>
-            </a:r>
-            <a:endParaRPr lang="ko-KR" altLang="en-US" sz="2000" b="1" dirty="0">
-              <a:solidFill>
-                <a:srgbClr val="00B050"/>
-              </a:solidFill>
-            </a:endParaRPr>
-          </a:p>
-        </p:txBody>
-      </p:sp>
-      <p:cxnSp>
-        <p:nvCxnSpPr>
-          <p:cNvPr id="69" name="직선 화살표 연결선 68">
-            <a:extLst>
-              <a:ext uri="{FF2B5EF4-FFF2-40B4-BE49-F238E27FC236}">
-                <a16:creationId xmlns:a16="http://schemas.microsoft.com/office/drawing/2014/main" id="{6F1F2C11-0B28-4EDB-97D9-77FB63471588}"/>
-              </a:ext>
-            </a:extLst>
-          </p:cNvPr>
-          <p:cNvCxnSpPr>
-            <a:cxnSpLocks/>
-          </p:cNvCxnSpPr>
-          <p:nvPr/>
-        </p:nvCxnSpPr>
-        <p:spPr>
-          <a:xfrm flipV="1">
-            <a:off x="2971640" y="5082015"/>
-            <a:ext cx="456421" cy="958600"/>
-          </a:xfrm>
-          <a:prstGeom prst="straightConnector1">
-            <a:avLst/>
-          </a:prstGeom>
-          <a:ln w="57150">
-            <a:tailEnd type="triangle"/>
-          </a:ln>
-        </p:spPr>
-        <p:style>
-          <a:lnRef idx="1">
-            <a:schemeClr val="accent1"/>
-          </a:lnRef>
-          <a:fillRef idx="0">
-            <a:schemeClr val="accent1"/>
-          </a:fillRef>
-          <a:effectRef idx="0">
-            <a:schemeClr val="accent1"/>
-          </a:effectRef>
-          <a:fontRef idx="minor">
-            <a:schemeClr val="tx1"/>
-          </a:fontRef>
-        </p:style>
-      </p:cxnSp>
-      <p:sp>
-        <p:nvSpPr>
-          <p:cNvPr id="70" name="TextBox 69">
-            <a:extLst>
-              <a:ext uri="{FF2B5EF4-FFF2-40B4-BE49-F238E27FC236}">
-                <a16:creationId xmlns:a16="http://schemas.microsoft.com/office/drawing/2014/main" id="{AABF3F0E-B7FF-4E55-ADE2-8C182F5EEAEB}"/>
-              </a:ext>
-            </a:extLst>
-          </p:cNvPr>
-          <p:cNvSpPr txBox="1"/>
-          <p:nvPr/>
-        </p:nvSpPr>
-        <p:spPr>
-          <a:xfrm rot="17759519">
-            <a:off x="2509498" y="5359235"/>
-            <a:ext cx="1061509" cy="307777"/>
-          </a:xfrm>
-          <a:prstGeom prst="rect">
-            <a:avLst/>
-          </a:prstGeom>
-          <a:noFill/>
-        </p:spPr>
-        <p:txBody>
-          <a:bodyPr wrap="none" rtlCol="0">
-            <a:spAutoFit/>
-          </a:bodyPr>
-          <a:lstStyle/>
-          <a:p>
-            <a:r>
-              <a:rPr lang="ko-KR" altLang="en-US" b="1" dirty="0">
+        </p:grpSpPr>
+        <p:pic>
+          <p:nvPicPr>
+            <p:cNvPr id="63" name="그림 62">
+              <a:extLst>
+                <a:ext uri="{FF2B5EF4-FFF2-40B4-BE49-F238E27FC236}">
+                  <a16:creationId xmlns:a16="http://schemas.microsoft.com/office/drawing/2014/main" id="{A8304A3C-AA8D-4746-B5C1-2EA3542C7172}"/>
+                </a:ext>
+              </a:extLst>
+            </p:cNvPr>
+            <p:cNvPicPr>
+              <a:picLocks noChangeAspect="1"/>
+            </p:cNvPicPr>
+            <p:nvPr/>
+          </p:nvPicPr>
+          <p:blipFill>
+            <a:blip r:embed="rId12"/>
+            <a:stretch>
+              <a:fillRect/>
+            </a:stretch>
+          </p:blipFill>
+          <p:spPr>
+            <a:xfrm>
+              <a:off x="3254456" y="4467437"/>
+              <a:ext cx="2591190" cy="1924113"/>
+            </a:xfrm>
+            <a:prstGeom prst="rect">
+              <a:avLst/>
+            </a:prstGeom>
+          </p:spPr>
+        </p:pic>
+        <p:sp>
+          <p:nvSpPr>
+            <p:cNvPr id="64" name="TextBox 12">
+              <a:extLst>
+                <a:ext uri="{FF2B5EF4-FFF2-40B4-BE49-F238E27FC236}">
+                  <a16:creationId xmlns:a16="http://schemas.microsoft.com/office/drawing/2014/main" id="{978833C3-755D-4378-8446-E4546849DB95}"/>
+                </a:ext>
+              </a:extLst>
+            </p:cNvPr>
+            <p:cNvSpPr txBox="1"/>
+            <p:nvPr/>
+          </p:nvSpPr>
+          <p:spPr>
+            <a:xfrm>
+              <a:off x="3199520" y="4221441"/>
+              <a:ext cx="2081019" cy="246221"/>
+            </a:xfrm>
+            <a:prstGeom prst="rect">
+              <a:avLst/>
+            </a:prstGeom>
+            <a:noFill/>
+          </p:spPr>
+          <p:txBody>
+            <a:bodyPr wrap="none" rtlCol="0">
+              <a:spAutoFit/>
+            </a:bodyPr>
+            <a:lstStyle>
+              <a:defPPr marR="0" lvl="0" algn="l" rtl="0">
+                <a:lnSpc>
+                  <a:spcPct val="100000"/>
+                </a:lnSpc>
+                <a:spcBef>
+                  <a:spcPts val="0"/>
+                </a:spcBef>
+                <a:spcAft>
+                  <a:spcPts val="0"/>
+                </a:spcAft>
+              </a:defPPr>
+              <a:lvl1pPr marR="0" lvl="0" algn="l" rtl="0">
+                <a:lnSpc>
+                  <a:spcPct val="100000"/>
+                </a:lnSpc>
+                <a:spcBef>
+                  <a:spcPts val="0"/>
+                </a:spcBef>
+                <a:spcAft>
+                  <a:spcPts val="0"/>
+                </a:spcAft>
+                <a:buClr>
+                  <a:srgbClr val="000000"/>
+                </a:buClr>
+                <a:buFont typeface="Arial"/>
+                <a:defRPr sz="1400" b="0" i="0" u="none" strike="noStrike" cap="none">
+                  <a:solidFill>
+                    <a:srgbClr val="000000"/>
+                  </a:solidFill>
+                  <a:latin typeface="Arial"/>
+                  <a:ea typeface="Arial"/>
+                  <a:cs typeface="Arial"/>
+                  <a:sym typeface="Arial"/>
+                </a:defRPr>
+              </a:lvl1pPr>
+              <a:lvl2pPr marR="0" lvl="1" algn="l" rtl="0">
+                <a:lnSpc>
+                  <a:spcPct val="100000"/>
+                </a:lnSpc>
+                <a:spcBef>
+                  <a:spcPts val="0"/>
+                </a:spcBef>
+                <a:spcAft>
+                  <a:spcPts val="0"/>
+                </a:spcAft>
+                <a:buClr>
+                  <a:srgbClr val="000000"/>
+                </a:buClr>
+                <a:buFont typeface="Arial"/>
+                <a:defRPr sz="1400" b="0" i="0" u="none" strike="noStrike" cap="none">
+                  <a:solidFill>
+                    <a:srgbClr val="000000"/>
+                  </a:solidFill>
+                  <a:latin typeface="Arial"/>
+                  <a:ea typeface="Arial"/>
+                  <a:cs typeface="Arial"/>
+                  <a:sym typeface="Arial"/>
+                </a:defRPr>
+              </a:lvl2pPr>
+              <a:lvl3pPr marR="0" lvl="2" algn="l" rtl="0">
+                <a:lnSpc>
+                  <a:spcPct val="100000"/>
+                </a:lnSpc>
+                <a:spcBef>
+                  <a:spcPts val="0"/>
+                </a:spcBef>
+                <a:spcAft>
+                  <a:spcPts val="0"/>
+                </a:spcAft>
+                <a:buClr>
+                  <a:srgbClr val="000000"/>
+                </a:buClr>
+                <a:buFont typeface="Arial"/>
+                <a:defRPr sz="1400" b="0" i="0" u="none" strike="noStrike" cap="none">
+                  <a:solidFill>
+                    <a:srgbClr val="000000"/>
+                  </a:solidFill>
+                  <a:latin typeface="Arial"/>
+                  <a:ea typeface="Arial"/>
+                  <a:cs typeface="Arial"/>
+                  <a:sym typeface="Arial"/>
+                </a:defRPr>
+              </a:lvl3pPr>
+              <a:lvl4pPr marR="0" lvl="3" algn="l" rtl="0">
+                <a:lnSpc>
+                  <a:spcPct val="100000"/>
+                </a:lnSpc>
+                <a:spcBef>
+                  <a:spcPts val="0"/>
+                </a:spcBef>
+                <a:spcAft>
+                  <a:spcPts val="0"/>
+                </a:spcAft>
+                <a:buClr>
+                  <a:srgbClr val="000000"/>
+                </a:buClr>
+                <a:buFont typeface="Arial"/>
+                <a:defRPr sz="1400" b="0" i="0" u="none" strike="noStrike" cap="none">
+                  <a:solidFill>
+                    <a:srgbClr val="000000"/>
+                  </a:solidFill>
+                  <a:latin typeface="Arial"/>
+                  <a:ea typeface="Arial"/>
+                  <a:cs typeface="Arial"/>
+                  <a:sym typeface="Arial"/>
+                </a:defRPr>
+              </a:lvl4pPr>
+              <a:lvl5pPr marR="0" lvl="4" algn="l" rtl="0">
+                <a:lnSpc>
+                  <a:spcPct val="100000"/>
+                </a:lnSpc>
+                <a:spcBef>
+                  <a:spcPts val="0"/>
+                </a:spcBef>
+                <a:spcAft>
+                  <a:spcPts val="0"/>
+                </a:spcAft>
+                <a:buClr>
+                  <a:srgbClr val="000000"/>
+                </a:buClr>
+                <a:buFont typeface="Arial"/>
+                <a:defRPr sz="1400" b="0" i="0" u="none" strike="noStrike" cap="none">
+                  <a:solidFill>
+                    <a:srgbClr val="000000"/>
+                  </a:solidFill>
+                  <a:latin typeface="Arial"/>
+                  <a:ea typeface="Arial"/>
+                  <a:cs typeface="Arial"/>
+                  <a:sym typeface="Arial"/>
+                </a:defRPr>
+              </a:lvl5pPr>
+              <a:lvl6pPr marR="0" lvl="5" algn="l" rtl="0">
+                <a:lnSpc>
+                  <a:spcPct val="100000"/>
+                </a:lnSpc>
+                <a:spcBef>
+                  <a:spcPts val="0"/>
+                </a:spcBef>
+                <a:spcAft>
+                  <a:spcPts val="0"/>
+                </a:spcAft>
+                <a:buClr>
+                  <a:srgbClr val="000000"/>
+                </a:buClr>
+                <a:buFont typeface="Arial"/>
+                <a:defRPr sz="1400" b="0" i="0" u="none" strike="noStrike" cap="none">
+                  <a:solidFill>
+                    <a:srgbClr val="000000"/>
+                  </a:solidFill>
+                  <a:latin typeface="Arial"/>
+                  <a:ea typeface="Arial"/>
+                  <a:cs typeface="Arial"/>
+                  <a:sym typeface="Arial"/>
+                </a:defRPr>
+              </a:lvl6pPr>
+              <a:lvl7pPr marR="0" lvl="6" algn="l" rtl="0">
+                <a:lnSpc>
+                  <a:spcPct val="100000"/>
+                </a:lnSpc>
+                <a:spcBef>
+                  <a:spcPts val="0"/>
+                </a:spcBef>
+                <a:spcAft>
+                  <a:spcPts val="0"/>
+                </a:spcAft>
+                <a:buClr>
+                  <a:srgbClr val="000000"/>
+                </a:buClr>
+                <a:buFont typeface="Arial"/>
+                <a:defRPr sz="1400" b="0" i="0" u="none" strike="noStrike" cap="none">
+                  <a:solidFill>
+                    <a:srgbClr val="000000"/>
+                  </a:solidFill>
+                  <a:latin typeface="Arial"/>
+                  <a:ea typeface="Arial"/>
+                  <a:cs typeface="Arial"/>
+                  <a:sym typeface="Arial"/>
+                </a:defRPr>
+              </a:lvl7pPr>
+              <a:lvl8pPr marR="0" lvl="7" algn="l" rtl="0">
+                <a:lnSpc>
+                  <a:spcPct val="100000"/>
+                </a:lnSpc>
+                <a:spcBef>
+                  <a:spcPts val="0"/>
+                </a:spcBef>
+                <a:spcAft>
+                  <a:spcPts val="0"/>
+                </a:spcAft>
+                <a:buClr>
+                  <a:srgbClr val="000000"/>
+                </a:buClr>
+                <a:buFont typeface="Arial"/>
+                <a:defRPr sz="1400" b="0" i="0" u="none" strike="noStrike" cap="none">
+                  <a:solidFill>
+                    <a:srgbClr val="000000"/>
+                  </a:solidFill>
+                  <a:latin typeface="Arial"/>
+                  <a:ea typeface="Arial"/>
+                  <a:cs typeface="Arial"/>
+                  <a:sym typeface="Arial"/>
+                </a:defRPr>
+              </a:lvl8pPr>
+              <a:lvl9pPr marR="0" lvl="8" algn="l" rtl="0">
+                <a:lnSpc>
+                  <a:spcPct val="100000"/>
+                </a:lnSpc>
+                <a:spcBef>
+                  <a:spcPts val="0"/>
+                </a:spcBef>
+                <a:spcAft>
+                  <a:spcPts val="0"/>
+                </a:spcAft>
+                <a:buClr>
+                  <a:srgbClr val="000000"/>
+                </a:buClr>
+                <a:buFont typeface="Arial"/>
+                <a:defRPr sz="1400" b="0" i="0" u="none" strike="noStrike" cap="none">
+                  <a:solidFill>
+                    <a:srgbClr val="000000"/>
+                  </a:solidFill>
+                  <a:latin typeface="Arial"/>
+                  <a:ea typeface="Arial"/>
+                  <a:cs typeface="Arial"/>
+                  <a:sym typeface="Arial"/>
+                </a:defRPr>
+              </a:lvl9pPr>
+            </a:lstStyle>
+            <a:p>
+              <a:r>
+                <a:rPr lang="ko-KR" altLang="en-US" sz="1000" dirty="0"/>
+                <a:t>▶</a:t>
+              </a:r>
+              <a:r>
+                <a:rPr lang="en-US" altLang="ko-KR" sz="1000" dirty="0"/>
+                <a:t>TC 1. Test</a:t>
+              </a:r>
+              <a:r>
+                <a:rPr lang="ko-KR" altLang="en-US" sz="1000" dirty="0"/>
+                <a:t> </a:t>
+              </a:r>
+              <a:r>
+                <a:rPr lang="en-US" altLang="ko-KR" sz="1000" dirty="0"/>
+                <a:t>Shell</a:t>
+              </a:r>
+              <a:r>
+                <a:rPr lang="ko-KR" altLang="en-US" sz="1000" dirty="0"/>
+                <a:t> </a:t>
+              </a:r>
+              <a:r>
+                <a:rPr lang="en-US" altLang="ko-KR" sz="1000" dirty="0"/>
+                <a:t>Parser </a:t>
+              </a:r>
+              <a:r>
+                <a:rPr lang="en-US" altLang="ko-KR" sz="1000" b="1" dirty="0">
+                  <a:solidFill>
+                    <a:srgbClr val="FF0000"/>
+                  </a:solidFill>
+                </a:rPr>
+                <a:t>(RED)</a:t>
+              </a:r>
+              <a:endParaRPr lang="ko-KR" altLang="en-US" sz="1000" b="1" dirty="0">
                 <a:solidFill>
                   <a:srgbClr val="FF0000"/>
                 </a:solidFill>
-              </a:rPr>
-              <a:t>① </a:t>
-            </a:r>
-            <a:r>
-              <a:rPr lang="en-US" altLang="ko-KR" b="1" dirty="0">
+              </a:endParaRPr>
+            </a:p>
+          </p:txBody>
+        </p:sp>
+        <p:cxnSp>
+          <p:nvCxnSpPr>
+            <p:cNvPr id="69" name="직선 화살표 연결선 68">
+              <a:extLst>
+                <a:ext uri="{FF2B5EF4-FFF2-40B4-BE49-F238E27FC236}">
+                  <a16:creationId xmlns:a16="http://schemas.microsoft.com/office/drawing/2014/main" id="{6F1F2C11-0B28-4EDB-97D9-77FB63471588}"/>
+                </a:ext>
+              </a:extLst>
+            </p:cNvPr>
+            <p:cNvCxnSpPr>
+              <a:cxnSpLocks/>
+            </p:cNvCxnSpPr>
+            <p:nvPr/>
+          </p:nvCxnSpPr>
+          <p:spPr>
+            <a:xfrm flipV="1">
+              <a:off x="2971640" y="5082015"/>
+              <a:ext cx="456421" cy="958600"/>
+            </a:xfrm>
+            <a:prstGeom prst="straightConnector1">
+              <a:avLst/>
+            </a:prstGeom>
+            <a:ln w="57150">
+              <a:tailEnd type="triangle"/>
+            </a:ln>
+          </p:spPr>
+          <p:style>
+            <a:lnRef idx="1">
+              <a:schemeClr val="accent1"/>
+            </a:lnRef>
+            <a:fillRef idx="0">
+              <a:schemeClr val="accent1"/>
+            </a:fillRef>
+            <a:effectRef idx="0">
+              <a:schemeClr val="accent1"/>
+            </a:effectRef>
+            <a:fontRef idx="minor">
+              <a:schemeClr val="tx1"/>
+            </a:fontRef>
+          </p:style>
+        </p:cxnSp>
+        <p:sp>
+          <p:nvSpPr>
+            <p:cNvPr id="70" name="TextBox 69">
+              <a:extLst>
+                <a:ext uri="{FF2B5EF4-FFF2-40B4-BE49-F238E27FC236}">
+                  <a16:creationId xmlns:a16="http://schemas.microsoft.com/office/drawing/2014/main" id="{AABF3F0E-B7FF-4E55-ADE2-8C182F5EEAEB}"/>
+                </a:ext>
+              </a:extLst>
+            </p:cNvPr>
+            <p:cNvSpPr txBox="1"/>
+            <p:nvPr/>
+          </p:nvSpPr>
+          <p:spPr>
+            <a:xfrm rot="17759519">
+              <a:off x="2509498" y="5359235"/>
+              <a:ext cx="1061509" cy="307777"/>
+            </a:xfrm>
+            <a:prstGeom prst="rect">
+              <a:avLst/>
+            </a:prstGeom>
+            <a:noFill/>
+          </p:spPr>
+          <p:txBody>
+            <a:bodyPr wrap="none" rtlCol="0">
+              <a:spAutoFit/>
+            </a:bodyPr>
+            <a:lstStyle/>
+            <a:p>
+              <a:r>
+                <a:rPr lang="ko-KR" altLang="en-US" b="1" dirty="0">
+                  <a:solidFill>
+                    <a:srgbClr val="FF0000"/>
+                  </a:solidFill>
+                </a:rPr>
+                <a:t>① </a:t>
+              </a:r>
+              <a:r>
+                <a:rPr lang="en-US" altLang="ko-KR" b="1" dirty="0">
+                  <a:solidFill>
+                    <a:srgbClr val="FF0000"/>
+                  </a:solidFill>
+                </a:rPr>
+                <a:t>TC </a:t>
+              </a:r>
+              <a:r>
+                <a:rPr lang="ko-KR" altLang="en-US" b="1" dirty="0">
+                  <a:solidFill>
+                    <a:srgbClr val="FF0000"/>
+                  </a:solidFill>
+                </a:rPr>
+                <a:t>작성</a:t>
+              </a:r>
+              <a:endParaRPr lang="ko-KR" altLang="en-US" sz="2000" b="1" dirty="0">
                 <a:solidFill>
                   <a:srgbClr val="FF0000"/>
                 </a:solidFill>
-              </a:rPr>
-              <a:t>TC </a:t>
-            </a:r>
-            <a:r>
-              <a:rPr lang="ko-KR" altLang="en-US" b="1" dirty="0">
-                <a:solidFill>
-                  <a:srgbClr val="FF0000"/>
-                </a:solidFill>
-              </a:rPr>
-              <a:t>작성</a:t>
-            </a:r>
-            <a:endParaRPr lang="ko-KR" altLang="en-US" sz="2000" b="1" dirty="0">
+              </a:endParaRPr>
+            </a:p>
+          </p:txBody>
+        </p:sp>
+        <p:sp>
+          <p:nvSpPr>
+            <p:cNvPr id="62" name="사각형: 둥근 모서리 61">
+              <a:extLst>
+                <a:ext uri="{FF2B5EF4-FFF2-40B4-BE49-F238E27FC236}">
+                  <a16:creationId xmlns:a16="http://schemas.microsoft.com/office/drawing/2014/main" id="{15E5324C-7CF2-4FB7-8777-EFEA99945C04}"/>
+                </a:ext>
+              </a:extLst>
+            </p:cNvPr>
+            <p:cNvSpPr/>
+            <p:nvPr/>
+          </p:nvSpPr>
+          <p:spPr>
+            <a:xfrm>
+              <a:off x="3172426" y="4249947"/>
+              <a:ext cx="2749840" cy="2228747"/>
+            </a:xfrm>
+            <a:prstGeom prst="roundRect">
+              <a:avLst>
+                <a:gd name="adj" fmla="val 3507"/>
+              </a:avLst>
+            </a:prstGeom>
+            <a:noFill/>
+            <a:ln w="9525" cap="flat" cmpd="sng" algn="ctr">
               <a:solidFill>
-                <a:srgbClr val="FF0000"/>
+                <a:schemeClr val="dk1"/>
               </a:solidFill>
-            </a:endParaRPr>
-          </a:p>
-        </p:txBody>
-      </p:sp>
-      <p:sp>
-        <p:nvSpPr>
-          <p:cNvPr id="57" name="TextBox 56">
-            <a:extLst>
-              <a:ext uri="{FF2B5EF4-FFF2-40B4-BE49-F238E27FC236}">
-                <a16:creationId xmlns:a16="http://schemas.microsoft.com/office/drawing/2014/main" id="{737214D3-4DE1-4335-8A07-77F6D2837C48}"/>
-              </a:ext>
-            </a:extLst>
-          </p:cNvPr>
-          <p:cNvSpPr txBox="1"/>
-          <p:nvPr/>
-        </p:nvSpPr>
-        <p:spPr>
-          <a:xfrm rot="16765233">
-            <a:off x="6739003" y="2949059"/>
-            <a:ext cx="1587294" cy="338554"/>
-          </a:xfrm>
-          <a:prstGeom prst="rect">
-            <a:avLst/>
-          </a:prstGeom>
-          <a:noFill/>
-        </p:spPr>
-        <p:txBody>
-          <a:bodyPr wrap="none" rtlCol="0">
-            <a:spAutoFit/>
-          </a:bodyPr>
-          <a:lstStyle/>
-          <a:p>
-            <a:r>
-              <a:rPr lang="ko-KR" altLang="en-US" sz="1600" b="1" dirty="0">
-                <a:solidFill>
-                  <a:srgbClr val="0070C0"/>
-                </a:solidFill>
-              </a:rPr>
-              <a:t>③ </a:t>
-            </a:r>
-            <a:r>
-              <a:rPr lang="en-US" altLang="ko-KR" sz="1600" b="1" dirty="0">
-                <a:solidFill>
-                  <a:srgbClr val="0070C0"/>
-                </a:solidFill>
-              </a:rPr>
-              <a:t>Refactoring</a:t>
-            </a:r>
-            <a:endParaRPr lang="ko-KR" altLang="en-US" sz="1600" b="1" dirty="0">
-              <a:solidFill>
-                <a:srgbClr val="0070C0"/>
-              </a:solidFill>
-            </a:endParaRPr>
-          </a:p>
-        </p:txBody>
-      </p:sp>
-      <p:sp>
-        <p:nvSpPr>
-          <p:cNvPr id="71" name="TextBox 70">
-            <a:extLst>
-              <a:ext uri="{FF2B5EF4-FFF2-40B4-BE49-F238E27FC236}">
-                <a16:creationId xmlns:a16="http://schemas.microsoft.com/office/drawing/2014/main" id="{165EEC72-3D86-494F-AB7F-19A90172624A}"/>
-              </a:ext>
-            </a:extLst>
-          </p:cNvPr>
-          <p:cNvSpPr txBox="1"/>
-          <p:nvPr/>
-        </p:nvSpPr>
-        <p:spPr>
-          <a:xfrm rot="17076418">
-            <a:off x="7604660" y="4248345"/>
-            <a:ext cx="1404552" cy="338554"/>
-          </a:xfrm>
-          <a:prstGeom prst="rect">
-            <a:avLst/>
-          </a:prstGeom>
-          <a:noFill/>
-        </p:spPr>
-        <p:txBody>
-          <a:bodyPr wrap="none" rtlCol="0">
-            <a:spAutoFit/>
-          </a:bodyPr>
-          <a:lstStyle/>
-          <a:p>
-            <a:r>
-              <a:rPr lang="ko-KR" altLang="en-US" sz="1600" b="1" dirty="0">
-                <a:solidFill>
-                  <a:srgbClr val="00B050"/>
-                </a:solidFill>
-              </a:rPr>
-              <a:t>② </a:t>
-            </a:r>
-            <a:r>
-              <a:rPr lang="en-US" altLang="ko-KR" sz="1600" b="1" dirty="0">
-                <a:solidFill>
-                  <a:srgbClr val="00B050"/>
-                </a:solidFill>
-              </a:rPr>
-              <a:t>Test Pass</a:t>
-            </a:r>
-            <a:endParaRPr lang="ko-KR" altLang="en-US" sz="2000" b="1" dirty="0">
-              <a:solidFill>
-                <a:srgbClr val="00B050"/>
-              </a:solidFill>
-            </a:endParaRPr>
-          </a:p>
-        </p:txBody>
-      </p:sp>
-      <p:sp>
-        <p:nvSpPr>
-          <p:cNvPr id="72" name="TextBox 71">
-            <a:extLst>
-              <a:ext uri="{FF2B5EF4-FFF2-40B4-BE49-F238E27FC236}">
-                <a16:creationId xmlns:a16="http://schemas.microsoft.com/office/drawing/2014/main" id="{F3541F94-CD9A-415B-81A3-4833BC7A112C}"/>
-              </a:ext>
-            </a:extLst>
-          </p:cNvPr>
-          <p:cNvSpPr txBox="1"/>
-          <p:nvPr/>
-        </p:nvSpPr>
-        <p:spPr>
-          <a:xfrm rot="17759519">
-            <a:off x="7881915" y="5550046"/>
-            <a:ext cx="1061509" cy="307777"/>
-          </a:xfrm>
-          <a:prstGeom prst="rect">
-            <a:avLst/>
-          </a:prstGeom>
-          <a:noFill/>
-        </p:spPr>
-        <p:txBody>
-          <a:bodyPr wrap="none" rtlCol="0">
-            <a:spAutoFit/>
-          </a:bodyPr>
-          <a:lstStyle/>
-          <a:p>
-            <a:r>
-              <a:rPr lang="ko-KR" altLang="en-US" b="1" dirty="0">
-                <a:solidFill>
-                  <a:srgbClr val="FF0000"/>
-                </a:solidFill>
-              </a:rPr>
-              <a:t>① </a:t>
-            </a:r>
-            <a:r>
-              <a:rPr lang="en-US" altLang="ko-KR" b="1" dirty="0">
-                <a:solidFill>
-                  <a:srgbClr val="FF0000"/>
-                </a:solidFill>
-              </a:rPr>
-              <a:t>TC </a:t>
-            </a:r>
-            <a:r>
-              <a:rPr lang="ko-KR" altLang="en-US" b="1" dirty="0">
-                <a:solidFill>
-                  <a:srgbClr val="FF0000"/>
-                </a:solidFill>
-              </a:rPr>
-              <a:t>작성</a:t>
-            </a:r>
-            <a:endParaRPr lang="ko-KR" altLang="en-US" sz="2000" b="1" dirty="0">
-              <a:solidFill>
-                <a:srgbClr val="FF0000"/>
-              </a:solidFill>
-            </a:endParaRPr>
-          </a:p>
-        </p:txBody>
-      </p:sp>
+              <a:prstDash val="solid"/>
+              <a:round/>
+              <a:headEnd type="none" w="med" len="med"/>
+              <a:tailEnd type="none" w="med" len="med"/>
+            </a:ln>
+          </p:spPr>
+          <p:style>
+            <a:lnRef idx="0">
+              <a:scrgbClr r="0" g="0" b="0"/>
+            </a:lnRef>
+            <a:fillRef idx="0">
+              <a:scrgbClr r="0" g="0" b="0"/>
+            </a:fillRef>
+            <a:effectRef idx="0">
+              <a:scrgbClr r="0" g="0" b="0"/>
+            </a:effectRef>
+            <a:fontRef idx="minor">
+              <a:schemeClr val="dk1"/>
+            </a:fontRef>
+          </p:style>
+          <p:txBody>
+            <a:bodyPr rtlCol="0" anchor="ctr"/>
+            <a:lstStyle/>
+            <a:p>
+              <a:pPr algn="ctr"/>
+              <a:endParaRPr lang="ko-KR" altLang="en-US"/>
+            </a:p>
+          </p:txBody>
+        </p:sp>
+      </p:grpSp>
     </p:spTree>
     <p:extLst>
       <p:ext uri="{BB962C8B-B14F-4D97-AF65-F5344CB8AC3E}">
@@ -28087,6 +28677,306 @@
   <p:clrMapOvr>
     <a:masterClrMapping/>
   </p:clrMapOvr>
+  <p:timing>
+    <p:tnLst>
+      <p:par>
+        <p:cTn id="1" dur="indefinite" restart="never" nodeType="tmRoot">
+          <p:childTnLst>
+            <p:seq concurrent="1" nextAc="seek">
+              <p:cTn id="2" dur="indefinite" nodeType="mainSeq">
+                <p:childTnLst>
+                  <p:par>
+                    <p:cTn id="3" fill="hold">
+                      <p:stCondLst>
+                        <p:cond delay="indefinite"/>
+                      </p:stCondLst>
+                      <p:childTnLst>
+                        <p:par>
+                          <p:cTn id="4" fill="hold">
+                            <p:stCondLst>
+                              <p:cond delay="0"/>
+                            </p:stCondLst>
+                            <p:childTnLst>
+                              <p:par>
+                                <p:cTn id="5" presetID="1" presetClass="entr" presetSubtype="0" fill="hold" nodeType="clickEffect">
+                                  <p:stCondLst>
+                                    <p:cond delay="0"/>
+                                  </p:stCondLst>
+                                  <p:childTnLst>
+                                    <p:set>
+                                      <p:cBhvr>
+                                        <p:cTn id="6" dur="1" fill="hold">
+                                          <p:stCondLst>
+                                            <p:cond delay="0"/>
+                                          </p:stCondLst>
+                                        </p:cTn>
+                                        <p:tgtEl>
+                                          <p:spTgt spid="29"/>
+                                        </p:tgtEl>
+                                        <p:attrNameLst>
+                                          <p:attrName>style.visibility</p:attrName>
+                                        </p:attrNameLst>
+                                      </p:cBhvr>
+                                      <p:to>
+                                        <p:strVal val="visible"/>
+                                      </p:to>
+                                    </p:set>
+                                  </p:childTnLst>
+                                </p:cTn>
+                              </p:par>
+                            </p:childTnLst>
+                          </p:cTn>
+                        </p:par>
+                      </p:childTnLst>
+                    </p:cTn>
+                  </p:par>
+                  <p:par>
+                    <p:cTn id="7" fill="hold">
+                      <p:stCondLst>
+                        <p:cond delay="indefinite"/>
+                      </p:stCondLst>
+                      <p:childTnLst>
+                        <p:par>
+                          <p:cTn id="8" fill="hold">
+                            <p:stCondLst>
+                              <p:cond delay="0"/>
+                            </p:stCondLst>
+                            <p:childTnLst>
+                              <p:par>
+                                <p:cTn id="9" presetID="1" presetClass="entr" presetSubtype="0" fill="hold" nodeType="clickEffect">
+                                  <p:stCondLst>
+                                    <p:cond delay="0"/>
+                                  </p:stCondLst>
+                                  <p:childTnLst>
+                                    <p:set>
+                                      <p:cBhvr>
+                                        <p:cTn id="10" dur="1" fill="hold">
+                                          <p:stCondLst>
+                                            <p:cond delay="0"/>
+                                          </p:stCondLst>
+                                        </p:cTn>
+                                        <p:tgtEl>
+                                          <p:spTgt spid="34"/>
+                                        </p:tgtEl>
+                                        <p:attrNameLst>
+                                          <p:attrName>style.visibility</p:attrName>
+                                        </p:attrNameLst>
+                                      </p:cBhvr>
+                                      <p:to>
+                                        <p:strVal val="visible"/>
+                                      </p:to>
+                                    </p:set>
+                                  </p:childTnLst>
+                                </p:cTn>
+                              </p:par>
+                            </p:childTnLst>
+                          </p:cTn>
+                        </p:par>
+                      </p:childTnLst>
+                    </p:cTn>
+                  </p:par>
+                  <p:par>
+                    <p:cTn id="11" fill="hold">
+                      <p:stCondLst>
+                        <p:cond delay="indefinite"/>
+                      </p:stCondLst>
+                      <p:childTnLst>
+                        <p:par>
+                          <p:cTn id="12" fill="hold">
+                            <p:stCondLst>
+                              <p:cond delay="0"/>
+                            </p:stCondLst>
+                            <p:childTnLst>
+                              <p:par>
+                                <p:cTn id="13" presetID="1" presetClass="entr" presetSubtype="0" fill="hold" nodeType="clickEffect">
+                                  <p:stCondLst>
+                                    <p:cond delay="0"/>
+                                  </p:stCondLst>
+                                  <p:childTnLst>
+                                    <p:set>
+                                      <p:cBhvr>
+                                        <p:cTn id="14" dur="1" fill="hold">
+                                          <p:stCondLst>
+                                            <p:cond delay="0"/>
+                                          </p:stCondLst>
+                                        </p:cTn>
+                                        <p:tgtEl>
+                                          <p:spTgt spid="36"/>
+                                        </p:tgtEl>
+                                        <p:attrNameLst>
+                                          <p:attrName>style.visibility</p:attrName>
+                                        </p:attrNameLst>
+                                      </p:cBhvr>
+                                      <p:to>
+                                        <p:strVal val="visible"/>
+                                      </p:to>
+                                    </p:set>
+                                  </p:childTnLst>
+                                </p:cTn>
+                              </p:par>
+                            </p:childTnLst>
+                          </p:cTn>
+                        </p:par>
+                      </p:childTnLst>
+                    </p:cTn>
+                  </p:par>
+                  <p:par>
+                    <p:cTn id="15" fill="hold">
+                      <p:stCondLst>
+                        <p:cond delay="indefinite"/>
+                      </p:stCondLst>
+                      <p:childTnLst>
+                        <p:par>
+                          <p:cTn id="16" fill="hold">
+                            <p:stCondLst>
+                              <p:cond delay="0"/>
+                            </p:stCondLst>
+                            <p:childTnLst>
+                              <p:par>
+                                <p:cTn id="17" presetID="1" presetClass="entr" presetSubtype="0" fill="hold" nodeType="clickEffect">
+                                  <p:stCondLst>
+                                    <p:cond delay="0"/>
+                                  </p:stCondLst>
+                                  <p:childTnLst>
+                                    <p:set>
+                                      <p:cBhvr>
+                                        <p:cTn id="18" dur="1" fill="hold">
+                                          <p:stCondLst>
+                                            <p:cond delay="0"/>
+                                          </p:stCondLst>
+                                        </p:cTn>
+                                        <p:tgtEl>
+                                          <p:spTgt spid="38"/>
+                                        </p:tgtEl>
+                                        <p:attrNameLst>
+                                          <p:attrName>style.visibility</p:attrName>
+                                        </p:attrNameLst>
+                                      </p:cBhvr>
+                                      <p:to>
+                                        <p:strVal val="visible"/>
+                                      </p:to>
+                                    </p:set>
+                                  </p:childTnLst>
+                                </p:cTn>
+                              </p:par>
+                            </p:childTnLst>
+                          </p:cTn>
+                        </p:par>
+                      </p:childTnLst>
+                    </p:cTn>
+                  </p:par>
+                  <p:par>
+                    <p:cTn id="19" fill="hold">
+                      <p:stCondLst>
+                        <p:cond delay="indefinite"/>
+                      </p:stCondLst>
+                      <p:childTnLst>
+                        <p:par>
+                          <p:cTn id="20" fill="hold">
+                            <p:stCondLst>
+                              <p:cond delay="0"/>
+                            </p:stCondLst>
+                            <p:childTnLst>
+                              <p:par>
+                                <p:cTn id="21" presetID="1" presetClass="entr" presetSubtype="0" fill="hold" nodeType="clickEffect">
+                                  <p:stCondLst>
+                                    <p:cond delay="0"/>
+                                  </p:stCondLst>
+                                  <p:childTnLst>
+                                    <p:set>
+                                      <p:cBhvr>
+                                        <p:cTn id="22" dur="1" fill="hold">
+                                          <p:stCondLst>
+                                            <p:cond delay="0"/>
+                                          </p:stCondLst>
+                                        </p:cTn>
+                                        <p:tgtEl>
+                                          <p:spTgt spid="39"/>
+                                        </p:tgtEl>
+                                        <p:attrNameLst>
+                                          <p:attrName>style.visibility</p:attrName>
+                                        </p:attrNameLst>
+                                      </p:cBhvr>
+                                      <p:to>
+                                        <p:strVal val="visible"/>
+                                      </p:to>
+                                    </p:set>
+                                  </p:childTnLst>
+                                </p:cTn>
+                              </p:par>
+                            </p:childTnLst>
+                          </p:cTn>
+                        </p:par>
+                      </p:childTnLst>
+                    </p:cTn>
+                  </p:par>
+                  <p:par>
+                    <p:cTn id="23" fill="hold">
+                      <p:stCondLst>
+                        <p:cond delay="indefinite"/>
+                      </p:stCondLst>
+                      <p:childTnLst>
+                        <p:par>
+                          <p:cTn id="24" fill="hold">
+                            <p:stCondLst>
+                              <p:cond delay="0"/>
+                            </p:stCondLst>
+                            <p:childTnLst>
+                              <p:par>
+                                <p:cTn id="25" presetID="1" presetClass="entr" presetSubtype="0" fill="hold" nodeType="clickEffect">
+                                  <p:stCondLst>
+                                    <p:cond delay="0"/>
+                                  </p:stCondLst>
+                                  <p:childTnLst>
+                                    <p:set>
+                                      <p:cBhvr>
+                                        <p:cTn id="26" dur="1" fill="hold">
+                                          <p:stCondLst>
+                                            <p:cond delay="0"/>
+                                          </p:stCondLst>
+                                        </p:cTn>
+                                        <p:tgtEl>
+                                          <p:spTgt spid="41"/>
+                                        </p:tgtEl>
+                                        <p:attrNameLst>
+                                          <p:attrName>style.visibility</p:attrName>
+                                        </p:attrNameLst>
+                                      </p:cBhvr>
+                                      <p:to>
+                                        <p:strVal val="visible"/>
+                                      </p:to>
+                                    </p:set>
+                                  </p:childTnLst>
+                                </p:cTn>
+                              </p:par>
+                            </p:childTnLst>
+                          </p:cTn>
+                        </p:par>
+                      </p:childTnLst>
+                    </p:cTn>
+                  </p:par>
+                </p:childTnLst>
+              </p:cTn>
+              <p:prevCondLst>
+                <p:cond evt="onPrev" delay="0">
+                  <p:tgtEl>
+                    <p:sldTgt/>
+                  </p:tgtEl>
+                </p:cond>
+              </p:prevCondLst>
+              <p:nextCondLst>
+                <p:cond evt="onNext" delay="0">
+                  <p:tgtEl>
+                    <p:sldTgt/>
+                  </p:tgtEl>
+                </p:cond>
+              </p:nextCondLst>
+            </p:seq>
+          </p:childTnLst>
+        </p:cTn>
+      </p:par>
+    </p:tnLst>
+  </p:timing>
 </p:sld>
 </file>
 
@@ -28743,6 +29633,206 @@
           </a:extLst>
         </p:spPr>
       </p:pic>
+      <p:sp>
+        <p:nvSpPr>
+          <p:cNvPr id="3" name="사각형: 둥근 모서리 2">
+            <a:extLst>
+              <a:ext uri="{FF2B5EF4-FFF2-40B4-BE49-F238E27FC236}">
+                <a16:creationId xmlns:a16="http://schemas.microsoft.com/office/drawing/2014/main" id="{8E25B121-2455-4742-B06F-E6EC2CC6471F}"/>
+              </a:ext>
+            </a:extLst>
+          </p:cNvPr>
+          <p:cNvSpPr/>
+          <p:nvPr/>
+        </p:nvSpPr>
+        <p:spPr>
+          <a:xfrm>
+            <a:off x="3338003" y="2858610"/>
+            <a:ext cx="1706577" cy="968968"/>
+          </a:xfrm>
+          <a:prstGeom prst="roundRect">
+            <a:avLst>
+              <a:gd name="adj" fmla="val 8911"/>
+            </a:avLst>
+          </a:prstGeom>
+          <a:noFill/>
+          <a:ln w="28575" cap="flat" cmpd="sng" algn="ctr">
+            <a:solidFill>
+              <a:srgbClr val="FF0000"/>
+            </a:solidFill>
+            <a:prstDash val="sysDash"/>
+            <a:round/>
+            <a:headEnd type="none" w="med" len="med"/>
+            <a:tailEnd type="none" w="med" len="med"/>
+          </a:ln>
+        </p:spPr>
+        <p:style>
+          <a:lnRef idx="0">
+            <a:scrgbClr r="0" g="0" b="0"/>
+          </a:lnRef>
+          <a:fillRef idx="0">
+            <a:scrgbClr r="0" g="0" b="0"/>
+          </a:fillRef>
+          <a:effectRef idx="0">
+            <a:scrgbClr r="0" g="0" b="0"/>
+          </a:effectRef>
+          <a:fontRef idx="minor">
+            <a:schemeClr val="accent2"/>
+          </a:fontRef>
+        </p:style>
+        <p:txBody>
+          <a:bodyPr rtlCol="0" anchor="ctr"/>
+          <a:lstStyle/>
+          <a:p>
+            <a:pPr algn="ctr"/>
+            <a:endParaRPr lang="ko-KR" altLang="en-US"/>
+          </a:p>
+        </p:txBody>
+      </p:sp>
+      <p:sp>
+        <p:nvSpPr>
+          <p:cNvPr id="5" name="TextBox 4">
+            <a:extLst>
+              <a:ext uri="{FF2B5EF4-FFF2-40B4-BE49-F238E27FC236}">
+                <a16:creationId xmlns:a16="http://schemas.microsoft.com/office/drawing/2014/main" id="{5A77B4B6-3BA2-44EF-9117-B12E12B64B72}"/>
+              </a:ext>
+            </a:extLst>
+          </p:cNvPr>
+          <p:cNvSpPr txBox="1"/>
+          <p:nvPr/>
+        </p:nvSpPr>
+        <p:spPr>
+          <a:xfrm rot="5400000">
+            <a:off x="4757594" y="3150517"/>
+            <a:ext cx="891591" cy="307777"/>
+          </a:xfrm>
+          <a:prstGeom prst="rect">
+            <a:avLst/>
+          </a:prstGeom>
+          <a:noFill/>
+        </p:spPr>
+        <p:txBody>
+          <a:bodyPr wrap="none" rtlCol="0">
+            <a:spAutoFit/>
+          </a:bodyPr>
+          <a:lstStyle/>
+          <a:p>
+            <a:r>
+              <a:rPr lang="en-US" altLang="ko-KR" dirty="0">
+                <a:solidFill>
+                  <a:srgbClr val="FF0000"/>
+                </a:solidFill>
+              </a:rPr>
+              <a:t>Stubbing</a:t>
+            </a:r>
+            <a:endParaRPr lang="ko-KR" altLang="en-US" dirty="0">
+              <a:solidFill>
+                <a:srgbClr val="FF0000"/>
+              </a:solidFill>
+            </a:endParaRPr>
+          </a:p>
+        </p:txBody>
+      </p:sp>
+      <p:sp>
+        <p:nvSpPr>
+          <p:cNvPr id="16" name="사각형: 둥근 모서리 15">
+            <a:extLst>
+              <a:ext uri="{FF2B5EF4-FFF2-40B4-BE49-F238E27FC236}">
+                <a16:creationId xmlns:a16="http://schemas.microsoft.com/office/drawing/2014/main" id="{E35C3FF5-D1AA-4835-BB2F-9618B6AD303E}"/>
+              </a:ext>
+            </a:extLst>
+          </p:cNvPr>
+          <p:cNvSpPr/>
+          <p:nvPr/>
+        </p:nvSpPr>
+        <p:spPr>
+          <a:xfrm>
+            <a:off x="7553694" y="3275861"/>
+            <a:ext cx="1201547" cy="605068"/>
+          </a:xfrm>
+          <a:prstGeom prst="roundRect">
+            <a:avLst>
+              <a:gd name="adj" fmla="val 8911"/>
+            </a:avLst>
+          </a:prstGeom>
+          <a:noFill/>
+          <a:ln w="28575" cap="flat" cmpd="sng" algn="ctr">
+            <a:solidFill>
+              <a:srgbClr val="FF0000"/>
+            </a:solidFill>
+            <a:prstDash val="sysDash"/>
+            <a:round/>
+            <a:headEnd type="none" w="med" len="med"/>
+            <a:tailEnd type="none" w="med" len="med"/>
+          </a:ln>
+        </p:spPr>
+        <p:style>
+          <a:lnRef idx="0">
+            <a:scrgbClr r="0" g="0" b="0"/>
+          </a:lnRef>
+          <a:fillRef idx="0">
+            <a:scrgbClr r="0" g="0" b="0"/>
+          </a:fillRef>
+          <a:effectRef idx="0">
+            <a:scrgbClr r="0" g="0" b="0"/>
+          </a:effectRef>
+          <a:fontRef idx="minor">
+            <a:schemeClr val="accent2"/>
+          </a:fontRef>
+        </p:style>
+        <p:txBody>
+          <a:bodyPr rtlCol="0" anchor="ctr"/>
+          <a:lstStyle/>
+          <a:p>
+            <a:pPr algn="ctr"/>
+            <a:endParaRPr lang="ko-KR" altLang="en-US"/>
+          </a:p>
+        </p:txBody>
+      </p:sp>
+      <p:sp>
+        <p:nvSpPr>
+          <p:cNvPr id="17" name="TextBox 16">
+            <a:extLst>
+              <a:ext uri="{FF2B5EF4-FFF2-40B4-BE49-F238E27FC236}">
+                <a16:creationId xmlns:a16="http://schemas.microsoft.com/office/drawing/2014/main" id="{7BA75C8E-BC28-4182-A4B3-572E82732E64}"/>
+              </a:ext>
+            </a:extLst>
+          </p:cNvPr>
+          <p:cNvSpPr txBox="1"/>
+          <p:nvPr/>
+        </p:nvSpPr>
+        <p:spPr>
+          <a:xfrm rot="16200000">
+            <a:off x="6980024" y="3348197"/>
+            <a:ext cx="851515" cy="307777"/>
+          </a:xfrm>
+          <a:prstGeom prst="rect">
+            <a:avLst/>
+          </a:prstGeom>
+          <a:noFill/>
+        </p:spPr>
+        <p:txBody>
+          <a:bodyPr wrap="none" rtlCol="0">
+            <a:spAutoFit/>
+          </a:bodyPr>
+          <a:lstStyle/>
+          <a:p>
+            <a:r>
+              <a:rPr lang="en-US" altLang="ko-KR" dirty="0">
+                <a:solidFill>
+                  <a:srgbClr val="FF0000"/>
+                </a:solidFill>
+              </a:rPr>
+              <a:t>Mocking</a:t>
+            </a:r>
+            <a:endParaRPr lang="ko-KR" altLang="en-US" dirty="0">
+              <a:solidFill>
+                <a:srgbClr val="FF0000"/>
+              </a:solidFill>
+            </a:endParaRPr>
+          </a:p>
+        </p:txBody>
+      </p:sp>
     </p:spTree>
     <p:extLst>
       <p:ext uri="{BB962C8B-B14F-4D97-AF65-F5344CB8AC3E}">

--- a/SSD_B_BestReviewer.pptx
+++ b/SSD_B_BestReviewer.pptx
@@ -5,7 +5,7 @@
     <p:sldMasterId id="2147483648" r:id="rId1"/>
   </p:sldMasterIdLst>
   <p:notesMasterIdLst>
-    <p:notesMasterId r:id="rId16"/>
+    <p:notesMasterId r:id="rId17"/>
   </p:notesMasterIdLst>
   <p:sldIdLst>
     <p:sldId id="256" r:id="rId2"/>
@@ -21,7 +21,8 @@
     <p:sldId id="266" r:id="rId12"/>
     <p:sldId id="268" r:id="rId13"/>
     <p:sldId id="270" r:id="rId14"/>
-    <p:sldId id="259" r:id="rId15"/>
+    <p:sldId id="271" r:id="rId15"/>
+    <p:sldId id="259" r:id="rId16"/>
   </p:sldIdLst>
   <p:sldSz cx="12192000" cy="6858000"/>
   <p:notesSz cx="6858000" cy="9144000"/>
@@ -259,7 +260,7 @@
       <p15:sldGuideLst xmlns:p15="http://schemas.microsoft.com/office/powerpoint/2012/main"/>
     </p:ext>
     <p:ext uri="GoogleSlidesCustomDataVersion2">
-      <go:slidesCustomData xmlns="" xmlns:mc="http://schemas.openxmlformats.org/markup-compatibility/2006" xmlns:mv="urn:schemas-microsoft-com:mac:vml" xmlns:c="http://schemas.openxmlformats.org/drawingml/2006/chart" xmlns:dgm="http://schemas.openxmlformats.org/drawingml/2006/diagram" xmlns:o="urn:schemas-microsoft-com:office:office" xmlns:v="urn:schemas-microsoft-com:vml" xmlns:pvml="urn:schemas-microsoft-com:office:powerpoint" xmlns:com="http://schemas.openxmlformats.org/drawingml/2006/compatibility" xmlns:p14="http://schemas.microsoft.com/office/powerpoint/2010/main" xmlns:p15="http://schemas.microsoft.com/office/powerpoint/2012/main" xmlns:ahyp="http://schemas.microsoft.com/office/drawing/2018/hyperlinkcolor" xmlns:go="http://customooxmlschemas.google.com/" r:id="rId17" roundtripDataSignature="AMtx7mj5GdbxsaFl02bTEFBl/9s84/Z/Bw=="/>
+      <go:slidesCustomData xmlns:go="http://customooxmlschemas.google.com/" xmlns:ahyp="http://schemas.microsoft.com/office/drawing/2018/hyperlinkcolor" xmlns:p15="http://schemas.microsoft.com/office/powerpoint/2012/main" xmlns:p14="http://schemas.microsoft.com/office/powerpoint/2010/main" xmlns:com="http://schemas.openxmlformats.org/drawingml/2006/compatibility" xmlns:pvml="urn:schemas-microsoft-com:office:powerpoint" xmlns:v="urn:schemas-microsoft-com:vml" xmlns:o="urn:schemas-microsoft-com:office:office" xmlns:dgm="http://schemas.openxmlformats.org/drawingml/2006/diagram" xmlns:c="http://schemas.openxmlformats.org/drawingml/2006/chart" xmlns:mv="urn:schemas-microsoft-com:mac:vml" xmlns:mc="http://schemas.openxmlformats.org/markup-compatibility/2006" xmlns="" r:id="rId18" roundtripDataSignature="AMtx7mj5GdbxsaFl02bTEFBl/9s84/Z/Bw=="/>
     </p:ext>
   </p:extLst>
 </p:presentation>
@@ -1138,6 +1139,115 @@
 </file>
 
 <file path=ppt/notesSlides/notesSlide13.xml><?xml version="1.0" encoding="utf-8"?>
+<p:notes xmlns:a="http://schemas.openxmlformats.org/drawingml/2006/main" xmlns:r="http://schemas.openxmlformats.org/officeDocument/2006/relationships" xmlns:p="http://schemas.openxmlformats.org/presentationml/2006/main" showMasterSp="0" showMasterPhAnim="0">
+  <p:cSld>
+    <p:spTree>
+      <p:nvGrpSpPr>
+        <p:cNvPr id="1" name="Shape 55"/>
+        <p:cNvGrpSpPr/>
+        <p:nvPr/>
+      </p:nvGrpSpPr>
+      <p:grpSpPr>
+        <a:xfrm>
+          <a:off x="0" y="0"/>
+          <a:ext cx="0" cy="0"/>
+          <a:chOff x="0" y="0"/>
+          <a:chExt cx="0" cy="0"/>
+        </a:xfrm>
+      </p:grpSpPr>
+      <p:sp>
+        <p:nvSpPr>
+          <p:cNvPr id="56" name="Google Shape;56;p3:notes"/>
+          <p:cNvSpPr txBox="1">
+            <a:spLocks noGrp="1"/>
+          </p:cNvSpPr>
+          <p:nvPr>
+            <p:ph type="body" idx="1"/>
+          </p:nvPr>
+        </p:nvSpPr>
+        <p:spPr>
+          <a:xfrm>
+            <a:off x="685800" y="4343400"/>
+            <a:ext cx="5486400" cy="4114800"/>
+          </a:xfrm>
+          <a:prstGeom prst="rect">
+            <a:avLst/>
+          </a:prstGeom>
+        </p:spPr>
+        <p:txBody>
+          <a:bodyPr spcFirstLastPara="1" wrap="square" lIns="91425" tIns="91425" rIns="91425" bIns="91425" anchor="t" anchorCtr="0">
+            <a:noAutofit/>
+          </a:bodyPr>
+          <a:lstStyle/>
+          <a:p>
+            <a:pPr marL="0" lvl="0" indent="0" algn="l" rtl="0">
+              <a:spcBef>
+                <a:spcPts val="0"/>
+              </a:spcBef>
+              <a:spcAft>
+                <a:spcPts val="0"/>
+              </a:spcAft>
+              <a:buNone/>
+            </a:pPr>
+            <a:endParaRPr/>
+          </a:p>
+        </p:txBody>
+      </p:sp>
+      <p:sp>
+        <p:nvSpPr>
+          <p:cNvPr id="57" name="Google Shape;57;p3:notes"/>
+          <p:cNvSpPr>
+            <a:spLocks noGrp="1" noRot="1" noChangeAspect="1"/>
+          </p:cNvSpPr>
+          <p:nvPr>
+            <p:ph type="sldImg" idx="2"/>
+          </p:nvPr>
+        </p:nvSpPr>
+        <p:spPr>
+          <a:xfrm>
+            <a:off x="381000" y="685800"/>
+            <a:ext cx="6096000" cy="3429000"/>
+          </a:xfrm>
+          <a:custGeom>
+            <a:avLst/>
+            <a:gdLst/>
+            <a:ahLst/>
+            <a:cxnLst/>
+            <a:rect l="l" t="t" r="r" b="b"/>
+            <a:pathLst>
+              <a:path w="120000" h="120000" extrusionOk="0">
+                <a:moveTo>
+                  <a:pt x="0" y="0"/>
+                </a:moveTo>
+                <a:lnTo>
+                  <a:pt x="120000" y="0"/>
+                </a:lnTo>
+                <a:lnTo>
+                  <a:pt x="120000" y="120000"/>
+                </a:lnTo>
+                <a:lnTo>
+                  <a:pt x="0" y="120000"/>
+                </a:lnTo>
+                <a:close/>
+              </a:path>
+            </a:pathLst>
+          </a:custGeom>
+        </p:spPr>
+      </p:sp>
+    </p:spTree>
+    <p:extLst>
+      <p:ext uri="{BB962C8B-B14F-4D97-AF65-F5344CB8AC3E}">
+        <p14:creationId xmlns:p14="http://schemas.microsoft.com/office/powerpoint/2010/main" val="1251058554"/>
+      </p:ext>
+    </p:extLst>
+  </p:cSld>
+  <p:clrMapOvr>
+    <a:masterClrMapping/>
+  </p:clrMapOvr>
+</p:notes>
+</file>
+
+<file path=ppt/notesSlides/notesSlide14.xml><?xml version="1.0" encoding="utf-8"?>
 <p:notes xmlns:a="http://schemas.openxmlformats.org/drawingml/2006/main" xmlns:r="http://schemas.openxmlformats.org/officeDocument/2006/relationships" xmlns:p="http://schemas.openxmlformats.org/presentationml/2006/main" showMasterSp="0" showMasterPhAnim="0">
   <p:cSld>
     <p:spTree>
@@ -14704,6 +14814,390 @@
 </file>
 
 <file path=ppt/slides/slide14.xml><?xml version="1.0" encoding="utf-8"?>
+<p:sld xmlns:a="http://schemas.openxmlformats.org/drawingml/2006/main" xmlns:r="http://schemas.openxmlformats.org/officeDocument/2006/relationships" xmlns:p="http://schemas.openxmlformats.org/presentationml/2006/main">
+  <p:cSld>
+    <p:spTree>
+      <p:nvGrpSpPr>
+        <p:cNvPr id="1" name="Shape 58"/>
+        <p:cNvGrpSpPr/>
+        <p:nvPr/>
+      </p:nvGrpSpPr>
+      <p:grpSpPr>
+        <a:xfrm>
+          <a:off x="0" y="0"/>
+          <a:ext cx="0" cy="0"/>
+          <a:chOff x="0" y="0"/>
+          <a:chExt cx="0" cy="0"/>
+        </a:xfrm>
+      </p:grpSpPr>
+      <p:sp>
+        <p:nvSpPr>
+          <p:cNvPr id="59" name="Google Shape;59;p3"/>
+          <p:cNvSpPr txBox="1">
+            <a:spLocks noGrp="1"/>
+          </p:cNvSpPr>
+          <p:nvPr>
+            <p:ph type="title"/>
+          </p:nvPr>
+        </p:nvSpPr>
+        <p:spPr>
+          <a:xfrm>
+            <a:off x="605980" y="310143"/>
+            <a:ext cx="10515600" cy="649800"/>
+          </a:xfrm>
+          <a:prstGeom prst="rect">
+            <a:avLst/>
+          </a:prstGeom>
+          <a:noFill/>
+          <a:ln>
+            <a:noFill/>
+          </a:ln>
+        </p:spPr>
+        <p:txBody>
+          <a:bodyPr spcFirstLastPara="1" wrap="square" lIns="91425" tIns="45700" rIns="91425" bIns="45700" anchor="ctr" anchorCtr="0">
+            <a:normAutofit fontScale="90000"/>
+          </a:bodyPr>
+          <a:lstStyle/>
+          <a:p>
+            <a:pPr marL="0" lvl="0" indent="0" algn="l" rtl="0">
+              <a:lnSpc>
+                <a:spcPct val="90000"/>
+              </a:lnSpc>
+              <a:spcBef>
+                <a:spcPts val="0"/>
+              </a:spcBef>
+              <a:spcAft>
+                <a:spcPts val="0"/>
+              </a:spcAft>
+              <a:buClr>
+                <a:schemeClr val="dk1"/>
+              </a:buClr>
+              <a:buSzPts val="4400"/>
+              <a:buFont typeface="Malgun Gothic"/>
+              <a:buNone/>
+            </a:pPr>
+            <a:r>
+              <a:rPr lang="en-US" dirty="0"/>
+              <a:t>Appendix - PR </a:t>
+            </a:r>
+            <a:r>
+              <a:rPr lang="ko-KR" altLang="en-US" dirty="0"/>
+              <a:t>효율화</a:t>
+            </a:r>
+            <a:endParaRPr dirty="0"/>
+          </a:p>
+        </p:txBody>
+      </p:sp>
+      <p:pic>
+        <p:nvPicPr>
+          <p:cNvPr id="4" name="그림 3">
+            <a:extLst>
+              <a:ext uri="{FF2B5EF4-FFF2-40B4-BE49-F238E27FC236}">
+                <a16:creationId xmlns:a16="http://schemas.microsoft.com/office/drawing/2014/main" id="{0A7AFC66-0CBE-4298-9602-521B34133062}"/>
+              </a:ext>
+            </a:extLst>
+          </p:cNvPr>
+          <p:cNvPicPr>
+            <a:picLocks noChangeAspect="1"/>
+          </p:cNvPicPr>
+          <p:nvPr/>
+        </p:nvPicPr>
+        <p:blipFill>
+          <a:blip r:embed="rId3"/>
+          <a:stretch>
+            <a:fillRect/>
+          </a:stretch>
+        </p:blipFill>
+        <p:spPr>
+          <a:xfrm>
+            <a:off x="1143740" y="2358202"/>
+            <a:ext cx="4022758" cy="2684139"/>
+          </a:xfrm>
+          <a:prstGeom prst="rect">
+            <a:avLst/>
+          </a:prstGeom>
+        </p:spPr>
+      </p:pic>
+      <p:sp>
+        <p:nvSpPr>
+          <p:cNvPr id="6" name="TextBox 5">
+            <a:extLst>
+              <a:ext uri="{FF2B5EF4-FFF2-40B4-BE49-F238E27FC236}">
+                <a16:creationId xmlns:a16="http://schemas.microsoft.com/office/drawing/2014/main" id="{AC1B892C-F164-44E9-8E1B-F7AF266249E1}"/>
+              </a:ext>
+            </a:extLst>
+          </p:cNvPr>
+          <p:cNvSpPr txBox="1"/>
+          <p:nvPr/>
+        </p:nvSpPr>
+        <p:spPr>
+          <a:xfrm>
+            <a:off x="603817" y="1259924"/>
+            <a:ext cx="2246128" cy="415627"/>
+          </a:xfrm>
+          <a:prstGeom prst="rect">
+            <a:avLst/>
+          </a:prstGeom>
+          <a:noFill/>
+        </p:spPr>
+        <p:txBody>
+          <a:bodyPr wrap="none" rtlCol="0">
+            <a:spAutoFit/>
+          </a:bodyPr>
+          <a:lstStyle/>
+          <a:p>
+            <a:pPr>
+              <a:lnSpc>
+                <a:spcPct val="150000"/>
+              </a:lnSpc>
+            </a:pPr>
+            <a:r>
+              <a:rPr lang="ko-KR" altLang="en-US" sz="1600" dirty="0"/>
+              <a:t>▶ </a:t>
+            </a:r>
+            <a:r>
+              <a:rPr lang="en-US" altLang="ko-KR" sz="1600" dirty="0"/>
+              <a:t>PR Template </a:t>
+            </a:r>
+            <a:r>
+              <a:rPr lang="ko-KR" altLang="en-US" sz="1600" dirty="0"/>
+              <a:t>적용 </a:t>
+            </a:r>
+            <a:endParaRPr lang="en-US" altLang="ko-KR" sz="1600" dirty="0"/>
+          </a:p>
+        </p:txBody>
+      </p:sp>
+      <p:pic>
+        <p:nvPicPr>
+          <p:cNvPr id="7" name="그림 6">
+            <a:extLst>
+              <a:ext uri="{FF2B5EF4-FFF2-40B4-BE49-F238E27FC236}">
+                <a16:creationId xmlns:a16="http://schemas.microsoft.com/office/drawing/2014/main" id="{4A7C3B2C-B3CB-4EB6-B22E-9E967C6A7F90}"/>
+              </a:ext>
+            </a:extLst>
+          </p:cNvPr>
+          <p:cNvPicPr>
+            <a:picLocks noChangeAspect="1"/>
+          </p:cNvPicPr>
+          <p:nvPr/>
+        </p:nvPicPr>
+        <p:blipFill>
+          <a:blip r:embed="rId4"/>
+          <a:stretch>
+            <a:fillRect/>
+          </a:stretch>
+        </p:blipFill>
+        <p:spPr>
+          <a:xfrm>
+            <a:off x="6339098" y="1905441"/>
+            <a:ext cx="2896942" cy="3596543"/>
+          </a:xfrm>
+          <a:prstGeom prst="rect">
+            <a:avLst/>
+          </a:prstGeom>
+        </p:spPr>
+      </p:pic>
+      <p:sp>
+        <p:nvSpPr>
+          <p:cNvPr id="9" name="TextBox 8">
+            <a:extLst>
+              <a:ext uri="{FF2B5EF4-FFF2-40B4-BE49-F238E27FC236}">
+                <a16:creationId xmlns:a16="http://schemas.microsoft.com/office/drawing/2014/main" id="{EEC4013D-9DAA-4597-8F44-163454EC9839}"/>
+              </a:ext>
+            </a:extLst>
+          </p:cNvPr>
+          <p:cNvSpPr txBox="1"/>
+          <p:nvPr/>
+        </p:nvSpPr>
+        <p:spPr>
+          <a:xfrm>
+            <a:off x="6339098" y="1206658"/>
+            <a:ext cx="2302233" cy="415627"/>
+          </a:xfrm>
+          <a:prstGeom prst="rect">
+            <a:avLst/>
+          </a:prstGeom>
+          <a:noFill/>
+        </p:spPr>
+        <p:txBody>
+          <a:bodyPr wrap="none" rtlCol="0">
+            <a:spAutoFit/>
+          </a:bodyPr>
+          <a:lstStyle/>
+          <a:p>
+            <a:pPr>
+              <a:lnSpc>
+                <a:spcPct val="150000"/>
+              </a:lnSpc>
+            </a:pPr>
+            <a:r>
+              <a:rPr lang="ko-KR" altLang="en-US" sz="1600" dirty="0"/>
+              <a:t>▶ </a:t>
+            </a:r>
+            <a:r>
+              <a:rPr lang="en-US" altLang="ko-KR" sz="1600" dirty="0"/>
+              <a:t>PR Request </a:t>
+            </a:r>
+            <a:r>
+              <a:rPr lang="ko-KR" altLang="en-US" sz="1600" dirty="0"/>
+              <a:t>자동화</a:t>
+            </a:r>
+            <a:endParaRPr lang="en-US" altLang="ko-KR" sz="1600" dirty="0"/>
+          </a:p>
+        </p:txBody>
+      </p:sp>
+      <p:sp>
+        <p:nvSpPr>
+          <p:cNvPr id="10" name="직사각형 9">
+            <a:extLst>
+              <a:ext uri="{FF2B5EF4-FFF2-40B4-BE49-F238E27FC236}">
+                <a16:creationId xmlns:a16="http://schemas.microsoft.com/office/drawing/2014/main" id="{087262D4-DF20-447A-B877-70559EDA097E}"/>
+              </a:ext>
+            </a:extLst>
+          </p:cNvPr>
+          <p:cNvSpPr/>
+          <p:nvPr/>
+        </p:nvSpPr>
+        <p:spPr>
+          <a:xfrm>
+            <a:off x="390617" y="1127464"/>
+            <a:ext cx="5613764" cy="5420393"/>
+          </a:xfrm>
+          <a:prstGeom prst="rect">
+            <a:avLst/>
+          </a:prstGeom>
+          <a:noFill/>
+          <a:ln w="9525" cap="flat" cmpd="sng" algn="ctr">
+            <a:solidFill>
+              <a:schemeClr val="dk1"/>
+            </a:solidFill>
+            <a:prstDash val="solid"/>
+            <a:round/>
+            <a:headEnd type="none" w="med" len="med"/>
+            <a:tailEnd type="none" w="med" len="med"/>
+          </a:ln>
+        </p:spPr>
+        <p:style>
+          <a:lnRef idx="0">
+            <a:scrgbClr r="0" g="0" b="0"/>
+          </a:lnRef>
+          <a:fillRef idx="0">
+            <a:scrgbClr r="0" g="0" b="0"/>
+          </a:fillRef>
+          <a:effectRef idx="0">
+            <a:scrgbClr r="0" g="0" b="0"/>
+          </a:effectRef>
+          <a:fontRef idx="minor">
+            <a:schemeClr val="dk1"/>
+          </a:fontRef>
+        </p:style>
+        <p:txBody>
+          <a:bodyPr rtlCol="0" anchor="ctr"/>
+          <a:lstStyle/>
+          <a:p>
+            <a:pPr algn="ctr"/>
+            <a:endParaRPr lang="ko-KR" altLang="en-US"/>
+          </a:p>
+        </p:txBody>
+      </p:sp>
+      <p:sp>
+        <p:nvSpPr>
+          <p:cNvPr id="11" name="직사각형 10">
+            <a:extLst>
+              <a:ext uri="{FF2B5EF4-FFF2-40B4-BE49-F238E27FC236}">
+                <a16:creationId xmlns:a16="http://schemas.microsoft.com/office/drawing/2014/main" id="{07622877-9077-4044-BC0E-BDD0C1FAEF08}"/>
+              </a:ext>
+            </a:extLst>
+          </p:cNvPr>
+          <p:cNvSpPr/>
+          <p:nvPr/>
+        </p:nvSpPr>
+        <p:spPr>
+          <a:xfrm>
+            <a:off x="6187621" y="1127464"/>
+            <a:ext cx="5888971" cy="5420393"/>
+          </a:xfrm>
+          <a:prstGeom prst="rect">
+            <a:avLst/>
+          </a:prstGeom>
+          <a:noFill/>
+          <a:ln w="9525" cap="flat" cmpd="sng" algn="ctr">
+            <a:solidFill>
+              <a:schemeClr val="dk1"/>
+            </a:solidFill>
+            <a:prstDash val="solid"/>
+            <a:round/>
+            <a:headEnd type="none" w="med" len="med"/>
+            <a:tailEnd type="none" w="med" len="med"/>
+          </a:ln>
+        </p:spPr>
+        <p:style>
+          <a:lnRef idx="0">
+            <a:scrgbClr r="0" g="0" b="0"/>
+          </a:lnRef>
+          <a:fillRef idx="0">
+            <a:scrgbClr r="0" g="0" b="0"/>
+          </a:fillRef>
+          <a:effectRef idx="0">
+            <a:scrgbClr r="0" g="0" b="0"/>
+          </a:effectRef>
+          <a:fontRef idx="minor">
+            <a:schemeClr val="dk1"/>
+          </a:fontRef>
+        </p:style>
+        <p:txBody>
+          <a:bodyPr rtlCol="0" anchor="ctr"/>
+          <a:lstStyle/>
+          <a:p>
+            <a:pPr algn="ctr"/>
+            <a:endParaRPr lang="ko-KR" altLang="en-US"/>
+          </a:p>
+        </p:txBody>
+      </p:sp>
+      <p:pic>
+        <p:nvPicPr>
+          <p:cNvPr id="12" name="그림 11">
+            <a:extLst>
+              <a:ext uri="{FF2B5EF4-FFF2-40B4-BE49-F238E27FC236}">
+                <a16:creationId xmlns:a16="http://schemas.microsoft.com/office/drawing/2014/main" id="{F30D03D9-75B4-4F0D-970B-5957640871C8}"/>
+              </a:ext>
+            </a:extLst>
+          </p:cNvPr>
+          <p:cNvPicPr>
+            <a:picLocks noChangeAspect="1"/>
+          </p:cNvPicPr>
+          <p:nvPr/>
+        </p:nvPicPr>
+        <p:blipFill>
+          <a:blip r:embed="rId5"/>
+          <a:stretch>
+            <a:fillRect/>
+          </a:stretch>
+        </p:blipFill>
+        <p:spPr>
+          <a:xfrm>
+            <a:off x="9347541" y="1905441"/>
+            <a:ext cx="2658331" cy="3599510"/>
+          </a:xfrm>
+          <a:prstGeom prst="rect">
+            <a:avLst/>
+          </a:prstGeom>
+        </p:spPr>
+      </p:pic>
+    </p:spTree>
+    <p:extLst>
+      <p:ext uri="{BB962C8B-B14F-4D97-AF65-F5344CB8AC3E}">
+        <p14:creationId xmlns:p14="http://schemas.microsoft.com/office/powerpoint/2010/main" val="1361805124"/>
+      </p:ext>
+    </p:extLst>
+  </p:cSld>
+  <p:clrMapOvr>
+    <a:masterClrMapping/>
+  </p:clrMapOvr>
+</p:sld>
+</file>
+
+<file path=ppt/slides/slide15.xml><?xml version="1.0" encoding="utf-8"?>
 <p:sld xmlns:a="http://schemas.openxmlformats.org/drawingml/2006/main" xmlns:r="http://schemas.openxmlformats.org/officeDocument/2006/relationships" xmlns:p="http://schemas.openxmlformats.org/presentationml/2006/main">
   <p:cSld>
     <p:spTree>

--- a/SSD_B_BestReviewer.pptx
+++ b/SSD_B_BestReviewer.pptx
@@ -5,7 +5,7 @@
     <p:sldMasterId id="2147483648" r:id="rId1"/>
   </p:sldMasterIdLst>
   <p:notesMasterIdLst>
-    <p:notesMasterId r:id="rId16"/>
+    <p:notesMasterId r:id="rId17"/>
   </p:notesMasterIdLst>
   <p:sldIdLst>
     <p:sldId id="256" r:id="rId2"/>
@@ -21,7 +21,8 @@
     <p:sldId id="266" r:id="rId12"/>
     <p:sldId id="268" r:id="rId13"/>
     <p:sldId id="270" r:id="rId14"/>
-    <p:sldId id="259" r:id="rId15"/>
+    <p:sldId id="271" r:id="rId15"/>
+    <p:sldId id="259" r:id="rId16"/>
   </p:sldIdLst>
   <p:sldSz cx="12192000" cy="6858000"/>
   <p:notesSz cx="6858000" cy="9144000"/>
@@ -259,7 +260,7 @@
       <p15:sldGuideLst xmlns:p15="http://schemas.microsoft.com/office/powerpoint/2012/main"/>
     </p:ext>
     <p:ext uri="GoogleSlidesCustomDataVersion2">
-      <go:slidesCustomData xmlns:go="http://customooxmlschemas.google.com/" xmlns:ahyp="http://schemas.microsoft.com/office/drawing/2018/hyperlinkcolor" xmlns:p15="http://schemas.microsoft.com/office/powerpoint/2012/main" xmlns:p14="http://schemas.microsoft.com/office/powerpoint/2010/main" xmlns:com="http://schemas.openxmlformats.org/drawingml/2006/compatibility" xmlns:pvml="urn:schemas-microsoft-com:office:powerpoint" xmlns:v="urn:schemas-microsoft-com:vml" xmlns:o="urn:schemas-microsoft-com:office:office" xmlns:dgm="http://schemas.openxmlformats.org/drawingml/2006/diagram" xmlns:c="http://schemas.openxmlformats.org/drawingml/2006/chart" xmlns:mv="urn:schemas-microsoft-com:mac:vml" xmlns:mc="http://schemas.openxmlformats.org/markup-compatibility/2006" xmlns="" r:id="rId17" roundtripDataSignature="AMtx7mj5GdbxsaFl02bTEFBl/9s84/Z/Bw=="/>
+      <go:slidesCustomData xmlns:go="http://customooxmlschemas.google.com/" xmlns:ahyp="http://schemas.microsoft.com/office/drawing/2018/hyperlinkcolor" xmlns:p15="http://schemas.microsoft.com/office/powerpoint/2012/main" xmlns:p14="http://schemas.microsoft.com/office/powerpoint/2010/main" xmlns:com="http://schemas.openxmlformats.org/drawingml/2006/compatibility" xmlns:pvml="urn:schemas-microsoft-com:office:powerpoint" xmlns:v="urn:schemas-microsoft-com:vml" xmlns:o="urn:schemas-microsoft-com:office:office" xmlns:dgm="http://schemas.openxmlformats.org/drawingml/2006/diagram" xmlns:c="http://schemas.openxmlformats.org/drawingml/2006/chart" xmlns:mv="urn:schemas-microsoft-com:mac:vml" xmlns:mc="http://schemas.openxmlformats.org/markup-compatibility/2006" xmlns="" r:id="rId18" roundtripDataSignature="AMtx7mj5GdbxsaFl02bTEFBl/9s84/Z/Bw=="/>
     </p:ext>
   </p:extLst>
 </p:presentation>
@@ -1138,6 +1139,115 @@
 </file>
 
 <file path=ppt/notesSlides/notesSlide13.xml><?xml version="1.0" encoding="utf-8"?>
+<p:notes xmlns:a="http://schemas.openxmlformats.org/drawingml/2006/main" xmlns:r="http://schemas.openxmlformats.org/officeDocument/2006/relationships" xmlns:p="http://schemas.openxmlformats.org/presentationml/2006/main" showMasterSp="0" showMasterPhAnim="0">
+  <p:cSld>
+    <p:spTree>
+      <p:nvGrpSpPr>
+        <p:cNvPr id="1" name="Shape 55"/>
+        <p:cNvGrpSpPr/>
+        <p:nvPr/>
+      </p:nvGrpSpPr>
+      <p:grpSpPr>
+        <a:xfrm>
+          <a:off x="0" y="0"/>
+          <a:ext cx="0" cy="0"/>
+          <a:chOff x="0" y="0"/>
+          <a:chExt cx="0" cy="0"/>
+        </a:xfrm>
+      </p:grpSpPr>
+      <p:sp>
+        <p:nvSpPr>
+          <p:cNvPr id="56" name="Google Shape;56;p3:notes"/>
+          <p:cNvSpPr txBox="1">
+            <a:spLocks noGrp="1"/>
+          </p:cNvSpPr>
+          <p:nvPr>
+            <p:ph type="body" idx="1"/>
+          </p:nvPr>
+        </p:nvSpPr>
+        <p:spPr>
+          <a:xfrm>
+            <a:off x="685800" y="4343400"/>
+            <a:ext cx="5486400" cy="4114800"/>
+          </a:xfrm>
+          <a:prstGeom prst="rect">
+            <a:avLst/>
+          </a:prstGeom>
+        </p:spPr>
+        <p:txBody>
+          <a:bodyPr spcFirstLastPara="1" wrap="square" lIns="91425" tIns="91425" rIns="91425" bIns="91425" anchor="t" anchorCtr="0">
+            <a:noAutofit/>
+          </a:bodyPr>
+          <a:lstStyle/>
+          <a:p>
+            <a:pPr marL="0" lvl="0" indent="0" algn="l" rtl="0">
+              <a:spcBef>
+                <a:spcPts val="0"/>
+              </a:spcBef>
+              <a:spcAft>
+                <a:spcPts val="0"/>
+              </a:spcAft>
+              <a:buNone/>
+            </a:pPr>
+            <a:endParaRPr/>
+          </a:p>
+        </p:txBody>
+      </p:sp>
+      <p:sp>
+        <p:nvSpPr>
+          <p:cNvPr id="57" name="Google Shape;57;p3:notes"/>
+          <p:cNvSpPr>
+            <a:spLocks noGrp="1" noRot="1" noChangeAspect="1"/>
+          </p:cNvSpPr>
+          <p:nvPr>
+            <p:ph type="sldImg" idx="2"/>
+          </p:nvPr>
+        </p:nvSpPr>
+        <p:spPr>
+          <a:xfrm>
+            <a:off x="381000" y="685800"/>
+            <a:ext cx="6096000" cy="3429000"/>
+          </a:xfrm>
+          <a:custGeom>
+            <a:avLst/>
+            <a:gdLst/>
+            <a:ahLst/>
+            <a:cxnLst/>
+            <a:rect l="l" t="t" r="r" b="b"/>
+            <a:pathLst>
+              <a:path w="120000" h="120000" extrusionOk="0">
+                <a:moveTo>
+                  <a:pt x="0" y="0"/>
+                </a:moveTo>
+                <a:lnTo>
+                  <a:pt x="120000" y="0"/>
+                </a:lnTo>
+                <a:lnTo>
+                  <a:pt x="120000" y="120000"/>
+                </a:lnTo>
+                <a:lnTo>
+                  <a:pt x="0" y="120000"/>
+                </a:lnTo>
+                <a:close/>
+              </a:path>
+            </a:pathLst>
+          </a:custGeom>
+        </p:spPr>
+      </p:sp>
+    </p:spTree>
+    <p:extLst>
+      <p:ext uri="{BB962C8B-B14F-4D97-AF65-F5344CB8AC3E}">
+        <p14:creationId xmlns:p14="http://schemas.microsoft.com/office/powerpoint/2010/main" val="1251058554"/>
+      </p:ext>
+    </p:extLst>
+  </p:cSld>
+  <p:clrMapOvr>
+    <a:masterClrMapping/>
+  </p:clrMapOvr>
+</p:notes>
+</file>
+
+<file path=ppt/notesSlides/notesSlide14.xml><?xml version="1.0" encoding="utf-8"?>
 <p:notes xmlns:a="http://schemas.openxmlformats.org/drawingml/2006/main" xmlns:r="http://schemas.openxmlformats.org/officeDocument/2006/relationships" xmlns:p="http://schemas.openxmlformats.org/presentationml/2006/main" showMasterSp="0" showMasterPhAnim="0">
   <p:cSld>
     <p:spTree>
@@ -5788,11 +5898,7 @@
             </a:r>
             <a:r>
               <a:rPr lang="en-US" altLang="ko-KR" dirty="0"/>
-              <a:t>– SSD </a:t>
-            </a:r>
-            <a:r>
-              <a:rPr lang="ko-KR" altLang="en-US" dirty="0"/>
-              <a:t>프로젝트</a:t>
+              <a:t>– SSD</a:t>
             </a:r>
             <a:endParaRPr dirty="0"/>
           </a:p>
@@ -6663,14 +6769,6 @@
             </a:pPr>
             <a:r>
               <a:rPr lang="en-US" dirty="0"/>
-              <a:t>TC</a:t>
-            </a:r>
-            <a:r>
-              <a:rPr lang="ko-KR" altLang="en-US" dirty="0"/>
-              <a:t> </a:t>
-            </a:r>
-            <a:r>
-              <a:rPr lang="en-US" dirty="0"/>
               <a:t>Coverage</a:t>
             </a:r>
             <a:endParaRPr dirty="0"/>
@@ -6692,7 +6790,7 @@
           <p:nvPr>
             <p:extLst>
               <p:ext uri="{D42A27DB-BD31-4B8C-83A1-F6EECF244321}">
-                <p14:modId xmlns:p14="http://schemas.microsoft.com/office/powerpoint/2010/main" val="3290773905"/>
+                <p14:modId xmlns:p14="http://schemas.microsoft.com/office/powerpoint/2010/main" val="1092385587"/>
               </p:ext>
             </p:extLst>
           </p:nvPr>
@@ -9535,7 +9633,7 @@
                         <a:rPr lang="en-US" sz="1100" dirty="0">
                           <a:effectLst/>
                         </a:rPr>
-                        <a:t>Erase</a:t>
+                        <a:t>Flush</a:t>
                       </a:r>
                     </a:p>
                   </a:txBody>
@@ -9659,38 +9757,11 @@
                     <a:p>
                       <a:pPr rtl="0" fontAlgn="b"/>
                       <a:r>
-                        <a:rPr lang="en-US" altLang="ko-KR" sz="1100" dirty="0" err="1">
-                          <a:effectLst/>
-                        </a:rPr>
-                        <a:t>test_shell_erase</a:t>
-                      </a:r>
-                      <a:r>
-                        <a:rPr lang="en-US" altLang="ko-KR" sz="1100" dirty="0">
-                          <a:effectLst/>
-                        </a:rPr>
-                        <a:t> </a:t>
-                      </a:r>
-                      <a:r>
-                        <a:rPr lang="ko-KR" altLang="en-US" sz="1100" dirty="0">
-                          <a:effectLst/>
-                        </a:rPr>
-                        <a:t>외 </a:t>
-                      </a:r>
-                      <a:r>
-                        <a:rPr lang="en-US" altLang="ko-KR" sz="1100" dirty="0">
-                          <a:effectLst/>
-                        </a:rPr>
-                        <a:t>7</a:t>
-                      </a:r>
-                      <a:r>
-                        <a:rPr lang="ko-KR" altLang="en-US" sz="1100" dirty="0">
-                          <a:effectLst/>
-                        </a:rPr>
-                        <a:t>개</a:t>
-                      </a:r>
-                      <a:endParaRPr lang="en-US" sz="1100" dirty="0">
-                        <a:effectLst/>
-                      </a:endParaRPr>
+                        <a:rPr lang="en-US" sz="1100">
+                          <a:effectLst/>
+                        </a:rPr>
+                        <a:t>test_shell_cmd_flush_success</a:t>
+                      </a:r>
                     </a:p>
                   </a:txBody>
                   <a:tcPr marL="17892" marR="17892" marT="11928" marB="11928" anchor="ctr">
@@ -9866,10 +9937,10 @@
                     <a:p>
                       <a:pPr rtl="0" fontAlgn="b"/>
                       <a:r>
-                        <a:rPr lang="en-US" sz="1100" dirty="0">
-                          <a:effectLst/>
-                        </a:rPr>
-                        <a:t>Flush</a:t>
+                        <a:rPr lang="en-US" sz="1100">
+                          <a:effectLst/>
+                        </a:rPr>
+                        <a:t>Erase</a:t>
                       </a:r>
                     </a:p>
                   </a:txBody>
@@ -9993,14 +10064,29 @@
                     <a:p>
                       <a:pPr rtl="0" fontAlgn="b"/>
                       <a:r>
-                        <a:rPr lang="en-US" altLang="ko-KR" sz="1100" dirty="0" err="1">
-                          <a:effectLst/>
-                        </a:rPr>
-                        <a:t>test_shell_cmd_flush_success</a:t>
-                      </a:r>
-                      <a:endParaRPr lang="ko-KR" altLang="en-US" sz="1100" dirty="0">
-                        <a:effectLst/>
-                      </a:endParaRPr>
+                        <a:rPr lang="en-US" sz="1100">
+                          <a:effectLst/>
+                        </a:rPr>
+                        <a:t>test_shell_erase </a:t>
+                      </a:r>
+                      <a:r>
+                        <a:rPr lang="ko-KR" altLang="en-US" sz="1100">
+                          <a:effectLst/>
+                        </a:rPr>
+                        <a:t>외 </a:t>
+                      </a:r>
+                      <a:r>
+                        <a:rPr lang="en-US" altLang="ko-KR" sz="1100">
+                          <a:effectLst/>
+                        </a:rPr>
+                        <a:t>7</a:t>
+                      </a:r>
+                      <a:r>
+                        <a:rPr lang="ko-KR" altLang="en-US" sz="1100">
+                          <a:effectLst/>
+                        </a:rPr>
+                        <a:t>개</a:t>
+                      </a:r>
                     </a:p>
                   </a:txBody>
                   <a:tcPr marL="17892" marR="17892" marT="11928" marB="11928" anchor="ctr">
@@ -13482,7 +13568,7 @@
           <p:nvPr>
             <p:extLst>
               <p:ext uri="{D42A27DB-BD31-4B8C-83A1-F6EECF244321}">
-                <p14:modId xmlns:p14="http://schemas.microsoft.com/office/powerpoint/2010/main" val="709697396"/>
+                <p14:modId xmlns:p14="http://schemas.microsoft.com/office/powerpoint/2010/main" val="222046184"/>
               </p:ext>
             </p:extLst>
           </p:nvPr>
@@ -13691,16 +13777,10 @@
                     <a:p>
                       <a:pPr rtl="0" fontAlgn="b"/>
                       <a:r>
-                        <a:rPr lang="ko-KR" altLang="en-US" sz="1300" b="1" dirty="0">
-                          <a:effectLst/>
-                        </a:rPr>
-                        <a:t>현업에서 즉시 활용 가능</a:t>
-                      </a:r>
-                      <a:r>
                         <a:rPr lang="ko-KR" altLang="en-US" sz="1300" dirty="0">
                           <a:effectLst/>
                         </a:rPr>
-                        <a:t>한 유용한 과정이라고 생각됩니다</a:t>
+                        <a:t>현업에서 즉시 활용 가능한 유용한 과정이라고 생각됩니다</a:t>
                       </a:r>
                       <a:r>
                         <a:rPr lang="en-US" altLang="ko-KR" sz="1300" dirty="0">
@@ -13843,34 +13923,28 @@
                     <a:p>
                       <a:pPr rtl="0" fontAlgn="b"/>
                       <a:r>
-                        <a:rPr lang="en-US" altLang="ko-KR" sz="1300" b="1" dirty="0">
+                        <a:rPr lang="en-US" altLang="ko-KR" sz="1300" dirty="0">
                           <a:effectLst/>
                         </a:rPr>
                         <a:t>"</a:t>
                       </a:r>
                       <a:r>
-                        <a:rPr lang="ko-KR" altLang="en-US" sz="1300" b="1" dirty="0">
+                        <a:rPr lang="ko-KR" altLang="en-US" sz="1300" dirty="0">
                           <a:effectLst/>
                         </a:rPr>
                         <a:t>같이</a:t>
                       </a:r>
                       <a:r>
-                        <a:rPr lang="en-US" altLang="ko-KR" sz="1300" b="1" dirty="0">
+                        <a:rPr lang="en-US" altLang="ko-KR" sz="1300" dirty="0">
                           <a:effectLst/>
                         </a:rPr>
                         <a:t>" </a:t>
                       </a:r>
                       <a:r>
-                        <a:rPr lang="ko-KR" altLang="en-US" sz="1300" b="1" dirty="0">
-                          <a:effectLst/>
-                        </a:rPr>
-                        <a:t>개발하는 프로젝트</a:t>
-                      </a:r>
-                      <a:r>
                         <a:rPr lang="ko-KR" altLang="en-US" sz="1300" dirty="0">
                           <a:effectLst/>
                         </a:rPr>
-                        <a:t>를 풍부한 </a:t>
+                        <a:t>개발하는 프로젝트를 풍부한 </a:t>
                       </a:r>
                       <a:r>
                         <a:rPr lang="en-US" altLang="ko-KR" sz="1300" dirty="0">
@@ -13933,16 +14007,10 @@
                         <a:t>. </a:t>
                       </a:r>
                       <a:r>
-                        <a:rPr lang="ko-KR" altLang="en-US" sz="1300" b="1" dirty="0">
-                          <a:effectLst/>
-                        </a:rPr>
-                        <a:t>현업에 큰 도움</a:t>
-                      </a:r>
-                      <a:r>
                         <a:rPr lang="ko-KR" altLang="en-US" sz="1300" dirty="0">
                           <a:effectLst/>
                         </a:rPr>
-                        <a:t>이 될 듯해요</a:t>
+                        <a:t>현업에 큰 도움이 될 듯해요</a:t>
                       </a:r>
                       <a:r>
                         <a:rPr lang="en-US" altLang="ko-KR" sz="1300" dirty="0">
@@ -14061,19 +14129,7 @@
                         <a:rPr lang="ko-KR" altLang="en-US" sz="1300" dirty="0">
                           <a:effectLst/>
                         </a:rPr>
-                        <a:t>생각보다 과제가 난이도가 있어서 쉽지 않았지만 </a:t>
-                      </a:r>
-                      <a:r>
-                        <a:rPr lang="ko-KR" altLang="en-US" sz="1300" b="1" dirty="0">
-                          <a:effectLst/>
-                        </a:rPr>
-                        <a:t>다같이 열심히 </a:t>
-                      </a:r>
-                      <a:r>
-                        <a:rPr lang="ko-KR" altLang="en-US" sz="1300" dirty="0">
-                          <a:effectLst/>
-                        </a:rPr>
-                        <a:t>버그 잡고 리뷰하고 테스트 돌려서 잘 마무리할 수 있었던 것 같습니다</a:t>
+                        <a:t>생각보다 과제가 난이도가 있어서 쉽지 않았지만 다같이 열심히 버그 잡고 리뷰하고 테스트 돌려서 잘 마무리할 수 있었던 것 같습니다</a:t>
                       </a:r>
                       <a:r>
                         <a:rPr lang="en-US" altLang="ko-KR" sz="1300" dirty="0">
@@ -14192,19 +14248,7 @@
                         <a:rPr lang="ko-KR" altLang="en-US" sz="1300" dirty="0">
                           <a:effectLst/>
                         </a:rPr>
-                        <a:t>프로젝트 하나를 밀도 있게 진행하면서 많이 </a:t>
-                      </a:r>
-                      <a:r>
-                        <a:rPr lang="ko-KR" altLang="en-US" sz="1300" b="1" dirty="0">
-                          <a:effectLst/>
-                        </a:rPr>
-                        <a:t>체화</a:t>
-                      </a:r>
-                      <a:r>
-                        <a:rPr lang="ko-KR" altLang="en-US" sz="1300" dirty="0">
-                          <a:effectLst/>
-                        </a:rPr>
-                        <a:t> 할 수 있는 시간이었습니다</a:t>
+                        <a:t>프로젝트 하나를 밀도 있게 진행하면서 많이 체화 할 수 있는 시간이었습니다</a:t>
                       </a:r>
                       <a:r>
                         <a:rPr lang="en-US" altLang="ko-KR" sz="1300" dirty="0">
@@ -14368,16 +14412,10 @@
                         <a:t>. </a:t>
                       </a:r>
                       <a:r>
-                        <a:rPr lang="ko-KR" altLang="en-US" sz="1300" b="1" dirty="0">
-                          <a:effectLst/>
-                        </a:rPr>
-                        <a:t>현업에 큰 도움</a:t>
-                      </a:r>
-                      <a:r>
                         <a:rPr lang="ko-KR" altLang="en-US" sz="1300" dirty="0">
                           <a:effectLst/>
                         </a:rPr>
-                        <a:t>이 될 수 있을 것 같습니다</a:t>
+                        <a:t>현업에 큰 도움이 될 수 있을 것 같습니다</a:t>
                       </a:r>
                       <a:r>
                         <a:rPr lang="en-US" altLang="ko-KR" sz="1300" dirty="0">
@@ -14497,43 +14535,31 @@
                         <a:rPr lang="ko-KR" altLang="en-US" sz="1300" dirty="0">
                           <a:effectLst/>
                         </a:rPr>
-                        <a:t>현업을 하면서는 생각해보지 않았던 여러 </a:t>
-                      </a:r>
-                      <a:r>
-                        <a:rPr lang="ko-KR" altLang="en-US" sz="1300" b="1" dirty="0">
-                          <a:effectLst/>
-                        </a:rPr>
-                        <a:t>디자인패턴</a:t>
-                      </a:r>
-                      <a:r>
-                        <a:rPr lang="en-US" altLang="ko-KR" sz="1300" b="1" dirty="0">
+                        <a:t>현업을 하면서는 생각해보지 않았던 여러 디자인패턴</a:t>
+                      </a:r>
+                      <a:r>
+                        <a:rPr lang="en-US" altLang="ko-KR" sz="1300" dirty="0">
                           <a:effectLst/>
                         </a:rPr>
                         <a:t>, TDD</a:t>
                       </a:r>
                       <a:r>
-                        <a:rPr lang="ko-KR" altLang="en-US" sz="1300" b="1" dirty="0">
+                        <a:rPr lang="ko-KR" altLang="en-US" sz="1300" dirty="0">
                           <a:effectLst/>
                         </a:rPr>
                         <a:t>등의 개발방법</a:t>
                       </a:r>
                       <a:r>
-                        <a:rPr lang="en-US" altLang="ko-KR" sz="1300" b="1" dirty="0">
+                        <a:rPr lang="en-US" altLang="ko-KR" sz="1300" dirty="0">
                           <a:effectLst/>
                         </a:rPr>
                         <a:t>, clean code</a:t>
                       </a:r>
                       <a:r>
-                        <a:rPr lang="ko-KR" altLang="en-US" sz="1300" b="1" dirty="0">
-                          <a:effectLst/>
-                        </a:rPr>
-                        <a:t>가 무엇인지 등을 고민</a:t>
-                      </a:r>
-                      <a:r>
                         <a:rPr lang="ko-KR" altLang="en-US" sz="1300" dirty="0">
                           <a:effectLst/>
                         </a:rPr>
-                        <a:t>해 볼 수 있어 좋았습니다</a:t>
+                        <a:t>가 무엇인지 등을 고민해 볼 수 있어 좋았습니다</a:t>
                       </a:r>
                       <a:r>
                         <a:rPr lang="en-US" altLang="ko-KR" sz="1300" dirty="0">
@@ -14715,19 +14741,7 @@
                         <a:rPr lang="ko-KR" altLang="en-US" sz="1300" dirty="0">
                           <a:effectLst/>
                         </a:rPr>
-                        <a:t>뿐만 아니라 팀원들과 함께 프로젝트를 진행하면서 오랜만에 </a:t>
-                      </a:r>
-                      <a:r>
-                        <a:rPr lang="ko-KR" altLang="en-US" sz="1300" b="1" dirty="0">
-                          <a:effectLst/>
-                        </a:rPr>
-                        <a:t>개발의 즐거움</a:t>
-                      </a:r>
-                      <a:r>
-                        <a:rPr lang="ko-KR" altLang="en-US" sz="1300" dirty="0">
-                          <a:effectLst/>
-                        </a:rPr>
-                        <a:t>을 느낄 수 있었습니다</a:t>
+                        <a:t>뿐만 아니라 팀원들과 함께 프로젝트를 진행하면서 오랜만에 개발의 즐거움을 느낄 수 있었습니다</a:t>
                       </a:r>
                       <a:r>
                         <a:rPr lang="en-US" altLang="ko-KR" sz="1300" dirty="0">
@@ -14800,6 +14814,390 @@
 </file>
 
 <file path=ppt/slides/slide14.xml><?xml version="1.0" encoding="utf-8"?>
+<p:sld xmlns:a="http://schemas.openxmlformats.org/drawingml/2006/main" xmlns:r="http://schemas.openxmlformats.org/officeDocument/2006/relationships" xmlns:p="http://schemas.openxmlformats.org/presentationml/2006/main">
+  <p:cSld>
+    <p:spTree>
+      <p:nvGrpSpPr>
+        <p:cNvPr id="1" name="Shape 58"/>
+        <p:cNvGrpSpPr/>
+        <p:nvPr/>
+      </p:nvGrpSpPr>
+      <p:grpSpPr>
+        <a:xfrm>
+          <a:off x="0" y="0"/>
+          <a:ext cx="0" cy="0"/>
+          <a:chOff x="0" y="0"/>
+          <a:chExt cx="0" cy="0"/>
+        </a:xfrm>
+      </p:grpSpPr>
+      <p:sp>
+        <p:nvSpPr>
+          <p:cNvPr id="59" name="Google Shape;59;p3"/>
+          <p:cNvSpPr txBox="1">
+            <a:spLocks noGrp="1"/>
+          </p:cNvSpPr>
+          <p:nvPr>
+            <p:ph type="title"/>
+          </p:nvPr>
+        </p:nvSpPr>
+        <p:spPr>
+          <a:xfrm>
+            <a:off x="605980" y="310143"/>
+            <a:ext cx="10515600" cy="649800"/>
+          </a:xfrm>
+          <a:prstGeom prst="rect">
+            <a:avLst/>
+          </a:prstGeom>
+          <a:noFill/>
+          <a:ln>
+            <a:noFill/>
+          </a:ln>
+        </p:spPr>
+        <p:txBody>
+          <a:bodyPr spcFirstLastPara="1" wrap="square" lIns="91425" tIns="45700" rIns="91425" bIns="45700" anchor="ctr" anchorCtr="0">
+            <a:normAutofit fontScale="90000"/>
+          </a:bodyPr>
+          <a:lstStyle/>
+          <a:p>
+            <a:pPr marL="0" lvl="0" indent="0" algn="l" rtl="0">
+              <a:lnSpc>
+                <a:spcPct val="90000"/>
+              </a:lnSpc>
+              <a:spcBef>
+                <a:spcPts val="0"/>
+              </a:spcBef>
+              <a:spcAft>
+                <a:spcPts val="0"/>
+              </a:spcAft>
+              <a:buClr>
+                <a:schemeClr val="dk1"/>
+              </a:buClr>
+              <a:buSzPts val="4400"/>
+              <a:buFont typeface="Malgun Gothic"/>
+              <a:buNone/>
+            </a:pPr>
+            <a:r>
+              <a:rPr lang="en-US" dirty="0"/>
+              <a:t>Appendix - PR </a:t>
+            </a:r>
+            <a:r>
+              <a:rPr lang="ko-KR" altLang="en-US" dirty="0"/>
+              <a:t>효율화</a:t>
+            </a:r>
+            <a:endParaRPr dirty="0"/>
+          </a:p>
+        </p:txBody>
+      </p:sp>
+      <p:pic>
+        <p:nvPicPr>
+          <p:cNvPr id="4" name="그림 3">
+            <a:extLst>
+              <a:ext uri="{FF2B5EF4-FFF2-40B4-BE49-F238E27FC236}">
+                <a16:creationId xmlns:a16="http://schemas.microsoft.com/office/drawing/2014/main" id="{0A7AFC66-0CBE-4298-9602-521B34133062}"/>
+              </a:ext>
+            </a:extLst>
+          </p:cNvPr>
+          <p:cNvPicPr>
+            <a:picLocks noChangeAspect="1"/>
+          </p:cNvPicPr>
+          <p:nvPr/>
+        </p:nvPicPr>
+        <p:blipFill>
+          <a:blip r:embed="rId3"/>
+          <a:stretch>
+            <a:fillRect/>
+          </a:stretch>
+        </p:blipFill>
+        <p:spPr>
+          <a:xfrm>
+            <a:off x="1143740" y="2358202"/>
+            <a:ext cx="4022758" cy="2684139"/>
+          </a:xfrm>
+          <a:prstGeom prst="rect">
+            <a:avLst/>
+          </a:prstGeom>
+        </p:spPr>
+      </p:pic>
+      <p:sp>
+        <p:nvSpPr>
+          <p:cNvPr id="6" name="TextBox 5">
+            <a:extLst>
+              <a:ext uri="{FF2B5EF4-FFF2-40B4-BE49-F238E27FC236}">
+                <a16:creationId xmlns:a16="http://schemas.microsoft.com/office/drawing/2014/main" id="{AC1B892C-F164-44E9-8E1B-F7AF266249E1}"/>
+              </a:ext>
+            </a:extLst>
+          </p:cNvPr>
+          <p:cNvSpPr txBox="1"/>
+          <p:nvPr/>
+        </p:nvSpPr>
+        <p:spPr>
+          <a:xfrm>
+            <a:off x="603817" y="1259924"/>
+            <a:ext cx="2246128" cy="415627"/>
+          </a:xfrm>
+          <a:prstGeom prst="rect">
+            <a:avLst/>
+          </a:prstGeom>
+          <a:noFill/>
+        </p:spPr>
+        <p:txBody>
+          <a:bodyPr wrap="none" rtlCol="0">
+            <a:spAutoFit/>
+          </a:bodyPr>
+          <a:lstStyle/>
+          <a:p>
+            <a:pPr>
+              <a:lnSpc>
+                <a:spcPct val="150000"/>
+              </a:lnSpc>
+            </a:pPr>
+            <a:r>
+              <a:rPr lang="ko-KR" altLang="en-US" sz="1600" dirty="0"/>
+              <a:t>▶ </a:t>
+            </a:r>
+            <a:r>
+              <a:rPr lang="en-US" altLang="ko-KR" sz="1600" dirty="0"/>
+              <a:t>PR Template </a:t>
+            </a:r>
+            <a:r>
+              <a:rPr lang="ko-KR" altLang="en-US" sz="1600" dirty="0"/>
+              <a:t>적용 </a:t>
+            </a:r>
+            <a:endParaRPr lang="en-US" altLang="ko-KR" sz="1600" dirty="0"/>
+          </a:p>
+        </p:txBody>
+      </p:sp>
+      <p:pic>
+        <p:nvPicPr>
+          <p:cNvPr id="7" name="그림 6">
+            <a:extLst>
+              <a:ext uri="{FF2B5EF4-FFF2-40B4-BE49-F238E27FC236}">
+                <a16:creationId xmlns:a16="http://schemas.microsoft.com/office/drawing/2014/main" id="{4A7C3B2C-B3CB-4EB6-B22E-9E967C6A7F90}"/>
+              </a:ext>
+            </a:extLst>
+          </p:cNvPr>
+          <p:cNvPicPr>
+            <a:picLocks noChangeAspect="1"/>
+          </p:cNvPicPr>
+          <p:nvPr/>
+        </p:nvPicPr>
+        <p:blipFill>
+          <a:blip r:embed="rId4"/>
+          <a:stretch>
+            <a:fillRect/>
+          </a:stretch>
+        </p:blipFill>
+        <p:spPr>
+          <a:xfrm>
+            <a:off x="6339098" y="1905441"/>
+            <a:ext cx="2896942" cy="3596543"/>
+          </a:xfrm>
+          <a:prstGeom prst="rect">
+            <a:avLst/>
+          </a:prstGeom>
+        </p:spPr>
+      </p:pic>
+      <p:sp>
+        <p:nvSpPr>
+          <p:cNvPr id="9" name="TextBox 8">
+            <a:extLst>
+              <a:ext uri="{FF2B5EF4-FFF2-40B4-BE49-F238E27FC236}">
+                <a16:creationId xmlns:a16="http://schemas.microsoft.com/office/drawing/2014/main" id="{EEC4013D-9DAA-4597-8F44-163454EC9839}"/>
+              </a:ext>
+            </a:extLst>
+          </p:cNvPr>
+          <p:cNvSpPr txBox="1"/>
+          <p:nvPr/>
+        </p:nvSpPr>
+        <p:spPr>
+          <a:xfrm>
+            <a:off x="6339098" y="1206658"/>
+            <a:ext cx="2302233" cy="415627"/>
+          </a:xfrm>
+          <a:prstGeom prst="rect">
+            <a:avLst/>
+          </a:prstGeom>
+          <a:noFill/>
+        </p:spPr>
+        <p:txBody>
+          <a:bodyPr wrap="none" rtlCol="0">
+            <a:spAutoFit/>
+          </a:bodyPr>
+          <a:lstStyle/>
+          <a:p>
+            <a:pPr>
+              <a:lnSpc>
+                <a:spcPct val="150000"/>
+              </a:lnSpc>
+            </a:pPr>
+            <a:r>
+              <a:rPr lang="ko-KR" altLang="en-US" sz="1600" dirty="0"/>
+              <a:t>▶ </a:t>
+            </a:r>
+            <a:r>
+              <a:rPr lang="en-US" altLang="ko-KR" sz="1600" dirty="0"/>
+              <a:t>PR Request </a:t>
+            </a:r>
+            <a:r>
+              <a:rPr lang="ko-KR" altLang="en-US" sz="1600" dirty="0"/>
+              <a:t>자동화</a:t>
+            </a:r>
+            <a:endParaRPr lang="en-US" altLang="ko-KR" sz="1600" dirty="0"/>
+          </a:p>
+        </p:txBody>
+      </p:sp>
+      <p:sp>
+        <p:nvSpPr>
+          <p:cNvPr id="10" name="직사각형 9">
+            <a:extLst>
+              <a:ext uri="{FF2B5EF4-FFF2-40B4-BE49-F238E27FC236}">
+                <a16:creationId xmlns:a16="http://schemas.microsoft.com/office/drawing/2014/main" id="{087262D4-DF20-447A-B877-70559EDA097E}"/>
+              </a:ext>
+            </a:extLst>
+          </p:cNvPr>
+          <p:cNvSpPr/>
+          <p:nvPr/>
+        </p:nvSpPr>
+        <p:spPr>
+          <a:xfrm>
+            <a:off x="390617" y="1127464"/>
+            <a:ext cx="5613764" cy="5420393"/>
+          </a:xfrm>
+          <a:prstGeom prst="rect">
+            <a:avLst/>
+          </a:prstGeom>
+          <a:noFill/>
+          <a:ln w="9525" cap="flat" cmpd="sng" algn="ctr">
+            <a:solidFill>
+              <a:schemeClr val="dk1"/>
+            </a:solidFill>
+            <a:prstDash val="solid"/>
+            <a:round/>
+            <a:headEnd type="none" w="med" len="med"/>
+            <a:tailEnd type="none" w="med" len="med"/>
+          </a:ln>
+        </p:spPr>
+        <p:style>
+          <a:lnRef idx="0">
+            <a:scrgbClr r="0" g="0" b="0"/>
+          </a:lnRef>
+          <a:fillRef idx="0">
+            <a:scrgbClr r="0" g="0" b="0"/>
+          </a:fillRef>
+          <a:effectRef idx="0">
+            <a:scrgbClr r="0" g="0" b="0"/>
+          </a:effectRef>
+          <a:fontRef idx="minor">
+            <a:schemeClr val="dk1"/>
+          </a:fontRef>
+        </p:style>
+        <p:txBody>
+          <a:bodyPr rtlCol="0" anchor="ctr"/>
+          <a:lstStyle/>
+          <a:p>
+            <a:pPr algn="ctr"/>
+            <a:endParaRPr lang="ko-KR" altLang="en-US"/>
+          </a:p>
+        </p:txBody>
+      </p:sp>
+      <p:sp>
+        <p:nvSpPr>
+          <p:cNvPr id="11" name="직사각형 10">
+            <a:extLst>
+              <a:ext uri="{FF2B5EF4-FFF2-40B4-BE49-F238E27FC236}">
+                <a16:creationId xmlns:a16="http://schemas.microsoft.com/office/drawing/2014/main" id="{07622877-9077-4044-BC0E-BDD0C1FAEF08}"/>
+              </a:ext>
+            </a:extLst>
+          </p:cNvPr>
+          <p:cNvSpPr/>
+          <p:nvPr/>
+        </p:nvSpPr>
+        <p:spPr>
+          <a:xfrm>
+            <a:off x="6187621" y="1127464"/>
+            <a:ext cx="5888971" cy="5420393"/>
+          </a:xfrm>
+          <a:prstGeom prst="rect">
+            <a:avLst/>
+          </a:prstGeom>
+          <a:noFill/>
+          <a:ln w="9525" cap="flat" cmpd="sng" algn="ctr">
+            <a:solidFill>
+              <a:schemeClr val="dk1"/>
+            </a:solidFill>
+            <a:prstDash val="solid"/>
+            <a:round/>
+            <a:headEnd type="none" w="med" len="med"/>
+            <a:tailEnd type="none" w="med" len="med"/>
+          </a:ln>
+        </p:spPr>
+        <p:style>
+          <a:lnRef idx="0">
+            <a:scrgbClr r="0" g="0" b="0"/>
+          </a:lnRef>
+          <a:fillRef idx="0">
+            <a:scrgbClr r="0" g="0" b="0"/>
+          </a:fillRef>
+          <a:effectRef idx="0">
+            <a:scrgbClr r="0" g="0" b="0"/>
+          </a:effectRef>
+          <a:fontRef idx="minor">
+            <a:schemeClr val="dk1"/>
+          </a:fontRef>
+        </p:style>
+        <p:txBody>
+          <a:bodyPr rtlCol="0" anchor="ctr"/>
+          <a:lstStyle/>
+          <a:p>
+            <a:pPr algn="ctr"/>
+            <a:endParaRPr lang="ko-KR" altLang="en-US"/>
+          </a:p>
+        </p:txBody>
+      </p:sp>
+      <p:pic>
+        <p:nvPicPr>
+          <p:cNvPr id="12" name="그림 11">
+            <a:extLst>
+              <a:ext uri="{FF2B5EF4-FFF2-40B4-BE49-F238E27FC236}">
+                <a16:creationId xmlns:a16="http://schemas.microsoft.com/office/drawing/2014/main" id="{F30D03D9-75B4-4F0D-970B-5957640871C8}"/>
+              </a:ext>
+            </a:extLst>
+          </p:cNvPr>
+          <p:cNvPicPr>
+            <a:picLocks noChangeAspect="1"/>
+          </p:cNvPicPr>
+          <p:nvPr/>
+        </p:nvPicPr>
+        <p:blipFill>
+          <a:blip r:embed="rId5"/>
+          <a:stretch>
+            <a:fillRect/>
+          </a:stretch>
+        </p:blipFill>
+        <p:spPr>
+          <a:xfrm>
+            <a:off x="9347541" y="1905441"/>
+            <a:ext cx="2658331" cy="3599510"/>
+          </a:xfrm>
+          <a:prstGeom prst="rect">
+            <a:avLst/>
+          </a:prstGeom>
+        </p:spPr>
+      </p:pic>
+    </p:spTree>
+    <p:extLst>
+      <p:ext uri="{BB962C8B-B14F-4D97-AF65-F5344CB8AC3E}">
+        <p14:creationId xmlns:p14="http://schemas.microsoft.com/office/powerpoint/2010/main" val="1361805124"/>
+      </p:ext>
+    </p:extLst>
+  </p:cSld>
+  <p:clrMapOvr>
+    <a:masterClrMapping/>
+  </p:clrMapOvr>
+</p:sld>
+</file>
+
+<file path=ppt/slides/slide15.xml><?xml version="1.0" encoding="utf-8"?>
 <p:sld xmlns:a="http://schemas.openxmlformats.org/drawingml/2006/main" xmlns:r="http://schemas.openxmlformats.org/officeDocument/2006/relationships" xmlns:p="http://schemas.openxmlformats.org/presentationml/2006/main">
   <p:cSld>
     <p:spTree>
@@ -14901,8 +15299,8 @@
         </p:nvSpPr>
         <p:spPr>
           <a:xfrm>
-            <a:off x="1511423" y="1593351"/>
-            <a:ext cx="6094520" cy="4455835"/>
+            <a:off x="1591322" y="1699883"/>
+            <a:ext cx="6094520" cy="3901837"/>
           </a:xfrm>
           <a:prstGeom prst="rect">
             <a:avLst/>
@@ -15028,22 +15426,6 @@
             <a:r>
               <a:rPr lang="en-US" altLang="ko-KR" sz="2400" dirty="0"/>
               <a:t>Test Coverage</a:t>
-            </a:r>
-          </a:p>
-          <a:p>
-            <a:pPr marL="514350" lvl="3" indent="-514350">
-              <a:lnSpc>
-                <a:spcPct val="150000"/>
-              </a:lnSpc>
-              <a:buClr>
-                <a:schemeClr val="dk1"/>
-              </a:buClr>
-              <a:buSzPts val="3200"/>
-              <a:buAutoNum type="arabicPeriod"/>
-            </a:pPr>
-            <a:r>
-              <a:rPr lang="en-US" altLang="ko-KR" sz="2400" dirty="0"/>
-              <a:t>Retrospective</a:t>
             </a:r>
           </a:p>
         </p:txBody>
@@ -15098,42 +15480,6 @@
           </a:p>
         </p:txBody>
       </p:sp>
-      <p:cxnSp>
-        <p:nvCxnSpPr>
-          <p:cNvPr id="3" name="직선 연결선 2">
-            <a:extLst>
-              <a:ext uri="{FF2B5EF4-FFF2-40B4-BE49-F238E27FC236}">
-                <a16:creationId xmlns:a16="http://schemas.microsoft.com/office/drawing/2014/main" id="{D7344E65-5472-4ECD-BE67-FBE4857BA033}"/>
-              </a:ext>
-            </a:extLst>
-          </p:cNvPr>
-          <p:cNvCxnSpPr/>
-          <p:nvPr/>
-        </p:nvCxnSpPr>
-        <p:spPr>
-          <a:xfrm>
-            <a:off x="861134" y="1345056"/>
-            <a:ext cx="9667783" cy="0"/>
-          </a:xfrm>
-          <a:prstGeom prst="line">
-            <a:avLst/>
-          </a:prstGeom>
-        </p:spPr>
-        <p:style>
-          <a:lnRef idx="1">
-            <a:schemeClr val="accent1"/>
-          </a:lnRef>
-          <a:fillRef idx="0">
-            <a:schemeClr val="accent1"/>
-          </a:fillRef>
-          <a:effectRef idx="0">
-            <a:schemeClr val="accent1"/>
-          </a:effectRef>
-          <a:fontRef idx="minor">
-            <a:schemeClr val="tx1"/>
-          </a:fontRef>
-        </p:style>
-      </p:cxnSp>
     </p:spTree>
     <p:extLst>
       <p:ext uri="{BB962C8B-B14F-4D97-AF65-F5344CB8AC3E}">
@@ -15890,147 +16236,141 @@
               <a:t>Shell</a:t>
             </a:r>
             <a:br>
-              <a:rPr lang="en-US" altLang="ko-KR" sz="3200" b="1" dirty="0"/>
+              <a:rPr lang="en-US" altLang="ko-KR" b="1" dirty="0"/>
             </a:br>
-            <a:endParaRPr lang="en-US" altLang="ko-KR" sz="3200" b="1" dirty="0"/>
+            <a:endParaRPr lang="en-US" altLang="ko-KR" b="1" dirty="0"/>
           </a:p>
           <a:p>
             <a:pPr marL="571500" indent="-457200">
-              <a:lnSpc>
-                <a:spcPct val="100000"/>
-              </a:lnSpc>
               <a:buFont typeface="+mj-lt"/>
               <a:buAutoNum type="arabicPeriod"/>
             </a:pPr>
             <a:r>
-              <a:rPr lang="en-US" altLang="ko-KR" sz="1600" dirty="0"/>
+              <a:rPr lang="en-US" altLang="ko-KR" sz="1800" dirty="0"/>
               <a:t>Write</a:t>
             </a:r>
           </a:p>
           <a:p>
             <a:pPr marL="571500" indent="-457200">
-              <a:lnSpc>
-                <a:spcPct val="100000"/>
-              </a:lnSpc>
               <a:buFont typeface="+mj-lt"/>
               <a:buAutoNum type="arabicPeriod"/>
             </a:pPr>
             <a:r>
-              <a:rPr lang="en-US" altLang="ko-KR" sz="1600" dirty="0"/>
+              <a:rPr lang="en-US" altLang="ko-KR" sz="1800" dirty="0"/>
               <a:t>Read</a:t>
             </a:r>
           </a:p>
           <a:p>
             <a:pPr marL="571500" indent="-457200">
-              <a:lnSpc>
-                <a:spcPct val="100000"/>
-              </a:lnSpc>
               <a:buFont typeface="+mj-lt"/>
               <a:buAutoNum type="arabicPeriod"/>
             </a:pPr>
             <a:r>
-              <a:rPr lang="en-US" altLang="ko-KR" sz="1600" dirty="0">
+              <a:rPr lang="en-US" altLang="ko-KR" sz="1800" dirty="0"/>
+              <a:t>Exit</a:t>
+            </a:r>
+          </a:p>
+          <a:p>
+            <a:pPr marL="571500" indent="-457200">
+              <a:buFont typeface="+mj-lt"/>
+              <a:buAutoNum type="arabicPeriod"/>
+            </a:pPr>
+            <a:r>
+              <a:rPr lang="en-US" altLang="ko-KR" sz="1800" dirty="0"/>
+              <a:t>Help</a:t>
+            </a:r>
+          </a:p>
+          <a:p>
+            <a:pPr marL="571500" indent="-457200">
+              <a:buFont typeface="+mj-lt"/>
+              <a:buAutoNum type="arabicPeriod"/>
+            </a:pPr>
+            <a:r>
+              <a:rPr lang="en-US" altLang="ko-KR" sz="1800" dirty="0" err="1"/>
+              <a:t>FullWrite</a:t>
+            </a:r>
+            <a:endParaRPr lang="en-US" altLang="ko-KR" sz="1800" dirty="0"/>
+          </a:p>
+          <a:p>
+            <a:pPr marL="571500" indent="-457200">
+              <a:buFont typeface="+mj-lt"/>
+              <a:buAutoNum type="arabicPeriod"/>
+            </a:pPr>
+            <a:r>
+              <a:rPr lang="en-US" altLang="ko-KR" sz="1800" dirty="0" err="1"/>
+              <a:t>FullRead</a:t>
+            </a:r>
+            <a:endParaRPr lang="en-US" altLang="ko-KR" sz="1800" dirty="0"/>
+          </a:p>
+          <a:p>
+            <a:pPr marL="571500" indent="-457200">
+              <a:buFont typeface="+mj-lt"/>
+              <a:buAutoNum type="arabicPeriod"/>
+            </a:pPr>
+            <a:r>
+              <a:rPr lang="en-US" altLang="ko-KR" sz="1800" dirty="0"/>
+              <a:t>Test Script</a:t>
+            </a:r>
+          </a:p>
+          <a:p>
+            <a:pPr marL="1028700" lvl="1" indent="-457200">
+              <a:buFont typeface="+mj-lt"/>
+              <a:buAutoNum type="arabicPeriod"/>
+            </a:pPr>
+            <a:r>
+              <a:rPr lang="en-US" altLang="ko-KR" sz="1800" dirty="0" err="1"/>
+              <a:t>FullWriteAndReadCompare</a:t>
+            </a:r>
+            <a:endParaRPr lang="en-US" altLang="ko-KR" sz="1800" dirty="0"/>
+          </a:p>
+          <a:p>
+            <a:pPr marL="1028700" lvl="1" indent="-457200">
+              <a:buFont typeface="+mj-lt"/>
+              <a:buAutoNum type="arabicPeriod"/>
+            </a:pPr>
+            <a:r>
+              <a:rPr lang="en-US" altLang="ko-KR" sz="1800" dirty="0" err="1"/>
+              <a:t>PartialLBAWrite</a:t>
+            </a:r>
+            <a:endParaRPr lang="en-US" altLang="ko-KR" sz="1800" dirty="0"/>
+          </a:p>
+          <a:p>
+            <a:pPr marL="1028700" lvl="1" indent="-457200">
+              <a:buFont typeface="+mj-lt"/>
+              <a:buAutoNum type="arabicPeriod"/>
+            </a:pPr>
+            <a:r>
+              <a:rPr lang="en-US" altLang="ko-KR" sz="1800" dirty="0" err="1"/>
+              <a:t>WriteReadAging</a:t>
+            </a:r>
+            <a:endParaRPr lang="en-US" altLang="ko-KR" sz="1800" dirty="0"/>
+          </a:p>
+          <a:p>
+            <a:pPr marL="1028700" lvl="1" indent="-457200">
+              <a:buFont typeface="+mj-lt"/>
+              <a:buAutoNum type="arabicPeriod"/>
+            </a:pPr>
+            <a:r>
+              <a:rPr lang="en-US" altLang="ko-KR" sz="1800" dirty="0" err="1">
                 <a:solidFill>
                   <a:srgbClr val="0070C0"/>
                 </a:solidFill>
               </a:rPr>
-              <a:t>Erase</a:t>
-            </a:r>
+              <a:t>EraseAndWriteAging</a:t>
+            </a:r>
+            <a:endParaRPr lang="en-US" altLang="ko-KR" sz="1800" dirty="0">
+              <a:solidFill>
+                <a:srgbClr val="0070C0"/>
+              </a:solidFill>
+            </a:endParaRPr>
           </a:p>
           <a:p>
             <a:pPr marL="571500" indent="-457200">
-              <a:lnSpc>
-                <a:spcPct val="100000"/>
-              </a:lnSpc>
               <a:buFont typeface="+mj-lt"/>
               <a:buAutoNum type="arabicPeriod"/>
             </a:pPr>
             <a:r>
-              <a:rPr lang="en-US" altLang="ko-KR" sz="1600" dirty="0">
-                <a:solidFill>
-                  <a:srgbClr val="0070C0"/>
-                </a:solidFill>
-              </a:rPr>
-              <a:t>Flush</a:t>
-            </a:r>
-          </a:p>
-          <a:p>
-            <a:pPr marL="571500" indent="-457200">
-              <a:lnSpc>
-                <a:spcPct val="100000"/>
-              </a:lnSpc>
-              <a:buFont typeface="+mj-lt"/>
-              <a:buAutoNum type="arabicPeriod"/>
-            </a:pPr>
-            <a:r>
-              <a:rPr lang="en-US" altLang="ko-KR" sz="1600" dirty="0"/>
-              <a:t>Exit</a:t>
-            </a:r>
-          </a:p>
-          <a:p>
-            <a:pPr marL="571500" indent="-457200">
-              <a:lnSpc>
-                <a:spcPct val="100000"/>
-              </a:lnSpc>
-              <a:buFont typeface="+mj-lt"/>
-              <a:buAutoNum type="arabicPeriod"/>
-            </a:pPr>
-            <a:r>
-              <a:rPr lang="en-US" altLang="ko-KR" sz="1600" dirty="0"/>
-              <a:t>Help</a:t>
-            </a:r>
-          </a:p>
-          <a:p>
-            <a:pPr marL="571500" indent="-457200">
-              <a:lnSpc>
-                <a:spcPct val="100000"/>
-              </a:lnSpc>
-              <a:buFont typeface="+mj-lt"/>
-              <a:buAutoNum type="arabicPeriod"/>
-            </a:pPr>
-            <a:r>
-              <a:rPr lang="en-US" altLang="ko-KR" sz="1600" dirty="0" err="1"/>
-              <a:t>FullWrite</a:t>
-            </a:r>
-            <a:endParaRPr lang="en-US" altLang="ko-KR" sz="1600" dirty="0"/>
-          </a:p>
-          <a:p>
-            <a:pPr marL="571500" indent="-457200">
-              <a:lnSpc>
-                <a:spcPct val="100000"/>
-              </a:lnSpc>
-              <a:buFont typeface="+mj-lt"/>
-              <a:buAutoNum type="arabicPeriod"/>
-            </a:pPr>
-            <a:r>
-              <a:rPr lang="en-US" altLang="ko-KR" sz="1600" dirty="0" err="1"/>
-              <a:t>FullRead</a:t>
-            </a:r>
-            <a:endParaRPr lang="en-US" altLang="ko-KR" sz="1600" dirty="0"/>
-          </a:p>
-          <a:p>
-            <a:pPr marL="571500" indent="-457200">
-              <a:lnSpc>
-                <a:spcPct val="100000"/>
-              </a:lnSpc>
-              <a:buFont typeface="+mj-lt"/>
-              <a:buAutoNum type="arabicPeriod"/>
-            </a:pPr>
-            <a:r>
-              <a:rPr lang="en-US" altLang="ko-KR" sz="1600" dirty="0"/>
-              <a:t>Test Script 	</a:t>
-            </a:r>
-          </a:p>
-          <a:p>
-            <a:pPr marL="571500" indent="-457200">
-              <a:lnSpc>
-                <a:spcPct val="100000"/>
-              </a:lnSpc>
-              <a:buFont typeface="+mj-lt"/>
-              <a:buAutoNum type="arabicPeriod"/>
-            </a:pPr>
-            <a:r>
-              <a:rPr lang="en-US" altLang="ko-KR" sz="1600" dirty="0">
+              <a:rPr lang="en-US" altLang="ko-KR" sz="1800" dirty="0">
                 <a:solidFill>
                   <a:srgbClr val="0070C0"/>
                 </a:solidFill>
@@ -16040,14 +16380,11 @@
           </a:p>
           <a:p>
             <a:pPr marL="571500" indent="-457200">
-              <a:lnSpc>
-                <a:spcPct val="100000"/>
-              </a:lnSpc>
               <a:buFont typeface="+mj-lt"/>
               <a:buAutoNum type="arabicPeriod"/>
             </a:pPr>
             <a:r>
-              <a:rPr lang="en-US" altLang="ko-KR" sz="1600" dirty="0">
+              <a:rPr lang="en-US" altLang="ko-KR" sz="1800" dirty="0">
                 <a:solidFill>
                   <a:srgbClr val="0070C0"/>
                 </a:solidFill>
@@ -16056,7 +16393,7 @@
             </a:r>
           </a:p>
           <a:p>
-            <a:endParaRPr lang="ko-KR" altLang="en-US" sz="3600" dirty="0"/>
+            <a:endParaRPr lang="ko-KR" altLang="en-US" sz="3200" dirty="0"/>
           </a:p>
         </p:txBody>
       </p:sp>
@@ -16450,7 +16787,7 @@
         <p:spPr>
           <a:xfrm>
             <a:off x="6289510" y="1728198"/>
-            <a:ext cx="3607078" cy="307777"/>
+            <a:ext cx="3389069" cy="307777"/>
           </a:xfrm>
           <a:prstGeom prst="rect">
             <a:avLst/>
@@ -16531,7 +16868,7 @@
                   </a:schemeClr>
                 </a:solidFill>
               </a:rPr>
-              <a:t>3(5)</a:t>
+              <a:t>2</a:t>
             </a:r>
             <a:r>
               <a:rPr lang="ko-KR" altLang="en-US" b="1" dirty="0">
@@ -16543,145 +16880,6 @@
               </a:rPr>
               <a:t>개</a:t>
             </a:r>
-          </a:p>
-        </p:txBody>
-      </p:sp>
-      <p:sp>
-        <p:nvSpPr>
-          <p:cNvPr id="14" name="TextBox 13">
-            <a:extLst>
-              <a:ext uri="{FF2B5EF4-FFF2-40B4-BE49-F238E27FC236}">
-                <a16:creationId xmlns:a16="http://schemas.microsoft.com/office/drawing/2014/main" id="{683A5234-5FE0-48DA-9D51-3EE7668FF876}"/>
-              </a:ext>
-            </a:extLst>
-          </p:cNvPr>
-          <p:cNvSpPr txBox="1"/>
-          <p:nvPr/>
-        </p:nvSpPr>
-        <p:spPr>
-          <a:xfrm>
-            <a:off x="8204961" y="5194984"/>
-            <a:ext cx="3389069" cy="954107"/>
-          </a:xfrm>
-          <a:prstGeom prst="rect">
-            <a:avLst/>
-          </a:prstGeom>
-          <a:noFill/>
-        </p:spPr>
-        <p:txBody>
-          <a:bodyPr wrap="square">
-            <a:spAutoFit/>
-          </a:bodyPr>
-          <a:lstStyle/>
-          <a:p>
-            <a:pPr marL="1028700" lvl="1" indent="-457200">
-              <a:lnSpc>
-                <a:spcPct val="100000"/>
-              </a:lnSpc>
-              <a:buFont typeface="+mj-lt"/>
-              <a:buAutoNum type="arabicPeriod"/>
-            </a:pPr>
-            <a:r>
-              <a:rPr lang="en-US" altLang="ko-KR" sz="1400" dirty="0" err="1"/>
-              <a:t>FullWriteAndReadCompare</a:t>
-            </a:r>
-            <a:endParaRPr lang="en-US" altLang="ko-KR" sz="1400" dirty="0"/>
-          </a:p>
-          <a:p>
-            <a:pPr marL="1028700" lvl="1" indent="-457200">
-              <a:lnSpc>
-                <a:spcPct val="100000"/>
-              </a:lnSpc>
-              <a:buFont typeface="+mj-lt"/>
-              <a:buAutoNum type="arabicPeriod"/>
-            </a:pPr>
-            <a:r>
-              <a:rPr lang="en-US" altLang="ko-KR" sz="1400" dirty="0" err="1"/>
-              <a:t>PartialLBAWrite</a:t>
-            </a:r>
-            <a:endParaRPr lang="en-US" altLang="ko-KR" sz="1400" dirty="0"/>
-          </a:p>
-          <a:p>
-            <a:pPr marL="1028700" lvl="1" indent="-457200">
-              <a:lnSpc>
-                <a:spcPct val="100000"/>
-              </a:lnSpc>
-              <a:buFont typeface="+mj-lt"/>
-              <a:buAutoNum type="arabicPeriod"/>
-            </a:pPr>
-            <a:r>
-              <a:rPr lang="en-US" altLang="ko-KR" sz="1400" dirty="0" err="1"/>
-              <a:t>WriteReadAging</a:t>
-            </a:r>
-            <a:endParaRPr lang="en-US" altLang="ko-KR" sz="1400" dirty="0"/>
-          </a:p>
-          <a:p>
-            <a:pPr marL="1028700" lvl="1" indent="-457200">
-              <a:lnSpc>
-                <a:spcPct val="100000"/>
-              </a:lnSpc>
-              <a:buFont typeface="+mj-lt"/>
-              <a:buAutoNum type="arabicPeriod"/>
-            </a:pPr>
-            <a:r>
-              <a:rPr lang="en-US" altLang="ko-KR" sz="1400" dirty="0" err="1">
-                <a:solidFill>
-                  <a:srgbClr val="0070C0"/>
-                </a:solidFill>
-              </a:rPr>
-              <a:t>EraseAndWriteAging</a:t>
-            </a:r>
-            <a:endParaRPr lang="en-US" altLang="ko-KR" sz="1400" dirty="0">
-              <a:solidFill>
-                <a:srgbClr val="0070C0"/>
-              </a:solidFill>
-            </a:endParaRPr>
-          </a:p>
-        </p:txBody>
-      </p:sp>
-      <p:sp>
-        <p:nvSpPr>
-          <p:cNvPr id="5" name="화살표: 오른쪽 4">
-            <a:extLst>
-              <a:ext uri="{FF2B5EF4-FFF2-40B4-BE49-F238E27FC236}">
-                <a16:creationId xmlns:a16="http://schemas.microsoft.com/office/drawing/2014/main" id="{0CACF4B1-9AA5-4C45-8559-B622C2678F57}"/>
-              </a:ext>
-            </a:extLst>
-          </p:cNvPr>
-          <p:cNvSpPr/>
-          <p:nvPr/>
-        </p:nvSpPr>
-        <p:spPr>
-          <a:xfrm>
-            <a:off x="8204961" y="5295034"/>
-            <a:ext cx="400396" cy="198327"/>
-          </a:xfrm>
-          <a:prstGeom prst="rightArrow">
-            <a:avLst/>
-          </a:prstGeom>
-        </p:spPr>
-        <p:style>
-          <a:lnRef idx="2">
-            <a:schemeClr val="accent1">
-              <a:shade val="50000"/>
-            </a:schemeClr>
-          </a:lnRef>
-          <a:fillRef idx="1">
-            <a:schemeClr val="accent1"/>
-          </a:fillRef>
-          <a:effectRef idx="0">
-            <a:schemeClr val="accent1"/>
-          </a:effectRef>
-          <a:fontRef idx="minor">
-            <a:schemeClr val="lt1"/>
-          </a:fontRef>
-        </p:style>
-        <p:txBody>
-          <a:bodyPr rtlCol="0" anchor="ctr"/>
-          <a:lstStyle/>
-          <a:p>
-            <a:pPr algn="ctr"/>
-            <a:endParaRPr lang="ko-KR" altLang="en-US"/>
           </a:p>
         </p:txBody>
       </p:sp>
@@ -17715,7 +17913,7 @@
         <p:spPr>
           <a:xfrm>
             <a:off x="6310861" y="4809193"/>
-            <a:ext cx="2818400" cy="1679370"/>
+            <a:ext cx="2576346" cy="1520673"/>
           </a:xfrm>
           <a:prstGeom prst="rect">
             <a:avLst/>
@@ -17736,22 +17934,22 @@
               <a:buChar char="•"/>
             </a:pPr>
             <a:r>
-              <a:rPr lang="en-US" altLang="ko-KR" sz="1000" dirty="0"/>
+              <a:rPr lang="en-US" altLang="ko-KR" sz="900" dirty="0"/>
               <a:t>Shell : </a:t>
             </a:r>
             <a:r>
-              <a:rPr lang="ko-KR" altLang="en-US" sz="1000" dirty="0"/>
+              <a:rPr lang="ko-KR" altLang="en-US" sz="900" dirty="0"/>
               <a:t>사용자 입력을 해석하여 </a:t>
             </a:r>
             <a:r>
-              <a:rPr lang="en-US" altLang="ko-KR" sz="1000" dirty="0"/>
+              <a:rPr lang="en-US" altLang="ko-KR" sz="900" dirty="0"/>
               <a:t>SSD</a:t>
             </a:r>
             <a:r>
-              <a:rPr lang="ko-KR" altLang="en-US" sz="1000" dirty="0"/>
+              <a:rPr lang="ko-KR" altLang="en-US" sz="900" dirty="0"/>
               <a:t>에 전달</a:t>
             </a:r>
-            <a:endParaRPr lang="en-US" altLang="ko-KR" sz="1000" dirty="0"/>
+            <a:endParaRPr lang="en-US" altLang="ko-KR" sz="900" dirty="0"/>
           </a:p>
           <a:p>
             <a:pPr marL="171450" indent="-171450">
@@ -17762,23 +17960,23 @@
               <a:buChar char="•"/>
             </a:pPr>
             <a:r>
-              <a:rPr lang="en-US" altLang="ko-KR" sz="1000" dirty="0"/>
+              <a:rPr lang="en-US" altLang="ko-KR" sz="900" dirty="0"/>
               <a:t>Console:</a:t>
             </a:r>
             <a:r>
-              <a:rPr lang="ko-KR" altLang="en-US" sz="1000" dirty="0"/>
+              <a:rPr lang="ko-KR" altLang="en-US" sz="900" dirty="0"/>
               <a:t> </a:t>
             </a:r>
             <a:r>
-              <a:rPr lang="en-US" altLang="ko-KR" sz="1000" dirty="0"/>
+              <a:rPr lang="en-US" altLang="ko-KR" sz="900" dirty="0"/>
               <a:t>User</a:t>
             </a:r>
             <a:r>
-              <a:rPr lang="ko-KR" altLang="en-US" sz="1000" dirty="0"/>
+              <a:rPr lang="ko-KR" altLang="en-US" sz="900" dirty="0"/>
               <a:t> </a:t>
             </a:r>
             <a:r>
-              <a:rPr lang="en-US" altLang="ko-KR" sz="1000" dirty="0"/>
+              <a:rPr lang="en-US" altLang="ko-KR" sz="900" dirty="0"/>
               <a:t>Interface</a:t>
             </a:r>
           </a:p>
@@ -17791,18 +17989,18 @@
               <a:buChar char="•"/>
             </a:pPr>
             <a:r>
-              <a:rPr lang="ko-KR" altLang="en-US" sz="1000" dirty="0"/>
+              <a:rPr lang="ko-KR" altLang="en-US" sz="900" dirty="0"/>
               <a:t>개발자</a:t>
             </a:r>
             <a:r>
-              <a:rPr lang="en-US" altLang="ko-KR" sz="1000" dirty="0"/>
+              <a:rPr lang="en-US" altLang="ko-KR" sz="900" dirty="0"/>
               <a:t>: </a:t>
             </a:r>
             <a:r>
-              <a:rPr lang="ko-KR" altLang="en-US" sz="1000" dirty="0"/>
+              <a:rPr lang="ko-KR" altLang="en-US" sz="900" dirty="0"/>
               <a:t>개발자 정보</a:t>
             </a:r>
-            <a:endParaRPr lang="en-US" altLang="ko-KR" sz="1000" dirty="0"/>
+            <a:endParaRPr lang="en-US" altLang="ko-KR" sz="900" dirty="0"/>
           </a:p>
           <a:p>
             <a:pPr marL="171450" indent="-171450">
@@ -17813,14 +18011,14 @@
               <a:buChar char="•"/>
             </a:pPr>
             <a:r>
-              <a:rPr lang="en-US" altLang="ko-KR" sz="1000" dirty="0"/>
+              <a:rPr lang="en-US" altLang="ko-KR" sz="900" dirty="0"/>
               <a:t>Script: </a:t>
             </a:r>
             <a:r>
-              <a:rPr lang="ko-KR" altLang="en-US" sz="1000" dirty="0"/>
+              <a:rPr lang="ko-KR" altLang="en-US" sz="900" dirty="0"/>
               <a:t>명령어 집합</a:t>
             </a:r>
-            <a:endParaRPr lang="en-US" altLang="ko-KR" sz="1000" dirty="0"/>
+            <a:endParaRPr lang="en-US" altLang="ko-KR" sz="900" dirty="0"/>
           </a:p>
           <a:p>
             <a:pPr marL="171450" indent="-171450">
@@ -17831,14 +18029,14 @@
               <a:buChar char="•"/>
             </a:pPr>
             <a:r>
-              <a:rPr lang="en-US" altLang="ko-KR" sz="1000" dirty="0"/>
+              <a:rPr lang="en-US" altLang="ko-KR" sz="900" dirty="0"/>
               <a:t>SSD: Data</a:t>
             </a:r>
             <a:r>
-              <a:rPr lang="ko-KR" altLang="en-US" sz="1000" dirty="0"/>
+              <a:rPr lang="ko-KR" altLang="en-US" sz="900" dirty="0"/>
               <a:t>를 읽거나 저장</a:t>
             </a:r>
-            <a:endParaRPr lang="en-US" altLang="ko-KR" sz="1000" dirty="0"/>
+            <a:endParaRPr lang="en-US" altLang="ko-KR" sz="900" dirty="0"/>
           </a:p>
           <a:p>
             <a:pPr marL="171450" indent="-171450">
@@ -17849,22 +18047,22 @@
               <a:buChar char="•"/>
             </a:pPr>
             <a:r>
-              <a:rPr lang="en-US" altLang="ko-KR" sz="1000" dirty="0"/>
+              <a:rPr lang="en-US" altLang="ko-KR" sz="900" dirty="0"/>
               <a:t>NAND: </a:t>
             </a:r>
             <a:r>
-              <a:rPr lang="ko-KR" altLang="en-US" sz="1000" dirty="0"/>
+              <a:rPr lang="ko-KR" altLang="en-US" sz="900" dirty="0"/>
               <a:t>실제 </a:t>
             </a:r>
             <a:r>
-              <a:rPr lang="en-US" altLang="ko-KR" sz="1000" dirty="0"/>
+              <a:rPr lang="en-US" altLang="ko-KR" sz="900" dirty="0"/>
               <a:t>Data </a:t>
             </a:r>
             <a:r>
-              <a:rPr lang="ko-KR" altLang="en-US" sz="1000" dirty="0"/>
+              <a:rPr lang="ko-KR" altLang="en-US" sz="900" dirty="0"/>
               <a:t>저장소</a:t>
             </a:r>
-            <a:endParaRPr lang="en-US" altLang="ko-KR" sz="1000" dirty="0"/>
+            <a:endParaRPr lang="en-US" altLang="ko-KR" sz="900" dirty="0"/>
           </a:p>
           <a:p>
             <a:pPr marL="171450" indent="-171450">
@@ -17875,11 +18073,11 @@
               <a:buChar char="•"/>
             </a:pPr>
             <a:r>
-              <a:rPr lang="en-US" altLang="ko-KR" sz="1000" dirty="0"/>
+              <a:rPr lang="en-US" altLang="ko-KR" sz="900" dirty="0"/>
               <a:t>Output: </a:t>
             </a:r>
             <a:r>
-              <a:rPr lang="ko-KR" altLang="en-US" sz="1000" dirty="0"/>
+              <a:rPr lang="ko-KR" altLang="en-US" sz="900" dirty="0"/>
               <a:t>처리된 결과를 저장하는 저장소</a:t>
             </a:r>
           </a:p>
@@ -23923,6 +24121,1904 @@
       </p:sp>
       <p:grpSp>
         <p:nvGrpSpPr>
+          <p:cNvPr id="21" name="그룹 20">
+            <a:extLst>
+              <a:ext uri="{FF2B5EF4-FFF2-40B4-BE49-F238E27FC236}">
+                <a16:creationId xmlns:a16="http://schemas.microsoft.com/office/drawing/2014/main" id="{AF6F3CB1-5235-45F7-9F71-80B5297B25B1}"/>
+              </a:ext>
+            </a:extLst>
+          </p:cNvPr>
+          <p:cNvGrpSpPr/>
+          <p:nvPr/>
+        </p:nvGrpSpPr>
+        <p:grpSpPr>
+          <a:xfrm>
+            <a:off x="8815652" y="4079445"/>
+            <a:ext cx="3244799" cy="2399249"/>
+            <a:chOff x="2473853" y="3255827"/>
+            <a:chExt cx="3244799" cy="2399249"/>
+          </a:xfrm>
+        </p:grpSpPr>
+        <p:grpSp>
+          <p:nvGrpSpPr>
+            <p:cNvPr id="12" name="그룹 11">
+              <a:extLst>
+                <a:ext uri="{FF2B5EF4-FFF2-40B4-BE49-F238E27FC236}">
+                  <a16:creationId xmlns:a16="http://schemas.microsoft.com/office/drawing/2014/main" id="{53D843EA-EB68-4E12-A101-C11A99759CB0}"/>
+                </a:ext>
+              </a:extLst>
+            </p:cNvPr>
+            <p:cNvGrpSpPr/>
+            <p:nvPr/>
+          </p:nvGrpSpPr>
+          <p:grpSpPr>
+            <a:xfrm>
+              <a:off x="2473853" y="3262484"/>
+              <a:ext cx="3244799" cy="2244454"/>
+              <a:chOff x="8817860" y="4191606"/>
+              <a:chExt cx="3244799" cy="2244454"/>
+            </a:xfrm>
+          </p:grpSpPr>
+          <p:pic>
+            <p:nvPicPr>
+              <p:cNvPr id="8" name="그림 7">
+                <a:extLst>
+                  <a:ext uri="{FF2B5EF4-FFF2-40B4-BE49-F238E27FC236}">
+                    <a16:creationId xmlns:a16="http://schemas.microsoft.com/office/drawing/2014/main" id="{5728558D-2500-4687-8C86-EE897BDF27D9}"/>
+                  </a:ext>
+                </a:extLst>
+              </p:cNvPr>
+              <p:cNvPicPr>
+                <a:picLocks noChangeAspect="1"/>
+              </p:cNvPicPr>
+              <p:nvPr/>
+            </p:nvPicPr>
+            <p:blipFill rotWithShape="1">
+              <a:blip r:embed="rId3"/>
+              <a:srcRect l="9743" t="43162" r="70541" b="47363"/>
+              <a:stretch/>
+            </p:blipFill>
+            <p:spPr>
+              <a:xfrm>
+                <a:off x="8992971" y="4455607"/>
+                <a:ext cx="2017670" cy="545412"/>
+              </a:xfrm>
+              <a:prstGeom prst="rect">
+                <a:avLst/>
+              </a:prstGeom>
+            </p:spPr>
+          </p:pic>
+          <p:sp>
+            <p:nvSpPr>
+              <p:cNvPr id="9" name="TextBox 12">
+                <a:extLst>
+                  <a:ext uri="{FF2B5EF4-FFF2-40B4-BE49-F238E27FC236}">
+                    <a16:creationId xmlns:a16="http://schemas.microsoft.com/office/drawing/2014/main" id="{E93CB178-1404-4D7A-8E45-FA26867A8A03}"/>
+                  </a:ext>
+                </a:extLst>
+              </p:cNvPr>
+              <p:cNvSpPr txBox="1"/>
+              <p:nvPr/>
+            </p:nvSpPr>
+            <p:spPr>
+              <a:xfrm>
+                <a:off x="8817860" y="4191606"/>
+                <a:ext cx="3244799" cy="400110"/>
+              </a:xfrm>
+              <a:prstGeom prst="rect">
+                <a:avLst/>
+              </a:prstGeom>
+              <a:noFill/>
+            </p:spPr>
+            <p:txBody>
+              <a:bodyPr wrap="none" rtlCol="0">
+                <a:spAutoFit/>
+              </a:bodyPr>
+              <a:lstStyle>
+                <a:defPPr marR="0" lvl="0" algn="l" rtl="0">
+                  <a:lnSpc>
+                    <a:spcPct val="100000"/>
+                  </a:lnSpc>
+                  <a:spcBef>
+                    <a:spcPts val="0"/>
+                  </a:spcBef>
+                  <a:spcAft>
+                    <a:spcPts val="0"/>
+                  </a:spcAft>
+                </a:defPPr>
+                <a:lvl1pPr marR="0" lvl="0" algn="l" rtl="0">
+                  <a:lnSpc>
+                    <a:spcPct val="100000"/>
+                  </a:lnSpc>
+                  <a:spcBef>
+                    <a:spcPts val="0"/>
+                  </a:spcBef>
+                  <a:spcAft>
+                    <a:spcPts val="0"/>
+                  </a:spcAft>
+                  <a:buClr>
+                    <a:srgbClr val="000000"/>
+                  </a:buClr>
+                  <a:buFont typeface="Arial"/>
+                  <a:defRPr sz="1400" b="0" i="0" u="none" strike="noStrike" cap="none">
+                    <a:solidFill>
+                      <a:srgbClr val="000000"/>
+                    </a:solidFill>
+                    <a:latin typeface="Arial"/>
+                    <a:ea typeface="Arial"/>
+                    <a:cs typeface="Arial"/>
+                    <a:sym typeface="Arial"/>
+                  </a:defRPr>
+                </a:lvl1pPr>
+                <a:lvl2pPr marR="0" lvl="1" algn="l" rtl="0">
+                  <a:lnSpc>
+                    <a:spcPct val="100000"/>
+                  </a:lnSpc>
+                  <a:spcBef>
+                    <a:spcPts val="0"/>
+                  </a:spcBef>
+                  <a:spcAft>
+                    <a:spcPts val="0"/>
+                  </a:spcAft>
+                  <a:buClr>
+                    <a:srgbClr val="000000"/>
+                  </a:buClr>
+                  <a:buFont typeface="Arial"/>
+                  <a:defRPr sz="1400" b="0" i="0" u="none" strike="noStrike" cap="none">
+                    <a:solidFill>
+                      <a:srgbClr val="000000"/>
+                    </a:solidFill>
+                    <a:latin typeface="Arial"/>
+                    <a:ea typeface="Arial"/>
+                    <a:cs typeface="Arial"/>
+                    <a:sym typeface="Arial"/>
+                  </a:defRPr>
+                </a:lvl2pPr>
+                <a:lvl3pPr marR="0" lvl="2" algn="l" rtl="0">
+                  <a:lnSpc>
+                    <a:spcPct val="100000"/>
+                  </a:lnSpc>
+                  <a:spcBef>
+                    <a:spcPts val="0"/>
+                  </a:spcBef>
+                  <a:spcAft>
+                    <a:spcPts val="0"/>
+                  </a:spcAft>
+                  <a:buClr>
+                    <a:srgbClr val="000000"/>
+                  </a:buClr>
+                  <a:buFont typeface="Arial"/>
+                  <a:defRPr sz="1400" b="0" i="0" u="none" strike="noStrike" cap="none">
+                    <a:solidFill>
+                      <a:srgbClr val="000000"/>
+                    </a:solidFill>
+                    <a:latin typeface="Arial"/>
+                    <a:ea typeface="Arial"/>
+                    <a:cs typeface="Arial"/>
+                    <a:sym typeface="Arial"/>
+                  </a:defRPr>
+                </a:lvl3pPr>
+                <a:lvl4pPr marR="0" lvl="3" algn="l" rtl="0">
+                  <a:lnSpc>
+                    <a:spcPct val="100000"/>
+                  </a:lnSpc>
+                  <a:spcBef>
+                    <a:spcPts val="0"/>
+                  </a:spcBef>
+                  <a:spcAft>
+                    <a:spcPts val="0"/>
+                  </a:spcAft>
+                  <a:buClr>
+                    <a:srgbClr val="000000"/>
+                  </a:buClr>
+                  <a:buFont typeface="Arial"/>
+                  <a:defRPr sz="1400" b="0" i="0" u="none" strike="noStrike" cap="none">
+                    <a:solidFill>
+                      <a:srgbClr val="000000"/>
+                    </a:solidFill>
+                    <a:latin typeface="Arial"/>
+                    <a:ea typeface="Arial"/>
+                    <a:cs typeface="Arial"/>
+                    <a:sym typeface="Arial"/>
+                  </a:defRPr>
+                </a:lvl4pPr>
+                <a:lvl5pPr marR="0" lvl="4" algn="l" rtl="0">
+                  <a:lnSpc>
+                    <a:spcPct val="100000"/>
+                  </a:lnSpc>
+                  <a:spcBef>
+                    <a:spcPts val="0"/>
+                  </a:spcBef>
+                  <a:spcAft>
+                    <a:spcPts val="0"/>
+                  </a:spcAft>
+                  <a:buClr>
+                    <a:srgbClr val="000000"/>
+                  </a:buClr>
+                  <a:buFont typeface="Arial"/>
+                  <a:defRPr sz="1400" b="0" i="0" u="none" strike="noStrike" cap="none">
+                    <a:solidFill>
+                      <a:srgbClr val="000000"/>
+                    </a:solidFill>
+                    <a:latin typeface="Arial"/>
+                    <a:ea typeface="Arial"/>
+                    <a:cs typeface="Arial"/>
+                    <a:sym typeface="Arial"/>
+                  </a:defRPr>
+                </a:lvl5pPr>
+                <a:lvl6pPr marR="0" lvl="5" algn="l" rtl="0">
+                  <a:lnSpc>
+                    <a:spcPct val="100000"/>
+                  </a:lnSpc>
+                  <a:spcBef>
+                    <a:spcPts val="0"/>
+                  </a:spcBef>
+                  <a:spcAft>
+                    <a:spcPts val="0"/>
+                  </a:spcAft>
+                  <a:buClr>
+                    <a:srgbClr val="000000"/>
+                  </a:buClr>
+                  <a:buFont typeface="Arial"/>
+                  <a:defRPr sz="1400" b="0" i="0" u="none" strike="noStrike" cap="none">
+                    <a:solidFill>
+                      <a:srgbClr val="000000"/>
+                    </a:solidFill>
+                    <a:latin typeface="Arial"/>
+                    <a:ea typeface="Arial"/>
+                    <a:cs typeface="Arial"/>
+                    <a:sym typeface="Arial"/>
+                  </a:defRPr>
+                </a:lvl6pPr>
+                <a:lvl7pPr marR="0" lvl="6" algn="l" rtl="0">
+                  <a:lnSpc>
+                    <a:spcPct val="100000"/>
+                  </a:lnSpc>
+                  <a:spcBef>
+                    <a:spcPts val="0"/>
+                  </a:spcBef>
+                  <a:spcAft>
+                    <a:spcPts val="0"/>
+                  </a:spcAft>
+                  <a:buClr>
+                    <a:srgbClr val="000000"/>
+                  </a:buClr>
+                  <a:buFont typeface="Arial"/>
+                  <a:defRPr sz="1400" b="0" i="0" u="none" strike="noStrike" cap="none">
+                    <a:solidFill>
+                      <a:srgbClr val="000000"/>
+                    </a:solidFill>
+                    <a:latin typeface="Arial"/>
+                    <a:ea typeface="Arial"/>
+                    <a:cs typeface="Arial"/>
+                    <a:sym typeface="Arial"/>
+                  </a:defRPr>
+                </a:lvl7pPr>
+                <a:lvl8pPr marR="0" lvl="7" algn="l" rtl="0">
+                  <a:lnSpc>
+                    <a:spcPct val="100000"/>
+                  </a:lnSpc>
+                  <a:spcBef>
+                    <a:spcPts val="0"/>
+                  </a:spcBef>
+                  <a:spcAft>
+                    <a:spcPts val="0"/>
+                  </a:spcAft>
+                  <a:buClr>
+                    <a:srgbClr val="000000"/>
+                  </a:buClr>
+                  <a:buFont typeface="Arial"/>
+                  <a:defRPr sz="1400" b="0" i="0" u="none" strike="noStrike" cap="none">
+                    <a:solidFill>
+                      <a:srgbClr val="000000"/>
+                    </a:solidFill>
+                    <a:latin typeface="Arial"/>
+                    <a:ea typeface="Arial"/>
+                    <a:cs typeface="Arial"/>
+                    <a:sym typeface="Arial"/>
+                  </a:defRPr>
+                </a:lvl8pPr>
+                <a:lvl9pPr marR="0" lvl="8" algn="l" rtl="0">
+                  <a:lnSpc>
+                    <a:spcPct val="100000"/>
+                  </a:lnSpc>
+                  <a:spcBef>
+                    <a:spcPts val="0"/>
+                  </a:spcBef>
+                  <a:spcAft>
+                    <a:spcPts val="0"/>
+                  </a:spcAft>
+                  <a:buClr>
+                    <a:srgbClr val="000000"/>
+                  </a:buClr>
+                  <a:buFont typeface="Arial"/>
+                  <a:defRPr sz="1400" b="0" i="0" u="none" strike="noStrike" cap="none">
+                    <a:solidFill>
+                      <a:srgbClr val="000000"/>
+                    </a:solidFill>
+                    <a:latin typeface="Arial"/>
+                    <a:ea typeface="Arial"/>
+                    <a:cs typeface="Arial"/>
+                    <a:sym typeface="Arial"/>
+                  </a:defRPr>
+                </a:lvl9pPr>
+              </a:lstStyle>
+              <a:p>
+                <a:r>
+                  <a:rPr lang="ko-KR" altLang="en-US" sz="1000" dirty="0"/>
+                  <a:t>▶</a:t>
+                </a:r>
+                <a:r>
+                  <a:rPr lang="en-US" altLang="ko-KR" sz="1000" dirty="0"/>
+                  <a:t>TC 1. Invalid LBA </a:t>
+                </a:r>
+                <a:r>
+                  <a:rPr lang="ko-KR" altLang="en-US" sz="1000" dirty="0"/>
+                  <a:t>에러 발생 테스트 </a:t>
+                </a:r>
+                <a:r>
+                  <a:rPr lang="en-US" altLang="ko-KR" sz="1000" dirty="0"/>
+                  <a:t>PR # 11 </a:t>
+                </a:r>
+                <a:r>
+                  <a:rPr lang="en-US" altLang="ko-KR" sz="1000" b="1" dirty="0">
+                    <a:solidFill>
+                      <a:srgbClr val="FF0000"/>
+                    </a:solidFill>
+                  </a:rPr>
+                  <a:t>(RED)</a:t>
+                </a:r>
+                <a:endParaRPr lang="ko-KR" altLang="en-US" sz="1000" b="1" dirty="0">
+                  <a:solidFill>
+                    <a:srgbClr val="FF0000"/>
+                  </a:solidFill>
+                </a:endParaRPr>
+              </a:p>
+              <a:p>
+                <a:endParaRPr lang="ko-KR" altLang="en-US" sz="1000" dirty="0"/>
+              </a:p>
+            </p:txBody>
+          </p:sp>
+          <p:grpSp>
+            <p:nvGrpSpPr>
+              <p:cNvPr id="4" name="그룹 3">
+                <a:extLst>
+                  <a:ext uri="{FF2B5EF4-FFF2-40B4-BE49-F238E27FC236}">
+                    <a16:creationId xmlns:a16="http://schemas.microsoft.com/office/drawing/2014/main" id="{1D32BE18-DB0A-405E-88D8-0223953210CF}"/>
+                  </a:ext>
+                </a:extLst>
+              </p:cNvPr>
+              <p:cNvGrpSpPr/>
+              <p:nvPr/>
+            </p:nvGrpSpPr>
+            <p:grpSpPr>
+              <a:xfrm>
+                <a:off x="8817864" y="4968544"/>
+                <a:ext cx="2915002" cy="1467516"/>
+                <a:chOff x="4162462" y="2275878"/>
+                <a:chExt cx="3733132" cy="1879391"/>
+              </a:xfrm>
+            </p:grpSpPr>
+            <p:pic>
+              <p:nvPicPr>
+                <p:cNvPr id="13" name="그림 12">
+                  <a:extLst>
+                    <a:ext uri="{FF2B5EF4-FFF2-40B4-BE49-F238E27FC236}">
+                      <a16:creationId xmlns:a16="http://schemas.microsoft.com/office/drawing/2014/main" id="{E73FF246-3A33-4377-BE9F-00DFA4CECD91}"/>
+                    </a:ext>
+                  </a:extLst>
+                </p:cNvPr>
+                <p:cNvPicPr>
+                  <a:picLocks noChangeAspect="1"/>
+                </p:cNvPicPr>
+                <p:nvPr/>
+              </p:nvPicPr>
+              <p:blipFill rotWithShape="1">
+                <a:blip r:embed="rId4"/>
+                <a:srcRect l="31701" t="44261" r="41701" b="28935"/>
+                <a:stretch/>
+              </p:blipFill>
+              <p:spPr>
+                <a:xfrm>
+                  <a:off x="4337148" y="2502943"/>
+                  <a:ext cx="2914870" cy="1652326"/>
+                </a:xfrm>
+                <a:prstGeom prst="rect">
+                  <a:avLst/>
+                </a:prstGeom>
+              </p:spPr>
+            </p:pic>
+            <p:sp>
+              <p:nvSpPr>
+                <p:cNvPr id="14" name="TextBox 14">
+                  <a:extLst>
+                    <a:ext uri="{FF2B5EF4-FFF2-40B4-BE49-F238E27FC236}">
+                      <a16:creationId xmlns:a16="http://schemas.microsoft.com/office/drawing/2014/main" id="{584DA1B1-3311-412E-AA04-6DA1E039BE6E}"/>
+                    </a:ext>
+                  </a:extLst>
+                </p:cNvPr>
+                <p:cNvSpPr txBox="1"/>
+                <p:nvPr/>
+              </p:nvSpPr>
+              <p:spPr>
+                <a:xfrm>
+                  <a:off x="4162462" y="2275878"/>
+                  <a:ext cx="3733132" cy="512405"/>
+                </a:xfrm>
+                <a:prstGeom prst="rect">
+                  <a:avLst/>
+                </a:prstGeom>
+                <a:noFill/>
+              </p:spPr>
+              <p:txBody>
+                <a:bodyPr wrap="square" rtlCol="0">
+                  <a:spAutoFit/>
+                </a:bodyPr>
+                <a:lstStyle>
+                  <a:defPPr marR="0" lvl="0" algn="l" rtl="0">
+                    <a:lnSpc>
+                      <a:spcPct val="100000"/>
+                    </a:lnSpc>
+                    <a:spcBef>
+                      <a:spcPts val="0"/>
+                    </a:spcBef>
+                    <a:spcAft>
+                      <a:spcPts val="0"/>
+                    </a:spcAft>
+                  </a:defPPr>
+                  <a:lvl1pPr marR="0" lvl="0" algn="l" rtl="0">
+                    <a:lnSpc>
+                      <a:spcPct val="100000"/>
+                    </a:lnSpc>
+                    <a:spcBef>
+                      <a:spcPts val="0"/>
+                    </a:spcBef>
+                    <a:spcAft>
+                      <a:spcPts val="0"/>
+                    </a:spcAft>
+                    <a:buClr>
+                      <a:srgbClr val="000000"/>
+                    </a:buClr>
+                    <a:buFont typeface="Arial"/>
+                    <a:defRPr sz="1400" b="0" i="0" u="none" strike="noStrike" cap="none">
+                      <a:solidFill>
+                        <a:srgbClr val="000000"/>
+                      </a:solidFill>
+                      <a:latin typeface="Arial"/>
+                      <a:ea typeface="Arial"/>
+                      <a:cs typeface="Arial"/>
+                      <a:sym typeface="Arial"/>
+                    </a:defRPr>
+                  </a:lvl1pPr>
+                  <a:lvl2pPr marR="0" lvl="1" algn="l" rtl="0">
+                    <a:lnSpc>
+                      <a:spcPct val="100000"/>
+                    </a:lnSpc>
+                    <a:spcBef>
+                      <a:spcPts val="0"/>
+                    </a:spcBef>
+                    <a:spcAft>
+                      <a:spcPts val="0"/>
+                    </a:spcAft>
+                    <a:buClr>
+                      <a:srgbClr val="000000"/>
+                    </a:buClr>
+                    <a:buFont typeface="Arial"/>
+                    <a:defRPr sz="1400" b="0" i="0" u="none" strike="noStrike" cap="none">
+                      <a:solidFill>
+                        <a:srgbClr val="000000"/>
+                      </a:solidFill>
+                      <a:latin typeface="Arial"/>
+                      <a:ea typeface="Arial"/>
+                      <a:cs typeface="Arial"/>
+                      <a:sym typeface="Arial"/>
+                    </a:defRPr>
+                  </a:lvl2pPr>
+                  <a:lvl3pPr marR="0" lvl="2" algn="l" rtl="0">
+                    <a:lnSpc>
+                      <a:spcPct val="100000"/>
+                    </a:lnSpc>
+                    <a:spcBef>
+                      <a:spcPts val="0"/>
+                    </a:spcBef>
+                    <a:spcAft>
+                      <a:spcPts val="0"/>
+                    </a:spcAft>
+                    <a:buClr>
+                      <a:srgbClr val="000000"/>
+                    </a:buClr>
+                    <a:buFont typeface="Arial"/>
+                    <a:defRPr sz="1400" b="0" i="0" u="none" strike="noStrike" cap="none">
+                      <a:solidFill>
+                        <a:srgbClr val="000000"/>
+                      </a:solidFill>
+                      <a:latin typeface="Arial"/>
+                      <a:ea typeface="Arial"/>
+                      <a:cs typeface="Arial"/>
+                      <a:sym typeface="Arial"/>
+                    </a:defRPr>
+                  </a:lvl3pPr>
+                  <a:lvl4pPr marR="0" lvl="3" algn="l" rtl="0">
+                    <a:lnSpc>
+                      <a:spcPct val="100000"/>
+                    </a:lnSpc>
+                    <a:spcBef>
+                      <a:spcPts val="0"/>
+                    </a:spcBef>
+                    <a:spcAft>
+                      <a:spcPts val="0"/>
+                    </a:spcAft>
+                    <a:buClr>
+                      <a:srgbClr val="000000"/>
+                    </a:buClr>
+                    <a:buFont typeface="Arial"/>
+                    <a:defRPr sz="1400" b="0" i="0" u="none" strike="noStrike" cap="none">
+                      <a:solidFill>
+                        <a:srgbClr val="000000"/>
+                      </a:solidFill>
+                      <a:latin typeface="Arial"/>
+                      <a:ea typeface="Arial"/>
+                      <a:cs typeface="Arial"/>
+                      <a:sym typeface="Arial"/>
+                    </a:defRPr>
+                  </a:lvl4pPr>
+                  <a:lvl5pPr marR="0" lvl="4" algn="l" rtl="0">
+                    <a:lnSpc>
+                      <a:spcPct val="100000"/>
+                    </a:lnSpc>
+                    <a:spcBef>
+                      <a:spcPts val="0"/>
+                    </a:spcBef>
+                    <a:spcAft>
+                      <a:spcPts val="0"/>
+                    </a:spcAft>
+                    <a:buClr>
+                      <a:srgbClr val="000000"/>
+                    </a:buClr>
+                    <a:buFont typeface="Arial"/>
+                    <a:defRPr sz="1400" b="0" i="0" u="none" strike="noStrike" cap="none">
+                      <a:solidFill>
+                        <a:srgbClr val="000000"/>
+                      </a:solidFill>
+                      <a:latin typeface="Arial"/>
+                      <a:ea typeface="Arial"/>
+                      <a:cs typeface="Arial"/>
+                      <a:sym typeface="Arial"/>
+                    </a:defRPr>
+                  </a:lvl5pPr>
+                  <a:lvl6pPr marR="0" lvl="5" algn="l" rtl="0">
+                    <a:lnSpc>
+                      <a:spcPct val="100000"/>
+                    </a:lnSpc>
+                    <a:spcBef>
+                      <a:spcPts val="0"/>
+                    </a:spcBef>
+                    <a:spcAft>
+                      <a:spcPts val="0"/>
+                    </a:spcAft>
+                    <a:buClr>
+                      <a:srgbClr val="000000"/>
+                    </a:buClr>
+                    <a:buFont typeface="Arial"/>
+                    <a:defRPr sz="1400" b="0" i="0" u="none" strike="noStrike" cap="none">
+                      <a:solidFill>
+                        <a:srgbClr val="000000"/>
+                      </a:solidFill>
+                      <a:latin typeface="Arial"/>
+                      <a:ea typeface="Arial"/>
+                      <a:cs typeface="Arial"/>
+                      <a:sym typeface="Arial"/>
+                    </a:defRPr>
+                  </a:lvl6pPr>
+                  <a:lvl7pPr marR="0" lvl="6" algn="l" rtl="0">
+                    <a:lnSpc>
+                      <a:spcPct val="100000"/>
+                    </a:lnSpc>
+                    <a:spcBef>
+                      <a:spcPts val="0"/>
+                    </a:spcBef>
+                    <a:spcAft>
+                      <a:spcPts val="0"/>
+                    </a:spcAft>
+                    <a:buClr>
+                      <a:srgbClr val="000000"/>
+                    </a:buClr>
+                    <a:buFont typeface="Arial"/>
+                    <a:defRPr sz="1400" b="0" i="0" u="none" strike="noStrike" cap="none">
+                      <a:solidFill>
+                        <a:srgbClr val="000000"/>
+                      </a:solidFill>
+                      <a:latin typeface="Arial"/>
+                      <a:ea typeface="Arial"/>
+                      <a:cs typeface="Arial"/>
+                      <a:sym typeface="Arial"/>
+                    </a:defRPr>
+                  </a:lvl7pPr>
+                  <a:lvl8pPr marR="0" lvl="7" algn="l" rtl="0">
+                    <a:lnSpc>
+                      <a:spcPct val="100000"/>
+                    </a:lnSpc>
+                    <a:spcBef>
+                      <a:spcPts val="0"/>
+                    </a:spcBef>
+                    <a:spcAft>
+                      <a:spcPts val="0"/>
+                    </a:spcAft>
+                    <a:buClr>
+                      <a:srgbClr val="000000"/>
+                    </a:buClr>
+                    <a:buFont typeface="Arial"/>
+                    <a:defRPr sz="1400" b="0" i="0" u="none" strike="noStrike" cap="none">
+                      <a:solidFill>
+                        <a:srgbClr val="000000"/>
+                      </a:solidFill>
+                      <a:latin typeface="Arial"/>
+                      <a:ea typeface="Arial"/>
+                      <a:cs typeface="Arial"/>
+                      <a:sym typeface="Arial"/>
+                    </a:defRPr>
+                  </a:lvl8pPr>
+                  <a:lvl9pPr marR="0" lvl="8" algn="l" rtl="0">
+                    <a:lnSpc>
+                      <a:spcPct val="100000"/>
+                    </a:lnSpc>
+                    <a:spcBef>
+                      <a:spcPts val="0"/>
+                    </a:spcBef>
+                    <a:spcAft>
+                      <a:spcPts val="0"/>
+                    </a:spcAft>
+                    <a:buClr>
+                      <a:srgbClr val="000000"/>
+                    </a:buClr>
+                    <a:buFont typeface="Arial"/>
+                    <a:defRPr sz="1400" b="0" i="0" u="none" strike="noStrike" cap="none">
+                      <a:solidFill>
+                        <a:srgbClr val="000000"/>
+                      </a:solidFill>
+                      <a:latin typeface="Arial"/>
+                      <a:ea typeface="Arial"/>
+                      <a:cs typeface="Arial"/>
+                      <a:sym typeface="Arial"/>
+                    </a:defRPr>
+                  </a:lvl9pPr>
+                </a:lstStyle>
+                <a:p>
+                  <a:r>
+                    <a:rPr lang="ko-KR" altLang="en-US" sz="1000" dirty="0"/>
+                    <a:t>▶</a:t>
+                  </a:r>
+                  <a:r>
+                    <a:rPr lang="en-US" altLang="ko-KR" sz="1000" dirty="0"/>
+                    <a:t>Read </a:t>
+                  </a:r>
+                  <a:r>
+                    <a:rPr lang="ko-KR" altLang="en-US" sz="1000" dirty="0"/>
+                    <a:t>에서 에러 발생 코드 작성</a:t>
+                  </a:r>
+                  <a:r>
+                    <a:rPr lang="en-US" altLang="ko-KR" sz="1000" b="1" dirty="0">
+                      <a:solidFill>
+                        <a:srgbClr val="00B050"/>
+                      </a:solidFill>
+                    </a:rPr>
+                    <a:t>(GREEN)</a:t>
+                  </a:r>
+                  <a:endParaRPr lang="ko-KR" altLang="en-US" sz="1000" b="1" dirty="0">
+                    <a:solidFill>
+                      <a:srgbClr val="00B050"/>
+                    </a:solidFill>
+                  </a:endParaRPr>
+                </a:p>
+                <a:p>
+                  <a:endParaRPr lang="ko-KR" altLang="en-US" sz="1000" dirty="0"/>
+                </a:p>
+              </p:txBody>
+            </p:sp>
+          </p:grpSp>
+        </p:grpSp>
+        <p:sp>
+          <p:nvSpPr>
+            <p:cNvPr id="15" name="사각형: 둥근 모서리 14">
+              <a:extLst>
+                <a:ext uri="{FF2B5EF4-FFF2-40B4-BE49-F238E27FC236}">
+                  <a16:creationId xmlns:a16="http://schemas.microsoft.com/office/drawing/2014/main" id="{AC396C53-E87A-4DE0-AE6E-7506FCDB42B0}"/>
+                </a:ext>
+              </a:extLst>
+            </p:cNvPr>
+            <p:cNvSpPr/>
+            <p:nvPr/>
+          </p:nvSpPr>
+          <p:spPr>
+            <a:xfrm>
+              <a:off x="2501170" y="3255827"/>
+              <a:ext cx="3070293" cy="2399249"/>
+            </a:xfrm>
+            <a:prstGeom prst="roundRect">
+              <a:avLst>
+                <a:gd name="adj" fmla="val 2400"/>
+              </a:avLst>
+            </a:prstGeom>
+            <a:noFill/>
+            <a:ln w="9525" cap="flat" cmpd="sng" algn="ctr">
+              <a:solidFill>
+                <a:schemeClr val="dk1"/>
+              </a:solidFill>
+              <a:prstDash val="solid"/>
+              <a:round/>
+              <a:headEnd type="none" w="med" len="med"/>
+              <a:tailEnd type="none" w="med" len="med"/>
+            </a:ln>
+          </p:spPr>
+          <p:style>
+            <a:lnRef idx="0">
+              <a:scrgbClr r="0" g="0" b="0"/>
+            </a:lnRef>
+            <a:fillRef idx="0">
+              <a:scrgbClr r="0" g="0" b="0"/>
+            </a:fillRef>
+            <a:effectRef idx="0">
+              <a:scrgbClr r="0" g="0" b="0"/>
+            </a:effectRef>
+            <a:fontRef idx="minor">
+              <a:schemeClr val="dk1"/>
+            </a:fontRef>
+          </p:style>
+          <p:txBody>
+            <a:bodyPr rtlCol="0" anchor="ctr"/>
+            <a:lstStyle/>
+            <a:p>
+              <a:pPr algn="ctr"/>
+              <a:endParaRPr lang="ko-KR" altLang="en-US"/>
+            </a:p>
+          </p:txBody>
+        </p:sp>
+      </p:grpSp>
+      <p:grpSp>
+        <p:nvGrpSpPr>
+          <p:cNvPr id="24" name="그룹 23">
+            <a:extLst>
+              <a:ext uri="{FF2B5EF4-FFF2-40B4-BE49-F238E27FC236}">
+                <a16:creationId xmlns:a16="http://schemas.microsoft.com/office/drawing/2014/main" id="{33A36045-DE63-49B4-BD13-267B4AD7D650}"/>
+              </a:ext>
+            </a:extLst>
+          </p:cNvPr>
+          <p:cNvGrpSpPr/>
+          <p:nvPr/>
+        </p:nvGrpSpPr>
+        <p:grpSpPr>
+          <a:xfrm>
+            <a:off x="6158422" y="1576263"/>
+            <a:ext cx="3174132" cy="1605226"/>
+            <a:chOff x="1545894" y="2134284"/>
+            <a:chExt cx="3174132" cy="1605226"/>
+          </a:xfrm>
+        </p:grpSpPr>
+        <p:grpSp>
+          <p:nvGrpSpPr>
+            <p:cNvPr id="5" name="그룹 4">
+              <a:extLst>
+                <a:ext uri="{FF2B5EF4-FFF2-40B4-BE49-F238E27FC236}">
+                  <a16:creationId xmlns:a16="http://schemas.microsoft.com/office/drawing/2014/main" id="{0C15A20D-2003-49A4-A3F6-33D9F5227E66}"/>
+                </a:ext>
+              </a:extLst>
+            </p:cNvPr>
+            <p:cNvGrpSpPr/>
+            <p:nvPr/>
+          </p:nvGrpSpPr>
+          <p:grpSpPr>
+            <a:xfrm>
+              <a:off x="1646268" y="2154904"/>
+              <a:ext cx="3048329" cy="1584606"/>
+              <a:chOff x="680292" y="2607535"/>
+              <a:chExt cx="5057689" cy="2629127"/>
+            </a:xfrm>
+          </p:grpSpPr>
+          <p:pic>
+            <p:nvPicPr>
+              <p:cNvPr id="18" name="그림 17">
+                <a:extLst>
+                  <a:ext uri="{FF2B5EF4-FFF2-40B4-BE49-F238E27FC236}">
+                    <a16:creationId xmlns:a16="http://schemas.microsoft.com/office/drawing/2014/main" id="{A9CD1D52-321E-45E1-974F-331372D3EE66}"/>
+                  </a:ext>
+                </a:extLst>
+              </p:cNvPr>
+              <p:cNvPicPr>
+                <a:picLocks noChangeAspect="1"/>
+              </p:cNvPicPr>
+              <p:nvPr/>
+            </p:nvPicPr>
+            <p:blipFill rotWithShape="1">
+              <a:blip r:embed="rId5"/>
+              <a:srcRect l="31779" t="37801" r="38067" b="37594"/>
+              <a:stretch/>
+            </p:blipFill>
+            <p:spPr>
+              <a:xfrm>
+                <a:off x="680292" y="2915311"/>
+                <a:ext cx="5057689" cy="2321351"/>
+              </a:xfrm>
+              <a:prstGeom prst="rect">
+                <a:avLst/>
+              </a:prstGeom>
+            </p:spPr>
+          </p:pic>
+          <p:sp>
+            <p:nvSpPr>
+              <p:cNvPr id="19" name="TextBox 16">
+                <a:extLst>
+                  <a:ext uri="{FF2B5EF4-FFF2-40B4-BE49-F238E27FC236}">
+                    <a16:creationId xmlns:a16="http://schemas.microsoft.com/office/drawing/2014/main" id="{D21D8E92-7EAB-4195-96C7-181F676D71F0}"/>
+                  </a:ext>
+                </a:extLst>
+              </p:cNvPr>
+              <p:cNvSpPr txBox="1"/>
+              <p:nvPr/>
+            </p:nvSpPr>
+            <p:spPr>
+              <a:xfrm>
+                <a:off x="680294" y="2607535"/>
+                <a:ext cx="3934155" cy="408522"/>
+              </a:xfrm>
+              <a:prstGeom prst="rect">
+                <a:avLst/>
+              </a:prstGeom>
+              <a:noFill/>
+            </p:spPr>
+            <p:txBody>
+              <a:bodyPr wrap="none" rtlCol="0">
+                <a:spAutoFit/>
+              </a:bodyPr>
+              <a:lstStyle>
+                <a:defPPr marR="0" lvl="0" algn="l" rtl="0">
+                  <a:lnSpc>
+                    <a:spcPct val="100000"/>
+                  </a:lnSpc>
+                  <a:spcBef>
+                    <a:spcPts val="0"/>
+                  </a:spcBef>
+                  <a:spcAft>
+                    <a:spcPts val="0"/>
+                  </a:spcAft>
+                </a:defPPr>
+                <a:lvl1pPr marR="0" lvl="0" algn="l" rtl="0">
+                  <a:lnSpc>
+                    <a:spcPct val="100000"/>
+                  </a:lnSpc>
+                  <a:spcBef>
+                    <a:spcPts val="0"/>
+                  </a:spcBef>
+                  <a:spcAft>
+                    <a:spcPts val="0"/>
+                  </a:spcAft>
+                  <a:buClr>
+                    <a:srgbClr val="000000"/>
+                  </a:buClr>
+                  <a:buFont typeface="Arial"/>
+                  <a:defRPr sz="1400" b="0" i="0" u="none" strike="noStrike" cap="none">
+                    <a:solidFill>
+                      <a:srgbClr val="000000"/>
+                    </a:solidFill>
+                    <a:latin typeface="Arial"/>
+                    <a:ea typeface="Arial"/>
+                    <a:cs typeface="Arial"/>
+                    <a:sym typeface="Arial"/>
+                  </a:defRPr>
+                </a:lvl1pPr>
+                <a:lvl2pPr marR="0" lvl="1" algn="l" rtl="0">
+                  <a:lnSpc>
+                    <a:spcPct val="100000"/>
+                  </a:lnSpc>
+                  <a:spcBef>
+                    <a:spcPts val="0"/>
+                  </a:spcBef>
+                  <a:spcAft>
+                    <a:spcPts val="0"/>
+                  </a:spcAft>
+                  <a:buClr>
+                    <a:srgbClr val="000000"/>
+                  </a:buClr>
+                  <a:buFont typeface="Arial"/>
+                  <a:defRPr sz="1400" b="0" i="0" u="none" strike="noStrike" cap="none">
+                    <a:solidFill>
+                      <a:srgbClr val="000000"/>
+                    </a:solidFill>
+                    <a:latin typeface="Arial"/>
+                    <a:ea typeface="Arial"/>
+                    <a:cs typeface="Arial"/>
+                    <a:sym typeface="Arial"/>
+                  </a:defRPr>
+                </a:lvl2pPr>
+                <a:lvl3pPr marR="0" lvl="2" algn="l" rtl="0">
+                  <a:lnSpc>
+                    <a:spcPct val="100000"/>
+                  </a:lnSpc>
+                  <a:spcBef>
+                    <a:spcPts val="0"/>
+                  </a:spcBef>
+                  <a:spcAft>
+                    <a:spcPts val="0"/>
+                  </a:spcAft>
+                  <a:buClr>
+                    <a:srgbClr val="000000"/>
+                  </a:buClr>
+                  <a:buFont typeface="Arial"/>
+                  <a:defRPr sz="1400" b="0" i="0" u="none" strike="noStrike" cap="none">
+                    <a:solidFill>
+                      <a:srgbClr val="000000"/>
+                    </a:solidFill>
+                    <a:latin typeface="Arial"/>
+                    <a:ea typeface="Arial"/>
+                    <a:cs typeface="Arial"/>
+                    <a:sym typeface="Arial"/>
+                  </a:defRPr>
+                </a:lvl3pPr>
+                <a:lvl4pPr marR="0" lvl="3" algn="l" rtl="0">
+                  <a:lnSpc>
+                    <a:spcPct val="100000"/>
+                  </a:lnSpc>
+                  <a:spcBef>
+                    <a:spcPts val="0"/>
+                  </a:spcBef>
+                  <a:spcAft>
+                    <a:spcPts val="0"/>
+                  </a:spcAft>
+                  <a:buClr>
+                    <a:srgbClr val="000000"/>
+                  </a:buClr>
+                  <a:buFont typeface="Arial"/>
+                  <a:defRPr sz="1400" b="0" i="0" u="none" strike="noStrike" cap="none">
+                    <a:solidFill>
+                      <a:srgbClr val="000000"/>
+                    </a:solidFill>
+                    <a:latin typeface="Arial"/>
+                    <a:ea typeface="Arial"/>
+                    <a:cs typeface="Arial"/>
+                    <a:sym typeface="Arial"/>
+                  </a:defRPr>
+                </a:lvl4pPr>
+                <a:lvl5pPr marR="0" lvl="4" algn="l" rtl="0">
+                  <a:lnSpc>
+                    <a:spcPct val="100000"/>
+                  </a:lnSpc>
+                  <a:spcBef>
+                    <a:spcPts val="0"/>
+                  </a:spcBef>
+                  <a:spcAft>
+                    <a:spcPts val="0"/>
+                  </a:spcAft>
+                  <a:buClr>
+                    <a:srgbClr val="000000"/>
+                  </a:buClr>
+                  <a:buFont typeface="Arial"/>
+                  <a:defRPr sz="1400" b="0" i="0" u="none" strike="noStrike" cap="none">
+                    <a:solidFill>
+                      <a:srgbClr val="000000"/>
+                    </a:solidFill>
+                    <a:latin typeface="Arial"/>
+                    <a:ea typeface="Arial"/>
+                    <a:cs typeface="Arial"/>
+                    <a:sym typeface="Arial"/>
+                  </a:defRPr>
+                </a:lvl5pPr>
+                <a:lvl6pPr marR="0" lvl="5" algn="l" rtl="0">
+                  <a:lnSpc>
+                    <a:spcPct val="100000"/>
+                  </a:lnSpc>
+                  <a:spcBef>
+                    <a:spcPts val="0"/>
+                  </a:spcBef>
+                  <a:spcAft>
+                    <a:spcPts val="0"/>
+                  </a:spcAft>
+                  <a:buClr>
+                    <a:srgbClr val="000000"/>
+                  </a:buClr>
+                  <a:buFont typeface="Arial"/>
+                  <a:defRPr sz="1400" b="0" i="0" u="none" strike="noStrike" cap="none">
+                    <a:solidFill>
+                      <a:srgbClr val="000000"/>
+                    </a:solidFill>
+                    <a:latin typeface="Arial"/>
+                    <a:ea typeface="Arial"/>
+                    <a:cs typeface="Arial"/>
+                    <a:sym typeface="Arial"/>
+                  </a:defRPr>
+                </a:lvl6pPr>
+                <a:lvl7pPr marR="0" lvl="6" algn="l" rtl="0">
+                  <a:lnSpc>
+                    <a:spcPct val="100000"/>
+                  </a:lnSpc>
+                  <a:spcBef>
+                    <a:spcPts val="0"/>
+                  </a:spcBef>
+                  <a:spcAft>
+                    <a:spcPts val="0"/>
+                  </a:spcAft>
+                  <a:buClr>
+                    <a:srgbClr val="000000"/>
+                  </a:buClr>
+                  <a:buFont typeface="Arial"/>
+                  <a:defRPr sz="1400" b="0" i="0" u="none" strike="noStrike" cap="none">
+                    <a:solidFill>
+                      <a:srgbClr val="000000"/>
+                    </a:solidFill>
+                    <a:latin typeface="Arial"/>
+                    <a:ea typeface="Arial"/>
+                    <a:cs typeface="Arial"/>
+                    <a:sym typeface="Arial"/>
+                  </a:defRPr>
+                </a:lvl7pPr>
+                <a:lvl8pPr marR="0" lvl="7" algn="l" rtl="0">
+                  <a:lnSpc>
+                    <a:spcPct val="100000"/>
+                  </a:lnSpc>
+                  <a:spcBef>
+                    <a:spcPts val="0"/>
+                  </a:spcBef>
+                  <a:spcAft>
+                    <a:spcPts val="0"/>
+                  </a:spcAft>
+                  <a:buClr>
+                    <a:srgbClr val="000000"/>
+                  </a:buClr>
+                  <a:buFont typeface="Arial"/>
+                  <a:defRPr sz="1400" b="0" i="0" u="none" strike="noStrike" cap="none">
+                    <a:solidFill>
+                      <a:srgbClr val="000000"/>
+                    </a:solidFill>
+                    <a:latin typeface="Arial"/>
+                    <a:ea typeface="Arial"/>
+                    <a:cs typeface="Arial"/>
+                    <a:sym typeface="Arial"/>
+                  </a:defRPr>
+                </a:lvl8pPr>
+                <a:lvl9pPr marR="0" lvl="8" algn="l" rtl="0">
+                  <a:lnSpc>
+                    <a:spcPct val="100000"/>
+                  </a:lnSpc>
+                  <a:spcBef>
+                    <a:spcPts val="0"/>
+                  </a:spcBef>
+                  <a:spcAft>
+                    <a:spcPts val="0"/>
+                  </a:spcAft>
+                  <a:buClr>
+                    <a:srgbClr val="000000"/>
+                  </a:buClr>
+                  <a:buFont typeface="Arial"/>
+                  <a:defRPr sz="1400" b="0" i="0" u="none" strike="noStrike" cap="none">
+                    <a:solidFill>
+                      <a:srgbClr val="000000"/>
+                    </a:solidFill>
+                    <a:latin typeface="Arial"/>
+                    <a:ea typeface="Arial"/>
+                    <a:cs typeface="Arial"/>
+                    <a:sym typeface="Arial"/>
+                  </a:defRPr>
+                </a:lvl9pPr>
+              </a:lstStyle>
+              <a:p>
+                <a:r>
+                  <a:rPr lang="ko-KR" altLang="en-US" sz="1000" dirty="0"/>
+                  <a:t>▶ </a:t>
+                </a:r>
+                <a:r>
+                  <a:rPr lang="en-US" altLang="ko-KR" sz="1000" dirty="0"/>
+                  <a:t>Refactoring PR # 44 </a:t>
+                </a:r>
+                <a:r>
+                  <a:rPr lang="en-US" altLang="ko-KR" sz="1000" b="1" dirty="0">
+                    <a:solidFill>
+                      <a:srgbClr val="0070C0"/>
+                    </a:solidFill>
+                  </a:rPr>
+                  <a:t>(REFACTOR)</a:t>
+                </a:r>
+                <a:endParaRPr lang="ko-KR" altLang="en-US" sz="1000" b="1" dirty="0">
+                  <a:solidFill>
+                    <a:srgbClr val="0070C0"/>
+                  </a:solidFill>
+                </a:endParaRPr>
+              </a:p>
+            </p:txBody>
+          </p:sp>
+        </p:grpSp>
+        <p:sp>
+          <p:nvSpPr>
+            <p:cNvPr id="28" name="사각형: 둥근 모서리 27">
+              <a:extLst>
+                <a:ext uri="{FF2B5EF4-FFF2-40B4-BE49-F238E27FC236}">
+                  <a16:creationId xmlns:a16="http://schemas.microsoft.com/office/drawing/2014/main" id="{46253290-0B62-4F2F-9431-0F6E8B9D5A2F}"/>
+                </a:ext>
+              </a:extLst>
+            </p:cNvPr>
+            <p:cNvSpPr/>
+            <p:nvPr/>
+          </p:nvSpPr>
+          <p:spPr>
+            <a:xfrm>
+              <a:off x="1545894" y="2134284"/>
+              <a:ext cx="3174132" cy="1605226"/>
+            </a:xfrm>
+            <a:prstGeom prst="roundRect">
+              <a:avLst>
+                <a:gd name="adj" fmla="val 2400"/>
+              </a:avLst>
+            </a:prstGeom>
+            <a:noFill/>
+            <a:ln w="9525" cap="flat" cmpd="sng" algn="ctr">
+              <a:solidFill>
+                <a:schemeClr val="dk1"/>
+              </a:solidFill>
+              <a:prstDash val="solid"/>
+              <a:round/>
+              <a:headEnd type="none" w="med" len="med"/>
+              <a:tailEnd type="none" w="med" len="med"/>
+            </a:ln>
+          </p:spPr>
+          <p:style>
+            <a:lnRef idx="0">
+              <a:scrgbClr r="0" g="0" b="0"/>
+            </a:lnRef>
+            <a:fillRef idx="0">
+              <a:scrgbClr r="0" g="0" b="0"/>
+            </a:fillRef>
+            <a:effectRef idx="0">
+              <a:scrgbClr r="0" g="0" b="0"/>
+            </a:effectRef>
+            <a:fontRef idx="minor">
+              <a:schemeClr val="dk1"/>
+            </a:fontRef>
+          </p:style>
+          <p:txBody>
+            <a:bodyPr rtlCol="0" anchor="ctr"/>
+            <a:lstStyle/>
+            <a:p>
+              <a:pPr algn="ctr"/>
+              <a:endParaRPr lang="ko-KR" altLang="en-US"/>
+            </a:p>
+          </p:txBody>
+        </p:sp>
+      </p:grpSp>
+      <p:grpSp>
+        <p:nvGrpSpPr>
+          <p:cNvPr id="22" name="그룹 21">
+            <a:extLst>
+              <a:ext uri="{FF2B5EF4-FFF2-40B4-BE49-F238E27FC236}">
+                <a16:creationId xmlns:a16="http://schemas.microsoft.com/office/drawing/2014/main" id="{6A488F72-156A-469D-8427-4EE766CF8115}"/>
+              </a:ext>
+            </a:extLst>
+          </p:cNvPr>
+          <p:cNvGrpSpPr/>
+          <p:nvPr/>
+        </p:nvGrpSpPr>
+        <p:grpSpPr>
+          <a:xfrm>
+            <a:off x="8798564" y="2213611"/>
+            <a:ext cx="3114699" cy="1787712"/>
+            <a:chOff x="2112620" y="2980732"/>
+            <a:chExt cx="3114699" cy="1787712"/>
+          </a:xfrm>
+        </p:grpSpPr>
+        <p:grpSp>
+          <p:nvGrpSpPr>
+            <p:cNvPr id="6" name="그룹 5">
+              <a:extLst>
+                <a:ext uri="{FF2B5EF4-FFF2-40B4-BE49-F238E27FC236}">
+                  <a16:creationId xmlns:a16="http://schemas.microsoft.com/office/drawing/2014/main" id="{9F74633E-4D27-4D56-8F7A-2E7786B9EBE9}"/>
+                </a:ext>
+              </a:extLst>
+            </p:cNvPr>
+            <p:cNvGrpSpPr/>
+            <p:nvPr/>
+          </p:nvGrpSpPr>
+          <p:grpSpPr>
+            <a:xfrm>
+              <a:off x="2154179" y="2992810"/>
+              <a:ext cx="3007638" cy="1775633"/>
+              <a:chOff x="8885921" y="2359103"/>
+              <a:chExt cx="3007638" cy="1775633"/>
+            </a:xfrm>
+          </p:grpSpPr>
+          <p:sp>
+            <p:nvSpPr>
+              <p:cNvPr id="10" name="TextBox 17">
+                <a:extLst>
+                  <a:ext uri="{FF2B5EF4-FFF2-40B4-BE49-F238E27FC236}">
+                    <a16:creationId xmlns:a16="http://schemas.microsoft.com/office/drawing/2014/main" id="{9A123351-579B-4DCF-A2D1-AAC0F89C8BE1}"/>
+                  </a:ext>
+                </a:extLst>
+              </p:cNvPr>
+              <p:cNvSpPr txBox="1"/>
+              <p:nvPr/>
+            </p:nvSpPr>
+            <p:spPr>
+              <a:xfrm>
+                <a:off x="8885921" y="2359103"/>
+                <a:ext cx="2890535" cy="246221"/>
+              </a:xfrm>
+              <a:prstGeom prst="rect">
+                <a:avLst/>
+              </a:prstGeom>
+              <a:noFill/>
+            </p:spPr>
+            <p:txBody>
+              <a:bodyPr wrap="none" rtlCol="0">
+                <a:spAutoFit/>
+              </a:bodyPr>
+              <a:lstStyle>
+                <a:defPPr marR="0" lvl="0" algn="l" rtl="0">
+                  <a:lnSpc>
+                    <a:spcPct val="100000"/>
+                  </a:lnSpc>
+                  <a:spcBef>
+                    <a:spcPts val="0"/>
+                  </a:spcBef>
+                  <a:spcAft>
+                    <a:spcPts val="0"/>
+                  </a:spcAft>
+                </a:defPPr>
+                <a:lvl1pPr marR="0" lvl="0" algn="l" rtl="0">
+                  <a:lnSpc>
+                    <a:spcPct val="100000"/>
+                  </a:lnSpc>
+                  <a:spcBef>
+                    <a:spcPts val="0"/>
+                  </a:spcBef>
+                  <a:spcAft>
+                    <a:spcPts val="0"/>
+                  </a:spcAft>
+                  <a:buClr>
+                    <a:srgbClr val="000000"/>
+                  </a:buClr>
+                  <a:buFont typeface="Arial"/>
+                  <a:defRPr sz="1400" b="0" i="0" u="none" strike="noStrike" cap="none">
+                    <a:solidFill>
+                      <a:srgbClr val="000000"/>
+                    </a:solidFill>
+                    <a:latin typeface="Arial"/>
+                    <a:ea typeface="Arial"/>
+                    <a:cs typeface="Arial"/>
+                    <a:sym typeface="Arial"/>
+                  </a:defRPr>
+                </a:lvl1pPr>
+                <a:lvl2pPr marR="0" lvl="1" algn="l" rtl="0">
+                  <a:lnSpc>
+                    <a:spcPct val="100000"/>
+                  </a:lnSpc>
+                  <a:spcBef>
+                    <a:spcPts val="0"/>
+                  </a:spcBef>
+                  <a:spcAft>
+                    <a:spcPts val="0"/>
+                  </a:spcAft>
+                  <a:buClr>
+                    <a:srgbClr val="000000"/>
+                  </a:buClr>
+                  <a:buFont typeface="Arial"/>
+                  <a:defRPr sz="1400" b="0" i="0" u="none" strike="noStrike" cap="none">
+                    <a:solidFill>
+                      <a:srgbClr val="000000"/>
+                    </a:solidFill>
+                    <a:latin typeface="Arial"/>
+                    <a:ea typeface="Arial"/>
+                    <a:cs typeface="Arial"/>
+                    <a:sym typeface="Arial"/>
+                  </a:defRPr>
+                </a:lvl2pPr>
+                <a:lvl3pPr marR="0" lvl="2" algn="l" rtl="0">
+                  <a:lnSpc>
+                    <a:spcPct val="100000"/>
+                  </a:lnSpc>
+                  <a:spcBef>
+                    <a:spcPts val="0"/>
+                  </a:spcBef>
+                  <a:spcAft>
+                    <a:spcPts val="0"/>
+                  </a:spcAft>
+                  <a:buClr>
+                    <a:srgbClr val="000000"/>
+                  </a:buClr>
+                  <a:buFont typeface="Arial"/>
+                  <a:defRPr sz="1400" b="0" i="0" u="none" strike="noStrike" cap="none">
+                    <a:solidFill>
+                      <a:srgbClr val="000000"/>
+                    </a:solidFill>
+                    <a:latin typeface="Arial"/>
+                    <a:ea typeface="Arial"/>
+                    <a:cs typeface="Arial"/>
+                    <a:sym typeface="Arial"/>
+                  </a:defRPr>
+                </a:lvl3pPr>
+                <a:lvl4pPr marR="0" lvl="3" algn="l" rtl="0">
+                  <a:lnSpc>
+                    <a:spcPct val="100000"/>
+                  </a:lnSpc>
+                  <a:spcBef>
+                    <a:spcPts val="0"/>
+                  </a:spcBef>
+                  <a:spcAft>
+                    <a:spcPts val="0"/>
+                  </a:spcAft>
+                  <a:buClr>
+                    <a:srgbClr val="000000"/>
+                  </a:buClr>
+                  <a:buFont typeface="Arial"/>
+                  <a:defRPr sz="1400" b="0" i="0" u="none" strike="noStrike" cap="none">
+                    <a:solidFill>
+                      <a:srgbClr val="000000"/>
+                    </a:solidFill>
+                    <a:latin typeface="Arial"/>
+                    <a:ea typeface="Arial"/>
+                    <a:cs typeface="Arial"/>
+                    <a:sym typeface="Arial"/>
+                  </a:defRPr>
+                </a:lvl4pPr>
+                <a:lvl5pPr marR="0" lvl="4" algn="l" rtl="0">
+                  <a:lnSpc>
+                    <a:spcPct val="100000"/>
+                  </a:lnSpc>
+                  <a:spcBef>
+                    <a:spcPts val="0"/>
+                  </a:spcBef>
+                  <a:spcAft>
+                    <a:spcPts val="0"/>
+                  </a:spcAft>
+                  <a:buClr>
+                    <a:srgbClr val="000000"/>
+                  </a:buClr>
+                  <a:buFont typeface="Arial"/>
+                  <a:defRPr sz="1400" b="0" i="0" u="none" strike="noStrike" cap="none">
+                    <a:solidFill>
+                      <a:srgbClr val="000000"/>
+                    </a:solidFill>
+                    <a:latin typeface="Arial"/>
+                    <a:ea typeface="Arial"/>
+                    <a:cs typeface="Arial"/>
+                    <a:sym typeface="Arial"/>
+                  </a:defRPr>
+                </a:lvl5pPr>
+                <a:lvl6pPr marR="0" lvl="5" algn="l" rtl="0">
+                  <a:lnSpc>
+                    <a:spcPct val="100000"/>
+                  </a:lnSpc>
+                  <a:spcBef>
+                    <a:spcPts val="0"/>
+                  </a:spcBef>
+                  <a:spcAft>
+                    <a:spcPts val="0"/>
+                  </a:spcAft>
+                  <a:buClr>
+                    <a:srgbClr val="000000"/>
+                  </a:buClr>
+                  <a:buFont typeface="Arial"/>
+                  <a:defRPr sz="1400" b="0" i="0" u="none" strike="noStrike" cap="none">
+                    <a:solidFill>
+                      <a:srgbClr val="000000"/>
+                    </a:solidFill>
+                    <a:latin typeface="Arial"/>
+                    <a:ea typeface="Arial"/>
+                    <a:cs typeface="Arial"/>
+                    <a:sym typeface="Arial"/>
+                  </a:defRPr>
+                </a:lvl6pPr>
+                <a:lvl7pPr marR="0" lvl="6" algn="l" rtl="0">
+                  <a:lnSpc>
+                    <a:spcPct val="100000"/>
+                  </a:lnSpc>
+                  <a:spcBef>
+                    <a:spcPts val="0"/>
+                  </a:spcBef>
+                  <a:spcAft>
+                    <a:spcPts val="0"/>
+                  </a:spcAft>
+                  <a:buClr>
+                    <a:srgbClr val="000000"/>
+                  </a:buClr>
+                  <a:buFont typeface="Arial"/>
+                  <a:defRPr sz="1400" b="0" i="0" u="none" strike="noStrike" cap="none">
+                    <a:solidFill>
+                      <a:srgbClr val="000000"/>
+                    </a:solidFill>
+                    <a:latin typeface="Arial"/>
+                    <a:ea typeface="Arial"/>
+                    <a:cs typeface="Arial"/>
+                    <a:sym typeface="Arial"/>
+                  </a:defRPr>
+                </a:lvl7pPr>
+                <a:lvl8pPr marR="0" lvl="7" algn="l" rtl="0">
+                  <a:lnSpc>
+                    <a:spcPct val="100000"/>
+                  </a:lnSpc>
+                  <a:spcBef>
+                    <a:spcPts val="0"/>
+                  </a:spcBef>
+                  <a:spcAft>
+                    <a:spcPts val="0"/>
+                  </a:spcAft>
+                  <a:buClr>
+                    <a:srgbClr val="000000"/>
+                  </a:buClr>
+                  <a:buFont typeface="Arial"/>
+                  <a:defRPr sz="1400" b="0" i="0" u="none" strike="noStrike" cap="none">
+                    <a:solidFill>
+                      <a:srgbClr val="000000"/>
+                    </a:solidFill>
+                    <a:latin typeface="Arial"/>
+                    <a:ea typeface="Arial"/>
+                    <a:cs typeface="Arial"/>
+                    <a:sym typeface="Arial"/>
+                  </a:defRPr>
+                </a:lvl8pPr>
+                <a:lvl9pPr marR="0" lvl="8" algn="l" rtl="0">
+                  <a:lnSpc>
+                    <a:spcPct val="100000"/>
+                  </a:lnSpc>
+                  <a:spcBef>
+                    <a:spcPts val="0"/>
+                  </a:spcBef>
+                  <a:spcAft>
+                    <a:spcPts val="0"/>
+                  </a:spcAft>
+                  <a:buClr>
+                    <a:srgbClr val="000000"/>
+                  </a:buClr>
+                  <a:buFont typeface="Arial"/>
+                  <a:defRPr sz="1400" b="0" i="0" u="none" strike="noStrike" cap="none">
+                    <a:solidFill>
+                      <a:srgbClr val="000000"/>
+                    </a:solidFill>
+                    <a:latin typeface="Arial"/>
+                    <a:ea typeface="Arial"/>
+                    <a:cs typeface="Arial"/>
+                    <a:sym typeface="Arial"/>
+                  </a:defRPr>
+                </a:lvl9pPr>
+              </a:lstStyle>
+              <a:p>
+                <a:r>
+                  <a:rPr lang="ko-KR" altLang="en-US" sz="1000" dirty="0"/>
+                  <a:t>▶ </a:t>
+                </a:r>
+                <a:r>
+                  <a:rPr lang="en-US" altLang="ko-KR" sz="1000" dirty="0"/>
+                  <a:t>TC 2. </a:t>
+                </a:r>
+                <a:r>
+                  <a:rPr lang="ko-KR" altLang="en-US" sz="1000" dirty="0"/>
+                  <a:t>정상 </a:t>
+                </a:r>
+                <a:r>
+                  <a:rPr lang="en-US" altLang="ko-KR" sz="1000" dirty="0"/>
+                  <a:t>read </a:t>
+                </a:r>
+                <a:r>
+                  <a:rPr lang="ko-KR" altLang="en-US" sz="1000" dirty="0"/>
+                  <a:t>출력 테스트 </a:t>
+                </a:r>
+                <a:r>
+                  <a:rPr lang="en-US" altLang="ko-KR" sz="1000" dirty="0"/>
+                  <a:t>PR # 16 </a:t>
+                </a:r>
+                <a:r>
+                  <a:rPr lang="en-US" altLang="ko-KR" sz="1000" b="1" dirty="0">
+                    <a:solidFill>
+                      <a:srgbClr val="FF0000"/>
+                    </a:solidFill>
+                  </a:rPr>
+                  <a:t>(RED)</a:t>
+                </a:r>
+                <a:endParaRPr lang="ko-KR" altLang="en-US" sz="1000" b="1" dirty="0">
+                  <a:solidFill>
+                    <a:srgbClr val="FF0000"/>
+                  </a:solidFill>
+                </a:endParaRPr>
+              </a:p>
+            </p:txBody>
+          </p:sp>
+          <p:pic>
+            <p:nvPicPr>
+              <p:cNvPr id="11" name="그림 10">
+                <a:extLst>
+                  <a:ext uri="{FF2B5EF4-FFF2-40B4-BE49-F238E27FC236}">
+                    <a16:creationId xmlns:a16="http://schemas.microsoft.com/office/drawing/2014/main" id="{98C1F951-08D1-4444-BAE5-DB1D88CBFC0F}"/>
+                  </a:ext>
+                </a:extLst>
+              </p:cNvPr>
+              <p:cNvPicPr>
+                <a:picLocks noChangeAspect="1"/>
+              </p:cNvPicPr>
+              <p:nvPr/>
+            </p:nvPicPr>
+            <p:blipFill rotWithShape="1">
+              <a:blip r:embed="rId6"/>
+              <a:srcRect l="27062" t="52192" r="50000" b="34708"/>
+              <a:stretch/>
+            </p:blipFill>
+            <p:spPr>
+              <a:xfrm>
+                <a:off x="8944737" y="2589935"/>
+                <a:ext cx="2460289" cy="790346"/>
+              </a:xfrm>
+              <a:prstGeom prst="rect">
+                <a:avLst/>
+              </a:prstGeom>
+            </p:spPr>
+          </p:pic>
+          <p:pic>
+            <p:nvPicPr>
+              <p:cNvPr id="16" name="그림 15">
+                <a:extLst>
+                  <a:ext uri="{FF2B5EF4-FFF2-40B4-BE49-F238E27FC236}">
+                    <a16:creationId xmlns:a16="http://schemas.microsoft.com/office/drawing/2014/main" id="{5F58019E-66CD-4B9E-A087-E54577E069FE}"/>
+                  </a:ext>
+                </a:extLst>
+              </p:cNvPr>
+              <p:cNvPicPr>
+                <a:picLocks noChangeAspect="1"/>
+              </p:cNvPicPr>
+              <p:nvPr/>
+            </p:nvPicPr>
+            <p:blipFill rotWithShape="1">
+              <a:blip r:embed="rId7"/>
+              <a:srcRect l="26723" t="42447" r="39227" b="46804"/>
+              <a:stretch/>
+            </p:blipFill>
+            <p:spPr>
+              <a:xfrm>
+                <a:off x="8944737" y="3611113"/>
+                <a:ext cx="2948822" cy="523623"/>
+              </a:xfrm>
+              <a:prstGeom prst="rect">
+                <a:avLst/>
+              </a:prstGeom>
+            </p:spPr>
+          </p:pic>
+          <p:sp>
+            <p:nvSpPr>
+              <p:cNvPr id="17" name="TextBox 22">
+                <a:extLst>
+                  <a:ext uri="{FF2B5EF4-FFF2-40B4-BE49-F238E27FC236}">
+                    <a16:creationId xmlns:a16="http://schemas.microsoft.com/office/drawing/2014/main" id="{83166035-328C-47D1-B3C6-4BBDD44A9EA2}"/>
+                  </a:ext>
+                </a:extLst>
+              </p:cNvPr>
+              <p:cNvSpPr txBox="1"/>
+              <p:nvPr/>
+            </p:nvSpPr>
+            <p:spPr>
+              <a:xfrm>
+                <a:off x="8944737" y="3423539"/>
+                <a:ext cx="2409634" cy="246221"/>
+              </a:xfrm>
+              <a:prstGeom prst="rect">
+                <a:avLst/>
+              </a:prstGeom>
+              <a:noFill/>
+            </p:spPr>
+            <p:txBody>
+              <a:bodyPr wrap="none" rtlCol="0">
+                <a:spAutoFit/>
+              </a:bodyPr>
+              <a:lstStyle>
+                <a:defPPr marR="0" lvl="0" algn="l" rtl="0">
+                  <a:lnSpc>
+                    <a:spcPct val="100000"/>
+                  </a:lnSpc>
+                  <a:spcBef>
+                    <a:spcPts val="0"/>
+                  </a:spcBef>
+                  <a:spcAft>
+                    <a:spcPts val="0"/>
+                  </a:spcAft>
+                </a:defPPr>
+                <a:lvl1pPr marR="0" lvl="0" algn="l" rtl="0">
+                  <a:lnSpc>
+                    <a:spcPct val="100000"/>
+                  </a:lnSpc>
+                  <a:spcBef>
+                    <a:spcPts val="0"/>
+                  </a:spcBef>
+                  <a:spcAft>
+                    <a:spcPts val="0"/>
+                  </a:spcAft>
+                  <a:buClr>
+                    <a:srgbClr val="000000"/>
+                  </a:buClr>
+                  <a:buFont typeface="Arial"/>
+                  <a:defRPr sz="1400" b="0" i="0" u="none" strike="noStrike" cap="none">
+                    <a:solidFill>
+                      <a:srgbClr val="000000"/>
+                    </a:solidFill>
+                    <a:latin typeface="Arial"/>
+                    <a:ea typeface="Arial"/>
+                    <a:cs typeface="Arial"/>
+                    <a:sym typeface="Arial"/>
+                  </a:defRPr>
+                </a:lvl1pPr>
+                <a:lvl2pPr marR="0" lvl="1" algn="l" rtl="0">
+                  <a:lnSpc>
+                    <a:spcPct val="100000"/>
+                  </a:lnSpc>
+                  <a:spcBef>
+                    <a:spcPts val="0"/>
+                  </a:spcBef>
+                  <a:spcAft>
+                    <a:spcPts val="0"/>
+                  </a:spcAft>
+                  <a:buClr>
+                    <a:srgbClr val="000000"/>
+                  </a:buClr>
+                  <a:buFont typeface="Arial"/>
+                  <a:defRPr sz="1400" b="0" i="0" u="none" strike="noStrike" cap="none">
+                    <a:solidFill>
+                      <a:srgbClr val="000000"/>
+                    </a:solidFill>
+                    <a:latin typeface="Arial"/>
+                    <a:ea typeface="Arial"/>
+                    <a:cs typeface="Arial"/>
+                    <a:sym typeface="Arial"/>
+                  </a:defRPr>
+                </a:lvl2pPr>
+                <a:lvl3pPr marR="0" lvl="2" algn="l" rtl="0">
+                  <a:lnSpc>
+                    <a:spcPct val="100000"/>
+                  </a:lnSpc>
+                  <a:spcBef>
+                    <a:spcPts val="0"/>
+                  </a:spcBef>
+                  <a:spcAft>
+                    <a:spcPts val="0"/>
+                  </a:spcAft>
+                  <a:buClr>
+                    <a:srgbClr val="000000"/>
+                  </a:buClr>
+                  <a:buFont typeface="Arial"/>
+                  <a:defRPr sz="1400" b="0" i="0" u="none" strike="noStrike" cap="none">
+                    <a:solidFill>
+                      <a:srgbClr val="000000"/>
+                    </a:solidFill>
+                    <a:latin typeface="Arial"/>
+                    <a:ea typeface="Arial"/>
+                    <a:cs typeface="Arial"/>
+                    <a:sym typeface="Arial"/>
+                  </a:defRPr>
+                </a:lvl3pPr>
+                <a:lvl4pPr marR="0" lvl="3" algn="l" rtl="0">
+                  <a:lnSpc>
+                    <a:spcPct val="100000"/>
+                  </a:lnSpc>
+                  <a:spcBef>
+                    <a:spcPts val="0"/>
+                  </a:spcBef>
+                  <a:spcAft>
+                    <a:spcPts val="0"/>
+                  </a:spcAft>
+                  <a:buClr>
+                    <a:srgbClr val="000000"/>
+                  </a:buClr>
+                  <a:buFont typeface="Arial"/>
+                  <a:defRPr sz="1400" b="0" i="0" u="none" strike="noStrike" cap="none">
+                    <a:solidFill>
+                      <a:srgbClr val="000000"/>
+                    </a:solidFill>
+                    <a:latin typeface="Arial"/>
+                    <a:ea typeface="Arial"/>
+                    <a:cs typeface="Arial"/>
+                    <a:sym typeface="Arial"/>
+                  </a:defRPr>
+                </a:lvl4pPr>
+                <a:lvl5pPr marR="0" lvl="4" algn="l" rtl="0">
+                  <a:lnSpc>
+                    <a:spcPct val="100000"/>
+                  </a:lnSpc>
+                  <a:spcBef>
+                    <a:spcPts val="0"/>
+                  </a:spcBef>
+                  <a:spcAft>
+                    <a:spcPts val="0"/>
+                  </a:spcAft>
+                  <a:buClr>
+                    <a:srgbClr val="000000"/>
+                  </a:buClr>
+                  <a:buFont typeface="Arial"/>
+                  <a:defRPr sz="1400" b="0" i="0" u="none" strike="noStrike" cap="none">
+                    <a:solidFill>
+                      <a:srgbClr val="000000"/>
+                    </a:solidFill>
+                    <a:latin typeface="Arial"/>
+                    <a:ea typeface="Arial"/>
+                    <a:cs typeface="Arial"/>
+                    <a:sym typeface="Arial"/>
+                  </a:defRPr>
+                </a:lvl5pPr>
+                <a:lvl6pPr marR="0" lvl="5" algn="l" rtl="0">
+                  <a:lnSpc>
+                    <a:spcPct val="100000"/>
+                  </a:lnSpc>
+                  <a:spcBef>
+                    <a:spcPts val="0"/>
+                  </a:spcBef>
+                  <a:spcAft>
+                    <a:spcPts val="0"/>
+                  </a:spcAft>
+                  <a:buClr>
+                    <a:srgbClr val="000000"/>
+                  </a:buClr>
+                  <a:buFont typeface="Arial"/>
+                  <a:defRPr sz="1400" b="0" i="0" u="none" strike="noStrike" cap="none">
+                    <a:solidFill>
+                      <a:srgbClr val="000000"/>
+                    </a:solidFill>
+                    <a:latin typeface="Arial"/>
+                    <a:ea typeface="Arial"/>
+                    <a:cs typeface="Arial"/>
+                    <a:sym typeface="Arial"/>
+                  </a:defRPr>
+                </a:lvl6pPr>
+                <a:lvl7pPr marR="0" lvl="6" algn="l" rtl="0">
+                  <a:lnSpc>
+                    <a:spcPct val="100000"/>
+                  </a:lnSpc>
+                  <a:spcBef>
+                    <a:spcPts val="0"/>
+                  </a:spcBef>
+                  <a:spcAft>
+                    <a:spcPts val="0"/>
+                  </a:spcAft>
+                  <a:buClr>
+                    <a:srgbClr val="000000"/>
+                  </a:buClr>
+                  <a:buFont typeface="Arial"/>
+                  <a:defRPr sz="1400" b="0" i="0" u="none" strike="noStrike" cap="none">
+                    <a:solidFill>
+                      <a:srgbClr val="000000"/>
+                    </a:solidFill>
+                    <a:latin typeface="Arial"/>
+                    <a:ea typeface="Arial"/>
+                    <a:cs typeface="Arial"/>
+                    <a:sym typeface="Arial"/>
+                  </a:defRPr>
+                </a:lvl7pPr>
+                <a:lvl8pPr marR="0" lvl="7" algn="l" rtl="0">
+                  <a:lnSpc>
+                    <a:spcPct val="100000"/>
+                  </a:lnSpc>
+                  <a:spcBef>
+                    <a:spcPts val="0"/>
+                  </a:spcBef>
+                  <a:spcAft>
+                    <a:spcPts val="0"/>
+                  </a:spcAft>
+                  <a:buClr>
+                    <a:srgbClr val="000000"/>
+                  </a:buClr>
+                  <a:buFont typeface="Arial"/>
+                  <a:defRPr sz="1400" b="0" i="0" u="none" strike="noStrike" cap="none">
+                    <a:solidFill>
+                      <a:srgbClr val="000000"/>
+                    </a:solidFill>
+                    <a:latin typeface="Arial"/>
+                    <a:ea typeface="Arial"/>
+                    <a:cs typeface="Arial"/>
+                    <a:sym typeface="Arial"/>
+                  </a:defRPr>
+                </a:lvl8pPr>
+                <a:lvl9pPr marR="0" lvl="8" algn="l" rtl="0">
+                  <a:lnSpc>
+                    <a:spcPct val="100000"/>
+                  </a:lnSpc>
+                  <a:spcBef>
+                    <a:spcPts val="0"/>
+                  </a:spcBef>
+                  <a:spcAft>
+                    <a:spcPts val="0"/>
+                  </a:spcAft>
+                  <a:buClr>
+                    <a:srgbClr val="000000"/>
+                  </a:buClr>
+                  <a:buFont typeface="Arial"/>
+                  <a:defRPr sz="1400" b="0" i="0" u="none" strike="noStrike" cap="none">
+                    <a:solidFill>
+                      <a:srgbClr val="000000"/>
+                    </a:solidFill>
+                    <a:latin typeface="Arial"/>
+                    <a:ea typeface="Arial"/>
+                    <a:cs typeface="Arial"/>
+                    <a:sym typeface="Arial"/>
+                  </a:defRPr>
+                </a:lvl9pPr>
+              </a:lstStyle>
+              <a:p>
+                <a:r>
+                  <a:rPr lang="ko-KR" altLang="en-US" sz="1000" dirty="0"/>
+                  <a:t>▶ </a:t>
+                </a:r>
+                <a:r>
+                  <a:rPr lang="en-US" altLang="ko-KR" sz="1000" dirty="0"/>
+                  <a:t>Read </a:t>
+                </a:r>
+                <a:r>
+                  <a:rPr lang="ko-KR" altLang="en-US" sz="1000" dirty="0"/>
+                  <a:t>정상 출력 코드 작성</a:t>
+                </a:r>
+                <a:r>
+                  <a:rPr lang="en-US" altLang="ko-KR" sz="1000" b="1" dirty="0">
+                    <a:solidFill>
+                      <a:srgbClr val="00B050"/>
+                    </a:solidFill>
+                  </a:rPr>
+                  <a:t>(GREEN)</a:t>
+                </a:r>
+                <a:endParaRPr lang="ko-KR" altLang="en-US" sz="1000" b="1" dirty="0">
+                  <a:solidFill>
+                    <a:srgbClr val="00B050"/>
+                  </a:solidFill>
+                </a:endParaRPr>
+              </a:p>
+            </p:txBody>
+          </p:sp>
+        </p:grpSp>
+        <p:sp>
+          <p:nvSpPr>
+            <p:cNvPr id="25" name="사각형: 둥근 모서리 24">
+              <a:extLst>
+                <a:ext uri="{FF2B5EF4-FFF2-40B4-BE49-F238E27FC236}">
+                  <a16:creationId xmlns:a16="http://schemas.microsoft.com/office/drawing/2014/main" id="{028A465E-6A86-43CB-9D72-93DC650929FD}"/>
+                </a:ext>
+              </a:extLst>
+            </p:cNvPr>
+            <p:cNvSpPr/>
+            <p:nvPr/>
+          </p:nvSpPr>
+          <p:spPr>
+            <a:xfrm>
+              <a:off x="2112620" y="2980732"/>
+              <a:ext cx="3114699" cy="1787712"/>
+            </a:xfrm>
+            <a:prstGeom prst="roundRect">
+              <a:avLst>
+                <a:gd name="adj" fmla="val 2400"/>
+              </a:avLst>
+            </a:prstGeom>
+            <a:noFill/>
+            <a:ln w="9525" cap="flat" cmpd="sng" algn="ctr">
+              <a:solidFill>
+                <a:schemeClr val="dk1"/>
+              </a:solidFill>
+              <a:prstDash val="solid"/>
+              <a:round/>
+              <a:headEnd type="none" w="med" len="med"/>
+              <a:tailEnd type="none" w="med" len="med"/>
+            </a:ln>
+          </p:spPr>
+          <p:style>
+            <a:lnRef idx="0">
+              <a:scrgbClr r="0" g="0" b="0"/>
+            </a:lnRef>
+            <a:fillRef idx="0">
+              <a:scrgbClr r="0" g="0" b="0"/>
+            </a:fillRef>
+            <a:effectRef idx="0">
+              <a:scrgbClr r="0" g="0" b="0"/>
+            </a:effectRef>
+            <a:fontRef idx="minor">
+              <a:schemeClr val="dk1"/>
+            </a:fontRef>
+          </p:style>
+          <p:txBody>
+            <a:bodyPr rtlCol="0" anchor="ctr"/>
+            <a:lstStyle/>
+            <a:p>
+              <a:pPr algn="ctr"/>
+              <a:endParaRPr lang="ko-KR" altLang="en-US"/>
+            </a:p>
+          </p:txBody>
+        </p:sp>
+      </p:grpSp>
+      <p:grpSp>
+        <p:nvGrpSpPr>
           <p:cNvPr id="40" name="그룹 39">
             <a:extLst>
               <a:ext uri="{FF2B5EF4-FFF2-40B4-BE49-F238E27FC236}">
@@ -23956,7 +26052,7 @@
             <p:nvPr/>
           </p:nvPicPr>
           <p:blipFill rotWithShape="1">
-            <a:blip r:embed="rId3"/>
+            <a:blip r:embed="rId8"/>
             <a:srcRect l="10206" t="26666" r="63969" b="14502"/>
             <a:stretch/>
           </p:blipFill>
@@ -24160,6 +26256,132 @@
           </p:txBody>
         </p:sp>
       </p:grpSp>
+      <p:cxnSp>
+        <p:nvCxnSpPr>
+          <p:cNvPr id="32" name="직선 화살표 연결선 31">
+            <a:extLst>
+              <a:ext uri="{FF2B5EF4-FFF2-40B4-BE49-F238E27FC236}">
+                <a16:creationId xmlns:a16="http://schemas.microsoft.com/office/drawing/2014/main" id="{CC72CEC9-8E36-4FFD-A815-1DA914FB6A5E}"/>
+              </a:ext>
+            </a:extLst>
+          </p:cNvPr>
+          <p:cNvCxnSpPr>
+            <a:cxnSpLocks/>
+            <a:stCxn id="26" idx="3"/>
+            <a:endCxn id="15" idx="1"/>
+          </p:cNvCxnSpPr>
+          <p:nvPr/>
+        </p:nvCxnSpPr>
+        <p:spPr>
+          <a:xfrm flipV="1">
+            <a:off x="8386548" y="5279070"/>
+            <a:ext cx="456421" cy="958600"/>
+          </a:xfrm>
+          <a:prstGeom prst="straightConnector1">
+            <a:avLst/>
+          </a:prstGeom>
+          <a:ln w="57150">
+            <a:tailEnd type="triangle"/>
+          </a:ln>
+        </p:spPr>
+        <p:style>
+          <a:lnRef idx="1">
+            <a:schemeClr val="accent1"/>
+          </a:lnRef>
+          <a:fillRef idx="0">
+            <a:schemeClr val="accent1"/>
+          </a:fillRef>
+          <a:effectRef idx="0">
+            <a:schemeClr val="accent1"/>
+          </a:effectRef>
+          <a:fontRef idx="minor">
+            <a:schemeClr val="tx1"/>
+          </a:fontRef>
+        </p:style>
+      </p:cxnSp>
+      <p:cxnSp>
+        <p:nvCxnSpPr>
+          <p:cNvPr id="35" name="직선 화살표 연결선 34">
+            <a:extLst>
+              <a:ext uri="{FF2B5EF4-FFF2-40B4-BE49-F238E27FC236}">
+                <a16:creationId xmlns:a16="http://schemas.microsoft.com/office/drawing/2014/main" id="{DFCB7813-539A-4B50-9D4A-D34C0CC79156}"/>
+              </a:ext>
+            </a:extLst>
+          </p:cNvPr>
+          <p:cNvCxnSpPr>
+            <a:cxnSpLocks/>
+          </p:cNvCxnSpPr>
+          <p:nvPr/>
+        </p:nvCxnSpPr>
+        <p:spPr>
+          <a:xfrm flipV="1">
+            <a:off x="8212338" y="3413235"/>
+            <a:ext cx="574338" cy="2259792"/>
+          </a:xfrm>
+          <a:prstGeom prst="straightConnector1">
+            <a:avLst/>
+          </a:prstGeom>
+          <a:ln w="57150">
+            <a:tailEnd type="triangle"/>
+          </a:ln>
+        </p:spPr>
+        <p:style>
+          <a:lnRef idx="1">
+            <a:schemeClr val="accent1"/>
+          </a:lnRef>
+          <a:fillRef idx="0">
+            <a:schemeClr val="accent1"/>
+          </a:fillRef>
+          <a:effectRef idx="0">
+            <a:schemeClr val="accent1"/>
+          </a:effectRef>
+          <a:fontRef idx="minor">
+            <a:schemeClr val="tx1"/>
+          </a:fontRef>
+        </p:style>
+      </p:cxnSp>
+      <p:cxnSp>
+        <p:nvCxnSpPr>
+          <p:cNvPr id="37" name="직선 화살표 연결선 36">
+            <a:extLst>
+              <a:ext uri="{FF2B5EF4-FFF2-40B4-BE49-F238E27FC236}">
+                <a16:creationId xmlns:a16="http://schemas.microsoft.com/office/drawing/2014/main" id="{0FF1571F-C279-4BA8-A2BE-21E6961D8080}"/>
+              </a:ext>
+            </a:extLst>
+          </p:cNvPr>
+          <p:cNvCxnSpPr>
+            <a:cxnSpLocks/>
+            <a:endCxn id="28" idx="2"/>
+          </p:cNvCxnSpPr>
+          <p:nvPr/>
+        </p:nvCxnSpPr>
+        <p:spPr>
+          <a:xfrm flipV="1">
+            <a:off x="7696607" y="3181489"/>
+            <a:ext cx="48881" cy="479597"/>
+          </a:xfrm>
+          <a:prstGeom prst="straightConnector1">
+            <a:avLst/>
+          </a:prstGeom>
+          <a:ln w="57150">
+            <a:tailEnd type="triangle"/>
+          </a:ln>
+        </p:spPr>
+        <p:style>
+          <a:lnRef idx="1">
+            <a:schemeClr val="accent1"/>
+          </a:lnRef>
+          <a:fillRef idx="0">
+            <a:schemeClr val="accent1"/>
+          </a:fillRef>
+          <a:effectRef idx="0">
+            <a:schemeClr val="accent1"/>
+          </a:effectRef>
+          <a:fontRef idx="minor">
+            <a:schemeClr val="tx1"/>
+          </a:fontRef>
+        </p:style>
+      </p:cxnSp>
       <p:sp>
         <p:nvSpPr>
           <p:cNvPr id="43" name="TextBox 16">
@@ -24447,7 +26669,7 @@
           <p:nvPr/>
         </p:nvPicPr>
         <p:blipFill>
-          <a:blip r:embed="rId4">
+          <a:blip r:embed="rId9">
             <a:extLst>
               <a:ext uri="{28A0092B-C50C-407E-A947-70E740481C1C}">
                 <a14:useLocalDpi xmlns:a14="http://schemas.microsoft.com/office/drawing/2010/main" val="0"/>
@@ -24748,6 +26970,638 @@
               <a:t>PR History</a:t>
             </a:r>
             <a:endParaRPr lang="ko-KR" altLang="en-US" sz="1000" b="1" dirty="0"/>
+          </a:p>
+        </p:txBody>
+      </p:sp>
+      <p:pic>
+        <p:nvPicPr>
+          <p:cNvPr id="53" name="그림 52">
+            <a:extLst>
+              <a:ext uri="{FF2B5EF4-FFF2-40B4-BE49-F238E27FC236}">
+                <a16:creationId xmlns:a16="http://schemas.microsoft.com/office/drawing/2014/main" id="{2BAFEA92-10BC-4B88-A403-F1149F38ABDF}"/>
+              </a:ext>
+            </a:extLst>
+          </p:cNvPr>
+          <p:cNvPicPr>
+            <a:picLocks noChangeAspect="1"/>
+          </p:cNvPicPr>
+          <p:nvPr/>
+        </p:nvPicPr>
+        <p:blipFill>
+          <a:blip r:embed="rId10"/>
+          <a:stretch>
+            <a:fillRect/>
+          </a:stretch>
+        </p:blipFill>
+        <p:spPr>
+          <a:xfrm>
+            <a:off x="3247616" y="1758522"/>
+            <a:ext cx="2601155" cy="2371955"/>
+          </a:xfrm>
+          <a:prstGeom prst="rect">
+            <a:avLst/>
+          </a:prstGeom>
+        </p:spPr>
+      </p:pic>
+      <p:sp>
+        <p:nvSpPr>
+          <p:cNvPr id="60" name="TextBox 14">
+            <a:extLst>
+              <a:ext uri="{FF2B5EF4-FFF2-40B4-BE49-F238E27FC236}">
+                <a16:creationId xmlns:a16="http://schemas.microsoft.com/office/drawing/2014/main" id="{FA77B054-A092-47C2-A1B3-97FAEF3529C3}"/>
+              </a:ext>
+            </a:extLst>
+          </p:cNvPr>
+          <p:cNvSpPr txBox="1"/>
+          <p:nvPr/>
+        </p:nvSpPr>
+        <p:spPr>
+          <a:xfrm>
+            <a:off x="3220297" y="1596883"/>
+            <a:ext cx="2404826" cy="246221"/>
+          </a:xfrm>
+          <a:prstGeom prst="rect">
+            <a:avLst/>
+          </a:prstGeom>
+          <a:noFill/>
+        </p:spPr>
+        <p:txBody>
+          <a:bodyPr wrap="none" rtlCol="0">
+            <a:spAutoFit/>
+          </a:bodyPr>
+          <a:lstStyle>
+            <a:defPPr marR="0" lvl="0" algn="l" rtl="0">
+              <a:lnSpc>
+                <a:spcPct val="100000"/>
+              </a:lnSpc>
+              <a:spcBef>
+                <a:spcPts val="0"/>
+              </a:spcBef>
+              <a:spcAft>
+                <a:spcPts val="0"/>
+              </a:spcAft>
+            </a:defPPr>
+            <a:lvl1pPr marR="0" lvl="0" algn="l" rtl="0">
+              <a:lnSpc>
+                <a:spcPct val="100000"/>
+              </a:lnSpc>
+              <a:spcBef>
+                <a:spcPts val="0"/>
+              </a:spcBef>
+              <a:spcAft>
+                <a:spcPts val="0"/>
+              </a:spcAft>
+              <a:buClr>
+                <a:srgbClr val="000000"/>
+              </a:buClr>
+              <a:buFont typeface="Arial"/>
+              <a:defRPr sz="1400" b="0" i="0" u="none" strike="noStrike" cap="none">
+                <a:solidFill>
+                  <a:srgbClr val="000000"/>
+                </a:solidFill>
+                <a:latin typeface="Arial"/>
+                <a:ea typeface="Arial"/>
+                <a:cs typeface="Arial"/>
+                <a:sym typeface="Arial"/>
+              </a:defRPr>
+            </a:lvl1pPr>
+            <a:lvl2pPr marR="0" lvl="1" algn="l" rtl="0">
+              <a:lnSpc>
+                <a:spcPct val="100000"/>
+              </a:lnSpc>
+              <a:spcBef>
+                <a:spcPts val="0"/>
+              </a:spcBef>
+              <a:spcAft>
+                <a:spcPts val="0"/>
+              </a:spcAft>
+              <a:buClr>
+                <a:srgbClr val="000000"/>
+              </a:buClr>
+              <a:buFont typeface="Arial"/>
+              <a:defRPr sz="1400" b="0" i="0" u="none" strike="noStrike" cap="none">
+                <a:solidFill>
+                  <a:srgbClr val="000000"/>
+                </a:solidFill>
+                <a:latin typeface="Arial"/>
+                <a:ea typeface="Arial"/>
+                <a:cs typeface="Arial"/>
+                <a:sym typeface="Arial"/>
+              </a:defRPr>
+            </a:lvl2pPr>
+            <a:lvl3pPr marR="0" lvl="2" algn="l" rtl="0">
+              <a:lnSpc>
+                <a:spcPct val="100000"/>
+              </a:lnSpc>
+              <a:spcBef>
+                <a:spcPts val="0"/>
+              </a:spcBef>
+              <a:spcAft>
+                <a:spcPts val="0"/>
+              </a:spcAft>
+              <a:buClr>
+                <a:srgbClr val="000000"/>
+              </a:buClr>
+              <a:buFont typeface="Arial"/>
+              <a:defRPr sz="1400" b="0" i="0" u="none" strike="noStrike" cap="none">
+                <a:solidFill>
+                  <a:srgbClr val="000000"/>
+                </a:solidFill>
+                <a:latin typeface="Arial"/>
+                <a:ea typeface="Arial"/>
+                <a:cs typeface="Arial"/>
+                <a:sym typeface="Arial"/>
+              </a:defRPr>
+            </a:lvl3pPr>
+            <a:lvl4pPr marR="0" lvl="3" algn="l" rtl="0">
+              <a:lnSpc>
+                <a:spcPct val="100000"/>
+              </a:lnSpc>
+              <a:spcBef>
+                <a:spcPts val="0"/>
+              </a:spcBef>
+              <a:spcAft>
+                <a:spcPts val="0"/>
+              </a:spcAft>
+              <a:buClr>
+                <a:srgbClr val="000000"/>
+              </a:buClr>
+              <a:buFont typeface="Arial"/>
+              <a:defRPr sz="1400" b="0" i="0" u="none" strike="noStrike" cap="none">
+                <a:solidFill>
+                  <a:srgbClr val="000000"/>
+                </a:solidFill>
+                <a:latin typeface="Arial"/>
+                <a:ea typeface="Arial"/>
+                <a:cs typeface="Arial"/>
+                <a:sym typeface="Arial"/>
+              </a:defRPr>
+            </a:lvl4pPr>
+            <a:lvl5pPr marR="0" lvl="4" algn="l" rtl="0">
+              <a:lnSpc>
+                <a:spcPct val="100000"/>
+              </a:lnSpc>
+              <a:spcBef>
+                <a:spcPts val="0"/>
+              </a:spcBef>
+              <a:spcAft>
+                <a:spcPts val="0"/>
+              </a:spcAft>
+              <a:buClr>
+                <a:srgbClr val="000000"/>
+              </a:buClr>
+              <a:buFont typeface="Arial"/>
+              <a:defRPr sz="1400" b="0" i="0" u="none" strike="noStrike" cap="none">
+                <a:solidFill>
+                  <a:srgbClr val="000000"/>
+                </a:solidFill>
+                <a:latin typeface="Arial"/>
+                <a:ea typeface="Arial"/>
+                <a:cs typeface="Arial"/>
+                <a:sym typeface="Arial"/>
+              </a:defRPr>
+            </a:lvl5pPr>
+            <a:lvl6pPr marR="0" lvl="5" algn="l" rtl="0">
+              <a:lnSpc>
+                <a:spcPct val="100000"/>
+              </a:lnSpc>
+              <a:spcBef>
+                <a:spcPts val="0"/>
+              </a:spcBef>
+              <a:spcAft>
+                <a:spcPts val="0"/>
+              </a:spcAft>
+              <a:buClr>
+                <a:srgbClr val="000000"/>
+              </a:buClr>
+              <a:buFont typeface="Arial"/>
+              <a:defRPr sz="1400" b="0" i="0" u="none" strike="noStrike" cap="none">
+                <a:solidFill>
+                  <a:srgbClr val="000000"/>
+                </a:solidFill>
+                <a:latin typeface="Arial"/>
+                <a:ea typeface="Arial"/>
+                <a:cs typeface="Arial"/>
+                <a:sym typeface="Arial"/>
+              </a:defRPr>
+            </a:lvl6pPr>
+            <a:lvl7pPr marR="0" lvl="6" algn="l" rtl="0">
+              <a:lnSpc>
+                <a:spcPct val="100000"/>
+              </a:lnSpc>
+              <a:spcBef>
+                <a:spcPts val="0"/>
+              </a:spcBef>
+              <a:spcAft>
+                <a:spcPts val="0"/>
+              </a:spcAft>
+              <a:buClr>
+                <a:srgbClr val="000000"/>
+              </a:buClr>
+              <a:buFont typeface="Arial"/>
+              <a:defRPr sz="1400" b="0" i="0" u="none" strike="noStrike" cap="none">
+                <a:solidFill>
+                  <a:srgbClr val="000000"/>
+                </a:solidFill>
+                <a:latin typeface="Arial"/>
+                <a:ea typeface="Arial"/>
+                <a:cs typeface="Arial"/>
+                <a:sym typeface="Arial"/>
+              </a:defRPr>
+            </a:lvl7pPr>
+            <a:lvl8pPr marR="0" lvl="7" algn="l" rtl="0">
+              <a:lnSpc>
+                <a:spcPct val="100000"/>
+              </a:lnSpc>
+              <a:spcBef>
+                <a:spcPts val="0"/>
+              </a:spcBef>
+              <a:spcAft>
+                <a:spcPts val="0"/>
+              </a:spcAft>
+              <a:buClr>
+                <a:srgbClr val="000000"/>
+              </a:buClr>
+              <a:buFont typeface="Arial"/>
+              <a:defRPr sz="1400" b="0" i="0" u="none" strike="noStrike" cap="none">
+                <a:solidFill>
+                  <a:srgbClr val="000000"/>
+                </a:solidFill>
+                <a:latin typeface="Arial"/>
+                <a:ea typeface="Arial"/>
+                <a:cs typeface="Arial"/>
+                <a:sym typeface="Arial"/>
+              </a:defRPr>
+            </a:lvl8pPr>
+            <a:lvl9pPr marR="0" lvl="8" algn="l" rtl="0">
+              <a:lnSpc>
+                <a:spcPct val="100000"/>
+              </a:lnSpc>
+              <a:spcBef>
+                <a:spcPts val="0"/>
+              </a:spcBef>
+              <a:spcAft>
+                <a:spcPts val="0"/>
+              </a:spcAft>
+              <a:buClr>
+                <a:srgbClr val="000000"/>
+              </a:buClr>
+              <a:buFont typeface="Arial"/>
+              <a:defRPr sz="1400" b="0" i="0" u="none" strike="noStrike" cap="none">
+                <a:solidFill>
+                  <a:srgbClr val="000000"/>
+                </a:solidFill>
+                <a:latin typeface="Arial"/>
+                <a:ea typeface="Arial"/>
+                <a:cs typeface="Arial"/>
+                <a:sym typeface="Arial"/>
+              </a:defRPr>
+            </a:lvl9pPr>
+          </a:lstStyle>
+          <a:p>
+            <a:r>
+              <a:rPr lang="ko-KR" altLang="en-US" sz="1000" dirty="0"/>
+              <a:t>▶ </a:t>
+            </a:r>
+            <a:r>
+              <a:rPr lang="en-US" altLang="ko-KR" sz="1000" dirty="0"/>
+              <a:t>TC </a:t>
+            </a:r>
+            <a:r>
+              <a:rPr lang="ko-KR" altLang="en-US" sz="1000" dirty="0"/>
+              <a:t>통과를 위한 코드 작성</a:t>
+            </a:r>
+            <a:r>
+              <a:rPr lang="en-US" altLang="ko-KR" sz="1000" b="1" dirty="0">
+                <a:solidFill>
+                  <a:srgbClr val="00B050"/>
+                </a:solidFill>
+              </a:rPr>
+              <a:t>(GREEN)</a:t>
+            </a:r>
+            <a:endParaRPr lang="ko-KR" altLang="en-US" sz="1000" b="1" dirty="0">
+              <a:solidFill>
+                <a:srgbClr val="00B050"/>
+              </a:solidFill>
+            </a:endParaRPr>
+          </a:p>
+        </p:txBody>
+      </p:sp>
+      <p:pic>
+        <p:nvPicPr>
+          <p:cNvPr id="33" name="그림 32">
+            <a:extLst>
+              <a:ext uri="{FF2B5EF4-FFF2-40B4-BE49-F238E27FC236}">
+                <a16:creationId xmlns:a16="http://schemas.microsoft.com/office/drawing/2014/main" id="{1BE8733B-233D-4B5F-957F-D0B75E3FAA98}"/>
+              </a:ext>
+            </a:extLst>
+          </p:cNvPr>
+          <p:cNvPicPr>
+            <a:picLocks noChangeAspect="1"/>
+          </p:cNvPicPr>
+          <p:nvPr/>
+        </p:nvPicPr>
+        <p:blipFill>
+          <a:blip r:embed="rId11"/>
+          <a:stretch>
+            <a:fillRect/>
+          </a:stretch>
+        </p:blipFill>
+        <p:spPr>
+          <a:xfrm>
+            <a:off x="601677" y="1912941"/>
+            <a:ext cx="2131261" cy="1662470"/>
+          </a:xfrm>
+          <a:prstGeom prst="rect">
+            <a:avLst/>
+          </a:prstGeom>
+        </p:spPr>
+      </p:pic>
+      <p:sp>
+        <p:nvSpPr>
+          <p:cNvPr id="52" name="TextBox 12">
+            <a:extLst>
+              <a:ext uri="{FF2B5EF4-FFF2-40B4-BE49-F238E27FC236}">
+                <a16:creationId xmlns:a16="http://schemas.microsoft.com/office/drawing/2014/main" id="{C4ED901E-1CE1-44CB-A01C-0535B13C2922}"/>
+              </a:ext>
+            </a:extLst>
+          </p:cNvPr>
+          <p:cNvSpPr txBox="1"/>
+          <p:nvPr/>
+        </p:nvSpPr>
+        <p:spPr>
+          <a:xfrm>
+            <a:off x="536260" y="1649356"/>
+            <a:ext cx="2036135" cy="246221"/>
+          </a:xfrm>
+          <a:prstGeom prst="rect">
+            <a:avLst/>
+          </a:prstGeom>
+          <a:noFill/>
+        </p:spPr>
+        <p:txBody>
+          <a:bodyPr wrap="none" rtlCol="0">
+            <a:spAutoFit/>
+          </a:bodyPr>
+          <a:lstStyle>
+            <a:defPPr marR="0" lvl="0" algn="l" rtl="0">
+              <a:lnSpc>
+                <a:spcPct val="100000"/>
+              </a:lnSpc>
+              <a:spcBef>
+                <a:spcPts val="0"/>
+              </a:spcBef>
+              <a:spcAft>
+                <a:spcPts val="0"/>
+              </a:spcAft>
+            </a:defPPr>
+            <a:lvl1pPr marR="0" lvl="0" algn="l" rtl="0">
+              <a:lnSpc>
+                <a:spcPct val="100000"/>
+              </a:lnSpc>
+              <a:spcBef>
+                <a:spcPts val="0"/>
+              </a:spcBef>
+              <a:spcAft>
+                <a:spcPts val="0"/>
+              </a:spcAft>
+              <a:buClr>
+                <a:srgbClr val="000000"/>
+              </a:buClr>
+              <a:buFont typeface="Arial"/>
+              <a:defRPr sz="1400" b="0" i="0" u="none" strike="noStrike" cap="none">
+                <a:solidFill>
+                  <a:srgbClr val="000000"/>
+                </a:solidFill>
+                <a:latin typeface="Arial"/>
+                <a:ea typeface="Arial"/>
+                <a:cs typeface="Arial"/>
+                <a:sym typeface="Arial"/>
+              </a:defRPr>
+            </a:lvl1pPr>
+            <a:lvl2pPr marR="0" lvl="1" algn="l" rtl="0">
+              <a:lnSpc>
+                <a:spcPct val="100000"/>
+              </a:lnSpc>
+              <a:spcBef>
+                <a:spcPts val="0"/>
+              </a:spcBef>
+              <a:spcAft>
+                <a:spcPts val="0"/>
+              </a:spcAft>
+              <a:buClr>
+                <a:srgbClr val="000000"/>
+              </a:buClr>
+              <a:buFont typeface="Arial"/>
+              <a:defRPr sz="1400" b="0" i="0" u="none" strike="noStrike" cap="none">
+                <a:solidFill>
+                  <a:srgbClr val="000000"/>
+                </a:solidFill>
+                <a:latin typeface="Arial"/>
+                <a:ea typeface="Arial"/>
+                <a:cs typeface="Arial"/>
+                <a:sym typeface="Arial"/>
+              </a:defRPr>
+            </a:lvl2pPr>
+            <a:lvl3pPr marR="0" lvl="2" algn="l" rtl="0">
+              <a:lnSpc>
+                <a:spcPct val="100000"/>
+              </a:lnSpc>
+              <a:spcBef>
+                <a:spcPts val="0"/>
+              </a:spcBef>
+              <a:spcAft>
+                <a:spcPts val="0"/>
+              </a:spcAft>
+              <a:buClr>
+                <a:srgbClr val="000000"/>
+              </a:buClr>
+              <a:buFont typeface="Arial"/>
+              <a:defRPr sz="1400" b="0" i="0" u="none" strike="noStrike" cap="none">
+                <a:solidFill>
+                  <a:srgbClr val="000000"/>
+                </a:solidFill>
+                <a:latin typeface="Arial"/>
+                <a:ea typeface="Arial"/>
+                <a:cs typeface="Arial"/>
+                <a:sym typeface="Arial"/>
+              </a:defRPr>
+            </a:lvl3pPr>
+            <a:lvl4pPr marR="0" lvl="3" algn="l" rtl="0">
+              <a:lnSpc>
+                <a:spcPct val="100000"/>
+              </a:lnSpc>
+              <a:spcBef>
+                <a:spcPts val="0"/>
+              </a:spcBef>
+              <a:spcAft>
+                <a:spcPts val="0"/>
+              </a:spcAft>
+              <a:buClr>
+                <a:srgbClr val="000000"/>
+              </a:buClr>
+              <a:buFont typeface="Arial"/>
+              <a:defRPr sz="1400" b="0" i="0" u="none" strike="noStrike" cap="none">
+                <a:solidFill>
+                  <a:srgbClr val="000000"/>
+                </a:solidFill>
+                <a:latin typeface="Arial"/>
+                <a:ea typeface="Arial"/>
+                <a:cs typeface="Arial"/>
+                <a:sym typeface="Arial"/>
+              </a:defRPr>
+            </a:lvl4pPr>
+            <a:lvl5pPr marR="0" lvl="4" algn="l" rtl="0">
+              <a:lnSpc>
+                <a:spcPct val="100000"/>
+              </a:lnSpc>
+              <a:spcBef>
+                <a:spcPts val="0"/>
+              </a:spcBef>
+              <a:spcAft>
+                <a:spcPts val="0"/>
+              </a:spcAft>
+              <a:buClr>
+                <a:srgbClr val="000000"/>
+              </a:buClr>
+              <a:buFont typeface="Arial"/>
+              <a:defRPr sz="1400" b="0" i="0" u="none" strike="noStrike" cap="none">
+                <a:solidFill>
+                  <a:srgbClr val="000000"/>
+                </a:solidFill>
+                <a:latin typeface="Arial"/>
+                <a:ea typeface="Arial"/>
+                <a:cs typeface="Arial"/>
+                <a:sym typeface="Arial"/>
+              </a:defRPr>
+            </a:lvl5pPr>
+            <a:lvl6pPr marR="0" lvl="5" algn="l" rtl="0">
+              <a:lnSpc>
+                <a:spcPct val="100000"/>
+              </a:lnSpc>
+              <a:spcBef>
+                <a:spcPts val="0"/>
+              </a:spcBef>
+              <a:spcAft>
+                <a:spcPts val="0"/>
+              </a:spcAft>
+              <a:buClr>
+                <a:srgbClr val="000000"/>
+              </a:buClr>
+              <a:buFont typeface="Arial"/>
+              <a:defRPr sz="1400" b="0" i="0" u="none" strike="noStrike" cap="none">
+                <a:solidFill>
+                  <a:srgbClr val="000000"/>
+                </a:solidFill>
+                <a:latin typeface="Arial"/>
+                <a:ea typeface="Arial"/>
+                <a:cs typeface="Arial"/>
+                <a:sym typeface="Arial"/>
+              </a:defRPr>
+            </a:lvl6pPr>
+            <a:lvl7pPr marR="0" lvl="6" algn="l" rtl="0">
+              <a:lnSpc>
+                <a:spcPct val="100000"/>
+              </a:lnSpc>
+              <a:spcBef>
+                <a:spcPts val="0"/>
+              </a:spcBef>
+              <a:spcAft>
+                <a:spcPts val="0"/>
+              </a:spcAft>
+              <a:buClr>
+                <a:srgbClr val="000000"/>
+              </a:buClr>
+              <a:buFont typeface="Arial"/>
+              <a:defRPr sz="1400" b="0" i="0" u="none" strike="noStrike" cap="none">
+                <a:solidFill>
+                  <a:srgbClr val="000000"/>
+                </a:solidFill>
+                <a:latin typeface="Arial"/>
+                <a:ea typeface="Arial"/>
+                <a:cs typeface="Arial"/>
+                <a:sym typeface="Arial"/>
+              </a:defRPr>
+            </a:lvl7pPr>
+            <a:lvl8pPr marR="0" lvl="7" algn="l" rtl="0">
+              <a:lnSpc>
+                <a:spcPct val="100000"/>
+              </a:lnSpc>
+              <a:spcBef>
+                <a:spcPts val="0"/>
+              </a:spcBef>
+              <a:spcAft>
+                <a:spcPts val="0"/>
+              </a:spcAft>
+              <a:buClr>
+                <a:srgbClr val="000000"/>
+              </a:buClr>
+              <a:buFont typeface="Arial"/>
+              <a:defRPr sz="1400" b="0" i="0" u="none" strike="noStrike" cap="none">
+                <a:solidFill>
+                  <a:srgbClr val="000000"/>
+                </a:solidFill>
+                <a:latin typeface="Arial"/>
+                <a:ea typeface="Arial"/>
+                <a:cs typeface="Arial"/>
+                <a:sym typeface="Arial"/>
+              </a:defRPr>
+            </a:lvl8pPr>
+            <a:lvl9pPr marR="0" lvl="8" algn="l" rtl="0">
+              <a:lnSpc>
+                <a:spcPct val="100000"/>
+              </a:lnSpc>
+              <a:spcBef>
+                <a:spcPts val="0"/>
+              </a:spcBef>
+              <a:spcAft>
+                <a:spcPts val="0"/>
+              </a:spcAft>
+              <a:buClr>
+                <a:srgbClr val="000000"/>
+              </a:buClr>
+              <a:buFont typeface="Arial"/>
+              <a:defRPr sz="1400" b="0" i="0" u="none" strike="noStrike" cap="none">
+                <a:solidFill>
+                  <a:srgbClr val="000000"/>
+                </a:solidFill>
+                <a:latin typeface="Arial"/>
+                <a:ea typeface="Arial"/>
+                <a:cs typeface="Arial"/>
+                <a:sym typeface="Arial"/>
+              </a:defRPr>
+            </a:lvl9pPr>
+          </a:lstStyle>
+          <a:p>
+            <a:r>
+              <a:rPr lang="ko-KR" altLang="en-US" sz="1000" dirty="0"/>
+              <a:t>▶</a:t>
+            </a:r>
+            <a:r>
+              <a:rPr lang="en-US" altLang="ko-KR" sz="1000" dirty="0"/>
+              <a:t> </a:t>
+            </a:r>
+            <a:r>
+              <a:rPr lang="ko-KR" altLang="en-US" sz="1000" dirty="0"/>
+              <a:t>일반코드 구현</a:t>
+            </a:r>
+            <a:r>
+              <a:rPr lang="en-US" altLang="ko-KR" sz="1000" dirty="0"/>
+              <a:t> </a:t>
+            </a:r>
+            <a:r>
+              <a:rPr lang="en-US" altLang="ko-KR" sz="1000" b="1" dirty="0">
+                <a:solidFill>
+                  <a:srgbClr val="0070C0"/>
+                </a:solidFill>
+              </a:rPr>
+              <a:t>(REFACTOR)</a:t>
+            </a:r>
+            <a:endParaRPr lang="ko-KR" altLang="en-US" sz="1000" b="1" dirty="0">
+              <a:solidFill>
+                <a:srgbClr val="0070C0"/>
+              </a:solidFill>
+            </a:endParaRPr>
           </a:p>
         </p:txBody>
       </p:sp>
@@ -24940,3733 +27794,783 @@
           </a:p>
         </p:txBody>
       </p:sp>
-      <p:grpSp>
-        <p:nvGrpSpPr>
-          <p:cNvPr id="41" name="그룹 40">
+      <p:pic>
+        <p:nvPicPr>
+          <p:cNvPr id="63" name="그림 62">
             <a:extLst>
               <a:ext uri="{FF2B5EF4-FFF2-40B4-BE49-F238E27FC236}">
-                <a16:creationId xmlns:a16="http://schemas.microsoft.com/office/drawing/2014/main" id="{3135CCB5-B43D-4792-B5AC-91F4E91761DE}"/>
+                <a16:creationId xmlns:a16="http://schemas.microsoft.com/office/drawing/2014/main" id="{A8304A3C-AA8D-4746-B5C1-2EA3542C7172}"/>
               </a:ext>
             </a:extLst>
           </p:cNvPr>
-          <p:cNvGrpSpPr/>
+          <p:cNvPicPr>
+            <a:picLocks noChangeAspect="1"/>
+          </p:cNvPicPr>
           <p:nvPr/>
-        </p:nvGrpSpPr>
-        <p:grpSpPr>
+        </p:nvPicPr>
+        <p:blipFill>
+          <a:blip r:embed="rId12"/>
+          <a:stretch>
+            <a:fillRect/>
+          </a:stretch>
+        </p:blipFill>
+        <p:spPr>
           <a:xfrm>
-            <a:off x="6158422" y="1576263"/>
-            <a:ext cx="3174132" cy="2335720"/>
-            <a:chOff x="6158422" y="1576263"/>
-            <a:chExt cx="3174132" cy="2335720"/>
+            <a:off x="3254456" y="4467437"/>
+            <a:ext cx="2591190" cy="1924113"/>
           </a:xfrm>
-        </p:grpSpPr>
-        <p:grpSp>
-          <p:nvGrpSpPr>
-            <p:cNvPr id="24" name="그룹 23">
-              <a:extLst>
-                <a:ext uri="{FF2B5EF4-FFF2-40B4-BE49-F238E27FC236}">
-                  <a16:creationId xmlns:a16="http://schemas.microsoft.com/office/drawing/2014/main" id="{33A36045-DE63-49B4-BD13-267B4AD7D650}"/>
-                </a:ext>
-              </a:extLst>
-            </p:cNvPr>
-            <p:cNvGrpSpPr/>
-            <p:nvPr/>
-          </p:nvGrpSpPr>
-          <p:grpSpPr>
-            <a:xfrm>
-              <a:off x="6158422" y="1576263"/>
-              <a:ext cx="3174132" cy="1605226"/>
-              <a:chOff x="1545894" y="2134284"/>
-              <a:chExt cx="3174132" cy="1605226"/>
-            </a:xfrm>
-          </p:grpSpPr>
-          <p:grpSp>
-            <p:nvGrpSpPr>
-              <p:cNvPr id="5" name="그룹 4">
-                <a:extLst>
-                  <a:ext uri="{FF2B5EF4-FFF2-40B4-BE49-F238E27FC236}">
-                    <a16:creationId xmlns:a16="http://schemas.microsoft.com/office/drawing/2014/main" id="{0C15A20D-2003-49A4-A3F6-33D9F5227E66}"/>
-                  </a:ext>
-                </a:extLst>
-              </p:cNvPr>
-              <p:cNvGrpSpPr/>
-              <p:nvPr/>
-            </p:nvGrpSpPr>
-            <p:grpSpPr>
-              <a:xfrm>
-                <a:off x="1646268" y="2154904"/>
-                <a:ext cx="3048329" cy="1584606"/>
-                <a:chOff x="680292" y="2607535"/>
-                <a:chExt cx="5057689" cy="2629127"/>
-              </a:xfrm>
-            </p:grpSpPr>
-            <p:pic>
-              <p:nvPicPr>
-                <p:cNvPr id="18" name="그림 17">
-                  <a:extLst>
-                    <a:ext uri="{FF2B5EF4-FFF2-40B4-BE49-F238E27FC236}">
-                      <a16:creationId xmlns:a16="http://schemas.microsoft.com/office/drawing/2014/main" id="{A9CD1D52-321E-45E1-974F-331372D3EE66}"/>
-                    </a:ext>
-                  </a:extLst>
-                </p:cNvPr>
-                <p:cNvPicPr>
-                  <a:picLocks noChangeAspect="1"/>
-                </p:cNvPicPr>
-                <p:nvPr/>
-              </p:nvPicPr>
-              <p:blipFill rotWithShape="1">
-                <a:blip r:embed="rId5"/>
-                <a:srcRect l="31779" t="37801" r="38067" b="37594"/>
-                <a:stretch/>
-              </p:blipFill>
-              <p:spPr>
-                <a:xfrm>
-                  <a:off x="680292" y="2915311"/>
-                  <a:ext cx="5057689" cy="2321351"/>
-                </a:xfrm>
-                <a:prstGeom prst="rect">
-                  <a:avLst/>
-                </a:prstGeom>
-              </p:spPr>
-            </p:pic>
-            <p:sp>
-              <p:nvSpPr>
-                <p:cNvPr id="19" name="TextBox 16">
-                  <a:extLst>
-                    <a:ext uri="{FF2B5EF4-FFF2-40B4-BE49-F238E27FC236}">
-                      <a16:creationId xmlns:a16="http://schemas.microsoft.com/office/drawing/2014/main" id="{D21D8E92-7EAB-4195-96C7-181F676D71F0}"/>
-                    </a:ext>
-                  </a:extLst>
-                </p:cNvPr>
-                <p:cNvSpPr txBox="1"/>
-                <p:nvPr/>
-              </p:nvSpPr>
-              <p:spPr>
-                <a:xfrm>
-                  <a:off x="680294" y="2607535"/>
-                  <a:ext cx="3934155" cy="408522"/>
-                </a:xfrm>
-                <a:prstGeom prst="rect">
-                  <a:avLst/>
-                </a:prstGeom>
-                <a:noFill/>
-              </p:spPr>
-              <p:txBody>
-                <a:bodyPr wrap="none" rtlCol="0">
-                  <a:spAutoFit/>
-                </a:bodyPr>
-                <a:lstStyle>
-                  <a:defPPr marR="0" lvl="0" algn="l" rtl="0">
-                    <a:lnSpc>
-                      <a:spcPct val="100000"/>
-                    </a:lnSpc>
-                    <a:spcBef>
-                      <a:spcPts val="0"/>
-                    </a:spcBef>
-                    <a:spcAft>
-                      <a:spcPts val="0"/>
-                    </a:spcAft>
-                  </a:defPPr>
-                  <a:lvl1pPr marR="0" lvl="0" algn="l" rtl="0">
-                    <a:lnSpc>
-                      <a:spcPct val="100000"/>
-                    </a:lnSpc>
-                    <a:spcBef>
-                      <a:spcPts val="0"/>
-                    </a:spcBef>
-                    <a:spcAft>
-                      <a:spcPts val="0"/>
-                    </a:spcAft>
-                    <a:buClr>
-                      <a:srgbClr val="000000"/>
-                    </a:buClr>
-                    <a:buFont typeface="Arial"/>
-                    <a:defRPr sz="1400" b="0" i="0" u="none" strike="noStrike" cap="none">
-                      <a:solidFill>
-                        <a:srgbClr val="000000"/>
-                      </a:solidFill>
-                      <a:latin typeface="Arial"/>
-                      <a:ea typeface="Arial"/>
-                      <a:cs typeface="Arial"/>
-                      <a:sym typeface="Arial"/>
-                    </a:defRPr>
-                  </a:lvl1pPr>
-                  <a:lvl2pPr marR="0" lvl="1" algn="l" rtl="0">
-                    <a:lnSpc>
-                      <a:spcPct val="100000"/>
-                    </a:lnSpc>
-                    <a:spcBef>
-                      <a:spcPts val="0"/>
-                    </a:spcBef>
-                    <a:spcAft>
-                      <a:spcPts val="0"/>
-                    </a:spcAft>
-                    <a:buClr>
-                      <a:srgbClr val="000000"/>
-                    </a:buClr>
-                    <a:buFont typeface="Arial"/>
-                    <a:defRPr sz="1400" b="0" i="0" u="none" strike="noStrike" cap="none">
-                      <a:solidFill>
-                        <a:srgbClr val="000000"/>
-                      </a:solidFill>
-                      <a:latin typeface="Arial"/>
-                      <a:ea typeface="Arial"/>
-                      <a:cs typeface="Arial"/>
-                      <a:sym typeface="Arial"/>
-                    </a:defRPr>
-                  </a:lvl2pPr>
-                  <a:lvl3pPr marR="0" lvl="2" algn="l" rtl="0">
-                    <a:lnSpc>
-                      <a:spcPct val="100000"/>
-                    </a:lnSpc>
-                    <a:spcBef>
-                      <a:spcPts val="0"/>
-                    </a:spcBef>
-                    <a:spcAft>
-                      <a:spcPts val="0"/>
-                    </a:spcAft>
-                    <a:buClr>
-                      <a:srgbClr val="000000"/>
-                    </a:buClr>
-                    <a:buFont typeface="Arial"/>
-                    <a:defRPr sz="1400" b="0" i="0" u="none" strike="noStrike" cap="none">
-                      <a:solidFill>
-                        <a:srgbClr val="000000"/>
-                      </a:solidFill>
-                      <a:latin typeface="Arial"/>
-                      <a:ea typeface="Arial"/>
-                      <a:cs typeface="Arial"/>
-                      <a:sym typeface="Arial"/>
-                    </a:defRPr>
-                  </a:lvl3pPr>
-                  <a:lvl4pPr marR="0" lvl="3" algn="l" rtl="0">
-                    <a:lnSpc>
-                      <a:spcPct val="100000"/>
-                    </a:lnSpc>
-                    <a:spcBef>
-                      <a:spcPts val="0"/>
-                    </a:spcBef>
-                    <a:spcAft>
-                      <a:spcPts val="0"/>
-                    </a:spcAft>
-                    <a:buClr>
-                      <a:srgbClr val="000000"/>
-                    </a:buClr>
-                    <a:buFont typeface="Arial"/>
-                    <a:defRPr sz="1400" b="0" i="0" u="none" strike="noStrike" cap="none">
-                      <a:solidFill>
-                        <a:srgbClr val="000000"/>
-                      </a:solidFill>
-                      <a:latin typeface="Arial"/>
-                      <a:ea typeface="Arial"/>
-                      <a:cs typeface="Arial"/>
-                      <a:sym typeface="Arial"/>
-                    </a:defRPr>
-                  </a:lvl4pPr>
-                  <a:lvl5pPr marR="0" lvl="4" algn="l" rtl="0">
-                    <a:lnSpc>
-                      <a:spcPct val="100000"/>
-                    </a:lnSpc>
-                    <a:spcBef>
-                      <a:spcPts val="0"/>
-                    </a:spcBef>
-                    <a:spcAft>
-                      <a:spcPts val="0"/>
-                    </a:spcAft>
-                    <a:buClr>
-                      <a:srgbClr val="000000"/>
-                    </a:buClr>
-                    <a:buFont typeface="Arial"/>
-                    <a:defRPr sz="1400" b="0" i="0" u="none" strike="noStrike" cap="none">
-                      <a:solidFill>
-                        <a:srgbClr val="000000"/>
-                      </a:solidFill>
-                      <a:latin typeface="Arial"/>
-                      <a:ea typeface="Arial"/>
-                      <a:cs typeface="Arial"/>
-                      <a:sym typeface="Arial"/>
-                    </a:defRPr>
-                  </a:lvl5pPr>
-                  <a:lvl6pPr marR="0" lvl="5" algn="l" rtl="0">
-                    <a:lnSpc>
-                      <a:spcPct val="100000"/>
-                    </a:lnSpc>
-                    <a:spcBef>
-                      <a:spcPts val="0"/>
-                    </a:spcBef>
-                    <a:spcAft>
-                      <a:spcPts val="0"/>
-                    </a:spcAft>
-                    <a:buClr>
-                      <a:srgbClr val="000000"/>
-                    </a:buClr>
-                    <a:buFont typeface="Arial"/>
-                    <a:defRPr sz="1400" b="0" i="0" u="none" strike="noStrike" cap="none">
-                      <a:solidFill>
-                        <a:srgbClr val="000000"/>
-                      </a:solidFill>
-                      <a:latin typeface="Arial"/>
-                      <a:ea typeface="Arial"/>
-                      <a:cs typeface="Arial"/>
-                      <a:sym typeface="Arial"/>
-                    </a:defRPr>
-                  </a:lvl6pPr>
-                  <a:lvl7pPr marR="0" lvl="6" algn="l" rtl="0">
-                    <a:lnSpc>
-                      <a:spcPct val="100000"/>
-                    </a:lnSpc>
-                    <a:spcBef>
-                      <a:spcPts val="0"/>
-                    </a:spcBef>
-                    <a:spcAft>
-                      <a:spcPts val="0"/>
-                    </a:spcAft>
-                    <a:buClr>
-                      <a:srgbClr val="000000"/>
-                    </a:buClr>
-                    <a:buFont typeface="Arial"/>
-                    <a:defRPr sz="1400" b="0" i="0" u="none" strike="noStrike" cap="none">
-                      <a:solidFill>
-                        <a:srgbClr val="000000"/>
-                      </a:solidFill>
-                      <a:latin typeface="Arial"/>
-                      <a:ea typeface="Arial"/>
-                      <a:cs typeface="Arial"/>
-                      <a:sym typeface="Arial"/>
-                    </a:defRPr>
-                  </a:lvl7pPr>
-                  <a:lvl8pPr marR="0" lvl="7" algn="l" rtl="0">
-                    <a:lnSpc>
-                      <a:spcPct val="100000"/>
-                    </a:lnSpc>
-                    <a:spcBef>
-                      <a:spcPts val="0"/>
-                    </a:spcBef>
-                    <a:spcAft>
-                      <a:spcPts val="0"/>
-                    </a:spcAft>
-                    <a:buClr>
-                      <a:srgbClr val="000000"/>
-                    </a:buClr>
-                    <a:buFont typeface="Arial"/>
-                    <a:defRPr sz="1400" b="0" i="0" u="none" strike="noStrike" cap="none">
-                      <a:solidFill>
-                        <a:srgbClr val="000000"/>
-                      </a:solidFill>
-                      <a:latin typeface="Arial"/>
-                      <a:ea typeface="Arial"/>
-                      <a:cs typeface="Arial"/>
-                      <a:sym typeface="Arial"/>
-                    </a:defRPr>
-                  </a:lvl8pPr>
-                  <a:lvl9pPr marR="0" lvl="8" algn="l" rtl="0">
-                    <a:lnSpc>
-                      <a:spcPct val="100000"/>
-                    </a:lnSpc>
-                    <a:spcBef>
-                      <a:spcPts val="0"/>
-                    </a:spcBef>
-                    <a:spcAft>
-                      <a:spcPts val="0"/>
-                    </a:spcAft>
-                    <a:buClr>
-                      <a:srgbClr val="000000"/>
-                    </a:buClr>
-                    <a:buFont typeface="Arial"/>
-                    <a:defRPr sz="1400" b="0" i="0" u="none" strike="noStrike" cap="none">
-                      <a:solidFill>
-                        <a:srgbClr val="000000"/>
-                      </a:solidFill>
-                      <a:latin typeface="Arial"/>
-                      <a:ea typeface="Arial"/>
-                      <a:cs typeface="Arial"/>
-                      <a:sym typeface="Arial"/>
-                    </a:defRPr>
-                  </a:lvl9pPr>
-                </a:lstStyle>
-                <a:p>
-                  <a:r>
-                    <a:rPr lang="ko-KR" altLang="en-US" sz="1000" dirty="0"/>
-                    <a:t>▶ </a:t>
-                  </a:r>
-                  <a:r>
-                    <a:rPr lang="en-US" altLang="ko-KR" sz="1000" dirty="0"/>
-                    <a:t>Refactoring PR # 44 </a:t>
-                  </a:r>
-                  <a:r>
-                    <a:rPr lang="en-US" altLang="ko-KR" sz="1000" b="1" dirty="0">
-                      <a:solidFill>
-                        <a:srgbClr val="0070C0"/>
-                      </a:solidFill>
-                    </a:rPr>
-                    <a:t>(REFACTOR)</a:t>
-                  </a:r>
-                  <a:endParaRPr lang="ko-KR" altLang="en-US" sz="1000" b="1" dirty="0">
-                    <a:solidFill>
-                      <a:srgbClr val="0070C0"/>
-                    </a:solidFill>
-                  </a:endParaRPr>
-                </a:p>
-              </p:txBody>
-            </p:sp>
-          </p:grpSp>
-          <p:sp>
-            <p:nvSpPr>
-              <p:cNvPr id="28" name="사각형: 둥근 모서리 27">
-                <a:extLst>
-                  <a:ext uri="{FF2B5EF4-FFF2-40B4-BE49-F238E27FC236}">
-                    <a16:creationId xmlns:a16="http://schemas.microsoft.com/office/drawing/2014/main" id="{46253290-0B62-4F2F-9431-0F6E8B9D5A2F}"/>
-                  </a:ext>
-                </a:extLst>
-              </p:cNvPr>
-              <p:cNvSpPr/>
-              <p:nvPr/>
-            </p:nvSpPr>
-            <p:spPr>
-              <a:xfrm>
-                <a:off x="1545894" y="2134284"/>
-                <a:ext cx="3174132" cy="1605226"/>
-              </a:xfrm>
-              <a:prstGeom prst="roundRect">
-                <a:avLst>
-                  <a:gd name="adj" fmla="val 2400"/>
-                </a:avLst>
-              </a:prstGeom>
-              <a:noFill/>
-              <a:ln w="9525" cap="flat" cmpd="sng" algn="ctr">
+          <a:prstGeom prst="rect">
+            <a:avLst/>
+          </a:prstGeom>
+        </p:spPr>
+      </p:pic>
+      <p:sp>
+        <p:nvSpPr>
+          <p:cNvPr id="64" name="TextBox 12">
+            <a:extLst>
+              <a:ext uri="{FF2B5EF4-FFF2-40B4-BE49-F238E27FC236}">
+                <a16:creationId xmlns:a16="http://schemas.microsoft.com/office/drawing/2014/main" id="{978833C3-755D-4378-8446-E4546849DB95}"/>
+              </a:ext>
+            </a:extLst>
+          </p:cNvPr>
+          <p:cNvSpPr txBox="1"/>
+          <p:nvPr/>
+        </p:nvSpPr>
+        <p:spPr>
+          <a:xfrm>
+            <a:off x="3199520" y="4221441"/>
+            <a:ext cx="2081019" cy="246221"/>
+          </a:xfrm>
+          <a:prstGeom prst="rect">
+            <a:avLst/>
+          </a:prstGeom>
+          <a:noFill/>
+        </p:spPr>
+        <p:txBody>
+          <a:bodyPr wrap="none" rtlCol="0">
+            <a:spAutoFit/>
+          </a:bodyPr>
+          <a:lstStyle>
+            <a:defPPr marR="0" lvl="0" algn="l" rtl="0">
+              <a:lnSpc>
+                <a:spcPct val="100000"/>
+              </a:lnSpc>
+              <a:spcBef>
+                <a:spcPts val="0"/>
+              </a:spcBef>
+              <a:spcAft>
+                <a:spcPts val="0"/>
+              </a:spcAft>
+            </a:defPPr>
+            <a:lvl1pPr marR="0" lvl="0" algn="l" rtl="0">
+              <a:lnSpc>
+                <a:spcPct val="100000"/>
+              </a:lnSpc>
+              <a:spcBef>
+                <a:spcPts val="0"/>
+              </a:spcBef>
+              <a:spcAft>
+                <a:spcPts val="0"/>
+              </a:spcAft>
+              <a:buClr>
+                <a:srgbClr val="000000"/>
+              </a:buClr>
+              <a:buFont typeface="Arial"/>
+              <a:defRPr sz="1400" b="0" i="0" u="none" strike="noStrike" cap="none">
                 <a:solidFill>
-                  <a:schemeClr val="dk1"/>
+                  <a:srgbClr val="000000"/>
                 </a:solidFill>
-                <a:prstDash val="solid"/>
-                <a:round/>
-                <a:headEnd type="none" w="med" len="med"/>
-                <a:tailEnd type="none" w="med" len="med"/>
-              </a:ln>
-            </p:spPr>
-            <p:style>
-              <a:lnRef idx="0">
-                <a:scrgbClr r="0" g="0" b="0"/>
-              </a:lnRef>
-              <a:fillRef idx="0">
-                <a:scrgbClr r="0" g="0" b="0"/>
-              </a:fillRef>
-              <a:effectRef idx="0">
-                <a:scrgbClr r="0" g="0" b="0"/>
-              </a:effectRef>
-              <a:fontRef idx="minor">
-                <a:schemeClr val="dk1"/>
-              </a:fontRef>
-            </p:style>
-            <p:txBody>
-              <a:bodyPr rtlCol="0" anchor="ctr"/>
-              <a:lstStyle/>
-              <a:p>
-                <a:pPr algn="ctr"/>
-                <a:endParaRPr lang="ko-KR" altLang="en-US"/>
-              </a:p>
-            </p:txBody>
-          </p:sp>
-        </p:grpSp>
-        <p:cxnSp>
-          <p:nvCxnSpPr>
-            <p:cNvPr id="37" name="직선 화살표 연결선 36">
-              <a:extLst>
-                <a:ext uri="{FF2B5EF4-FFF2-40B4-BE49-F238E27FC236}">
-                  <a16:creationId xmlns:a16="http://schemas.microsoft.com/office/drawing/2014/main" id="{0FF1571F-C279-4BA8-A2BE-21E6961D8080}"/>
-                </a:ext>
-              </a:extLst>
-            </p:cNvPr>
-            <p:cNvCxnSpPr>
-              <a:cxnSpLocks/>
-              <a:endCxn id="28" idx="2"/>
-            </p:cNvCxnSpPr>
-            <p:nvPr/>
-          </p:nvCxnSpPr>
-          <p:spPr>
-            <a:xfrm flipV="1">
-              <a:off x="7696607" y="3181489"/>
-              <a:ext cx="48881" cy="479597"/>
-            </a:xfrm>
-            <a:prstGeom prst="straightConnector1">
-              <a:avLst/>
-            </a:prstGeom>
-            <a:ln w="57150">
-              <a:tailEnd type="triangle"/>
-            </a:ln>
-          </p:spPr>
-          <p:style>
-            <a:lnRef idx="1">
-              <a:schemeClr val="accent1"/>
-            </a:lnRef>
-            <a:fillRef idx="0">
-              <a:schemeClr val="accent1"/>
-            </a:fillRef>
-            <a:effectRef idx="0">
-              <a:schemeClr val="accent1"/>
-            </a:effectRef>
-            <a:fontRef idx="minor">
-              <a:schemeClr val="tx1"/>
-            </a:fontRef>
-          </p:style>
-        </p:cxnSp>
-        <p:sp>
-          <p:nvSpPr>
-            <p:cNvPr id="57" name="TextBox 56">
-              <a:extLst>
-                <a:ext uri="{FF2B5EF4-FFF2-40B4-BE49-F238E27FC236}">
-                  <a16:creationId xmlns:a16="http://schemas.microsoft.com/office/drawing/2014/main" id="{737214D3-4DE1-4335-8A07-77F6D2837C48}"/>
-                </a:ext>
-              </a:extLst>
-            </p:cNvPr>
-            <p:cNvSpPr txBox="1"/>
-            <p:nvPr/>
-          </p:nvSpPr>
-          <p:spPr>
-            <a:xfrm rot="16765233">
-              <a:off x="6739003" y="2949059"/>
-              <a:ext cx="1587294" cy="338554"/>
-            </a:xfrm>
-            <a:prstGeom prst="rect">
-              <a:avLst/>
-            </a:prstGeom>
-            <a:noFill/>
-          </p:spPr>
-          <p:txBody>
-            <a:bodyPr wrap="none" rtlCol="0">
-              <a:spAutoFit/>
-            </a:bodyPr>
-            <a:lstStyle/>
-            <a:p>
-              <a:r>
-                <a:rPr lang="ko-KR" altLang="en-US" sz="1600" b="1" dirty="0">
-                  <a:solidFill>
-                    <a:srgbClr val="0070C0"/>
-                  </a:solidFill>
-                </a:rPr>
-                <a:t>③ </a:t>
-              </a:r>
-              <a:r>
-                <a:rPr lang="en-US" altLang="ko-KR" sz="1600" b="1" dirty="0">
-                  <a:solidFill>
-                    <a:srgbClr val="0070C0"/>
-                  </a:solidFill>
-                </a:rPr>
-                <a:t>Refactoring</a:t>
-              </a:r>
-              <a:endParaRPr lang="ko-KR" altLang="en-US" sz="1600" b="1" dirty="0">
+                <a:latin typeface="Arial"/>
+                <a:ea typeface="Arial"/>
+                <a:cs typeface="Arial"/>
+                <a:sym typeface="Arial"/>
+              </a:defRPr>
+            </a:lvl1pPr>
+            <a:lvl2pPr marR="0" lvl="1" algn="l" rtl="0">
+              <a:lnSpc>
+                <a:spcPct val="100000"/>
+              </a:lnSpc>
+              <a:spcBef>
+                <a:spcPts val="0"/>
+              </a:spcBef>
+              <a:spcAft>
+                <a:spcPts val="0"/>
+              </a:spcAft>
+              <a:buClr>
+                <a:srgbClr val="000000"/>
+              </a:buClr>
+              <a:buFont typeface="Arial"/>
+              <a:defRPr sz="1400" b="0" i="0" u="none" strike="noStrike" cap="none">
+                <a:solidFill>
+                  <a:srgbClr val="000000"/>
+                </a:solidFill>
+                <a:latin typeface="Arial"/>
+                <a:ea typeface="Arial"/>
+                <a:cs typeface="Arial"/>
+                <a:sym typeface="Arial"/>
+              </a:defRPr>
+            </a:lvl2pPr>
+            <a:lvl3pPr marR="0" lvl="2" algn="l" rtl="0">
+              <a:lnSpc>
+                <a:spcPct val="100000"/>
+              </a:lnSpc>
+              <a:spcBef>
+                <a:spcPts val="0"/>
+              </a:spcBef>
+              <a:spcAft>
+                <a:spcPts val="0"/>
+              </a:spcAft>
+              <a:buClr>
+                <a:srgbClr val="000000"/>
+              </a:buClr>
+              <a:buFont typeface="Arial"/>
+              <a:defRPr sz="1400" b="0" i="0" u="none" strike="noStrike" cap="none">
+                <a:solidFill>
+                  <a:srgbClr val="000000"/>
+                </a:solidFill>
+                <a:latin typeface="Arial"/>
+                <a:ea typeface="Arial"/>
+                <a:cs typeface="Arial"/>
+                <a:sym typeface="Arial"/>
+              </a:defRPr>
+            </a:lvl3pPr>
+            <a:lvl4pPr marR="0" lvl="3" algn="l" rtl="0">
+              <a:lnSpc>
+                <a:spcPct val="100000"/>
+              </a:lnSpc>
+              <a:spcBef>
+                <a:spcPts val="0"/>
+              </a:spcBef>
+              <a:spcAft>
+                <a:spcPts val="0"/>
+              </a:spcAft>
+              <a:buClr>
+                <a:srgbClr val="000000"/>
+              </a:buClr>
+              <a:buFont typeface="Arial"/>
+              <a:defRPr sz="1400" b="0" i="0" u="none" strike="noStrike" cap="none">
+                <a:solidFill>
+                  <a:srgbClr val="000000"/>
+                </a:solidFill>
+                <a:latin typeface="Arial"/>
+                <a:ea typeface="Arial"/>
+                <a:cs typeface="Arial"/>
+                <a:sym typeface="Arial"/>
+              </a:defRPr>
+            </a:lvl4pPr>
+            <a:lvl5pPr marR="0" lvl="4" algn="l" rtl="0">
+              <a:lnSpc>
+                <a:spcPct val="100000"/>
+              </a:lnSpc>
+              <a:spcBef>
+                <a:spcPts val="0"/>
+              </a:spcBef>
+              <a:spcAft>
+                <a:spcPts val="0"/>
+              </a:spcAft>
+              <a:buClr>
+                <a:srgbClr val="000000"/>
+              </a:buClr>
+              <a:buFont typeface="Arial"/>
+              <a:defRPr sz="1400" b="0" i="0" u="none" strike="noStrike" cap="none">
+                <a:solidFill>
+                  <a:srgbClr val="000000"/>
+                </a:solidFill>
+                <a:latin typeface="Arial"/>
+                <a:ea typeface="Arial"/>
+                <a:cs typeface="Arial"/>
+                <a:sym typeface="Arial"/>
+              </a:defRPr>
+            </a:lvl5pPr>
+            <a:lvl6pPr marR="0" lvl="5" algn="l" rtl="0">
+              <a:lnSpc>
+                <a:spcPct val="100000"/>
+              </a:lnSpc>
+              <a:spcBef>
+                <a:spcPts val="0"/>
+              </a:spcBef>
+              <a:spcAft>
+                <a:spcPts val="0"/>
+              </a:spcAft>
+              <a:buClr>
+                <a:srgbClr val="000000"/>
+              </a:buClr>
+              <a:buFont typeface="Arial"/>
+              <a:defRPr sz="1400" b="0" i="0" u="none" strike="noStrike" cap="none">
+                <a:solidFill>
+                  <a:srgbClr val="000000"/>
+                </a:solidFill>
+                <a:latin typeface="Arial"/>
+                <a:ea typeface="Arial"/>
+                <a:cs typeface="Arial"/>
+                <a:sym typeface="Arial"/>
+              </a:defRPr>
+            </a:lvl6pPr>
+            <a:lvl7pPr marR="0" lvl="6" algn="l" rtl="0">
+              <a:lnSpc>
+                <a:spcPct val="100000"/>
+              </a:lnSpc>
+              <a:spcBef>
+                <a:spcPts val="0"/>
+              </a:spcBef>
+              <a:spcAft>
+                <a:spcPts val="0"/>
+              </a:spcAft>
+              <a:buClr>
+                <a:srgbClr val="000000"/>
+              </a:buClr>
+              <a:buFont typeface="Arial"/>
+              <a:defRPr sz="1400" b="0" i="0" u="none" strike="noStrike" cap="none">
+                <a:solidFill>
+                  <a:srgbClr val="000000"/>
+                </a:solidFill>
+                <a:latin typeface="Arial"/>
+                <a:ea typeface="Arial"/>
+                <a:cs typeface="Arial"/>
+                <a:sym typeface="Arial"/>
+              </a:defRPr>
+            </a:lvl7pPr>
+            <a:lvl8pPr marR="0" lvl="7" algn="l" rtl="0">
+              <a:lnSpc>
+                <a:spcPct val="100000"/>
+              </a:lnSpc>
+              <a:spcBef>
+                <a:spcPts val="0"/>
+              </a:spcBef>
+              <a:spcAft>
+                <a:spcPts val="0"/>
+              </a:spcAft>
+              <a:buClr>
+                <a:srgbClr val="000000"/>
+              </a:buClr>
+              <a:buFont typeface="Arial"/>
+              <a:defRPr sz="1400" b="0" i="0" u="none" strike="noStrike" cap="none">
+                <a:solidFill>
+                  <a:srgbClr val="000000"/>
+                </a:solidFill>
+                <a:latin typeface="Arial"/>
+                <a:ea typeface="Arial"/>
+                <a:cs typeface="Arial"/>
+                <a:sym typeface="Arial"/>
+              </a:defRPr>
+            </a:lvl8pPr>
+            <a:lvl9pPr marR="0" lvl="8" algn="l" rtl="0">
+              <a:lnSpc>
+                <a:spcPct val="100000"/>
+              </a:lnSpc>
+              <a:spcBef>
+                <a:spcPts val="0"/>
+              </a:spcBef>
+              <a:spcAft>
+                <a:spcPts val="0"/>
+              </a:spcAft>
+              <a:buClr>
+                <a:srgbClr val="000000"/>
+              </a:buClr>
+              <a:buFont typeface="Arial"/>
+              <a:defRPr sz="1400" b="0" i="0" u="none" strike="noStrike" cap="none">
+                <a:solidFill>
+                  <a:srgbClr val="000000"/>
+                </a:solidFill>
+                <a:latin typeface="Arial"/>
+                <a:ea typeface="Arial"/>
+                <a:cs typeface="Arial"/>
+                <a:sym typeface="Arial"/>
+              </a:defRPr>
+            </a:lvl9pPr>
+          </a:lstStyle>
+          <a:p>
+            <a:r>
+              <a:rPr lang="ko-KR" altLang="en-US" sz="1000" dirty="0"/>
+              <a:t>▶</a:t>
+            </a:r>
+            <a:r>
+              <a:rPr lang="en-US" altLang="ko-KR" sz="1000" dirty="0"/>
+              <a:t>TC 1. Test</a:t>
+            </a:r>
+            <a:r>
+              <a:rPr lang="ko-KR" altLang="en-US" sz="1000" dirty="0"/>
+              <a:t> </a:t>
+            </a:r>
+            <a:r>
+              <a:rPr lang="en-US" altLang="ko-KR" sz="1000" dirty="0"/>
+              <a:t>Shell</a:t>
+            </a:r>
+            <a:r>
+              <a:rPr lang="ko-KR" altLang="en-US" sz="1000" dirty="0"/>
+              <a:t> </a:t>
+            </a:r>
+            <a:r>
+              <a:rPr lang="en-US" altLang="ko-KR" sz="1000" dirty="0"/>
+              <a:t>Parser </a:t>
+            </a:r>
+            <a:r>
+              <a:rPr lang="en-US" altLang="ko-KR" sz="1000" b="1" dirty="0">
+                <a:solidFill>
+                  <a:srgbClr val="FF0000"/>
+                </a:solidFill>
+              </a:rPr>
+              <a:t>(RED)</a:t>
+            </a:r>
+            <a:endParaRPr lang="ko-KR" altLang="en-US" sz="1000" b="1" dirty="0">
+              <a:solidFill>
+                <a:srgbClr val="FF0000"/>
+              </a:solidFill>
+            </a:endParaRPr>
+          </a:p>
+        </p:txBody>
+      </p:sp>
+      <p:cxnSp>
+        <p:nvCxnSpPr>
+          <p:cNvPr id="65" name="직선 화살표 연결선 64">
+            <a:extLst>
+              <a:ext uri="{FF2B5EF4-FFF2-40B4-BE49-F238E27FC236}">
+                <a16:creationId xmlns:a16="http://schemas.microsoft.com/office/drawing/2014/main" id="{4CB8DDDE-A4D3-4D3B-B476-276E08DD24E4}"/>
+              </a:ext>
+            </a:extLst>
+          </p:cNvPr>
+          <p:cNvCxnSpPr>
+            <a:cxnSpLocks/>
+          </p:cNvCxnSpPr>
+          <p:nvPr/>
+        </p:nvCxnSpPr>
+        <p:spPr>
+          <a:xfrm flipV="1">
+            <a:off x="2079699" y="3449389"/>
+            <a:ext cx="48881" cy="479597"/>
+          </a:xfrm>
+          <a:prstGeom prst="straightConnector1">
+            <a:avLst/>
+          </a:prstGeom>
+          <a:ln w="57150">
+            <a:tailEnd type="triangle"/>
+          </a:ln>
+        </p:spPr>
+        <p:style>
+          <a:lnRef idx="1">
+            <a:schemeClr val="accent1"/>
+          </a:lnRef>
+          <a:fillRef idx="0">
+            <a:schemeClr val="accent1"/>
+          </a:fillRef>
+          <a:effectRef idx="0">
+            <a:schemeClr val="accent1"/>
+          </a:effectRef>
+          <a:fontRef idx="minor">
+            <a:schemeClr val="tx1"/>
+          </a:fontRef>
+        </p:style>
+      </p:cxnSp>
+      <p:sp>
+        <p:nvSpPr>
+          <p:cNvPr id="66" name="TextBox 65">
+            <a:extLst>
+              <a:ext uri="{FF2B5EF4-FFF2-40B4-BE49-F238E27FC236}">
+                <a16:creationId xmlns:a16="http://schemas.microsoft.com/office/drawing/2014/main" id="{E3D48409-B872-4FF0-89CA-36AD69DE99E2}"/>
+              </a:ext>
+            </a:extLst>
+          </p:cNvPr>
+          <p:cNvSpPr txBox="1"/>
+          <p:nvPr/>
+        </p:nvSpPr>
+        <p:spPr>
+          <a:xfrm rot="16765233">
+            <a:off x="1160581" y="3179762"/>
+            <a:ext cx="1587294" cy="338554"/>
+          </a:xfrm>
+          <a:prstGeom prst="rect">
+            <a:avLst/>
+          </a:prstGeom>
+          <a:noFill/>
+        </p:spPr>
+        <p:txBody>
+          <a:bodyPr wrap="none" rtlCol="0">
+            <a:spAutoFit/>
+          </a:bodyPr>
+          <a:lstStyle/>
+          <a:p>
+            <a:r>
+              <a:rPr lang="ko-KR" altLang="en-US" sz="1600" b="1" dirty="0">
                 <a:solidFill>
                   <a:srgbClr val="0070C0"/>
                 </a:solidFill>
-              </a:endParaRPr>
-            </a:p>
-          </p:txBody>
-        </p:sp>
-      </p:grpSp>
-      <p:grpSp>
-        <p:nvGrpSpPr>
-          <p:cNvPr id="39" name="그룹 38">
+              </a:rPr>
+              <a:t>③ </a:t>
+            </a:r>
+            <a:r>
+              <a:rPr lang="en-US" altLang="ko-KR" sz="1600" b="1" dirty="0">
+                <a:solidFill>
+                  <a:srgbClr val="0070C0"/>
+                </a:solidFill>
+              </a:rPr>
+              <a:t>Refactoring</a:t>
+            </a:r>
+            <a:endParaRPr lang="ko-KR" altLang="en-US" sz="1600" b="1" dirty="0">
+              <a:solidFill>
+                <a:srgbClr val="0070C0"/>
+              </a:solidFill>
+            </a:endParaRPr>
+          </a:p>
+        </p:txBody>
+      </p:sp>
+      <p:cxnSp>
+        <p:nvCxnSpPr>
+          <p:cNvPr id="67" name="직선 화살표 연결선 66">
             <a:extLst>
               <a:ext uri="{FF2B5EF4-FFF2-40B4-BE49-F238E27FC236}">
-                <a16:creationId xmlns:a16="http://schemas.microsoft.com/office/drawing/2014/main" id="{41E01745-1B89-438A-8931-DFD281E43DF1}"/>
+                <a16:creationId xmlns:a16="http://schemas.microsoft.com/office/drawing/2014/main" id="{7B77DBC8-E447-4A07-B908-E9D335E05B00}"/>
               </a:ext>
             </a:extLst>
           </p:cNvPr>
-          <p:cNvGrpSpPr/>
+          <p:cNvCxnSpPr>
+            <a:cxnSpLocks/>
+          </p:cNvCxnSpPr>
           <p:nvPr/>
-        </p:nvGrpSpPr>
-        <p:grpSpPr>
-          <a:xfrm>
-            <a:off x="8137659" y="2213611"/>
-            <a:ext cx="3775604" cy="3459416"/>
-            <a:chOff x="8137659" y="2213611"/>
-            <a:chExt cx="3775604" cy="3459416"/>
+        </p:nvCxnSpPr>
+        <p:spPr>
+          <a:xfrm flipV="1">
+            <a:off x="2753083" y="2672734"/>
+            <a:ext cx="574338" cy="2259792"/>
           </a:xfrm>
-        </p:grpSpPr>
-        <p:grpSp>
-          <p:nvGrpSpPr>
-            <p:cNvPr id="22" name="그룹 21">
-              <a:extLst>
-                <a:ext uri="{FF2B5EF4-FFF2-40B4-BE49-F238E27FC236}">
-                  <a16:creationId xmlns:a16="http://schemas.microsoft.com/office/drawing/2014/main" id="{6A488F72-156A-469D-8427-4EE766CF8115}"/>
-                </a:ext>
-              </a:extLst>
-            </p:cNvPr>
-            <p:cNvGrpSpPr/>
-            <p:nvPr/>
-          </p:nvGrpSpPr>
-          <p:grpSpPr>
-            <a:xfrm>
-              <a:off x="8798564" y="2213611"/>
-              <a:ext cx="3114699" cy="1787712"/>
-              <a:chOff x="2112620" y="2980732"/>
-              <a:chExt cx="3114699" cy="1787712"/>
-            </a:xfrm>
-          </p:grpSpPr>
-          <p:grpSp>
-            <p:nvGrpSpPr>
-              <p:cNvPr id="6" name="그룹 5">
-                <a:extLst>
-                  <a:ext uri="{FF2B5EF4-FFF2-40B4-BE49-F238E27FC236}">
-                    <a16:creationId xmlns:a16="http://schemas.microsoft.com/office/drawing/2014/main" id="{9F74633E-4D27-4D56-8F7A-2E7786B9EBE9}"/>
-                  </a:ext>
-                </a:extLst>
-              </p:cNvPr>
-              <p:cNvGrpSpPr/>
-              <p:nvPr/>
-            </p:nvGrpSpPr>
-            <p:grpSpPr>
-              <a:xfrm>
-                <a:off x="2154179" y="2992810"/>
-                <a:ext cx="3007638" cy="1775633"/>
-                <a:chOff x="8885921" y="2359103"/>
-                <a:chExt cx="3007638" cy="1775633"/>
-              </a:xfrm>
-            </p:grpSpPr>
-            <p:sp>
-              <p:nvSpPr>
-                <p:cNvPr id="10" name="TextBox 17">
-                  <a:extLst>
-                    <a:ext uri="{FF2B5EF4-FFF2-40B4-BE49-F238E27FC236}">
-                      <a16:creationId xmlns:a16="http://schemas.microsoft.com/office/drawing/2014/main" id="{9A123351-579B-4DCF-A2D1-AAC0F89C8BE1}"/>
-                    </a:ext>
-                  </a:extLst>
-                </p:cNvPr>
-                <p:cNvSpPr txBox="1"/>
-                <p:nvPr/>
-              </p:nvSpPr>
-              <p:spPr>
-                <a:xfrm>
-                  <a:off x="8885921" y="2359103"/>
-                  <a:ext cx="2890535" cy="246221"/>
-                </a:xfrm>
-                <a:prstGeom prst="rect">
-                  <a:avLst/>
-                </a:prstGeom>
-                <a:noFill/>
-              </p:spPr>
-              <p:txBody>
-                <a:bodyPr wrap="none" rtlCol="0">
-                  <a:spAutoFit/>
-                </a:bodyPr>
-                <a:lstStyle>
-                  <a:defPPr marR="0" lvl="0" algn="l" rtl="0">
-                    <a:lnSpc>
-                      <a:spcPct val="100000"/>
-                    </a:lnSpc>
-                    <a:spcBef>
-                      <a:spcPts val="0"/>
-                    </a:spcBef>
-                    <a:spcAft>
-                      <a:spcPts val="0"/>
-                    </a:spcAft>
-                  </a:defPPr>
-                  <a:lvl1pPr marR="0" lvl="0" algn="l" rtl="0">
-                    <a:lnSpc>
-                      <a:spcPct val="100000"/>
-                    </a:lnSpc>
-                    <a:spcBef>
-                      <a:spcPts val="0"/>
-                    </a:spcBef>
-                    <a:spcAft>
-                      <a:spcPts val="0"/>
-                    </a:spcAft>
-                    <a:buClr>
-                      <a:srgbClr val="000000"/>
-                    </a:buClr>
-                    <a:buFont typeface="Arial"/>
-                    <a:defRPr sz="1400" b="0" i="0" u="none" strike="noStrike" cap="none">
-                      <a:solidFill>
-                        <a:srgbClr val="000000"/>
-                      </a:solidFill>
-                      <a:latin typeface="Arial"/>
-                      <a:ea typeface="Arial"/>
-                      <a:cs typeface="Arial"/>
-                      <a:sym typeface="Arial"/>
-                    </a:defRPr>
-                  </a:lvl1pPr>
-                  <a:lvl2pPr marR="0" lvl="1" algn="l" rtl="0">
-                    <a:lnSpc>
-                      <a:spcPct val="100000"/>
-                    </a:lnSpc>
-                    <a:spcBef>
-                      <a:spcPts val="0"/>
-                    </a:spcBef>
-                    <a:spcAft>
-                      <a:spcPts val="0"/>
-                    </a:spcAft>
-                    <a:buClr>
-                      <a:srgbClr val="000000"/>
-                    </a:buClr>
-                    <a:buFont typeface="Arial"/>
-                    <a:defRPr sz="1400" b="0" i="0" u="none" strike="noStrike" cap="none">
-                      <a:solidFill>
-                        <a:srgbClr val="000000"/>
-                      </a:solidFill>
-                      <a:latin typeface="Arial"/>
-                      <a:ea typeface="Arial"/>
-                      <a:cs typeface="Arial"/>
-                      <a:sym typeface="Arial"/>
-                    </a:defRPr>
-                  </a:lvl2pPr>
-                  <a:lvl3pPr marR="0" lvl="2" algn="l" rtl="0">
-                    <a:lnSpc>
-                      <a:spcPct val="100000"/>
-                    </a:lnSpc>
-                    <a:spcBef>
-                      <a:spcPts val="0"/>
-                    </a:spcBef>
-                    <a:spcAft>
-                      <a:spcPts val="0"/>
-                    </a:spcAft>
-                    <a:buClr>
-                      <a:srgbClr val="000000"/>
-                    </a:buClr>
-                    <a:buFont typeface="Arial"/>
-                    <a:defRPr sz="1400" b="0" i="0" u="none" strike="noStrike" cap="none">
-                      <a:solidFill>
-                        <a:srgbClr val="000000"/>
-                      </a:solidFill>
-                      <a:latin typeface="Arial"/>
-                      <a:ea typeface="Arial"/>
-                      <a:cs typeface="Arial"/>
-                      <a:sym typeface="Arial"/>
-                    </a:defRPr>
-                  </a:lvl3pPr>
-                  <a:lvl4pPr marR="0" lvl="3" algn="l" rtl="0">
-                    <a:lnSpc>
-                      <a:spcPct val="100000"/>
-                    </a:lnSpc>
-                    <a:spcBef>
-                      <a:spcPts val="0"/>
-                    </a:spcBef>
-                    <a:spcAft>
-                      <a:spcPts val="0"/>
-                    </a:spcAft>
-                    <a:buClr>
-                      <a:srgbClr val="000000"/>
-                    </a:buClr>
-                    <a:buFont typeface="Arial"/>
-                    <a:defRPr sz="1400" b="0" i="0" u="none" strike="noStrike" cap="none">
-                      <a:solidFill>
-                        <a:srgbClr val="000000"/>
-                      </a:solidFill>
-                      <a:latin typeface="Arial"/>
-                      <a:ea typeface="Arial"/>
-                      <a:cs typeface="Arial"/>
-                      <a:sym typeface="Arial"/>
-                    </a:defRPr>
-                  </a:lvl4pPr>
-                  <a:lvl5pPr marR="0" lvl="4" algn="l" rtl="0">
-                    <a:lnSpc>
-                      <a:spcPct val="100000"/>
-                    </a:lnSpc>
-                    <a:spcBef>
-                      <a:spcPts val="0"/>
-                    </a:spcBef>
-                    <a:spcAft>
-                      <a:spcPts val="0"/>
-                    </a:spcAft>
-                    <a:buClr>
-                      <a:srgbClr val="000000"/>
-                    </a:buClr>
-                    <a:buFont typeface="Arial"/>
-                    <a:defRPr sz="1400" b="0" i="0" u="none" strike="noStrike" cap="none">
-                      <a:solidFill>
-                        <a:srgbClr val="000000"/>
-                      </a:solidFill>
-                      <a:latin typeface="Arial"/>
-                      <a:ea typeface="Arial"/>
-                      <a:cs typeface="Arial"/>
-                      <a:sym typeface="Arial"/>
-                    </a:defRPr>
-                  </a:lvl5pPr>
-                  <a:lvl6pPr marR="0" lvl="5" algn="l" rtl="0">
-                    <a:lnSpc>
-                      <a:spcPct val="100000"/>
-                    </a:lnSpc>
-                    <a:spcBef>
-                      <a:spcPts val="0"/>
-                    </a:spcBef>
-                    <a:spcAft>
-                      <a:spcPts val="0"/>
-                    </a:spcAft>
-                    <a:buClr>
-                      <a:srgbClr val="000000"/>
-                    </a:buClr>
-                    <a:buFont typeface="Arial"/>
-                    <a:defRPr sz="1400" b="0" i="0" u="none" strike="noStrike" cap="none">
-                      <a:solidFill>
-                        <a:srgbClr val="000000"/>
-                      </a:solidFill>
-                      <a:latin typeface="Arial"/>
-                      <a:ea typeface="Arial"/>
-                      <a:cs typeface="Arial"/>
-                      <a:sym typeface="Arial"/>
-                    </a:defRPr>
-                  </a:lvl6pPr>
-                  <a:lvl7pPr marR="0" lvl="6" algn="l" rtl="0">
-                    <a:lnSpc>
-                      <a:spcPct val="100000"/>
-                    </a:lnSpc>
-                    <a:spcBef>
-                      <a:spcPts val="0"/>
-                    </a:spcBef>
-                    <a:spcAft>
-                      <a:spcPts val="0"/>
-                    </a:spcAft>
-                    <a:buClr>
-                      <a:srgbClr val="000000"/>
-                    </a:buClr>
-                    <a:buFont typeface="Arial"/>
-                    <a:defRPr sz="1400" b="0" i="0" u="none" strike="noStrike" cap="none">
-                      <a:solidFill>
-                        <a:srgbClr val="000000"/>
-                      </a:solidFill>
-                      <a:latin typeface="Arial"/>
-                      <a:ea typeface="Arial"/>
-                      <a:cs typeface="Arial"/>
-                      <a:sym typeface="Arial"/>
-                    </a:defRPr>
-                  </a:lvl7pPr>
-                  <a:lvl8pPr marR="0" lvl="7" algn="l" rtl="0">
-                    <a:lnSpc>
-                      <a:spcPct val="100000"/>
-                    </a:lnSpc>
-                    <a:spcBef>
-                      <a:spcPts val="0"/>
-                    </a:spcBef>
-                    <a:spcAft>
-                      <a:spcPts val="0"/>
-                    </a:spcAft>
-                    <a:buClr>
-                      <a:srgbClr val="000000"/>
-                    </a:buClr>
-                    <a:buFont typeface="Arial"/>
-                    <a:defRPr sz="1400" b="0" i="0" u="none" strike="noStrike" cap="none">
-                      <a:solidFill>
-                        <a:srgbClr val="000000"/>
-                      </a:solidFill>
-                      <a:latin typeface="Arial"/>
-                      <a:ea typeface="Arial"/>
-                      <a:cs typeface="Arial"/>
-                      <a:sym typeface="Arial"/>
-                    </a:defRPr>
-                  </a:lvl8pPr>
-                  <a:lvl9pPr marR="0" lvl="8" algn="l" rtl="0">
-                    <a:lnSpc>
-                      <a:spcPct val="100000"/>
-                    </a:lnSpc>
-                    <a:spcBef>
-                      <a:spcPts val="0"/>
-                    </a:spcBef>
-                    <a:spcAft>
-                      <a:spcPts val="0"/>
-                    </a:spcAft>
-                    <a:buClr>
-                      <a:srgbClr val="000000"/>
-                    </a:buClr>
-                    <a:buFont typeface="Arial"/>
-                    <a:defRPr sz="1400" b="0" i="0" u="none" strike="noStrike" cap="none">
-                      <a:solidFill>
-                        <a:srgbClr val="000000"/>
-                      </a:solidFill>
-                      <a:latin typeface="Arial"/>
-                      <a:ea typeface="Arial"/>
-                      <a:cs typeface="Arial"/>
-                      <a:sym typeface="Arial"/>
-                    </a:defRPr>
-                  </a:lvl9pPr>
-                </a:lstStyle>
-                <a:p>
-                  <a:r>
-                    <a:rPr lang="ko-KR" altLang="en-US" sz="1000" dirty="0"/>
-                    <a:t>▶ </a:t>
-                  </a:r>
-                  <a:r>
-                    <a:rPr lang="en-US" altLang="ko-KR" sz="1000" dirty="0"/>
-                    <a:t>TC 2. </a:t>
-                  </a:r>
-                  <a:r>
-                    <a:rPr lang="ko-KR" altLang="en-US" sz="1000" dirty="0"/>
-                    <a:t>정상 </a:t>
-                  </a:r>
-                  <a:r>
-                    <a:rPr lang="en-US" altLang="ko-KR" sz="1000" dirty="0"/>
-                    <a:t>read </a:t>
-                  </a:r>
-                  <a:r>
-                    <a:rPr lang="ko-KR" altLang="en-US" sz="1000" dirty="0"/>
-                    <a:t>출력 테스트 </a:t>
-                  </a:r>
-                  <a:r>
-                    <a:rPr lang="en-US" altLang="ko-KR" sz="1000" dirty="0"/>
-                    <a:t>PR # 16 </a:t>
-                  </a:r>
-                  <a:r>
-                    <a:rPr lang="en-US" altLang="ko-KR" sz="1000" b="1" dirty="0">
-                      <a:solidFill>
-                        <a:srgbClr val="FF0000"/>
-                      </a:solidFill>
-                    </a:rPr>
-                    <a:t>(RED)</a:t>
-                  </a:r>
-                  <a:endParaRPr lang="ko-KR" altLang="en-US" sz="1000" b="1" dirty="0">
-                    <a:solidFill>
-                      <a:srgbClr val="FF0000"/>
-                    </a:solidFill>
-                  </a:endParaRPr>
-                </a:p>
-              </p:txBody>
-            </p:sp>
-            <p:pic>
-              <p:nvPicPr>
-                <p:cNvPr id="11" name="그림 10">
-                  <a:extLst>
-                    <a:ext uri="{FF2B5EF4-FFF2-40B4-BE49-F238E27FC236}">
-                      <a16:creationId xmlns:a16="http://schemas.microsoft.com/office/drawing/2014/main" id="{98C1F951-08D1-4444-BAE5-DB1D88CBFC0F}"/>
-                    </a:ext>
-                  </a:extLst>
-                </p:cNvPr>
-                <p:cNvPicPr>
-                  <a:picLocks noChangeAspect="1"/>
-                </p:cNvPicPr>
-                <p:nvPr/>
-              </p:nvPicPr>
-              <p:blipFill rotWithShape="1">
-                <a:blip r:embed="rId6"/>
-                <a:srcRect l="27062" t="52192" r="50000" b="34708"/>
-                <a:stretch/>
-              </p:blipFill>
-              <p:spPr>
-                <a:xfrm>
-                  <a:off x="8944737" y="2589935"/>
-                  <a:ext cx="2460289" cy="790346"/>
-                </a:xfrm>
-                <a:prstGeom prst="rect">
-                  <a:avLst/>
-                </a:prstGeom>
-              </p:spPr>
-            </p:pic>
-            <p:pic>
-              <p:nvPicPr>
-                <p:cNvPr id="16" name="그림 15">
-                  <a:extLst>
-                    <a:ext uri="{FF2B5EF4-FFF2-40B4-BE49-F238E27FC236}">
-                      <a16:creationId xmlns:a16="http://schemas.microsoft.com/office/drawing/2014/main" id="{5F58019E-66CD-4B9E-A087-E54577E069FE}"/>
-                    </a:ext>
-                  </a:extLst>
-                </p:cNvPr>
-                <p:cNvPicPr>
-                  <a:picLocks noChangeAspect="1"/>
-                </p:cNvPicPr>
-                <p:nvPr/>
-              </p:nvPicPr>
-              <p:blipFill rotWithShape="1">
-                <a:blip r:embed="rId7"/>
-                <a:srcRect l="26723" t="42447" r="39227" b="46804"/>
-                <a:stretch/>
-              </p:blipFill>
-              <p:spPr>
-                <a:xfrm>
-                  <a:off x="8944737" y="3611113"/>
-                  <a:ext cx="2948822" cy="523623"/>
-                </a:xfrm>
-                <a:prstGeom prst="rect">
-                  <a:avLst/>
-                </a:prstGeom>
-              </p:spPr>
-            </p:pic>
-            <p:sp>
-              <p:nvSpPr>
-                <p:cNvPr id="17" name="TextBox 22">
-                  <a:extLst>
-                    <a:ext uri="{FF2B5EF4-FFF2-40B4-BE49-F238E27FC236}">
-                      <a16:creationId xmlns:a16="http://schemas.microsoft.com/office/drawing/2014/main" id="{83166035-328C-47D1-B3C6-4BBDD44A9EA2}"/>
-                    </a:ext>
-                  </a:extLst>
-                </p:cNvPr>
-                <p:cNvSpPr txBox="1"/>
-                <p:nvPr/>
-              </p:nvSpPr>
-              <p:spPr>
-                <a:xfrm>
-                  <a:off x="8944737" y="3423539"/>
-                  <a:ext cx="2409634" cy="246221"/>
-                </a:xfrm>
-                <a:prstGeom prst="rect">
-                  <a:avLst/>
-                </a:prstGeom>
-                <a:noFill/>
-              </p:spPr>
-              <p:txBody>
-                <a:bodyPr wrap="none" rtlCol="0">
-                  <a:spAutoFit/>
-                </a:bodyPr>
-                <a:lstStyle>
-                  <a:defPPr marR="0" lvl="0" algn="l" rtl="0">
-                    <a:lnSpc>
-                      <a:spcPct val="100000"/>
-                    </a:lnSpc>
-                    <a:spcBef>
-                      <a:spcPts val="0"/>
-                    </a:spcBef>
-                    <a:spcAft>
-                      <a:spcPts val="0"/>
-                    </a:spcAft>
-                  </a:defPPr>
-                  <a:lvl1pPr marR="0" lvl="0" algn="l" rtl="0">
-                    <a:lnSpc>
-                      <a:spcPct val="100000"/>
-                    </a:lnSpc>
-                    <a:spcBef>
-                      <a:spcPts val="0"/>
-                    </a:spcBef>
-                    <a:spcAft>
-                      <a:spcPts val="0"/>
-                    </a:spcAft>
-                    <a:buClr>
-                      <a:srgbClr val="000000"/>
-                    </a:buClr>
-                    <a:buFont typeface="Arial"/>
-                    <a:defRPr sz="1400" b="0" i="0" u="none" strike="noStrike" cap="none">
-                      <a:solidFill>
-                        <a:srgbClr val="000000"/>
-                      </a:solidFill>
-                      <a:latin typeface="Arial"/>
-                      <a:ea typeface="Arial"/>
-                      <a:cs typeface="Arial"/>
-                      <a:sym typeface="Arial"/>
-                    </a:defRPr>
-                  </a:lvl1pPr>
-                  <a:lvl2pPr marR="0" lvl="1" algn="l" rtl="0">
-                    <a:lnSpc>
-                      <a:spcPct val="100000"/>
-                    </a:lnSpc>
-                    <a:spcBef>
-                      <a:spcPts val="0"/>
-                    </a:spcBef>
-                    <a:spcAft>
-                      <a:spcPts val="0"/>
-                    </a:spcAft>
-                    <a:buClr>
-                      <a:srgbClr val="000000"/>
-                    </a:buClr>
-                    <a:buFont typeface="Arial"/>
-                    <a:defRPr sz="1400" b="0" i="0" u="none" strike="noStrike" cap="none">
-                      <a:solidFill>
-                        <a:srgbClr val="000000"/>
-                      </a:solidFill>
-                      <a:latin typeface="Arial"/>
-                      <a:ea typeface="Arial"/>
-                      <a:cs typeface="Arial"/>
-                      <a:sym typeface="Arial"/>
-                    </a:defRPr>
-                  </a:lvl2pPr>
-                  <a:lvl3pPr marR="0" lvl="2" algn="l" rtl="0">
-                    <a:lnSpc>
-                      <a:spcPct val="100000"/>
-                    </a:lnSpc>
-                    <a:spcBef>
-                      <a:spcPts val="0"/>
-                    </a:spcBef>
-                    <a:spcAft>
-                      <a:spcPts val="0"/>
-                    </a:spcAft>
-                    <a:buClr>
-                      <a:srgbClr val="000000"/>
-                    </a:buClr>
-                    <a:buFont typeface="Arial"/>
-                    <a:defRPr sz="1400" b="0" i="0" u="none" strike="noStrike" cap="none">
-                      <a:solidFill>
-                        <a:srgbClr val="000000"/>
-                      </a:solidFill>
-                      <a:latin typeface="Arial"/>
-                      <a:ea typeface="Arial"/>
-                      <a:cs typeface="Arial"/>
-                      <a:sym typeface="Arial"/>
-                    </a:defRPr>
-                  </a:lvl3pPr>
-                  <a:lvl4pPr marR="0" lvl="3" algn="l" rtl="0">
-                    <a:lnSpc>
-                      <a:spcPct val="100000"/>
-                    </a:lnSpc>
-                    <a:spcBef>
-                      <a:spcPts val="0"/>
-                    </a:spcBef>
-                    <a:spcAft>
-                      <a:spcPts val="0"/>
-                    </a:spcAft>
-                    <a:buClr>
-                      <a:srgbClr val="000000"/>
-                    </a:buClr>
-                    <a:buFont typeface="Arial"/>
-                    <a:defRPr sz="1400" b="0" i="0" u="none" strike="noStrike" cap="none">
-                      <a:solidFill>
-                        <a:srgbClr val="000000"/>
-                      </a:solidFill>
-                      <a:latin typeface="Arial"/>
-                      <a:ea typeface="Arial"/>
-                      <a:cs typeface="Arial"/>
-                      <a:sym typeface="Arial"/>
-                    </a:defRPr>
-                  </a:lvl4pPr>
-                  <a:lvl5pPr marR="0" lvl="4" algn="l" rtl="0">
-                    <a:lnSpc>
-                      <a:spcPct val="100000"/>
-                    </a:lnSpc>
-                    <a:spcBef>
-                      <a:spcPts val="0"/>
-                    </a:spcBef>
-                    <a:spcAft>
-                      <a:spcPts val="0"/>
-                    </a:spcAft>
-                    <a:buClr>
-                      <a:srgbClr val="000000"/>
-                    </a:buClr>
-                    <a:buFont typeface="Arial"/>
-                    <a:defRPr sz="1400" b="0" i="0" u="none" strike="noStrike" cap="none">
-                      <a:solidFill>
-                        <a:srgbClr val="000000"/>
-                      </a:solidFill>
-                      <a:latin typeface="Arial"/>
-                      <a:ea typeface="Arial"/>
-                      <a:cs typeface="Arial"/>
-                      <a:sym typeface="Arial"/>
-                    </a:defRPr>
-                  </a:lvl5pPr>
-                  <a:lvl6pPr marR="0" lvl="5" algn="l" rtl="0">
-                    <a:lnSpc>
-                      <a:spcPct val="100000"/>
-                    </a:lnSpc>
-                    <a:spcBef>
-                      <a:spcPts val="0"/>
-                    </a:spcBef>
-                    <a:spcAft>
-                      <a:spcPts val="0"/>
-                    </a:spcAft>
-                    <a:buClr>
-                      <a:srgbClr val="000000"/>
-                    </a:buClr>
-                    <a:buFont typeface="Arial"/>
-                    <a:defRPr sz="1400" b="0" i="0" u="none" strike="noStrike" cap="none">
-                      <a:solidFill>
-                        <a:srgbClr val="000000"/>
-                      </a:solidFill>
-                      <a:latin typeface="Arial"/>
-                      <a:ea typeface="Arial"/>
-                      <a:cs typeface="Arial"/>
-                      <a:sym typeface="Arial"/>
-                    </a:defRPr>
-                  </a:lvl6pPr>
-                  <a:lvl7pPr marR="0" lvl="6" algn="l" rtl="0">
-                    <a:lnSpc>
-                      <a:spcPct val="100000"/>
-                    </a:lnSpc>
-                    <a:spcBef>
-                      <a:spcPts val="0"/>
-                    </a:spcBef>
-                    <a:spcAft>
-                      <a:spcPts val="0"/>
-                    </a:spcAft>
-                    <a:buClr>
-                      <a:srgbClr val="000000"/>
-                    </a:buClr>
-                    <a:buFont typeface="Arial"/>
-                    <a:defRPr sz="1400" b="0" i="0" u="none" strike="noStrike" cap="none">
-                      <a:solidFill>
-                        <a:srgbClr val="000000"/>
-                      </a:solidFill>
-                      <a:latin typeface="Arial"/>
-                      <a:ea typeface="Arial"/>
-                      <a:cs typeface="Arial"/>
-                      <a:sym typeface="Arial"/>
-                    </a:defRPr>
-                  </a:lvl7pPr>
-                  <a:lvl8pPr marR="0" lvl="7" algn="l" rtl="0">
-                    <a:lnSpc>
-                      <a:spcPct val="100000"/>
-                    </a:lnSpc>
-                    <a:spcBef>
-                      <a:spcPts val="0"/>
-                    </a:spcBef>
-                    <a:spcAft>
-                      <a:spcPts val="0"/>
-                    </a:spcAft>
-                    <a:buClr>
-                      <a:srgbClr val="000000"/>
-                    </a:buClr>
-                    <a:buFont typeface="Arial"/>
-                    <a:defRPr sz="1400" b="0" i="0" u="none" strike="noStrike" cap="none">
-                      <a:solidFill>
-                        <a:srgbClr val="000000"/>
-                      </a:solidFill>
-                      <a:latin typeface="Arial"/>
-                      <a:ea typeface="Arial"/>
-                      <a:cs typeface="Arial"/>
-                      <a:sym typeface="Arial"/>
-                    </a:defRPr>
-                  </a:lvl8pPr>
-                  <a:lvl9pPr marR="0" lvl="8" algn="l" rtl="0">
-                    <a:lnSpc>
-                      <a:spcPct val="100000"/>
-                    </a:lnSpc>
-                    <a:spcBef>
-                      <a:spcPts val="0"/>
-                    </a:spcBef>
-                    <a:spcAft>
-                      <a:spcPts val="0"/>
-                    </a:spcAft>
-                    <a:buClr>
-                      <a:srgbClr val="000000"/>
-                    </a:buClr>
-                    <a:buFont typeface="Arial"/>
-                    <a:defRPr sz="1400" b="0" i="0" u="none" strike="noStrike" cap="none">
-                      <a:solidFill>
-                        <a:srgbClr val="000000"/>
-                      </a:solidFill>
-                      <a:latin typeface="Arial"/>
-                      <a:ea typeface="Arial"/>
-                      <a:cs typeface="Arial"/>
-                      <a:sym typeface="Arial"/>
-                    </a:defRPr>
-                  </a:lvl9pPr>
-                </a:lstStyle>
-                <a:p>
-                  <a:r>
-                    <a:rPr lang="ko-KR" altLang="en-US" sz="1000" dirty="0"/>
-                    <a:t>▶ </a:t>
-                  </a:r>
-                  <a:r>
-                    <a:rPr lang="en-US" altLang="ko-KR" sz="1000" dirty="0"/>
-                    <a:t>Read </a:t>
-                  </a:r>
-                  <a:r>
-                    <a:rPr lang="ko-KR" altLang="en-US" sz="1000" dirty="0"/>
-                    <a:t>정상 출력 코드 작성</a:t>
-                  </a:r>
-                  <a:r>
-                    <a:rPr lang="en-US" altLang="ko-KR" sz="1000" b="1" dirty="0">
-                      <a:solidFill>
-                        <a:srgbClr val="00B050"/>
-                      </a:solidFill>
-                    </a:rPr>
-                    <a:t>(GREEN)</a:t>
-                  </a:r>
-                  <a:endParaRPr lang="ko-KR" altLang="en-US" sz="1000" b="1" dirty="0">
-                    <a:solidFill>
-                      <a:srgbClr val="00B050"/>
-                    </a:solidFill>
-                  </a:endParaRPr>
-                </a:p>
-              </p:txBody>
-            </p:sp>
-          </p:grpSp>
-          <p:sp>
-            <p:nvSpPr>
-              <p:cNvPr id="25" name="사각형: 둥근 모서리 24">
-                <a:extLst>
-                  <a:ext uri="{FF2B5EF4-FFF2-40B4-BE49-F238E27FC236}">
-                    <a16:creationId xmlns:a16="http://schemas.microsoft.com/office/drawing/2014/main" id="{028A465E-6A86-43CB-9D72-93DC650929FD}"/>
-                  </a:ext>
-                </a:extLst>
-              </p:cNvPr>
-              <p:cNvSpPr/>
-              <p:nvPr/>
-            </p:nvSpPr>
-            <p:spPr>
-              <a:xfrm>
-                <a:off x="2112620" y="2980732"/>
-                <a:ext cx="3114699" cy="1787712"/>
-              </a:xfrm>
-              <a:prstGeom prst="roundRect">
-                <a:avLst>
-                  <a:gd name="adj" fmla="val 2400"/>
-                </a:avLst>
-              </a:prstGeom>
-              <a:noFill/>
-              <a:ln w="9525" cap="flat" cmpd="sng" algn="ctr">
-                <a:solidFill>
-                  <a:schemeClr val="dk1"/>
-                </a:solidFill>
-                <a:prstDash val="solid"/>
-                <a:round/>
-                <a:headEnd type="none" w="med" len="med"/>
-                <a:tailEnd type="none" w="med" len="med"/>
-              </a:ln>
-            </p:spPr>
-            <p:style>
-              <a:lnRef idx="0">
-                <a:scrgbClr r="0" g="0" b="0"/>
-              </a:lnRef>
-              <a:fillRef idx="0">
-                <a:scrgbClr r="0" g="0" b="0"/>
-              </a:fillRef>
-              <a:effectRef idx="0">
-                <a:scrgbClr r="0" g="0" b="0"/>
-              </a:effectRef>
-              <a:fontRef idx="minor">
-                <a:schemeClr val="dk1"/>
-              </a:fontRef>
-            </p:style>
-            <p:txBody>
-              <a:bodyPr rtlCol="0" anchor="ctr"/>
-              <a:lstStyle/>
-              <a:p>
-                <a:pPr algn="ctr"/>
-                <a:endParaRPr lang="ko-KR" altLang="en-US"/>
-              </a:p>
-            </p:txBody>
-          </p:sp>
-        </p:grpSp>
-        <p:cxnSp>
-          <p:nvCxnSpPr>
-            <p:cNvPr id="35" name="직선 화살표 연결선 34">
-              <a:extLst>
-                <a:ext uri="{FF2B5EF4-FFF2-40B4-BE49-F238E27FC236}">
-                  <a16:creationId xmlns:a16="http://schemas.microsoft.com/office/drawing/2014/main" id="{DFCB7813-539A-4B50-9D4A-D34C0CC79156}"/>
-                </a:ext>
-              </a:extLst>
-            </p:cNvPr>
-            <p:cNvCxnSpPr>
-              <a:cxnSpLocks/>
-            </p:cNvCxnSpPr>
-            <p:nvPr/>
-          </p:nvCxnSpPr>
-          <p:spPr>
-            <a:xfrm flipV="1">
-              <a:off x="8212338" y="3413235"/>
-              <a:ext cx="574338" cy="2259792"/>
-            </a:xfrm>
-            <a:prstGeom prst="straightConnector1">
-              <a:avLst/>
-            </a:prstGeom>
-            <a:ln w="57150">
-              <a:tailEnd type="triangle"/>
-            </a:ln>
-          </p:spPr>
-          <p:style>
-            <a:lnRef idx="1">
-              <a:schemeClr val="accent1"/>
-            </a:lnRef>
-            <a:fillRef idx="0">
-              <a:schemeClr val="accent1"/>
-            </a:fillRef>
-            <a:effectRef idx="0">
-              <a:schemeClr val="accent1"/>
-            </a:effectRef>
-            <a:fontRef idx="minor">
-              <a:schemeClr val="tx1"/>
-            </a:fontRef>
-          </p:style>
-        </p:cxnSp>
-        <p:sp>
-          <p:nvSpPr>
-            <p:cNvPr id="71" name="TextBox 70">
-              <a:extLst>
-                <a:ext uri="{FF2B5EF4-FFF2-40B4-BE49-F238E27FC236}">
-                  <a16:creationId xmlns:a16="http://schemas.microsoft.com/office/drawing/2014/main" id="{165EEC72-3D86-494F-AB7F-19A90172624A}"/>
-                </a:ext>
-              </a:extLst>
-            </p:cNvPr>
-            <p:cNvSpPr txBox="1"/>
-            <p:nvPr/>
-          </p:nvSpPr>
-          <p:spPr>
-            <a:xfrm rot="17076418">
-              <a:off x="7604660" y="4248345"/>
-              <a:ext cx="1404552" cy="338554"/>
-            </a:xfrm>
-            <a:prstGeom prst="rect">
-              <a:avLst/>
-            </a:prstGeom>
-            <a:noFill/>
-          </p:spPr>
-          <p:txBody>
-            <a:bodyPr wrap="none" rtlCol="0">
-              <a:spAutoFit/>
-            </a:bodyPr>
-            <a:lstStyle/>
-            <a:p>
-              <a:r>
-                <a:rPr lang="ko-KR" altLang="en-US" sz="1600" b="1" dirty="0">
-                  <a:solidFill>
-                    <a:srgbClr val="00B050"/>
-                  </a:solidFill>
-                </a:rPr>
-                <a:t>② </a:t>
-              </a:r>
-              <a:r>
-                <a:rPr lang="en-US" altLang="ko-KR" sz="1600" b="1" dirty="0">
-                  <a:solidFill>
-                    <a:srgbClr val="00B050"/>
-                  </a:solidFill>
-                </a:rPr>
-                <a:t>Test Pass</a:t>
-              </a:r>
-              <a:endParaRPr lang="ko-KR" altLang="en-US" sz="2000" b="1" dirty="0">
+          <a:prstGeom prst="straightConnector1">
+            <a:avLst/>
+          </a:prstGeom>
+          <a:ln w="57150">
+            <a:tailEnd type="triangle"/>
+          </a:ln>
+        </p:spPr>
+        <p:style>
+          <a:lnRef idx="1">
+            <a:schemeClr val="accent1"/>
+          </a:lnRef>
+          <a:fillRef idx="0">
+            <a:schemeClr val="accent1"/>
+          </a:fillRef>
+          <a:effectRef idx="0">
+            <a:schemeClr val="accent1"/>
+          </a:effectRef>
+          <a:fontRef idx="minor">
+            <a:schemeClr val="tx1"/>
+          </a:fontRef>
+        </p:style>
+      </p:cxnSp>
+      <p:sp>
+        <p:nvSpPr>
+          <p:cNvPr id="68" name="TextBox 67">
+            <a:extLst>
+              <a:ext uri="{FF2B5EF4-FFF2-40B4-BE49-F238E27FC236}">
+                <a16:creationId xmlns:a16="http://schemas.microsoft.com/office/drawing/2014/main" id="{47E4540E-3D6A-4DD9-A2D3-82C0ED207412}"/>
+              </a:ext>
+            </a:extLst>
+          </p:cNvPr>
+          <p:cNvSpPr txBox="1"/>
+          <p:nvPr/>
+        </p:nvSpPr>
+        <p:spPr>
+          <a:xfrm rot="17076418">
+            <a:off x="2238542" y="3130053"/>
+            <a:ext cx="1404552" cy="338554"/>
+          </a:xfrm>
+          <a:prstGeom prst="rect">
+            <a:avLst/>
+          </a:prstGeom>
+          <a:noFill/>
+        </p:spPr>
+        <p:txBody>
+          <a:bodyPr wrap="none" rtlCol="0">
+            <a:spAutoFit/>
+          </a:bodyPr>
+          <a:lstStyle/>
+          <a:p>
+            <a:r>
+              <a:rPr lang="ko-KR" altLang="en-US" sz="1600" b="1" dirty="0">
                 <a:solidFill>
                   <a:srgbClr val="00B050"/>
                 </a:solidFill>
-              </a:endParaRPr>
-            </a:p>
-          </p:txBody>
-        </p:sp>
-      </p:grpSp>
-      <p:grpSp>
-        <p:nvGrpSpPr>
-          <p:cNvPr id="38" name="그룹 37">
+              </a:rPr>
+              <a:t>② </a:t>
+            </a:r>
+            <a:r>
+              <a:rPr lang="en-US" altLang="ko-KR" sz="1600" b="1" dirty="0">
+                <a:solidFill>
+                  <a:srgbClr val="00B050"/>
+                </a:solidFill>
+              </a:rPr>
+              <a:t>Test Pass</a:t>
+            </a:r>
+            <a:endParaRPr lang="ko-KR" altLang="en-US" sz="2000" b="1" dirty="0">
+              <a:solidFill>
+                <a:srgbClr val="00B050"/>
+              </a:solidFill>
+            </a:endParaRPr>
+          </a:p>
+        </p:txBody>
+      </p:sp>
+      <p:cxnSp>
+        <p:nvCxnSpPr>
+          <p:cNvPr id="69" name="직선 화살표 연결선 68">
             <a:extLst>
               <a:ext uri="{FF2B5EF4-FFF2-40B4-BE49-F238E27FC236}">
-                <a16:creationId xmlns:a16="http://schemas.microsoft.com/office/drawing/2014/main" id="{073613A8-344A-40C6-9809-4615E948263E}"/>
+                <a16:creationId xmlns:a16="http://schemas.microsoft.com/office/drawing/2014/main" id="{6F1F2C11-0B28-4EDB-97D9-77FB63471588}"/>
               </a:ext>
             </a:extLst>
           </p:cNvPr>
-          <p:cNvGrpSpPr/>
+          <p:cNvCxnSpPr>
+            <a:cxnSpLocks/>
+          </p:cNvCxnSpPr>
           <p:nvPr/>
-        </p:nvGrpSpPr>
-        <p:grpSpPr>
-          <a:xfrm>
-            <a:off x="8258781" y="4079445"/>
-            <a:ext cx="3801670" cy="2399249"/>
-            <a:chOff x="8258781" y="4079445"/>
-            <a:chExt cx="3801670" cy="2399249"/>
+        </p:nvCxnSpPr>
+        <p:spPr>
+          <a:xfrm flipV="1">
+            <a:off x="2971640" y="5082015"/>
+            <a:ext cx="456421" cy="958600"/>
           </a:xfrm>
-        </p:grpSpPr>
-        <p:grpSp>
-          <p:nvGrpSpPr>
-            <p:cNvPr id="21" name="그룹 20">
-              <a:extLst>
-                <a:ext uri="{FF2B5EF4-FFF2-40B4-BE49-F238E27FC236}">
-                  <a16:creationId xmlns:a16="http://schemas.microsoft.com/office/drawing/2014/main" id="{AF6F3CB1-5235-45F7-9F71-80B5297B25B1}"/>
-                </a:ext>
-              </a:extLst>
-            </p:cNvPr>
-            <p:cNvGrpSpPr/>
-            <p:nvPr/>
-          </p:nvGrpSpPr>
-          <p:grpSpPr>
-            <a:xfrm>
-              <a:off x="8815652" y="4079445"/>
-              <a:ext cx="3244799" cy="2399249"/>
-              <a:chOff x="2473853" y="3255827"/>
-              <a:chExt cx="3244799" cy="2399249"/>
-            </a:xfrm>
-          </p:grpSpPr>
-          <p:grpSp>
-            <p:nvGrpSpPr>
-              <p:cNvPr id="12" name="그룹 11">
-                <a:extLst>
-                  <a:ext uri="{FF2B5EF4-FFF2-40B4-BE49-F238E27FC236}">
-                    <a16:creationId xmlns:a16="http://schemas.microsoft.com/office/drawing/2014/main" id="{53D843EA-EB68-4E12-A101-C11A99759CB0}"/>
-                  </a:ext>
-                </a:extLst>
-              </p:cNvPr>
-              <p:cNvGrpSpPr/>
-              <p:nvPr/>
-            </p:nvGrpSpPr>
-            <p:grpSpPr>
-              <a:xfrm>
-                <a:off x="2473853" y="3262484"/>
-                <a:ext cx="3244799" cy="2244454"/>
-                <a:chOff x="8817860" y="4191606"/>
-                <a:chExt cx="3244799" cy="2244454"/>
-              </a:xfrm>
-            </p:grpSpPr>
-            <p:pic>
-              <p:nvPicPr>
-                <p:cNvPr id="8" name="그림 7">
-                  <a:extLst>
-                    <a:ext uri="{FF2B5EF4-FFF2-40B4-BE49-F238E27FC236}">
-                      <a16:creationId xmlns:a16="http://schemas.microsoft.com/office/drawing/2014/main" id="{5728558D-2500-4687-8C86-EE897BDF27D9}"/>
-                    </a:ext>
-                  </a:extLst>
-                </p:cNvPr>
-                <p:cNvPicPr>
-                  <a:picLocks noChangeAspect="1"/>
-                </p:cNvPicPr>
-                <p:nvPr/>
-              </p:nvPicPr>
-              <p:blipFill rotWithShape="1">
-                <a:blip r:embed="rId8"/>
-                <a:srcRect l="9743" t="43162" r="70541" b="47363"/>
-                <a:stretch/>
-              </p:blipFill>
-              <p:spPr>
-                <a:xfrm>
-                  <a:off x="8992971" y="4455607"/>
-                  <a:ext cx="2017670" cy="545412"/>
-                </a:xfrm>
-                <a:prstGeom prst="rect">
-                  <a:avLst/>
-                </a:prstGeom>
-              </p:spPr>
-            </p:pic>
-            <p:sp>
-              <p:nvSpPr>
-                <p:cNvPr id="9" name="TextBox 12">
-                  <a:extLst>
-                    <a:ext uri="{FF2B5EF4-FFF2-40B4-BE49-F238E27FC236}">
-                      <a16:creationId xmlns:a16="http://schemas.microsoft.com/office/drawing/2014/main" id="{E93CB178-1404-4D7A-8E45-FA26867A8A03}"/>
-                    </a:ext>
-                  </a:extLst>
-                </p:cNvPr>
-                <p:cNvSpPr txBox="1"/>
-                <p:nvPr/>
-              </p:nvSpPr>
-              <p:spPr>
-                <a:xfrm>
-                  <a:off x="8817860" y="4191606"/>
-                  <a:ext cx="3244799" cy="400110"/>
-                </a:xfrm>
-                <a:prstGeom prst="rect">
-                  <a:avLst/>
-                </a:prstGeom>
-                <a:noFill/>
-              </p:spPr>
-              <p:txBody>
-                <a:bodyPr wrap="none" rtlCol="0">
-                  <a:spAutoFit/>
-                </a:bodyPr>
-                <a:lstStyle>
-                  <a:defPPr marR="0" lvl="0" algn="l" rtl="0">
-                    <a:lnSpc>
-                      <a:spcPct val="100000"/>
-                    </a:lnSpc>
-                    <a:spcBef>
-                      <a:spcPts val="0"/>
-                    </a:spcBef>
-                    <a:spcAft>
-                      <a:spcPts val="0"/>
-                    </a:spcAft>
-                  </a:defPPr>
-                  <a:lvl1pPr marR="0" lvl="0" algn="l" rtl="0">
-                    <a:lnSpc>
-                      <a:spcPct val="100000"/>
-                    </a:lnSpc>
-                    <a:spcBef>
-                      <a:spcPts val="0"/>
-                    </a:spcBef>
-                    <a:spcAft>
-                      <a:spcPts val="0"/>
-                    </a:spcAft>
-                    <a:buClr>
-                      <a:srgbClr val="000000"/>
-                    </a:buClr>
-                    <a:buFont typeface="Arial"/>
-                    <a:defRPr sz="1400" b="0" i="0" u="none" strike="noStrike" cap="none">
-                      <a:solidFill>
-                        <a:srgbClr val="000000"/>
-                      </a:solidFill>
-                      <a:latin typeface="Arial"/>
-                      <a:ea typeface="Arial"/>
-                      <a:cs typeface="Arial"/>
-                      <a:sym typeface="Arial"/>
-                    </a:defRPr>
-                  </a:lvl1pPr>
-                  <a:lvl2pPr marR="0" lvl="1" algn="l" rtl="0">
-                    <a:lnSpc>
-                      <a:spcPct val="100000"/>
-                    </a:lnSpc>
-                    <a:spcBef>
-                      <a:spcPts val="0"/>
-                    </a:spcBef>
-                    <a:spcAft>
-                      <a:spcPts val="0"/>
-                    </a:spcAft>
-                    <a:buClr>
-                      <a:srgbClr val="000000"/>
-                    </a:buClr>
-                    <a:buFont typeface="Arial"/>
-                    <a:defRPr sz="1400" b="0" i="0" u="none" strike="noStrike" cap="none">
-                      <a:solidFill>
-                        <a:srgbClr val="000000"/>
-                      </a:solidFill>
-                      <a:latin typeface="Arial"/>
-                      <a:ea typeface="Arial"/>
-                      <a:cs typeface="Arial"/>
-                      <a:sym typeface="Arial"/>
-                    </a:defRPr>
-                  </a:lvl2pPr>
-                  <a:lvl3pPr marR="0" lvl="2" algn="l" rtl="0">
-                    <a:lnSpc>
-                      <a:spcPct val="100000"/>
-                    </a:lnSpc>
-                    <a:spcBef>
-                      <a:spcPts val="0"/>
-                    </a:spcBef>
-                    <a:spcAft>
-                      <a:spcPts val="0"/>
-                    </a:spcAft>
-                    <a:buClr>
-                      <a:srgbClr val="000000"/>
-                    </a:buClr>
-                    <a:buFont typeface="Arial"/>
-                    <a:defRPr sz="1400" b="0" i="0" u="none" strike="noStrike" cap="none">
-                      <a:solidFill>
-                        <a:srgbClr val="000000"/>
-                      </a:solidFill>
-                      <a:latin typeface="Arial"/>
-                      <a:ea typeface="Arial"/>
-                      <a:cs typeface="Arial"/>
-                      <a:sym typeface="Arial"/>
-                    </a:defRPr>
-                  </a:lvl3pPr>
-                  <a:lvl4pPr marR="0" lvl="3" algn="l" rtl="0">
-                    <a:lnSpc>
-                      <a:spcPct val="100000"/>
-                    </a:lnSpc>
-                    <a:spcBef>
-                      <a:spcPts val="0"/>
-                    </a:spcBef>
-                    <a:spcAft>
-                      <a:spcPts val="0"/>
-                    </a:spcAft>
-                    <a:buClr>
-                      <a:srgbClr val="000000"/>
-                    </a:buClr>
-                    <a:buFont typeface="Arial"/>
-                    <a:defRPr sz="1400" b="0" i="0" u="none" strike="noStrike" cap="none">
-                      <a:solidFill>
-                        <a:srgbClr val="000000"/>
-                      </a:solidFill>
-                      <a:latin typeface="Arial"/>
-                      <a:ea typeface="Arial"/>
-                      <a:cs typeface="Arial"/>
-                      <a:sym typeface="Arial"/>
-                    </a:defRPr>
-                  </a:lvl4pPr>
-                  <a:lvl5pPr marR="0" lvl="4" algn="l" rtl="0">
-                    <a:lnSpc>
-                      <a:spcPct val="100000"/>
-                    </a:lnSpc>
-                    <a:spcBef>
-                      <a:spcPts val="0"/>
-                    </a:spcBef>
-                    <a:spcAft>
-                      <a:spcPts val="0"/>
-                    </a:spcAft>
-                    <a:buClr>
-                      <a:srgbClr val="000000"/>
-                    </a:buClr>
-                    <a:buFont typeface="Arial"/>
-                    <a:defRPr sz="1400" b="0" i="0" u="none" strike="noStrike" cap="none">
-                      <a:solidFill>
-                        <a:srgbClr val="000000"/>
-                      </a:solidFill>
-                      <a:latin typeface="Arial"/>
-                      <a:ea typeface="Arial"/>
-                      <a:cs typeface="Arial"/>
-                      <a:sym typeface="Arial"/>
-                    </a:defRPr>
-                  </a:lvl5pPr>
-                  <a:lvl6pPr marR="0" lvl="5" algn="l" rtl="0">
-                    <a:lnSpc>
-                      <a:spcPct val="100000"/>
-                    </a:lnSpc>
-                    <a:spcBef>
-                      <a:spcPts val="0"/>
-                    </a:spcBef>
-                    <a:spcAft>
-                      <a:spcPts val="0"/>
-                    </a:spcAft>
-                    <a:buClr>
-                      <a:srgbClr val="000000"/>
-                    </a:buClr>
-                    <a:buFont typeface="Arial"/>
-                    <a:defRPr sz="1400" b="0" i="0" u="none" strike="noStrike" cap="none">
-                      <a:solidFill>
-                        <a:srgbClr val="000000"/>
-                      </a:solidFill>
-                      <a:latin typeface="Arial"/>
-                      <a:ea typeface="Arial"/>
-                      <a:cs typeface="Arial"/>
-                      <a:sym typeface="Arial"/>
-                    </a:defRPr>
-                  </a:lvl6pPr>
-                  <a:lvl7pPr marR="0" lvl="6" algn="l" rtl="0">
-                    <a:lnSpc>
-                      <a:spcPct val="100000"/>
-                    </a:lnSpc>
-                    <a:spcBef>
-                      <a:spcPts val="0"/>
-                    </a:spcBef>
-                    <a:spcAft>
-                      <a:spcPts val="0"/>
-                    </a:spcAft>
-                    <a:buClr>
-                      <a:srgbClr val="000000"/>
-                    </a:buClr>
-                    <a:buFont typeface="Arial"/>
-                    <a:defRPr sz="1400" b="0" i="0" u="none" strike="noStrike" cap="none">
-                      <a:solidFill>
-                        <a:srgbClr val="000000"/>
-                      </a:solidFill>
-                      <a:latin typeface="Arial"/>
-                      <a:ea typeface="Arial"/>
-                      <a:cs typeface="Arial"/>
-                      <a:sym typeface="Arial"/>
-                    </a:defRPr>
-                  </a:lvl7pPr>
-                  <a:lvl8pPr marR="0" lvl="7" algn="l" rtl="0">
-                    <a:lnSpc>
-                      <a:spcPct val="100000"/>
-                    </a:lnSpc>
-                    <a:spcBef>
-                      <a:spcPts val="0"/>
-                    </a:spcBef>
-                    <a:spcAft>
-                      <a:spcPts val="0"/>
-                    </a:spcAft>
-                    <a:buClr>
-                      <a:srgbClr val="000000"/>
-                    </a:buClr>
-                    <a:buFont typeface="Arial"/>
-                    <a:defRPr sz="1400" b="0" i="0" u="none" strike="noStrike" cap="none">
-                      <a:solidFill>
-                        <a:srgbClr val="000000"/>
-                      </a:solidFill>
-                      <a:latin typeface="Arial"/>
-                      <a:ea typeface="Arial"/>
-                      <a:cs typeface="Arial"/>
-                      <a:sym typeface="Arial"/>
-                    </a:defRPr>
-                  </a:lvl8pPr>
-                  <a:lvl9pPr marR="0" lvl="8" algn="l" rtl="0">
-                    <a:lnSpc>
-                      <a:spcPct val="100000"/>
-                    </a:lnSpc>
-                    <a:spcBef>
-                      <a:spcPts val="0"/>
-                    </a:spcBef>
-                    <a:spcAft>
-                      <a:spcPts val="0"/>
-                    </a:spcAft>
-                    <a:buClr>
-                      <a:srgbClr val="000000"/>
-                    </a:buClr>
-                    <a:buFont typeface="Arial"/>
-                    <a:defRPr sz="1400" b="0" i="0" u="none" strike="noStrike" cap="none">
-                      <a:solidFill>
-                        <a:srgbClr val="000000"/>
-                      </a:solidFill>
-                      <a:latin typeface="Arial"/>
-                      <a:ea typeface="Arial"/>
-                      <a:cs typeface="Arial"/>
-                      <a:sym typeface="Arial"/>
-                    </a:defRPr>
-                  </a:lvl9pPr>
-                </a:lstStyle>
-                <a:p>
-                  <a:r>
-                    <a:rPr lang="ko-KR" altLang="en-US" sz="1000" dirty="0"/>
-                    <a:t>▶</a:t>
-                  </a:r>
-                  <a:r>
-                    <a:rPr lang="en-US" altLang="ko-KR" sz="1000" dirty="0"/>
-                    <a:t>TC 1. Invalid LBA </a:t>
-                  </a:r>
-                  <a:r>
-                    <a:rPr lang="ko-KR" altLang="en-US" sz="1000" dirty="0"/>
-                    <a:t>에러 발생 테스트 </a:t>
-                  </a:r>
-                  <a:r>
-                    <a:rPr lang="en-US" altLang="ko-KR" sz="1000" dirty="0"/>
-                    <a:t>PR # 11 </a:t>
-                  </a:r>
-                  <a:r>
-                    <a:rPr lang="en-US" altLang="ko-KR" sz="1000" b="1" dirty="0">
-                      <a:solidFill>
-                        <a:srgbClr val="FF0000"/>
-                      </a:solidFill>
-                    </a:rPr>
-                    <a:t>(RED)</a:t>
-                  </a:r>
-                  <a:endParaRPr lang="ko-KR" altLang="en-US" sz="1000" b="1" dirty="0">
-                    <a:solidFill>
-                      <a:srgbClr val="FF0000"/>
-                    </a:solidFill>
-                  </a:endParaRPr>
-                </a:p>
-                <a:p>
-                  <a:endParaRPr lang="ko-KR" altLang="en-US" sz="1000" dirty="0"/>
-                </a:p>
-              </p:txBody>
-            </p:sp>
-            <p:grpSp>
-              <p:nvGrpSpPr>
-                <p:cNvPr id="4" name="그룹 3">
-                  <a:extLst>
-                    <a:ext uri="{FF2B5EF4-FFF2-40B4-BE49-F238E27FC236}">
-                      <a16:creationId xmlns:a16="http://schemas.microsoft.com/office/drawing/2014/main" id="{1D32BE18-DB0A-405E-88D8-0223953210CF}"/>
-                    </a:ext>
-                  </a:extLst>
-                </p:cNvPr>
-                <p:cNvGrpSpPr/>
-                <p:nvPr/>
-              </p:nvGrpSpPr>
-              <p:grpSpPr>
-                <a:xfrm>
-                  <a:off x="8817864" y="4968544"/>
-                  <a:ext cx="2915002" cy="1467516"/>
-                  <a:chOff x="4162462" y="2275878"/>
-                  <a:chExt cx="3733132" cy="1879391"/>
-                </a:xfrm>
-              </p:grpSpPr>
-              <p:pic>
-                <p:nvPicPr>
-                  <p:cNvPr id="13" name="그림 12">
-                    <a:extLst>
-                      <a:ext uri="{FF2B5EF4-FFF2-40B4-BE49-F238E27FC236}">
-                        <a16:creationId xmlns:a16="http://schemas.microsoft.com/office/drawing/2014/main" id="{E73FF246-3A33-4377-BE9F-00DFA4CECD91}"/>
-                      </a:ext>
-                    </a:extLst>
-                  </p:cNvPr>
-                  <p:cNvPicPr>
-                    <a:picLocks noChangeAspect="1"/>
-                  </p:cNvPicPr>
-                  <p:nvPr/>
-                </p:nvPicPr>
-                <p:blipFill rotWithShape="1">
-                  <a:blip r:embed="rId9"/>
-                  <a:srcRect l="31701" t="44261" r="41701" b="28935"/>
-                  <a:stretch/>
-                </p:blipFill>
-                <p:spPr>
-                  <a:xfrm>
-                    <a:off x="4337148" y="2502943"/>
-                    <a:ext cx="2914870" cy="1652326"/>
-                  </a:xfrm>
-                  <a:prstGeom prst="rect">
-                    <a:avLst/>
-                  </a:prstGeom>
-                </p:spPr>
-              </p:pic>
-              <p:sp>
-                <p:nvSpPr>
-                  <p:cNvPr id="14" name="TextBox 14">
-                    <a:extLst>
-                      <a:ext uri="{FF2B5EF4-FFF2-40B4-BE49-F238E27FC236}">
-                        <a16:creationId xmlns:a16="http://schemas.microsoft.com/office/drawing/2014/main" id="{584DA1B1-3311-412E-AA04-6DA1E039BE6E}"/>
-                      </a:ext>
-                    </a:extLst>
-                  </p:cNvPr>
-                  <p:cNvSpPr txBox="1"/>
-                  <p:nvPr/>
-                </p:nvSpPr>
-                <p:spPr>
-                  <a:xfrm>
-                    <a:off x="4162462" y="2275878"/>
-                    <a:ext cx="3733132" cy="512405"/>
-                  </a:xfrm>
-                  <a:prstGeom prst="rect">
-                    <a:avLst/>
-                  </a:prstGeom>
-                  <a:noFill/>
-                </p:spPr>
-                <p:txBody>
-                  <a:bodyPr wrap="square" rtlCol="0">
-                    <a:spAutoFit/>
-                  </a:bodyPr>
-                  <a:lstStyle>
-                    <a:defPPr marR="0" lvl="0" algn="l" rtl="0">
-                      <a:lnSpc>
-                        <a:spcPct val="100000"/>
-                      </a:lnSpc>
-                      <a:spcBef>
-                        <a:spcPts val="0"/>
-                      </a:spcBef>
-                      <a:spcAft>
-                        <a:spcPts val="0"/>
-                      </a:spcAft>
-                    </a:defPPr>
-                    <a:lvl1pPr marR="0" lvl="0" algn="l" rtl="0">
-                      <a:lnSpc>
-                        <a:spcPct val="100000"/>
-                      </a:lnSpc>
-                      <a:spcBef>
-                        <a:spcPts val="0"/>
-                      </a:spcBef>
-                      <a:spcAft>
-                        <a:spcPts val="0"/>
-                      </a:spcAft>
-                      <a:buClr>
-                        <a:srgbClr val="000000"/>
-                      </a:buClr>
-                      <a:buFont typeface="Arial"/>
-                      <a:defRPr sz="1400" b="0" i="0" u="none" strike="noStrike" cap="none">
-                        <a:solidFill>
-                          <a:srgbClr val="000000"/>
-                        </a:solidFill>
-                        <a:latin typeface="Arial"/>
-                        <a:ea typeface="Arial"/>
-                        <a:cs typeface="Arial"/>
-                        <a:sym typeface="Arial"/>
-                      </a:defRPr>
-                    </a:lvl1pPr>
-                    <a:lvl2pPr marR="0" lvl="1" algn="l" rtl="0">
-                      <a:lnSpc>
-                        <a:spcPct val="100000"/>
-                      </a:lnSpc>
-                      <a:spcBef>
-                        <a:spcPts val="0"/>
-                      </a:spcBef>
-                      <a:spcAft>
-                        <a:spcPts val="0"/>
-                      </a:spcAft>
-                      <a:buClr>
-                        <a:srgbClr val="000000"/>
-                      </a:buClr>
-                      <a:buFont typeface="Arial"/>
-                      <a:defRPr sz="1400" b="0" i="0" u="none" strike="noStrike" cap="none">
-                        <a:solidFill>
-                          <a:srgbClr val="000000"/>
-                        </a:solidFill>
-                        <a:latin typeface="Arial"/>
-                        <a:ea typeface="Arial"/>
-                        <a:cs typeface="Arial"/>
-                        <a:sym typeface="Arial"/>
-                      </a:defRPr>
-                    </a:lvl2pPr>
-                    <a:lvl3pPr marR="0" lvl="2" algn="l" rtl="0">
-                      <a:lnSpc>
-                        <a:spcPct val="100000"/>
-                      </a:lnSpc>
-                      <a:spcBef>
-                        <a:spcPts val="0"/>
-                      </a:spcBef>
-                      <a:spcAft>
-                        <a:spcPts val="0"/>
-                      </a:spcAft>
-                      <a:buClr>
-                        <a:srgbClr val="000000"/>
-                      </a:buClr>
-                      <a:buFont typeface="Arial"/>
-                      <a:defRPr sz="1400" b="0" i="0" u="none" strike="noStrike" cap="none">
-                        <a:solidFill>
-                          <a:srgbClr val="000000"/>
-                        </a:solidFill>
-                        <a:latin typeface="Arial"/>
-                        <a:ea typeface="Arial"/>
-                        <a:cs typeface="Arial"/>
-                        <a:sym typeface="Arial"/>
-                      </a:defRPr>
-                    </a:lvl3pPr>
-                    <a:lvl4pPr marR="0" lvl="3" algn="l" rtl="0">
-                      <a:lnSpc>
-                        <a:spcPct val="100000"/>
-                      </a:lnSpc>
-                      <a:spcBef>
-                        <a:spcPts val="0"/>
-                      </a:spcBef>
-                      <a:spcAft>
-                        <a:spcPts val="0"/>
-                      </a:spcAft>
-                      <a:buClr>
-                        <a:srgbClr val="000000"/>
-                      </a:buClr>
-                      <a:buFont typeface="Arial"/>
-                      <a:defRPr sz="1400" b="0" i="0" u="none" strike="noStrike" cap="none">
-                        <a:solidFill>
-                          <a:srgbClr val="000000"/>
-                        </a:solidFill>
-                        <a:latin typeface="Arial"/>
-                        <a:ea typeface="Arial"/>
-                        <a:cs typeface="Arial"/>
-                        <a:sym typeface="Arial"/>
-                      </a:defRPr>
-                    </a:lvl4pPr>
-                    <a:lvl5pPr marR="0" lvl="4" algn="l" rtl="0">
-                      <a:lnSpc>
-                        <a:spcPct val="100000"/>
-                      </a:lnSpc>
-                      <a:spcBef>
-                        <a:spcPts val="0"/>
-                      </a:spcBef>
-                      <a:spcAft>
-                        <a:spcPts val="0"/>
-                      </a:spcAft>
-                      <a:buClr>
-                        <a:srgbClr val="000000"/>
-                      </a:buClr>
-                      <a:buFont typeface="Arial"/>
-                      <a:defRPr sz="1400" b="0" i="0" u="none" strike="noStrike" cap="none">
-                        <a:solidFill>
-                          <a:srgbClr val="000000"/>
-                        </a:solidFill>
-                        <a:latin typeface="Arial"/>
-                        <a:ea typeface="Arial"/>
-                        <a:cs typeface="Arial"/>
-                        <a:sym typeface="Arial"/>
-                      </a:defRPr>
-                    </a:lvl5pPr>
-                    <a:lvl6pPr marR="0" lvl="5" algn="l" rtl="0">
-                      <a:lnSpc>
-                        <a:spcPct val="100000"/>
-                      </a:lnSpc>
-                      <a:spcBef>
-                        <a:spcPts val="0"/>
-                      </a:spcBef>
-                      <a:spcAft>
-                        <a:spcPts val="0"/>
-                      </a:spcAft>
-                      <a:buClr>
-                        <a:srgbClr val="000000"/>
-                      </a:buClr>
-                      <a:buFont typeface="Arial"/>
-                      <a:defRPr sz="1400" b="0" i="0" u="none" strike="noStrike" cap="none">
-                        <a:solidFill>
-                          <a:srgbClr val="000000"/>
-                        </a:solidFill>
-                        <a:latin typeface="Arial"/>
-                        <a:ea typeface="Arial"/>
-                        <a:cs typeface="Arial"/>
-                        <a:sym typeface="Arial"/>
-                      </a:defRPr>
-                    </a:lvl6pPr>
-                    <a:lvl7pPr marR="0" lvl="6" algn="l" rtl="0">
-                      <a:lnSpc>
-                        <a:spcPct val="100000"/>
-                      </a:lnSpc>
-                      <a:spcBef>
-                        <a:spcPts val="0"/>
-                      </a:spcBef>
-                      <a:spcAft>
-                        <a:spcPts val="0"/>
-                      </a:spcAft>
-                      <a:buClr>
-                        <a:srgbClr val="000000"/>
-                      </a:buClr>
-                      <a:buFont typeface="Arial"/>
-                      <a:defRPr sz="1400" b="0" i="0" u="none" strike="noStrike" cap="none">
-                        <a:solidFill>
-                          <a:srgbClr val="000000"/>
-                        </a:solidFill>
-                        <a:latin typeface="Arial"/>
-                        <a:ea typeface="Arial"/>
-                        <a:cs typeface="Arial"/>
-                        <a:sym typeface="Arial"/>
-                      </a:defRPr>
-                    </a:lvl7pPr>
-                    <a:lvl8pPr marR="0" lvl="7" algn="l" rtl="0">
-                      <a:lnSpc>
-                        <a:spcPct val="100000"/>
-                      </a:lnSpc>
-                      <a:spcBef>
-                        <a:spcPts val="0"/>
-                      </a:spcBef>
-                      <a:spcAft>
-                        <a:spcPts val="0"/>
-                      </a:spcAft>
-                      <a:buClr>
-                        <a:srgbClr val="000000"/>
-                      </a:buClr>
-                      <a:buFont typeface="Arial"/>
-                      <a:defRPr sz="1400" b="0" i="0" u="none" strike="noStrike" cap="none">
-                        <a:solidFill>
-                          <a:srgbClr val="000000"/>
-                        </a:solidFill>
-                        <a:latin typeface="Arial"/>
-                        <a:ea typeface="Arial"/>
-                        <a:cs typeface="Arial"/>
-                        <a:sym typeface="Arial"/>
-                      </a:defRPr>
-                    </a:lvl8pPr>
-                    <a:lvl9pPr marR="0" lvl="8" algn="l" rtl="0">
-                      <a:lnSpc>
-                        <a:spcPct val="100000"/>
-                      </a:lnSpc>
-                      <a:spcBef>
-                        <a:spcPts val="0"/>
-                      </a:spcBef>
-                      <a:spcAft>
-                        <a:spcPts val="0"/>
-                      </a:spcAft>
-                      <a:buClr>
-                        <a:srgbClr val="000000"/>
-                      </a:buClr>
-                      <a:buFont typeface="Arial"/>
-                      <a:defRPr sz="1400" b="0" i="0" u="none" strike="noStrike" cap="none">
-                        <a:solidFill>
-                          <a:srgbClr val="000000"/>
-                        </a:solidFill>
-                        <a:latin typeface="Arial"/>
-                        <a:ea typeface="Arial"/>
-                        <a:cs typeface="Arial"/>
-                        <a:sym typeface="Arial"/>
-                      </a:defRPr>
-                    </a:lvl9pPr>
-                  </a:lstStyle>
-                  <a:p>
-                    <a:r>
-                      <a:rPr lang="ko-KR" altLang="en-US" sz="1000" dirty="0"/>
-                      <a:t>▶</a:t>
-                    </a:r>
-                    <a:r>
-                      <a:rPr lang="en-US" altLang="ko-KR" sz="1000" dirty="0"/>
-                      <a:t>Read </a:t>
-                    </a:r>
-                    <a:r>
-                      <a:rPr lang="ko-KR" altLang="en-US" sz="1000" dirty="0"/>
-                      <a:t>에서 에러 발생 코드 작성</a:t>
-                    </a:r>
-                    <a:r>
-                      <a:rPr lang="en-US" altLang="ko-KR" sz="1000" b="1" dirty="0">
-                        <a:solidFill>
-                          <a:srgbClr val="00B050"/>
-                        </a:solidFill>
-                      </a:rPr>
-                      <a:t>(GREEN)</a:t>
-                    </a:r>
-                    <a:endParaRPr lang="ko-KR" altLang="en-US" sz="1000" b="1" dirty="0">
-                      <a:solidFill>
-                        <a:srgbClr val="00B050"/>
-                      </a:solidFill>
-                    </a:endParaRPr>
-                  </a:p>
-                  <a:p>
-                    <a:endParaRPr lang="ko-KR" altLang="en-US" sz="1000" dirty="0"/>
-                  </a:p>
-                </p:txBody>
-              </p:sp>
-            </p:grpSp>
-          </p:grpSp>
-          <p:sp>
-            <p:nvSpPr>
-              <p:cNvPr id="15" name="사각형: 둥근 모서리 14">
-                <a:extLst>
-                  <a:ext uri="{FF2B5EF4-FFF2-40B4-BE49-F238E27FC236}">
-                    <a16:creationId xmlns:a16="http://schemas.microsoft.com/office/drawing/2014/main" id="{AC396C53-E87A-4DE0-AE6E-7506FCDB42B0}"/>
-                  </a:ext>
-                </a:extLst>
-              </p:cNvPr>
-              <p:cNvSpPr/>
-              <p:nvPr/>
-            </p:nvSpPr>
-            <p:spPr>
-              <a:xfrm>
-                <a:off x="2501170" y="3255827"/>
-                <a:ext cx="3070293" cy="2399249"/>
-              </a:xfrm>
-              <a:prstGeom prst="roundRect">
-                <a:avLst>
-                  <a:gd name="adj" fmla="val 2400"/>
-                </a:avLst>
-              </a:prstGeom>
-              <a:noFill/>
-              <a:ln w="9525" cap="flat" cmpd="sng" algn="ctr">
-                <a:solidFill>
-                  <a:schemeClr val="dk1"/>
-                </a:solidFill>
-                <a:prstDash val="solid"/>
-                <a:round/>
-                <a:headEnd type="none" w="med" len="med"/>
-                <a:tailEnd type="none" w="med" len="med"/>
-              </a:ln>
-            </p:spPr>
-            <p:style>
-              <a:lnRef idx="0">
-                <a:scrgbClr r="0" g="0" b="0"/>
-              </a:lnRef>
-              <a:fillRef idx="0">
-                <a:scrgbClr r="0" g="0" b="0"/>
-              </a:fillRef>
-              <a:effectRef idx="0">
-                <a:scrgbClr r="0" g="0" b="0"/>
-              </a:effectRef>
-              <a:fontRef idx="minor">
-                <a:schemeClr val="dk1"/>
-              </a:fontRef>
-            </p:style>
-            <p:txBody>
-              <a:bodyPr rtlCol="0" anchor="ctr"/>
-              <a:lstStyle/>
-              <a:p>
-                <a:pPr algn="ctr"/>
-                <a:endParaRPr lang="ko-KR" altLang="en-US"/>
-              </a:p>
-            </p:txBody>
-          </p:sp>
-        </p:grpSp>
-        <p:cxnSp>
-          <p:nvCxnSpPr>
-            <p:cNvPr id="32" name="직선 화살표 연결선 31">
-              <a:extLst>
-                <a:ext uri="{FF2B5EF4-FFF2-40B4-BE49-F238E27FC236}">
-                  <a16:creationId xmlns:a16="http://schemas.microsoft.com/office/drawing/2014/main" id="{CC72CEC9-8E36-4FFD-A815-1DA914FB6A5E}"/>
-                </a:ext>
-              </a:extLst>
-            </p:cNvPr>
-            <p:cNvCxnSpPr>
-              <a:cxnSpLocks/>
-              <a:stCxn id="26" idx="3"/>
-              <a:endCxn id="15" idx="1"/>
-            </p:cNvCxnSpPr>
-            <p:nvPr/>
-          </p:nvCxnSpPr>
-          <p:spPr>
-            <a:xfrm flipV="1">
-              <a:off x="8386548" y="5279070"/>
-              <a:ext cx="456421" cy="958600"/>
-            </a:xfrm>
-            <a:prstGeom prst="straightConnector1">
-              <a:avLst/>
-            </a:prstGeom>
-            <a:ln w="57150">
-              <a:tailEnd type="triangle"/>
-            </a:ln>
-          </p:spPr>
-          <p:style>
-            <a:lnRef idx="1">
-              <a:schemeClr val="accent1"/>
-            </a:lnRef>
-            <a:fillRef idx="0">
-              <a:schemeClr val="accent1"/>
-            </a:fillRef>
-            <a:effectRef idx="0">
-              <a:schemeClr val="accent1"/>
-            </a:effectRef>
-            <a:fontRef idx="minor">
-              <a:schemeClr val="tx1"/>
-            </a:fontRef>
-          </p:style>
-        </p:cxnSp>
-        <p:sp>
-          <p:nvSpPr>
-            <p:cNvPr id="72" name="TextBox 71">
-              <a:extLst>
-                <a:ext uri="{FF2B5EF4-FFF2-40B4-BE49-F238E27FC236}">
-                  <a16:creationId xmlns:a16="http://schemas.microsoft.com/office/drawing/2014/main" id="{F3541F94-CD9A-415B-81A3-4833BC7A112C}"/>
-                </a:ext>
-              </a:extLst>
-            </p:cNvPr>
-            <p:cNvSpPr txBox="1"/>
-            <p:nvPr/>
-          </p:nvSpPr>
-          <p:spPr>
-            <a:xfrm rot="17759519">
-              <a:off x="7881915" y="5550046"/>
-              <a:ext cx="1061509" cy="307777"/>
-            </a:xfrm>
-            <a:prstGeom prst="rect">
-              <a:avLst/>
-            </a:prstGeom>
-            <a:noFill/>
-          </p:spPr>
-          <p:txBody>
-            <a:bodyPr wrap="none" rtlCol="0">
-              <a:spAutoFit/>
-            </a:bodyPr>
-            <a:lstStyle/>
-            <a:p>
-              <a:r>
-                <a:rPr lang="ko-KR" altLang="en-US" b="1" dirty="0">
-                  <a:solidFill>
-                    <a:srgbClr val="FF0000"/>
-                  </a:solidFill>
-                </a:rPr>
-                <a:t>① </a:t>
-              </a:r>
-              <a:r>
-                <a:rPr lang="en-US" altLang="ko-KR" b="1" dirty="0">
-                  <a:solidFill>
-                    <a:srgbClr val="FF0000"/>
-                  </a:solidFill>
-                </a:rPr>
-                <a:t>TC </a:t>
-              </a:r>
-              <a:r>
-                <a:rPr lang="ko-KR" altLang="en-US" b="1" dirty="0">
-                  <a:solidFill>
-                    <a:srgbClr val="FF0000"/>
-                  </a:solidFill>
-                </a:rPr>
-                <a:t>작성</a:t>
-              </a:r>
-              <a:endParaRPr lang="ko-KR" altLang="en-US" sz="2000" b="1" dirty="0">
+          <a:prstGeom prst="straightConnector1">
+            <a:avLst/>
+          </a:prstGeom>
+          <a:ln w="57150">
+            <a:tailEnd type="triangle"/>
+          </a:ln>
+        </p:spPr>
+        <p:style>
+          <a:lnRef idx="1">
+            <a:schemeClr val="accent1"/>
+          </a:lnRef>
+          <a:fillRef idx="0">
+            <a:schemeClr val="accent1"/>
+          </a:fillRef>
+          <a:effectRef idx="0">
+            <a:schemeClr val="accent1"/>
+          </a:effectRef>
+          <a:fontRef idx="minor">
+            <a:schemeClr val="tx1"/>
+          </a:fontRef>
+        </p:style>
+      </p:cxnSp>
+      <p:sp>
+        <p:nvSpPr>
+          <p:cNvPr id="70" name="TextBox 69">
+            <a:extLst>
+              <a:ext uri="{FF2B5EF4-FFF2-40B4-BE49-F238E27FC236}">
+                <a16:creationId xmlns:a16="http://schemas.microsoft.com/office/drawing/2014/main" id="{AABF3F0E-B7FF-4E55-ADE2-8C182F5EEAEB}"/>
+              </a:ext>
+            </a:extLst>
+          </p:cNvPr>
+          <p:cNvSpPr txBox="1"/>
+          <p:nvPr/>
+        </p:nvSpPr>
+        <p:spPr>
+          <a:xfrm rot="17759519">
+            <a:off x="2509498" y="5359235"/>
+            <a:ext cx="1061509" cy="307777"/>
+          </a:xfrm>
+          <a:prstGeom prst="rect">
+            <a:avLst/>
+          </a:prstGeom>
+          <a:noFill/>
+        </p:spPr>
+        <p:txBody>
+          <a:bodyPr wrap="none" rtlCol="0">
+            <a:spAutoFit/>
+          </a:bodyPr>
+          <a:lstStyle/>
+          <a:p>
+            <a:r>
+              <a:rPr lang="ko-KR" altLang="en-US" b="1" dirty="0">
                 <a:solidFill>
                   <a:srgbClr val="FF0000"/>
                 </a:solidFill>
-              </a:endParaRPr>
-            </a:p>
-          </p:txBody>
-        </p:sp>
-      </p:grpSp>
-      <p:grpSp>
-        <p:nvGrpSpPr>
-          <p:cNvPr id="36" name="그룹 35">
+              </a:rPr>
+              <a:t>① </a:t>
+            </a:r>
+            <a:r>
+              <a:rPr lang="en-US" altLang="ko-KR" b="1" dirty="0">
+                <a:solidFill>
+                  <a:srgbClr val="FF0000"/>
+                </a:solidFill>
+              </a:rPr>
+              <a:t>TC </a:t>
+            </a:r>
+            <a:r>
+              <a:rPr lang="ko-KR" altLang="en-US" b="1" dirty="0">
+                <a:solidFill>
+                  <a:srgbClr val="FF0000"/>
+                </a:solidFill>
+              </a:rPr>
+              <a:t>작성</a:t>
+            </a:r>
+            <a:endParaRPr lang="ko-KR" altLang="en-US" sz="2000" b="1" dirty="0">
+              <a:solidFill>
+                <a:srgbClr val="FF0000"/>
+              </a:solidFill>
+            </a:endParaRPr>
+          </a:p>
+        </p:txBody>
+      </p:sp>
+      <p:sp>
+        <p:nvSpPr>
+          <p:cNvPr id="57" name="TextBox 56">
             <a:extLst>
               <a:ext uri="{FF2B5EF4-FFF2-40B4-BE49-F238E27FC236}">
-                <a16:creationId xmlns:a16="http://schemas.microsoft.com/office/drawing/2014/main" id="{DB9A8718-5334-4E76-B70F-A0AF0429E6C5}"/>
+                <a16:creationId xmlns:a16="http://schemas.microsoft.com/office/drawing/2014/main" id="{737214D3-4DE1-4335-8A07-77F6D2837C48}"/>
               </a:ext>
             </a:extLst>
           </p:cNvPr>
-          <p:cNvGrpSpPr/>
+          <p:cNvSpPr txBox="1"/>
           <p:nvPr/>
-        </p:nvGrpSpPr>
-        <p:grpSpPr>
-          <a:xfrm>
-            <a:off x="475249" y="1611844"/>
-            <a:ext cx="2496391" cy="2530842"/>
-            <a:chOff x="475249" y="1611844"/>
-            <a:chExt cx="2496391" cy="2530842"/>
+        </p:nvSpPr>
+        <p:spPr>
+          <a:xfrm rot="16765233">
+            <a:off x="6739003" y="2949059"/>
+            <a:ext cx="1587294" cy="338554"/>
           </a:xfrm>
-        </p:grpSpPr>
-        <p:pic>
-          <p:nvPicPr>
-            <p:cNvPr id="33" name="그림 32">
-              <a:extLst>
-                <a:ext uri="{FF2B5EF4-FFF2-40B4-BE49-F238E27FC236}">
-                  <a16:creationId xmlns:a16="http://schemas.microsoft.com/office/drawing/2014/main" id="{1BE8733B-233D-4B5F-957F-D0B75E3FAA98}"/>
-                </a:ext>
-              </a:extLst>
-            </p:cNvPr>
-            <p:cNvPicPr>
-              <a:picLocks noChangeAspect="1"/>
-            </p:cNvPicPr>
-            <p:nvPr/>
-          </p:nvPicPr>
-          <p:blipFill>
-            <a:blip r:embed="rId10"/>
-            <a:stretch>
-              <a:fillRect/>
-            </a:stretch>
-          </p:blipFill>
-          <p:spPr>
-            <a:xfrm>
-              <a:off x="601677" y="1912941"/>
-              <a:ext cx="2131261" cy="1662470"/>
-            </a:xfrm>
-            <a:prstGeom prst="rect">
-              <a:avLst/>
-            </a:prstGeom>
-          </p:spPr>
-        </p:pic>
-        <p:sp>
-          <p:nvSpPr>
-            <p:cNvPr id="52" name="TextBox 12">
-              <a:extLst>
-                <a:ext uri="{FF2B5EF4-FFF2-40B4-BE49-F238E27FC236}">
-                  <a16:creationId xmlns:a16="http://schemas.microsoft.com/office/drawing/2014/main" id="{C4ED901E-1CE1-44CB-A01C-0535B13C2922}"/>
-                </a:ext>
-              </a:extLst>
-            </p:cNvPr>
-            <p:cNvSpPr txBox="1"/>
-            <p:nvPr/>
-          </p:nvSpPr>
-          <p:spPr>
-            <a:xfrm>
-              <a:off x="536260" y="1649356"/>
-              <a:ext cx="2036135" cy="246221"/>
-            </a:xfrm>
-            <a:prstGeom prst="rect">
-              <a:avLst/>
-            </a:prstGeom>
-            <a:noFill/>
-          </p:spPr>
-          <p:txBody>
-            <a:bodyPr wrap="none" rtlCol="0">
-              <a:spAutoFit/>
-            </a:bodyPr>
-            <a:lstStyle>
-              <a:defPPr marR="0" lvl="0" algn="l" rtl="0">
-                <a:lnSpc>
-                  <a:spcPct val="100000"/>
-                </a:lnSpc>
-                <a:spcBef>
-                  <a:spcPts val="0"/>
-                </a:spcBef>
-                <a:spcAft>
-                  <a:spcPts val="0"/>
-                </a:spcAft>
-              </a:defPPr>
-              <a:lvl1pPr marR="0" lvl="0" algn="l" rtl="0">
-                <a:lnSpc>
-                  <a:spcPct val="100000"/>
-                </a:lnSpc>
-                <a:spcBef>
-                  <a:spcPts val="0"/>
-                </a:spcBef>
-                <a:spcAft>
-                  <a:spcPts val="0"/>
-                </a:spcAft>
-                <a:buClr>
-                  <a:srgbClr val="000000"/>
-                </a:buClr>
-                <a:buFont typeface="Arial"/>
-                <a:defRPr sz="1400" b="0" i="0" u="none" strike="noStrike" cap="none">
-                  <a:solidFill>
-                    <a:srgbClr val="000000"/>
-                  </a:solidFill>
-                  <a:latin typeface="Arial"/>
-                  <a:ea typeface="Arial"/>
-                  <a:cs typeface="Arial"/>
-                  <a:sym typeface="Arial"/>
-                </a:defRPr>
-              </a:lvl1pPr>
-              <a:lvl2pPr marR="0" lvl="1" algn="l" rtl="0">
-                <a:lnSpc>
-                  <a:spcPct val="100000"/>
-                </a:lnSpc>
-                <a:spcBef>
-                  <a:spcPts val="0"/>
-                </a:spcBef>
-                <a:spcAft>
-                  <a:spcPts val="0"/>
-                </a:spcAft>
-                <a:buClr>
-                  <a:srgbClr val="000000"/>
-                </a:buClr>
-                <a:buFont typeface="Arial"/>
-                <a:defRPr sz="1400" b="0" i="0" u="none" strike="noStrike" cap="none">
-                  <a:solidFill>
-                    <a:srgbClr val="000000"/>
-                  </a:solidFill>
-                  <a:latin typeface="Arial"/>
-                  <a:ea typeface="Arial"/>
-                  <a:cs typeface="Arial"/>
-                  <a:sym typeface="Arial"/>
-                </a:defRPr>
-              </a:lvl2pPr>
-              <a:lvl3pPr marR="0" lvl="2" algn="l" rtl="0">
-                <a:lnSpc>
-                  <a:spcPct val="100000"/>
-                </a:lnSpc>
-                <a:spcBef>
-                  <a:spcPts val="0"/>
-                </a:spcBef>
-                <a:spcAft>
-                  <a:spcPts val="0"/>
-                </a:spcAft>
-                <a:buClr>
-                  <a:srgbClr val="000000"/>
-                </a:buClr>
-                <a:buFont typeface="Arial"/>
-                <a:defRPr sz="1400" b="0" i="0" u="none" strike="noStrike" cap="none">
-                  <a:solidFill>
-                    <a:srgbClr val="000000"/>
-                  </a:solidFill>
-                  <a:latin typeface="Arial"/>
-                  <a:ea typeface="Arial"/>
-                  <a:cs typeface="Arial"/>
-                  <a:sym typeface="Arial"/>
-                </a:defRPr>
-              </a:lvl3pPr>
-              <a:lvl4pPr marR="0" lvl="3" algn="l" rtl="0">
-                <a:lnSpc>
-                  <a:spcPct val="100000"/>
-                </a:lnSpc>
-                <a:spcBef>
-                  <a:spcPts val="0"/>
-                </a:spcBef>
-                <a:spcAft>
-                  <a:spcPts val="0"/>
-                </a:spcAft>
-                <a:buClr>
-                  <a:srgbClr val="000000"/>
-                </a:buClr>
-                <a:buFont typeface="Arial"/>
-                <a:defRPr sz="1400" b="0" i="0" u="none" strike="noStrike" cap="none">
-                  <a:solidFill>
-                    <a:srgbClr val="000000"/>
-                  </a:solidFill>
-                  <a:latin typeface="Arial"/>
-                  <a:ea typeface="Arial"/>
-                  <a:cs typeface="Arial"/>
-                  <a:sym typeface="Arial"/>
-                </a:defRPr>
-              </a:lvl4pPr>
-              <a:lvl5pPr marR="0" lvl="4" algn="l" rtl="0">
-                <a:lnSpc>
-                  <a:spcPct val="100000"/>
-                </a:lnSpc>
-                <a:spcBef>
-                  <a:spcPts val="0"/>
-                </a:spcBef>
-                <a:spcAft>
-                  <a:spcPts val="0"/>
-                </a:spcAft>
-                <a:buClr>
-                  <a:srgbClr val="000000"/>
-                </a:buClr>
-                <a:buFont typeface="Arial"/>
-                <a:defRPr sz="1400" b="0" i="0" u="none" strike="noStrike" cap="none">
-                  <a:solidFill>
-                    <a:srgbClr val="000000"/>
-                  </a:solidFill>
-                  <a:latin typeface="Arial"/>
-                  <a:ea typeface="Arial"/>
-                  <a:cs typeface="Arial"/>
-                  <a:sym typeface="Arial"/>
-                </a:defRPr>
-              </a:lvl5pPr>
-              <a:lvl6pPr marR="0" lvl="5" algn="l" rtl="0">
-                <a:lnSpc>
-                  <a:spcPct val="100000"/>
-                </a:lnSpc>
-                <a:spcBef>
-                  <a:spcPts val="0"/>
-                </a:spcBef>
-                <a:spcAft>
-                  <a:spcPts val="0"/>
-                </a:spcAft>
-                <a:buClr>
-                  <a:srgbClr val="000000"/>
-                </a:buClr>
-                <a:buFont typeface="Arial"/>
-                <a:defRPr sz="1400" b="0" i="0" u="none" strike="noStrike" cap="none">
-                  <a:solidFill>
-                    <a:srgbClr val="000000"/>
-                  </a:solidFill>
-                  <a:latin typeface="Arial"/>
-                  <a:ea typeface="Arial"/>
-                  <a:cs typeface="Arial"/>
-                  <a:sym typeface="Arial"/>
-                </a:defRPr>
-              </a:lvl6pPr>
-              <a:lvl7pPr marR="0" lvl="6" algn="l" rtl="0">
-                <a:lnSpc>
-                  <a:spcPct val="100000"/>
-                </a:lnSpc>
-                <a:spcBef>
-                  <a:spcPts val="0"/>
-                </a:spcBef>
-                <a:spcAft>
-                  <a:spcPts val="0"/>
-                </a:spcAft>
-                <a:buClr>
-                  <a:srgbClr val="000000"/>
-                </a:buClr>
-                <a:buFont typeface="Arial"/>
-                <a:defRPr sz="1400" b="0" i="0" u="none" strike="noStrike" cap="none">
-                  <a:solidFill>
-                    <a:srgbClr val="000000"/>
-                  </a:solidFill>
-                  <a:latin typeface="Arial"/>
-                  <a:ea typeface="Arial"/>
-                  <a:cs typeface="Arial"/>
-                  <a:sym typeface="Arial"/>
-                </a:defRPr>
-              </a:lvl7pPr>
-              <a:lvl8pPr marR="0" lvl="7" algn="l" rtl="0">
-                <a:lnSpc>
-                  <a:spcPct val="100000"/>
-                </a:lnSpc>
-                <a:spcBef>
-                  <a:spcPts val="0"/>
-                </a:spcBef>
-                <a:spcAft>
-                  <a:spcPts val="0"/>
-                </a:spcAft>
-                <a:buClr>
-                  <a:srgbClr val="000000"/>
-                </a:buClr>
-                <a:buFont typeface="Arial"/>
-                <a:defRPr sz="1400" b="0" i="0" u="none" strike="noStrike" cap="none">
-                  <a:solidFill>
-                    <a:srgbClr val="000000"/>
-                  </a:solidFill>
-                  <a:latin typeface="Arial"/>
-                  <a:ea typeface="Arial"/>
-                  <a:cs typeface="Arial"/>
-                  <a:sym typeface="Arial"/>
-                </a:defRPr>
-              </a:lvl8pPr>
-              <a:lvl9pPr marR="0" lvl="8" algn="l" rtl="0">
-                <a:lnSpc>
-                  <a:spcPct val="100000"/>
-                </a:lnSpc>
-                <a:spcBef>
-                  <a:spcPts val="0"/>
-                </a:spcBef>
-                <a:spcAft>
-                  <a:spcPts val="0"/>
-                </a:spcAft>
-                <a:buClr>
-                  <a:srgbClr val="000000"/>
-                </a:buClr>
-                <a:buFont typeface="Arial"/>
-                <a:defRPr sz="1400" b="0" i="0" u="none" strike="noStrike" cap="none">
-                  <a:solidFill>
-                    <a:srgbClr val="000000"/>
-                  </a:solidFill>
-                  <a:latin typeface="Arial"/>
-                  <a:ea typeface="Arial"/>
-                  <a:cs typeface="Arial"/>
-                  <a:sym typeface="Arial"/>
-                </a:defRPr>
-              </a:lvl9pPr>
-            </a:lstStyle>
-            <a:p>
-              <a:r>
-                <a:rPr lang="ko-KR" altLang="en-US" sz="1000" dirty="0"/>
-                <a:t>▶</a:t>
-              </a:r>
-              <a:r>
-                <a:rPr lang="en-US" altLang="ko-KR" sz="1000" dirty="0"/>
-                <a:t> </a:t>
-              </a:r>
-              <a:r>
-                <a:rPr lang="ko-KR" altLang="en-US" sz="1000" dirty="0"/>
-                <a:t>일반코드 구현</a:t>
-              </a:r>
-              <a:r>
-                <a:rPr lang="en-US" altLang="ko-KR" sz="1000" dirty="0"/>
-                <a:t> </a:t>
-              </a:r>
-              <a:r>
-                <a:rPr lang="en-US" altLang="ko-KR" sz="1000" b="1" dirty="0">
-                  <a:solidFill>
-                    <a:srgbClr val="0070C0"/>
-                  </a:solidFill>
-                </a:rPr>
-                <a:t>(REFACTOR)</a:t>
-              </a:r>
-              <a:endParaRPr lang="ko-KR" altLang="en-US" sz="1000" b="1" dirty="0">
+          <a:prstGeom prst="rect">
+            <a:avLst/>
+          </a:prstGeom>
+          <a:noFill/>
+        </p:spPr>
+        <p:txBody>
+          <a:bodyPr wrap="none" rtlCol="0">
+            <a:spAutoFit/>
+          </a:bodyPr>
+          <a:lstStyle/>
+          <a:p>
+            <a:r>
+              <a:rPr lang="ko-KR" altLang="en-US" sz="1600" b="1" dirty="0">
                 <a:solidFill>
                   <a:srgbClr val="0070C0"/>
                 </a:solidFill>
-              </a:endParaRPr>
-            </a:p>
-          </p:txBody>
-        </p:sp>
-        <p:cxnSp>
-          <p:nvCxnSpPr>
-            <p:cNvPr id="65" name="직선 화살표 연결선 64">
-              <a:extLst>
-                <a:ext uri="{FF2B5EF4-FFF2-40B4-BE49-F238E27FC236}">
-                  <a16:creationId xmlns:a16="http://schemas.microsoft.com/office/drawing/2014/main" id="{4CB8DDDE-A4D3-4D3B-B476-276E08DD24E4}"/>
-                </a:ext>
-              </a:extLst>
-            </p:cNvPr>
-            <p:cNvCxnSpPr>
-              <a:cxnSpLocks/>
-            </p:cNvCxnSpPr>
-            <p:nvPr/>
-          </p:nvCxnSpPr>
-          <p:spPr>
-            <a:xfrm flipV="1">
-              <a:off x="2079699" y="3449389"/>
-              <a:ext cx="48881" cy="479597"/>
-            </a:xfrm>
-            <a:prstGeom prst="straightConnector1">
-              <a:avLst/>
-            </a:prstGeom>
-            <a:ln w="57150">
-              <a:tailEnd type="triangle"/>
-            </a:ln>
-          </p:spPr>
-          <p:style>
-            <a:lnRef idx="1">
-              <a:schemeClr val="accent1"/>
-            </a:lnRef>
-            <a:fillRef idx="0">
-              <a:schemeClr val="accent1"/>
-            </a:fillRef>
-            <a:effectRef idx="0">
-              <a:schemeClr val="accent1"/>
-            </a:effectRef>
-            <a:fontRef idx="minor">
-              <a:schemeClr val="tx1"/>
-            </a:fontRef>
-          </p:style>
-        </p:cxnSp>
-        <p:sp>
-          <p:nvSpPr>
-            <p:cNvPr id="66" name="TextBox 65">
-              <a:extLst>
-                <a:ext uri="{FF2B5EF4-FFF2-40B4-BE49-F238E27FC236}">
-                  <a16:creationId xmlns:a16="http://schemas.microsoft.com/office/drawing/2014/main" id="{E3D48409-B872-4FF0-89CA-36AD69DE99E2}"/>
-                </a:ext>
-              </a:extLst>
-            </p:cNvPr>
-            <p:cNvSpPr txBox="1"/>
-            <p:nvPr/>
-          </p:nvSpPr>
-          <p:spPr>
-            <a:xfrm rot="16765233">
-              <a:off x="1160581" y="3179762"/>
-              <a:ext cx="1587294" cy="338554"/>
-            </a:xfrm>
-            <a:prstGeom prst="rect">
-              <a:avLst/>
-            </a:prstGeom>
-            <a:noFill/>
-          </p:spPr>
-          <p:txBody>
-            <a:bodyPr wrap="none" rtlCol="0">
-              <a:spAutoFit/>
-            </a:bodyPr>
-            <a:lstStyle/>
-            <a:p>
-              <a:r>
-                <a:rPr lang="ko-KR" altLang="en-US" sz="1600" b="1" dirty="0">
-                  <a:solidFill>
-                    <a:srgbClr val="0070C0"/>
-                  </a:solidFill>
-                </a:rPr>
-                <a:t>③ </a:t>
-              </a:r>
-              <a:r>
-                <a:rPr lang="en-US" altLang="ko-KR" sz="1600" b="1" dirty="0">
-                  <a:solidFill>
-                    <a:srgbClr val="0070C0"/>
-                  </a:solidFill>
-                </a:rPr>
-                <a:t>Refactoring</a:t>
-              </a:r>
-              <a:endParaRPr lang="ko-KR" altLang="en-US" sz="1600" b="1" dirty="0">
+              </a:rPr>
+              <a:t>③ </a:t>
+            </a:r>
+            <a:r>
+              <a:rPr lang="en-US" altLang="ko-KR" sz="1600" b="1" dirty="0">
                 <a:solidFill>
                   <a:srgbClr val="0070C0"/>
                 </a:solidFill>
-              </a:endParaRPr>
-            </a:p>
-          </p:txBody>
-        </p:sp>
-        <p:sp>
-          <p:nvSpPr>
-            <p:cNvPr id="3" name="사각형: 둥근 모서리 2">
-              <a:extLst>
-                <a:ext uri="{FF2B5EF4-FFF2-40B4-BE49-F238E27FC236}">
-                  <a16:creationId xmlns:a16="http://schemas.microsoft.com/office/drawing/2014/main" id="{5FDA2707-460C-45AF-8D98-B4CF5212DFBA}"/>
-                </a:ext>
-              </a:extLst>
-            </p:cNvPr>
-            <p:cNvSpPr/>
-            <p:nvPr/>
-          </p:nvSpPr>
-          <p:spPr>
-            <a:xfrm>
-              <a:off x="475249" y="1611844"/>
-              <a:ext cx="2496391" cy="2073386"/>
-            </a:xfrm>
-            <a:prstGeom prst="roundRect">
-              <a:avLst>
-                <a:gd name="adj" fmla="val 3507"/>
-              </a:avLst>
-            </a:prstGeom>
-            <a:noFill/>
-            <a:ln w="9525" cap="flat" cmpd="sng" algn="ctr">
+              </a:rPr>
+              <a:t>Refactoring</a:t>
+            </a:r>
+            <a:endParaRPr lang="ko-KR" altLang="en-US" sz="1600" b="1" dirty="0">
               <a:solidFill>
-                <a:schemeClr val="dk1"/>
+                <a:srgbClr val="0070C0"/>
               </a:solidFill>
-              <a:prstDash val="solid"/>
-              <a:round/>
-              <a:headEnd type="none" w="med" len="med"/>
-              <a:tailEnd type="none" w="med" len="med"/>
-            </a:ln>
-          </p:spPr>
-          <p:style>
-            <a:lnRef idx="0">
-              <a:scrgbClr r="0" g="0" b="0"/>
-            </a:lnRef>
-            <a:fillRef idx="0">
-              <a:scrgbClr r="0" g="0" b="0"/>
-            </a:fillRef>
-            <a:effectRef idx="0">
-              <a:scrgbClr r="0" g="0" b="0"/>
-            </a:effectRef>
-            <a:fontRef idx="minor">
-              <a:schemeClr val="dk1"/>
-            </a:fontRef>
-          </p:style>
-          <p:txBody>
-            <a:bodyPr rtlCol="0" anchor="ctr"/>
-            <a:lstStyle/>
-            <a:p>
-              <a:pPr algn="ctr"/>
-              <a:endParaRPr lang="ko-KR" altLang="en-US"/>
-            </a:p>
-          </p:txBody>
-        </p:sp>
-      </p:grpSp>
-      <p:grpSp>
-        <p:nvGrpSpPr>
-          <p:cNvPr id="34" name="그룹 33">
+            </a:endParaRPr>
+          </a:p>
+        </p:txBody>
+      </p:sp>
+      <p:sp>
+        <p:nvSpPr>
+          <p:cNvPr id="71" name="TextBox 70">
             <a:extLst>
               <a:ext uri="{FF2B5EF4-FFF2-40B4-BE49-F238E27FC236}">
-                <a16:creationId xmlns:a16="http://schemas.microsoft.com/office/drawing/2014/main" id="{DF447D45-6F7E-4FC8-ACBA-672DCF4A6979}"/>
+                <a16:creationId xmlns:a16="http://schemas.microsoft.com/office/drawing/2014/main" id="{165EEC72-3D86-494F-AB7F-19A90172624A}"/>
               </a:ext>
             </a:extLst>
           </p:cNvPr>
-          <p:cNvGrpSpPr/>
+          <p:cNvSpPr txBox="1"/>
           <p:nvPr/>
-        </p:nvGrpSpPr>
-        <p:grpSpPr>
-          <a:xfrm>
-            <a:off x="2753083" y="1551356"/>
-            <a:ext cx="3160312" cy="3381170"/>
-            <a:chOff x="2753083" y="1551356"/>
-            <a:chExt cx="3160312" cy="3381170"/>
+        </p:nvSpPr>
+        <p:spPr>
+          <a:xfrm rot="17076418">
+            <a:off x="7604660" y="4248345"/>
+            <a:ext cx="1404552" cy="338554"/>
           </a:xfrm>
-        </p:grpSpPr>
-        <p:pic>
-          <p:nvPicPr>
-            <p:cNvPr id="53" name="그림 52">
-              <a:extLst>
-                <a:ext uri="{FF2B5EF4-FFF2-40B4-BE49-F238E27FC236}">
-                  <a16:creationId xmlns:a16="http://schemas.microsoft.com/office/drawing/2014/main" id="{2BAFEA92-10BC-4B88-A403-F1149F38ABDF}"/>
-                </a:ext>
-              </a:extLst>
-            </p:cNvPr>
-            <p:cNvPicPr>
-              <a:picLocks noChangeAspect="1"/>
-            </p:cNvPicPr>
-            <p:nvPr/>
-          </p:nvPicPr>
-          <p:blipFill>
-            <a:blip r:embed="rId11"/>
-            <a:stretch>
-              <a:fillRect/>
-            </a:stretch>
-          </p:blipFill>
-          <p:spPr>
-            <a:xfrm>
-              <a:off x="3247616" y="1758522"/>
-              <a:ext cx="2601155" cy="2371955"/>
-            </a:xfrm>
-            <a:prstGeom prst="rect">
-              <a:avLst/>
-            </a:prstGeom>
-          </p:spPr>
-        </p:pic>
-        <p:sp>
-          <p:nvSpPr>
-            <p:cNvPr id="60" name="TextBox 14">
-              <a:extLst>
-                <a:ext uri="{FF2B5EF4-FFF2-40B4-BE49-F238E27FC236}">
-                  <a16:creationId xmlns:a16="http://schemas.microsoft.com/office/drawing/2014/main" id="{FA77B054-A092-47C2-A1B3-97FAEF3529C3}"/>
-                </a:ext>
-              </a:extLst>
-            </p:cNvPr>
-            <p:cNvSpPr txBox="1"/>
-            <p:nvPr/>
-          </p:nvSpPr>
-          <p:spPr>
-            <a:xfrm>
-              <a:off x="3220297" y="1596883"/>
-              <a:ext cx="2404826" cy="246221"/>
-            </a:xfrm>
-            <a:prstGeom prst="rect">
-              <a:avLst/>
-            </a:prstGeom>
-            <a:noFill/>
-          </p:spPr>
-          <p:txBody>
-            <a:bodyPr wrap="none" rtlCol="0">
-              <a:spAutoFit/>
-            </a:bodyPr>
-            <a:lstStyle>
-              <a:defPPr marR="0" lvl="0" algn="l" rtl="0">
-                <a:lnSpc>
-                  <a:spcPct val="100000"/>
-                </a:lnSpc>
-                <a:spcBef>
-                  <a:spcPts val="0"/>
-                </a:spcBef>
-                <a:spcAft>
-                  <a:spcPts val="0"/>
-                </a:spcAft>
-              </a:defPPr>
-              <a:lvl1pPr marR="0" lvl="0" algn="l" rtl="0">
-                <a:lnSpc>
-                  <a:spcPct val="100000"/>
-                </a:lnSpc>
-                <a:spcBef>
-                  <a:spcPts val="0"/>
-                </a:spcBef>
-                <a:spcAft>
-                  <a:spcPts val="0"/>
-                </a:spcAft>
-                <a:buClr>
-                  <a:srgbClr val="000000"/>
-                </a:buClr>
-                <a:buFont typeface="Arial"/>
-                <a:defRPr sz="1400" b="0" i="0" u="none" strike="noStrike" cap="none">
-                  <a:solidFill>
-                    <a:srgbClr val="000000"/>
-                  </a:solidFill>
-                  <a:latin typeface="Arial"/>
-                  <a:ea typeface="Arial"/>
-                  <a:cs typeface="Arial"/>
-                  <a:sym typeface="Arial"/>
-                </a:defRPr>
-              </a:lvl1pPr>
-              <a:lvl2pPr marR="0" lvl="1" algn="l" rtl="0">
-                <a:lnSpc>
-                  <a:spcPct val="100000"/>
-                </a:lnSpc>
-                <a:spcBef>
-                  <a:spcPts val="0"/>
-                </a:spcBef>
-                <a:spcAft>
-                  <a:spcPts val="0"/>
-                </a:spcAft>
-                <a:buClr>
-                  <a:srgbClr val="000000"/>
-                </a:buClr>
-                <a:buFont typeface="Arial"/>
-                <a:defRPr sz="1400" b="0" i="0" u="none" strike="noStrike" cap="none">
-                  <a:solidFill>
-                    <a:srgbClr val="000000"/>
-                  </a:solidFill>
-                  <a:latin typeface="Arial"/>
-                  <a:ea typeface="Arial"/>
-                  <a:cs typeface="Arial"/>
-                  <a:sym typeface="Arial"/>
-                </a:defRPr>
-              </a:lvl2pPr>
-              <a:lvl3pPr marR="0" lvl="2" algn="l" rtl="0">
-                <a:lnSpc>
-                  <a:spcPct val="100000"/>
-                </a:lnSpc>
-                <a:spcBef>
-                  <a:spcPts val="0"/>
-                </a:spcBef>
-                <a:spcAft>
-                  <a:spcPts val="0"/>
-                </a:spcAft>
-                <a:buClr>
-                  <a:srgbClr val="000000"/>
-                </a:buClr>
-                <a:buFont typeface="Arial"/>
-                <a:defRPr sz="1400" b="0" i="0" u="none" strike="noStrike" cap="none">
-                  <a:solidFill>
-                    <a:srgbClr val="000000"/>
-                  </a:solidFill>
-                  <a:latin typeface="Arial"/>
-                  <a:ea typeface="Arial"/>
-                  <a:cs typeface="Arial"/>
-                  <a:sym typeface="Arial"/>
-                </a:defRPr>
-              </a:lvl3pPr>
-              <a:lvl4pPr marR="0" lvl="3" algn="l" rtl="0">
-                <a:lnSpc>
-                  <a:spcPct val="100000"/>
-                </a:lnSpc>
-                <a:spcBef>
-                  <a:spcPts val="0"/>
-                </a:spcBef>
-                <a:spcAft>
-                  <a:spcPts val="0"/>
-                </a:spcAft>
-                <a:buClr>
-                  <a:srgbClr val="000000"/>
-                </a:buClr>
-                <a:buFont typeface="Arial"/>
-                <a:defRPr sz="1400" b="0" i="0" u="none" strike="noStrike" cap="none">
-                  <a:solidFill>
-                    <a:srgbClr val="000000"/>
-                  </a:solidFill>
-                  <a:latin typeface="Arial"/>
-                  <a:ea typeface="Arial"/>
-                  <a:cs typeface="Arial"/>
-                  <a:sym typeface="Arial"/>
-                </a:defRPr>
-              </a:lvl4pPr>
-              <a:lvl5pPr marR="0" lvl="4" algn="l" rtl="0">
-                <a:lnSpc>
-                  <a:spcPct val="100000"/>
-                </a:lnSpc>
-                <a:spcBef>
-                  <a:spcPts val="0"/>
-                </a:spcBef>
-                <a:spcAft>
-                  <a:spcPts val="0"/>
-                </a:spcAft>
-                <a:buClr>
-                  <a:srgbClr val="000000"/>
-                </a:buClr>
-                <a:buFont typeface="Arial"/>
-                <a:defRPr sz="1400" b="0" i="0" u="none" strike="noStrike" cap="none">
-                  <a:solidFill>
-                    <a:srgbClr val="000000"/>
-                  </a:solidFill>
-                  <a:latin typeface="Arial"/>
-                  <a:ea typeface="Arial"/>
-                  <a:cs typeface="Arial"/>
-                  <a:sym typeface="Arial"/>
-                </a:defRPr>
-              </a:lvl5pPr>
-              <a:lvl6pPr marR="0" lvl="5" algn="l" rtl="0">
-                <a:lnSpc>
-                  <a:spcPct val="100000"/>
-                </a:lnSpc>
-                <a:spcBef>
-                  <a:spcPts val="0"/>
-                </a:spcBef>
-                <a:spcAft>
-                  <a:spcPts val="0"/>
-                </a:spcAft>
-                <a:buClr>
-                  <a:srgbClr val="000000"/>
-                </a:buClr>
-                <a:buFont typeface="Arial"/>
-                <a:defRPr sz="1400" b="0" i="0" u="none" strike="noStrike" cap="none">
-                  <a:solidFill>
-                    <a:srgbClr val="000000"/>
-                  </a:solidFill>
-                  <a:latin typeface="Arial"/>
-                  <a:ea typeface="Arial"/>
-                  <a:cs typeface="Arial"/>
-                  <a:sym typeface="Arial"/>
-                </a:defRPr>
-              </a:lvl6pPr>
-              <a:lvl7pPr marR="0" lvl="6" algn="l" rtl="0">
-                <a:lnSpc>
-                  <a:spcPct val="100000"/>
-                </a:lnSpc>
-                <a:spcBef>
-                  <a:spcPts val="0"/>
-                </a:spcBef>
-                <a:spcAft>
-                  <a:spcPts val="0"/>
-                </a:spcAft>
-                <a:buClr>
-                  <a:srgbClr val="000000"/>
-                </a:buClr>
-                <a:buFont typeface="Arial"/>
-                <a:defRPr sz="1400" b="0" i="0" u="none" strike="noStrike" cap="none">
-                  <a:solidFill>
-                    <a:srgbClr val="000000"/>
-                  </a:solidFill>
-                  <a:latin typeface="Arial"/>
-                  <a:ea typeface="Arial"/>
-                  <a:cs typeface="Arial"/>
-                  <a:sym typeface="Arial"/>
-                </a:defRPr>
-              </a:lvl7pPr>
-              <a:lvl8pPr marR="0" lvl="7" algn="l" rtl="0">
-                <a:lnSpc>
-                  <a:spcPct val="100000"/>
-                </a:lnSpc>
-                <a:spcBef>
-                  <a:spcPts val="0"/>
-                </a:spcBef>
-                <a:spcAft>
-                  <a:spcPts val="0"/>
-                </a:spcAft>
-                <a:buClr>
-                  <a:srgbClr val="000000"/>
-                </a:buClr>
-                <a:buFont typeface="Arial"/>
-                <a:defRPr sz="1400" b="0" i="0" u="none" strike="noStrike" cap="none">
-                  <a:solidFill>
-                    <a:srgbClr val="000000"/>
-                  </a:solidFill>
-                  <a:latin typeface="Arial"/>
-                  <a:ea typeface="Arial"/>
-                  <a:cs typeface="Arial"/>
-                  <a:sym typeface="Arial"/>
-                </a:defRPr>
-              </a:lvl8pPr>
-              <a:lvl9pPr marR="0" lvl="8" algn="l" rtl="0">
-                <a:lnSpc>
-                  <a:spcPct val="100000"/>
-                </a:lnSpc>
-                <a:spcBef>
-                  <a:spcPts val="0"/>
-                </a:spcBef>
-                <a:spcAft>
-                  <a:spcPts val="0"/>
-                </a:spcAft>
-                <a:buClr>
-                  <a:srgbClr val="000000"/>
-                </a:buClr>
-                <a:buFont typeface="Arial"/>
-                <a:defRPr sz="1400" b="0" i="0" u="none" strike="noStrike" cap="none">
-                  <a:solidFill>
-                    <a:srgbClr val="000000"/>
-                  </a:solidFill>
-                  <a:latin typeface="Arial"/>
-                  <a:ea typeface="Arial"/>
-                  <a:cs typeface="Arial"/>
-                  <a:sym typeface="Arial"/>
-                </a:defRPr>
-              </a:lvl9pPr>
-            </a:lstStyle>
-            <a:p>
-              <a:r>
-                <a:rPr lang="ko-KR" altLang="en-US" sz="1000" dirty="0"/>
-                <a:t>▶ </a:t>
-              </a:r>
-              <a:r>
-                <a:rPr lang="en-US" altLang="ko-KR" sz="1000" dirty="0"/>
-                <a:t>TC </a:t>
-              </a:r>
-              <a:r>
-                <a:rPr lang="ko-KR" altLang="en-US" sz="1000" dirty="0"/>
-                <a:t>통과를 위한 코드 작성</a:t>
-              </a:r>
-              <a:r>
-                <a:rPr lang="en-US" altLang="ko-KR" sz="1000" b="1" dirty="0">
-                  <a:solidFill>
-                    <a:srgbClr val="00B050"/>
-                  </a:solidFill>
-                </a:rPr>
-                <a:t>(GREEN)</a:t>
-              </a:r>
-              <a:endParaRPr lang="ko-KR" altLang="en-US" sz="1000" b="1" dirty="0">
+          <a:prstGeom prst="rect">
+            <a:avLst/>
+          </a:prstGeom>
+          <a:noFill/>
+        </p:spPr>
+        <p:txBody>
+          <a:bodyPr wrap="none" rtlCol="0">
+            <a:spAutoFit/>
+          </a:bodyPr>
+          <a:lstStyle/>
+          <a:p>
+            <a:r>
+              <a:rPr lang="ko-KR" altLang="en-US" sz="1600" b="1" dirty="0">
                 <a:solidFill>
                   <a:srgbClr val="00B050"/>
                 </a:solidFill>
-              </a:endParaRPr>
-            </a:p>
-          </p:txBody>
-        </p:sp>
-        <p:cxnSp>
-          <p:nvCxnSpPr>
-            <p:cNvPr id="67" name="직선 화살표 연결선 66">
-              <a:extLst>
-                <a:ext uri="{FF2B5EF4-FFF2-40B4-BE49-F238E27FC236}">
-                  <a16:creationId xmlns:a16="http://schemas.microsoft.com/office/drawing/2014/main" id="{7B77DBC8-E447-4A07-B908-E9D335E05B00}"/>
-                </a:ext>
-              </a:extLst>
-            </p:cNvPr>
-            <p:cNvCxnSpPr>
-              <a:cxnSpLocks/>
-            </p:cNvCxnSpPr>
-            <p:nvPr/>
-          </p:nvCxnSpPr>
-          <p:spPr>
-            <a:xfrm flipV="1">
-              <a:off x="2753083" y="2672734"/>
-              <a:ext cx="574338" cy="2259792"/>
-            </a:xfrm>
-            <a:prstGeom prst="straightConnector1">
-              <a:avLst/>
-            </a:prstGeom>
-            <a:ln w="57150">
-              <a:tailEnd type="triangle"/>
-            </a:ln>
-          </p:spPr>
-          <p:style>
-            <a:lnRef idx="1">
-              <a:schemeClr val="accent1"/>
-            </a:lnRef>
-            <a:fillRef idx="0">
-              <a:schemeClr val="accent1"/>
-            </a:fillRef>
-            <a:effectRef idx="0">
-              <a:schemeClr val="accent1"/>
-            </a:effectRef>
-            <a:fontRef idx="minor">
-              <a:schemeClr val="tx1"/>
-            </a:fontRef>
-          </p:style>
-        </p:cxnSp>
-        <p:sp>
-          <p:nvSpPr>
-            <p:cNvPr id="68" name="TextBox 67">
-              <a:extLst>
-                <a:ext uri="{FF2B5EF4-FFF2-40B4-BE49-F238E27FC236}">
-                  <a16:creationId xmlns:a16="http://schemas.microsoft.com/office/drawing/2014/main" id="{47E4540E-3D6A-4DD9-A2D3-82C0ED207412}"/>
-                </a:ext>
-              </a:extLst>
-            </p:cNvPr>
-            <p:cNvSpPr txBox="1"/>
-            <p:nvPr/>
-          </p:nvSpPr>
-          <p:spPr>
-            <a:xfrm rot="17076418">
-              <a:off x="2238542" y="3130053"/>
-              <a:ext cx="1404552" cy="338554"/>
-            </a:xfrm>
-            <a:prstGeom prst="rect">
-              <a:avLst/>
-            </a:prstGeom>
-            <a:noFill/>
-          </p:spPr>
-          <p:txBody>
-            <a:bodyPr wrap="none" rtlCol="0">
-              <a:spAutoFit/>
-            </a:bodyPr>
-            <a:lstStyle/>
-            <a:p>
-              <a:r>
-                <a:rPr lang="ko-KR" altLang="en-US" sz="1600" b="1" dirty="0">
-                  <a:solidFill>
-                    <a:srgbClr val="00B050"/>
-                  </a:solidFill>
-                </a:rPr>
-                <a:t>② </a:t>
-              </a:r>
-              <a:r>
-                <a:rPr lang="en-US" altLang="ko-KR" sz="1600" b="1" dirty="0">
-                  <a:solidFill>
-                    <a:srgbClr val="00B050"/>
-                  </a:solidFill>
-                </a:rPr>
-                <a:t>Test Pass</a:t>
-              </a:r>
-              <a:endParaRPr lang="ko-KR" altLang="en-US" sz="2000" b="1" dirty="0">
+              </a:rPr>
+              <a:t>② </a:t>
+            </a:r>
+            <a:r>
+              <a:rPr lang="en-US" altLang="ko-KR" sz="1600" b="1" dirty="0">
                 <a:solidFill>
                   <a:srgbClr val="00B050"/>
                 </a:solidFill>
-              </a:endParaRPr>
-            </a:p>
-          </p:txBody>
-        </p:sp>
-        <p:sp>
-          <p:nvSpPr>
-            <p:cNvPr id="61" name="사각형: 둥근 모서리 60">
-              <a:extLst>
-                <a:ext uri="{FF2B5EF4-FFF2-40B4-BE49-F238E27FC236}">
-                  <a16:creationId xmlns:a16="http://schemas.microsoft.com/office/drawing/2014/main" id="{1A795B86-E285-436A-91FE-672F059AD6FF}"/>
-                </a:ext>
-              </a:extLst>
-            </p:cNvPr>
-            <p:cNvSpPr/>
-            <p:nvPr/>
-          </p:nvSpPr>
-          <p:spPr>
-            <a:xfrm>
-              <a:off x="3163555" y="1551356"/>
-              <a:ext cx="2749840" cy="2653064"/>
-            </a:xfrm>
-            <a:prstGeom prst="roundRect">
-              <a:avLst>
-                <a:gd name="adj" fmla="val 3507"/>
-              </a:avLst>
-            </a:prstGeom>
-            <a:noFill/>
-            <a:ln w="9525" cap="flat" cmpd="sng" algn="ctr">
+              </a:rPr>
+              <a:t>Test Pass</a:t>
+            </a:r>
+            <a:endParaRPr lang="ko-KR" altLang="en-US" sz="2000" b="1" dirty="0">
               <a:solidFill>
-                <a:schemeClr val="dk1"/>
+                <a:srgbClr val="00B050"/>
               </a:solidFill>
-              <a:prstDash val="solid"/>
-              <a:round/>
-              <a:headEnd type="none" w="med" len="med"/>
-              <a:tailEnd type="none" w="med" len="med"/>
-            </a:ln>
-          </p:spPr>
-          <p:style>
-            <a:lnRef idx="0">
-              <a:scrgbClr r="0" g="0" b="0"/>
-            </a:lnRef>
-            <a:fillRef idx="0">
-              <a:scrgbClr r="0" g="0" b="0"/>
-            </a:fillRef>
-            <a:effectRef idx="0">
-              <a:scrgbClr r="0" g="0" b="0"/>
-            </a:effectRef>
-            <a:fontRef idx="minor">
-              <a:schemeClr val="dk1"/>
-            </a:fontRef>
-          </p:style>
-          <p:txBody>
-            <a:bodyPr rtlCol="0" anchor="ctr"/>
-            <a:lstStyle/>
-            <a:p>
-              <a:pPr algn="ctr"/>
-              <a:endParaRPr lang="ko-KR" altLang="en-US"/>
-            </a:p>
-          </p:txBody>
-        </p:sp>
-      </p:grpSp>
-      <p:grpSp>
-        <p:nvGrpSpPr>
-          <p:cNvPr id="29" name="그룹 28">
+            </a:endParaRPr>
+          </a:p>
+        </p:txBody>
+      </p:sp>
+      <p:sp>
+        <p:nvSpPr>
+          <p:cNvPr id="72" name="TextBox 71">
             <a:extLst>
               <a:ext uri="{FF2B5EF4-FFF2-40B4-BE49-F238E27FC236}">
-                <a16:creationId xmlns:a16="http://schemas.microsoft.com/office/drawing/2014/main" id="{CC71385D-ACEA-4B5E-AD48-55EF7097B4E1}"/>
+                <a16:creationId xmlns:a16="http://schemas.microsoft.com/office/drawing/2014/main" id="{F3541F94-CD9A-415B-81A3-4833BC7A112C}"/>
               </a:ext>
             </a:extLst>
           </p:cNvPr>
-          <p:cNvGrpSpPr/>
+          <p:cNvSpPr txBox="1"/>
           <p:nvPr/>
-        </p:nvGrpSpPr>
-        <p:grpSpPr>
-          <a:xfrm>
-            <a:off x="2886364" y="4221441"/>
-            <a:ext cx="3035902" cy="2257253"/>
-            <a:chOff x="2886364" y="4221441"/>
-            <a:chExt cx="3035902" cy="2257253"/>
+        </p:nvSpPr>
+        <p:spPr>
+          <a:xfrm rot="17759519">
+            <a:off x="7881915" y="5550046"/>
+            <a:ext cx="1061509" cy="307777"/>
           </a:xfrm>
-        </p:grpSpPr>
-        <p:pic>
-          <p:nvPicPr>
-            <p:cNvPr id="63" name="그림 62">
-              <a:extLst>
-                <a:ext uri="{FF2B5EF4-FFF2-40B4-BE49-F238E27FC236}">
-                  <a16:creationId xmlns:a16="http://schemas.microsoft.com/office/drawing/2014/main" id="{A8304A3C-AA8D-4746-B5C1-2EA3542C7172}"/>
-                </a:ext>
-              </a:extLst>
-            </p:cNvPr>
-            <p:cNvPicPr>
-              <a:picLocks noChangeAspect="1"/>
-            </p:cNvPicPr>
-            <p:nvPr/>
-          </p:nvPicPr>
-          <p:blipFill>
-            <a:blip r:embed="rId12"/>
-            <a:stretch>
-              <a:fillRect/>
-            </a:stretch>
-          </p:blipFill>
-          <p:spPr>
-            <a:xfrm>
-              <a:off x="3254456" y="4467437"/>
-              <a:ext cx="2591190" cy="1924113"/>
-            </a:xfrm>
-            <a:prstGeom prst="rect">
-              <a:avLst/>
-            </a:prstGeom>
-          </p:spPr>
-        </p:pic>
-        <p:sp>
-          <p:nvSpPr>
-            <p:cNvPr id="64" name="TextBox 12">
-              <a:extLst>
-                <a:ext uri="{FF2B5EF4-FFF2-40B4-BE49-F238E27FC236}">
-                  <a16:creationId xmlns:a16="http://schemas.microsoft.com/office/drawing/2014/main" id="{978833C3-755D-4378-8446-E4546849DB95}"/>
-                </a:ext>
-              </a:extLst>
-            </p:cNvPr>
-            <p:cNvSpPr txBox="1"/>
-            <p:nvPr/>
-          </p:nvSpPr>
-          <p:spPr>
-            <a:xfrm>
-              <a:off x="3199520" y="4221441"/>
-              <a:ext cx="2081019" cy="246221"/>
-            </a:xfrm>
-            <a:prstGeom prst="rect">
-              <a:avLst/>
-            </a:prstGeom>
-            <a:noFill/>
-          </p:spPr>
-          <p:txBody>
-            <a:bodyPr wrap="none" rtlCol="0">
-              <a:spAutoFit/>
-            </a:bodyPr>
-            <a:lstStyle>
-              <a:defPPr marR="0" lvl="0" algn="l" rtl="0">
-                <a:lnSpc>
-                  <a:spcPct val="100000"/>
-                </a:lnSpc>
-                <a:spcBef>
-                  <a:spcPts val="0"/>
-                </a:spcBef>
-                <a:spcAft>
-                  <a:spcPts val="0"/>
-                </a:spcAft>
-              </a:defPPr>
-              <a:lvl1pPr marR="0" lvl="0" algn="l" rtl="0">
-                <a:lnSpc>
-                  <a:spcPct val="100000"/>
-                </a:lnSpc>
-                <a:spcBef>
-                  <a:spcPts val="0"/>
-                </a:spcBef>
-                <a:spcAft>
-                  <a:spcPts val="0"/>
-                </a:spcAft>
-                <a:buClr>
-                  <a:srgbClr val="000000"/>
-                </a:buClr>
-                <a:buFont typeface="Arial"/>
-                <a:defRPr sz="1400" b="0" i="0" u="none" strike="noStrike" cap="none">
-                  <a:solidFill>
-                    <a:srgbClr val="000000"/>
-                  </a:solidFill>
-                  <a:latin typeface="Arial"/>
-                  <a:ea typeface="Arial"/>
-                  <a:cs typeface="Arial"/>
-                  <a:sym typeface="Arial"/>
-                </a:defRPr>
-              </a:lvl1pPr>
-              <a:lvl2pPr marR="0" lvl="1" algn="l" rtl="0">
-                <a:lnSpc>
-                  <a:spcPct val="100000"/>
-                </a:lnSpc>
-                <a:spcBef>
-                  <a:spcPts val="0"/>
-                </a:spcBef>
-                <a:spcAft>
-                  <a:spcPts val="0"/>
-                </a:spcAft>
-                <a:buClr>
-                  <a:srgbClr val="000000"/>
-                </a:buClr>
-                <a:buFont typeface="Arial"/>
-                <a:defRPr sz="1400" b="0" i="0" u="none" strike="noStrike" cap="none">
-                  <a:solidFill>
-                    <a:srgbClr val="000000"/>
-                  </a:solidFill>
-                  <a:latin typeface="Arial"/>
-                  <a:ea typeface="Arial"/>
-                  <a:cs typeface="Arial"/>
-                  <a:sym typeface="Arial"/>
-                </a:defRPr>
-              </a:lvl2pPr>
-              <a:lvl3pPr marR="0" lvl="2" algn="l" rtl="0">
-                <a:lnSpc>
-                  <a:spcPct val="100000"/>
-                </a:lnSpc>
-                <a:spcBef>
-                  <a:spcPts val="0"/>
-                </a:spcBef>
-                <a:spcAft>
-                  <a:spcPts val="0"/>
-                </a:spcAft>
-                <a:buClr>
-                  <a:srgbClr val="000000"/>
-                </a:buClr>
-                <a:buFont typeface="Arial"/>
-                <a:defRPr sz="1400" b="0" i="0" u="none" strike="noStrike" cap="none">
-                  <a:solidFill>
-                    <a:srgbClr val="000000"/>
-                  </a:solidFill>
-                  <a:latin typeface="Arial"/>
-                  <a:ea typeface="Arial"/>
-                  <a:cs typeface="Arial"/>
-                  <a:sym typeface="Arial"/>
-                </a:defRPr>
-              </a:lvl3pPr>
-              <a:lvl4pPr marR="0" lvl="3" algn="l" rtl="0">
-                <a:lnSpc>
-                  <a:spcPct val="100000"/>
-                </a:lnSpc>
-                <a:spcBef>
-                  <a:spcPts val="0"/>
-                </a:spcBef>
-                <a:spcAft>
-                  <a:spcPts val="0"/>
-                </a:spcAft>
-                <a:buClr>
-                  <a:srgbClr val="000000"/>
-                </a:buClr>
-                <a:buFont typeface="Arial"/>
-                <a:defRPr sz="1400" b="0" i="0" u="none" strike="noStrike" cap="none">
-                  <a:solidFill>
-                    <a:srgbClr val="000000"/>
-                  </a:solidFill>
-                  <a:latin typeface="Arial"/>
-                  <a:ea typeface="Arial"/>
-                  <a:cs typeface="Arial"/>
-                  <a:sym typeface="Arial"/>
-                </a:defRPr>
-              </a:lvl4pPr>
-              <a:lvl5pPr marR="0" lvl="4" algn="l" rtl="0">
-                <a:lnSpc>
-                  <a:spcPct val="100000"/>
-                </a:lnSpc>
-                <a:spcBef>
-                  <a:spcPts val="0"/>
-                </a:spcBef>
-                <a:spcAft>
-                  <a:spcPts val="0"/>
-                </a:spcAft>
-                <a:buClr>
-                  <a:srgbClr val="000000"/>
-                </a:buClr>
-                <a:buFont typeface="Arial"/>
-                <a:defRPr sz="1400" b="0" i="0" u="none" strike="noStrike" cap="none">
-                  <a:solidFill>
-                    <a:srgbClr val="000000"/>
-                  </a:solidFill>
-                  <a:latin typeface="Arial"/>
-                  <a:ea typeface="Arial"/>
-                  <a:cs typeface="Arial"/>
-                  <a:sym typeface="Arial"/>
-                </a:defRPr>
-              </a:lvl5pPr>
-              <a:lvl6pPr marR="0" lvl="5" algn="l" rtl="0">
-                <a:lnSpc>
-                  <a:spcPct val="100000"/>
-                </a:lnSpc>
-                <a:spcBef>
-                  <a:spcPts val="0"/>
-                </a:spcBef>
-                <a:spcAft>
-                  <a:spcPts val="0"/>
-                </a:spcAft>
-                <a:buClr>
-                  <a:srgbClr val="000000"/>
-                </a:buClr>
-                <a:buFont typeface="Arial"/>
-                <a:defRPr sz="1400" b="0" i="0" u="none" strike="noStrike" cap="none">
-                  <a:solidFill>
-                    <a:srgbClr val="000000"/>
-                  </a:solidFill>
-                  <a:latin typeface="Arial"/>
-                  <a:ea typeface="Arial"/>
-                  <a:cs typeface="Arial"/>
-                  <a:sym typeface="Arial"/>
-                </a:defRPr>
-              </a:lvl6pPr>
-              <a:lvl7pPr marR="0" lvl="6" algn="l" rtl="0">
-                <a:lnSpc>
-                  <a:spcPct val="100000"/>
-                </a:lnSpc>
-                <a:spcBef>
-                  <a:spcPts val="0"/>
-                </a:spcBef>
-                <a:spcAft>
-                  <a:spcPts val="0"/>
-                </a:spcAft>
-                <a:buClr>
-                  <a:srgbClr val="000000"/>
-                </a:buClr>
-                <a:buFont typeface="Arial"/>
-                <a:defRPr sz="1400" b="0" i="0" u="none" strike="noStrike" cap="none">
-                  <a:solidFill>
-                    <a:srgbClr val="000000"/>
-                  </a:solidFill>
-                  <a:latin typeface="Arial"/>
-                  <a:ea typeface="Arial"/>
-                  <a:cs typeface="Arial"/>
-                  <a:sym typeface="Arial"/>
-                </a:defRPr>
-              </a:lvl7pPr>
-              <a:lvl8pPr marR="0" lvl="7" algn="l" rtl="0">
-                <a:lnSpc>
-                  <a:spcPct val="100000"/>
-                </a:lnSpc>
-                <a:spcBef>
-                  <a:spcPts val="0"/>
-                </a:spcBef>
-                <a:spcAft>
-                  <a:spcPts val="0"/>
-                </a:spcAft>
-                <a:buClr>
-                  <a:srgbClr val="000000"/>
-                </a:buClr>
-                <a:buFont typeface="Arial"/>
-                <a:defRPr sz="1400" b="0" i="0" u="none" strike="noStrike" cap="none">
-                  <a:solidFill>
-                    <a:srgbClr val="000000"/>
-                  </a:solidFill>
-                  <a:latin typeface="Arial"/>
-                  <a:ea typeface="Arial"/>
-                  <a:cs typeface="Arial"/>
-                  <a:sym typeface="Arial"/>
-                </a:defRPr>
-              </a:lvl8pPr>
-              <a:lvl9pPr marR="0" lvl="8" algn="l" rtl="0">
-                <a:lnSpc>
-                  <a:spcPct val="100000"/>
-                </a:lnSpc>
-                <a:spcBef>
-                  <a:spcPts val="0"/>
-                </a:spcBef>
-                <a:spcAft>
-                  <a:spcPts val="0"/>
-                </a:spcAft>
-                <a:buClr>
-                  <a:srgbClr val="000000"/>
-                </a:buClr>
-                <a:buFont typeface="Arial"/>
-                <a:defRPr sz="1400" b="0" i="0" u="none" strike="noStrike" cap="none">
-                  <a:solidFill>
-                    <a:srgbClr val="000000"/>
-                  </a:solidFill>
-                  <a:latin typeface="Arial"/>
-                  <a:ea typeface="Arial"/>
-                  <a:cs typeface="Arial"/>
-                  <a:sym typeface="Arial"/>
-                </a:defRPr>
-              </a:lvl9pPr>
-            </a:lstStyle>
-            <a:p>
-              <a:r>
-                <a:rPr lang="ko-KR" altLang="en-US" sz="1000" dirty="0"/>
-                <a:t>▶</a:t>
-              </a:r>
-              <a:r>
-                <a:rPr lang="en-US" altLang="ko-KR" sz="1000" dirty="0"/>
-                <a:t>TC 1. Test</a:t>
-              </a:r>
-              <a:r>
-                <a:rPr lang="ko-KR" altLang="en-US" sz="1000" dirty="0"/>
-                <a:t> </a:t>
-              </a:r>
-              <a:r>
-                <a:rPr lang="en-US" altLang="ko-KR" sz="1000" dirty="0"/>
-                <a:t>Shell</a:t>
-              </a:r>
-              <a:r>
-                <a:rPr lang="ko-KR" altLang="en-US" sz="1000" dirty="0"/>
-                <a:t> </a:t>
-              </a:r>
-              <a:r>
-                <a:rPr lang="en-US" altLang="ko-KR" sz="1000" dirty="0"/>
-                <a:t>Parser </a:t>
-              </a:r>
-              <a:r>
-                <a:rPr lang="en-US" altLang="ko-KR" sz="1000" b="1" dirty="0">
-                  <a:solidFill>
-                    <a:srgbClr val="FF0000"/>
-                  </a:solidFill>
-                </a:rPr>
-                <a:t>(RED)</a:t>
-              </a:r>
-              <a:endParaRPr lang="ko-KR" altLang="en-US" sz="1000" b="1" dirty="0">
+          <a:prstGeom prst="rect">
+            <a:avLst/>
+          </a:prstGeom>
+          <a:noFill/>
+        </p:spPr>
+        <p:txBody>
+          <a:bodyPr wrap="none" rtlCol="0">
+            <a:spAutoFit/>
+          </a:bodyPr>
+          <a:lstStyle/>
+          <a:p>
+            <a:r>
+              <a:rPr lang="ko-KR" altLang="en-US" b="1" dirty="0">
                 <a:solidFill>
                   <a:srgbClr val="FF0000"/>
                 </a:solidFill>
-              </a:endParaRPr>
-            </a:p>
-          </p:txBody>
-        </p:sp>
-        <p:cxnSp>
-          <p:nvCxnSpPr>
-            <p:cNvPr id="69" name="직선 화살표 연결선 68">
-              <a:extLst>
-                <a:ext uri="{FF2B5EF4-FFF2-40B4-BE49-F238E27FC236}">
-                  <a16:creationId xmlns:a16="http://schemas.microsoft.com/office/drawing/2014/main" id="{6F1F2C11-0B28-4EDB-97D9-77FB63471588}"/>
-                </a:ext>
-              </a:extLst>
-            </p:cNvPr>
-            <p:cNvCxnSpPr>
-              <a:cxnSpLocks/>
-            </p:cNvCxnSpPr>
-            <p:nvPr/>
-          </p:nvCxnSpPr>
-          <p:spPr>
-            <a:xfrm flipV="1">
-              <a:off x="2971640" y="5082015"/>
-              <a:ext cx="456421" cy="958600"/>
-            </a:xfrm>
-            <a:prstGeom prst="straightConnector1">
-              <a:avLst/>
-            </a:prstGeom>
-            <a:ln w="57150">
-              <a:tailEnd type="triangle"/>
-            </a:ln>
-          </p:spPr>
-          <p:style>
-            <a:lnRef idx="1">
-              <a:schemeClr val="accent1"/>
-            </a:lnRef>
-            <a:fillRef idx="0">
-              <a:schemeClr val="accent1"/>
-            </a:fillRef>
-            <a:effectRef idx="0">
-              <a:schemeClr val="accent1"/>
-            </a:effectRef>
-            <a:fontRef idx="minor">
-              <a:schemeClr val="tx1"/>
-            </a:fontRef>
-          </p:style>
-        </p:cxnSp>
-        <p:sp>
-          <p:nvSpPr>
-            <p:cNvPr id="70" name="TextBox 69">
-              <a:extLst>
-                <a:ext uri="{FF2B5EF4-FFF2-40B4-BE49-F238E27FC236}">
-                  <a16:creationId xmlns:a16="http://schemas.microsoft.com/office/drawing/2014/main" id="{AABF3F0E-B7FF-4E55-ADE2-8C182F5EEAEB}"/>
-                </a:ext>
-              </a:extLst>
-            </p:cNvPr>
-            <p:cNvSpPr txBox="1"/>
-            <p:nvPr/>
-          </p:nvSpPr>
-          <p:spPr>
-            <a:xfrm rot="17759519">
-              <a:off x="2509498" y="5359235"/>
-              <a:ext cx="1061509" cy="307777"/>
-            </a:xfrm>
-            <a:prstGeom prst="rect">
-              <a:avLst/>
-            </a:prstGeom>
-            <a:noFill/>
-          </p:spPr>
-          <p:txBody>
-            <a:bodyPr wrap="none" rtlCol="0">
-              <a:spAutoFit/>
-            </a:bodyPr>
-            <a:lstStyle/>
-            <a:p>
-              <a:r>
-                <a:rPr lang="ko-KR" altLang="en-US" b="1" dirty="0">
-                  <a:solidFill>
-                    <a:srgbClr val="FF0000"/>
-                  </a:solidFill>
-                </a:rPr>
-                <a:t>① </a:t>
-              </a:r>
-              <a:r>
-                <a:rPr lang="en-US" altLang="ko-KR" b="1" dirty="0">
-                  <a:solidFill>
-                    <a:srgbClr val="FF0000"/>
-                  </a:solidFill>
-                </a:rPr>
-                <a:t>TC </a:t>
-              </a:r>
-              <a:r>
-                <a:rPr lang="ko-KR" altLang="en-US" b="1" dirty="0">
-                  <a:solidFill>
-                    <a:srgbClr val="FF0000"/>
-                  </a:solidFill>
-                </a:rPr>
-                <a:t>작성</a:t>
-              </a:r>
-              <a:endParaRPr lang="ko-KR" altLang="en-US" sz="2000" b="1" dirty="0">
+              </a:rPr>
+              <a:t>① </a:t>
+            </a:r>
+            <a:r>
+              <a:rPr lang="en-US" altLang="ko-KR" b="1" dirty="0">
                 <a:solidFill>
                   <a:srgbClr val="FF0000"/>
                 </a:solidFill>
-              </a:endParaRPr>
-            </a:p>
-          </p:txBody>
-        </p:sp>
-        <p:sp>
-          <p:nvSpPr>
-            <p:cNvPr id="62" name="사각형: 둥근 모서리 61">
-              <a:extLst>
-                <a:ext uri="{FF2B5EF4-FFF2-40B4-BE49-F238E27FC236}">
-                  <a16:creationId xmlns:a16="http://schemas.microsoft.com/office/drawing/2014/main" id="{15E5324C-7CF2-4FB7-8777-EFEA99945C04}"/>
-                </a:ext>
-              </a:extLst>
-            </p:cNvPr>
-            <p:cNvSpPr/>
-            <p:nvPr/>
-          </p:nvSpPr>
-          <p:spPr>
-            <a:xfrm>
-              <a:off x="3172426" y="4249947"/>
-              <a:ext cx="2749840" cy="2228747"/>
-            </a:xfrm>
-            <a:prstGeom prst="roundRect">
-              <a:avLst>
-                <a:gd name="adj" fmla="val 3507"/>
-              </a:avLst>
-            </a:prstGeom>
-            <a:noFill/>
-            <a:ln w="9525" cap="flat" cmpd="sng" algn="ctr">
+              </a:rPr>
+              <a:t>TC </a:t>
+            </a:r>
+            <a:r>
+              <a:rPr lang="ko-KR" altLang="en-US" b="1" dirty="0">
+                <a:solidFill>
+                  <a:srgbClr val="FF0000"/>
+                </a:solidFill>
+              </a:rPr>
+              <a:t>작성</a:t>
+            </a:r>
+            <a:endParaRPr lang="ko-KR" altLang="en-US" sz="2000" b="1" dirty="0">
               <a:solidFill>
-                <a:schemeClr val="dk1"/>
+                <a:srgbClr val="FF0000"/>
               </a:solidFill>
-              <a:prstDash val="solid"/>
-              <a:round/>
-              <a:headEnd type="none" w="med" len="med"/>
-              <a:tailEnd type="none" w="med" len="med"/>
-            </a:ln>
-          </p:spPr>
-          <p:style>
-            <a:lnRef idx="0">
-              <a:scrgbClr r="0" g="0" b="0"/>
-            </a:lnRef>
-            <a:fillRef idx="0">
-              <a:scrgbClr r="0" g="0" b="0"/>
-            </a:fillRef>
-            <a:effectRef idx="0">
-              <a:scrgbClr r="0" g="0" b="0"/>
-            </a:effectRef>
-            <a:fontRef idx="minor">
-              <a:schemeClr val="dk1"/>
-            </a:fontRef>
-          </p:style>
-          <p:txBody>
-            <a:bodyPr rtlCol="0" anchor="ctr"/>
-            <a:lstStyle/>
-            <a:p>
-              <a:pPr algn="ctr"/>
-              <a:endParaRPr lang="ko-KR" altLang="en-US"/>
-            </a:p>
-          </p:txBody>
-        </p:sp>
-      </p:grpSp>
+            </a:endParaRPr>
+          </a:p>
+        </p:txBody>
+      </p:sp>
     </p:spTree>
     <p:extLst>
       <p:ext uri="{BB962C8B-B14F-4D97-AF65-F5344CB8AC3E}">
@@ -28677,306 +28581,6 @@
   <p:clrMapOvr>
     <a:masterClrMapping/>
   </p:clrMapOvr>
-  <p:timing>
-    <p:tnLst>
-      <p:par>
-        <p:cTn id="1" dur="indefinite" restart="never" nodeType="tmRoot">
-          <p:childTnLst>
-            <p:seq concurrent="1" nextAc="seek">
-              <p:cTn id="2" dur="indefinite" nodeType="mainSeq">
-                <p:childTnLst>
-                  <p:par>
-                    <p:cTn id="3" fill="hold">
-                      <p:stCondLst>
-                        <p:cond delay="indefinite"/>
-                      </p:stCondLst>
-                      <p:childTnLst>
-                        <p:par>
-                          <p:cTn id="4" fill="hold">
-                            <p:stCondLst>
-                              <p:cond delay="0"/>
-                            </p:stCondLst>
-                            <p:childTnLst>
-                              <p:par>
-                                <p:cTn id="5" presetID="1" presetClass="entr" presetSubtype="0" fill="hold" nodeType="clickEffect">
-                                  <p:stCondLst>
-                                    <p:cond delay="0"/>
-                                  </p:stCondLst>
-                                  <p:childTnLst>
-                                    <p:set>
-                                      <p:cBhvr>
-                                        <p:cTn id="6" dur="1" fill="hold">
-                                          <p:stCondLst>
-                                            <p:cond delay="0"/>
-                                          </p:stCondLst>
-                                        </p:cTn>
-                                        <p:tgtEl>
-                                          <p:spTgt spid="29"/>
-                                        </p:tgtEl>
-                                        <p:attrNameLst>
-                                          <p:attrName>style.visibility</p:attrName>
-                                        </p:attrNameLst>
-                                      </p:cBhvr>
-                                      <p:to>
-                                        <p:strVal val="visible"/>
-                                      </p:to>
-                                    </p:set>
-                                  </p:childTnLst>
-                                </p:cTn>
-                              </p:par>
-                            </p:childTnLst>
-                          </p:cTn>
-                        </p:par>
-                      </p:childTnLst>
-                    </p:cTn>
-                  </p:par>
-                  <p:par>
-                    <p:cTn id="7" fill="hold">
-                      <p:stCondLst>
-                        <p:cond delay="indefinite"/>
-                      </p:stCondLst>
-                      <p:childTnLst>
-                        <p:par>
-                          <p:cTn id="8" fill="hold">
-                            <p:stCondLst>
-                              <p:cond delay="0"/>
-                            </p:stCondLst>
-                            <p:childTnLst>
-                              <p:par>
-                                <p:cTn id="9" presetID="1" presetClass="entr" presetSubtype="0" fill="hold" nodeType="clickEffect">
-                                  <p:stCondLst>
-                                    <p:cond delay="0"/>
-                                  </p:stCondLst>
-                                  <p:childTnLst>
-                                    <p:set>
-                                      <p:cBhvr>
-                                        <p:cTn id="10" dur="1" fill="hold">
-                                          <p:stCondLst>
-                                            <p:cond delay="0"/>
-                                          </p:stCondLst>
-                                        </p:cTn>
-                                        <p:tgtEl>
-                                          <p:spTgt spid="34"/>
-                                        </p:tgtEl>
-                                        <p:attrNameLst>
-                                          <p:attrName>style.visibility</p:attrName>
-                                        </p:attrNameLst>
-                                      </p:cBhvr>
-                                      <p:to>
-                                        <p:strVal val="visible"/>
-                                      </p:to>
-                                    </p:set>
-                                  </p:childTnLst>
-                                </p:cTn>
-                              </p:par>
-                            </p:childTnLst>
-                          </p:cTn>
-                        </p:par>
-                      </p:childTnLst>
-                    </p:cTn>
-                  </p:par>
-                  <p:par>
-                    <p:cTn id="11" fill="hold">
-                      <p:stCondLst>
-                        <p:cond delay="indefinite"/>
-                      </p:stCondLst>
-                      <p:childTnLst>
-                        <p:par>
-                          <p:cTn id="12" fill="hold">
-                            <p:stCondLst>
-                              <p:cond delay="0"/>
-                            </p:stCondLst>
-                            <p:childTnLst>
-                              <p:par>
-                                <p:cTn id="13" presetID="1" presetClass="entr" presetSubtype="0" fill="hold" nodeType="clickEffect">
-                                  <p:stCondLst>
-                                    <p:cond delay="0"/>
-                                  </p:stCondLst>
-                                  <p:childTnLst>
-                                    <p:set>
-                                      <p:cBhvr>
-                                        <p:cTn id="14" dur="1" fill="hold">
-                                          <p:stCondLst>
-                                            <p:cond delay="0"/>
-                                          </p:stCondLst>
-                                        </p:cTn>
-                                        <p:tgtEl>
-                                          <p:spTgt spid="36"/>
-                                        </p:tgtEl>
-                                        <p:attrNameLst>
-                                          <p:attrName>style.visibility</p:attrName>
-                                        </p:attrNameLst>
-                                      </p:cBhvr>
-                                      <p:to>
-                                        <p:strVal val="visible"/>
-                                      </p:to>
-                                    </p:set>
-                                  </p:childTnLst>
-                                </p:cTn>
-                              </p:par>
-                            </p:childTnLst>
-                          </p:cTn>
-                        </p:par>
-                      </p:childTnLst>
-                    </p:cTn>
-                  </p:par>
-                  <p:par>
-                    <p:cTn id="15" fill="hold">
-                      <p:stCondLst>
-                        <p:cond delay="indefinite"/>
-                      </p:stCondLst>
-                      <p:childTnLst>
-                        <p:par>
-                          <p:cTn id="16" fill="hold">
-                            <p:stCondLst>
-                              <p:cond delay="0"/>
-                            </p:stCondLst>
-                            <p:childTnLst>
-                              <p:par>
-                                <p:cTn id="17" presetID="1" presetClass="entr" presetSubtype="0" fill="hold" nodeType="clickEffect">
-                                  <p:stCondLst>
-                                    <p:cond delay="0"/>
-                                  </p:stCondLst>
-                                  <p:childTnLst>
-                                    <p:set>
-                                      <p:cBhvr>
-                                        <p:cTn id="18" dur="1" fill="hold">
-                                          <p:stCondLst>
-                                            <p:cond delay="0"/>
-                                          </p:stCondLst>
-                                        </p:cTn>
-                                        <p:tgtEl>
-                                          <p:spTgt spid="38"/>
-                                        </p:tgtEl>
-                                        <p:attrNameLst>
-                                          <p:attrName>style.visibility</p:attrName>
-                                        </p:attrNameLst>
-                                      </p:cBhvr>
-                                      <p:to>
-                                        <p:strVal val="visible"/>
-                                      </p:to>
-                                    </p:set>
-                                  </p:childTnLst>
-                                </p:cTn>
-                              </p:par>
-                            </p:childTnLst>
-                          </p:cTn>
-                        </p:par>
-                      </p:childTnLst>
-                    </p:cTn>
-                  </p:par>
-                  <p:par>
-                    <p:cTn id="19" fill="hold">
-                      <p:stCondLst>
-                        <p:cond delay="indefinite"/>
-                      </p:stCondLst>
-                      <p:childTnLst>
-                        <p:par>
-                          <p:cTn id="20" fill="hold">
-                            <p:stCondLst>
-                              <p:cond delay="0"/>
-                            </p:stCondLst>
-                            <p:childTnLst>
-                              <p:par>
-                                <p:cTn id="21" presetID="1" presetClass="entr" presetSubtype="0" fill="hold" nodeType="clickEffect">
-                                  <p:stCondLst>
-                                    <p:cond delay="0"/>
-                                  </p:stCondLst>
-                                  <p:childTnLst>
-                                    <p:set>
-                                      <p:cBhvr>
-                                        <p:cTn id="22" dur="1" fill="hold">
-                                          <p:stCondLst>
-                                            <p:cond delay="0"/>
-                                          </p:stCondLst>
-                                        </p:cTn>
-                                        <p:tgtEl>
-                                          <p:spTgt spid="39"/>
-                                        </p:tgtEl>
-                                        <p:attrNameLst>
-                                          <p:attrName>style.visibility</p:attrName>
-                                        </p:attrNameLst>
-                                      </p:cBhvr>
-                                      <p:to>
-                                        <p:strVal val="visible"/>
-                                      </p:to>
-                                    </p:set>
-                                  </p:childTnLst>
-                                </p:cTn>
-                              </p:par>
-                            </p:childTnLst>
-                          </p:cTn>
-                        </p:par>
-                      </p:childTnLst>
-                    </p:cTn>
-                  </p:par>
-                  <p:par>
-                    <p:cTn id="23" fill="hold">
-                      <p:stCondLst>
-                        <p:cond delay="indefinite"/>
-                      </p:stCondLst>
-                      <p:childTnLst>
-                        <p:par>
-                          <p:cTn id="24" fill="hold">
-                            <p:stCondLst>
-                              <p:cond delay="0"/>
-                            </p:stCondLst>
-                            <p:childTnLst>
-                              <p:par>
-                                <p:cTn id="25" presetID="1" presetClass="entr" presetSubtype="0" fill="hold" nodeType="clickEffect">
-                                  <p:stCondLst>
-                                    <p:cond delay="0"/>
-                                  </p:stCondLst>
-                                  <p:childTnLst>
-                                    <p:set>
-                                      <p:cBhvr>
-                                        <p:cTn id="26" dur="1" fill="hold">
-                                          <p:stCondLst>
-                                            <p:cond delay="0"/>
-                                          </p:stCondLst>
-                                        </p:cTn>
-                                        <p:tgtEl>
-                                          <p:spTgt spid="41"/>
-                                        </p:tgtEl>
-                                        <p:attrNameLst>
-                                          <p:attrName>style.visibility</p:attrName>
-                                        </p:attrNameLst>
-                                      </p:cBhvr>
-                                      <p:to>
-                                        <p:strVal val="visible"/>
-                                      </p:to>
-                                    </p:set>
-                                  </p:childTnLst>
-                                </p:cTn>
-                              </p:par>
-                            </p:childTnLst>
-                          </p:cTn>
-                        </p:par>
-                      </p:childTnLst>
-                    </p:cTn>
-                  </p:par>
-                </p:childTnLst>
-              </p:cTn>
-              <p:prevCondLst>
-                <p:cond evt="onPrev" delay="0">
-                  <p:tgtEl>
-                    <p:sldTgt/>
-                  </p:tgtEl>
-                </p:cond>
-              </p:prevCondLst>
-              <p:nextCondLst>
-                <p:cond evt="onNext" delay="0">
-                  <p:tgtEl>
-                    <p:sldTgt/>
-                  </p:tgtEl>
-                </p:cond>
-              </p:nextCondLst>
-            </p:seq>
-          </p:childTnLst>
-        </p:cTn>
-      </p:par>
-    </p:tnLst>
-  </p:timing>
 </p:sld>
 </file>
 
@@ -29633,206 +29237,6 @@
           </a:extLst>
         </p:spPr>
       </p:pic>
-      <p:sp>
-        <p:nvSpPr>
-          <p:cNvPr id="3" name="사각형: 둥근 모서리 2">
-            <a:extLst>
-              <a:ext uri="{FF2B5EF4-FFF2-40B4-BE49-F238E27FC236}">
-                <a16:creationId xmlns:a16="http://schemas.microsoft.com/office/drawing/2014/main" id="{8E25B121-2455-4742-B06F-E6EC2CC6471F}"/>
-              </a:ext>
-            </a:extLst>
-          </p:cNvPr>
-          <p:cNvSpPr/>
-          <p:nvPr/>
-        </p:nvSpPr>
-        <p:spPr>
-          <a:xfrm>
-            <a:off x="3338003" y="2858610"/>
-            <a:ext cx="1706577" cy="968968"/>
-          </a:xfrm>
-          <a:prstGeom prst="roundRect">
-            <a:avLst>
-              <a:gd name="adj" fmla="val 8911"/>
-            </a:avLst>
-          </a:prstGeom>
-          <a:noFill/>
-          <a:ln w="28575" cap="flat" cmpd="sng" algn="ctr">
-            <a:solidFill>
-              <a:srgbClr val="FF0000"/>
-            </a:solidFill>
-            <a:prstDash val="sysDash"/>
-            <a:round/>
-            <a:headEnd type="none" w="med" len="med"/>
-            <a:tailEnd type="none" w="med" len="med"/>
-          </a:ln>
-        </p:spPr>
-        <p:style>
-          <a:lnRef idx="0">
-            <a:scrgbClr r="0" g="0" b="0"/>
-          </a:lnRef>
-          <a:fillRef idx="0">
-            <a:scrgbClr r="0" g="0" b="0"/>
-          </a:fillRef>
-          <a:effectRef idx="0">
-            <a:scrgbClr r="0" g="0" b="0"/>
-          </a:effectRef>
-          <a:fontRef idx="minor">
-            <a:schemeClr val="accent2"/>
-          </a:fontRef>
-        </p:style>
-        <p:txBody>
-          <a:bodyPr rtlCol="0" anchor="ctr"/>
-          <a:lstStyle/>
-          <a:p>
-            <a:pPr algn="ctr"/>
-            <a:endParaRPr lang="ko-KR" altLang="en-US"/>
-          </a:p>
-        </p:txBody>
-      </p:sp>
-      <p:sp>
-        <p:nvSpPr>
-          <p:cNvPr id="5" name="TextBox 4">
-            <a:extLst>
-              <a:ext uri="{FF2B5EF4-FFF2-40B4-BE49-F238E27FC236}">
-                <a16:creationId xmlns:a16="http://schemas.microsoft.com/office/drawing/2014/main" id="{5A77B4B6-3BA2-44EF-9117-B12E12B64B72}"/>
-              </a:ext>
-            </a:extLst>
-          </p:cNvPr>
-          <p:cNvSpPr txBox="1"/>
-          <p:nvPr/>
-        </p:nvSpPr>
-        <p:spPr>
-          <a:xfrm rot="5400000">
-            <a:off x="4757594" y="3150517"/>
-            <a:ext cx="891591" cy="307777"/>
-          </a:xfrm>
-          <a:prstGeom prst="rect">
-            <a:avLst/>
-          </a:prstGeom>
-          <a:noFill/>
-        </p:spPr>
-        <p:txBody>
-          <a:bodyPr wrap="none" rtlCol="0">
-            <a:spAutoFit/>
-          </a:bodyPr>
-          <a:lstStyle/>
-          <a:p>
-            <a:r>
-              <a:rPr lang="en-US" altLang="ko-KR" dirty="0">
-                <a:solidFill>
-                  <a:srgbClr val="FF0000"/>
-                </a:solidFill>
-              </a:rPr>
-              <a:t>Stubbing</a:t>
-            </a:r>
-            <a:endParaRPr lang="ko-KR" altLang="en-US" dirty="0">
-              <a:solidFill>
-                <a:srgbClr val="FF0000"/>
-              </a:solidFill>
-            </a:endParaRPr>
-          </a:p>
-        </p:txBody>
-      </p:sp>
-      <p:sp>
-        <p:nvSpPr>
-          <p:cNvPr id="16" name="사각형: 둥근 모서리 15">
-            <a:extLst>
-              <a:ext uri="{FF2B5EF4-FFF2-40B4-BE49-F238E27FC236}">
-                <a16:creationId xmlns:a16="http://schemas.microsoft.com/office/drawing/2014/main" id="{E35C3FF5-D1AA-4835-BB2F-9618B6AD303E}"/>
-              </a:ext>
-            </a:extLst>
-          </p:cNvPr>
-          <p:cNvSpPr/>
-          <p:nvPr/>
-        </p:nvSpPr>
-        <p:spPr>
-          <a:xfrm>
-            <a:off x="7553694" y="3275861"/>
-            <a:ext cx="1201547" cy="605068"/>
-          </a:xfrm>
-          <a:prstGeom prst="roundRect">
-            <a:avLst>
-              <a:gd name="adj" fmla="val 8911"/>
-            </a:avLst>
-          </a:prstGeom>
-          <a:noFill/>
-          <a:ln w="28575" cap="flat" cmpd="sng" algn="ctr">
-            <a:solidFill>
-              <a:srgbClr val="FF0000"/>
-            </a:solidFill>
-            <a:prstDash val="sysDash"/>
-            <a:round/>
-            <a:headEnd type="none" w="med" len="med"/>
-            <a:tailEnd type="none" w="med" len="med"/>
-          </a:ln>
-        </p:spPr>
-        <p:style>
-          <a:lnRef idx="0">
-            <a:scrgbClr r="0" g="0" b="0"/>
-          </a:lnRef>
-          <a:fillRef idx="0">
-            <a:scrgbClr r="0" g="0" b="0"/>
-          </a:fillRef>
-          <a:effectRef idx="0">
-            <a:scrgbClr r="0" g="0" b="0"/>
-          </a:effectRef>
-          <a:fontRef idx="minor">
-            <a:schemeClr val="accent2"/>
-          </a:fontRef>
-        </p:style>
-        <p:txBody>
-          <a:bodyPr rtlCol="0" anchor="ctr"/>
-          <a:lstStyle/>
-          <a:p>
-            <a:pPr algn="ctr"/>
-            <a:endParaRPr lang="ko-KR" altLang="en-US"/>
-          </a:p>
-        </p:txBody>
-      </p:sp>
-      <p:sp>
-        <p:nvSpPr>
-          <p:cNvPr id="17" name="TextBox 16">
-            <a:extLst>
-              <a:ext uri="{FF2B5EF4-FFF2-40B4-BE49-F238E27FC236}">
-                <a16:creationId xmlns:a16="http://schemas.microsoft.com/office/drawing/2014/main" id="{7BA75C8E-BC28-4182-A4B3-572E82732E64}"/>
-              </a:ext>
-            </a:extLst>
-          </p:cNvPr>
-          <p:cNvSpPr txBox="1"/>
-          <p:nvPr/>
-        </p:nvSpPr>
-        <p:spPr>
-          <a:xfrm rot="16200000">
-            <a:off x="6980024" y="3348197"/>
-            <a:ext cx="851515" cy="307777"/>
-          </a:xfrm>
-          <a:prstGeom prst="rect">
-            <a:avLst/>
-          </a:prstGeom>
-          <a:noFill/>
-        </p:spPr>
-        <p:txBody>
-          <a:bodyPr wrap="none" rtlCol="0">
-            <a:spAutoFit/>
-          </a:bodyPr>
-          <a:lstStyle/>
-          <a:p>
-            <a:r>
-              <a:rPr lang="en-US" altLang="ko-KR" dirty="0">
-                <a:solidFill>
-                  <a:srgbClr val="FF0000"/>
-                </a:solidFill>
-              </a:rPr>
-              <a:t>Mocking</a:t>
-            </a:r>
-            <a:endParaRPr lang="ko-KR" altLang="en-US" dirty="0">
-              <a:solidFill>
-                <a:srgbClr val="FF0000"/>
-              </a:solidFill>
-            </a:endParaRPr>
-          </a:p>
-        </p:txBody>
-      </p:sp>
     </p:spTree>
     <p:extLst>
       <p:ext uri="{BB962C8B-B14F-4D97-AF65-F5344CB8AC3E}">

--- a/SSD_B_BestReviewer.pptx
+++ b/SSD_B_BestReviewer.pptx
@@ -260,7 +260,7 @@
       <p15:sldGuideLst xmlns:p15="http://schemas.microsoft.com/office/powerpoint/2012/main"/>
     </p:ext>
     <p:ext uri="GoogleSlidesCustomDataVersion2">
-      <go:slidesCustomData xmlns:go="http://customooxmlschemas.google.com/" xmlns:ahyp="http://schemas.microsoft.com/office/drawing/2018/hyperlinkcolor" xmlns:p15="http://schemas.microsoft.com/office/powerpoint/2012/main" xmlns:p14="http://schemas.microsoft.com/office/powerpoint/2010/main" xmlns:com="http://schemas.openxmlformats.org/drawingml/2006/compatibility" xmlns:pvml="urn:schemas-microsoft-com:office:powerpoint" xmlns:v="urn:schemas-microsoft-com:vml" xmlns:o="urn:schemas-microsoft-com:office:office" xmlns:dgm="http://schemas.openxmlformats.org/drawingml/2006/diagram" xmlns:c="http://schemas.openxmlformats.org/drawingml/2006/chart" xmlns:mv="urn:schemas-microsoft-com:mac:vml" xmlns:mc="http://schemas.openxmlformats.org/markup-compatibility/2006" xmlns="" r:id="rId18" roundtripDataSignature="AMtx7mj5GdbxsaFl02bTEFBl/9s84/Z/Bw=="/>
+      <go:slidesCustomData xmlns="" xmlns:mc="http://schemas.openxmlformats.org/markup-compatibility/2006" xmlns:mv="urn:schemas-microsoft-com:mac:vml" xmlns:c="http://schemas.openxmlformats.org/drawingml/2006/chart" xmlns:dgm="http://schemas.openxmlformats.org/drawingml/2006/diagram" xmlns:o="urn:schemas-microsoft-com:office:office" xmlns:v="urn:schemas-microsoft-com:vml" xmlns:pvml="urn:schemas-microsoft-com:office:powerpoint" xmlns:com="http://schemas.openxmlformats.org/drawingml/2006/compatibility" xmlns:p14="http://schemas.microsoft.com/office/powerpoint/2010/main" xmlns:p15="http://schemas.microsoft.com/office/powerpoint/2012/main" xmlns:ahyp="http://schemas.microsoft.com/office/drawing/2018/hyperlinkcolor" xmlns:go="http://customooxmlschemas.google.com/" r:id="rId18" roundtripDataSignature="AMtx7mj5GdbxsaFl02bTEFBl/9s84/Z/Bw=="/>
     </p:ext>
   </p:extLst>
 </p:presentation>
@@ -6769,6 +6769,14 @@
             </a:pPr>
             <a:r>
               <a:rPr lang="en-US" dirty="0"/>
+              <a:t>TC</a:t>
+            </a:r>
+            <a:r>
+              <a:rPr lang="ko-KR" altLang="en-US" dirty="0"/>
+              <a:t> </a:t>
+            </a:r>
+            <a:r>
+              <a:rPr lang="en-US" dirty="0"/>
               <a:t>Coverage</a:t>
             </a:r>
             <a:endParaRPr dirty="0"/>
@@ -13568,7 +13576,7 @@
           <p:nvPr>
             <p:extLst>
               <p:ext uri="{D42A27DB-BD31-4B8C-83A1-F6EECF244321}">
-                <p14:modId xmlns:p14="http://schemas.microsoft.com/office/powerpoint/2010/main" val="222046184"/>
+                <p14:modId xmlns:p14="http://schemas.microsoft.com/office/powerpoint/2010/main" val="1883709096"/>
               </p:ext>
             </p:extLst>
           </p:nvPr>
@@ -13777,10 +13785,19 @@
                     <a:p>
                       <a:pPr rtl="0" fontAlgn="b"/>
                       <a:r>
+                        <a:rPr lang="ko-KR" altLang="en-US" sz="1300" b="1" dirty="0">
+                          <a:solidFill>
+                            <a:srgbClr val="0070C0"/>
+                          </a:solidFill>
+                          <a:effectLst/>
+                        </a:rPr>
+                        <a:t>현업에서 즉시 활용 가능</a:t>
+                      </a:r>
+                      <a:r>
                         <a:rPr lang="ko-KR" altLang="en-US" sz="1300" dirty="0">
                           <a:effectLst/>
                         </a:rPr>
-                        <a:t>현업에서 즉시 활용 가능한 유용한 과정이라고 생각됩니다</a:t>
+                        <a:t>한 유용한 과정이라고 생각됩니다</a:t>
                       </a:r>
                       <a:r>
                         <a:rPr lang="en-US" altLang="ko-KR" sz="1300" dirty="0">
@@ -13923,28 +13940,46 @@
                     <a:p>
                       <a:pPr rtl="0" fontAlgn="b"/>
                       <a:r>
-                        <a:rPr lang="en-US" altLang="ko-KR" sz="1300" dirty="0">
+                        <a:rPr lang="en-US" altLang="ko-KR" sz="1300" b="1" dirty="0">
+                          <a:solidFill>
+                            <a:srgbClr val="0070C0"/>
+                          </a:solidFill>
                           <a:effectLst/>
                         </a:rPr>
                         <a:t>"</a:t>
                       </a:r>
                       <a:r>
+                        <a:rPr lang="ko-KR" altLang="en-US" sz="1300" b="1" dirty="0">
+                          <a:solidFill>
+                            <a:srgbClr val="0070C0"/>
+                          </a:solidFill>
+                          <a:effectLst/>
+                        </a:rPr>
+                        <a:t>같이</a:t>
+                      </a:r>
+                      <a:r>
+                        <a:rPr lang="en-US" altLang="ko-KR" sz="1300" b="1" dirty="0">
+                          <a:solidFill>
+                            <a:srgbClr val="0070C0"/>
+                          </a:solidFill>
+                          <a:effectLst/>
+                        </a:rPr>
+                        <a:t>" </a:t>
+                      </a:r>
+                      <a:r>
+                        <a:rPr lang="ko-KR" altLang="en-US" sz="1300" b="1" dirty="0">
+                          <a:solidFill>
+                            <a:srgbClr val="0070C0"/>
+                          </a:solidFill>
+                          <a:effectLst/>
+                        </a:rPr>
+                        <a:t>개발하는 프로젝트</a:t>
+                      </a:r>
+                      <a:r>
                         <a:rPr lang="ko-KR" altLang="en-US" sz="1300" dirty="0">
                           <a:effectLst/>
                         </a:rPr>
-                        <a:t>같이</a:t>
-                      </a:r>
-                      <a:r>
-                        <a:rPr lang="en-US" altLang="ko-KR" sz="1300" dirty="0">
-                          <a:effectLst/>
-                        </a:rPr>
-                        <a:t>" </a:t>
-                      </a:r>
-                      <a:r>
-                        <a:rPr lang="ko-KR" altLang="en-US" sz="1300" dirty="0">
-                          <a:effectLst/>
-                        </a:rPr>
-                        <a:t>개발하는 프로젝트를 풍부한 </a:t>
+                        <a:t>를 풍부한 </a:t>
                       </a:r>
                       <a:r>
                         <a:rPr lang="en-US" altLang="ko-KR" sz="1300" dirty="0">
@@ -14129,7 +14164,22 @@
                         <a:rPr lang="ko-KR" altLang="en-US" sz="1300" dirty="0">
                           <a:effectLst/>
                         </a:rPr>
-                        <a:t>생각보다 과제가 난이도가 있어서 쉽지 않았지만 다같이 열심히 버그 잡고 리뷰하고 테스트 돌려서 잘 마무리할 수 있었던 것 같습니다</a:t>
+                        <a:t>생각보다 과제가 난이도가 있어서 쉽지 않았지만 </a:t>
+                      </a:r>
+                      <a:r>
+                        <a:rPr lang="ko-KR" altLang="en-US" sz="1300" b="1" dirty="0">
+                          <a:solidFill>
+                            <a:srgbClr val="0070C0"/>
+                          </a:solidFill>
+                          <a:effectLst/>
+                        </a:rPr>
+                        <a:t>다같이 열심히</a:t>
+                      </a:r>
+                      <a:r>
+                        <a:rPr lang="ko-KR" altLang="en-US" sz="1300" dirty="0">
+                          <a:effectLst/>
+                        </a:rPr>
+                        <a:t> 버그 잡고 리뷰하고 테스트 돌려서 잘 마무리할 수 있었던 것 같습니다</a:t>
                       </a:r>
                       <a:r>
                         <a:rPr lang="en-US" altLang="ko-KR" sz="1300" dirty="0">
@@ -14248,7 +14298,31 @@
                         <a:rPr lang="ko-KR" altLang="en-US" sz="1300" dirty="0">
                           <a:effectLst/>
                         </a:rPr>
-                        <a:t>프로젝트 하나를 밀도 있게 진행하면서 많이 체화 할 수 있는 시간이었습니다</a:t>
+                        <a:t>프로젝트 하나를 밀도 있게 진행하면서 많이 </a:t>
+                      </a:r>
+                      <a:r>
+                        <a:rPr lang="ko-KR" altLang="en-US" sz="1300" b="1" dirty="0">
+                          <a:solidFill>
+                            <a:srgbClr val="0070C0"/>
+                          </a:solidFill>
+                          <a:effectLst/>
+                        </a:rPr>
+                        <a:t>체화</a:t>
+                      </a:r>
+                      <a:r>
+                        <a:rPr lang="ko-KR" altLang="en-US" sz="1300" dirty="0">
+                          <a:solidFill>
+                            <a:srgbClr val="0070C0"/>
+                          </a:solidFill>
+                          <a:effectLst/>
+                        </a:rPr>
+                        <a:t> </a:t>
+                      </a:r>
+                      <a:r>
+                        <a:rPr lang="ko-KR" altLang="en-US" sz="1300" dirty="0">
+                          <a:effectLst/>
+                        </a:rPr>
+                        <a:t>할 수 있는 시간이었습니다</a:t>
                       </a:r>
                       <a:r>
                         <a:rPr lang="en-US" altLang="ko-KR" sz="1300" dirty="0">
@@ -14412,10 +14486,19 @@
                         <a:t>. </a:t>
                       </a:r>
                       <a:r>
+                        <a:rPr lang="ko-KR" altLang="en-US" sz="1300" b="1" dirty="0">
+                          <a:solidFill>
+                            <a:srgbClr val="0070C0"/>
+                          </a:solidFill>
+                          <a:effectLst/>
+                        </a:rPr>
+                        <a:t>현업에 큰 도움</a:t>
+                      </a:r>
+                      <a:r>
                         <a:rPr lang="ko-KR" altLang="en-US" sz="1300" dirty="0">
                           <a:effectLst/>
                         </a:rPr>
-                        <a:t>현업에 큰 도움이 될 수 있을 것 같습니다</a:t>
+                        <a:t>이 될 수 있을 것 같습니다</a:t>
                       </a:r>
                       <a:r>
                         <a:rPr lang="en-US" altLang="ko-KR" sz="1300" dirty="0">
@@ -14535,31 +14618,58 @@
                         <a:rPr lang="ko-KR" altLang="en-US" sz="1300" dirty="0">
                           <a:effectLst/>
                         </a:rPr>
-                        <a:t>현업을 하면서는 생각해보지 않았던 여러 디자인패턴</a:t>
-                      </a:r>
-                      <a:r>
-                        <a:rPr lang="en-US" altLang="ko-KR" sz="1300" dirty="0">
+                        <a:t>현업을 하면서는 생각해보지 않았던 여러 </a:t>
+                      </a:r>
+                      <a:r>
+                        <a:rPr lang="ko-KR" altLang="en-US" sz="1300" b="1" dirty="0">
+                          <a:solidFill>
+                            <a:srgbClr val="0070C0"/>
+                          </a:solidFill>
+                          <a:effectLst/>
+                        </a:rPr>
+                        <a:t>디자인패턴</a:t>
+                      </a:r>
+                      <a:r>
+                        <a:rPr lang="en-US" altLang="ko-KR" sz="1300" b="1" dirty="0">
+                          <a:solidFill>
+                            <a:srgbClr val="0070C0"/>
+                          </a:solidFill>
                           <a:effectLst/>
                         </a:rPr>
                         <a:t>, TDD</a:t>
                       </a:r>
                       <a:r>
+                        <a:rPr lang="ko-KR" altLang="en-US" sz="1300" b="1" dirty="0">
+                          <a:solidFill>
+                            <a:srgbClr val="0070C0"/>
+                          </a:solidFill>
+                          <a:effectLst/>
+                        </a:rPr>
+                        <a:t>등의 개발방법</a:t>
+                      </a:r>
+                      <a:r>
+                        <a:rPr lang="en-US" altLang="ko-KR" sz="1300" b="1" dirty="0">
+                          <a:solidFill>
+                            <a:srgbClr val="0070C0"/>
+                          </a:solidFill>
+                          <a:effectLst/>
+                        </a:rPr>
+                        <a:t>, clean code</a:t>
+                      </a:r>
+                      <a:r>
+                        <a:rPr lang="ko-KR" altLang="en-US" sz="1300" b="1" dirty="0">
+                          <a:solidFill>
+                            <a:srgbClr val="0070C0"/>
+                          </a:solidFill>
+                          <a:effectLst/>
+                        </a:rPr>
+                        <a:t>가 무엇인지 등을 고민</a:t>
+                      </a:r>
+                      <a:r>
                         <a:rPr lang="ko-KR" altLang="en-US" sz="1300" dirty="0">
                           <a:effectLst/>
                         </a:rPr>
-                        <a:t>등의 개발방법</a:t>
-                      </a:r>
-                      <a:r>
-                        <a:rPr lang="en-US" altLang="ko-KR" sz="1300" dirty="0">
-                          <a:effectLst/>
-                        </a:rPr>
-                        <a:t>, clean code</a:t>
-                      </a:r>
-                      <a:r>
-                        <a:rPr lang="ko-KR" altLang="en-US" sz="1300" dirty="0">
-                          <a:effectLst/>
-                        </a:rPr>
-                        <a:t>가 무엇인지 등을 고민해 볼 수 있어 좋았습니다</a:t>
+                        <a:t>해 볼 수 있어 좋았습니다</a:t>
                       </a:r>
                       <a:r>
                         <a:rPr lang="en-US" altLang="ko-KR" sz="1300" dirty="0">
@@ -14741,7 +14851,22 @@
                         <a:rPr lang="ko-KR" altLang="en-US" sz="1300" dirty="0">
                           <a:effectLst/>
                         </a:rPr>
-                        <a:t>뿐만 아니라 팀원들과 함께 프로젝트를 진행하면서 오랜만에 개발의 즐거움을 느낄 수 있었습니다</a:t>
+                        <a:t>뿐만 아니라 팀원들과 함께 프로젝트를 진행하면서 오랜만에 </a:t>
+                      </a:r>
+                      <a:r>
+                        <a:rPr lang="ko-KR" altLang="en-US" sz="1300" b="1" dirty="0">
+                          <a:solidFill>
+                            <a:srgbClr val="0070C0"/>
+                          </a:solidFill>
+                          <a:effectLst/>
+                        </a:rPr>
+                        <a:t>개발의 즐거움</a:t>
+                      </a:r>
+                      <a:r>
+                        <a:rPr lang="ko-KR" altLang="en-US" sz="1300" dirty="0">
+                          <a:effectLst/>
+                        </a:rPr>
+                        <a:t>을 느낄 수 있었습니다</a:t>
                       </a:r>
                       <a:r>
                         <a:rPr lang="en-US" altLang="ko-KR" sz="1300" dirty="0">

--- a/SSD_B_BestReviewer.pptx
+++ b/SSD_B_BestReviewer.pptx
@@ -260,7 +260,7 @@
       <p15:sldGuideLst xmlns:p15="http://schemas.microsoft.com/office/powerpoint/2012/main"/>
     </p:ext>
     <p:ext uri="GoogleSlidesCustomDataVersion2">
-      <go:slidesCustomData xmlns="" xmlns:mc="http://schemas.openxmlformats.org/markup-compatibility/2006" xmlns:mv="urn:schemas-microsoft-com:mac:vml" xmlns:c="http://schemas.openxmlformats.org/drawingml/2006/chart" xmlns:dgm="http://schemas.openxmlformats.org/drawingml/2006/diagram" xmlns:o="urn:schemas-microsoft-com:office:office" xmlns:v="urn:schemas-microsoft-com:vml" xmlns:pvml="urn:schemas-microsoft-com:office:powerpoint" xmlns:com="http://schemas.openxmlformats.org/drawingml/2006/compatibility" xmlns:p14="http://schemas.microsoft.com/office/powerpoint/2010/main" xmlns:p15="http://schemas.microsoft.com/office/powerpoint/2012/main" xmlns:ahyp="http://schemas.microsoft.com/office/drawing/2018/hyperlinkcolor" xmlns:go="http://customooxmlschemas.google.com/" r:id="rId18" roundtripDataSignature="AMtx7mj5GdbxsaFl02bTEFBl/9s84/Z/Bw=="/>
+      <go:slidesCustomData xmlns:go="http://customooxmlschemas.google.com/" xmlns:ahyp="http://schemas.microsoft.com/office/drawing/2018/hyperlinkcolor" xmlns:p15="http://schemas.microsoft.com/office/powerpoint/2012/main" xmlns:p14="http://schemas.microsoft.com/office/powerpoint/2010/main" xmlns:com="http://schemas.openxmlformats.org/drawingml/2006/compatibility" xmlns:pvml="urn:schemas-microsoft-com:office:powerpoint" xmlns:v="urn:schemas-microsoft-com:vml" xmlns:o="urn:schemas-microsoft-com:office:office" xmlns:dgm="http://schemas.openxmlformats.org/drawingml/2006/diagram" xmlns:c="http://schemas.openxmlformats.org/drawingml/2006/chart" xmlns:mv="urn:schemas-microsoft-com:mac:vml" xmlns:mc="http://schemas.openxmlformats.org/markup-compatibility/2006" xmlns="" r:id="rId18" roundtripDataSignature="AMtx7mj5GdbxsaFl02bTEFBl/9s84/Z/Bw=="/>
     </p:ext>
   </p:extLst>
 </p:presentation>
@@ -15015,85 +15015,6 @@
       </p:sp>
       <p:pic>
         <p:nvPicPr>
-          <p:cNvPr id="4" name="그림 3">
-            <a:extLst>
-              <a:ext uri="{FF2B5EF4-FFF2-40B4-BE49-F238E27FC236}">
-                <a16:creationId xmlns:a16="http://schemas.microsoft.com/office/drawing/2014/main" id="{0A7AFC66-0CBE-4298-9602-521B34133062}"/>
-              </a:ext>
-            </a:extLst>
-          </p:cNvPr>
-          <p:cNvPicPr>
-            <a:picLocks noChangeAspect="1"/>
-          </p:cNvPicPr>
-          <p:nvPr/>
-        </p:nvPicPr>
-        <p:blipFill>
-          <a:blip r:embed="rId3"/>
-          <a:stretch>
-            <a:fillRect/>
-          </a:stretch>
-        </p:blipFill>
-        <p:spPr>
-          <a:xfrm>
-            <a:off x="1143740" y="2358202"/>
-            <a:ext cx="4022758" cy="2684139"/>
-          </a:xfrm>
-          <a:prstGeom prst="rect">
-            <a:avLst/>
-          </a:prstGeom>
-        </p:spPr>
-      </p:pic>
-      <p:sp>
-        <p:nvSpPr>
-          <p:cNvPr id="6" name="TextBox 5">
-            <a:extLst>
-              <a:ext uri="{FF2B5EF4-FFF2-40B4-BE49-F238E27FC236}">
-                <a16:creationId xmlns:a16="http://schemas.microsoft.com/office/drawing/2014/main" id="{AC1B892C-F164-44E9-8E1B-F7AF266249E1}"/>
-              </a:ext>
-            </a:extLst>
-          </p:cNvPr>
-          <p:cNvSpPr txBox="1"/>
-          <p:nvPr/>
-        </p:nvSpPr>
-        <p:spPr>
-          <a:xfrm>
-            <a:off x="603817" y="1259924"/>
-            <a:ext cx="2246128" cy="415627"/>
-          </a:xfrm>
-          <a:prstGeom prst="rect">
-            <a:avLst/>
-          </a:prstGeom>
-          <a:noFill/>
-        </p:spPr>
-        <p:txBody>
-          <a:bodyPr wrap="none" rtlCol="0">
-            <a:spAutoFit/>
-          </a:bodyPr>
-          <a:lstStyle/>
-          <a:p>
-            <a:pPr>
-              <a:lnSpc>
-                <a:spcPct val="150000"/>
-              </a:lnSpc>
-            </a:pPr>
-            <a:r>
-              <a:rPr lang="ko-KR" altLang="en-US" sz="1600" dirty="0"/>
-              <a:t>▶ </a:t>
-            </a:r>
-            <a:r>
-              <a:rPr lang="en-US" altLang="ko-KR" sz="1600" dirty="0"/>
-              <a:t>PR Template </a:t>
-            </a:r>
-            <a:r>
-              <a:rPr lang="ko-KR" altLang="en-US" sz="1600" dirty="0"/>
-              <a:t>적용 </a:t>
-            </a:r>
-            <a:endParaRPr lang="en-US" altLang="ko-KR" sz="1600" dirty="0"/>
-          </a:p>
-        </p:txBody>
-      </p:sp>
-      <p:pic>
-        <p:nvPicPr>
           <p:cNvPr id="7" name="그림 6">
             <a:extLst>
               <a:ext uri="{FF2B5EF4-FFF2-40B4-BE49-F238E27FC236}">
@@ -15107,7 +15028,7 @@
           <p:nvPr/>
         </p:nvPicPr>
         <p:blipFill>
-          <a:blip r:embed="rId4"/>
+          <a:blip r:embed="rId3"/>
           <a:stretch>
             <a:fillRect/>
           </a:stretch>
@@ -15294,7 +15215,7 @@
           <p:nvPr/>
         </p:nvPicPr>
         <p:blipFill>
-          <a:blip r:embed="rId5"/>
+          <a:blip r:embed="rId4"/>
           <a:stretch>
             <a:fillRect/>
           </a:stretch>
@@ -15309,6 +15230,172 @@
           </a:prstGeom>
         </p:spPr>
       </p:pic>
+      <p:pic>
+        <p:nvPicPr>
+          <p:cNvPr id="3" name="그림 2">
+            <a:extLst>
+              <a:ext uri="{FF2B5EF4-FFF2-40B4-BE49-F238E27FC236}">
+                <a16:creationId xmlns:a16="http://schemas.microsoft.com/office/drawing/2014/main" id="{CDBE6A5A-94CA-4BEA-AC27-930399D630EE}"/>
+              </a:ext>
+            </a:extLst>
+          </p:cNvPr>
+          <p:cNvPicPr>
+            <a:picLocks noChangeAspect="1"/>
+          </p:cNvPicPr>
+          <p:nvPr/>
+        </p:nvPicPr>
+        <p:blipFill>
+          <a:blip r:embed="rId5"/>
+          <a:stretch>
+            <a:fillRect/>
+          </a:stretch>
+        </p:blipFill>
+        <p:spPr>
+          <a:xfrm>
+            <a:off x="497285" y="1719696"/>
+            <a:ext cx="5302840" cy="2525580"/>
+          </a:xfrm>
+          <a:prstGeom prst="rect">
+            <a:avLst/>
+          </a:prstGeom>
+        </p:spPr>
+      </p:pic>
+      <p:sp>
+        <p:nvSpPr>
+          <p:cNvPr id="13" name="TextBox 12">
+            <a:extLst>
+              <a:ext uri="{FF2B5EF4-FFF2-40B4-BE49-F238E27FC236}">
+                <a16:creationId xmlns:a16="http://schemas.microsoft.com/office/drawing/2014/main" id="{521309FF-2E96-4324-B7DF-0788481A5239}"/>
+              </a:ext>
+            </a:extLst>
+          </p:cNvPr>
+          <p:cNvSpPr txBox="1"/>
+          <p:nvPr/>
+        </p:nvSpPr>
+        <p:spPr>
+          <a:xfrm>
+            <a:off x="497285" y="1206658"/>
+            <a:ext cx="3661580" cy="415627"/>
+          </a:xfrm>
+          <a:prstGeom prst="rect">
+            <a:avLst/>
+          </a:prstGeom>
+          <a:noFill/>
+        </p:spPr>
+        <p:txBody>
+          <a:bodyPr wrap="none" rtlCol="0">
+            <a:spAutoFit/>
+          </a:bodyPr>
+          <a:lstStyle/>
+          <a:p>
+            <a:pPr>
+              <a:lnSpc>
+                <a:spcPct val="150000"/>
+              </a:lnSpc>
+            </a:pPr>
+            <a:r>
+              <a:rPr lang="ko-KR" altLang="en-US" sz="1600" dirty="0"/>
+              <a:t>▶ </a:t>
+            </a:r>
+            <a:r>
+              <a:rPr lang="en-US" altLang="ko-KR" sz="1600" dirty="0"/>
+              <a:t>Test </a:t>
+            </a:r>
+            <a:r>
+              <a:rPr lang="ko-KR" altLang="en-US" sz="1600" dirty="0"/>
+              <a:t>자동화 </a:t>
+            </a:r>
+            <a:r>
+              <a:rPr lang="en-US" altLang="ko-KR" sz="1600" dirty="0"/>
+              <a:t>– GitHub Actions </a:t>
+            </a:r>
+            <a:r>
+              <a:rPr lang="ko-KR" altLang="en-US" sz="1600" dirty="0"/>
+              <a:t>활용</a:t>
+            </a:r>
+            <a:endParaRPr lang="en-US" altLang="ko-KR" sz="1600" dirty="0"/>
+          </a:p>
+        </p:txBody>
+      </p:sp>
+      <p:pic>
+        <p:nvPicPr>
+          <p:cNvPr id="14" name="그림 13">
+            <a:extLst>
+              <a:ext uri="{FF2B5EF4-FFF2-40B4-BE49-F238E27FC236}">
+                <a16:creationId xmlns:a16="http://schemas.microsoft.com/office/drawing/2014/main" id="{C855BC11-8421-4FFC-AC29-B4A5B0A54ABB}"/>
+              </a:ext>
+            </a:extLst>
+          </p:cNvPr>
+          <p:cNvPicPr>
+            <a:picLocks noChangeAspect="1"/>
+          </p:cNvPicPr>
+          <p:nvPr/>
+        </p:nvPicPr>
+        <p:blipFill>
+          <a:blip r:embed="rId6"/>
+          <a:stretch>
+            <a:fillRect/>
+          </a:stretch>
+        </p:blipFill>
+        <p:spPr>
+          <a:xfrm>
+            <a:off x="936525" y="4678279"/>
+            <a:ext cx="2783100" cy="1856992"/>
+          </a:xfrm>
+          <a:prstGeom prst="rect">
+            <a:avLst/>
+          </a:prstGeom>
+        </p:spPr>
+      </p:pic>
+      <p:sp>
+        <p:nvSpPr>
+          <p:cNvPr id="15" name="TextBox 14">
+            <a:extLst>
+              <a:ext uri="{FF2B5EF4-FFF2-40B4-BE49-F238E27FC236}">
+                <a16:creationId xmlns:a16="http://schemas.microsoft.com/office/drawing/2014/main" id="{A0796356-453E-4544-8BFF-0E992FBC08CB}"/>
+              </a:ext>
+            </a:extLst>
+          </p:cNvPr>
+          <p:cNvSpPr txBox="1"/>
+          <p:nvPr/>
+        </p:nvSpPr>
+        <p:spPr>
+          <a:xfrm>
+            <a:off x="497285" y="4207517"/>
+            <a:ext cx="2246128" cy="415627"/>
+          </a:xfrm>
+          <a:prstGeom prst="rect">
+            <a:avLst/>
+          </a:prstGeom>
+          <a:noFill/>
+        </p:spPr>
+        <p:txBody>
+          <a:bodyPr wrap="none" rtlCol="0">
+            <a:spAutoFit/>
+          </a:bodyPr>
+          <a:lstStyle/>
+          <a:p>
+            <a:pPr>
+              <a:lnSpc>
+                <a:spcPct val="150000"/>
+              </a:lnSpc>
+            </a:pPr>
+            <a:r>
+              <a:rPr lang="ko-KR" altLang="en-US" sz="1600" dirty="0"/>
+              <a:t>▶ </a:t>
+            </a:r>
+            <a:r>
+              <a:rPr lang="en-US" altLang="ko-KR" sz="1600" dirty="0"/>
+              <a:t>PR Template </a:t>
+            </a:r>
+            <a:r>
+              <a:rPr lang="ko-KR" altLang="en-US" sz="1600" dirty="0"/>
+              <a:t>적용 </a:t>
+            </a:r>
+            <a:endParaRPr lang="en-US" altLang="ko-KR" sz="1600" dirty="0"/>
+          </a:p>
+        </p:txBody>
+      </p:sp>
     </p:spTree>
     <p:extLst>
       <p:ext uri="{BB962C8B-B14F-4D97-AF65-F5344CB8AC3E}">
